--- a/BaoCao/2.Thiết kế hệ thống/GiaoDien.pptx
+++ b/BaoCao/2.Thiết kế hệ thống/GiaoDien.pptx
@@ -111,6 +111,11 @@
       </a:defRPr>
     </a:lvl9pPr>
   </p:defaultTextStyle>
+  <p:extLst>
+    <p:ext uri="{EFAFB233-063F-42B5-8137-9DF3F51BA10A}">
+      <p15:sldGuideLst xmlns:p15="http://schemas.microsoft.com/office/powerpoint/2012/main"/>
+    </p:ext>
+  </p:extLst>
 </p:presentation>
 </file>
 
@@ -261,7 +266,7 @@
           <a:p>
             <a:fld id="{67A7A6C0-62BD-48B3-A38A-BFC3C65E18C6}" type="datetimeFigureOut">
               <a:rPr lang="en-US" smtClean="0"/>
-              <a:t>10/10/2023</a:t>
+              <a:t>10/11/2023</a:t>
             </a:fld>
             <a:endParaRPr lang="en-US"/>
           </a:p>
@@ -459,7 +464,7 @@
           <a:p>
             <a:fld id="{67A7A6C0-62BD-48B3-A38A-BFC3C65E18C6}" type="datetimeFigureOut">
               <a:rPr lang="en-US" smtClean="0"/>
-              <a:t>10/10/2023</a:t>
+              <a:t>10/11/2023</a:t>
             </a:fld>
             <a:endParaRPr lang="en-US"/>
           </a:p>
@@ -667,7 +672,7 @@
           <a:p>
             <a:fld id="{67A7A6C0-62BD-48B3-A38A-BFC3C65E18C6}" type="datetimeFigureOut">
               <a:rPr lang="en-US" smtClean="0"/>
-              <a:t>10/10/2023</a:t>
+              <a:t>10/11/2023</a:t>
             </a:fld>
             <a:endParaRPr lang="en-US"/>
           </a:p>
@@ -865,7 +870,7 @@
           <a:p>
             <a:fld id="{67A7A6C0-62BD-48B3-A38A-BFC3C65E18C6}" type="datetimeFigureOut">
               <a:rPr lang="en-US" smtClean="0"/>
-              <a:t>10/10/2023</a:t>
+              <a:t>10/11/2023</a:t>
             </a:fld>
             <a:endParaRPr lang="en-US"/>
           </a:p>
@@ -1140,7 +1145,7 @@
           <a:p>
             <a:fld id="{67A7A6C0-62BD-48B3-A38A-BFC3C65E18C6}" type="datetimeFigureOut">
               <a:rPr lang="en-US" smtClean="0"/>
-              <a:t>10/10/2023</a:t>
+              <a:t>10/11/2023</a:t>
             </a:fld>
             <a:endParaRPr lang="en-US"/>
           </a:p>
@@ -1405,7 +1410,7 @@
           <a:p>
             <a:fld id="{67A7A6C0-62BD-48B3-A38A-BFC3C65E18C6}" type="datetimeFigureOut">
               <a:rPr lang="en-US" smtClean="0"/>
-              <a:t>10/10/2023</a:t>
+              <a:t>10/11/2023</a:t>
             </a:fld>
             <a:endParaRPr lang="en-US"/>
           </a:p>
@@ -1817,7 +1822,7 @@
           <a:p>
             <a:fld id="{67A7A6C0-62BD-48B3-A38A-BFC3C65E18C6}" type="datetimeFigureOut">
               <a:rPr lang="en-US" smtClean="0"/>
-              <a:t>10/10/2023</a:t>
+              <a:t>10/11/2023</a:t>
             </a:fld>
             <a:endParaRPr lang="en-US"/>
           </a:p>
@@ -1958,7 +1963,7 @@
           <a:p>
             <a:fld id="{67A7A6C0-62BD-48B3-A38A-BFC3C65E18C6}" type="datetimeFigureOut">
               <a:rPr lang="en-US" smtClean="0"/>
-              <a:t>10/10/2023</a:t>
+              <a:t>10/11/2023</a:t>
             </a:fld>
             <a:endParaRPr lang="en-US"/>
           </a:p>
@@ -2071,7 +2076,7 @@
           <a:p>
             <a:fld id="{67A7A6C0-62BD-48B3-A38A-BFC3C65E18C6}" type="datetimeFigureOut">
               <a:rPr lang="en-US" smtClean="0"/>
-              <a:t>10/10/2023</a:t>
+              <a:t>10/11/2023</a:t>
             </a:fld>
             <a:endParaRPr lang="en-US"/>
           </a:p>
@@ -2382,7 +2387,7 @@
           <a:p>
             <a:fld id="{67A7A6C0-62BD-48B3-A38A-BFC3C65E18C6}" type="datetimeFigureOut">
               <a:rPr lang="en-US" smtClean="0"/>
-              <a:t>10/10/2023</a:t>
+              <a:t>10/11/2023</a:t>
             </a:fld>
             <a:endParaRPr lang="en-US"/>
           </a:p>
@@ -2670,7 +2675,7 @@
           <a:p>
             <a:fld id="{67A7A6C0-62BD-48B3-A38A-BFC3C65E18C6}" type="datetimeFigureOut">
               <a:rPr lang="en-US" smtClean="0"/>
-              <a:t>10/10/2023</a:t>
+              <a:t>10/11/2023</a:t>
             </a:fld>
             <a:endParaRPr lang="en-US"/>
           </a:p>
@@ -2911,7 +2916,7 @@
           <a:p>
             <a:fld id="{67A7A6C0-62BD-48B3-A38A-BFC3C65E18C6}" type="datetimeFigureOut">
               <a:rPr lang="en-US" smtClean="0"/>
-              <a:t>10/10/2023</a:t>
+              <a:t>10/11/2023</a:t>
             </a:fld>
             <a:endParaRPr lang="en-US"/>
           </a:p>
@@ -3342,7 +3347,7 @@
         </p:nvGrpSpPr>
         <p:grpSpPr>
           <a:xfrm>
-            <a:off x="2236329" y="-1018721"/>
+            <a:off x="1810660" y="244702"/>
             <a:ext cx="7321192" cy="6368596"/>
             <a:chOff x="2236329" y="-1018721"/>
             <a:chExt cx="7321192" cy="6368596"/>

--- a/BaoCao/2.Thiết kế hệ thống/GiaoDien.pptx
+++ b/BaoCao/2.Thiết kế hệ thống/GiaoDien.pptx
@@ -252,7 +252,7 @@
             <c:ext xmlns:c15="http://schemas.microsoft.com/office/drawing/2012/chart" uri="{02D57815-91ED-43cb-92C2-25804820EDAC}">
               <c15:filteredCategoryTitle>
                 <c15:cat>
-                  <c:strRef>
+                  <c:multiLvlStrRef>
                     <c:extLst>
                       <c:ext uri="{02D57815-91ED-43cb-92C2-25804820EDAC}">
                         <c15:formulaRef>
@@ -260,7 +260,7 @@
                         </c15:formulaRef>
                       </c:ext>
                     </c:extLst>
-                  </c:strRef>
+                  </c:multiLvlStrRef>
                 </c15:cat>
               </c15:filteredCategoryTitle>
             </c:ext>
@@ -1122,7 +1122,7 @@
           <a:p>
             <a:fld id="{67A7A6C0-62BD-48B3-A38A-BFC3C65E18C6}" type="datetimeFigureOut">
               <a:rPr lang="en-US" smtClean="0"/>
-              <a:t>10/11/2023</a:t>
+              <a:t>10/12/2023</a:t>
             </a:fld>
             <a:endParaRPr lang="en-US"/>
           </a:p>
@@ -1320,7 +1320,7 @@
           <a:p>
             <a:fld id="{67A7A6C0-62BD-48B3-A38A-BFC3C65E18C6}" type="datetimeFigureOut">
               <a:rPr lang="en-US" smtClean="0"/>
-              <a:t>10/11/2023</a:t>
+              <a:t>10/12/2023</a:t>
             </a:fld>
             <a:endParaRPr lang="en-US"/>
           </a:p>
@@ -1528,7 +1528,7 @@
           <a:p>
             <a:fld id="{67A7A6C0-62BD-48B3-A38A-BFC3C65E18C6}" type="datetimeFigureOut">
               <a:rPr lang="en-US" smtClean="0"/>
-              <a:t>10/11/2023</a:t>
+              <a:t>10/12/2023</a:t>
             </a:fld>
             <a:endParaRPr lang="en-US"/>
           </a:p>
@@ -1726,7 +1726,7 @@
           <a:p>
             <a:fld id="{67A7A6C0-62BD-48B3-A38A-BFC3C65E18C6}" type="datetimeFigureOut">
               <a:rPr lang="en-US" smtClean="0"/>
-              <a:t>10/11/2023</a:t>
+              <a:t>10/12/2023</a:t>
             </a:fld>
             <a:endParaRPr lang="en-US"/>
           </a:p>
@@ -2001,7 +2001,7 @@
           <a:p>
             <a:fld id="{67A7A6C0-62BD-48B3-A38A-BFC3C65E18C6}" type="datetimeFigureOut">
               <a:rPr lang="en-US" smtClean="0"/>
-              <a:t>10/11/2023</a:t>
+              <a:t>10/12/2023</a:t>
             </a:fld>
             <a:endParaRPr lang="en-US"/>
           </a:p>
@@ -2266,7 +2266,7 @@
           <a:p>
             <a:fld id="{67A7A6C0-62BD-48B3-A38A-BFC3C65E18C6}" type="datetimeFigureOut">
               <a:rPr lang="en-US" smtClean="0"/>
-              <a:t>10/11/2023</a:t>
+              <a:t>10/12/2023</a:t>
             </a:fld>
             <a:endParaRPr lang="en-US"/>
           </a:p>
@@ -2678,7 +2678,7 @@
           <a:p>
             <a:fld id="{67A7A6C0-62BD-48B3-A38A-BFC3C65E18C6}" type="datetimeFigureOut">
               <a:rPr lang="en-US" smtClean="0"/>
-              <a:t>10/11/2023</a:t>
+              <a:t>10/12/2023</a:t>
             </a:fld>
             <a:endParaRPr lang="en-US"/>
           </a:p>
@@ -2819,7 +2819,7 @@
           <a:p>
             <a:fld id="{67A7A6C0-62BD-48B3-A38A-BFC3C65E18C6}" type="datetimeFigureOut">
               <a:rPr lang="en-US" smtClean="0"/>
-              <a:t>10/11/2023</a:t>
+              <a:t>10/12/2023</a:t>
             </a:fld>
             <a:endParaRPr lang="en-US"/>
           </a:p>
@@ -2932,7 +2932,7 @@
           <a:p>
             <a:fld id="{67A7A6C0-62BD-48B3-A38A-BFC3C65E18C6}" type="datetimeFigureOut">
               <a:rPr lang="en-US" smtClean="0"/>
-              <a:t>10/11/2023</a:t>
+              <a:t>10/12/2023</a:t>
             </a:fld>
             <a:endParaRPr lang="en-US"/>
           </a:p>
@@ -3243,7 +3243,7 @@
           <a:p>
             <a:fld id="{67A7A6C0-62BD-48B3-A38A-BFC3C65E18C6}" type="datetimeFigureOut">
               <a:rPr lang="en-US" smtClean="0"/>
-              <a:t>10/11/2023</a:t>
+              <a:t>10/12/2023</a:t>
             </a:fld>
             <a:endParaRPr lang="en-US"/>
           </a:p>
@@ -3531,7 +3531,7 @@
           <a:p>
             <a:fld id="{67A7A6C0-62BD-48B3-A38A-BFC3C65E18C6}" type="datetimeFigureOut">
               <a:rPr lang="en-US" smtClean="0"/>
-              <a:t>10/11/2023</a:t>
+              <a:t>10/12/2023</a:t>
             </a:fld>
             <a:endParaRPr lang="en-US"/>
           </a:p>
@@ -3772,7 +3772,7 @@
           <a:p>
             <a:fld id="{67A7A6C0-62BD-48B3-A38A-BFC3C65E18C6}" type="datetimeFigureOut">
               <a:rPr lang="en-US" smtClean="0"/>
-              <a:t>10/11/2023</a:t>
+              <a:t>10/12/2023</a:t>
             </a:fld>
             <a:endParaRPr lang="en-US"/>
           </a:p>
@@ -28066,436 +28066,12 @@
           <a:chExt cx="0" cy="0"/>
         </a:xfrm>
       </p:grpSpPr>
-      <p:sp>
-        <p:nvSpPr>
-          <p:cNvPr id="4" name="Shape 27">
+      <p:grpSp>
+        <p:nvGrpSpPr>
+          <p:cNvPr id="2" name="Group 1">
             <a:extLst>
               <a:ext uri="{FF2B5EF4-FFF2-40B4-BE49-F238E27FC236}">
-                <a16:creationId xmlns:a16="http://schemas.microsoft.com/office/drawing/2014/main" id="{00000000-0008-0000-0300-00001B000000}"/>
-              </a:ext>
-            </a:extLst>
-          </p:cNvPr>
-          <p:cNvSpPr/>
-          <p:nvPr/>
-        </p:nvSpPr>
-        <p:spPr>
-          <a:xfrm>
-            <a:off x="3227917" y="1519238"/>
-            <a:ext cx="4448175" cy="419100"/>
-          </a:xfrm>
-          <a:prstGeom prst="rect">
-            <a:avLst/>
-          </a:prstGeom>
-          <a:noFill/>
-          <a:ln>
-            <a:noFill/>
-          </a:ln>
-        </p:spPr>
-        <p:txBody>
-          <a:bodyPr spcFirstLastPara="1" wrap="square" lIns="91425" tIns="45700" rIns="91425" bIns="45700" anchor="t" anchorCtr="0">
-            <a:noAutofit/>
-          </a:bodyPr>
-          <a:lstStyle>
-            <a:lvl1pPr marL="0" indent="0">
-              <a:defRPr sz="1100">
-                <a:latin typeface="+mn-lt"/>
-                <a:ea typeface="+mn-ea"/>
-                <a:cs typeface="+mn-cs"/>
-              </a:defRPr>
-            </a:lvl1pPr>
-            <a:lvl2pPr marL="457200" indent="0">
-              <a:defRPr sz="1100">
-                <a:latin typeface="+mn-lt"/>
-                <a:ea typeface="+mn-ea"/>
-                <a:cs typeface="+mn-cs"/>
-              </a:defRPr>
-            </a:lvl2pPr>
-            <a:lvl3pPr marL="914400" indent="0">
-              <a:defRPr sz="1100">
-                <a:latin typeface="+mn-lt"/>
-                <a:ea typeface="+mn-ea"/>
-                <a:cs typeface="+mn-cs"/>
-              </a:defRPr>
-            </a:lvl3pPr>
-            <a:lvl4pPr marL="1371600" indent="0">
-              <a:defRPr sz="1100">
-                <a:latin typeface="+mn-lt"/>
-                <a:ea typeface="+mn-ea"/>
-                <a:cs typeface="+mn-cs"/>
-              </a:defRPr>
-            </a:lvl4pPr>
-            <a:lvl5pPr marL="1828800" indent="0">
-              <a:defRPr sz="1100">
-                <a:latin typeface="+mn-lt"/>
-                <a:ea typeface="+mn-ea"/>
-                <a:cs typeface="+mn-cs"/>
-              </a:defRPr>
-            </a:lvl5pPr>
-            <a:lvl6pPr marL="2286000" indent="0">
-              <a:defRPr sz="1100">
-                <a:latin typeface="+mn-lt"/>
-                <a:ea typeface="+mn-ea"/>
-                <a:cs typeface="+mn-cs"/>
-              </a:defRPr>
-            </a:lvl6pPr>
-            <a:lvl7pPr marL="2743200" indent="0">
-              <a:defRPr sz="1100">
-                <a:latin typeface="+mn-lt"/>
-                <a:ea typeface="+mn-ea"/>
-                <a:cs typeface="+mn-cs"/>
-              </a:defRPr>
-            </a:lvl7pPr>
-            <a:lvl8pPr marL="3200400" indent="0">
-              <a:defRPr sz="1100">
-                <a:latin typeface="+mn-lt"/>
-                <a:ea typeface="+mn-ea"/>
-                <a:cs typeface="+mn-cs"/>
-              </a:defRPr>
-            </a:lvl8pPr>
-            <a:lvl9pPr marL="3657600" indent="0">
-              <a:defRPr sz="1100">
-                <a:latin typeface="+mn-lt"/>
-                <a:ea typeface="+mn-ea"/>
-                <a:cs typeface="+mn-cs"/>
-              </a:defRPr>
-            </a:lvl9pPr>
-          </a:lstStyle>
-          <a:p>
-            <a:pPr marL="0" lvl="0" indent="0" algn="l">
-              <a:spcBef>
-                <a:spcPts val="0"/>
-              </a:spcBef>
-              <a:spcAft>
-                <a:spcPts val="0"/>
-              </a:spcAft>
-              <a:buNone/>
-            </a:pPr>
-            <a:endParaRPr sz="1100"/>
-          </a:p>
-        </p:txBody>
-      </p:sp>
-      <p:sp>
-        <p:nvSpPr>
-          <p:cNvPr id="6" name="Rectangle 5">
-            <a:extLst>
-              <a:ext uri="{FF2B5EF4-FFF2-40B4-BE49-F238E27FC236}">
-                <a16:creationId xmlns:a16="http://schemas.microsoft.com/office/drawing/2014/main" id="{8BFFF1BD-B177-352C-DA81-B84CCEF3563B}"/>
-              </a:ext>
-            </a:extLst>
-          </p:cNvPr>
-          <p:cNvSpPr>
-            <a:spLocks noChangeAspect="1"/>
-          </p:cNvSpPr>
-          <p:nvPr/>
-        </p:nvSpPr>
-        <p:spPr>
-          <a:xfrm>
-            <a:off x="2123731" y="1204912"/>
-            <a:ext cx="7907867" cy="4448175"/>
-          </a:xfrm>
-          <a:prstGeom prst="rect">
-            <a:avLst/>
-          </a:prstGeom>
-          <a:solidFill>
-            <a:schemeClr val="bg1">
-              <a:lumMod val="95000"/>
-            </a:schemeClr>
-          </a:solidFill>
-          <a:ln w="3175">
-            <a:solidFill>
-              <a:schemeClr val="tx1"/>
-            </a:solidFill>
-          </a:ln>
-        </p:spPr>
-        <p:style>
-          <a:lnRef idx="2">
-            <a:schemeClr val="accent1">
-              <a:shade val="15000"/>
-            </a:schemeClr>
-          </a:lnRef>
-          <a:fillRef idx="1">
-            <a:schemeClr val="accent1"/>
-          </a:fillRef>
-          <a:effectRef idx="0">
-            <a:schemeClr val="accent1"/>
-          </a:effectRef>
-          <a:fontRef idx="minor">
-            <a:schemeClr val="lt1"/>
-          </a:fontRef>
-        </p:style>
-        <p:txBody>
-          <a:bodyPr rot="0" spcFirstLastPara="0" vert="horz" wrap="square" lIns="91440" tIns="45720" rIns="91440" bIns="45720" numCol="1" spcCol="0" rtlCol="0" fromWordArt="0" anchor="t" anchorCtr="0" forceAA="0" compatLnSpc="1">
-            <a:prstTxWarp prst="textNoShape">
-              <a:avLst/>
-            </a:prstTxWarp>
-            <a:noAutofit/>
-          </a:bodyPr>
-          <a:lstStyle>
-            <a:lvl1pPr marL="0" indent="0">
-              <a:defRPr sz="1100">
-                <a:solidFill>
-                  <a:schemeClr val="lt1"/>
-                </a:solidFill>
-                <a:latin typeface="+mn-lt"/>
-                <a:ea typeface="+mn-ea"/>
-                <a:cs typeface="+mn-cs"/>
-              </a:defRPr>
-            </a:lvl1pPr>
-            <a:lvl2pPr marL="457200" indent="0">
-              <a:defRPr sz="1100">
-                <a:solidFill>
-                  <a:schemeClr val="lt1"/>
-                </a:solidFill>
-                <a:latin typeface="+mn-lt"/>
-                <a:ea typeface="+mn-ea"/>
-                <a:cs typeface="+mn-cs"/>
-              </a:defRPr>
-            </a:lvl2pPr>
-            <a:lvl3pPr marL="914400" indent="0">
-              <a:defRPr sz="1100">
-                <a:solidFill>
-                  <a:schemeClr val="lt1"/>
-                </a:solidFill>
-                <a:latin typeface="+mn-lt"/>
-                <a:ea typeface="+mn-ea"/>
-                <a:cs typeface="+mn-cs"/>
-              </a:defRPr>
-            </a:lvl3pPr>
-            <a:lvl4pPr marL="1371600" indent="0">
-              <a:defRPr sz="1100">
-                <a:solidFill>
-                  <a:schemeClr val="lt1"/>
-                </a:solidFill>
-                <a:latin typeface="+mn-lt"/>
-                <a:ea typeface="+mn-ea"/>
-                <a:cs typeface="+mn-cs"/>
-              </a:defRPr>
-            </a:lvl4pPr>
-            <a:lvl5pPr marL="1828800" indent="0">
-              <a:defRPr sz="1100">
-                <a:solidFill>
-                  <a:schemeClr val="lt1"/>
-                </a:solidFill>
-                <a:latin typeface="+mn-lt"/>
-                <a:ea typeface="+mn-ea"/>
-                <a:cs typeface="+mn-cs"/>
-              </a:defRPr>
-            </a:lvl5pPr>
-            <a:lvl6pPr marL="2286000" indent="0">
-              <a:defRPr sz="1100">
-                <a:solidFill>
-                  <a:schemeClr val="lt1"/>
-                </a:solidFill>
-                <a:latin typeface="+mn-lt"/>
-                <a:ea typeface="+mn-ea"/>
-                <a:cs typeface="+mn-cs"/>
-              </a:defRPr>
-            </a:lvl6pPr>
-            <a:lvl7pPr marL="2743200" indent="0">
-              <a:defRPr sz="1100">
-                <a:solidFill>
-                  <a:schemeClr val="lt1"/>
-                </a:solidFill>
-                <a:latin typeface="+mn-lt"/>
-                <a:ea typeface="+mn-ea"/>
-                <a:cs typeface="+mn-cs"/>
-              </a:defRPr>
-            </a:lvl7pPr>
-            <a:lvl8pPr marL="3200400" indent="0">
-              <a:defRPr sz="1100">
-                <a:solidFill>
-                  <a:schemeClr val="lt1"/>
-                </a:solidFill>
-                <a:latin typeface="+mn-lt"/>
-                <a:ea typeface="+mn-ea"/>
-                <a:cs typeface="+mn-cs"/>
-              </a:defRPr>
-            </a:lvl8pPr>
-            <a:lvl9pPr marL="3657600" indent="0">
-              <a:defRPr sz="1100">
-                <a:solidFill>
-                  <a:schemeClr val="lt1"/>
-                </a:solidFill>
-                <a:latin typeface="+mn-lt"/>
-                <a:ea typeface="+mn-ea"/>
-                <a:cs typeface="+mn-cs"/>
-              </a:defRPr>
-            </a:lvl9pPr>
-          </a:lstStyle>
-          <a:p>
-            <a:pPr algn="l"/>
-            <a:endParaRPr lang="en-US" sz="1100" dirty="0"/>
-          </a:p>
-        </p:txBody>
-      </p:sp>
-      <p:sp>
-        <p:nvSpPr>
-          <p:cNvPr id="12" name="Rectangle 11">
-            <a:extLst>
-              <a:ext uri="{FF2B5EF4-FFF2-40B4-BE49-F238E27FC236}">
-                <a16:creationId xmlns:a16="http://schemas.microsoft.com/office/drawing/2014/main" id="{B1F0939B-400B-6E77-F452-0A0871CB32AF}"/>
-              </a:ext>
-            </a:extLst>
-          </p:cNvPr>
-          <p:cNvSpPr/>
-          <p:nvPr/>
-        </p:nvSpPr>
-        <p:spPr>
-          <a:xfrm>
-            <a:off x="3184844" y="1368553"/>
-            <a:ext cx="628650" cy="180975"/>
-          </a:xfrm>
-          <a:prstGeom prst="rect">
-            <a:avLst/>
-          </a:prstGeom>
-          <a:noFill/>
-          <a:ln>
-            <a:noFill/>
-          </a:ln>
-        </p:spPr>
-        <p:style>
-          <a:lnRef idx="1">
-            <a:schemeClr val="accent6"/>
-          </a:lnRef>
-          <a:fillRef idx="2">
-            <a:schemeClr val="accent6"/>
-          </a:fillRef>
-          <a:effectRef idx="1">
-            <a:schemeClr val="accent6"/>
-          </a:effectRef>
-          <a:fontRef idx="minor">
-            <a:schemeClr val="dk1"/>
-          </a:fontRef>
-        </p:style>
-        <p:txBody>
-          <a:bodyPr rot="0" spcFirstLastPara="0" vert="horz" wrap="square" lIns="91440" tIns="45720" rIns="91440" bIns="45720" numCol="1" spcCol="0" rtlCol="0" fromWordArt="0" anchor="t" anchorCtr="0" forceAA="0" compatLnSpc="1">
-            <a:prstTxWarp prst="textNoShape">
-              <a:avLst/>
-            </a:prstTxWarp>
-            <a:noAutofit/>
-          </a:bodyPr>
-          <a:lstStyle>
-            <a:lvl1pPr marL="0" indent="0">
-              <a:defRPr sz="1100">
-                <a:solidFill>
-                  <a:schemeClr val="dk1"/>
-                </a:solidFill>
-                <a:latin typeface="+mn-lt"/>
-                <a:ea typeface="+mn-ea"/>
-                <a:cs typeface="+mn-cs"/>
-              </a:defRPr>
-            </a:lvl1pPr>
-            <a:lvl2pPr marL="457200" indent="0">
-              <a:defRPr sz="1100">
-                <a:solidFill>
-                  <a:schemeClr val="dk1"/>
-                </a:solidFill>
-                <a:latin typeface="+mn-lt"/>
-                <a:ea typeface="+mn-ea"/>
-                <a:cs typeface="+mn-cs"/>
-              </a:defRPr>
-            </a:lvl2pPr>
-            <a:lvl3pPr marL="914400" indent="0">
-              <a:defRPr sz="1100">
-                <a:solidFill>
-                  <a:schemeClr val="dk1"/>
-                </a:solidFill>
-                <a:latin typeface="+mn-lt"/>
-                <a:ea typeface="+mn-ea"/>
-                <a:cs typeface="+mn-cs"/>
-              </a:defRPr>
-            </a:lvl3pPr>
-            <a:lvl4pPr marL="1371600" indent="0">
-              <a:defRPr sz="1100">
-                <a:solidFill>
-                  <a:schemeClr val="dk1"/>
-                </a:solidFill>
-                <a:latin typeface="+mn-lt"/>
-                <a:ea typeface="+mn-ea"/>
-                <a:cs typeface="+mn-cs"/>
-              </a:defRPr>
-            </a:lvl4pPr>
-            <a:lvl5pPr marL="1828800" indent="0">
-              <a:defRPr sz="1100">
-                <a:solidFill>
-                  <a:schemeClr val="dk1"/>
-                </a:solidFill>
-                <a:latin typeface="+mn-lt"/>
-                <a:ea typeface="+mn-ea"/>
-                <a:cs typeface="+mn-cs"/>
-              </a:defRPr>
-            </a:lvl5pPr>
-            <a:lvl6pPr marL="2286000" indent="0">
-              <a:defRPr sz="1100">
-                <a:solidFill>
-                  <a:schemeClr val="dk1"/>
-                </a:solidFill>
-                <a:latin typeface="+mn-lt"/>
-                <a:ea typeface="+mn-ea"/>
-                <a:cs typeface="+mn-cs"/>
-              </a:defRPr>
-            </a:lvl6pPr>
-            <a:lvl7pPr marL="2743200" indent="0">
-              <a:defRPr sz="1100">
-                <a:solidFill>
-                  <a:schemeClr val="dk1"/>
-                </a:solidFill>
-                <a:latin typeface="+mn-lt"/>
-                <a:ea typeface="+mn-ea"/>
-                <a:cs typeface="+mn-cs"/>
-              </a:defRPr>
-            </a:lvl7pPr>
-            <a:lvl8pPr marL="3200400" indent="0">
-              <a:defRPr sz="1100">
-                <a:solidFill>
-                  <a:schemeClr val="dk1"/>
-                </a:solidFill>
-                <a:latin typeface="+mn-lt"/>
-                <a:ea typeface="+mn-ea"/>
-                <a:cs typeface="+mn-cs"/>
-              </a:defRPr>
-            </a:lvl8pPr>
-            <a:lvl9pPr marL="3657600" indent="0">
-              <a:defRPr sz="1100">
-                <a:solidFill>
-                  <a:schemeClr val="dk1"/>
-                </a:solidFill>
-                <a:latin typeface="+mn-lt"/>
-                <a:ea typeface="+mn-ea"/>
-                <a:cs typeface="+mn-cs"/>
-              </a:defRPr>
-            </a:lvl9pPr>
-          </a:lstStyle>
-          <a:p>
-            <a:pPr algn="ctr"/>
-            <a:r>
-              <a:rPr lang="vi-VN" sz="700" b="0" dirty="0">
-                <a:solidFill>
-                  <a:schemeClr val="accent2">
-                    <a:lumMod val="60000"/>
-                    <a:lumOff val="40000"/>
-                  </a:schemeClr>
-                </a:solidFill>
-              </a:rPr>
-              <a:t>HOME</a:t>
-            </a:r>
-            <a:endParaRPr lang="en-US" sz="700" b="0" dirty="0">
-              <a:solidFill>
-                <a:schemeClr val="accent2">
-                  <a:lumMod val="60000"/>
-                  <a:lumOff val="40000"/>
-                </a:schemeClr>
-              </a:solidFill>
-            </a:endParaRPr>
-          </a:p>
-        </p:txBody>
-      </p:sp>
-      <p:grpSp>
-        <p:nvGrpSpPr>
-          <p:cNvPr id="19" name="Group 18">
-            <a:extLst>
-              <a:ext uri="{FF2B5EF4-FFF2-40B4-BE49-F238E27FC236}">
-                <a16:creationId xmlns:a16="http://schemas.microsoft.com/office/drawing/2014/main" id="{B9084FAC-208C-4E99-A4A6-BEE4F6FF5E31}"/>
+                <a16:creationId xmlns:a16="http://schemas.microsoft.com/office/drawing/2014/main" id="{7D218910-CA85-ADA3-EB7C-72EEB603E1A1}"/>
               </a:ext>
             </a:extLst>
           </p:cNvPr>
@@ -28504,96 +28080,18 @@
         </p:nvGrpSpPr>
         <p:grpSpPr>
           <a:xfrm>
-            <a:off x="7484787" y="1345502"/>
-            <a:ext cx="1448688" cy="266700"/>
-            <a:chOff x="8305208" y="1327214"/>
-            <a:chExt cx="1448688" cy="266700"/>
+            <a:off x="2123731" y="1204912"/>
+            <a:ext cx="7907867" cy="4448175"/>
+            <a:chOff x="2123731" y="1204912"/>
+            <a:chExt cx="7907867" cy="4448175"/>
           </a:xfrm>
         </p:grpSpPr>
-        <p:pic>
-          <p:nvPicPr>
-            <p:cNvPr id="13" name="Graphic 5" descr="Badge Heart with solid fill">
+        <p:sp>
+          <p:nvSpPr>
+            <p:cNvPr id="4" name="Shape 27">
               <a:extLst>
                 <a:ext uri="{FF2B5EF4-FFF2-40B4-BE49-F238E27FC236}">
-                  <a16:creationId xmlns:a16="http://schemas.microsoft.com/office/drawing/2014/main" id="{8BAFC00A-5C2B-3DA1-736E-55DF2880EC01}"/>
-                </a:ext>
-              </a:extLst>
-            </p:cNvPr>
-            <p:cNvPicPr>
-              <a:picLocks noChangeAspect="1"/>
-            </p:cNvPicPr>
-            <p:nvPr/>
-          </p:nvPicPr>
-          <p:blipFill>
-            <a:blip r:embed="rId2">
-              <a:extLst>
-                <a:ext uri="{28A0092B-C50C-407E-A947-70E740481C1C}">
-                  <a14:useLocalDpi xmlns:a14="http://schemas.microsoft.com/office/drawing/2010/main" val="0"/>
-                </a:ext>
-                <a:ext uri="{96DAC541-7B7A-43D3-8B79-37D633B846F1}">
-                  <asvg:svgBlip xmlns:asvg="http://schemas.microsoft.com/office/drawing/2016/SVG/main" r:embed="rId3"/>
-                </a:ext>
-              </a:extLst>
-            </a:blip>
-            <a:stretch>
-              <a:fillRect/>
-            </a:stretch>
-          </p:blipFill>
-          <p:spPr>
-            <a:xfrm>
-              <a:off x="8305208" y="1327214"/>
-              <a:ext cx="266700" cy="266700"/>
-            </a:xfrm>
-            <a:prstGeom prst="rect">
-              <a:avLst/>
-            </a:prstGeom>
-          </p:spPr>
-        </p:pic>
-        <p:pic>
-          <p:nvPicPr>
-            <p:cNvPr id="14" name="Graphic 10" descr="Shopping cart with solid fill">
-              <a:extLst>
-                <a:ext uri="{FF2B5EF4-FFF2-40B4-BE49-F238E27FC236}">
-                  <a16:creationId xmlns:a16="http://schemas.microsoft.com/office/drawing/2014/main" id="{051D5ECF-1804-C1BB-3699-41B31F5E3F62}"/>
-                </a:ext>
-              </a:extLst>
-            </p:cNvPr>
-            <p:cNvPicPr>
-              <a:picLocks noChangeAspect="1"/>
-            </p:cNvPicPr>
-            <p:nvPr/>
-          </p:nvPicPr>
-          <p:blipFill>
-            <a:blip r:embed="rId4">
-              <a:extLst>
-                <a:ext uri="{28A0092B-C50C-407E-A947-70E740481C1C}">
-                  <a14:useLocalDpi xmlns:a14="http://schemas.microsoft.com/office/drawing/2010/main" val="0"/>
-                </a:ext>
-                <a:ext uri="{96DAC541-7B7A-43D3-8B79-37D633B846F1}">
-                  <asvg:svgBlip xmlns:asvg="http://schemas.microsoft.com/office/drawing/2016/SVG/main" r:embed="rId5"/>
-                </a:ext>
-              </a:extLst>
-            </a:blip>
-            <a:stretch>
-              <a:fillRect/>
-            </a:stretch>
-          </p:blipFill>
-          <p:spPr>
-            <a:xfrm>
-              <a:off x="8600017" y="1328738"/>
-              <a:ext cx="265176" cy="265176"/>
-            </a:xfrm>
-            <a:prstGeom prst="rect">
-              <a:avLst/>
-            </a:prstGeom>
-          </p:spPr>
-        </p:pic>
-        <p:sp>
-          <p:nvSpPr>
-            <p:cNvPr id="11" name="Rectangle 10">
-              <a:extLst>
-                <a:ext uri="{FF2B5EF4-FFF2-40B4-BE49-F238E27FC236}">
-                  <a16:creationId xmlns:a16="http://schemas.microsoft.com/office/drawing/2014/main" id="{14465000-A65C-5A90-5D04-CDA3F61BEE84}"/>
+                  <a16:creationId xmlns:a16="http://schemas.microsoft.com/office/drawing/2014/main" id="{00000000-0008-0000-0300-00001B000000}"/>
                 </a:ext>
               </a:extLst>
             </p:cNvPr>
@@ -28602,7 +28100,269 @@
           </p:nvSpPr>
           <p:spPr>
             <a:xfrm>
-              <a:off x="8958940" y="1370076"/>
+              <a:off x="3227917" y="1519238"/>
+              <a:ext cx="4448175" cy="419100"/>
+            </a:xfrm>
+            <a:prstGeom prst="rect">
+              <a:avLst/>
+            </a:prstGeom>
+            <a:noFill/>
+            <a:ln>
+              <a:noFill/>
+            </a:ln>
+          </p:spPr>
+          <p:txBody>
+            <a:bodyPr spcFirstLastPara="1" wrap="square" lIns="91425" tIns="45700" rIns="91425" bIns="45700" anchor="t" anchorCtr="0">
+              <a:noAutofit/>
+            </a:bodyPr>
+            <a:lstStyle>
+              <a:lvl1pPr marL="0" indent="0">
+                <a:defRPr sz="1100">
+                  <a:latin typeface="+mn-lt"/>
+                  <a:ea typeface="+mn-ea"/>
+                  <a:cs typeface="+mn-cs"/>
+                </a:defRPr>
+              </a:lvl1pPr>
+              <a:lvl2pPr marL="457200" indent="0">
+                <a:defRPr sz="1100">
+                  <a:latin typeface="+mn-lt"/>
+                  <a:ea typeface="+mn-ea"/>
+                  <a:cs typeface="+mn-cs"/>
+                </a:defRPr>
+              </a:lvl2pPr>
+              <a:lvl3pPr marL="914400" indent="0">
+                <a:defRPr sz="1100">
+                  <a:latin typeface="+mn-lt"/>
+                  <a:ea typeface="+mn-ea"/>
+                  <a:cs typeface="+mn-cs"/>
+                </a:defRPr>
+              </a:lvl3pPr>
+              <a:lvl4pPr marL="1371600" indent="0">
+                <a:defRPr sz="1100">
+                  <a:latin typeface="+mn-lt"/>
+                  <a:ea typeface="+mn-ea"/>
+                  <a:cs typeface="+mn-cs"/>
+                </a:defRPr>
+              </a:lvl4pPr>
+              <a:lvl5pPr marL="1828800" indent="0">
+                <a:defRPr sz="1100">
+                  <a:latin typeface="+mn-lt"/>
+                  <a:ea typeface="+mn-ea"/>
+                  <a:cs typeface="+mn-cs"/>
+                </a:defRPr>
+              </a:lvl5pPr>
+              <a:lvl6pPr marL="2286000" indent="0">
+                <a:defRPr sz="1100">
+                  <a:latin typeface="+mn-lt"/>
+                  <a:ea typeface="+mn-ea"/>
+                  <a:cs typeface="+mn-cs"/>
+                </a:defRPr>
+              </a:lvl6pPr>
+              <a:lvl7pPr marL="2743200" indent="0">
+                <a:defRPr sz="1100">
+                  <a:latin typeface="+mn-lt"/>
+                  <a:ea typeface="+mn-ea"/>
+                  <a:cs typeface="+mn-cs"/>
+                </a:defRPr>
+              </a:lvl7pPr>
+              <a:lvl8pPr marL="3200400" indent="0">
+                <a:defRPr sz="1100">
+                  <a:latin typeface="+mn-lt"/>
+                  <a:ea typeface="+mn-ea"/>
+                  <a:cs typeface="+mn-cs"/>
+                </a:defRPr>
+              </a:lvl8pPr>
+              <a:lvl9pPr marL="3657600" indent="0">
+                <a:defRPr sz="1100">
+                  <a:latin typeface="+mn-lt"/>
+                  <a:ea typeface="+mn-ea"/>
+                  <a:cs typeface="+mn-cs"/>
+                </a:defRPr>
+              </a:lvl9pPr>
+            </a:lstStyle>
+            <a:p>
+              <a:pPr marL="0" lvl="0" indent="0" algn="l">
+                <a:spcBef>
+                  <a:spcPts val="0"/>
+                </a:spcBef>
+                <a:spcAft>
+                  <a:spcPts val="0"/>
+                </a:spcAft>
+                <a:buNone/>
+              </a:pPr>
+              <a:endParaRPr sz="1100"/>
+            </a:p>
+          </p:txBody>
+        </p:sp>
+        <p:sp>
+          <p:nvSpPr>
+            <p:cNvPr id="6" name="Rectangle 5">
+              <a:extLst>
+                <a:ext uri="{FF2B5EF4-FFF2-40B4-BE49-F238E27FC236}">
+                  <a16:creationId xmlns:a16="http://schemas.microsoft.com/office/drawing/2014/main" id="{8BFFF1BD-B177-352C-DA81-B84CCEF3563B}"/>
+                </a:ext>
+              </a:extLst>
+            </p:cNvPr>
+            <p:cNvSpPr>
+              <a:spLocks noChangeAspect="1"/>
+            </p:cNvSpPr>
+            <p:nvPr/>
+          </p:nvSpPr>
+          <p:spPr>
+            <a:xfrm>
+              <a:off x="2123731" y="1204912"/>
+              <a:ext cx="7907867" cy="4448175"/>
+            </a:xfrm>
+            <a:prstGeom prst="rect">
+              <a:avLst/>
+            </a:prstGeom>
+            <a:solidFill>
+              <a:schemeClr val="bg1">
+                <a:lumMod val="95000"/>
+              </a:schemeClr>
+            </a:solidFill>
+            <a:ln w="3175">
+              <a:solidFill>
+                <a:schemeClr val="tx1"/>
+              </a:solidFill>
+            </a:ln>
+          </p:spPr>
+          <p:style>
+            <a:lnRef idx="2">
+              <a:schemeClr val="accent1">
+                <a:shade val="15000"/>
+              </a:schemeClr>
+            </a:lnRef>
+            <a:fillRef idx="1">
+              <a:schemeClr val="accent1"/>
+            </a:fillRef>
+            <a:effectRef idx="0">
+              <a:schemeClr val="accent1"/>
+            </a:effectRef>
+            <a:fontRef idx="minor">
+              <a:schemeClr val="lt1"/>
+            </a:fontRef>
+          </p:style>
+          <p:txBody>
+            <a:bodyPr rot="0" spcFirstLastPara="0" vert="horz" wrap="square" lIns="91440" tIns="45720" rIns="91440" bIns="45720" numCol="1" spcCol="0" rtlCol="0" fromWordArt="0" anchor="t" anchorCtr="0" forceAA="0" compatLnSpc="1">
+              <a:prstTxWarp prst="textNoShape">
+                <a:avLst/>
+              </a:prstTxWarp>
+              <a:noAutofit/>
+            </a:bodyPr>
+            <a:lstStyle>
+              <a:lvl1pPr marL="0" indent="0">
+                <a:defRPr sz="1100">
+                  <a:solidFill>
+                    <a:schemeClr val="lt1"/>
+                  </a:solidFill>
+                  <a:latin typeface="+mn-lt"/>
+                  <a:ea typeface="+mn-ea"/>
+                  <a:cs typeface="+mn-cs"/>
+                </a:defRPr>
+              </a:lvl1pPr>
+              <a:lvl2pPr marL="457200" indent="0">
+                <a:defRPr sz="1100">
+                  <a:solidFill>
+                    <a:schemeClr val="lt1"/>
+                  </a:solidFill>
+                  <a:latin typeface="+mn-lt"/>
+                  <a:ea typeface="+mn-ea"/>
+                  <a:cs typeface="+mn-cs"/>
+                </a:defRPr>
+              </a:lvl2pPr>
+              <a:lvl3pPr marL="914400" indent="0">
+                <a:defRPr sz="1100">
+                  <a:solidFill>
+                    <a:schemeClr val="lt1"/>
+                  </a:solidFill>
+                  <a:latin typeface="+mn-lt"/>
+                  <a:ea typeface="+mn-ea"/>
+                  <a:cs typeface="+mn-cs"/>
+                </a:defRPr>
+              </a:lvl3pPr>
+              <a:lvl4pPr marL="1371600" indent="0">
+                <a:defRPr sz="1100">
+                  <a:solidFill>
+                    <a:schemeClr val="lt1"/>
+                  </a:solidFill>
+                  <a:latin typeface="+mn-lt"/>
+                  <a:ea typeface="+mn-ea"/>
+                  <a:cs typeface="+mn-cs"/>
+                </a:defRPr>
+              </a:lvl4pPr>
+              <a:lvl5pPr marL="1828800" indent="0">
+                <a:defRPr sz="1100">
+                  <a:solidFill>
+                    <a:schemeClr val="lt1"/>
+                  </a:solidFill>
+                  <a:latin typeface="+mn-lt"/>
+                  <a:ea typeface="+mn-ea"/>
+                  <a:cs typeface="+mn-cs"/>
+                </a:defRPr>
+              </a:lvl5pPr>
+              <a:lvl6pPr marL="2286000" indent="0">
+                <a:defRPr sz="1100">
+                  <a:solidFill>
+                    <a:schemeClr val="lt1"/>
+                  </a:solidFill>
+                  <a:latin typeface="+mn-lt"/>
+                  <a:ea typeface="+mn-ea"/>
+                  <a:cs typeface="+mn-cs"/>
+                </a:defRPr>
+              </a:lvl6pPr>
+              <a:lvl7pPr marL="2743200" indent="0">
+                <a:defRPr sz="1100">
+                  <a:solidFill>
+                    <a:schemeClr val="lt1"/>
+                  </a:solidFill>
+                  <a:latin typeface="+mn-lt"/>
+                  <a:ea typeface="+mn-ea"/>
+                  <a:cs typeface="+mn-cs"/>
+                </a:defRPr>
+              </a:lvl7pPr>
+              <a:lvl8pPr marL="3200400" indent="0">
+                <a:defRPr sz="1100">
+                  <a:solidFill>
+                    <a:schemeClr val="lt1"/>
+                  </a:solidFill>
+                  <a:latin typeface="+mn-lt"/>
+                  <a:ea typeface="+mn-ea"/>
+                  <a:cs typeface="+mn-cs"/>
+                </a:defRPr>
+              </a:lvl8pPr>
+              <a:lvl9pPr marL="3657600" indent="0">
+                <a:defRPr sz="1100">
+                  <a:solidFill>
+                    <a:schemeClr val="lt1"/>
+                  </a:solidFill>
+                  <a:latin typeface="+mn-lt"/>
+                  <a:ea typeface="+mn-ea"/>
+                  <a:cs typeface="+mn-cs"/>
+                </a:defRPr>
+              </a:lvl9pPr>
+            </a:lstStyle>
+            <a:p>
+              <a:pPr algn="l"/>
+              <a:endParaRPr lang="en-US" sz="1100" dirty="0"/>
+            </a:p>
+          </p:txBody>
+        </p:sp>
+        <p:sp>
+          <p:nvSpPr>
+            <p:cNvPr id="12" name="Rectangle 11">
+              <a:extLst>
+                <a:ext uri="{FF2B5EF4-FFF2-40B4-BE49-F238E27FC236}">
+                  <a16:creationId xmlns:a16="http://schemas.microsoft.com/office/drawing/2014/main" id="{B1F0939B-400B-6E77-F452-0A0871CB32AF}"/>
+                </a:ext>
+              </a:extLst>
+            </p:cNvPr>
+            <p:cNvSpPr/>
+            <p:nvPr/>
+          </p:nvSpPr>
+          <p:spPr>
+            <a:xfrm>
+              <a:off x="3184844" y="1368553"/>
               <a:ext cx="628650" cy="180975"/>
             </a:xfrm>
             <a:prstGeom prst="rect">
@@ -28727,14 +28487,470 @@
               </a:lvl9pPr>
             </a:lstStyle>
             <a:p>
-              <a:pPr algn="l"/>
+              <a:pPr algn="ctr"/>
               <a:r>
                 <a:rPr lang="vi-VN" sz="700" b="0" dirty="0">
                   <a:solidFill>
+                    <a:schemeClr val="accent2">
+                      <a:lumMod val="60000"/>
+                      <a:lumOff val="40000"/>
+                    </a:schemeClr>
+                  </a:solidFill>
+                </a:rPr>
+                <a:t>HOME</a:t>
+              </a:r>
+              <a:endParaRPr lang="en-US" sz="700" b="0" dirty="0">
+                <a:solidFill>
+                  <a:schemeClr val="accent2">
+                    <a:lumMod val="60000"/>
+                    <a:lumOff val="40000"/>
+                  </a:schemeClr>
+                </a:solidFill>
+              </a:endParaRPr>
+            </a:p>
+          </p:txBody>
+        </p:sp>
+        <p:grpSp>
+          <p:nvGrpSpPr>
+            <p:cNvPr id="19" name="Group 18">
+              <a:extLst>
+                <a:ext uri="{FF2B5EF4-FFF2-40B4-BE49-F238E27FC236}">
+                  <a16:creationId xmlns:a16="http://schemas.microsoft.com/office/drawing/2014/main" id="{B9084FAC-208C-4E99-A4A6-BEE4F6FF5E31}"/>
+                </a:ext>
+              </a:extLst>
+            </p:cNvPr>
+            <p:cNvGrpSpPr/>
+            <p:nvPr/>
+          </p:nvGrpSpPr>
+          <p:grpSpPr>
+            <a:xfrm>
+              <a:off x="7484787" y="1345502"/>
+              <a:ext cx="1448688" cy="266700"/>
+              <a:chOff x="8305208" y="1327214"/>
+              <a:chExt cx="1448688" cy="266700"/>
+            </a:xfrm>
+          </p:grpSpPr>
+          <p:pic>
+            <p:nvPicPr>
+              <p:cNvPr id="13" name="Graphic 5" descr="Badge Heart with solid fill">
+                <a:extLst>
+                  <a:ext uri="{FF2B5EF4-FFF2-40B4-BE49-F238E27FC236}">
+                    <a16:creationId xmlns:a16="http://schemas.microsoft.com/office/drawing/2014/main" id="{8BAFC00A-5C2B-3DA1-736E-55DF2880EC01}"/>
+                  </a:ext>
+                </a:extLst>
+              </p:cNvPr>
+              <p:cNvPicPr>
+                <a:picLocks noChangeAspect="1"/>
+              </p:cNvPicPr>
+              <p:nvPr/>
+            </p:nvPicPr>
+            <p:blipFill>
+              <a:blip r:embed="rId2">
+                <a:extLst>
+                  <a:ext uri="{28A0092B-C50C-407E-A947-70E740481C1C}">
+                    <a14:useLocalDpi xmlns:a14="http://schemas.microsoft.com/office/drawing/2010/main" val="0"/>
+                  </a:ext>
+                  <a:ext uri="{96DAC541-7B7A-43D3-8B79-37D633B846F1}">
+                    <asvg:svgBlip xmlns:asvg="http://schemas.microsoft.com/office/drawing/2016/SVG/main" r:embed="rId3"/>
+                  </a:ext>
+                </a:extLst>
+              </a:blip>
+              <a:stretch>
+                <a:fillRect/>
+              </a:stretch>
+            </p:blipFill>
+            <p:spPr>
+              <a:xfrm>
+                <a:off x="8305208" y="1327214"/>
+                <a:ext cx="266700" cy="266700"/>
+              </a:xfrm>
+              <a:prstGeom prst="rect">
+                <a:avLst/>
+              </a:prstGeom>
+            </p:spPr>
+          </p:pic>
+          <p:pic>
+            <p:nvPicPr>
+              <p:cNvPr id="14" name="Graphic 10" descr="Shopping cart with solid fill">
+                <a:extLst>
+                  <a:ext uri="{FF2B5EF4-FFF2-40B4-BE49-F238E27FC236}">
+                    <a16:creationId xmlns:a16="http://schemas.microsoft.com/office/drawing/2014/main" id="{051D5ECF-1804-C1BB-3699-41B31F5E3F62}"/>
+                  </a:ext>
+                </a:extLst>
+              </p:cNvPr>
+              <p:cNvPicPr>
+                <a:picLocks noChangeAspect="1"/>
+              </p:cNvPicPr>
+              <p:nvPr/>
+            </p:nvPicPr>
+            <p:blipFill>
+              <a:blip r:embed="rId4">
+                <a:extLst>
+                  <a:ext uri="{28A0092B-C50C-407E-A947-70E740481C1C}">
+                    <a14:useLocalDpi xmlns:a14="http://schemas.microsoft.com/office/drawing/2010/main" val="0"/>
+                  </a:ext>
+                  <a:ext uri="{96DAC541-7B7A-43D3-8B79-37D633B846F1}">
+                    <asvg:svgBlip xmlns:asvg="http://schemas.microsoft.com/office/drawing/2016/SVG/main" r:embed="rId5"/>
+                  </a:ext>
+                </a:extLst>
+              </a:blip>
+              <a:stretch>
+                <a:fillRect/>
+              </a:stretch>
+            </p:blipFill>
+            <p:spPr>
+              <a:xfrm>
+                <a:off x="8600017" y="1328738"/>
+                <a:ext cx="265176" cy="265176"/>
+              </a:xfrm>
+              <a:prstGeom prst="rect">
+                <a:avLst/>
+              </a:prstGeom>
+            </p:spPr>
+          </p:pic>
+          <p:sp>
+            <p:nvSpPr>
+              <p:cNvPr id="11" name="Rectangle 10">
+                <a:extLst>
+                  <a:ext uri="{FF2B5EF4-FFF2-40B4-BE49-F238E27FC236}">
+                    <a16:creationId xmlns:a16="http://schemas.microsoft.com/office/drawing/2014/main" id="{14465000-A65C-5A90-5D04-CDA3F61BEE84}"/>
+                  </a:ext>
+                </a:extLst>
+              </p:cNvPr>
+              <p:cNvSpPr/>
+              <p:nvPr/>
+            </p:nvSpPr>
+            <p:spPr>
+              <a:xfrm>
+                <a:off x="8958940" y="1370076"/>
+                <a:ext cx="628650" cy="180975"/>
+              </a:xfrm>
+              <a:prstGeom prst="rect">
+                <a:avLst/>
+              </a:prstGeom>
+              <a:noFill/>
+              <a:ln>
+                <a:noFill/>
+              </a:ln>
+            </p:spPr>
+            <p:style>
+              <a:lnRef idx="1">
+                <a:schemeClr val="accent6"/>
+              </a:lnRef>
+              <a:fillRef idx="2">
+                <a:schemeClr val="accent6"/>
+              </a:fillRef>
+              <a:effectRef idx="1">
+                <a:schemeClr val="accent6"/>
+              </a:effectRef>
+              <a:fontRef idx="minor">
+                <a:schemeClr val="dk1"/>
+              </a:fontRef>
+            </p:style>
+            <p:txBody>
+              <a:bodyPr rot="0" spcFirstLastPara="0" vert="horz" wrap="square" lIns="91440" tIns="45720" rIns="91440" bIns="45720" numCol="1" spcCol="0" rtlCol="0" fromWordArt="0" anchor="t" anchorCtr="0" forceAA="0" compatLnSpc="1">
+                <a:prstTxWarp prst="textNoShape">
+                  <a:avLst/>
+                </a:prstTxWarp>
+                <a:noAutofit/>
+              </a:bodyPr>
+              <a:lstStyle>
+                <a:lvl1pPr marL="0" indent="0">
+                  <a:defRPr sz="1100">
+                    <a:solidFill>
+                      <a:schemeClr val="dk1"/>
+                    </a:solidFill>
+                    <a:latin typeface="+mn-lt"/>
+                    <a:ea typeface="+mn-ea"/>
+                    <a:cs typeface="+mn-cs"/>
+                  </a:defRPr>
+                </a:lvl1pPr>
+                <a:lvl2pPr marL="457200" indent="0">
+                  <a:defRPr sz="1100">
+                    <a:solidFill>
+                      <a:schemeClr val="dk1"/>
+                    </a:solidFill>
+                    <a:latin typeface="+mn-lt"/>
+                    <a:ea typeface="+mn-ea"/>
+                    <a:cs typeface="+mn-cs"/>
+                  </a:defRPr>
+                </a:lvl2pPr>
+                <a:lvl3pPr marL="914400" indent="0">
+                  <a:defRPr sz="1100">
+                    <a:solidFill>
+                      <a:schemeClr val="dk1"/>
+                    </a:solidFill>
+                    <a:latin typeface="+mn-lt"/>
+                    <a:ea typeface="+mn-ea"/>
+                    <a:cs typeface="+mn-cs"/>
+                  </a:defRPr>
+                </a:lvl3pPr>
+                <a:lvl4pPr marL="1371600" indent="0">
+                  <a:defRPr sz="1100">
+                    <a:solidFill>
+                      <a:schemeClr val="dk1"/>
+                    </a:solidFill>
+                    <a:latin typeface="+mn-lt"/>
+                    <a:ea typeface="+mn-ea"/>
+                    <a:cs typeface="+mn-cs"/>
+                  </a:defRPr>
+                </a:lvl4pPr>
+                <a:lvl5pPr marL="1828800" indent="0">
+                  <a:defRPr sz="1100">
+                    <a:solidFill>
+                      <a:schemeClr val="dk1"/>
+                    </a:solidFill>
+                    <a:latin typeface="+mn-lt"/>
+                    <a:ea typeface="+mn-ea"/>
+                    <a:cs typeface="+mn-cs"/>
+                  </a:defRPr>
+                </a:lvl5pPr>
+                <a:lvl6pPr marL="2286000" indent="0">
+                  <a:defRPr sz="1100">
+                    <a:solidFill>
+                      <a:schemeClr val="dk1"/>
+                    </a:solidFill>
+                    <a:latin typeface="+mn-lt"/>
+                    <a:ea typeface="+mn-ea"/>
+                    <a:cs typeface="+mn-cs"/>
+                  </a:defRPr>
+                </a:lvl6pPr>
+                <a:lvl7pPr marL="2743200" indent="0">
+                  <a:defRPr sz="1100">
+                    <a:solidFill>
+                      <a:schemeClr val="dk1"/>
+                    </a:solidFill>
+                    <a:latin typeface="+mn-lt"/>
+                    <a:ea typeface="+mn-ea"/>
+                    <a:cs typeface="+mn-cs"/>
+                  </a:defRPr>
+                </a:lvl7pPr>
+                <a:lvl8pPr marL="3200400" indent="0">
+                  <a:defRPr sz="1100">
+                    <a:solidFill>
+                      <a:schemeClr val="dk1"/>
+                    </a:solidFill>
+                    <a:latin typeface="+mn-lt"/>
+                    <a:ea typeface="+mn-ea"/>
+                    <a:cs typeface="+mn-cs"/>
+                  </a:defRPr>
+                </a:lvl8pPr>
+                <a:lvl9pPr marL="3657600" indent="0">
+                  <a:defRPr sz="1100">
+                    <a:solidFill>
+                      <a:schemeClr val="dk1"/>
+                    </a:solidFill>
+                    <a:latin typeface="+mn-lt"/>
+                    <a:ea typeface="+mn-ea"/>
+                    <a:cs typeface="+mn-cs"/>
+                  </a:defRPr>
+                </a:lvl9pPr>
+              </a:lstStyle>
+              <a:p>
+                <a:pPr algn="l"/>
+                <a:r>
+                  <a:rPr lang="vi-VN" sz="700" b="0" dirty="0">
+                    <a:solidFill>
+                      <a:sysClr val="windowText" lastClr="000000"/>
+                    </a:solidFill>
+                  </a:rPr>
+                  <a:t>Đăng nhập</a:t>
+                </a:r>
+                <a:endParaRPr lang="en-US" sz="700" b="0" dirty="0">
+                  <a:solidFill>
                     <a:sysClr val="windowText" lastClr="000000"/>
                   </a:solidFill>
+                </a:endParaRPr>
+              </a:p>
+            </p:txBody>
+          </p:sp>
+          <p:pic>
+            <p:nvPicPr>
+              <p:cNvPr id="9" name="Graphic 17" descr="User outline">
+                <a:extLst>
+                  <a:ext uri="{FF2B5EF4-FFF2-40B4-BE49-F238E27FC236}">
+                    <a16:creationId xmlns:a16="http://schemas.microsoft.com/office/drawing/2014/main" id="{9250FD88-D7E4-4DFF-73A6-C35D6D10B0D4}"/>
+                  </a:ext>
+                </a:extLst>
+              </p:cNvPr>
+              <p:cNvPicPr>
+                <a:picLocks noChangeAspect="1"/>
+              </p:cNvPicPr>
+              <p:nvPr/>
+            </p:nvPicPr>
+            <p:blipFill>
+              <a:blip r:embed="rId6">
+                <a:extLst>
+                  <a:ext uri="{28A0092B-C50C-407E-A947-70E740481C1C}">
+                    <a14:useLocalDpi xmlns:a14="http://schemas.microsoft.com/office/drawing/2010/main" val="0"/>
+                  </a:ext>
+                  <a:ext uri="{96DAC541-7B7A-43D3-8B79-37D633B846F1}">
+                    <asvg:svgBlip xmlns:asvg="http://schemas.microsoft.com/office/drawing/2016/SVG/main" r:embed="rId7"/>
+                  </a:ext>
+                </a:extLst>
+              </a:blip>
+              <a:stretch>
+                <a:fillRect/>
+              </a:stretch>
+            </p:blipFill>
+            <p:spPr>
+              <a:xfrm>
+                <a:off x="9488720" y="1328738"/>
+                <a:ext cx="265176" cy="265176"/>
+              </a:xfrm>
+              <a:prstGeom prst="rect">
+                <a:avLst/>
+              </a:prstGeom>
+            </p:spPr>
+          </p:pic>
+        </p:grpSp>
+        <p:sp>
+          <p:nvSpPr>
+            <p:cNvPr id="15" name="Rectangle 14">
+              <a:extLst>
+                <a:ext uri="{FF2B5EF4-FFF2-40B4-BE49-F238E27FC236}">
+                  <a16:creationId xmlns:a16="http://schemas.microsoft.com/office/drawing/2014/main" id="{0CE04C72-964D-F7B7-9216-4219BC4F6D3F}"/>
+                </a:ext>
+              </a:extLst>
+            </p:cNvPr>
+            <p:cNvSpPr/>
+            <p:nvPr/>
+          </p:nvSpPr>
+          <p:spPr>
+            <a:xfrm>
+              <a:off x="3799778" y="1363791"/>
+              <a:ext cx="715071" cy="230123"/>
+            </a:xfrm>
+            <a:prstGeom prst="rect">
+              <a:avLst/>
+            </a:prstGeom>
+            <a:noFill/>
+            <a:ln>
+              <a:noFill/>
+            </a:ln>
+          </p:spPr>
+          <p:style>
+            <a:lnRef idx="1">
+              <a:schemeClr val="accent6"/>
+            </a:lnRef>
+            <a:fillRef idx="2">
+              <a:schemeClr val="accent6"/>
+            </a:fillRef>
+            <a:effectRef idx="1">
+              <a:schemeClr val="accent6"/>
+            </a:effectRef>
+            <a:fontRef idx="minor">
+              <a:schemeClr val="dk1"/>
+            </a:fontRef>
+          </p:style>
+          <p:txBody>
+            <a:bodyPr rot="0" spcFirstLastPara="0" vert="horz" wrap="square" lIns="91440" tIns="45720" rIns="91440" bIns="45720" numCol="1" spcCol="0" rtlCol="0" fromWordArt="0" anchor="t" anchorCtr="0" forceAA="0" compatLnSpc="1">
+              <a:prstTxWarp prst="textNoShape">
+                <a:avLst/>
+              </a:prstTxWarp>
+              <a:noAutofit/>
+            </a:bodyPr>
+            <a:lstStyle>
+              <a:lvl1pPr marL="0" indent="0">
+                <a:defRPr sz="1100">
+                  <a:solidFill>
+                    <a:schemeClr val="dk1"/>
+                  </a:solidFill>
+                  <a:latin typeface="+mn-lt"/>
+                  <a:ea typeface="+mn-ea"/>
+                  <a:cs typeface="+mn-cs"/>
+                </a:defRPr>
+              </a:lvl1pPr>
+              <a:lvl2pPr marL="457200" indent="0">
+                <a:defRPr sz="1100">
+                  <a:solidFill>
+                    <a:schemeClr val="dk1"/>
+                  </a:solidFill>
+                  <a:latin typeface="+mn-lt"/>
+                  <a:ea typeface="+mn-ea"/>
+                  <a:cs typeface="+mn-cs"/>
+                </a:defRPr>
+              </a:lvl2pPr>
+              <a:lvl3pPr marL="914400" indent="0">
+                <a:defRPr sz="1100">
+                  <a:solidFill>
+                    <a:schemeClr val="dk1"/>
+                  </a:solidFill>
+                  <a:latin typeface="+mn-lt"/>
+                  <a:ea typeface="+mn-ea"/>
+                  <a:cs typeface="+mn-cs"/>
+                </a:defRPr>
+              </a:lvl3pPr>
+              <a:lvl4pPr marL="1371600" indent="0">
+                <a:defRPr sz="1100">
+                  <a:solidFill>
+                    <a:schemeClr val="dk1"/>
+                  </a:solidFill>
+                  <a:latin typeface="+mn-lt"/>
+                  <a:ea typeface="+mn-ea"/>
+                  <a:cs typeface="+mn-cs"/>
+                </a:defRPr>
+              </a:lvl4pPr>
+              <a:lvl5pPr marL="1828800" indent="0">
+                <a:defRPr sz="1100">
+                  <a:solidFill>
+                    <a:schemeClr val="dk1"/>
+                  </a:solidFill>
+                  <a:latin typeface="+mn-lt"/>
+                  <a:ea typeface="+mn-ea"/>
+                  <a:cs typeface="+mn-cs"/>
+                </a:defRPr>
+              </a:lvl5pPr>
+              <a:lvl6pPr marL="2286000" indent="0">
+                <a:defRPr sz="1100">
+                  <a:solidFill>
+                    <a:schemeClr val="dk1"/>
+                  </a:solidFill>
+                  <a:latin typeface="+mn-lt"/>
+                  <a:ea typeface="+mn-ea"/>
+                  <a:cs typeface="+mn-cs"/>
+                </a:defRPr>
+              </a:lvl6pPr>
+              <a:lvl7pPr marL="2743200" indent="0">
+                <a:defRPr sz="1100">
+                  <a:solidFill>
+                    <a:schemeClr val="dk1"/>
+                  </a:solidFill>
+                  <a:latin typeface="+mn-lt"/>
+                  <a:ea typeface="+mn-ea"/>
+                  <a:cs typeface="+mn-cs"/>
+                </a:defRPr>
+              </a:lvl7pPr>
+              <a:lvl8pPr marL="3200400" indent="0">
+                <a:defRPr sz="1100">
+                  <a:solidFill>
+                    <a:schemeClr val="dk1"/>
+                  </a:solidFill>
+                  <a:latin typeface="+mn-lt"/>
+                  <a:ea typeface="+mn-ea"/>
+                  <a:cs typeface="+mn-cs"/>
+                </a:defRPr>
+              </a:lvl8pPr>
+              <a:lvl9pPr marL="3657600" indent="0">
+                <a:defRPr sz="1100">
+                  <a:solidFill>
+                    <a:schemeClr val="dk1"/>
+                  </a:solidFill>
+                  <a:latin typeface="+mn-lt"/>
+                  <a:ea typeface="+mn-ea"/>
+                  <a:cs typeface="+mn-cs"/>
+                </a:defRPr>
+              </a:lvl9pPr>
+            </a:lstStyle>
+            <a:p>
+              <a:pPr algn="ctr"/>
+              <a:r>
+                <a:rPr lang="vi-VN" sz="700" b="0" dirty="0">
+                  <a:solidFill>
+                    <a:sysClr val="windowText" lastClr="000000"/>
+                  </a:solidFill>
                 </a:rPr>
-                <a:t>Đăng nhập</a:t>
+                <a:t>SẢN PHẨM</a:t>
               </a:r>
               <a:endParaRPr lang="en-US" sz="700" b="0" dirty="0">
                 <a:solidFill>
@@ -28744,398 +28960,182 @@
             </a:p>
           </p:txBody>
         </p:sp>
-        <p:pic>
-          <p:nvPicPr>
-            <p:cNvPr id="9" name="Graphic 17" descr="User outline">
+        <p:sp>
+          <p:nvSpPr>
+            <p:cNvPr id="5" name="Shape 54">
               <a:extLst>
                 <a:ext uri="{FF2B5EF4-FFF2-40B4-BE49-F238E27FC236}">
-                  <a16:creationId xmlns:a16="http://schemas.microsoft.com/office/drawing/2014/main" id="{9250FD88-D7E4-4DFF-73A6-C35D6D10B0D4}"/>
+                  <a16:creationId xmlns:a16="http://schemas.microsoft.com/office/drawing/2014/main" id="{00000000-0008-0000-0300-000036000000}"/>
                 </a:ext>
               </a:extLst>
             </p:cNvPr>
-            <p:cNvPicPr>
-              <a:picLocks noChangeAspect="1"/>
-            </p:cNvPicPr>
+            <p:cNvSpPr/>
             <p:nvPr/>
-          </p:nvPicPr>
-          <p:blipFill>
-            <a:blip r:embed="rId6">
-              <a:extLst>
-                <a:ext uri="{28A0092B-C50C-407E-A947-70E740481C1C}">
-                  <a14:useLocalDpi xmlns:a14="http://schemas.microsoft.com/office/drawing/2010/main" val="0"/>
-                </a:ext>
-                <a:ext uri="{96DAC541-7B7A-43D3-8B79-37D633B846F1}">
-                  <asvg:svgBlip xmlns:asvg="http://schemas.microsoft.com/office/drawing/2016/SVG/main" r:embed="rId7"/>
-                </a:ext>
-              </a:extLst>
-            </a:blip>
-            <a:stretch>
-              <a:fillRect/>
-            </a:stretch>
-          </p:blipFill>
+          </p:nvSpPr>
           <p:spPr>
             <a:xfrm>
-              <a:off x="9488720" y="1328738"/>
-              <a:ext cx="265176" cy="265176"/>
+              <a:off x="7666567" y="5148263"/>
+              <a:ext cx="781050" cy="295275"/>
             </a:xfrm>
             <a:prstGeom prst="rect">
               <a:avLst/>
             </a:prstGeom>
+            <a:noFill/>
+            <a:ln>
+              <a:noFill/>
+            </a:ln>
           </p:spPr>
-        </p:pic>
-      </p:grpSp>
-      <p:sp>
-        <p:nvSpPr>
-          <p:cNvPr id="15" name="Rectangle 14">
-            <a:extLst>
-              <a:ext uri="{FF2B5EF4-FFF2-40B4-BE49-F238E27FC236}">
-                <a16:creationId xmlns:a16="http://schemas.microsoft.com/office/drawing/2014/main" id="{0CE04C72-964D-F7B7-9216-4219BC4F6D3F}"/>
-              </a:ext>
-            </a:extLst>
-          </p:cNvPr>
-          <p:cNvSpPr/>
-          <p:nvPr/>
-        </p:nvSpPr>
-        <p:spPr>
-          <a:xfrm>
-            <a:off x="3799778" y="1363791"/>
-            <a:ext cx="715071" cy="230123"/>
-          </a:xfrm>
-          <a:prstGeom prst="rect">
-            <a:avLst/>
-          </a:prstGeom>
-          <a:noFill/>
-          <a:ln>
+          <p:txBody>
+            <a:bodyPr spcFirstLastPara="1" wrap="square" lIns="91425" tIns="45700" rIns="91425" bIns="45700" anchor="t" anchorCtr="0">
+              <a:noAutofit/>
+            </a:bodyPr>
+            <a:lstStyle>
+              <a:lvl1pPr marL="0" indent="0">
+                <a:defRPr sz="1100">
+                  <a:latin typeface="+mn-lt"/>
+                  <a:ea typeface="+mn-ea"/>
+                  <a:cs typeface="+mn-cs"/>
+                </a:defRPr>
+              </a:lvl1pPr>
+              <a:lvl2pPr marL="457200" indent="0">
+                <a:defRPr sz="1100">
+                  <a:latin typeface="+mn-lt"/>
+                  <a:ea typeface="+mn-ea"/>
+                  <a:cs typeface="+mn-cs"/>
+                </a:defRPr>
+              </a:lvl2pPr>
+              <a:lvl3pPr marL="914400" indent="0">
+                <a:defRPr sz="1100">
+                  <a:latin typeface="+mn-lt"/>
+                  <a:ea typeface="+mn-ea"/>
+                  <a:cs typeface="+mn-cs"/>
+                </a:defRPr>
+              </a:lvl3pPr>
+              <a:lvl4pPr marL="1371600" indent="0">
+                <a:defRPr sz="1100">
+                  <a:latin typeface="+mn-lt"/>
+                  <a:ea typeface="+mn-ea"/>
+                  <a:cs typeface="+mn-cs"/>
+                </a:defRPr>
+              </a:lvl4pPr>
+              <a:lvl5pPr marL="1828800" indent="0">
+                <a:defRPr sz="1100">
+                  <a:latin typeface="+mn-lt"/>
+                  <a:ea typeface="+mn-ea"/>
+                  <a:cs typeface="+mn-cs"/>
+                </a:defRPr>
+              </a:lvl5pPr>
+              <a:lvl6pPr marL="2286000" indent="0">
+                <a:defRPr sz="1100">
+                  <a:latin typeface="+mn-lt"/>
+                  <a:ea typeface="+mn-ea"/>
+                  <a:cs typeface="+mn-cs"/>
+                </a:defRPr>
+              </a:lvl6pPr>
+              <a:lvl7pPr marL="2743200" indent="0">
+                <a:defRPr sz="1100">
+                  <a:latin typeface="+mn-lt"/>
+                  <a:ea typeface="+mn-ea"/>
+                  <a:cs typeface="+mn-cs"/>
+                </a:defRPr>
+              </a:lvl7pPr>
+              <a:lvl8pPr marL="3200400" indent="0">
+                <a:defRPr sz="1100">
+                  <a:latin typeface="+mn-lt"/>
+                  <a:ea typeface="+mn-ea"/>
+                  <a:cs typeface="+mn-cs"/>
+                </a:defRPr>
+              </a:lvl8pPr>
+              <a:lvl9pPr marL="3657600" indent="0">
+                <a:defRPr sz="1100">
+                  <a:latin typeface="+mn-lt"/>
+                  <a:ea typeface="+mn-ea"/>
+                  <a:cs typeface="+mn-cs"/>
+                </a:defRPr>
+              </a:lvl9pPr>
+            </a:lstStyle>
+            <a:p>
+              <a:pPr marL="0" lvl="0" indent="0" algn="l">
+                <a:spcBef>
+                  <a:spcPts val="0"/>
+                </a:spcBef>
+                <a:spcAft>
+                  <a:spcPts val="0"/>
+                </a:spcAft>
+                <a:buNone/>
+              </a:pPr>
+              <a:endParaRPr sz="1400"/>
+            </a:p>
+          </p:txBody>
+        </p:sp>
+        <p:sp>
+          <p:nvSpPr>
+            <p:cNvPr id="3" name="Rectangle 2">
+              <a:extLst>
+                <a:ext uri="{FF2B5EF4-FFF2-40B4-BE49-F238E27FC236}">
+                  <a16:creationId xmlns:a16="http://schemas.microsoft.com/office/drawing/2014/main" id="{E12FFB72-7BB6-F213-6457-77D397C63449}"/>
+                </a:ext>
+              </a:extLst>
+            </p:cNvPr>
+            <p:cNvSpPr/>
+            <p:nvPr/>
+          </p:nvSpPr>
+          <p:spPr>
+            <a:xfrm>
+              <a:off x="4830822" y="1993144"/>
+              <a:ext cx="2493687" cy="408903"/>
+            </a:xfrm>
+            <a:prstGeom prst="rect">
+              <a:avLst/>
+            </a:prstGeom>
             <a:noFill/>
-          </a:ln>
-        </p:spPr>
-        <p:style>
-          <a:lnRef idx="1">
-            <a:schemeClr val="accent6"/>
-          </a:lnRef>
-          <a:fillRef idx="2">
-            <a:schemeClr val="accent6"/>
-          </a:fillRef>
-          <a:effectRef idx="1">
-            <a:schemeClr val="accent6"/>
-          </a:effectRef>
-          <a:fontRef idx="minor">
-            <a:schemeClr val="dk1"/>
-          </a:fontRef>
-        </p:style>
-        <p:txBody>
-          <a:bodyPr rot="0" spcFirstLastPara="0" vert="horz" wrap="square" lIns="91440" tIns="45720" rIns="91440" bIns="45720" numCol="1" spcCol="0" rtlCol="0" fromWordArt="0" anchor="t" anchorCtr="0" forceAA="0" compatLnSpc="1">
-            <a:prstTxWarp prst="textNoShape">
-              <a:avLst/>
-            </a:prstTxWarp>
-            <a:noAutofit/>
-          </a:bodyPr>
-          <a:lstStyle>
-            <a:lvl1pPr marL="0" indent="0">
-              <a:defRPr sz="1100">
-                <a:solidFill>
-                  <a:schemeClr val="dk1"/>
-                </a:solidFill>
-                <a:latin typeface="+mn-lt"/>
-                <a:ea typeface="+mn-ea"/>
-                <a:cs typeface="+mn-cs"/>
-              </a:defRPr>
-            </a:lvl1pPr>
-            <a:lvl2pPr marL="457200" indent="0">
-              <a:defRPr sz="1100">
-                <a:solidFill>
-                  <a:schemeClr val="dk1"/>
-                </a:solidFill>
-                <a:latin typeface="+mn-lt"/>
-                <a:ea typeface="+mn-ea"/>
-                <a:cs typeface="+mn-cs"/>
-              </a:defRPr>
-            </a:lvl2pPr>
-            <a:lvl3pPr marL="914400" indent="0">
-              <a:defRPr sz="1100">
-                <a:solidFill>
-                  <a:schemeClr val="dk1"/>
-                </a:solidFill>
-                <a:latin typeface="+mn-lt"/>
-                <a:ea typeface="+mn-ea"/>
-                <a:cs typeface="+mn-cs"/>
-              </a:defRPr>
-            </a:lvl3pPr>
-            <a:lvl4pPr marL="1371600" indent="0">
-              <a:defRPr sz="1100">
-                <a:solidFill>
-                  <a:schemeClr val="dk1"/>
-                </a:solidFill>
-                <a:latin typeface="+mn-lt"/>
-                <a:ea typeface="+mn-ea"/>
-                <a:cs typeface="+mn-cs"/>
-              </a:defRPr>
-            </a:lvl4pPr>
-            <a:lvl5pPr marL="1828800" indent="0">
-              <a:defRPr sz="1100">
-                <a:solidFill>
-                  <a:schemeClr val="dk1"/>
-                </a:solidFill>
-                <a:latin typeface="+mn-lt"/>
-                <a:ea typeface="+mn-ea"/>
-                <a:cs typeface="+mn-cs"/>
-              </a:defRPr>
-            </a:lvl5pPr>
-            <a:lvl6pPr marL="2286000" indent="0">
-              <a:defRPr sz="1100">
-                <a:solidFill>
-                  <a:schemeClr val="dk1"/>
-                </a:solidFill>
-                <a:latin typeface="+mn-lt"/>
-                <a:ea typeface="+mn-ea"/>
-                <a:cs typeface="+mn-cs"/>
-              </a:defRPr>
-            </a:lvl6pPr>
-            <a:lvl7pPr marL="2743200" indent="0">
-              <a:defRPr sz="1100">
-                <a:solidFill>
-                  <a:schemeClr val="dk1"/>
-                </a:solidFill>
-                <a:latin typeface="+mn-lt"/>
-                <a:ea typeface="+mn-ea"/>
-                <a:cs typeface="+mn-cs"/>
-              </a:defRPr>
-            </a:lvl7pPr>
-            <a:lvl8pPr marL="3200400" indent="0">
-              <a:defRPr sz="1100">
-                <a:solidFill>
-                  <a:schemeClr val="dk1"/>
-                </a:solidFill>
-                <a:latin typeface="+mn-lt"/>
-                <a:ea typeface="+mn-ea"/>
-                <a:cs typeface="+mn-cs"/>
-              </a:defRPr>
-            </a:lvl8pPr>
-            <a:lvl9pPr marL="3657600" indent="0">
-              <a:defRPr sz="1100">
-                <a:solidFill>
-                  <a:schemeClr val="dk1"/>
-                </a:solidFill>
-                <a:latin typeface="+mn-lt"/>
-                <a:ea typeface="+mn-ea"/>
-                <a:cs typeface="+mn-cs"/>
-              </a:defRPr>
-            </a:lvl9pPr>
-          </a:lstStyle>
-          <a:p>
-            <a:pPr algn="ctr"/>
-            <a:r>
-              <a:rPr lang="vi-VN" sz="700" b="0" dirty="0">
-                <a:solidFill>
-                  <a:sysClr val="windowText" lastClr="000000"/>
-                </a:solidFill>
-              </a:rPr>
-              <a:t>SẢN PHẨM</a:t>
-            </a:r>
-            <a:endParaRPr lang="en-US" sz="700" b="0" dirty="0">
-              <a:solidFill>
-                <a:sysClr val="windowText" lastClr="000000"/>
-              </a:solidFill>
-            </a:endParaRPr>
-          </a:p>
-        </p:txBody>
-      </p:sp>
-      <p:sp>
-        <p:nvSpPr>
-          <p:cNvPr id="5" name="Shape 54">
-            <a:extLst>
-              <a:ext uri="{FF2B5EF4-FFF2-40B4-BE49-F238E27FC236}">
-                <a16:creationId xmlns:a16="http://schemas.microsoft.com/office/drawing/2014/main" id="{00000000-0008-0000-0300-000036000000}"/>
-              </a:ext>
-            </a:extLst>
-          </p:cNvPr>
-          <p:cNvSpPr/>
-          <p:nvPr/>
-        </p:nvSpPr>
-        <p:spPr>
-          <a:xfrm>
-            <a:off x="7666567" y="5148263"/>
-            <a:ext cx="781050" cy="295275"/>
-          </a:xfrm>
-          <a:prstGeom prst="rect">
-            <a:avLst/>
-          </a:prstGeom>
-          <a:noFill/>
-          <a:ln>
-            <a:noFill/>
-          </a:ln>
-        </p:spPr>
-        <p:txBody>
-          <a:bodyPr spcFirstLastPara="1" wrap="square" lIns="91425" tIns="45700" rIns="91425" bIns="45700" anchor="t" anchorCtr="0">
-            <a:noAutofit/>
-          </a:bodyPr>
-          <a:lstStyle>
-            <a:lvl1pPr marL="0" indent="0">
-              <a:defRPr sz="1100">
-                <a:latin typeface="+mn-lt"/>
-                <a:ea typeface="+mn-ea"/>
-                <a:cs typeface="+mn-cs"/>
-              </a:defRPr>
-            </a:lvl1pPr>
-            <a:lvl2pPr marL="457200" indent="0">
-              <a:defRPr sz="1100">
-                <a:latin typeface="+mn-lt"/>
-                <a:ea typeface="+mn-ea"/>
-                <a:cs typeface="+mn-cs"/>
-              </a:defRPr>
-            </a:lvl2pPr>
-            <a:lvl3pPr marL="914400" indent="0">
-              <a:defRPr sz="1100">
-                <a:latin typeface="+mn-lt"/>
-                <a:ea typeface="+mn-ea"/>
-                <a:cs typeface="+mn-cs"/>
-              </a:defRPr>
-            </a:lvl3pPr>
-            <a:lvl4pPr marL="1371600" indent="0">
-              <a:defRPr sz="1100">
-                <a:latin typeface="+mn-lt"/>
-                <a:ea typeface="+mn-ea"/>
-                <a:cs typeface="+mn-cs"/>
-              </a:defRPr>
-            </a:lvl4pPr>
-            <a:lvl5pPr marL="1828800" indent="0">
-              <a:defRPr sz="1100">
-                <a:latin typeface="+mn-lt"/>
-                <a:ea typeface="+mn-ea"/>
-                <a:cs typeface="+mn-cs"/>
-              </a:defRPr>
-            </a:lvl5pPr>
-            <a:lvl6pPr marL="2286000" indent="0">
-              <a:defRPr sz="1100">
-                <a:latin typeface="+mn-lt"/>
-                <a:ea typeface="+mn-ea"/>
-                <a:cs typeface="+mn-cs"/>
-              </a:defRPr>
-            </a:lvl6pPr>
-            <a:lvl7pPr marL="2743200" indent="0">
-              <a:defRPr sz="1100">
-                <a:latin typeface="+mn-lt"/>
-                <a:ea typeface="+mn-ea"/>
-                <a:cs typeface="+mn-cs"/>
-              </a:defRPr>
-            </a:lvl7pPr>
-            <a:lvl8pPr marL="3200400" indent="0">
-              <a:defRPr sz="1100">
-                <a:latin typeface="+mn-lt"/>
-                <a:ea typeface="+mn-ea"/>
-                <a:cs typeface="+mn-cs"/>
-              </a:defRPr>
-            </a:lvl8pPr>
-            <a:lvl9pPr marL="3657600" indent="0">
-              <a:defRPr sz="1100">
-                <a:latin typeface="+mn-lt"/>
-                <a:ea typeface="+mn-ea"/>
-                <a:cs typeface="+mn-cs"/>
-              </a:defRPr>
-            </a:lvl9pPr>
-          </a:lstStyle>
-          <a:p>
-            <a:pPr marL="0" lvl="0" indent="0" algn="l">
-              <a:spcBef>
-                <a:spcPts val="0"/>
-              </a:spcBef>
-              <a:spcAft>
-                <a:spcPts val="0"/>
-              </a:spcAft>
-              <a:buNone/>
-            </a:pPr>
-            <a:endParaRPr sz="1400"/>
-          </a:p>
-        </p:txBody>
-      </p:sp>
-      <p:sp>
-        <p:nvSpPr>
-          <p:cNvPr id="3" name="Rectangle 2">
-            <a:extLst>
-              <a:ext uri="{FF2B5EF4-FFF2-40B4-BE49-F238E27FC236}">
-                <a16:creationId xmlns:a16="http://schemas.microsoft.com/office/drawing/2014/main" id="{E12FFB72-7BB6-F213-6457-77D397C63449}"/>
-              </a:ext>
-            </a:extLst>
-          </p:cNvPr>
-          <p:cNvSpPr/>
-          <p:nvPr/>
-        </p:nvSpPr>
-        <p:spPr>
-          <a:xfrm>
-            <a:off x="4830822" y="1993144"/>
-            <a:ext cx="2493687" cy="408903"/>
-          </a:xfrm>
-          <a:prstGeom prst="rect">
-            <a:avLst/>
-          </a:prstGeom>
-          <a:noFill/>
-          <a:ln>
-            <a:noFill/>
-          </a:ln>
-        </p:spPr>
-        <p:style>
-          <a:lnRef idx="2">
-            <a:schemeClr val="accent1">
-              <a:shade val="15000"/>
-            </a:schemeClr>
-          </a:lnRef>
-          <a:fillRef idx="1">
-            <a:schemeClr val="accent1"/>
-          </a:fillRef>
-          <a:effectRef idx="0">
-            <a:schemeClr val="accent1"/>
-          </a:effectRef>
-          <a:fontRef idx="minor">
-            <a:schemeClr val="lt1"/>
-          </a:fontRef>
-        </p:style>
-        <p:txBody>
-          <a:bodyPr rtlCol="0" anchor="ctr"/>
-          <a:lstStyle/>
-          <a:p>
-            <a:pPr algn="ctr"/>
-            <a:r>
-              <a:rPr lang="vi-VN" sz="2000" dirty="0">
+            <a:ln>
+              <a:noFill/>
+            </a:ln>
+          </p:spPr>
+          <p:style>
+            <a:lnRef idx="2">
+              <a:schemeClr val="accent1">
+                <a:shade val="15000"/>
+              </a:schemeClr>
+            </a:lnRef>
+            <a:fillRef idx="1">
+              <a:schemeClr val="accent1"/>
+            </a:fillRef>
+            <a:effectRef idx="0">
+              <a:schemeClr val="accent1"/>
+            </a:effectRef>
+            <a:fontRef idx="minor">
+              <a:schemeClr val="lt1"/>
+            </a:fontRef>
+          </p:style>
+          <p:txBody>
+            <a:bodyPr rtlCol="0" anchor="ctr"/>
+            <a:lstStyle/>
+            <a:p>
+              <a:pPr algn="ctr"/>
+              <a:r>
+                <a:rPr lang="vi-VN" sz="2000" dirty="0">
+                  <a:solidFill>
+                    <a:schemeClr val="tx1"/>
+                  </a:solidFill>
+                </a:rPr>
+                <a:t>Shopping Cart</a:t>
+              </a:r>
+              <a:endParaRPr lang="en-US" sz="2000" dirty="0">
                 <a:solidFill>
                   <a:schemeClr val="tx1"/>
                 </a:solidFill>
-              </a:rPr>
-              <a:t>Shopping Cart</a:t>
-            </a:r>
-            <a:endParaRPr lang="en-US" sz="2000" dirty="0">
-              <a:solidFill>
-                <a:schemeClr val="tx1"/>
-              </a:solidFill>
-            </a:endParaRPr>
-          </a:p>
-        </p:txBody>
-      </p:sp>
-      <p:grpSp>
-        <p:nvGrpSpPr>
-          <p:cNvPr id="73" name="Group 72">
-            <a:extLst>
-              <a:ext uri="{FF2B5EF4-FFF2-40B4-BE49-F238E27FC236}">
-                <a16:creationId xmlns:a16="http://schemas.microsoft.com/office/drawing/2014/main" id="{BC61CE94-2C65-821F-C9EE-A6304C1EE457}"/>
-              </a:ext>
-            </a:extLst>
-          </p:cNvPr>
-          <p:cNvGrpSpPr/>
-          <p:nvPr/>
-        </p:nvGrpSpPr>
-        <p:grpSpPr>
-          <a:xfrm>
-            <a:off x="2142066" y="2409060"/>
-            <a:ext cx="5363073" cy="258137"/>
-            <a:chOff x="2510640" y="2466210"/>
-            <a:chExt cx="5346923" cy="189903"/>
-          </a:xfrm>
-        </p:grpSpPr>
+              </a:endParaRPr>
+            </a:p>
+          </p:txBody>
+        </p:sp>
         <p:grpSp>
           <p:nvGrpSpPr>
-            <p:cNvPr id="72" name="Group 71">
+            <p:cNvPr id="73" name="Group 72">
               <a:extLst>
                 <a:ext uri="{FF2B5EF4-FFF2-40B4-BE49-F238E27FC236}">
-                  <a16:creationId xmlns:a16="http://schemas.microsoft.com/office/drawing/2014/main" id="{F85C103E-95BC-E142-D5FC-00AE139B93D6}"/>
+                  <a16:creationId xmlns:a16="http://schemas.microsoft.com/office/drawing/2014/main" id="{BC61CE94-2C65-821F-C9EE-A6304C1EE457}"/>
                 </a:ext>
               </a:extLst>
             </p:cNvPr>
@@ -29144,18 +29144,349 @@
           </p:nvGrpSpPr>
           <p:grpSpPr>
             <a:xfrm>
-              <a:off x="2510640" y="2466210"/>
-              <a:ext cx="4443911" cy="180975"/>
+              <a:off x="2142066" y="2409060"/>
+              <a:ext cx="5363073" cy="258137"/>
               <a:chOff x="2510640" y="2466210"/>
-              <a:chExt cx="4443911" cy="180975"/>
+              <a:chExt cx="5346923" cy="189903"/>
             </a:xfrm>
           </p:grpSpPr>
+          <p:grpSp>
+            <p:nvGrpSpPr>
+              <p:cNvPr id="72" name="Group 71">
+                <a:extLst>
+                  <a:ext uri="{FF2B5EF4-FFF2-40B4-BE49-F238E27FC236}">
+                    <a16:creationId xmlns:a16="http://schemas.microsoft.com/office/drawing/2014/main" id="{F85C103E-95BC-E142-D5FC-00AE139B93D6}"/>
+                  </a:ext>
+                </a:extLst>
+              </p:cNvPr>
+              <p:cNvGrpSpPr/>
+              <p:nvPr/>
+            </p:nvGrpSpPr>
+            <p:grpSpPr>
+              <a:xfrm>
+                <a:off x="2510640" y="2466210"/>
+                <a:ext cx="4443911" cy="180975"/>
+                <a:chOff x="2510640" y="2466210"/>
+                <a:chExt cx="4443911" cy="180975"/>
+              </a:xfrm>
+            </p:grpSpPr>
+            <p:sp>
+              <p:nvSpPr>
+                <p:cNvPr id="8" name="Rectangle 7">
+                  <a:extLst>
+                    <a:ext uri="{FF2B5EF4-FFF2-40B4-BE49-F238E27FC236}">
+                      <a16:creationId xmlns:a16="http://schemas.microsoft.com/office/drawing/2014/main" id="{D90AD677-26BB-9247-1D22-D415CB3E10D6}"/>
+                    </a:ext>
+                  </a:extLst>
+                </p:cNvPr>
+                <p:cNvSpPr/>
+                <p:nvPr/>
+              </p:nvSpPr>
+              <p:spPr>
+                <a:xfrm>
+                  <a:off x="2864123" y="2466210"/>
+                  <a:ext cx="914400" cy="180975"/>
+                </a:xfrm>
+                <a:prstGeom prst="rect">
+                  <a:avLst/>
+                </a:prstGeom>
+                <a:noFill/>
+                <a:ln>
+                  <a:noFill/>
+                </a:ln>
+              </p:spPr>
+              <p:style>
+                <a:lnRef idx="2">
+                  <a:schemeClr val="accent1">
+                    <a:shade val="15000"/>
+                  </a:schemeClr>
+                </a:lnRef>
+                <a:fillRef idx="1">
+                  <a:schemeClr val="accent1"/>
+                </a:fillRef>
+                <a:effectRef idx="0">
+                  <a:schemeClr val="accent1"/>
+                </a:effectRef>
+                <a:fontRef idx="minor">
+                  <a:schemeClr val="lt1"/>
+                </a:fontRef>
+              </p:style>
+              <p:txBody>
+                <a:bodyPr rtlCol="0" anchor="ctr"/>
+                <a:lstStyle/>
+                <a:p>
+                  <a:pPr algn="ctr"/>
+                  <a:r>
+                    <a:rPr lang="vi-VN" sz="800" dirty="0">
+                      <a:solidFill>
+                        <a:schemeClr val="tx1"/>
+                      </a:solidFill>
+                    </a:rPr>
+                    <a:t>Sản phẩm</a:t>
+                  </a:r>
+                  <a:endParaRPr lang="en-US" sz="800" dirty="0">
+                    <a:solidFill>
+                      <a:schemeClr val="tx1"/>
+                    </a:solidFill>
+                  </a:endParaRPr>
+                </a:p>
+              </p:txBody>
+            </p:sp>
+            <p:sp>
+              <p:nvSpPr>
+                <p:cNvPr id="10" name="Rectangle 9">
+                  <a:extLst>
+                    <a:ext uri="{FF2B5EF4-FFF2-40B4-BE49-F238E27FC236}">
+                      <a16:creationId xmlns:a16="http://schemas.microsoft.com/office/drawing/2014/main" id="{5A51AC0F-0705-FFB2-0412-677D6B7CCC9F}"/>
+                    </a:ext>
+                  </a:extLst>
+                </p:cNvPr>
+                <p:cNvSpPr/>
+                <p:nvPr/>
+              </p:nvSpPr>
+              <p:spPr>
+                <a:xfrm>
+                  <a:off x="2510640" y="2466210"/>
+                  <a:ext cx="353483" cy="180975"/>
+                </a:xfrm>
+                <a:prstGeom prst="rect">
+                  <a:avLst/>
+                </a:prstGeom>
+                <a:noFill/>
+                <a:ln>
+                  <a:noFill/>
+                </a:ln>
+              </p:spPr>
+              <p:style>
+                <a:lnRef idx="2">
+                  <a:schemeClr val="accent1">
+                    <a:shade val="15000"/>
+                  </a:schemeClr>
+                </a:lnRef>
+                <a:fillRef idx="1">
+                  <a:schemeClr val="accent1"/>
+                </a:fillRef>
+                <a:effectRef idx="0">
+                  <a:schemeClr val="accent1"/>
+                </a:effectRef>
+                <a:fontRef idx="minor">
+                  <a:schemeClr val="lt1"/>
+                </a:fontRef>
+              </p:style>
+              <p:txBody>
+                <a:bodyPr rtlCol="0" anchor="ctr"/>
+                <a:lstStyle/>
+                <a:p>
+                  <a:pPr algn="ctr"/>
+                  <a:r>
+                    <a:rPr lang="vi-VN" sz="800">
+                      <a:solidFill>
+                        <a:schemeClr val="tx1"/>
+                      </a:solidFill>
+                    </a:rPr>
+                    <a:t>O</a:t>
+                  </a:r>
+                  <a:endParaRPr lang="en-US" sz="800" dirty="0">
+                    <a:solidFill>
+                      <a:schemeClr val="tx1"/>
+                    </a:solidFill>
+                  </a:endParaRPr>
+                </a:p>
+              </p:txBody>
+            </p:sp>
+            <p:sp>
+              <p:nvSpPr>
+                <p:cNvPr id="16" name="Rectangle 15">
+                  <a:extLst>
+                    <a:ext uri="{FF2B5EF4-FFF2-40B4-BE49-F238E27FC236}">
+                      <a16:creationId xmlns:a16="http://schemas.microsoft.com/office/drawing/2014/main" id="{C6345639-99F1-5B0C-6193-175B95F69384}"/>
+                    </a:ext>
+                  </a:extLst>
+                </p:cNvPr>
+                <p:cNvSpPr/>
+                <p:nvPr/>
+              </p:nvSpPr>
+              <p:spPr>
+                <a:xfrm>
+                  <a:off x="4590323" y="2466210"/>
+                  <a:ext cx="914400" cy="180975"/>
+                </a:xfrm>
+                <a:prstGeom prst="rect">
+                  <a:avLst/>
+                </a:prstGeom>
+                <a:noFill/>
+                <a:ln>
+                  <a:noFill/>
+                </a:ln>
+              </p:spPr>
+              <p:style>
+                <a:lnRef idx="2">
+                  <a:schemeClr val="accent1">
+                    <a:shade val="15000"/>
+                  </a:schemeClr>
+                </a:lnRef>
+                <a:fillRef idx="1">
+                  <a:schemeClr val="accent1"/>
+                </a:fillRef>
+                <a:effectRef idx="0">
+                  <a:schemeClr val="accent1"/>
+                </a:effectRef>
+                <a:fontRef idx="minor">
+                  <a:schemeClr val="lt1"/>
+                </a:fontRef>
+              </p:style>
+              <p:txBody>
+                <a:bodyPr rtlCol="0" anchor="ctr"/>
+                <a:lstStyle/>
+                <a:p>
+                  <a:pPr algn="ctr"/>
+                  <a:r>
+                    <a:rPr lang="vi-VN" sz="800" dirty="0">
+                      <a:solidFill>
+                        <a:schemeClr val="tx1"/>
+                      </a:solidFill>
+                    </a:rPr>
+                    <a:t>Size</a:t>
+                  </a:r>
+                  <a:endParaRPr lang="en-US" sz="800" dirty="0">
+                    <a:solidFill>
+                      <a:schemeClr val="tx1"/>
+                    </a:solidFill>
+                  </a:endParaRPr>
+                </a:p>
+              </p:txBody>
+            </p:sp>
+            <p:sp>
+              <p:nvSpPr>
+                <p:cNvPr id="17" name="Rectangle 16">
+                  <a:extLst>
+                    <a:ext uri="{FF2B5EF4-FFF2-40B4-BE49-F238E27FC236}">
+                      <a16:creationId xmlns:a16="http://schemas.microsoft.com/office/drawing/2014/main" id="{5063D869-1DEE-F499-E069-627FE7BAAFBA}"/>
+                    </a:ext>
+                  </a:extLst>
+                </p:cNvPr>
+                <p:cNvSpPr/>
+                <p:nvPr/>
+              </p:nvSpPr>
+              <p:spPr>
+                <a:xfrm>
+                  <a:off x="5271574" y="2466210"/>
+                  <a:ext cx="914400" cy="180975"/>
+                </a:xfrm>
+                <a:prstGeom prst="rect">
+                  <a:avLst/>
+                </a:prstGeom>
+                <a:noFill/>
+                <a:ln>
+                  <a:noFill/>
+                </a:ln>
+              </p:spPr>
+              <p:style>
+                <a:lnRef idx="2">
+                  <a:schemeClr val="accent1">
+                    <a:shade val="15000"/>
+                  </a:schemeClr>
+                </a:lnRef>
+                <a:fillRef idx="1">
+                  <a:schemeClr val="accent1"/>
+                </a:fillRef>
+                <a:effectRef idx="0">
+                  <a:schemeClr val="accent1"/>
+                </a:effectRef>
+                <a:fontRef idx="minor">
+                  <a:schemeClr val="lt1"/>
+                </a:fontRef>
+              </p:style>
+              <p:txBody>
+                <a:bodyPr rtlCol="0" anchor="ctr"/>
+                <a:lstStyle/>
+                <a:p>
+                  <a:pPr algn="ctr"/>
+                  <a:r>
+                    <a:rPr lang="vi-VN" sz="800" dirty="0">
+                      <a:solidFill>
+                        <a:schemeClr val="tx1"/>
+                      </a:solidFill>
+                    </a:rPr>
+                    <a:t>Giá</a:t>
+                  </a:r>
+                  <a:endParaRPr lang="en-US" sz="800" dirty="0">
+                    <a:solidFill>
+                      <a:schemeClr val="tx1"/>
+                    </a:solidFill>
+                  </a:endParaRPr>
+                </a:p>
+              </p:txBody>
+            </p:sp>
+            <p:sp>
+              <p:nvSpPr>
+                <p:cNvPr id="20" name="Rectangle 19">
+                  <a:extLst>
+                    <a:ext uri="{FF2B5EF4-FFF2-40B4-BE49-F238E27FC236}">
+                      <a16:creationId xmlns:a16="http://schemas.microsoft.com/office/drawing/2014/main" id="{A6BD2E40-0390-9343-E3B0-978AD31583EF}"/>
+                    </a:ext>
+                  </a:extLst>
+                </p:cNvPr>
+                <p:cNvSpPr/>
+                <p:nvPr/>
+              </p:nvSpPr>
+              <p:spPr>
+                <a:xfrm>
+                  <a:off x="6040151" y="2466210"/>
+                  <a:ext cx="914400" cy="180975"/>
+                </a:xfrm>
+                <a:prstGeom prst="rect">
+                  <a:avLst/>
+                </a:prstGeom>
+                <a:noFill/>
+                <a:ln>
+                  <a:noFill/>
+                </a:ln>
+              </p:spPr>
+              <p:style>
+                <a:lnRef idx="2">
+                  <a:schemeClr val="accent1">
+                    <a:shade val="15000"/>
+                  </a:schemeClr>
+                </a:lnRef>
+                <a:fillRef idx="1">
+                  <a:schemeClr val="accent1"/>
+                </a:fillRef>
+                <a:effectRef idx="0">
+                  <a:schemeClr val="accent1"/>
+                </a:effectRef>
+                <a:fontRef idx="minor">
+                  <a:schemeClr val="lt1"/>
+                </a:fontRef>
+              </p:style>
+              <p:txBody>
+                <a:bodyPr rtlCol="0" anchor="ctr"/>
+                <a:lstStyle/>
+                <a:p>
+                  <a:pPr algn="ctr"/>
+                  <a:r>
+                    <a:rPr lang="vi-VN" sz="800" dirty="0">
+                      <a:solidFill>
+                        <a:schemeClr val="tx1"/>
+                      </a:solidFill>
+                    </a:rPr>
+                    <a:t>Số lượng</a:t>
+                  </a:r>
+                  <a:endParaRPr lang="en-US" sz="800" dirty="0">
+                    <a:solidFill>
+                      <a:schemeClr val="tx1"/>
+                    </a:solidFill>
+                  </a:endParaRPr>
+                </a:p>
+              </p:txBody>
+            </p:sp>
+          </p:grpSp>
           <p:sp>
             <p:nvSpPr>
-              <p:cNvPr id="8" name="Rectangle 7">
+              <p:cNvPr id="70" name="Rectangle 69">
                 <a:extLst>
                   <a:ext uri="{FF2B5EF4-FFF2-40B4-BE49-F238E27FC236}">
-                    <a16:creationId xmlns:a16="http://schemas.microsoft.com/office/drawing/2014/main" id="{D90AD677-26BB-9247-1D22-D415CB3E10D6}"/>
+                    <a16:creationId xmlns:a16="http://schemas.microsoft.com/office/drawing/2014/main" id="{7A14ED6B-410F-2177-4D57-66E4BC4D6448}"/>
                   </a:ext>
                 </a:extLst>
               </p:cNvPr>
@@ -29164,7 +29495,7 @@
             </p:nvSpPr>
             <p:spPr>
               <a:xfrm>
-                <a:off x="2864123" y="2466210"/>
+                <a:off x="6943163" y="2475138"/>
                 <a:ext cx="914400" cy="180975"/>
               </a:xfrm>
               <a:prstGeom prst="rect">
@@ -29202,255 +29533,7 @@
                       <a:schemeClr val="tx1"/>
                     </a:solidFill>
                   </a:rPr>
-                  <a:t>Sản phẩm</a:t>
-                </a:r>
-                <a:endParaRPr lang="en-US" sz="800" dirty="0">
-                  <a:solidFill>
-                    <a:schemeClr val="tx1"/>
-                  </a:solidFill>
-                </a:endParaRPr>
-              </a:p>
-            </p:txBody>
-          </p:sp>
-          <p:sp>
-            <p:nvSpPr>
-              <p:cNvPr id="10" name="Rectangle 9">
-                <a:extLst>
-                  <a:ext uri="{FF2B5EF4-FFF2-40B4-BE49-F238E27FC236}">
-                    <a16:creationId xmlns:a16="http://schemas.microsoft.com/office/drawing/2014/main" id="{5A51AC0F-0705-FFB2-0412-677D6B7CCC9F}"/>
-                  </a:ext>
-                </a:extLst>
-              </p:cNvPr>
-              <p:cNvSpPr/>
-              <p:nvPr/>
-            </p:nvSpPr>
-            <p:spPr>
-              <a:xfrm>
-                <a:off x="2510640" y="2466210"/>
-                <a:ext cx="353483" cy="180975"/>
-              </a:xfrm>
-              <a:prstGeom prst="rect">
-                <a:avLst/>
-              </a:prstGeom>
-              <a:noFill/>
-              <a:ln>
-                <a:noFill/>
-              </a:ln>
-            </p:spPr>
-            <p:style>
-              <a:lnRef idx="2">
-                <a:schemeClr val="accent1">
-                  <a:shade val="15000"/>
-                </a:schemeClr>
-              </a:lnRef>
-              <a:fillRef idx="1">
-                <a:schemeClr val="accent1"/>
-              </a:fillRef>
-              <a:effectRef idx="0">
-                <a:schemeClr val="accent1"/>
-              </a:effectRef>
-              <a:fontRef idx="minor">
-                <a:schemeClr val="lt1"/>
-              </a:fontRef>
-            </p:style>
-            <p:txBody>
-              <a:bodyPr rtlCol="0" anchor="ctr"/>
-              <a:lstStyle/>
-              <a:p>
-                <a:pPr algn="ctr"/>
-                <a:r>
-                  <a:rPr lang="vi-VN" sz="800">
-                    <a:solidFill>
-                      <a:schemeClr val="tx1"/>
-                    </a:solidFill>
-                  </a:rPr>
-                  <a:t>O</a:t>
-                </a:r>
-                <a:endParaRPr lang="en-US" sz="800" dirty="0">
-                  <a:solidFill>
-                    <a:schemeClr val="tx1"/>
-                  </a:solidFill>
-                </a:endParaRPr>
-              </a:p>
-            </p:txBody>
-          </p:sp>
-          <p:sp>
-            <p:nvSpPr>
-              <p:cNvPr id="16" name="Rectangle 15">
-                <a:extLst>
-                  <a:ext uri="{FF2B5EF4-FFF2-40B4-BE49-F238E27FC236}">
-                    <a16:creationId xmlns:a16="http://schemas.microsoft.com/office/drawing/2014/main" id="{C6345639-99F1-5B0C-6193-175B95F69384}"/>
-                  </a:ext>
-                </a:extLst>
-              </p:cNvPr>
-              <p:cNvSpPr/>
-              <p:nvPr/>
-            </p:nvSpPr>
-            <p:spPr>
-              <a:xfrm>
-                <a:off x="4590323" y="2466210"/>
-                <a:ext cx="914400" cy="180975"/>
-              </a:xfrm>
-              <a:prstGeom prst="rect">
-                <a:avLst/>
-              </a:prstGeom>
-              <a:noFill/>
-              <a:ln>
-                <a:noFill/>
-              </a:ln>
-            </p:spPr>
-            <p:style>
-              <a:lnRef idx="2">
-                <a:schemeClr val="accent1">
-                  <a:shade val="15000"/>
-                </a:schemeClr>
-              </a:lnRef>
-              <a:fillRef idx="1">
-                <a:schemeClr val="accent1"/>
-              </a:fillRef>
-              <a:effectRef idx="0">
-                <a:schemeClr val="accent1"/>
-              </a:effectRef>
-              <a:fontRef idx="minor">
-                <a:schemeClr val="lt1"/>
-              </a:fontRef>
-            </p:style>
-            <p:txBody>
-              <a:bodyPr rtlCol="0" anchor="ctr"/>
-              <a:lstStyle/>
-              <a:p>
-                <a:pPr algn="ctr"/>
-                <a:r>
-                  <a:rPr lang="vi-VN" sz="800" dirty="0">
-                    <a:solidFill>
-                      <a:schemeClr val="tx1"/>
-                    </a:solidFill>
-                  </a:rPr>
-                  <a:t>Size</a:t>
-                </a:r>
-                <a:endParaRPr lang="en-US" sz="800" dirty="0">
-                  <a:solidFill>
-                    <a:schemeClr val="tx1"/>
-                  </a:solidFill>
-                </a:endParaRPr>
-              </a:p>
-            </p:txBody>
-          </p:sp>
-          <p:sp>
-            <p:nvSpPr>
-              <p:cNvPr id="17" name="Rectangle 16">
-                <a:extLst>
-                  <a:ext uri="{FF2B5EF4-FFF2-40B4-BE49-F238E27FC236}">
-                    <a16:creationId xmlns:a16="http://schemas.microsoft.com/office/drawing/2014/main" id="{5063D869-1DEE-F499-E069-627FE7BAAFBA}"/>
-                  </a:ext>
-                </a:extLst>
-              </p:cNvPr>
-              <p:cNvSpPr/>
-              <p:nvPr/>
-            </p:nvSpPr>
-            <p:spPr>
-              <a:xfrm>
-                <a:off x="5271574" y="2466210"/>
-                <a:ext cx="914400" cy="180975"/>
-              </a:xfrm>
-              <a:prstGeom prst="rect">
-                <a:avLst/>
-              </a:prstGeom>
-              <a:noFill/>
-              <a:ln>
-                <a:noFill/>
-              </a:ln>
-            </p:spPr>
-            <p:style>
-              <a:lnRef idx="2">
-                <a:schemeClr val="accent1">
-                  <a:shade val="15000"/>
-                </a:schemeClr>
-              </a:lnRef>
-              <a:fillRef idx="1">
-                <a:schemeClr val="accent1"/>
-              </a:fillRef>
-              <a:effectRef idx="0">
-                <a:schemeClr val="accent1"/>
-              </a:effectRef>
-              <a:fontRef idx="minor">
-                <a:schemeClr val="lt1"/>
-              </a:fontRef>
-            </p:style>
-            <p:txBody>
-              <a:bodyPr rtlCol="0" anchor="ctr"/>
-              <a:lstStyle/>
-              <a:p>
-                <a:pPr algn="ctr"/>
-                <a:r>
-                  <a:rPr lang="vi-VN" sz="800" dirty="0">
-                    <a:solidFill>
-                      <a:schemeClr val="tx1"/>
-                    </a:solidFill>
-                  </a:rPr>
-                  <a:t>Giá</a:t>
-                </a:r>
-                <a:endParaRPr lang="en-US" sz="800" dirty="0">
-                  <a:solidFill>
-                    <a:schemeClr val="tx1"/>
-                  </a:solidFill>
-                </a:endParaRPr>
-              </a:p>
-            </p:txBody>
-          </p:sp>
-          <p:sp>
-            <p:nvSpPr>
-              <p:cNvPr id="20" name="Rectangle 19">
-                <a:extLst>
-                  <a:ext uri="{FF2B5EF4-FFF2-40B4-BE49-F238E27FC236}">
-                    <a16:creationId xmlns:a16="http://schemas.microsoft.com/office/drawing/2014/main" id="{A6BD2E40-0390-9343-E3B0-978AD31583EF}"/>
-                  </a:ext>
-                </a:extLst>
-              </p:cNvPr>
-              <p:cNvSpPr/>
-              <p:nvPr/>
-            </p:nvSpPr>
-            <p:spPr>
-              <a:xfrm>
-                <a:off x="6040151" y="2466210"/>
-                <a:ext cx="914400" cy="180975"/>
-              </a:xfrm>
-              <a:prstGeom prst="rect">
-                <a:avLst/>
-              </a:prstGeom>
-              <a:noFill/>
-              <a:ln>
-                <a:noFill/>
-              </a:ln>
-            </p:spPr>
-            <p:style>
-              <a:lnRef idx="2">
-                <a:schemeClr val="accent1">
-                  <a:shade val="15000"/>
-                </a:schemeClr>
-              </a:lnRef>
-              <a:fillRef idx="1">
-                <a:schemeClr val="accent1"/>
-              </a:fillRef>
-              <a:effectRef idx="0">
-                <a:schemeClr val="accent1"/>
-              </a:effectRef>
-              <a:fontRef idx="minor">
-                <a:schemeClr val="lt1"/>
-              </a:fontRef>
-            </p:style>
-            <p:txBody>
-              <a:bodyPr rtlCol="0" anchor="ctr"/>
-              <a:lstStyle/>
-              <a:p>
-                <a:pPr algn="ctr"/>
-                <a:r>
-                  <a:rPr lang="vi-VN" sz="800" dirty="0">
-                    <a:solidFill>
-                      <a:schemeClr val="tx1"/>
-                    </a:solidFill>
-                  </a:rPr>
-                  <a:t>Số lượng</a:t>
+                  <a:t>Tổng</a:t>
                 </a:r>
                 <a:endParaRPr lang="en-US" sz="800" dirty="0">
                   <a:solidFill>
@@ -29463,10 +29546,10 @@
         </p:grpSp>
         <p:sp>
           <p:nvSpPr>
-            <p:cNvPr id="70" name="Rectangle 69">
+            <p:cNvPr id="71" name="Rectangle 70">
               <a:extLst>
                 <a:ext uri="{FF2B5EF4-FFF2-40B4-BE49-F238E27FC236}">
-                  <a16:creationId xmlns:a16="http://schemas.microsoft.com/office/drawing/2014/main" id="{7A14ED6B-410F-2177-4D57-66E4BC4D6448}"/>
+                  <a16:creationId xmlns:a16="http://schemas.microsoft.com/office/drawing/2014/main" id="{17B4B753-6401-EC32-1A4B-F9383400AA71}"/>
                 </a:ext>
               </a:extLst>
             </p:cNvPr>
@@ -29475,16 +29558,18 @@
           </p:nvSpPr>
           <p:spPr>
             <a:xfrm>
-              <a:off x="6943163" y="2475138"/>
-              <a:ext cx="914400" cy="180975"/>
+              <a:off x="7779597" y="2402047"/>
+              <a:ext cx="2107354" cy="2884328"/>
             </a:xfrm>
             <a:prstGeom prst="rect">
               <a:avLst/>
             </a:prstGeom>
-            <a:noFill/>
-            <a:ln>
-              <a:noFill/>
-            </a:ln>
+            <a:solidFill>
+              <a:schemeClr val="accent2">
+                <a:lumMod val="20000"/>
+                <a:lumOff val="80000"/>
+              </a:schemeClr>
+            </a:solidFill>
           </p:spPr>
           <p:style>
             <a:lnRef idx="2">
@@ -29506,16 +29591,84 @@
             <a:bodyPr rtlCol="0" anchor="ctr"/>
             <a:lstStyle/>
             <a:p>
-              <a:pPr algn="ctr"/>
+              <a:pPr>
+                <a:lnSpc>
+                  <a:spcPct val="300000"/>
+                </a:lnSpc>
+              </a:pPr>
               <a:r>
-                <a:rPr lang="vi-VN" sz="800" dirty="0">
+                <a:rPr lang="vi-VN" sz="1100" dirty="0">
                   <a:solidFill>
                     <a:schemeClr val="tx1"/>
                   </a:solidFill>
                 </a:rPr>
-                <a:t>Tổng</a:t>
+                <a:t>Thành tiền</a:t>
               </a:r>
-              <a:endParaRPr lang="en-US" sz="800" dirty="0">
+            </a:p>
+            <a:p>
+              <a:pPr>
+                <a:lnSpc>
+                  <a:spcPct val="300000"/>
+                </a:lnSpc>
+              </a:pPr>
+              <a:r>
+                <a:rPr lang="vi-VN" sz="1100" dirty="0">
+                  <a:solidFill>
+                    <a:schemeClr val="tx1"/>
+                  </a:solidFill>
+                </a:rPr>
+                <a:t>Tổng đơn:	4.050.000 VND</a:t>
+              </a:r>
+            </a:p>
+            <a:p>
+              <a:pPr>
+                <a:lnSpc>
+                  <a:spcPct val="300000"/>
+                </a:lnSpc>
+              </a:pPr>
+              <a:r>
+                <a:rPr lang="vi-VN" sz="1100" dirty="0">
+                  <a:solidFill>
+                    <a:schemeClr val="tx1"/>
+                  </a:solidFill>
+                </a:rPr>
+                <a:t>VAT(10%):	   405.000 VND</a:t>
+              </a:r>
+            </a:p>
+            <a:p>
+              <a:pPr>
+                <a:lnSpc>
+                  <a:spcPct val="300000"/>
+                </a:lnSpc>
+              </a:pPr>
+              <a:r>
+                <a:rPr lang="vi-VN" sz="1100" dirty="0">
+                  <a:solidFill>
+                    <a:schemeClr val="tx1"/>
+                  </a:solidFill>
+                </a:rPr>
+                <a:t>Thành tiền: 	4.455.000 VND</a:t>
+              </a:r>
+            </a:p>
+            <a:p>
+              <a:pPr>
+                <a:lnSpc>
+                  <a:spcPct val="300000"/>
+                </a:lnSpc>
+              </a:pPr>
+              <a:endParaRPr lang="vi-VN" sz="1100" dirty="0">
+                <a:solidFill>
+                  <a:schemeClr val="tx1"/>
+                </a:solidFill>
+              </a:endParaRPr>
+            </a:p>
+            <a:p>
+              <a:pPr>
+                <a:lnSpc>
+                  <a:spcPct val="300000"/>
+                </a:lnSpc>
+              </a:pPr>
+              <a:endParaRPr lang="vi-VN" sz="1100" dirty="0">
                 <a:solidFill>
                   <a:schemeClr val="tx1"/>
                 </a:solidFill>
@@ -29523,318 +29676,56 @@
             </a:p>
           </p:txBody>
         </p:sp>
-      </p:grpSp>
-      <p:sp>
-        <p:nvSpPr>
-          <p:cNvPr id="71" name="Rectangle 70">
-            <a:extLst>
-              <a:ext uri="{FF2B5EF4-FFF2-40B4-BE49-F238E27FC236}">
-                <a16:creationId xmlns:a16="http://schemas.microsoft.com/office/drawing/2014/main" id="{17B4B753-6401-EC32-1A4B-F9383400AA71}"/>
-              </a:ext>
-            </a:extLst>
-          </p:cNvPr>
-          <p:cNvSpPr/>
-          <p:nvPr/>
-        </p:nvSpPr>
-        <p:spPr>
-          <a:xfrm>
-            <a:off x="7779597" y="2402047"/>
-            <a:ext cx="2107354" cy="2884328"/>
-          </a:xfrm>
-          <a:prstGeom prst="rect">
-            <a:avLst/>
-          </a:prstGeom>
-          <a:solidFill>
-            <a:schemeClr val="accent2">
-              <a:lumMod val="20000"/>
-              <a:lumOff val="80000"/>
-            </a:schemeClr>
-          </a:solidFill>
-        </p:spPr>
-        <p:style>
-          <a:lnRef idx="2">
-            <a:schemeClr val="accent1">
-              <a:shade val="15000"/>
-            </a:schemeClr>
-          </a:lnRef>
-          <a:fillRef idx="1">
-            <a:schemeClr val="accent1"/>
-          </a:fillRef>
-          <a:effectRef idx="0">
-            <a:schemeClr val="accent1"/>
-          </a:effectRef>
-          <a:fontRef idx="minor">
-            <a:schemeClr val="lt1"/>
-          </a:fontRef>
-        </p:style>
-        <p:txBody>
-          <a:bodyPr rtlCol="0" anchor="ctr"/>
-          <a:lstStyle/>
-          <a:p>
-            <a:pPr>
-              <a:lnSpc>
-                <a:spcPct val="300000"/>
-              </a:lnSpc>
-            </a:pPr>
-            <a:r>
-              <a:rPr lang="vi-VN" sz="1100" dirty="0">
-                <a:solidFill>
-                  <a:schemeClr val="tx1"/>
-                </a:solidFill>
-              </a:rPr>
-              <a:t>Thành tiền</a:t>
-            </a:r>
-          </a:p>
-          <a:p>
-            <a:pPr>
-              <a:lnSpc>
-                <a:spcPct val="300000"/>
-              </a:lnSpc>
-            </a:pPr>
-            <a:r>
-              <a:rPr lang="vi-VN" sz="1100" dirty="0">
-                <a:solidFill>
-                  <a:schemeClr val="tx1"/>
-                </a:solidFill>
-              </a:rPr>
-              <a:t>Tổng đơn:	4.050.000 VND</a:t>
-            </a:r>
-          </a:p>
-          <a:p>
-            <a:pPr>
-              <a:lnSpc>
-                <a:spcPct val="300000"/>
-              </a:lnSpc>
-            </a:pPr>
-            <a:r>
-              <a:rPr lang="vi-VN" sz="1100" dirty="0">
-                <a:solidFill>
-                  <a:schemeClr val="tx1"/>
-                </a:solidFill>
-              </a:rPr>
-              <a:t>Shipping:	30.000 VND</a:t>
-            </a:r>
-          </a:p>
-          <a:p>
-            <a:pPr>
-              <a:lnSpc>
-                <a:spcPct val="300000"/>
-              </a:lnSpc>
-            </a:pPr>
-            <a:r>
-              <a:rPr lang="vi-VN" sz="1100" dirty="0">
-                <a:solidFill>
-                  <a:schemeClr val="tx1"/>
-                </a:solidFill>
-              </a:rPr>
-              <a:t>Thành tiền: 	4.080.000 VND</a:t>
-            </a:r>
-          </a:p>
-          <a:p>
-            <a:pPr>
-              <a:lnSpc>
-                <a:spcPct val="300000"/>
-              </a:lnSpc>
-            </a:pPr>
-            <a:endParaRPr lang="vi-VN" sz="1100" dirty="0">
-              <a:solidFill>
-                <a:schemeClr val="tx1"/>
-              </a:solidFill>
-            </a:endParaRPr>
-          </a:p>
-          <a:p>
-            <a:pPr>
-              <a:lnSpc>
-                <a:spcPct val="300000"/>
-              </a:lnSpc>
-            </a:pPr>
-            <a:endParaRPr lang="vi-VN" sz="1100" dirty="0">
-              <a:solidFill>
-                <a:schemeClr val="tx1"/>
-              </a:solidFill>
-            </a:endParaRPr>
-          </a:p>
-        </p:txBody>
-      </p:sp>
-      <p:cxnSp>
-        <p:nvCxnSpPr>
-          <p:cNvPr id="75" name="Straight Connector 74">
-            <a:extLst>
-              <a:ext uri="{FF2B5EF4-FFF2-40B4-BE49-F238E27FC236}">
-                <a16:creationId xmlns:a16="http://schemas.microsoft.com/office/drawing/2014/main" id="{0EB19281-758E-33E2-0D1C-5D785E0BF6D5}"/>
-              </a:ext>
-            </a:extLst>
-          </p:cNvPr>
-          <p:cNvCxnSpPr/>
-          <p:nvPr/>
-        </p:nvCxnSpPr>
-        <p:spPr>
-          <a:xfrm>
-            <a:off x="2305049" y="2628900"/>
-            <a:ext cx="5371043" cy="0"/>
-          </a:xfrm>
-          <a:prstGeom prst="line">
-            <a:avLst/>
-          </a:prstGeom>
-          <a:ln w="9525">
-            <a:solidFill>
-              <a:schemeClr val="accent2">
-                <a:lumMod val="60000"/>
-                <a:lumOff val="40000"/>
-              </a:schemeClr>
-            </a:solidFill>
-          </a:ln>
-        </p:spPr>
-        <p:style>
-          <a:lnRef idx="1">
-            <a:schemeClr val="dk1"/>
-          </a:lnRef>
-          <a:fillRef idx="0">
-            <a:schemeClr val="dk1"/>
-          </a:fillRef>
-          <a:effectRef idx="0">
-            <a:schemeClr val="dk1"/>
-          </a:effectRef>
-          <a:fontRef idx="minor">
-            <a:schemeClr val="tx1"/>
-          </a:fontRef>
-        </p:style>
-      </p:cxnSp>
-      <p:grpSp>
-        <p:nvGrpSpPr>
-          <p:cNvPr id="145" name="Group 144">
-            <a:extLst>
-              <a:ext uri="{FF2B5EF4-FFF2-40B4-BE49-F238E27FC236}">
-                <a16:creationId xmlns:a16="http://schemas.microsoft.com/office/drawing/2014/main" id="{20FA83E5-D6F2-DFD1-8E75-B693898F2EB1}"/>
-              </a:ext>
-            </a:extLst>
-          </p:cNvPr>
-          <p:cNvGrpSpPr/>
-          <p:nvPr/>
-        </p:nvGrpSpPr>
-        <p:grpSpPr>
-          <a:xfrm>
-            <a:off x="2305049" y="2647311"/>
-            <a:ext cx="5371951" cy="401436"/>
-            <a:chOff x="2305049" y="2647311"/>
-            <a:chExt cx="5371951" cy="401436"/>
-          </a:xfrm>
-        </p:grpSpPr>
-        <p:grpSp>
-          <p:nvGrpSpPr>
-            <p:cNvPr id="23" name="Group 22">
+        <p:cxnSp>
+          <p:nvCxnSpPr>
+            <p:cNvPr id="75" name="Straight Connector 74">
               <a:extLst>
                 <a:ext uri="{FF2B5EF4-FFF2-40B4-BE49-F238E27FC236}">
-                  <a16:creationId xmlns:a16="http://schemas.microsoft.com/office/drawing/2014/main" id="{62A293B7-C65F-0075-B897-80A280EF1D3C}"/>
+                  <a16:creationId xmlns:a16="http://schemas.microsoft.com/office/drawing/2014/main" id="{0EB19281-758E-33E2-0D1C-5D785E0BF6D5}"/>
                 </a:ext>
               </a:extLst>
             </p:cNvPr>
-            <p:cNvGrpSpPr>
-              <a:grpSpLocks noChangeAspect="1"/>
-            </p:cNvGrpSpPr>
+            <p:cNvCxnSpPr/>
             <p:nvPr/>
-          </p:nvGrpSpPr>
-          <p:grpSpPr>
+          </p:nvCxnSpPr>
+          <p:spPr>
             <a:xfrm>
-              <a:off x="2663581" y="2647311"/>
-              <a:ext cx="423134" cy="401436"/>
-              <a:chOff x="439337" y="1795464"/>
-              <a:chExt cx="963824" cy="914400"/>
+              <a:off x="2305049" y="2628900"/>
+              <a:ext cx="5371043" cy="0"/>
             </a:xfrm>
-          </p:grpSpPr>
-          <p:sp>
-            <p:nvSpPr>
-              <p:cNvPr id="22" name="Rectangle 21">
-                <a:extLst>
-                  <a:ext uri="{FF2B5EF4-FFF2-40B4-BE49-F238E27FC236}">
-                    <a16:creationId xmlns:a16="http://schemas.microsoft.com/office/drawing/2014/main" id="{6394B6ED-A107-4E7C-3F81-98680113DFCF}"/>
-                  </a:ext>
-                </a:extLst>
-              </p:cNvPr>
-              <p:cNvSpPr/>
-              <p:nvPr/>
-            </p:nvSpPr>
-            <p:spPr>
-              <a:xfrm>
-                <a:off x="439337" y="1882951"/>
-                <a:ext cx="957473" cy="739426"/>
-              </a:xfrm>
-              <a:prstGeom prst="rect">
-                <a:avLst/>
-              </a:prstGeom>
-              <a:noFill/>
-            </p:spPr>
-            <p:style>
-              <a:lnRef idx="2">
-                <a:schemeClr val="accent1">
-                  <a:shade val="15000"/>
+            <a:prstGeom prst="line">
+              <a:avLst/>
+            </a:prstGeom>
+            <a:ln w="9525">
+              <a:solidFill>
+                <a:schemeClr val="accent2">
+                  <a:lumMod val="60000"/>
+                  <a:lumOff val="40000"/>
                 </a:schemeClr>
-              </a:lnRef>
-              <a:fillRef idx="1">
-                <a:schemeClr val="accent1"/>
-              </a:fillRef>
-              <a:effectRef idx="0">
-                <a:schemeClr val="accent1"/>
-              </a:effectRef>
-              <a:fontRef idx="minor">
-                <a:schemeClr val="lt1"/>
-              </a:fontRef>
-            </p:style>
-            <p:txBody>
-              <a:bodyPr rtlCol="0" anchor="ctr"/>
-              <a:lstStyle/>
-              <a:p>
-                <a:pPr algn="ctr"/>
-                <a:endParaRPr lang="en-US"/>
-              </a:p>
-            </p:txBody>
-          </p:sp>
-          <p:pic>
-            <p:nvPicPr>
-              <p:cNvPr id="21" name="Graphic 20" descr="Boot outline">
-                <a:extLst>
-                  <a:ext uri="{FF2B5EF4-FFF2-40B4-BE49-F238E27FC236}">
-                    <a16:creationId xmlns:a16="http://schemas.microsoft.com/office/drawing/2014/main" id="{2593DE32-DF94-0C6A-C07D-18CDF6761A56}"/>
-                  </a:ext>
-                </a:extLst>
-              </p:cNvPr>
-              <p:cNvPicPr>
-                <a:picLocks noChangeAspect="1"/>
-              </p:cNvPicPr>
-              <p:nvPr/>
-            </p:nvPicPr>
-            <p:blipFill>
-              <a:blip r:embed="rId8">
-                <a:extLst>
-                  <a:ext uri="{28A0092B-C50C-407E-A947-70E740481C1C}">
-                    <a14:useLocalDpi xmlns:a14="http://schemas.microsoft.com/office/drawing/2010/main" val="0"/>
-                  </a:ext>
-                  <a:ext uri="{96DAC541-7B7A-43D3-8B79-37D633B846F1}">
-                    <asvg:svgBlip xmlns:asvg="http://schemas.microsoft.com/office/drawing/2016/SVG/main" r:embed="rId9"/>
-                  </a:ext>
-                </a:extLst>
-              </a:blip>
-              <a:stretch>
-                <a:fillRect/>
-              </a:stretch>
-            </p:blipFill>
-            <p:spPr>
-              <a:xfrm>
-                <a:off x="488761" y="1795464"/>
-                <a:ext cx="914400" cy="914400"/>
-              </a:xfrm>
-              <a:prstGeom prst="rect">
-                <a:avLst/>
-              </a:prstGeom>
-            </p:spPr>
-          </p:pic>
-        </p:grpSp>
+              </a:solidFill>
+            </a:ln>
+          </p:spPr>
+          <p:style>
+            <a:lnRef idx="1">
+              <a:schemeClr val="dk1"/>
+            </a:lnRef>
+            <a:fillRef idx="0">
+              <a:schemeClr val="dk1"/>
+            </a:fillRef>
+            <a:effectRef idx="0">
+              <a:schemeClr val="dk1"/>
+            </a:effectRef>
+            <a:fontRef idx="minor">
+              <a:schemeClr val="tx1"/>
+            </a:fontRef>
+          </p:style>
+        </p:cxnSp>
         <p:grpSp>
           <p:nvGrpSpPr>
-            <p:cNvPr id="94" name="Group 93">
+            <p:cNvPr id="145" name="Group 144">
               <a:extLst>
                 <a:ext uri="{FF2B5EF4-FFF2-40B4-BE49-F238E27FC236}">
-                  <a16:creationId xmlns:a16="http://schemas.microsoft.com/office/drawing/2014/main" id="{665DBFA3-5866-2A8A-28AB-322A0B34814E}"/>
+                  <a16:creationId xmlns:a16="http://schemas.microsoft.com/office/drawing/2014/main" id="{20FA83E5-D6F2-DFD1-8E75-B693898F2EB1}"/>
                 </a:ext>
               </a:extLst>
             </p:cNvPr>
@@ -29843,38 +29734,40 @@
           </p:nvGrpSpPr>
           <p:grpSpPr>
             <a:xfrm>
-              <a:off x="2305049" y="2725026"/>
-              <a:ext cx="5371951" cy="323721"/>
-              <a:chOff x="2305049" y="2725026"/>
-              <a:chExt cx="5371951" cy="323721"/>
+              <a:off x="2305049" y="2647311"/>
+              <a:ext cx="5371951" cy="401436"/>
+              <a:chOff x="2305049" y="2647311"/>
+              <a:chExt cx="5371951" cy="401436"/>
             </a:xfrm>
           </p:grpSpPr>
           <p:grpSp>
             <p:nvGrpSpPr>
-              <p:cNvPr id="84" name="Group 83">
+              <p:cNvPr id="23" name="Group 22">
                 <a:extLst>
                   <a:ext uri="{FF2B5EF4-FFF2-40B4-BE49-F238E27FC236}">
-                    <a16:creationId xmlns:a16="http://schemas.microsoft.com/office/drawing/2014/main" id="{5A37CCE9-9E03-35E6-A92F-4703B1CAAB50}"/>
+                    <a16:creationId xmlns:a16="http://schemas.microsoft.com/office/drawing/2014/main" id="{62A293B7-C65F-0075-B897-80A280EF1D3C}"/>
                   </a:ext>
                 </a:extLst>
               </p:cNvPr>
-              <p:cNvGrpSpPr/>
+              <p:cNvGrpSpPr>
+                <a:grpSpLocks noChangeAspect="1"/>
+              </p:cNvGrpSpPr>
               <p:nvPr/>
             </p:nvGrpSpPr>
             <p:grpSpPr>
               <a:xfrm>
-                <a:off x="2305049" y="2725026"/>
-                <a:ext cx="5371951" cy="264004"/>
-                <a:chOff x="2305049" y="2725026"/>
-                <a:chExt cx="5371951" cy="264004"/>
+                <a:off x="2663581" y="2647311"/>
+                <a:ext cx="423134" cy="401436"/>
+                <a:chOff x="439337" y="1795464"/>
+                <a:chExt cx="963824" cy="914400"/>
               </a:xfrm>
             </p:grpSpPr>
             <p:sp>
               <p:nvSpPr>
-                <p:cNvPr id="76" name="Rectangle 75">
+                <p:cNvPr id="22" name="Rectangle 21">
                   <a:extLst>
                     <a:ext uri="{FF2B5EF4-FFF2-40B4-BE49-F238E27FC236}">
-                      <a16:creationId xmlns:a16="http://schemas.microsoft.com/office/drawing/2014/main" id="{5F5708B5-195F-C8CB-DBB2-D12ACC6432C1}"/>
+                      <a16:creationId xmlns:a16="http://schemas.microsoft.com/office/drawing/2014/main" id="{6394B6ED-A107-4E7C-3F81-98680113DFCF}"/>
                     </a:ext>
                   </a:extLst>
                 </p:cNvPr>
@@ -29883,662 +29776,13 @@
               </p:nvSpPr>
               <p:spPr>
                 <a:xfrm>
-                  <a:off x="2305049" y="2802309"/>
-                  <a:ext cx="91440" cy="91440"/>
+                  <a:off x="439337" y="1882951"/>
+                  <a:ext cx="957473" cy="739426"/>
                 </a:xfrm>
                 <a:prstGeom prst="rect">
                   <a:avLst/>
                 </a:prstGeom>
                 <a:noFill/>
-                <a:ln>
-                  <a:solidFill>
-                    <a:schemeClr val="tx1"/>
-                  </a:solidFill>
-                </a:ln>
-              </p:spPr>
-              <p:style>
-                <a:lnRef idx="2">
-                  <a:schemeClr val="accent1">
-                    <a:shade val="15000"/>
-                  </a:schemeClr>
-                </a:lnRef>
-                <a:fillRef idx="1">
-                  <a:schemeClr val="accent1"/>
-                </a:fillRef>
-                <a:effectRef idx="0">
-                  <a:schemeClr val="accent1"/>
-                </a:effectRef>
-                <a:fontRef idx="minor">
-                  <a:schemeClr val="lt1"/>
-                </a:fontRef>
-              </p:style>
-              <p:txBody>
-                <a:bodyPr rtlCol="0" anchor="ctr"/>
-                <a:lstStyle/>
-                <a:p>
-                  <a:pPr algn="ctr"/>
-                  <a:endParaRPr lang="en-US" dirty="0"/>
-                </a:p>
-              </p:txBody>
-            </p:sp>
-            <p:sp>
-              <p:nvSpPr>
-                <p:cNvPr id="77" name="Rectangle 76">
-                  <a:extLst>
-                    <a:ext uri="{FF2B5EF4-FFF2-40B4-BE49-F238E27FC236}">
-                      <a16:creationId xmlns:a16="http://schemas.microsoft.com/office/drawing/2014/main" id="{F543BCB1-190C-ADE3-6F34-E1137AD86F2B}"/>
-                    </a:ext>
-                  </a:extLst>
-                </p:cNvPr>
-                <p:cNvSpPr/>
-                <p:nvPr/>
-              </p:nvSpPr>
-              <p:spPr>
-                <a:xfrm>
-                  <a:off x="3083926" y="2743029"/>
-                  <a:ext cx="1430923" cy="246001"/>
-                </a:xfrm>
-                <a:prstGeom prst="rect">
-                  <a:avLst/>
-                </a:prstGeom>
-                <a:noFill/>
-                <a:ln>
-                  <a:noFill/>
-                </a:ln>
-              </p:spPr>
-              <p:style>
-                <a:lnRef idx="2">
-                  <a:schemeClr val="accent1">
-                    <a:shade val="15000"/>
-                  </a:schemeClr>
-                </a:lnRef>
-                <a:fillRef idx="1">
-                  <a:schemeClr val="accent1"/>
-                </a:fillRef>
-                <a:effectRef idx="0">
-                  <a:schemeClr val="accent1"/>
-                </a:effectRef>
-                <a:fontRef idx="minor">
-                  <a:schemeClr val="lt1"/>
-                </a:fontRef>
-              </p:style>
-              <p:txBody>
-                <a:bodyPr rtlCol="0" anchor="ctr"/>
-                <a:lstStyle/>
-                <a:p>
-                  <a:pPr algn="ctr"/>
-                  <a:r>
-                    <a:rPr lang="vi-VN" sz="800" dirty="0">
-                      <a:solidFill>
-                        <a:schemeClr val="tx1"/>
-                      </a:solidFill>
-                    </a:rPr>
-                    <a:t>Giày ABC model XYZ</a:t>
-                  </a:r>
-                  <a:endParaRPr lang="en-US" sz="800" dirty="0">
-                    <a:solidFill>
-                      <a:schemeClr val="tx1"/>
-                    </a:solidFill>
-                  </a:endParaRPr>
-                </a:p>
-              </p:txBody>
-            </p:sp>
-            <p:sp>
-              <p:nvSpPr>
-                <p:cNvPr id="78" name="Rectangle 77">
-                  <a:extLst>
-                    <a:ext uri="{FF2B5EF4-FFF2-40B4-BE49-F238E27FC236}">
-                      <a16:creationId xmlns:a16="http://schemas.microsoft.com/office/drawing/2014/main" id="{7FA66549-3C68-BA8E-B93F-4AAA7AAA11BB}"/>
-                    </a:ext>
-                  </a:extLst>
-                </p:cNvPr>
-                <p:cNvSpPr/>
-                <p:nvPr/>
-              </p:nvSpPr>
-              <p:spPr>
-                <a:xfrm>
-                  <a:off x="4494808" y="2725028"/>
-                  <a:ext cx="397482" cy="246001"/>
-                </a:xfrm>
-                <a:prstGeom prst="rect">
-                  <a:avLst/>
-                </a:prstGeom>
-                <a:noFill/>
-                <a:ln>
-                  <a:solidFill>
-                    <a:schemeClr val="tx1"/>
-                  </a:solidFill>
-                </a:ln>
-              </p:spPr>
-              <p:style>
-                <a:lnRef idx="2">
-                  <a:schemeClr val="accent1">
-                    <a:shade val="15000"/>
-                  </a:schemeClr>
-                </a:lnRef>
-                <a:fillRef idx="1">
-                  <a:schemeClr val="accent1"/>
-                </a:fillRef>
-                <a:effectRef idx="0">
-                  <a:schemeClr val="accent1"/>
-                </a:effectRef>
-                <a:fontRef idx="minor">
-                  <a:schemeClr val="lt1"/>
-                </a:fontRef>
-              </p:style>
-              <p:txBody>
-                <a:bodyPr rtlCol="0" anchor="ctr"/>
-                <a:lstStyle/>
-                <a:p>
-                  <a:r>
-                    <a:rPr lang="vi-VN" sz="800" dirty="0">
-                      <a:solidFill>
-                        <a:schemeClr val="tx1"/>
-                      </a:solidFill>
-                    </a:rPr>
-                    <a:t>37 </a:t>
-                  </a:r>
-                  <a:r>
-                    <a:rPr lang="vi-VN" sz="700" dirty="0">
-                      <a:solidFill>
-                        <a:schemeClr val="tx1"/>
-                      </a:solidFill>
-                    </a:rPr>
-                    <a:t>v</a:t>
-                  </a:r>
-                  <a:endParaRPr lang="en-US" sz="800" dirty="0">
-                    <a:solidFill>
-                      <a:schemeClr val="tx1"/>
-                    </a:solidFill>
-                  </a:endParaRPr>
-                </a:p>
-              </p:txBody>
-            </p:sp>
-            <p:sp>
-              <p:nvSpPr>
-                <p:cNvPr id="79" name="Rectangle 78">
-                  <a:extLst>
-                    <a:ext uri="{FF2B5EF4-FFF2-40B4-BE49-F238E27FC236}">
-                      <a16:creationId xmlns:a16="http://schemas.microsoft.com/office/drawing/2014/main" id="{20F1450F-AA17-1D35-C531-7108B23392A6}"/>
-                    </a:ext>
-                  </a:extLst>
-                </p:cNvPr>
-                <p:cNvSpPr/>
-                <p:nvPr/>
-              </p:nvSpPr>
-              <p:spPr>
-                <a:xfrm>
-                  <a:off x="4917752" y="2743029"/>
-                  <a:ext cx="917163" cy="246001"/>
-                </a:xfrm>
-                <a:prstGeom prst="rect">
-                  <a:avLst/>
-                </a:prstGeom>
-                <a:noFill/>
-                <a:ln>
-                  <a:noFill/>
-                </a:ln>
-              </p:spPr>
-              <p:style>
-                <a:lnRef idx="2">
-                  <a:schemeClr val="accent1">
-                    <a:shade val="15000"/>
-                  </a:schemeClr>
-                </a:lnRef>
-                <a:fillRef idx="1">
-                  <a:schemeClr val="accent1"/>
-                </a:fillRef>
-                <a:effectRef idx="0">
-                  <a:schemeClr val="accent1"/>
-                </a:effectRef>
-                <a:fontRef idx="minor">
-                  <a:schemeClr val="lt1"/>
-                </a:fontRef>
-              </p:style>
-              <p:txBody>
-                <a:bodyPr rtlCol="0" anchor="ctr"/>
-                <a:lstStyle/>
-                <a:p>
-                  <a:pPr algn="ctr"/>
-                  <a:r>
-                    <a:rPr lang="vi-VN" sz="800" dirty="0">
-                      <a:solidFill>
-                        <a:schemeClr val="tx1"/>
-                      </a:solidFill>
-                    </a:rPr>
-                    <a:t>1.350.000 VND</a:t>
-                  </a:r>
-                  <a:endParaRPr lang="en-US" sz="800" dirty="0">
-                    <a:solidFill>
-                      <a:schemeClr val="tx1"/>
-                    </a:solidFill>
-                  </a:endParaRPr>
-                </a:p>
-              </p:txBody>
-            </p:sp>
-            <p:sp>
-              <p:nvSpPr>
-                <p:cNvPr id="80" name="Rectangle 79">
-                  <a:extLst>
-                    <a:ext uri="{FF2B5EF4-FFF2-40B4-BE49-F238E27FC236}">
-                      <a16:creationId xmlns:a16="http://schemas.microsoft.com/office/drawing/2014/main" id="{D66EAC42-98A7-5AC6-AFC0-429B173BBB73}"/>
-                    </a:ext>
-                  </a:extLst>
-                </p:cNvPr>
-                <p:cNvSpPr/>
-                <p:nvPr/>
-              </p:nvSpPr>
-              <p:spPr>
-                <a:xfrm>
-                  <a:off x="5962805" y="2725027"/>
-                  <a:ext cx="246888" cy="246001"/>
-                </a:xfrm>
-                <a:prstGeom prst="rect">
-                  <a:avLst/>
-                </a:prstGeom>
-                <a:noFill/>
-                <a:ln>
-                  <a:solidFill>
-                    <a:schemeClr val="tx1"/>
-                  </a:solidFill>
-                </a:ln>
-              </p:spPr>
-              <p:style>
-                <a:lnRef idx="2">
-                  <a:schemeClr val="accent1">
-                    <a:shade val="15000"/>
-                  </a:schemeClr>
-                </a:lnRef>
-                <a:fillRef idx="1">
-                  <a:schemeClr val="accent1"/>
-                </a:fillRef>
-                <a:effectRef idx="0">
-                  <a:schemeClr val="accent1"/>
-                </a:effectRef>
-                <a:fontRef idx="minor">
-                  <a:schemeClr val="lt1"/>
-                </a:fontRef>
-              </p:style>
-              <p:txBody>
-                <a:bodyPr rtlCol="0" anchor="ctr"/>
-                <a:lstStyle/>
-                <a:p>
-                  <a:pPr algn="ctr"/>
-                  <a:r>
-                    <a:rPr lang="vi-VN" sz="800" dirty="0">
-                      <a:solidFill>
-                        <a:schemeClr val="tx1"/>
-                      </a:solidFill>
-                    </a:rPr>
-                    <a:t>1</a:t>
-                  </a:r>
-                  <a:endParaRPr lang="en-US" sz="800" dirty="0">
-                    <a:solidFill>
-                      <a:schemeClr val="tx1"/>
-                    </a:solidFill>
-                  </a:endParaRPr>
-                </a:p>
-              </p:txBody>
-            </p:sp>
-            <p:sp>
-              <p:nvSpPr>
-                <p:cNvPr id="81" name="Rectangle 80">
-                  <a:extLst>
-                    <a:ext uri="{FF2B5EF4-FFF2-40B4-BE49-F238E27FC236}">
-                      <a16:creationId xmlns:a16="http://schemas.microsoft.com/office/drawing/2014/main" id="{C3A6C2FE-1198-7499-C917-233942FAB9BA}"/>
-                    </a:ext>
-                  </a:extLst>
-                </p:cNvPr>
-                <p:cNvSpPr/>
-                <p:nvPr/>
-              </p:nvSpPr>
-              <p:spPr>
-                <a:xfrm>
-                  <a:off x="6532582" y="2725026"/>
-                  <a:ext cx="917163" cy="246001"/>
-                </a:xfrm>
-                <a:prstGeom prst="rect">
-                  <a:avLst/>
-                </a:prstGeom>
-                <a:noFill/>
-                <a:ln>
-                  <a:noFill/>
-                </a:ln>
-              </p:spPr>
-              <p:style>
-                <a:lnRef idx="2">
-                  <a:schemeClr val="accent1">
-                    <a:shade val="15000"/>
-                  </a:schemeClr>
-                </a:lnRef>
-                <a:fillRef idx="1">
-                  <a:schemeClr val="accent1"/>
-                </a:fillRef>
-                <a:effectRef idx="0">
-                  <a:schemeClr val="accent1"/>
-                </a:effectRef>
-                <a:fontRef idx="minor">
-                  <a:schemeClr val="lt1"/>
-                </a:fontRef>
-              </p:style>
-              <p:txBody>
-                <a:bodyPr rtlCol="0" anchor="ctr"/>
-                <a:lstStyle/>
-                <a:p>
-                  <a:pPr algn="ctr"/>
-                  <a:r>
-                    <a:rPr lang="vi-VN" sz="800" dirty="0">
-                      <a:solidFill>
-                        <a:schemeClr val="tx1"/>
-                      </a:solidFill>
-                    </a:rPr>
-                    <a:t>1.350.000 VND</a:t>
-                  </a:r>
-                  <a:endParaRPr lang="en-US" sz="800" dirty="0">
-                    <a:solidFill>
-                      <a:schemeClr val="tx1"/>
-                    </a:solidFill>
-                  </a:endParaRPr>
-                </a:p>
-              </p:txBody>
-            </p:sp>
-            <p:sp>
-              <p:nvSpPr>
-                <p:cNvPr id="83" name="Rectangle 82">
-                  <a:extLst>
-                    <a:ext uri="{FF2B5EF4-FFF2-40B4-BE49-F238E27FC236}">
-                      <a16:creationId xmlns:a16="http://schemas.microsoft.com/office/drawing/2014/main" id="{D439CFE4-1C50-67F5-DDA4-0C21282AEDE2}"/>
-                    </a:ext>
-                  </a:extLst>
-                </p:cNvPr>
-                <p:cNvSpPr/>
-                <p:nvPr/>
-              </p:nvSpPr>
-              <p:spPr>
-                <a:xfrm>
-                  <a:off x="7430112" y="2728133"/>
-                  <a:ext cx="246888" cy="246001"/>
-                </a:xfrm>
-                <a:prstGeom prst="rect">
-                  <a:avLst/>
-                </a:prstGeom>
-                <a:noFill/>
-                <a:ln>
-                  <a:noFill/>
-                </a:ln>
-              </p:spPr>
-              <p:style>
-                <a:lnRef idx="2">
-                  <a:schemeClr val="accent1">
-                    <a:shade val="15000"/>
-                  </a:schemeClr>
-                </a:lnRef>
-                <a:fillRef idx="1">
-                  <a:schemeClr val="accent1"/>
-                </a:fillRef>
-                <a:effectRef idx="0">
-                  <a:schemeClr val="accent1"/>
-                </a:effectRef>
-                <a:fontRef idx="minor">
-                  <a:schemeClr val="lt1"/>
-                </a:fontRef>
-              </p:style>
-              <p:txBody>
-                <a:bodyPr rtlCol="0" anchor="t" anchorCtr="0"/>
-                <a:lstStyle/>
-                <a:p>
-                  <a:pPr algn="ctr"/>
-                  <a:r>
-                    <a:rPr lang="vi-VN" sz="800" dirty="0">
-                      <a:solidFill>
-                        <a:schemeClr val="tx1"/>
-                      </a:solidFill>
-                    </a:rPr>
-                    <a:t>X</a:t>
-                  </a:r>
-                  <a:endParaRPr lang="en-US" sz="800" dirty="0">
-                    <a:solidFill>
-                      <a:schemeClr val="tx1"/>
-                    </a:solidFill>
-                  </a:endParaRPr>
-                </a:p>
-              </p:txBody>
-            </p:sp>
-          </p:grpSp>
-          <p:cxnSp>
-            <p:nvCxnSpPr>
-              <p:cNvPr id="93" name="Straight Connector 92">
-                <a:extLst>
-                  <a:ext uri="{FF2B5EF4-FFF2-40B4-BE49-F238E27FC236}">
-                    <a16:creationId xmlns:a16="http://schemas.microsoft.com/office/drawing/2014/main" id="{D93A4E88-5D72-BF49-C82E-A7E531827EAC}"/>
-                  </a:ext>
-                </a:extLst>
-              </p:cNvPr>
-              <p:cNvCxnSpPr/>
-              <p:nvPr/>
-            </p:nvCxnSpPr>
-            <p:spPr>
-              <a:xfrm>
-                <a:off x="2305049" y="3048747"/>
-                <a:ext cx="5371043" cy="0"/>
-              </a:xfrm>
-              <a:prstGeom prst="line">
-                <a:avLst/>
-              </a:prstGeom>
-              <a:ln w="9525"/>
-            </p:spPr>
-            <p:style>
-              <a:lnRef idx="1">
-                <a:schemeClr val="dk1"/>
-              </a:lnRef>
-              <a:fillRef idx="0">
-                <a:schemeClr val="dk1"/>
-              </a:fillRef>
-              <a:effectRef idx="0">
-                <a:schemeClr val="dk1"/>
-              </a:effectRef>
-              <a:fontRef idx="minor">
-                <a:schemeClr val="tx1"/>
-              </a:fontRef>
-            </p:style>
-          </p:cxnSp>
-        </p:grpSp>
-      </p:grpSp>
-      <p:grpSp>
-        <p:nvGrpSpPr>
-          <p:cNvPr id="146" name="Group 145">
-            <a:extLst>
-              <a:ext uri="{FF2B5EF4-FFF2-40B4-BE49-F238E27FC236}">
-                <a16:creationId xmlns:a16="http://schemas.microsoft.com/office/drawing/2014/main" id="{A3AE1A16-77EC-F9DB-1C08-7049D9C25D35}"/>
-              </a:ext>
-            </a:extLst>
-          </p:cNvPr>
-          <p:cNvGrpSpPr/>
-          <p:nvPr/>
-        </p:nvGrpSpPr>
-        <p:grpSpPr>
-          <a:xfrm>
-            <a:off x="2305049" y="3141865"/>
-            <a:ext cx="5371951" cy="401436"/>
-            <a:chOff x="2305049" y="2647311"/>
-            <a:chExt cx="5371951" cy="401436"/>
-          </a:xfrm>
-        </p:grpSpPr>
-        <p:grpSp>
-          <p:nvGrpSpPr>
-            <p:cNvPr id="147" name="Group 146">
-              <a:extLst>
-                <a:ext uri="{FF2B5EF4-FFF2-40B4-BE49-F238E27FC236}">
-                  <a16:creationId xmlns:a16="http://schemas.microsoft.com/office/drawing/2014/main" id="{DC11934F-2843-C300-7DCC-BC215DE98210}"/>
-                </a:ext>
-              </a:extLst>
-            </p:cNvPr>
-            <p:cNvGrpSpPr>
-              <a:grpSpLocks noChangeAspect="1"/>
-            </p:cNvGrpSpPr>
-            <p:nvPr/>
-          </p:nvGrpSpPr>
-          <p:grpSpPr>
-            <a:xfrm>
-              <a:off x="2663581" y="2647311"/>
-              <a:ext cx="423134" cy="401436"/>
-              <a:chOff x="439337" y="1795464"/>
-              <a:chExt cx="963824" cy="914400"/>
-            </a:xfrm>
-          </p:grpSpPr>
-          <p:sp>
-            <p:nvSpPr>
-              <p:cNvPr id="158" name="Rectangle 157">
-                <a:extLst>
-                  <a:ext uri="{FF2B5EF4-FFF2-40B4-BE49-F238E27FC236}">
-                    <a16:creationId xmlns:a16="http://schemas.microsoft.com/office/drawing/2014/main" id="{4805CBAD-03AF-6C08-F57B-5C097B4E826B}"/>
-                  </a:ext>
-                </a:extLst>
-              </p:cNvPr>
-              <p:cNvSpPr/>
-              <p:nvPr/>
-            </p:nvSpPr>
-            <p:spPr>
-              <a:xfrm>
-                <a:off x="439337" y="1882951"/>
-                <a:ext cx="957473" cy="739426"/>
-              </a:xfrm>
-              <a:prstGeom prst="rect">
-                <a:avLst/>
-              </a:prstGeom>
-              <a:noFill/>
-            </p:spPr>
-            <p:style>
-              <a:lnRef idx="2">
-                <a:schemeClr val="accent1">
-                  <a:shade val="15000"/>
-                </a:schemeClr>
-              </a:lnRef>
-              <a:fillRef idx="1">
-                <a:schemeClr val="accent1"/>
-              </a:fillRef>
-              <a:effectRef idx="0">
-                <a:schemeClr val="accent1"/>
-              </a:effectRef>
-              <a:fontRef idx="minor">
-                <a:schemeClr val="lt1"/>
-              </a:fontRef>
-            </p:style>
-            <p:txBody>
-              <a:bodyPr rtlCol="0" anchor="ctr"/>
-              <a:lstStyle/>
-              <a:p>
-                <a:pPr algn="ctr"/>
-                <a:endParaRPr lang="en-US"/>
-              </a:p>
-            </p:txBody>
-          </p:sp>
-          <p:pic>
-            <p:nvPicPr>
-              <p:cNvPr id="159" name="Graphic 158" descr="Boot outline">
-                <a:extLst>
-                  <a:ext uri="{FF2B5EF4-FFF2-40B4-BE49-F238E27FC236}">
-                    <a16:creationId xmlns:a16="http://schemas.microsoft.com/office/drawing/2014/main" id="{76AC97D3-8D4D-307E-9D54-BDA1776A7A9B}"/>
-                  </a:ext>
-                </a:extLst>
-              </p:cNvPr>
-              <p:cNvPicPr>
-                <a:picLocks noChangeAspect="1"/>
-              </p:cNvPicPr>
-              <p:nvPr/>
-            </p:nvPicPr>
-            <p:blipFill>
-              <a:blip r:embed="rId8">
-                <a:extLst>
-                  <a:ext uri="{28A0092B-C50C-407E-A947-70E740481C1C}">
-                    <a14:useLocalDpi xmlns:a14="http://schemas.microsoft.com/office/drawing/2010/main" val="0"/>
-                  </a:ext>
-                  <a:ext uri="{96DAC541-7B7A-43D3-8B79-37D633B846F1}">
-                    <asvg:svgBlip xmlns:asvg="http://schemas.microsoft.com/office/drawing/2016/SVG/main" r:embed="rId9"/>
-                  </a:ext>
-                </a:extLst>
-              </a:blip>
-              <a:stretch>
-                <a:fillRect/>
-              </a:stretch>
-            </p:blipFill>
-            <p:spPr>
-              <a:xfrm>
-                <a:off x="488761" y="1795464"/>
-                <a:ext cx="914400" cy="914400"/>
-              </a:xfrm>
-              <a:prstGeom prst="rect">
-                <a:avLst/>
-              </a:prstGeom>
-            </p:spPr>
-          </p:pic>
-        </p:grpSp>
-        <p:grpSp>
-          <p:nvGrpSpPr>
-            <p:cNvPr id="148" name="Group 147">
-              <a:extLst>
-                <a:ext uri="{FF2B5EF4-FFF2-40B4-BE49-F238E27FC236}">
-                  <a16:creationId xmlns:a16="http://schemas.microsoft.com/office/drawing/2014/main" id="{B721F954-87E0-8E98-F37A-F4E6CB449C78}"/>
-                </a:ext>
-              </a:extLst>
-            </p:cNvPr>
-            <p:cNvGrpSpPr/>
-            <p:nvPr/>
-          </p:nvGrpSpPr>
-          <p:grpSpPr>
-            <a:xfrm>
-              <a:off x="2305049" y="2725026"/>
-              <a:ext cx="5371951" cy="323721"/>
-              <a:chOff x="2305049" y="2725026"/>
-              <a:chExt cx="5371951" cy="323721"/>
-            </a:xfrm>
-          </p:grpSpPr>
-          <p:grpSp>
-            <p:nvGrpSpPr>
-              <p:cNvPr id="149" name="Group 148">
-                <a:extLst>
-                  <a:ext uri="{FF2B5EF4-FFF2-40B4-BE49-F238E27FC236}">
-                    <a16:creationId xmlns:a16="http://schemas.microsoft.com/office/drawing/2014/main" id="{2041262B-9F2C-1D58-360E-E9C0EAD31337}"/>
-                  </a:ext>
-                </a:extLst>
-              </p:cNvPr>
-              <p:cNvGrpSpPr/>
-              <p:nvPr/>
-            </p:nvGrpSpPr>
-            <p:grpSpPr>
-              <a:xfrm>
-                <a:off x="2305049" y="2725026"/>
-                <a:ext cx="5371951" cy="264004"/>
-                <a:chOff x="2305049" y="2725026"/>
-                <a:chExt cx="5371951" cy="264004"/>
-              </a:xfrm>
-            </p:grpSpPr>
-            <p:sp>
-              <p:nvSpPr>
-                <p:cNvPr id="151" name="Rectangle 150">
-                  <a:extLst>
-                    <a:ext uri="{FF2B5EF4-FFF2-40B4-BE49-F238E27FC236}">
-                      <a16:creationId xmlns:a16="http://schemas.microsoft.com/office/drawing/2014/main" id="{7CC5536C-ADFC-E543-7576-5F4FA9A7B642}"/>
-                    </a:ext>
-                  </a:extLst>
-                </p:cNvPr>
-                <p:cNvSpPr/>
-                <p:nvPr/>
-              </p:nvSpPr>
-              <p:spPr>
-                <a:xfrm>
-                  <a:off x="2305049" y="2802309"/>
-                  <a:ext cx="91440" cy="91440"/>
-                </a:xfrm>
-                <a:prstGeom prst="rect">
-                  <a:avLst/>
-                </a:prstGeom>
-                <a:noFill/>
-                <a:ln>
-                  <a:solidFill>
-                    <a:schemeClr val="tx1"/>
-                  </a:solidFill>
-                </a:ln>
               </p:spPr>
               <p:style>
                 <a:lnRef idx="2">
@@ -30565,584 +29809,52 @@
                 </a:p>
               </p:txBody>
             </p:sp>
-            <p:sp>
-              <p:nvSpPr>
-                <p:cNvPr id="152" name="Rectangle 151">
+            <p:pic>
+              <p:nvPicPr>
+                <p:cNvPr id="21" name="Graphic 20" descr="Boot outline">
                   <a:extLst>
                     <a:ext uri="{FF2B5EF4-FFF2-40B4-BE49-F238E27FC236}">
-                      <a16:creationId xmlns:a16="http://schemas.microsoft.com/office/drawing/2014/main" id="{5882194C-8805-B876-FEF7-351E485B3493}"/>
+                      <a16:creationId xmlns:a16="http://schemas.microsoft.com/office/drawing/2014/main" id="{2593DE32-DF94-0C6A-C07D-18CDF6761A56}"/>
                     </a:ext>
                   </a:extLst>
                 </p:cNvPr>
-                <p:cNvSpPr/>
+                <p:cNvPicPr>
+                  <a:picLocks noChangeAspect="1"/>
+                </p:cNvPicPr>
                 <p:nvPr/>
-              </p:nvSpPr>
+              </p:nvPicPr>
+              <p:blipFill>
+                <a:blip r:embed="rId8">
+                  <a:extLst>
+                    <a:ext uri="{28A0092B-C50C-407E-A947-70E740481C1C}">
+                      <a14:useLocalDpi xmlns:a14="http://schemas.microsoft.com/office/drawing/2010/main" val="0"/>
+                    </a:ext>
+                    <a:ext uri="{96DAC541-7B7A-43D3-8B79-37D633B846F1}">
+                      <asvg:svgBlip xmlns:asvg="http://schemas.microsoft.com/office/drawing/2016/SVG/main" r:embed="rId9"/>
+                    </a:ext>
+                  </a:extLst>
+                </a:blip>
+                <a:stretch>
+                  <a:fillRect/>
+                </a:stretch>
+              </p:blipFill>
               <p:spPr>
                 <a:xfrm>
-                  <a:off x="3083926" y="2743029"/>
-                  <a:ext cx="1430923" cy="246001"/>
+                  <a:off x="488761" y="1795464"/>
+                  <a:ext cx="914400" cy="914400"/>
                 </a:xfrm>
                 <a:prstGeom prst="rect">
                   <a:avLst/>
                 </a:prstGeom>
-                <a:noFill/>
-                <a:ln>
-                  <a:noFill/>
-                </a:ln>
               </p:spPr>
-              <p:style>
-                <a:lnRef idx="2">
-                  <a:schemeClr val="accent1">
-                    <a:shade val="15000"/>
-                  </a:schemeClr>
-                </a:lnRef>
-                <a:fillRef idx="1">
-                  <a:schemeClr val="accent1"/>
-                </a:fillRef>
-                <a:effectRef idx="0">
-                  <a:schemeClr val="accent1"/>
-                </a:effectRef>
-                <a:fontRef idx="minor">
-                  <a:schemeClr val="lt1"/>
-                </a:fontRef>
-              </p:style>
-              <p:txBody>
-                <a:bodyPr rtlCol="0" anchor="ctr"/>
-                <a:lstStyle/>
-                <a:p>
-                  <a:pPr algn="ctr"/>
-                  <a:r>
-                    <a:rPr lang="vi-VN" sz="800" dirty="0">
-                      <a:solidFill>
-                        <a:schemeClr val="tx1"/>
-                      </a:solidFill>
-                    </a:rPr>
-                    <a:t>Giày DEF model OXY</a:t>
-                  </a:r>
-                  <a:endParaRPr lang="en-US" sz="800" dirty="0">
-                    <a:solidFill>
-                      <a:schemeClr val="tx1"/>
-                    </a:solidFill>
-                  </a:endParaRPr>
-                </a:p>
-              </p:txBody>
-            </p:sp>
-            <p:sp>
-              <p:nvSpPr>
-                <p:cNvPr id="153" name="Rectangle 152">
-                  <a:extLst>
-                    <a:ext uri="{FF2B5EF4-FFF2-40B4-BE49-F238E27FC236}">
-                      <a16:creationId xmlns:a16="http://schemas.microsoft.com/office/drawing/2014/main" id="{1C527ABF-877A-7D20-2583-A16ABA1F45CB}"/>
-                    </a:ext>
-                  </a:extLst>
-                </p:cNvPr>
-                <p:cNvSpPr/>
-                <p:nvPr/>
-              </p:nvSpPr>
-              <p:spPr>
-                <a:xfrm>
-                  <a:off x="4494808" y="2725028"/>
-                  <a:ext cx="397482" cy="246001"/>
-                </a:xfrm>
-                <a:prstGeom prst="rect">
-                  <a:avLst/>
-                </a:prstGeom>
-                <a:noFill/>
-                <a:ln>
-                  <a:solidFill>
-                    <a:schemeClr val="tx1"/>
-                  </a:solidFill>
-                </a:ln>
-              </p:spPr>
-              <p:style>
-                <a:lnRef idx="2">
-                  <a:schemeClr val="accent1">
-                    <a:shade val="15000"/>
-                  </a:schemeClr>
-                </a:lnRef>
-                <a:fillRef idx="1">
-                  <a:schemeClr val="accent1"/>
-                </a:fillRef>
-                <a:effectRef idx="0">
-                  <a:schemeClr val="accent1"/>
-                </a:effectRef>
-                <a:fontRef idx="minor">
-                  <a:schemeClr val="lt1"/>
-                </a:fontRef>
-              </p:style>
-              <p:txBody>
-                <a:bodyPr rtlCol="0" anchor="ctr"/>
-                <a:lstStyle/>
-                <a:p>
-                  <a:r>
-                    <a:rPr lang="vi-VN" sz="800" dirty="0">
-                      <a:solidFill>
-                        <a:schemeClr val="tx1"/>
-                      </a:solidFill>
-                    </a:rPr>
-                    <a:t>37 </a:t>
-                  </a:r>
-                  <a:r>
-                    <a:rPr lang="vi-VN" sz="700" dirty="0">
-                      <a:solidFill>
-                        <a:schemeClr val="tx1"/>
-                      </a:solidFill>
-                    </a:rPr>
-                    <a:t>v</a:t>
-                  </a:r>
-                  <a:endParaRPr lang="en-US" sz="800" dirty="0">
-                    <a:solidFill>
-                      <a:schemeClr val="tx1"/>
-                    </a:solidFill>
-                  </a:endParaRPr>
-                </a:p>
-              </p:txBody>
-            </p:sp>
-            <p:sp>
-              <p:nvSpPr>
-                <p:cNvPr id="154" name="Rectangle 153">
-                  <a:extLst>
-                    <a:ext uri="{FF2B5EF4-FFF2-40B4-BE49-F238E27FC236}">
-                      <a16:creationId xmlns:a16="http://schemas.microsoft.com/office/drawing/2014/main" id="{D0301B09-32BA-8F2F-577F-D60BD0D686BF}"/>
-                    </a:ext>
-                  </a:extLst>
-                </p:cNvPr>
-                <p:cNvSpPr/>
-                <p:nvPr/>
-              </p:nvSpPr>
-              <p:spPr>
-                <a:xfrm>
-                  <a:off x="4917752" y="2743029"/>
-                  <a:ext cx="917163" cy="246001"/>
-                </a:xfrm>
-                <a:prstGeom prst="rect">
-                  <a:avLst/>
-                </a:prstGeom>
-                <a:noFill/>
-                <a:ln>
-                  <a:noFill/>
-                </a:ln>
-              </p:spPr>
-              <p:style>
-                <a:lnRef idx="2">
-                  <a:schemeClr val="accent1">
-                    <a:shade val="15000"/>
-                  </a:schemeClr>
-                </a:lnRef>
-                <a:fillRef idx="1">
-                  <a:schemeClr val="accent1"/>
-                </a:fillRef>
-                <a:effectRef idx="0">
-                  <a:schemeClr val="accent1"/>
-                </a:effectRef>
-                <a:fontRef idx="minor">
-                  <a:schemeClr val="lt1"/>
-                </a:fontRef>
-              </p:style>
-              <p:txBody>
-                <a:bodyPr rtlCol="0" anchor="ctr"/>
-                <a:lstStyle/>
-                <a:p>
-                  <a:pPr algn="ctr"/>
-                  <a:r>
-                    <a:rPr lang="vi-VN" sz="800" dirty="0">
-                      <a:solidFill>
-                        <a:schemeClr val="tx1"/>
-                      </a:solidFill>
-                    </a:rPr>
-                    <a:t>1.350.000 VND</a:t>
-                  </a:r>
-                  <a:endParaRPr lang="en-US" sz="800" dirty="0">
-                    <a:solidFill>
-                      <a:schemeClr val="tx1"/>
-                    </a:solidFill>
-                  </a:endParaRPr>
-                </a:p>
-              </p:txBody>
-            </p:sp>
-            <p:sp>
-              <p:nvSpPr>
-                <p:cNvPr id="155" name="Rectangle 154">
-                  <a:extLst>
-                    <a:ext uri="{FF2B5EF4-FFF2-40B4-BE49-F238E27FC236}">
-                      <a16:creationId xmlns:a16="http://schemas.microsoft.com/office/drawing/2014/main" id="{BBF5F119-9504-8C0E-2BE0-907FDBA6D8A8}"/>
-                    </a:ext>
-                  </a:extLst>
-                </p:cNvPr>
-                <p:cNvSpPr/>
-                <p:nvPr/>
-              </p:nvSpPr>
-              <p:spPr>
-                <a:xfrm>
-                  <a:off x="5962805" y="2725027"/>
-                  <a:ext cx="246888" cy="246001"/>
-                </a:xfrm>
-                <a:prstGeom prst="rect">
-                  <a:avLst/>
-                </a:prstGeom>
-                <a:noFill/>
-                <a:ln>
-                  <a:solidFill>
-                    <a:schemeClr val="tx1"/>
-                  </a:solidFill>
-                </a:ln>
-              </p:spPr>
-              <p:style>
-                <a:lnRef idx="2">
-                  <a:schemeClr val="accent1">
-                    <a:shade val="15000"/>
-                  </a:schemeClr>
-                </a:lnRef>
-                <a:fillRef idx="1">
-                  <a:schemeClr val="accent1"/>
-                </a:fillRef>
-                <a:effectRef idx="0">
-                  <a:schemeClr val="accent1"/>
-                </a:effectRef>
-                <a:fontRef idx="minor">
-                  <a:schemeClr val="lt1"/>
-                </a:fontRef>
-              </p:style>
-              <p:txBody>
-                <a:bodyPr rtlCol="0" anchor="ctr"/>
-                <a:lstStyle/>
-                <a:p>
-                  <a:pPr algn="ctr"/>
-                  <a:r>
-                    <a:rPr lang="vi-VN" sz="800" dirty="0">
-                      <a:solidFill>
-                        <a:schemeClr val="tx1"/>
-                      </a:solidFill>
-                    </a:rPr>
-                    <a:t>2</a:t>
-                  </a:r>
-                  <a:endParaRPr lang="en-US" sz="800" dirty="0">
-                    <a:solidFill>
-                      <a:schemeClr val="tx1"/>
-                    </a:solidFill>
-                  </a:endParaRPr>
-                </a:p>
-              </p:txBody>
-            </p:sp>
-            <p:sp>
-              <p:nvSpPr>
-                <p:cNvPr id="156" name="Rectangle 155">
-                  <a:extLst>
-                    <a:ext uri="{FF2B5EF4-FFF2-40B4-BE49-F238E27FC236}">
-                      <a16:creationId xmlns:a16="http://schemas.microsoft.com/office/drawing/2014/main" id="{CD77BED7-6EB5-BD07-0270-3786C86B1E74}"/>
-                    </a:ext>
-                  </a:extLst>
-                </p:cNvPr>
-                <p:cNvSpPr/>
-                <p:nvPr/>
-              </p:nvSpPr>
-              <p:spPr>
-                <a:xfrm>
-                  <a:off x="6532582" y="2725026"/>
-                  <a:ext cx="917163" cy="246001"/>
-                </a:xfrm>
-                <a:prstGeom prst="rect">
-                  <a:avLst/>
-                </a:prstGeom>
-                <a:noFill/>
-                <a:ln>
-                  <a:noFill/>
-                </a:ln>
-              </p:spPr>
-              <p:style>
-                <a:lnRef idx="2">
-                  <a:schemeClr val="accent1">
-                    <a:shade val="15000"/>
-                  </a:schemeClr>
-                </a:lnRef>
-                <a:fillRef idx="1">
-                  <a:schemeClr val="accent1"/>
-                </a:fillRef>
-                <a:effectRef idx="0">
-                  <a:schemeClr val="accent1"/>
-                </a:effectRef>
-                <a:fontRef idx="minor">
-                  <a:schemeClr val="lt1"/>
-                </a:fontRef>
-              </p:style>
-              <p:txBody>
-                <a:bodyPr rtlCol="0" anchor="ctr"/>
-                <a:lstStyle/>
-                <a:p>
-                  <a:pPr algn="ctr"/>
-                  <a:r>
-                    <a:rPr lang="vi-VN" sz="800" dirty="0">
-                      <a:solidFill>
-                        <a:schemeClr val="tx1"/>
-                      </a:solidFill>
-                    </a:rPr>
-                    <a:t>2.700.000 VND</a:t>
-                  </a:r>
-                  <a:endParaRPr lang="en-US" sz="800" dirty="0">
-                    <a:solidFill>
-                      <a:schemeClr val="tx1"/>
-                    </a:solidFill>
-                  </a:endParaRPr>
-                </a:p>
-              </p:txBody>
-            </p:sp>
-            <p:sp>
-              <p:nvSpPr>
-                <p:cNvPr id="157" name="Rectangle 156">
-                  <a:extLst>
-                    <a:ext uri="{FF2B5EF4-FFF2-40B4-BE49-F238E27FC236}">
-                      <a16:creationId xmlns:a16="http://schemas.microsoft.com/office/drawing/2014/main" id="{FDD5B5BB-F20D-9CEE-3F8F-2E43BA88A997}"/>
-                    </a:ext>
-                  </a:extLst>
-                </p:cNvPr>
-                <p:cNvSpPr/>
-                <p:nvPr/>
-              </p:nvSpPr>
-              <p:spPr>
-                <a:xfrm>
-                  <a:off x="7430112" y="2728133"/>
-                  <a:ext cx="246888" cy="246001"/>
-                </a:xfrm>
-                <a:prstGeom prst="rect">
-                  <a:avLst/>
-                </a:prstGeom>
-                <a:noFill/>
-                <a:ln>
-                  <a:noFill/>
-                </a:ln>
-              </p:spPr>
-              <p:style>
-                <a:lnRef idx="2">
-                  <a:schemeClr val="accent1">
-                    <a:shade val="15000"/>
-                  </a:schemeClr>
-                </a:lnRef>
-                <a:fillRef idx="1">
-                  <a:schemeClr val="accent1"/>
-                </a:fillRef>
-                <a:effectRef idx="0">
-                  <a:schemeClr val="accent1"/>
-                </a:effectRef>
-                <a:fontRef idx="minor">
-                  <a:schemeClr val="lt1"/>
-                </a:fontRef>
-              </p:style>
-              <p:txBody>
-                <a:bodyPr rtlCol="0" anchor="t" anchorCtr="0"/>
-                <a:lstStyle/>
-                <a:p>
-                  <a:pPr algn="ctr"/>
-                  <a:r>
-                    <a:rPr lang="vi-VN" sz="800" dirty="0">
-                      <a:solidFill>
-                        <a:schemeClr val="tx1"/>
-                      </a:solidFill>
-                    </a:rPr>
-                    <a:t>X</a:t>
-                  </a:r>
-                  <a:endParaRPr lang="en-US" sz="800" dirty="0">
-                    <a:solidFill>
-                      <a:schemeClr val="tx1"/>
-                    </a:solidFill>
-                  </a:endParaRPr>
-                </a:p>
-              </p:txBody>
-            </p:sp>
+            </p:pic>
           </p:grpSp>
-          <p:cxnSp>
-            <p:nvCxnSpPr>
-              <p:cNvPr id="150" name="Straight Connector 149">
+          <p:grpSp>
+            <p:nvGrpSpPr>
+              <p:cNvPr id="94" name="Group 93">
                 <a:extLst>
                   <a:ext uri="{FF2B5EF4-FFF2-40B4-BE49-F238E27FC236}">
-                    <a16:creationId xmlns:a16="http://schemas.microsoft.com/office/drawing/2014/main" id="{5B808A05-661E-8B70-E47C-B6D638997600}"/>
-                  </a:ext>
-                </a:extLst>
-              </p:cNvPr>
-              <p:cNvCxnSpPr/>
-              <p:nvPr/>
-            </p:nvCxnSpPr>
-            <p:spPr>
-              <a:xfrm>
-                <a:off x="2305049" y="3048747"/>
-                <a:ext cx="5371043" cy="0"/>
-              </a:xfrm>
-              <a:prstGeom prst="line">
-                <a:avLst/>
-              </a:prstGeom>
-              <a:ln w="9525"/>
-            </p:spPr>
-            <p:style>
-              <a:lnRef idx="1">
-                <a:schemeClr val="dk1"/>
-              </a:lnRef>
-              <a:fillRef idx="0">
-                <a:schemeClr val="dk1"/>
-              </a:fillRef>
-              <a:effectRef idx="0">
-                <a:schemeClr val="dk1"/>
-              </a:effectRef>
-              <a:fontRef idx="minor">
-                <a:schemeClr val="tx1"/>
-              </a:fontRef>
-            </p:style>
-          </p:cxnSp>
-        </p:grpSp>
-      </p:grpSp>
-      <p:grpSp>
-        <p:nvGrpSpPr>
-          <p:cNvPr id="160" name="Group 159">
-            <a:extLst>
-              <a:ext uri="{FF2B5EF4-FFF2-40B4-BE49-F238E27FC236}">
-                <a16:creationId xmlns:a16="http://schemas.microsoft.com/office/drawing/2014/main" id="{853CDD9A-7D00-59DD-4AC5-F5A89F103240}"/>
-              </a:ext>
-            </a:extLst>
-          </p:cNvPr>
-          <p:cNvGrpSpPr/>
-          <p:nvPr/>
-        </p:nvGrpSpPr>
-        <p:grpSpPr>
-          <a:xfrm>
-            <a:off x="2305049" y="3637824"/>
-            <a:ext cx="5371951" cy="401436"/>
-            <a:chOff x="2305049" y="2647311"/>
-            <a:chExt cx="5371951" cy="401436"/>
-          </a:xfrm>
-        </p:grpSpPr>
-        <p:grpSp>
-          <p:nvGrpSpPr>
-            <p:cNvPr id="161" name="Group 160">
-              <a:extLst>
-                <a:ext uri="{FF2B5EF4-FFF2-40B4-BE49-F238E27FC236}">
-                  <a16:creationId xmlns:a16="http://schemas.microsoft.com/office/drawing/2014/main" id="{14BAA2BB-B4C0-BE13-0486-1F00B9F6DCA4}"/>
-                </a:ext>
-              </a:extLst>
-            </p:cNvPr>
-            <p:cNvGrpSpPr>
-              <a:grpSpLocks noChangeAspect="1"/>
-            </p:cNvGrpSpPr>
-            <p:nvPr/>
-          </p:nvGrpSpPr>
-          <p:grpSpPr>
-            <a:xfrm>
-              <a:off x="2663581" y="2647311"/>
-              <a:ext cx="423134" cy="401436"/>
-              <a:chOff x="439337" y="1795464"/>
-              <a:chExt cx="963824" cy="914400"/>
-            </a:xfrm>
-          </p:grpSpPr>
-          <p:sp>
-            <p:nvSpPr>
-              <p:cNvPr id="172" name="Rectangle 171">
-                <a:extLst>
-                  <a:ext uri="{FF2B5EF4-FFF2-40B4-BE49-F238E27FC236}">
-                    <a16:creationId xmlns:a16="http://schemas.microsoft.com/office/drawing/2014/main" id="{2B513E4B-8939-A671-A718-D862EAB78CFB}"/>
-                  </a:ext>
-                </a:extLst>
-              </p:cNvPr>
-              <p:cNvSpPr/>
-              <p:nvPr/>
-            </p:nvSpPr>
-            <p:spPr>
-              <a:xfrm>
-                <a:off x="439337" y="1882951"/>
-                <a:ext cx="957473" cy="739426"/>
-              </a:xfrm>
-              <a:prstGeom prst="rect">
-                <a:avLst/>
-              </a:prstGeom>
-              <a:noFill/>
-            </p:spPr>
-            <p:style>
-              <a:lnRef idx="2">
-                <a:schemeClr val="accent1">
-                  <a:shade val="15000"/>
-                </a:schemeClr>
-              </a:lnRef>
-              <a:fillRef idx="1">
-                <a:schemeClr val="accent1"/>
-              </a:fillRef>
-              <a:effectRef idx="0">
-                <a:schemeClr val="accent1"/>
-              </a:effectRef>
-              <a:fontRef idx="minor">
-                <a:schemeClr val="lt1"/>
-              </a:fontRef>
-            </p:style>
-            <p:txBody>
-              <a:bodyPr rtlCol="0" anchor="ctr"/>
-              <a:lstStyle/>
-              <a:p>
-                <a:pPr algn="ctr"/>
-                <a:endParaRPr lang="en-US"/>
-              </a:p>
-            </p:txBody>
-          </p:sp>
-          <p:pic>
-            <p:nvPicPr>
-              <p:cNvPr id="173" name="Graphic 172" descr="Boot outline">
-                <a:extLst>
-                  <a:ext uri="{FF2B5EF4-FFF2-40B4-BE49-F238E27FC236}">
-                    <a16:creationId xmlns:a16="http://schemas.microsoft.com/office/drawing/2014/main" id="{0E1FD7EB-A5AE-3513-FD06-6085F82E3291}"/>
-                  </a:ext>
-                </a:extLst>
-              </p:cNvPr>
-              <p:cNvPicPr>
-                <a:picLocks noChangeAspect="1"/>
-              </p:cNvPicPr>
-              <p:nvPr/>
-            </p:nvPicPr>
-            <p:blipFill>
-              <a:blip r:embed="rId8">
-                <a:extLst>
-                  <a:ext uri="{28A0092B-C50C-407E-A947-70E740481C1C}">
-                    <a14:useLocalDpi xmlns:a14="http://schemas.microsoft.com/office/drawing/2010/main" val="0"/>
-                  </a:ext>
-                  <a:ext uri="{96DAC541-7B7A-43D3-8B79-37D633B846F1}">
-                    <asvg:svgBlip xmlns:asvg="http://schemas.microsoft.com/office/drawing/2016/SVG/main" r:embed="rId9"/>
-                  </a:ext>
-                </a:extLst>
-              </a:blip>
-              <a:stretch>
-                <a:fillRect/>
-              </a:stretch>
-            </p:blipFill>
-            <p:spPr>
-              <a:xfrm>
-                <a:off x="488761" y="1795464"/>
-                <a:ext cx="914400" cy="914400"/>
-              </a:xfrm>
-              <a:prstGeom prst="rect">
-                <a:avLst/>
-              </a:prstGeom>
-            </p:spPr>
-          </p:pic>
-        </p:grpSp>
-        <p:grpSp>
-          <p:nvGrpSpPr>
-            <p:cNvPr id="162" name="Group 161">
-              <a:extLst>
-                <a:ext uri="{FF2B5EF4-FFF2-40B4-BE49-F238E27FC236}">
-                  <a16:creationId xmlns:a16="http://schemas.microsoft.com/office/drawing/2014/main" id="{4A6A57D6-E0F1-DFF3-07E0-BBA076BF8791}"/>
-                </a:ext>
-              </a:extLst>
-            </p:cNvPr>
-            <p:cNvGrpSpPr/>
-            <p:nvPr/>
-          </p:nvGrpSpPr>
-          <p:grpSpPr>
-            <a:xfrm>
-              <a:off x="2305049" y="2725026"/>
-              <a:ext cx="5371951" cy="323721"/>
-              <a:chOff x="2305049" y="2725026"/>
-              <a:chExt cx="5371951" cy="323721"/>
-            </a:xfrm>
-          </p:grpSpPr>
-          <p:grpSp>
-            <p:nvGrpSpPr>
-              <p:cNvPr id="163" name="Group 162">
-                <a:extLst>
-                  <a:ext uri="{FF2B5EF4-FFF2-40B4-BE49-F238E27FC236}">
-                    <a16:creationId xmlns:a16="http://schemas.microsoft.com/office/drawing/2014/main" id="{6868197E-F41E-498D-7781-7B9F0EE3E1AC}"/>
+                    <a16:creationId xmlns:a16="http://schemas.microsoft.com/office/drawing/2014/main" id="{665DBFA3-5866-2A8A-28AB-322A0B34814E}"/>
                   </a:ext>
                 </a:extLst>
               </p:cNvPr>
@@ -31152,17 +29864,554 @@
             <p:grpSpPr>
               <a:xfrm>
                 <a:off x="2305049" y="2725026"/>
-                <a:ext cx="5371951" cy="264004"/>
+                <a:ext cx="5371951" cy="323721"/>
                 <a:chOff x="2305049" y="2725026"/>
-                <a:chExt cx="5371951" cy="264004"/>
+                <a:chExt cx="5371951" cy="323721"/>
+              </a:xfrm>
+            </p:grpSpPr>
+            <p:grpSp>
+              <p:nvGrpSpPr>
+                <p:cNvPr id="84" name="Group 83">
+                  <a:extLst>
+                    <a:ext uri="{FF2B5EF4-FFF2-40B4-BE49-F238E27FC236}">
+                      <a16:creationId xmlns:a16="http://schemas.microsoft.com/office/drawing/2014/main" id="{5A37CCE9-9E03-35E6-A92F-4703B1CAAB50}"/>
+                    </a:ext>
+                  </a:extLst>
+                </p:cNvPr>
+                <p:cNvGrpSpPr/>
+                <p:nvPr/>
+              </p:nvGrpSpPr>
+              <p:grpSpPr>
+                <a:xfrm>
+                  <a:off x="2305049" y="2725026"/>
+                  <a:ext cx="5371951" cy="264004"/>
+                  <a:chOff x="2305049" y="2725026"/>
+                  <a:chExt cx="5371951" cy="264004"/>
+                </a:xfrm>
+              </p:grpSpPr>
+              <p:sp>
+                <p:nvSpPr>
+                  <p:cNvPr id="76" name="Rectangle 75">
+                    <a:extLst>
+                      <a:ext uri="{FF2B5EF4-FFF2-40B4-BE49-F238E27FC236}">
+                        <a16:creationId xmlns:a16="http://schemas.microsoft.com/office/drawing/2014/main" id="{5F5708B5-195F-C8CB-DBB2-D12ACC6432C1}"/>
+                      </a:ext>
+                    </a:extLst>
+                  </p:cNvPr>
+                  <p:cNvSpPr/>
+                  <p:nvPr/>
+                </p:nvSpPr>
+                <p:spPr>
+                  <a:xfrm>
+                    <a:off x="2305049" y="2802309"/>
+                    <a:ext cx="91440" cy="91440"/>
+                  </a:xfrm>
+                  <a:prstGeom prst="rect">
+                    <a:avLst/>
+                  </a:prstGeom>
+                  <a:noFill/>
+                  <a:ln>
+                    <a:solidFill>
+                      <a:schemeClr val="tx1"/>
+                    </a:solidFill>
+                  </a:ln>
+                </p:spPr>
+                <p:style>
+                  <a:lnRef idx="2">
+                    <a:schemeClr val="accent1">
+                      <a:shade val="15000"/>
+                    </a:schemeClr>
+                  </a:lnRef>
+                  <a:fillRef idx="1">
+                    <a:schemeClr val="accent1"/>
+                  </a:fillRef>
+                  <a:effectRef idx="0">
+                    <a:schemeClr val="accent1"/>
+                  </a:effectRef>
+                  <a:fontRef idx="minor">
+                    <a:schemeClr val="lt1"/>
+                  </a:fontRef>
+                </p:style>
+                <p:txBody>
+                  <a:bodyPr rtlCol="0" anchor="ctr"/>
+                  <a:lstStyle/>
+                  <a:p>
+                    <a:pPr algn="ctr"/>
+                    <a:endParaRPr lang="en-US" dirty="0"/>
+                  </a:p>
+                </p:txBody>
+              </p:sp>
+              <p:sp>
+                <p:nvSpPr>
+                  <p:cNvPr id="77" name="Rectangle 76">
+                    <a:extLst>
+                      <a:ext uri="{FF2B5EF4-FFF2-40B4-BE49-F238E27FC236}">
+                        <a16:creationId xmlns:a16="http://schemas.microsoft.com/office/drawing/2014/main" id="{F543BCB1-190C-ADE3-6F34-E1137AD86F2B}"/>
+                      </a:ext>
+                    </a:extLst>
+                  </p:cNvPr>
+                  <p:cNvSpPr/>
+                  <p:nvPr/>
+                </p:nvSpPr>
+                <p:spPr>
+                  <a:xfrm>
+                    <a:off x="3083926" y="2743029"/>
+                    <a:ext cx="1430923" cy="246001"/>
+                  </a:xfrm>
+                  <a:prstGeom prst="rect">
+                    <a:avLst/>
+                  </a:prstGeom>
+                  <a:noFill/>
+                  <a:ln>
+                    <a:noFill/>
+                  </a:ln>
+                </p:spPr>
+                <p:style>
+                  <a:lnRef idx="2">
+                    <a:schemeClr val="accent1">
+                      <a:shade val="15000"/>
+                    </a:schemeClr>
+                  </a:lnRef>
+                  <a:fillRef idx="1">
+                    <a:schemeClr val="accent1"/>
+                  </a:fillRef>
+                  <a:effectRef idx="0">
+                    <a:schemeClr val="accent1"/>
+                  </a:effectRef>
+                  <a:fontRef idx="minor">
+                    <a:schemeClr val="lt1"/>
+                  </a:fontRef>
+                </p:style>
+                <p:txBody>
+                  <a:bodyPr rtlCol="0" anchor="ctr"/>
+                  <a:lstStyle/>
+                  <a:p>
+                    <a:pPr algn="ctr"/>
+                    <a:r>
+                      <a:rPr lang="vi-VN" sz="800" dirty="0">
+                        <a:solidFill>
+                          <a:schemeClr val="tx1"/>
+                        </a:solidFill>
+                      </a:rPr>
+                      <a:t>Giày ABC model XYZ</a:t>
+                    </a:r>
+                    <a:endParaRPr lang="en-US" sz="800" dirty="0">
+                      <a:solidFill>
+                        <a:schemeClr val="tx1"/>
+                      </a:solidFill>
+                    </a:endParaRPr>
+                  </a:p>
+                </p:txBody>
+              </p:sp>
+              <p:sp>
+                <p:nvSpPr>
+                  <p:cNvPr id="78" name="Rectangle 77">
+                    <a:extLst>
+                      <a:ext uri="{FF2B5EF4-FFF2-40B4-BE49-F238E27FC236}">
+                        <a16:creationId xmlns:a16="http://schemas.microsoft.com/office/drawing/2014/main" id="{7FA66549-3C68-BA8E-B93F-4AAA7AAA11BB}"/>
+                      </a:ext>
+                    </a:extLst>
+                  </p:cNvPr>
+                  <p:cNvSpPr/>
+                  <p:nvPr/>
+                </p:nvSpPr>
+                <p:spPr>
+                  <a:xfrm>
+                    <a:off x="4494808" y="2725028"/>
+                    <a:ext cx="397482" cy="246001"/>
+                  </a:xfrm>
+                  <a:prstGeom prst="rect">
+                    <a:avLst/>
+                  </a:prstGeom>
+                  <a:noFill/>
+                  <a:ln>
+                    <a:solidFill>
+                      <a:schemeClr val="tx1"/>
+                    </a:solidFill>
+                  </a:ln>
+                </p:spPr>
+                <p:style>
+                  <a:lnRef idx="2">
+                    <a:schemeClr val="accent1">
+                      <a:shade val="15000"/>
+                    </a:schemeClr>
+                  </a:lnRef>
+                  <a:fillRef idx="1">
+                    <a:schemeClr val="accent1"/>
+                  </a:fillRef>
+                  <a:effectRef idx="0">
+                    <a:schemeClr val="accent1"/>
+                  </a:effectRef>
+                  <a:fontRef idx="minor">
+                    <a:schemeClr val="lt1"/>
+                  </a:fontRef>
+                </p:style>
+                <p:txBody>
+                  <a:bodyPr rtlCol="0" anchor="ctr"/>
+                  <a:lstStyle/>
+                  <a:p>
+                    <a:r>
+                      <a:rPr lang="vi-VN" sz="800" dirty="0">
+                        <a:solidFill>
+                          <a:schemeClr val="tx1"/>
+                        </a:solidFill>
+                      </a:rPr>
+                      <a:t>37 </a:t>
+                    </a:r>
+                    <a:r>
+                      <a:rPr lang="vi-VN" sz="700" dirty="0">
+                        <a:solidFill>
+                          <a:schemeClr val="tx1"/>
+                        </a:solidFill>
+                      </a:rPr>
+                      <a:t>v</a:t>
+                    </a:r>
+                    <a:endParaRPr lang="en-US" sz="800" dirty="0">
+                      <a:solidFill>
+                        <a:schemeClr val="tx1"/>
+                      </a:solidFill>
+                    </a:endParaRPr>
+                  </a:p>
+                </p:txBody>
+              </p:sp>
+              <p:sp>
+                <p:nvSpPr>
+                  <p:cNvPr id="79" name="Rectangle 78">
+                    <a:extLst>
+                      <a:ext uri="{FF2B5EF4-FFF2-40B4-BE49-F238E27FC236}">
+                        <a16:creationId xmlns:a16="http://schemas.microsoft.com/office/drawing/2014/main" id="{20F1450F-AA17-1D35-C531-7108B23392A6}"/>
+                      </a:ext>
+                    </a:extLst>
+                  </p:cNvPr>
+                  <p:cNvSpPr/>
+                  <p:nvPr/>
+                </p:nvSpPr>
+                <p:spPr>
+                  <a:xfrm>
+                    <a:off x="4917752" y="2743029"/>
+                    <a:ext cx="917163" cy="246001"/>
+                  </a:xfrm>
+                  <a:prstGeom prst="rect">
+                    <a:avLst/>
+                  </a:prstGeom>
+                  <a:noFill/>
+                  <a:ln>
+                    <a:noFill/>
+                  </a:ln>
+                </p:spPr>
+                <p:style>
+                  <a:lnRef idx="2">
+                    <a:schemeClr val="accent1">
+                      <a:shade val="15000"/>
+                    </a:schemeClr>
+                  </a:lnRef>
+                  <a:fillRef idx="1">
+                    <a:schemeClr val="accent1"/>
+                  </a:fillRef>
+                  <a:effectRef idx="0">
+                    <a:schemeClr val="accent1"/>
+                  </a:effectRef>
+                  <a:fontRef idx="minor">
+                    <a:schemeClr val="lt1"/>
+                  </a:fontRef>
+                </p:style>
+                <p:txBody>
+                  <a:bodyPr rtlCol="0" anchor="ctr"/>
+                  <a:lstStyle/>
+                  <a:p>
+                    <a:pPr algn="ctr"/>
+                    <a:r>
+                      <a:rPr lang="vi-VN" sz="800" dirty="0">
+                        <a:solidFill>
+                          <a:schemeClr val="tx1"/>
+                        </a:solidFill>
+                      </a:rPr>
+                      <a:t>1.350.000 VND</a:t>
+                    </a:r>
+                    <a:endParaRPr lang="en-US" sz="800" dirty="0">
+                      <a:solidFill>
+                        <a:schemeClr val="tx1"/>
+                      </a:solidFill>
+                    </a:endParaRPr>
+                  </a:p>
+                </p:txBody>
+              </p:sp>
+              <p:sp>
+                <p:nvSpPr>
+                  <p:cNvPr id="80" name="Rectangle 79">
+                    <a:extLst>
+                      <a:ext uri="{FF2B5EF4-FFF2-40B4-BE49-F238E27FC236}">
+                        <a16:creationId xmlns:a16="http://schemas.microsoft.com/office/drawing/2014/main" id="{D66EAC42-98A7-5AC6-AFC0-429B173BBB73}"/>
+                      </a:ext>
+                    </a:extLst>
+                  </p:cNvPr>
+                  <p:cNvSpPr/>
+                  <p:nvPr/>
+                </p:nvSpPr>
+                <p:spPr>
+                  <a:xfrm>
+                    <a:off x="5962805" y="2725027"/>
+                    <a:ext cx="246888" cy="246001"/>
+                  </a:xfrm>
+                  <a:prstGeom prst="rect">
+                    <a:avLst/>
+                  </a:prstGeom>
+                  <a:noFill/>
+                  <a:ln>
+                    <a:solidFill>
+                      <a:schemeClr val="tx1"/>
+                    </a:solidFill>
+                  </a:ln>
+                </p:spPr>
+                <p:style>
+                  <a:lnRef idx="2">
+                    <a:schemeClr val="accent1">
+                      <a:shade val="15000"/>
+                    </a:schemeClr>
+                  </a:lnRef>
+                  <a:fillRef idx="1">
+                    <a:schemeClr val="accent1"/>
+                  </a:fillRef>
+                  <a:effectRef idx="0">
+                    <a:schemeClr val="accent1"/>
+                  </a:effectRef>
+                  <a:fontRef idx="minor">
+                    <a:schemeClr val="lt1"/>
+                  </a:fontRef>
+                </p:style>
+                <p:txBody>
+                  <a:bodyPr rtlCol="0" anchor="ctr"/>
+                  <a:lstStyle/>
+                  <a:p>
+                    <a:pPr algn="ctr"/>
+                    <a:r>
+                      <a:rPr lang="vi-VN" sz="800" dirty="0">
+                        <a:solidFill>
+                          <a:schemeClr val="tx1"/>
+                        </a:solidFill>
+                      </a:rPr>
+                      <a:t>1</a:t>
+                    </a:r>
+                    <a:endParaRPr lang="en-US" sz="800" dirty="0">
+                      <a:solidFill>
+                        <a:schemeClr val="tx1"/>
+                      </a:solidFill>
+                    </a:endParaRPr>
+                  </a:p>
+                </p:txBody>
+              </p:sp>
+              <p:sp>
+                <p:nvSpPr>
+                  <p:cNvPr id="81" name="Rectangle 80">
+                    <a:extLst>
+                      <a:ext uri="{FF2B5EF4-FFF2-40B4-BE49-F238E27FC236}">
+                        <a16:creationId xmlns:a16="http://schemas.microsoft.com/office/drawing/2014/main" id="{C3A6C2FE-1198-7499-C917-233942FAB9BA}"/>
+                      </a:ext>
+                    </a:extLst>
+                  </p:cNvPr>
+                  <p:cNvSpPr/>
+                  <p:nvPr/>
+                </p:nvSpPr>
+                <p:spPr>
+                  <a:xfrm>
+                    <a:off x="6532582" y="2725026"/>
+                    <a:ext cx="917163" cy="246001"/>
+                  </a:xfrm>
+                  <a:prstGeom prst="rect">
+                    <a:avLst/>
+                  </a:prstGeom>
+                  <a:noFill/>
+                  <a:ln>
+                    <a:noFill/>
+                  </a:ln>
+                </p:spPr>
+                <p:style>
+                  <a:lnRef idx="2">
+                    <a:schemeClr val="accent1">
+                      <a:shade val="15000"/>
+                    </a:schemeClr>
+                  </a:lnRef>
+                  <a:fillRef idx="1">
+                    <a:schemeClr val="accent1"/>
+                  </a:fillRef>
+                  <a:effectRef idx="0">
+                    <a:schemeClr val="accent1"/>
+                  </a:effectRef>
+                  <a:fontRef idx="minor">
+                    <a:schemeClr val="lt1"/>
+                  </a:fontRef>
+                </p:style>
+                <p:txBody>
+                  <a:bodyPr rtlCol="0" anchor="ctr"/>
+                  <a:lstStyle/>
+                  <a:p>
+                    <a:pPr algn="ctr"/>
+                    <a:r>
+                      <a:rPr lang="vi-VN" sz="800" dirty="0">
+                        <a:solidFill>
+                          <a:schemeClr val="tx1"/>
+                        </a:solidFill>
+                      </a:rPr>
+                      <a:t>1.350.000 VND</a:t>
+                    </a:r>
+                    <a:endParaRPr lang="en-US" sz="800" dirty="0">
+                      <a:solidFill>
+                        <a:schemeClr val="tx1"/>
+                      </a:solidFill>
+                    </a:endParaRPr>
+                  </a:p>
+                </p:txBody>
+              </p:sp>
+              <p:sp>
+                <p:nvSpPr>
+                  <p:cNvPr id="83" name="Rectangle 82">
+                    <a:extLst>
+                      <a:ext uri="{FF2B5EF4-FFF2-40B4-BE49-F238E27FC236}">
+                        <a16:creationId xmlns:a16="http://schemas.microsoft.com/office/drawing/2014/main" id="{D439CFE4-1C50-67F5-DDA4-0C21282AEDE2}"/>
+                      </a:ext>
+                    </a:extLst>
+                  </p:cNvPr>
+                  <p:cNvSpPr/>
+                  <p:nvPr/>
+                </p:nvSpPr>
+                <p:spPr>
+                  <a:xfrm>
+                    <a:off x="7430112" y="2728133"/>
+                    <a:ext cx="246888" cy="246001"/>
+                  </a:xfrm>
+                  <a:prstGeom prst="rect">
+                    <a:avLst/>
+                  </a:prstGeom>
+                  <a:noFill/>
+                  <a:ln>
+                    <a:noFill/>
+                  </a:ln>
+                </p:spPr>
+                <p:style>
+                  <a:lnRef idx="2">
+                    <a:schemeClr val="accent1">
+                      <a:shade val="15000"/>
+                    </a:schemeClr>
+                  </a:lnRef>
+                  <a:fillRef idx="1">
+                    <a:schemeClr val="accent1"/>
+                  </a:fillRef>
+                  <a:effectRef idx="0">
+                    <a:schemeClr val="accent1"/>
+                  </a:effectRef>
+                  <a:fontRef idx="minor">
+                    <a:schemeClr val="lt1"/>
+                  </a:fontRef>
+                </p:style>
+                <p:txBody>
+                  <a:bodyPr rtlCol="0" anchor="t" anchorCtr="0"/>
+                  <a:lstStyle/>
+                  <a:p>
+                    <a:pPr algn="ctr"/>
+                    <a:r>
+                      <a:rPr lang="vi-VN" sz="800" dirty="0">
+                        <a:solidFill>
+                          <a:schemeClr val="tx1"/>
+                        </a:solidFill>
+                      </a:rPr>
+                      <a:t>X</a:t>
+                    </a:r>
+                    <a:endParaRPr lang="en-US" sz="800" dirty="0">
+                      <a:solidFill>
+                        <a:schemeClr val="tx1"/>
+                      </a:solidFill>
+                    </a:endParaRPr>
+                  </a:p>
+                </p:txBody>
+              </p:sp>
+            </p:grpSp>
+            <p:cxnSp>
+              <p:nvCxnSpPr>
+                <p:cNvPr id="93" name="Straight Connector 92">
+                  <a:extLst>
+                    <a:ext uri="{FF2B5EF4-FFF2-40B4-BE49-F238E27FC236}">
+                      <a16:creationId xmlns:a16="http://schemas.microsoft.com/office/drawing/2014/main" id="{D93A4E88-5D72-BF49-C82E-A7E531827EAC}"/>
+                    </a:ext>
+                  </a:extLst>
+                </p:cNvPr>
+                <p:cNvCxnSpPr/>
+                <p:nvPr/>
+              </p:nvCxnSpPr>
+              <p:spPr>
+                <a:xfrm>
+                  <a:off x="2305049" y="3048747"/>
+                  <a:ext cx="5371043" cy="0"/>
+                </a:xfrm>
+                <a:prstGeom prst="line">
+                  <a:avLst/>
+                </a:prstGeom>
+                <a:ln w="9525"/>
+              </p:spPr>
+              <p:style>
+                <a:lnRef idx="1">
+                  <a:schemeClr val="dk1"/>
+                </a:lnRef>
+                <a:fillRef idx="0">
+                  <a:schemeClr val="dk1"/>
+                </a:fillRef>
+                <a:effectRef idx="0">
+                  <a:schemeClr val="dk1"/>
+                </a:effectRef>
+                <a:fontRef idx="minor">
+                  <a:schemeClr val="tx1"/>
+                </a:fontRef>
+              </p:style>
+            </p:cxnSp>
+          </p:grpSp>
+        </p:grpSp>
+        <p:grpSp>
+          <p:nvGrpSpPr>
+            <p:cNvPr id="146" name="Group 145">
+              <a:extLst>
+                <a:ext uri="{FF2B5EF4-FFF2-40B4-BE49-F238E27FC236}">
+                  <a16:creationId xmlns:a16="http://schemas.microsoft.com/office/drawing/2014/main" id="{A3AE1A16-77EC-F9DB-1C08-7049D9C25D35}"/>
+                </a:ext>
+              </a:extLst>
+            </p:cNvPr>
+            <p:cNvGrpSpPr/>
+            <p:nvPr/>
+          </p:nvGrpSpPr>
+          <p:grpSpPr>
+            <a:xfrm>
+              <a:off x="2305049" y="3141865"/>
+              <a:ext cx="5371951" cy="401436"/>
+              <a:chOff x="2305049" y="2647311"/>
+              <a:chExt cx="5371951" cy="401436"/>
+            </a:xfrm>
+          </p:grpSpPr>
+          <p:grpSp>
+            <p:nvGrpSpPr>
+              <p:cNvPr id="147" name="Group 146">
+                <a:extLst>
+                  <a:ext uri="{FF2B5EF4-FFF2-40B4-BE49-F238E27FC236}">
+                    <a16:creationId xmlns:a16="http://schemas.microsoft.com/office/drawing/2014/main" id="{DC11934F-2843-C300-7DCC-BC215DE98210}"/>
+                  </a:ext>
+                </a:extLst>
+              </p:cNvPr>
+              <p:cNvGrpSpPr>
+                <a:grpSpLocks noChangeAspect="1"/>
+              </p:cNvGrpSpPr>
+              <p:nvPr/>
+            </p:nvGrpSpPr>
+            <p:grpSpPr>
+              <a:xfrm>
+                <a:off x="2663581" y="2647311"/>
+                <a:ext cx="423134" cy="401436"/>
+                <a:chOff x="439337" y="1795464"/>
+                <a:chExt cx="963824" cy="914400"/>
               </a:xfrm>
             </p:grpSpPr>
             <p:sp>
               <p:nvSpPr>
-                <p:cNvPr id="165" name="Rectangle 164">
+                <p:cNvPr id="158" name="Rectangle 157">
                   <a:extLst>
                     <a:ext uri="{FF2B5EF4-FFF2-40B4-BE49-F238E27FC236}">
-                      <a16:creationId xmlns:a16="http://schemas.microsoft.com/office/drawing/2014/main" id="{E1F74072-1207-F67C-F646-AFACB7729255}"/>
+                      <a16:creationId xmlns:a16="http://schemas.microsoft.com/office/drawing/2014/main" id="{4805CBAD-03AF-6C08-F57B-5C097B4E826B}"/>
                     </a:ext>
                   </a:extLst>
                 </p:cNvPr>
@@ -31171,662 +30420,13 @@
               </p:nvSpPr>
               <p:spPr>
                 <a:xfrm>
-                  <a:off x="2305049" y="2802309"/>
-                  <a:ext cx="91440" cy="91440"/>
+                  <a:off x="439337" y="1882951"/>
+                  <a:ext cx="957473" cy="739426"/>
                 </a:xfrm>
                 <a:prstGeom prst="rect">
                   <a:avLst/>
                 </a:prstGeom>
                 <a:noFill/>
-                <a:ln>
-                  <a:solidFill>
-                    <a:schemeClr val="tx1"/>
-                  </a:solidFill>
-                </a:ln>
-              </p:spPr>
-              <p:style>
-                <a:lnRef idx="2">
-                  <a:schemeClr val="accent1">
-                    <a:shade val="15000"/>
-                  </a:schemeClr>
-                </a:lnRef>
-                <a:fillRef idx="1">
-                  <a:schemeClr val="accent1"/>
-                </a:fillRef>
-                <a:effectRef idx="0">
-                  <a:schemeClr val="accent1"/>
-                </a:effectRef>
-                <a:fontRef idx="minor">
-                  <a:schemeClr val="lt1"/>
-                </a:fontRef>
-              </p:style>
-              <p:txBody>
-                <a:bodyPr rtlCol="0" anchor="ctr"/>
-                <a:lstStyle/>
-                <a:p>
-                  <a:pPr algn="ctr"/>
-                  <a:endParaRPr lang="en-US" dirty="0"/>
-                </a:p>
-              </p:txBody>
-            </p:sp>
-            <p:sp>
-              <p:nvSpPr>
-                <p:cNvPr id="166" name="Rectangle 165">
-                  <a:extLst>
-                    <a:ext uri="{FF2B5EF4-FFF2-40B4-BE49-F238E27FC236}">
-                      <a16:creationId xmlns:a16="http://schemas.microsoft.com/office/drawing/2014/main" id="{C98ED084-EDB0-110C-E5D7-F57261290E43}"/>
-                    </a:ext>
-                  </a:extLst>
-                </p:cNvPr>
-                <p:cNvSpPr/>
-                <p:nvPr/>
-              </p:nvSpPr>
-              <p:spPr>
-                <a:xfrm>
-                  <a:off x="3083926" y="2743029"/>
-                  <a:ext cx="1430923" cy="246001"/>
-                </a:xfrm>
-                <a:prstGeom prst="rect">
-                  <a:avLst/>
-                </a:prstGeom>
-                <a:noFill/>
-                <a:ln>
-                  <a:noFill/>
-                </a:ln>
-              </p:spPr>
-              <p:style>
-                <a:lnRef idx="2">
-                  <a:schemeClr val="accent1">
-                    <a:shade val="15000"/>
-                  </a:schemeClr>
-                </a:lnRef>
-                <a:fillRef idx="1">
-                  <a:schemeClr val="accent1"/>
-                </a:fillRef>
-                <a:effectRef idx="0">
-                  <a:schemeClr val="accent1"/>
-                </a:effectRef>
-                <a:fontRef idx="minor">
-                  <a:schemeClr val="lt1"/>
-                </a:fontRef>
-              </p:style>
-              <p:txBody>
-                <a:bodyPr rtlCol="0" anchor="ctr"/>
-                <a:lstStyle/>
-                <a:p>
-                  <a:pPr algn="ctr"/>
-                  <a:r>
-                    <a:rPr lang="vi-VN" sz="800" dirty="0">
-                      <a:solidFill>
-                        <a:schemeClr val="tx1"/>
-                      </a:solidFill>
-                    </a:rPr>
-                    <a:t>Giày ABC model XYZ</a:t>
-                  </a:r>
-                  <a:endParaRPr lang="en-US" sz="800" dirty="0">
-                    <a:solidFill>
-                      <a:schemeClr val="tx1"/>
-                    </a:solidFill>
-                  </a:endParaRPr>
-                </a:p>
-              </p:txBody>
-            </p:sp>
-            <p:sp>
-              <p:nvSpPr>
-                <p:cNvPr id="167" name="Rectangle 166">
-                  <a:extLst>
-                    <a:ext uri="{FF2B5EF4-FFF2-40B4-BE49-F238E27FC236}">
-                      <a16:creationId xmlns:a16="http://schemas.microsoft.com/office/drawing/2014/main" id="{8BBDBE05-825D-20D9-E0B7-6B7C56C02727}"/>
-                    </a:ext>
-                  </a:extLst>
-                </p:cNvPr>
-                <p:cNvSpPr/>
-                <p:nvPr/>
-              </p:nvSpPr>
-              <p:spPr>
-                <a:xfrm>
-                  <a:off x="4494808" y="2725028"/>
-                  <a:ext cx="397482" cy="246001"/>
-                </a:xfrm>
-                <a:prstGeom prst="rect">
-                  <a:avLst/>
-                </a:prstGeom>
-                <a:noFill/>
-                <a:ln>
-                  <a:solidFill>
-                    <a:schemeClr val="tx1"/>
-                  </a:solidFill>
-                </a:ln>
-              </p:spPr>
-              <p:style>
-                <a:lnRef idx="2">
-                  <a:schemeClr val="accent1">
-                    <a:shade val="15000"/>
-                  </a:schemeClr>
-                </a:lnRef>
-                <a:fillRef idx="1">
-                  <a:schemeClr val="accent1"/>
-                </a:fillRef>
-                <a:effectRef idx="0">
-                  <a:schemeClr val="accent1"/>
-                </a:effectRef>
-                <a:fontRef idx="minor">
-                  <a:schemeClr val="lt1"/>
-                </a:fontRef>
-              </p:style>
-              <p:txBody>
-                <a:bodyPr rtlCol="0" anchor="ctr"/>
-                <a:lstStyle/>
-                <a:p>
-                  <a:r>
-                    <a:rPr lang="vi-VN" sz="800" dirty="0">
-                      <a:solidFill>
-                        <a:schemeClr val="tx1"/>
-                      </a:solidFill>
-                    </a:rPr>
-                    <a:t>37 </a:t>
-                  </a:r>
-                  <a:r>
-                    <a:rPr lang="vi-VN" sz="700" dirty="0">
-                      <a:solidFill>
-                        <a:schemeClr val="tx1"/>
-                      </a:solidFill>
-                    </a:rPr>
-                    <a:t>v</a:t>
-                  </a:r>
-                  <a:endParaRPr lang="en-US" sz="800" dirty="0">
-                    <a:solidFill>
-                      <a:schemeClr val="tx1"/>
-                    </a:solidFill>
-                  </a:endParaRPr>
-                </a:p>
-              </p:txBody>
-            </p:sp>
-            <p:sp>
-              <p:nvSpPr>
-                <p:cNvPr id="168" name="Rectangle 167">
-                  <a:extLst>
-                    <a:ext uri="{FF2B5EF4-FFF2-40B4-BE49-F238E27FC236}">
-                      <a16:creationId xmlns:a16="http://schemas.microsoft.com/office/drawing/2014/main" id="{00537A61-8F98-FFEC-3356-8A0FD8764054}"/>
-                    </a:ext>
-                  </a:extLst>
-                </p:cNvPr>
-                <p:cNvSpPr/>
-                <p:nvPr/>
-              </p:nvSpPr>
-              <p:spPr>
-                <a:xfrm>
-                  <a:off x="4917752" y="2743029"/>
-                  <a:ext cx="917163" cy="246001"/>
-                </a:xfrm>
-                <a:prstGeom prst="rect">
-                  <a:avLst/>
-                </a:prstGeom>
-                <a:noFill/>
-                <a:ln>
-                  <a:noFill/>
-                </a:ln>
-              </p:spPr>
-              <p:style>
-                <a:lnRef idx="2">
-                  <a:schemeClr val="accent1">
-                    <a:shade val="15000"/>
-                  </a:schemeClr>
-                </a:lnRef>
-                <a:fillRef idx="1">
-                  <a:schemeClr val="accent1"/>
-                </a:fillRef>
-                <a:effectRef idx="0">
-                  <a:schemeClr val="accent1"/>
-                </a:effectRef>
-                <a:fontRef idx="minor">
-                  <a:schemeClr val="lt1"/>
-                </a:fontRef>
-              </p:style>
-              <p:txBody>
-                <a:bodyPr rtlCol="0" anchor="ctr"/>
-                <a:lstStyle/>
-                <a:p>
-                  <a:pPr algn="ctr"/>
-                  <a:r>
-                    <a:rPr lang="vi-VN" sz="800" dirty="0">
-                      <a:solidFill>
-                        <a:schemeClr val="tx1"/>
-                      </a:solidFill>
-                    </a:rPr>
-                    <a:t>1.350.000 VND</a:t>
-                  </a:r>
-                  <a:endParaRPr lang="en-US" sz="800" dirty="0">
-                    <a:solidFill>
-                      <a:schemeClr val="tx1"/>
-                    </a:solidFill>
-                  </a:endParaRPr>
-                </a:p>
-              </p:txBody>
-            </p:sp>
-            <p:sp>
-              <p:nvSpPr>
-                <p:cNvPr id="169" name="Rectangle 168">
-                  <a:extLst>
-                    <a:ext uri="{FF2B5EF4-FFF2-40B4-BE49-F238E27FC236}">
-                      <a16:creationId xmlns:a16="http://schemas.microsoft.com/office/drawing/2014/main" id="{3E0CD8C2-4DCF-7AE7-3020-DA9A4C71D09F}"/>
-                    </a:ext>
-                  </a:extLst>
-                </p:cNvPr>
-                <p:cNvSpPr/>
-                <p:nvPr/>
-              </p:nvSpPr>
-              <p:spPr>
-                <a:xfrm>
-                  <a:off x="5962805" y="2725027"/>
-                  <a:ext cx="246888" cy="246001"/>
-                </a:xfrm>
-                <a:prstGeom prst="rect">
-                  <a:avLst/>
-                </a:prstGeom>
-                <a:noFill/>
-                <a:ln>
-                  <a:solidFill>
-                    <a:schemeClr val="tx1"/>
-                  </a:solidFill>
-                </a:ln>
-              </p:spPr>
-              <p:style>
-                <a:lnRef idx="2">
-                  <a:schemeClr val="accent1">
-                    <a:shade val="15000"/>
-                  </a:schemeClr>
-                </a:lnRef>
-                <a:fillRef idx="1">
-                  <a:schemeClr val="accent1"/>
-                </a:fillRef>
-                <a:effectRef idx="0">
-                  <a:schemeClr val="accent1"/>
-                </a:effectRef>
-                <a:fontRef idx="minor">
-                  <a:schemeClr val="lt1"/>
-                </a:fontRef>
-              </p:style>
-              <p:txBody>
-                <a:bodyPr rtlCol="0" anchor="ctr"/>
-                <a:lstStyle/>
-                <a:p>
-                  <a:pPr algn="ctr"/>
-                  <a:r>
-                    <a:rPr lang="vi-VN" sz="800" dirty="0">
-                      <a:solidFill>
-                        <a:schemeClr val="tx1"/>
-                      </a:solidFill>
-                    </a:rPr>
-                    <a:t>1</a:t>
-                  </a:r>
-                  <a:endParaRPr lang="en-US" sz="800" dirty="0">
-                    <a:solidFill>
-                      <a:schemeClr val="tx1"/>
-                    </a:solidFill>
-                  </a:endParaRPr>
-                </a:p>
-              </p:txBody>
-            </p:sp>
-            <p:sp>
-              <p:nvSpPr>
-                <p:cNvPr id="170" name="Rectangle 169">
-                  <a:extLst>
-                    <a:ext uri="{FF2B5EF4-FFF2-40B4-BE49-F238E27FC236}">
-                      <a16:creationId xmlns:a16="http://schemas.microsoft.com/office/drawing/2014/main" id="{A70A2B75-BEB6-53FE-386B-2D648B9D8D98}"/>
-                    </a:ext>
-                  </a:extLst>
-                </p:cNvPr>
-                <p:cNvSpPr/>
-                <p:nvPr/>
-              </p:nvSpPr>
-              <p:spPr>
-                <a:xfrm>
-                  <a:off x="6532582" y="2725026"/>
-                  <a:ext cx="917163" cy="246001"/>
-                </a:xfrm>
-                <a:prstGeom prst="rect">
-                  <a:avLst/>
-                </a:prstGeom>
-                <a:noFill/>
-                <a:ln>
-                  <a:noFill/>
-                </a:ln>
-              </p:spPr>
-              <p:style>
-                <a:lnRef idx="2">
-                  <a:schemeClr val="accent1">
-                    <a:shade val="15000"/>
-                  </a:schemeClr>
-                </a:lnRef>
-                <a:fillRef idx="1">
-                  <a:schemeClr val="accent1"/>
-                </a:fillRef>
-                <a:effectRef idx="0">
-                  <a:schemeClr val="accent1"/>
-                </a:effectRef>
-                <a:fontRef idx="minor">
-                  <a:schemeClr val="lt1"/>
-                </a:fontRef>
-              </p:style>
-              <p:txBody>
-                <a:bodyPr rtlCol="0" anchor="ctr"/>
-                <a:lstStyle/>
-                <a:p>
-                  <a:pPr algn="ctr"/>
-                  <a:r>
-                    <a:rPr lang="vi-VN" sz="800" dirty="0">
-                      <a:solidFill>
-                        <a:schemeClr val="tx1"/>
-                      </a:solidFill>
-                    </a:rPr>
-                    <a:t>1.350.000 VND</a:t>
-                  </a:r>
-                  <a:endParaRPr lang="en-US" sz="800" dirty="0">
-                    <a:solidFill>
-                      <a:schemeClr val="tx1"/>
-                    </a:solidFill>
-                  </a:endParaRPr>
-                </a:p>
-              </p:txBody>
-            </p:sp>
-            <p:sp>
-              <p:nvSpPr>
-                <p:cNvPr id="171" name="Rectangle 170">
-                  <a:extLst>
-                    <a:ext uri="{FF2B5EF4-FFF2-40B4-BE49-F238E27FC236}">
-                      <a16:creationId xmlns:a16="http://schemas.microsoft.com/office/drawing/2014/main" id="{12EE67A1-7B54-7D26-8D10-CFF5BA8C8955}"/>
-                    </a:ext>
-                  </a:extLst>
-                </p:cNvPr>
-                <p:cNvSpPr/>
-                <p:nvPr/>
-              </p:nvSpPr>
-              <p:spPr>
-                <a:xfrm>
-                  <a:off x="7430112" y="2728133"/>
-                  <a:ext cx="246888" cy="246001"/>
-                </a:xfrm>
-                <a:prstGeom prst="rect">
-                  <a:avLst/>
-                </a:prstGeom>
-                <a:noFill/>
-                <a:ln>
-                  <a:noFill/>
-                </a:ln>
-              </p:spPr>
-              <p:style>
-                <a:lnRef idx="2">
-                  <a:schemeClr val="accent1">
-                    <a:shade val="15000"/>
-                  </a:schemeClr>
-                </a:lnRef>
-                <a:fillRef idx="1">
-                  <a:schemeClr val="accent1"/>
-                </a:fillRef>
-                <a:effectRef idx="0">
-                  <a:schemeClr val="accent1"/>
-                </a:effectRef>
-                <a:fontRef idx="minor">
-                  <a:schemeClr val="lt1"/>
-                </a:fontRef>
-              </p:style>
-              <p:txBody>
-                <a:bodyPr rtlCol="0" anchor="t" anchorCtr="0"/>
-                <a:lstStyle/>
-                <a:p>
-                  <a:pPr algn="ctr"/>
-                  <a:r>
-                    <a:rPr lang="vi-VN" sz="800" dirty="0">
-                      <a:solidFill>
-                        <a:schemeClr val="tx1"/>
-                      </a:solidFill>
-                    </a:rPr>
-                    <a:t>X</a:t>
-                  </a:r>
-                  <a:endParaRPr lang="en-US" sz="800" dirty="0">
-                    <a:solidFill>
-                      <a:schemeClr val="tx1"/>
-                    </a:solidFill>
-                  </a:endParaRPr>
-                </a:p>
-              </p:txBody>
-            </p:sp>
-          </p:grpSp>
-          <p:cxnSp>
-            <p:nvCxnSpPr>
-              <p:cNvPr id="164" name="Straight Connector 163">
-                <a:extLst>
-                  <a:ext uri="{FF2B5EF4-FFF2-40B4-BE49-F238E27FC236}">
-                    <a16:creationId xmlns:a16="http://schemas.microsoft.com/office/drawing/2014/main" id="{815E8DB3-8E2A-041F-01F5-64E7BC6387F9}"/>
-                  </a:ext>
-                </a:extLst>
-              </p:cNvPr>
-              <p:cNvCxnSpPr/>
-              <p:nvPr/>
-            </p:nvCxnSpPr>
-            <p:spPr>
-              <a:xfrm>
-                <a:off x="2305049" y="3048747"/>
-                <a:ext cx="5371043" cy="0"/>
-              </a:xfrm>
-              <a:prstGeom prst="line">
-                <a:avLst/>
-              </a:prstGeom>
-              <a:ln w="9525"/>
-            </p:spPr>
-            <p:style>
-              <a:lnRef idx="1">
-                <a:schemeClr val="dk1"/>
-              </a:lnRef>
-              <a:fillRef idx="0">
-                <a:schemeClr val="dk1"/>
-              </a:fillRef>
-              <a:effectRef idx="0">
-                <a:schemeClr val="dk1"/>
-              </a:effectRef>
-              <a:fontRef idx="minor">
-                <a:schemeClr val="tx1"/>
-              </a:fontRef>
-            </p:style>
-          </p:cxnSp>
-        </p:grpSp>
-      </p:grpSp>
-      <p:grpSp>
-        <p:nvGrpSpPr>
-          <p:cNvPr id="174" name="Group 173">
-            <a:extLst>
-              <a:ext uri="{FF2B5EF4-FFF2-40B4-BE49-F238E27FC236}">
-                <a16:creationId xmlns:a16="http://schemas.microsoft.com/office/drawing/2014/main" id="{07DAFED0-1DF1-9431-8593-E9B326C3E5DF}"/>
-              </a:ext>
-            </a:extLst>
-          </p:cNvPr>
-          <p:cNvGrpSpPr/>
-          <p:nvPr/>
-        </p:nvGrpSpPr>
-        <p:grpSpPr>
-          <a:xfrm>
-            <a:off x="2305049" y="4133783"/>
-            <a:ext cx="5371951" cy="401436"/>
-            <a:chOff x="2305049" y="2647311"/>
-            <a:chExt cx="5371951" cy="401436"/>
-          </a:xfrm>
-        </p:grpSpPr>
-        <p:grpSp>
-          <p:nvGrpSpPr>
-            <p:cNvPr id="175" name="Group 174">
-              <a:extLst>
-                <a:ext uri="{FF2B5EF4-FFF2-40B4-BE49-F238E27FC236}">
-                  <a16:creationId xmlns:a16="http://schemas.microsoft.com/office/drawing/2014/main" id="{4A8B1C39-A115-A97C-EBE1-712EE05E7DAB}"/>
-                </a:ext>
-              </a:extLst>
-            </p:cNvPr>
-            <p:cNvGrpSpPr>
-              <a:grpSpLocks noChangeAspect="1"/>
-            </p:cNvGrpSpPr>
-            <p:nvPr/>
-          </p:nvGrpSpPr>
-          <p:grpSpPr>
-            <a:xfrm>
-              <a:off x="2663581" y="2647311"/>
-              <a:ext cx="423134" cy="401436"/>
-              <a:chOff x="439337" y="1795464"/>
-              <a:chExt cx="963824" cy="914400"/>
-            </a:xfrm>
-          </p:grpSpPr>
-          <p:sp>
-            <p:nvSpPr>
-              <p:cNvPr id="186" name="Rectangle 185">
-                <a:extLst>
-                  <a:ext uri="{FF2B5EF4-FFF2-40B4-BE49-F238E27FC236}">
-                    <a16:creationId xmlns:a16="http://schemas.microsoft.com/office/drawing/2014/main" id="{F0C49647-EEDD-2D2F-8F1E-D88C0927B0C4}"/>
-                  </a:ext>
-                </a:extLst>
-              </p:cNvPr>
-              <p:cNvSpPr/>
-              <p:nvPr/>
-            </p:nvSpPr>
-            <p:spPr>
-              <a:xfrm>
-                <a:off x="439337" y="1882951"/>
-                <a:ext cx="957473" cy="739426"/>
-              </a:xfrm>
-              <a:prstGeom prst="rect">
-                <a:avLst/>
-              </a:prstGeom>
-              <a:noFill/>
-            </p:spPr>
-            <p:style>
-              <a:lnRef idx="2">
-                <a:schemeClr val="accent1">
-                  <a:shade val="15000"/>
-                </a:schemeClr>
-              </a:lnRef>
-              <a:fillRef idx="1">
-                <a:schemeClr val="accent1"/>
-              </a:fillRef>
-              <a:effectRef idx="0">
-                <a:schemeClr val="accent1"/>
-              </a:effectRef>
-              <a:fontRef idx="minor">
-                <a:schemeClr val="lt1"/>
-              </a:fontRef>
-            </p:style>
-            <p:txBody>
-              <a:bodyPr rtlCol="0" anchor="ctr"/>
-              <a:lstStyle/>
-              <a:p>
-                <a:pPr algn="ctr"/>
-                <a:endParaRPr lang="en-US"/>
-              </a:p>
-            </p:txBody>
-          </p:sp>
-          <p:pic>
-            <p:nvPicPr>
-              <p:cNvPr id="187" name="Graphic 186" descr="Boot outline">
-                <a:extLst>
-                  <a:ext uri="{FF2B5EF4-FFF2-40B4-BE49-F238E27FC236}">
-                    <a16:creationId xmlns:a16="http://schemas.microsoft.com/office/drawing/2014/main" id="{54FC251B-348F-7921-468C-0C86F606846B}"/>
-                  </a:ext>
-                </a:extLst>
-              </p:cNvPr>
-              <p:cNvPicPr>
-                <a:picLocks noChangeAspect="1"/>
-              </p:cNvPicPr>
-              <p:nvPr/>
-            </p:nvPicPr>
-            <p:blipFill>
-              <a:blip r:embed="rId8">
-                <a:extLst>
-                  <a:ext uri="{28A0092B-C50C-407E-A947-70E740481C1C}">
-                    <a14:useLocalDpi xmlns:a14="http://schemas.microsoft.com/office/drawing/2010/main" val="0"/>
-                  </a:ext>
-                  <a:ext uri="{96DAC541-7B7A-43D3-8B79-37D633B846F1}">
-                    <asvg:svgBlip xmlns:asvg="http://schemas.microsoft.com/office/drawing/2016/SVG/main" r:embed="rId9"/>
-                  </a:ext>
-                </a:extLst>
-              </a:blip>
-              <a:stretch>
-                <a:fillRect/>
-              </a:stretch>
-            </p:blipFill>
-            <p:spPr>
-              <a:xfrm>
-                <a:off x="488761" y="1795464"/>
-                <a:ext cx="914400" cy="914400"/>
-              </a:xfrm>
-              <a:prstGeom prst="rect">
-                <a:avLst/>
-              </a:prstGeom>
-            </p:spPr>
-          </p:pic>
-        </p:grpSp>
-        <p:grpSp>
-          <p:nvGrpSpPr>
-            <p:cNvPr id="176" name="Group 175">
-              <a:extLst>
-                <a:ext uri="{FF2B5EF4-FFF2-40B4-BE49-F238E27FC236}">
-                  <a16:creationId xmlns:a16="http://schemas.microsoft.com/office/drawing/2014/main" id="{57854769-53E3-D193-A42E-A82F2D6F8028}"/>
-                </a:ext>
-              </a:extLst>
-            </p:cNvPr>
-            <p:cNvGrpSpPr/>
-            <p:nvPr/>
-          </p:nvGrpSpPr>
-          <p:grpSpPr>
-            <a:xfrm>
-              <a:off x="2305049" y="2725026"/>
-              <a:ext cx="5371951" cy="323721"/>
-              <a:chOff x="2305049" y="2725026"/>
-              <a:chExt cx="5371951" cy="323721"/>
-            </a:xfrm>
-          </p:grpSpPr>
-          <p:grpSp>
-            <p:nvGrpSpPr>
-              <p:cNvPr id="177" name="Group 176">
-                <a:extLst>
-                  <a:ext uri="{FF2B5EF4-FFF2-40B4-BE49-F238E27FC236}">
-                    <a16:creationId xmlns:a16="http://schemas.microsoft.com/office/drawing/2014/main" id="{8235BFB7-D3BD-C0AA-B098-53836C61AECB}"/>
-                  </a:ext>
-                </a:extLst>
-              </p:cNvPr>
-              <p:cNvGrpSpPr/>
-              <p:nvPr/>
-            </p:nvGrpSpPr>
-            <p:grpSpPr>
-              <a:xfrm>
-                <a:off x="2305049" y="2725026"/>
-                <a:ext cx="5371951" cy="264004"/>
-                <a:chOff x="2305049" y="2725026"/>
-                <a:chExt cx="5371951" cy="264004"/>
-              </a:xfrm>
-            </p:grpSpPr>
-            <p:sp>
-              <p:nvSpPr>
-                <p:cNvPr id="179" name="Rectangle 178">
-                  <a:extLst>
-                    <a:ext uri="{FF2B5EF4-FFF2-40B4-BE49-F238E27FC236}">
-                      <a16:creationId xmlns:a16="http://schemas.microsoft.com/office/drawing/2014/main" id="{E95CE2D7-D5C4-FEC4-F52C-E04A32DE727C}"/>
-                    </a:ext>
-                  </a:extLst>
-                </p:cNvPr>
-                <p:cNvSpPr/>
-                <p:nvPr/>
-              </p:nvSpPr>
-              <p:spPr>
-                <a:xfrm>
-                  <a:off x="2305049" y="2802309"/>
-                  <a:ext cx="91440" cy="91440"/>
-                </a:xfrm>
-                <a:prstGeom prst="rect">
-                  <a:avLst/>
-                </a:prstGeom>
-                <a:noFill/>
-                <a:ln>
-                  <a:solidFill>
-                    <a:schemeClr val="tx1"/>
-                  </a:solidFill>
-                </a:ln>
               </p:spPr>
               <p:style>
                 <a:lnRef idx="2">
@@ -31853,584 +30453,52 @@
                 </a:p>
               </p:txBody>
             </p:sp>
-            <p:sp>
-              <p:nvSpPr>
-                <p:cNvPr id="180" name="Rectangle 179">
+            <p:pic>
+              <p:nvPicPr>
+                <p:cNvPr id="159" name="Graphic 158" descr="Boot outline">
                   <a:extLst>
                     <a:ext uri="{FF2B5EF4-FFF2-40B4-BE49-F238E27FC236}">
-                      <a16:creationId xmlns:a16="http://schemas.microsoft.com/office/drawing/2014/main" id="{449D544E-0430-3CCE-D7DE-0184A3EDE8BB}"/>
+                      <a16:creationId xmlns:a16="http://schemas.microsoft.com/office/drawing/2014/main" id="{76AC97D3-8D4D-307E-9D54-BDA1776A7A9B}"/>
                     </a:ext>
                   </a:extLst>
                 </p:cNvPr>
-                <p:cNvSpPr/>
+                <p:cNvPicPr>
+                  <a:picLocks noChangeAspect="1"/>
+                </p:cNvPicPr>
                 <p:nvPr/>
-              </p:nvSpPr>
+              </p:nvPicPr>
+              <p:blipFill>
+                <a:blip r:embed="rId8">
+                  <a:extLst>
+                    <a:ext uri="{28A0092B-C50C-407E-A947-70E740481C1C}">
+                      <a14:useLocalDpi xmlns:a14="http://schemas.microsoft.com/office/drawing/2010/main" val="0"/>
+                    </a:ext>
+                    <a:ext uri="{96DAC541-7B7A-43D3-8B79-37D633B846F1}">
+                      <asvg:svgBlip xmlns:asvg="http://schemas.microsoft.com/office/drawing/2016/SVG/main" r:embed="rId9"/>
+                    </a:ext>
+                  </a:extLst>
+                </a:blip>
+                <a:stretch>
+                  <a:fillRect/>
+                </a:stretch>
+              </p:blipFill>
               <p:spPr>
                 <a:xfrm>
-                  <a:off x="3083926" y="2743029"/>
-                  <a:ext cx="1430923" cy="246001"/>
+                  <a:off x="488761" y="1795464"/>
+                  <a:ext cx="914400" cy="914400"/>
                 </a:xfrm>
                 <a:prstGeom prst="rect">
                   <a:avLst/>
                 </a:prstGeom>
-                <a:noFill/>
-                <a:ln>
-                  <a:noFill/>
-                </a:ln>
               </p:spPr>
-              <p:style>
-                <a:lnRef idx="2">
-                  <a:schemeClr val="accent1">
-                    <a:shade val="15000"/>
-                  </a:schemeClr>
-                </a:lnRef>
-                <a:fillRef idx="1">
-                  <a:schemeClr val="accent1"/>
-                </a:fillRef>
-                <a:effectRef idx="0">
-                  <a:schemeClr val="accent1"/>
-                </a:effectRef>
-                <a:fontRef idx="minor">
-                  <a:schemeClr val="lt1"/>
-                </a:fontRef>
-              </p:style>
-              <p:txBody>
-                <a:bodyPr rtlCol="0" anchor="ctr"/>
-                <a:lstStyle/>
-                <a:p>
-                  <a:pPr algn="ctr"/>
-                  <a:r>
-                    <a:rPr lang="vi-VN" sz="800" dirty="0">
-                      <a:solidFill>
-                        <a:schemeClr val="tx1"/>
-                      </a:solidFill>
-                    </a:rPr>
-                    <a:t>Giày ABC model XYZ</a:t>
-                  </a:r>
-                  <a:endParaRPr lang="en-US" sz="800" dirty="0">
-                    <a:solidFill>
-                      <a:schemeClr val="tx1"/>
-                    </a:solidFill>
-                  </a:endParaRPr>
-                </a:p>
-              </p:txBody>
-            </p:sp>
-            <p:sp>
-              <p:nvSpPr>
-                <p:cNvPr id="181" name="Rectangle 180">
-                  <a:extLst>
-                    <a:ext uri="{FF2B5EF4-FFF2-40B4-BE49-F238E27FC236}">
-                      <a16:creationId xmlns:a16="http://schemas.microsoft.com/office/drawing/2014/main" id="{02F573C5-1C42-C120-735D-61C457438AC9}"/>
-                    </a:ext>
-                  </a:extLst>
-                </p:cNvPr>
-                <p:cNvSpPr/>
-                <p:nvPr/>
-              </p:nvSpPr>
-              <p:spPr>
-                <a:xfrm>
-                  <a:off x="4494808" y="2725028"/>
-                  <a:ext cx="397482" cy="246001"/>
-                </a:xfrm>
-                <a:prstGeom prst="rect">
-                  <a:avLst/>
-                </a:prstGeom>
-                <a:noFill/>
-                <a:ln>
-                  <a:solidFill>
-                    <a:schemeClr val="tx1"/>
-                  </a:solidFill>
-                </a:ln>
-              </p:spPr>
-              <p:style>
-                <a:lnRef idx="2">
-                  <a:schemeClr val="accent1">
-                    <a:shade val="15000"/>
-                  </a:schemeClr>
-                </a:lnRef>
-                <a:fillRef idx="1">
-                  <a:schemeClr val="accent1"/>
-                </a:fillRef>
-                <a:effectRef idx="0">
-                  <a:schemeClr val="accent1"/>
-                </a:effectRef>
-                <a:fontRef idx="minor">
-                  <a:schemeClr val="lt1"/>
-                </a:fontRef>
-              </p:style>
-              <p:txBody>
-                <a:bodyPr rtlCol="0" anchor="ctr"/>
-                <a:lstStyle/>
-                <a:p>
-                  <a:r>
-                    <a:rPr lang="vi-VN" sz="800" dirty="0">
-                      <a:solidFill>
-                        <a:schemeClr val="tx1"/>
-                      </a:solidFill>
-                    </a:rPr>
-                    <a:t>37 </a:t>
-                  </a:r>
-                  <a:r>
-                    <a:rPr lang="vi-VN" sz="700" dirty="0">
-                      <a:solidFill>
-                        <a:schemeClr val="tx1"/>
-                      </a:solidFill>
-                    </a:rPr>
-                    <a:t>v</a:t>
-                  </a:r>
-                  <a:endParaRPr lang="en-US" sz="800" dirty="0">
-                    <a:solidFill>
-                      <a:schemeClr val="tx1"/>
-                    </a:solidFill>
-                  </a:endParaRPr>
-                </a:p>
-              </p:txBody>
-            </p:sp>
-            <p:sp>
-              <p:nvSpPr>
-                <p:cNvPr id="182" name="Rectangle 181">
-                  <a:extLst>
-                    <a:ext uri="{FF2B5EF4-FFF2-40B4-BE49-F238E27FC236}">
-                      <a16:creationId xmlns:a16="http://schemas.microsoft.com/office/drawing/2014/main" id="{9A7C8151-704B-66D2-C1E4-1789B5F173AF}"/>
-                    </a:ext>
-                  </a:extLst>
-                </p:cNvPr>
-                <p:cNvSpPr/>
-                <p:nvPr/>
-              </p:nvSpPr>
-              <p:spPr>
-                <a:xfrm>
-                  <a:off x="4917752" y="2743029"/>
-                  <a:ext cx="917163" cy="246001"/>
-                </a:xfrm>
-                <a:prstGeom prst="rect">
-                  <a:avLst/>
-                </a:prstGeom>
-                <a:noFill/>
-                <a:ln>
-                  <a:noFill/>
-                </a:ln>
-              </p:spPr>
-              <p:style>
-                <a:lnRef idx="2">
-                  <a:schemeClr val="accent1">
-                    <a:shade val="15000"/>
-                  </a:schemeClr>
-                </a:lnRef>
-                <a:fillRef idx="1">
-                  <a:schemeClr val="accent1"/>
-                </a:fillRef>
-                <a:effectRef idx="0">
-                  <a:schemeClr val="accent1"/>
-                </a:effectRef>
-                <a:fontRef idx="minor">
-                  <a:schemeClr val="lt1"/>
-                </a:fontRef>
-              </p:style>
-              <p:txBody>
-                <a:bodyPr rtlCol="0" anchor="ctr"/>
-                <a:lstStyle/>
-                <a:p>
-                  <a:pPr algn="ctr"/>
-                  <a:r>
-                    <a:rPr lang="vi-VN" sz="800" dirty="0">
-                      <a:solidFill>
-                        <a:schemeClr val="tx1"/>
-                      </a:solidFill>
-                    </a:rPr>
-                    <a:t>1.350.000 VND</a:t>
-                  </a:r>
-                  <a:endParaRPr lang="en-US" sz="800" dirty="0">
-                    <a:solidFill>
-                      <a:schemeClr val="tx1"/>
-                    </a:solidFill>
-                  </a:endParaRPr>
-                </a:p>
-              </p:txBody>
-            </p:sp>
-            <p:sp>
-              <p:nvSpPr>
-                <p:cNvPr id="183" name="Rectangle 182">
-                  <a:extLst>
-                    <a:ext uri="{FF2B5EF4-FFF2-40B4-BE49-F238E27FC236}">
-                      <a16:creationId xmlns:a16="http://schemas.microsoft.com/office/drawing/2014/main" id="{6E89818A-6F41-FBD4-BD6B-50A348C3374D}"/>
-                    </a:ext>
-                  </a:extLst>
-                </p:cNvPr>
-                <p:cNvSpPr/>
-                <p:nvPr/>
-              </p:nvSpPr>
-              <p:spPr>
-                <a:xfrm>
-                  <a:off x="5962805" y="2725027"/>
-                  <a:ext cx="246888" cy="246001"/>
-                </a:xfrm>
-                <a:prstGeom prst="rect">
-                  <a:avLst/>
-                </a:prstGeom>
-                <a:noFill/>
-                <a:ln>
-                  <a:solidFill>
-                    <a:schemeClr val="tx1"/>
-                  </a:solidFill>
-                </a:ln>
-              </p:spPr>
-              <p:style>
-                <a:lnRef idx="2">
-                  <a:schemeClr val="accent1">
-                    <a:shade val="15000"/>
-                  </a:schemeClr>
-                </a:lnRef>
-                <a:fillRef idx="1">
-                  <a:schemeClr val="accent1"/>
-                </a:fillRef>
-                <a:effectRef idx="0">
-                  <a:schemeClr val="accent1"/>
-                </a:effectRef>
-                <a:fontRef idx="minor">
-                  <a:schemeClr val="lt1"/>
-                </a:fontRef>
-              </p:style>
-              <p:txBody>
-                <a:bodyPr rtlCol="0" anchor="ctr"/>
-                <a:lstStyle/>
-                <a:p>
-                  <a:pPr algn="ctr"/>
-                  <a:r>
-                    <a:rPr lang="vi-VN" sz="800" dirty="0">
-                      <a:solidFill>
-                        <a:schemeClr val="tx1"/>
-                      </a:solidFill>
-                    </a:rPr>
-                    <a:t>1</a:t>
-                  </a:r>
-                  <a:endParaRPr lang="en-US" sz="800" dirty="0">
-                    <a:solidFill>
-                      <a:schemeClr val="tx1"/>
-                    </a:solidFill>
-                  </a:endParaRPr>
-                </a:p>
-              </p:txBody>
-            </p:sp>
-            <p:sp>
-              <p:nvSpPr>
-                <p:cNvPr id="184" name="Rectangle 183">
-                  <a:extLst>
-                    <a:ext uri="{FF2B5EF4-FFF2-40B4-BE49-F238E27FC236}">
-                      <a16:creationId xmlns:a16="http://schemas.microsoft.com/office/drawing/2014/main" id="{6336B4F5-C024-618A-C4D6-446F0DBAE43A}"/>
-                    </a:ext>
-                  </a:extLst>
-                </p:cNvPr>
-                <p:cNvSpPr/>
-                <p:nvPr/>
-              </p:nvSpPr>
-              <p:spPr>
-                <a:xfrm>
-                  <a:off x="6532582" y="2725026"/>
-                  <a:ext cx="917163" cy="246001"/>
-                </a:xfrm>
-                <a:prstGeom prst="rect">
-                  <a:avLst/>
-                </a:prstGeom>
-                <a:noFill/>
-                <a:ln>
-                  <a:noFill/>
-                </a:ln>
-              </p:spPr>
-              <p:style>
-                <a:lnRef idx="2">
-                  <a:schemeClr val="accent1">
-                    <a:shade val="15000"/>
-                  </a:schemeClr>
-                </a:lnRef>
-                <a:fillRef idx="1">
-                  <a:schemeClr val="accent1"/>
-                </a:fillRef>
-                <a:effectRef idx="0">
-                  <a:schemeClr val="accent1"/>
-                </a:effectRef>
-                <a:fontRef idx="minor">
-                  <a:schemeClr val="lt1"/>
-                </a:fontRef>
-              </p:style>
-              <p:txBody>
-                <a:bodyPr rtlCol="0" anchor="ctr"/>
-                <a:lstStyle/>
-                <a:p>
-                  <a:pPr algn="ctr"/>
-                  <a:r>
-                    <a:rPr lang="vi-VN" sz="800" dirty="0">
-                      <a:solidFill>
-                        <a:schemeClr val="tx1"/>
-                      </a:solidFill>
-                    </a:rPr>
-                    <a:t>1.350.000 VND</a:t>
-                  </a:r>
-                  <a:endParaRPr lang="en-US" sz="800" dirty="0">
-                    <a:solidFill>
-                      <a:schemeClr val="tx1"/>
-                    </a:solidFill>
-                  </a:endParaRPr>
-                </a:p>
-              </p:txBody>
-            </p:sp>
-            <p:sp>
-              <p:nvSpPr>
-                <p:cNvPr id="185" name="Rectangle 184">
-                  <a:extLst>
-                    <a:ext uri="{FF2B5EF4-FFF2-40B4-BE49-F238E27FC236}">
-                      <a16:creationId xmlns:a16="http://schemas.microsoft.com/office/drawing/2014/main" id="{F2102ED9-9887-0172-8E8C-77A1ED99CFE2}"/>
-                    </a:ext>
-                  </a:extLst>
-                </p:cNvPr>
-                <p:cNvSpPr/>
-                <p:nvPr/>
-              </p:nvSpPr>
-              <p:spPr>
-                <a:xfrm>
-                  <a:off x="7430112" y="2728133"/>
-                  <a:ext cx="246888" cy="246001"/>
-                </a:xfrm>
-                <a:prstGeom prst="rect">
-                  <a:avLst/>
-                </a:prstGeom>
-                <a:noFill/>
-                <a:ln>
-                  <a:noFill/>
-                </a:ln>
-              </p:spPr>
-              <p:style>
-                <a:lnRef idx="2">
-                  <a:schemeClr val="accent1">
-                    <a:shade val="15000"/>
-                  </a:schemeClr>
-                </a:lnRef>
-                <a:fillRef idx="1">
-                  <a:schemeClr val="accent1"/>
-                </a:fillRef>
-                <a:effectRef idx="0">
-                  <a:schemeClr val="accent1"/>
-                </a:effectRef>
-                <a:fontRef idx="minor">
-                  <a:schemeClr val="lt1"/>
-                </a:fontRef>
-              </p:style>
-              <p:txBody>
-                <a:bodyPr rtlCol="0" anchor="t" anchorCtr="0"/>
-                <a:lstStyle/>
-                <a:p>
-                  <a:pPr algn="ctr"/>
-                  <a:r>
-                    <a:rPr lang="vi-VN" sz="800" dirty="0">
-                      <a:solidFill>
-                        <a:schemeClr val="tx1"/>
-                      </a:solidFill>
-                    </a:rPr>
-                    <a:t>X</a:t>
-                  </a:r>
-                  <a:endParaRPr lang="en-US" sz="800" dirty="0">
-                    <a:solidFill>
-                      <a:schemeClr val="tx1"/>
-                    </a:solidFill>
-                  </a:endParaRPr>
-                </a:p>
-              </p:txBody>
-            </p:sp>
+            </p:pic>
           </p:grpSp>
-          <p:cxnSp>
-            <p:nvCxnSpPr>
-              <p:cNvPr id="178" name="Straight Connector 177">
+          <p:grpSp>
+            <p:nvGrpSpPr>
+              <p:cNvPr id="148" name="Group 147">
                 <a:extLst>
                   <a:ext uri="{FF2B5EF4-FFF2-40B4-BE49-F238E27FC236}">
-                    <a16:creationId xmlns:a16="http://schemas.microsoft.com/office/drawing/2014/main" id="{08E25A7D-E10D-18EA-07BF-CF1831BB895F}"/>
-                  </a:ext>
-                </a:extLst>
-              </p:cNvPr>
-              <p:cNvCxnSpPr/>
-              <p:nvPr/>
-            </p:nvCxnSpPr>
-            <p:spPr>
-              <a:xfrm>
-                <a:off x="2305049" y="3048747"/>
-                <a:ext cx="5371043" cy="0"/>
-              </a:xfrm>
-              <a:prstGeom prst="line">
-                <a:avLst/>
-              </a:prstGeom>
-              <a:ln w="9525"/>
-            </p:spPr>
-            <p:style>
-              <a:lnRef idx="1">
-                <a:schemeClr val="dk1"/>
-              </a:lnRef>
-              <a:fillRef idx="0">
-                <a:schemeClr val="dk1"/>
-              </a:fillRef>
-              <a:effectRef idx="0">
-                <a:schemeClr val="dk1"/>
-              </a:effectRef>
-              <a:fontRef idx="minor">
-                <a:schemeClr val="tx1"/>
-              </a:fontRef>
-            </p:style>
-          </p:cxnSp>
-        </p:grpSp>
-      </p:grpSp>
-      <p:grpSp>
-        <p:nvGrpSpPr>
-          <p:cNvPr id="188" name="Group 187">
-            <a:extLst>
-              <a:ext uri="{FF2B5EF4-FFF2-40B4-BE49-F238E27FC236}">
-                <a16:creationId xmlns:a16="http://schemas.microsoft.com/office/drawing/2014/main" id="{1F5322D4-F626-00E2-2280-8587EAD2C92B}"/>
-              </a:ext>
-            </a:extLst>
-          </p:cNvPr>
-          <p:cNvGrpSpPr/>
-          <p:nvPr/>
-        </p:nvGrpSpPr>
-        <p:grpSpPr>
-          <a:xfrm>
-            <a:off x="2305049" y="4629742"/>
-            <a:ext cx="5371951" cy="401436"/>
-            <a:chOff x="2305049" y="2647311"/>
-            <a:chExt cx="5371951" cy="401436"/>
-          </a:xfrm>
-        </p:grpSpPr>
-        <p:grpSp>
-          <p:nvGrpSpPr>
-            <p:cNvPr id="189" name="Group 188">
-              <a:extLst>
-                <a:ext uri="{FF2B5EF4-FFF2-40B4-BE49-F238E27FC236}">
-                  <a16:creationId xmlns:a16="http://schemas.microsoft.com/office/drawing/2014/main" id="{5C8F2DB7-1770-999D-97BD-4154CD5CD060}"/>
-                </a:ext>
-              </a:extLst>
-            </p:cNvPr>
-            <p:cNvGrpSpPr>
-              <a:grpSpLocks noChangeAspect="1"/>
-            </p:cNvGrpSpPr>
-            <p:nvPr/>
-          </p:nvGrpSpPr>
-          <p:grpSpPr>
-            <a:xfrm>
-              <a:off x="2663581" y="2647311"/>
-              <a:ext cx="423134" cy="401436"/>
-              <a:chOff x="439337" y="1795464"/>
-              <a:chExt cx="963824" cy="914400"/>
-            </a:xfrm>
-          </p:grpSpPr>
-          <p:sp>
-            <p:nvSpPr>
-              <p:cNvPr id="200" name="Rectangle 199">
-                <a:extLst>
-                  <a:ext uri="{FF2B5EF4-FFF2-40B4-BE49-F238E27FC236}">
-                    <a16:creationId xmlns:a16="http://schemas.microsoft.com/office/drawing/2014/main" id="{B743BD0D-57AB-A552-A0A0-C06C34BB9F2A}"/>
-                  </a:ext>
-                </a:extLst>
-              </p:cNvPr>
-              <p:cNvSpPr/>
-              <p:nvPr/>
-            </p:nvSpPr>
-            <p:spPr>
-              <a:xfrm>
-                <a:off x="439337" y="1882951"/>
-                <a:ext cx="957473" cy="739426"/>
-              </a:xfrm>
-              <a:prstGeom prst="rect">
-                <a:avLst/>
-              </a:prstGeom>
-              <a:noFill/>
-            </p:spPr>
-            <p:style>
-              <a:lnRef idx="2">
-                <a:schemeClr val="accent1">
-                  <a:shade val="15000"/>
-                </a:schemeClr>
-              </a:lnRef>
-              <a:fillRef idx="1">
-                <a:schemeClr val="accent1"/>
-              </a:fillRef>
-              <a:effectRef idx="0">
-                <a:schemeClr val="accent1"/>
-              </a:effectRef>
-              <a:fontRef idx="minor">
-                <a:schemeClr val="lt1"/>
-              </a:fontRef>
-            </p:style>
-            <p:txBody>
-              <a:bodyPr rtlCol="0" anchor="ctr"/>
-              <a:lstStyle/>
-              <a:p>
-                <a:pPr algn="ctr"/>
-                <a:endParaRPr lang="en-US"/>
-              </a:p>
-            </p:txBody>
-          </p:sp>
-          <p:pic>
-            <p:nvPicPr>
-              <p:cNvPr id="201" name="Graphic 200" descr="Boot outline">
-                <a:extLst>
-                  <a:ext uri="{FF2B5EF4-FFF2-40B4-BE49-F238E27FC236}">
-                    <a16:creationId xmlns:a16="http://schemas.microsoft.com/office/drawing/2014/main" id="{FFBEE041-A9A6-B9E5-5717-24465BE4DA9A}"/>
-                  </a:ext>
-                </a:extLst>
-              </p:cNvPr>
-              <p:cNvPicPr>
-                <a:picLocks noChangeAspect="1"/>
-              </p:cNvPicPr>
-              <p:nvPr/>
-            </p:nvPicPr>
-            <p:blipFill>
-              <a:blip r:embed="rId8">
-                <a:extLst>
-                  <a:ext uri="{28A0092B-C50C-407E-A947-70E740481C1C}">
-                    <a14:useLocalDpi xmlns:a14="http://schemas.microsoft.com/office/drawing/2010/main" val="0"/>
-                  </a:ext>
-                  <a:ext uri="{96DAC541-7B7A-43D3-8B79-37D633B846F1}">
-                    <asvg:svgBlip xmlns:asvg="http://schemas.microsoft.com/office/drawing/2016/SVG/main" r:embed="rId9"/>
-                  </a:ext>
-                </a:extLst>
-              </a:blip>
-              <a:stretch>
-                <a:fillRect/>
-              </a:stretch>
-            </p:blipFill>
-            <p:spPr>
-              <a:xfrm>
-                <a:off x="488761" y="1795464"/>
-                <a:ext cx="914400" cy="914400"/>
-              </a:xfrm>
-              <a:prstGeom prst="rect">
-                <a:avLst/>
-              </a:prstGeom>
-            </p:spPr>
-          </p:pic>
-        </p:grpSp>
-        <p:grpSp>
-          <p:nvGrpSpPr>
-            <p:cNvPr id="190" name="Group 189">
-              <a:extLst>
-                <a:ext uri="{FF2B5EF4-FFF2-40B4-BE49-F238E27FC236}">
-                  <a16:creationId xmlns:a16="http://schemas.microsoft.com/office/drawing/2014/main" id="{0382C413-66B5-DF76-7C1C-43185B297BD1}"/>
-                </a:ext>
-              </a:extLst>
-            </p:cNvPr>
-            <p:cNvGrpSpPr/>
-            <p:nvPr/>
-          </p:nvGrpSpPr>
-          <p:grpSpPr>
-            <a:xfrm>
-              <a:off x="2305049" y="2725026"/>
-              <a:ext cx="5371951" cy="323721"/>
-              <a:chOff x="2305049" y="2725026"/>
-              <a:chExt cx="5371951" cy="323721"/>
-            </a:xfrm>
-          </p:grpSpPr>
-          <p:grpSp>
-            <p:nvGrpSpPr>
-              <p:cNvPr id="191" name="Group 190">
-                <a:extLst>
-                  <a:ext uri="{FF2B5EF4-FFF2-40B4-BE49-F238E27FC236}">
-                    <a16:creationId xmlns:a16="http://schemas.microsoft.com/office/drawing/2014/main" id="{593C1742-972F-8ACA-AD64-950103F6E986}"/>
+                    <a16:creationId xmlns:a16="http://schemas.microsoft.com/office/drawing/2014/main" id="{B721F954-87E0-8E98-F37A-F4E6CB449C78}"/>
                   </a:ext>
                 </a:extLst>
               </p:cNvPr>
@@ -32440,17 +30508,554 @@
             <p:grpSpPr>
               <a:xfrm>
                 <a:off x="2305049" y="2725026"/>
-                <a:ext cx="5371951" cy="264004"/>
+                <a:ext cx="5371951" cy="323721"/>
                 <a:chOff x="2305049" y="2725026"/>
-                <a:chExt cx="5371951" cy="264004"/>
+                <a:chExt cx="5371951" cy="323721"/>
+              </a:xfrm>
+            </p:grpSpPr>
+            <p:grpSp>
+              <p:nvGrpSpPr>
+                <p:cNvPr id="149" name="Group 148">
+                  <a:extLst>
+                    <a:ext uri="{FF2B5EF4-FFF2-40B4-BE49-F238E27FC236}">
+                      <a16:creationId xmlns:a16="http://schemas.microsoft.com/office/drawing/2014/main" id="{2041262B-9F2C-1D58-360E-E9C0EAD31337}"/>
+                    </a:ext>
+                  </a:extLst>
+                </p:cNvPr>
+                <p:cNvGrpSpPr/>
+                <p:nvPr/>
+              </p:nvGrpSpPr>
+              <p:grpSpPr>
+                <a:xfrm>
+                  <a:off x="2305049" y="2725026"/>
+                  <a:ext cx="5371951" cy="264004"/>
+                  <a:chOff x="2305049" y="2725026"/>
+                  <a:chExt cx="5371951" cy="264004"/>
+                </a:xfrm>
+              </p:grpSpPr>
+              <p:sp>
+                <p:nvSpPr>
+                  <p:cNvPr id="151" name="Rectangle 150">
+                    <a:extLst>
+                      <a:ext uri="{FF2B5EF4-FFF2-40B4-BE49-F238E27FC236}">
+                        <a16:creationId xmlns:a16="http://schemas.microsoft.com/office/drawing/2014/main" id="{7CC5536C-ADFC-E543-7576-5F4FA9A7B642}"/>
+                      </a:ext>
+                    </a:extLst>
+                  </p:cNvPr>
+                  <p:cNvSpPr/>
+                  <p:nvPr/>
+                </p:nvSpPr>
+                <p:spPr>
+                  <a:xfrm>
+                    <a:off x="2305049" y="2802309"/>
+                    <a:ext cx="91440" cy="91440"/>
+                  </a:xfrm>
+                  <a:prstGeom prst="rect">
+                    <a:avLst/>
+                  </a:prstGeom>
+                  <a:noFill/>
+                  <a:ln>
+                    <a:solidFill>
+                      <a:schemeClr val="tx1"/>
+                    </a:solidFill>
+                  </a:ln>
+                </p:spPr>
+                <p:style>
+                  <a:lnRef idx="2">
+                    <a:schemeClr val="accent1">
+                      <a:shade val="15000"/>
+                    </a:schemeClr>
+                  </a:lnRef>
+                  <a:fillRef idx="1">
+                    <a:schemeClr val="accent1"/>
+                  </a:fillRef>
+                  <a:effectRef idx="0">
+                    <a:schemeClr val="accent1"/>
+                  </a:effectRef>
+                  <a:fontRef idx="minor">
+                    <a:schemeClr val="lt1"/>
+                  </a:fontRef>
+                </p:style>
+                <p:txBody>
+                  <a:bodyPr rtlCol="0" anchor="ctr"/>
+                  <a:lstStyle/>
+                  <a:p>
+                    <a:pPr algn="ctr"/>
+                    <a:endParaRPr lang="en-US"/>
+                  </a:p>
+                </p:txBody>
+              </p:sp>
+              <p:sp>
+                <p:nvSpPr>
+                  <p:cNvPr id="152" name="Rectangle 151">
+                    <a:extLst>
+                      <a:ext uri="{FF2B5EF4-FFF2-40B4-BE49-F238E27FC236}">
+                        <a16:creationId xmlns:a16="http://schemas.microsoft.com/office/drawing/2014/main" id="{5882194C-8805-B876-FEF7-351E485B3493}"/>
+                      </a:ext>
+                    </a:extLst>
+                  </p:cNvPr>
+                  <p:cNvSpPr/>
+                  <p:nvPr/>
+                </p:nvSpPr>
+                <p:spPr>
+                  <a:xfrm>
+                    <a:off x="3083926" y="2743029"/>
+                    <a:ext cx="1430923" cy="246001"/>
+                  </a:xfrm>
+                  <a:prstGeom prst="rect">
+                    <a:avLst/>
+                  </a:prstGeom>
+                  <a:noFill/>
+                  <a:ln>
+                    <a:noFill/>
+                  </a:ln>
+                </p:spPr>
+                <p:style>
+                  <a:lnRef idx="2">
+                    <a:schemeClr val="accent1">
+                      <a:shade val="15000"/>
+                    </a:schemeClr>
+                  </a:lnRef>
+                  <a:fillRef idx="1">
+                    <a:schemeClr val="accent1"/>
+                  </a:fillRef>
+                  <a:effectRef idx="0">
+                    <a:schemeClr val="accent1"/>
+                  </a:effectRef>
+                  <a:fontRef idx="minor">
+                    <a:schemeClr val="lt1"/>
+                  </a:fontRef>
+                </p:style>
+                <p:txBody>
+                  <a:bodyPr rtlCol="0" anchor="ctr"/>
+                  <a:lstStyle/>
+                  <a:p>
+                    <a:pPr algn="ctr"/>
+                    <a:r>
+                      <a:rPr lang="vi-VN" sz="800" dirty="0">
+                        <a:solidFill>
+                          <a:schemeClr val="tx1"/>
+                        </a:solidFill>
+                      </a:rPr>
+                      <a:t>Giày DEF model OXY</a:t>
+                    </a:r>
+                    <a:endParaRPr lang="en-US" sz="800" dirty="0">
+                      <a:solidFill>
+                        <a:schemeClr val="tx1"/>
+                      </a:solidFill>
+                    </a:endParaRPr>
+                  </a:p>
+                </p:txBody>
+              </p:sp>
+              <p:sp>
+                <p:nvSpPr>
+                  <p:cNvPr id="153" name="Rectangle 152">
+                    <a:extLst>
+                      <a:ext uri="{FF2B5EF4-FFF2-40B4-BE49-F238E27FC236}">
+                        <a16:creationId xmlns:a16="http://schemas.microsoft.com/office/drawing/2014/main" id="{1C527ABF-877A-7D20-2583-A16ABA1F45CB}"/>
+                      </a:ext>
+                    </a:extLst>
+                  </p:cNvPr>
+                  <p:cNvSpPr/>
+                  <p:nvPr/>
+                </p:nvSpPr>
+                <p:spPr>
+                  <a:xfrm>
+                    <a:off x="4494808" y="2725028"/>
+                    <a:ext cx="397482" cy="246001"/>
+                  </a:xfrm>
+                  <a:prstGeom prst="rect">
+                    <a:avLst/>
+                  </a:prstGeom>
+                  <a:noFill/>
+                  <a:ln>
+                    <a:solidFill>
+                      <a:schemeClr val="tx1"/>
+                    </a:solidFill>
+                  </a:ln>
+                </p:spPr>
+                <p:style>
+                  <a:lnRef idx="2">
+                    <a:schemeClr val="accent1">
+                      <a:shade val="15000"/>
+                    </a:schemeClr>
+                  </a:lnRef>
+                  <a:fillRef idx="1">
+                    <a:schemeClr val="accent1"/>
+                  </a:fillRef>
+                  <a:effectRef idx="0">
+                    <a:schemeClr val="accent1"/>
+                  </a:effectRef>
+                  <a:fontRef idx="minor">
+                    <a:schemeClr val="lt1"/>
+                  </a:fontRef>
+                </p:style>
+                <p:txBody>
+                  <a:bodyPr rtlCol="0" anchor="ctr"/>
+                  <a:lstStyle/>
+                  <a:p>
+                    <a:r>
+                      <a:rPr lang="vi-VN" sz="800" dirty="0">
+                        <a:solidFill>
+                          <a:schemeClr val="tx1"/>
+                        </a:solidFill>
+                      </a:rPr>
+                      <a:t>37 </a:t>
+                    </a:r>
+                    <a:r>
+                      <a:rPr lang="vi-VN" sz="700" dirty="0">
+                        <a:solidFill>
+                          <a:schemeClr val="tx1"/>
+                        </a:solidFill>
+                      </a:rPr>
+                      <a:t>v</a:t>
+                    </a:r>
+                    <a:endParaRPr lang="en-US" sz="800" dirty="0">
+                      <a:solidFill>
+                        <a:schemeClr val="tx1"/>
+                      </a:solidFill>
+                    </a:endParaRPr>
+                  </a:p>
+                </p:txBody>
+              </p:sp>
+              <p:sp>
+                <p:nvSpPr>
+                  <p:cNvPr id="154" name="Rectangle 153">
+                    <a:extLst>
+                      <a:ext uri="{FF2B5EF4-FFF2-40B4-BE49-F238E27FC236}">
+                        <a16:creationId xmlns:a16="http://schemas.microsoft.com/office/drawing/2014/main" id="{D0301B09-32BA-8F2F-577F-D60BD0D686BF}"/>
+                      </a:ext>
+                    </a:extLst>
+                  </p:cNvPr>
+                  <p:cNvSpPr/>
+                  <p:nvPr/>
+                </p:nvSpPr>
+                <p:spPr>
+                  <a:xfrm>
+                    <a:off x="4917752" y="2743029"/>
+                    <a:ext cx="917163" cy="246001"/>
+                  </a:xfrm>
+                  <a:prstGeom prst="rect">
+                    <a:avLst/>
+                  </a:prstGeom>
+                  <a:noFill/>
+                  <a:ln>
+                    <a:noFill/>
+                  </a:ln>
+                </p:spPr>
+                <p:style>
+                  <a:lnRef idx="2">
+                    <a:schemeClr val="accent1">
+                      <a:shade val="15000"/>
+                    </a:schemeClr>
+                  </a:lnRef>
+                  <a:fillRef idx="1">
+                    <a:schemeClr val="accent1"/>
+                  </a:fillRef>
+                  <a:effectRef idx="0">
+                    <a:schemeClr val="accent1"/>
+                  </a:effectRef>
+                  <a:fontRef idx="minor">
+                    <a:schemeClr val="lt1"/>
+                  </a:fontRef>
+                </p:style>
+                <p:txBody>
+                  <a:bodyPr rtlCol="0" anchor="ctr"/>
+                  <a:lstStyle/>
+                  <a:p>
+                    <a:pPr algn="ctr"/>
+                    <a:r>
+                      <a:rPr lang="vi-VN" sz="800" dirty="0">
+                        <a:solidFill>
+                          <a:schemeClr val="tx1"/>
+                        </a:solidFill>
+                      </a:rPr>
+                      <a:t>1.350.000 VND</a:t>
+                    </a:r>
+                    <a:endParaRPr lang="en-US" sz="800" dirty="0">
+                      <a:solidFill>
+                        <a:schemeClr val="tx1"/>
+                      </a:solidFill>
+                    </a:endParaRPr>
+                  </a:p>
+                </p:txBody>
+              </p:sp>
+              <p:sp>
+                <p:nvSpPr>
+                  <p:cNvPr id="155" name="Rectangle 154">
+                    <a:extLst>
+                      <a:ext uri="{FF2B5EF4-FFF2-40B4-BE49-F238E27FC236}">
+                        <a16:creationId xmlns:a16="http://schemas.microsoft.com/office/drawing/2014/main" id="{BBF5F119-9504-8C0E-2BE0-907FDBA6D8A8}"/>
+                      </a:ext>
+                    </a:extLst>
+                  </p:cNvPr>
+                  <p:cNvSpPr/>
+                  <p:nvPr/>
+                </p:nvSpPr>
+                <p:spPr>
+                  <a:xfrm>
+                    <a:off x="5962805" y="2725027"/>
+                    <a:ext cx="246888" cy="246001"/>
+                  </a:xfrm>
+                  <a:prstGeom prst="rect">
+                    <a:avLst/>
+                  </a:prstGeom>
+                  <a:noFill/>
+                  <a:ln>
+                    <a:solidFill>
+                      <a:schemeClr val="tx1"/>
+                    </a:solidFill>
+                  </a:ln>
+                </p:spPr>
+                <p:style>
+                  <a:lnRef idx="2">
+                    <a:schemeClr val="accent1">
+                      <a:shade val="15000"/>
+                    </a:schemeClr>
+                  </a:lnRef>
+                  <a:fillRef idx="1">
+                    <a:schemeClr val="accent1"/>
+                  </a:fillRef>
+                  <a:effectRef idx="0">
+                    <a:schemeClr val="accent1"/>
+                  </a:effectRef>
+                  <a:fontRef idx="minor">
+                    <a:schemeClr val="lt1"/>
+                  </a:fontRef>
+                </p:style>
+                <p:txBody>
+                  <a:bodyPr rtlCol="0" anchor="ctr"/>
+                  <a:lstStyle/>
+                  <a:p>
+                    <a:pPr algn="ctr"/>
+                    <a:r>
+                      <a:rPr lang="vi-VN" sz="800" dirty="0">
+                        <a:solidFill>
+                          <a:schemeClr val="tx1"/>
+                        </a:solidFill>
+                      </a:rPr>
+                      <a:t>2</a:t>
+                    </a:r>
+                    <a:endParaRPr lang="en-US" sz="800" dirty="0">
+                      <a:solidFill>
+                        <a:schemeClr val="tx1"/>
+                      </a:solidFill>
+                    </a:endParaRPr>
+                  </a:p>
+                </p:txBody>
+              </p:sp>
+              <p:sp>
+                <p:nvSpPr>
+                  <p:cNvPr id="156" name="Rectangle 155">
+                    <a:extLst>
+                      <a:ext uri="{FF2B5EF4-FFF2-40B4-BE49-F238E27FC236}">
+                        <a16:creationId xmlns:a16="http://schemas.microsoft.com/office/drawing/2014/main" id="{CD77BED7-6EB5-BD07-0270-3786C86B1E74}"/>
+                      </a:ext>
+                    </a:extLst>
+                  </p:cNvPr>
+                  <p:cNvSpPr/>
+                  <p:nvPr/>
+                </p:nvSpPr>
+                <p:spPr>
+                  <a:xfrm>
+                    <a:off x="6532582" y="2725026"/>
+                    <a:ext cx="917163" cy="246001"/>
+                  </a:xfrm>
+                  <a:prstGeom prst="rect">
+                    <a:avLst/>
+                  </a:prstGeom>
+                  <a:noFill/>
+                  <a:ln>
+                    <a:noFill/>
+                  </a:ln>
+                </p:spPr>
+                <p:style>
+                  <a:lnRef idx="2">
+                    <a:schemeClr val="accent1">
+                      <a:shade val="15000"/>
+                    </a:schemeClr>
+                  </a:lnRef>
+                  <a:fillRef idx="1">
+                    <a:schemeClr val="accent1"/>
+                  </a:fillRef>
+                  <a:effectRef idx="0">
+                    <a:schemeClr val="accent1"/>
+                  </a:effectRef>
+                  <a:fontRef idx="minor">
+                    <a:schemeClr val="lt1"/>
+                  </a:fontRef>
+                </p:style>
+                <p:txBody>
+                  <a:bodyPr rtlCol="0" anchor="ctr"/>
+                  <a:lstStyle/>
+                  <a:p>
+                    <a:pPr algn="ctr"/>
+                    <a:r>
+                      <a:rPr lang="vi-VN" sz="800" dirty="0">
+                        <a:solidFill>
+                          <a:schemeClr val="tx1"/>
+                        </a:solidFill>
+                      </a:rPr>
+                      <a:t>2.700.000 VND</a:t>
+                    </a:r>
+                    <a:endParaRPr lang="en-US" sz="800" dirty="0">
+                      <a:solidFill>
+                        <a:schemeClr val="tx1"/>
+                      </a:solidFill>
+                    </a:endParaRPr>
+                  </a:p>
+                </p:txBody>
+              </p:sp>
+              <p:sp>
+                <p:nvSpPr>
+                  <p:cNvPr id="157" name="Rectangle 156">
+                    <a:extLst>
+                      <a:ext uri="{FF2B5EF4-FFF2-40B4-BE49-F238E27FC236}">
+                        <a16:creationId xmlns:a16="http://schemas.microsoft.com/office/drawing/2014/main" id="{FDD5B5BB-F20D-9CEE-3F8F-2E43BA88A997}"/>
+                      </a:ext>
+                    </a:extLst>
+                  </p:cNvPr>
+                  <p:cNvSpPr/>
+                  <p:nvPr/>
+                </p:nvSpPr>
+                <p:spPr>
+                  <a:xfrm>
+                    <a:off x="7430112" y="2728133"/>
+                    <a:ext cx="246888" cy="246001"/>
+                  </a:xfrm>
+                  <a:prstGeom prst="rect">
+                    <a:avLst/>
+                  </a:prstGeom>
+                  <a:noFill/>
+                  <a:ln>
+                    <a:noFill/>
+                  </a:ln>
+                </p:spPr>
+                <p:style>
+                  <a:lnRef idx="2">
+                    <a:schemeClr val="accent1">
+                      <a:shade val="15000"/>
+                    </a:schemeClr>
+                  </a:lnRef>
+                  <a:fillRef idx="1">
+                    <a:schemeClr val="accent1"/>
+                  </a:fillRef>
+                  <a:effectRef idx="0">
+                    <a:schemeClr val="accent1"/>
+                  </a:effectRef>
+                  <a:fontRef idx="minor">
+                    <a:schemeClr val="lt1"/>
+                  </a:fontRef>
+                </p:style>
+                <p:txBody>
+                  <a:bodyPr rtlCol="0" anchor="t" anchorCtr="0"/>
+                  <a:lstStyle/>
+                  <a:p>
+                    <a:pPr algn="ctr"/>
+                    <a:r>
+                      <a:rPr lang="vi-VN" sz="800" dirty="0">
+                        <a:solidFill>
+                          <a:schemeClr val="tx1"/>
+                        </a:solidFill>
+                      </a:rPr>
+                      <a:t>X</a:t>
+                    </a:r>
+                    <a:endParaRPr lang="en-US" sz="800" dirty="0">
+                      <a:solidFill>
+                        <a:schemeClr val="tx1"/>
+                      </a:solidFill>
+                    </a:endParaRPr>
+                  </a:p>
+                </p:txBody>
+              </p:sp>
+            </p:grpSp>
+            <p:cxnSp>
+              <p:nvCxnSpPr>
+                <p:cNvPr id="150" name="Straight Connector 149">
+                  <a:extLst>
+                    <a:ext uri="{FF2B5EF4-FFF2-40B4-BE49-F238E27FC236}">
+                      <a16:creationId xmlns:a16="http://schemas.microsoft.com/office/drawing/2014/main" id="{5B808A05-661E-8B70-E47C-B6D638997600}"/>
+                    </a:ext>
+                  </a:extLst>
+                </p:cNvPr>
+                <p:cNvCxnSpPr/>
+                <p:nvPr/>
+              </p:nvCxnSpPr>
+              <p:spPr>
+                <a:xfrm>
+                  <a:off x="2305049" y="3048747"/>
+                  <a:ext cx="5371043" cy="0"/>
+                </a:xfrm>
+                <a:prstGeom prst="line">
+                  <a:avLst/>
+                </a:prstGeom>
+                <a:ln w="9525"/>
+              </p:spPr>
+              <p:style>
+                <a:lnRef idx="1">
+                  <a:schemeClr val="dk1"/>
+                </a:lnRef>
+                <a:fillRef idx="0">
+                  <a:schemeClr val="dk1"/>
+                </a:fillRef>
+                <a:effectRef idx="0">
+                  <a:schemeClr val="dk1"/>
+                </a:effectRef>
+                <a:fontRef idx="minor">
+                  <a:schemeClr val="tx1"/>
+                </a:fontRef>
+              </p:style>
+            </p:cxnSp>
+          </p:grpSp>
+        </p:grpSp>
+        <p:grpSp>
+          <p:nvGrpSpPr>
+            <p:cNvPr id="160" name="Group 159">
+              <a:extLst>
+                <a:ext uri="{FF2B5EF4-FFF2-40B4-BE49-F238E27FC236}">
+                  <a16:creationId xmlns:a16="http://schemas.microsoft.com/office/drawing/2014/main" id="{853CDD9A-7D00-59DD-4AC5-F5A89F103240}"/>
+                </a:ext>
+              </a:extLst>
+            </p:cNvPr>
+            <p:cNvGrpSpPr/>
+            <p:nvPr/>
+          </p:nvGrpSpPr>
+          <p:grpSpPr>
+            <a:xfrm>
+              <a:off x="2305049" y="3637824"/>
+              <a:ext cx="5371951" cy="401436"/>
+              <a:chOff x="2305049" y="2647311"/>
+              <a:chExt cx="5371951" cy="401436"/>
+            </a:xfrm>
+          </p:grpSpPr>
+          <p:grpSp>
+            <p:nvGrpSpPr>
+              <p:cNvPr id="161" name="Group 160">
+                <a:extLst>
+                  <a:ext uri="{FF2B5EF4-FFF2-40B4-BE49-F238E27FC236}">
+                    <a16:creationId xmlns:a16="http://schemas.microsoft.com/office/drawing/2014/main" id="{14BAA2BB-B4C0-BE13-0486-1F00B9F6DCA4}"/>
+                  </a:ext>
+                </a:extLst>
+              </p:cNvPr>
+              <p:cNvGrpSpPr>
+                <a:grpSpLocks noChangeAspect="1"/>
+              </p:cNvGrpSpPr>
+              <p:nvPr/>
+            </p:nvGrpSpPr>
+            <p:grpSpPr>
+              <a:xfrm>
+                <a:off x="2663581" y="2647311"/>
+                <a:ext cx="423134" cy="401436"/>
+                <a:chOff x="439337" y="1795464"/>
+                <a:chExt cx="963824" cy="914400"/>
               </a:xfrm>
             </p:grpSpPr>
             <p:sp>
               <p:nvSpPr>
-                <p:cNvPr id="193" name="Rectangle 192">
+                <p:cNvPr id="172" name="Rectangle 171">
                   <a:extLst>
                     <a:ext uri="{FF2B5EF4-FFF2-40B4-BE49-F238E27FC236}">
-                      <a16:creationId xmlns:a16="http://schemas.microsoft.com/office/drawing/2014/main" id="{A8B6FA16-BA36-B38B-D259-902A81380B06}"/>
+                      <a16:creationId xmlns:a16="http://schemas.microsoft.com/office/drawing/2014/main" id="{2B513E4B-8939-A671-A718-D862EAB78CFB}"/>
                     </a:ext>
                   </a:extLst>
                 </p:cNvPr>
@@ -32459,18 +31064,13 @@
               </p:nvSpPr>
               <p:spPr>
                 <a:xfrm>
-                  <a:off x="2305049" y="2802309"/>
-                  <a:ext cx="91440" cy="91440"/>
+                  <a:off x="439337" y="1882951"/>
+                  <a:ext cx="957473" cy="739426"/>
                 </a:xfrm>
                 <a:prstGeom prst="rect">
                   <a:avLst/>
                 </a:prstGeom>
                 <a:noFill/>
-                <a:ln>
-                  <a:solidFill>
-                    <a:schemeClr val="tx1"/>
-                  </a:solidFill>
-                </a:ln>
               </p:spPr>
               <p:style>
                 <a:lnRef idx="2">
@@ -32497,12 +31097,609 @@
                 </a:p>
               </p:txBody>
             </p:sp>
+            <p:pic>
+              <p:nvPicPr>
+                <p:cNvPr id="173" name="Graphic 172" descr="Boot outline">
+                  <a:extLst>
+                    <a:ext uri="{FF2B5EF4-FFF2-40B4-BE49-F238E27FC236}">
+                      <a16:creationId xmlns:a16="http://schemas.microsoft.com/office/drawing/2014/main" id="{0E1FD7EB-A5AE-3513-FD06-6085F82E3291}"/>
+                    </a:ext>
+                  </a:extLst>
+                </p:cNvPr>
+                <p:cNvPicPr>
+                  <a:picLocks noChangeAspect="1"/>
+                </p:cNvPicPr>
+                <p:nvPr/>
+              </p:nvPicPr>
+              <p:blipFill>
+                <a:blip r:embed="rId8">
+                  <a:extLst>
+                    <a:ext uri="{28A0092B-C50C-407E-A947-70E740481C1C}">
+                      <a14:useLocalDpi xmlns:a14="http://schemas.microsoft.com/office/drawing/2010/main" val="0"/>
+                    </a:ext>
+                    <a:ext uri="{96DAC541-7B7A-43D3-8B79-37D633B846F1}">
+                      <asvg:svgBlip xmlns:asvg="http://schemas.microsoft.com/office/drawing/2016/SVG/main" r:embed="rId9"/>
+                    </a:ext>
+                  </a:extLst>
+                </a:blip>
+                <a:stretch>
+                  <a:fillRect/>
+                </a:stretch>
+              </p:blipFill>
+              <p:spPr>
+                <a:xfrm>
+                  <a:off x="488761" y="1795464"/>
+                  <a:ext cx="914400" cy="914400"/>
+                </a:xfrm>
+                <a:prstGeom prst="rect">
+                  <a:avLst/>
+                </a:prstGeom>
+              </p:spPr>
+            </p:pic>
+          </p:grpSp>
+          <p:grpSp>
+            <p:nvGrpSpPr>
+              <p:cNvPr id="162" name="Group 161">
+                <a:extLst>
+                  <a:ext uri="{FF2B5EF4-FFF2-40B4-BE49-F238E27FC236}">
+                    <a16:creationId xmlns:a16="http://schemas.microsoft.com/office/drawing/2014/main" id="{4A6A57D6-E0F1-DFF3-07E0-BBA076BF8791}"/>
+                  </a:ext>
+                </a:extLst>
+              </p:cNvPr>
+              <p:cNvGrpSpPr/>
+              <p:nvPr/>
+            </p:nvGrpSpPr>
+            <p:grpSpPr>
+              <a:xfrm>
+                <a:off x="2305049" y="2725026"/>
+                <a:ext cx="5371951" cy="323721"/>
+                <a:chOff x="2305049" y="2725026"/>
+                <a:chExt cx="5371951" cy="323721"/>
+              </a:xfrm>
+            </p:grpSpPr>
+            <p:grpSp>
+              <p:nvGrpSpPr>
+                <p:cNvPr id="163" name="Group 162">
+                  <a:extLst>
+                    <a:ext uri="{FF2B5EF4-FFF2-40B4-BE49-F238E27FC236}">
+                      <a16:creationId xmlns:a16="http://schemas.microsoft.com/office/drawing/2014/main" id="{6868197E-F41E-498D-7781-7B9F0EE3E1AC}"/>
+                    </a:ext>
+                  </a:extLst>
+                </p:cNvPr>
+                <p:cNvGrpSpPr/>
+                <p:nvPr/>
+              </p:nvGrpSpPr>
+              <p:grpSpPr>
+                <a:xfrm>
+                  <a:off x="2305049" y="2725026"/>
+                  <a:ext cx="5371951" cy="264004"/>
+                  <a:chOff x="2305049" y="2725026"/>
+                  <a:chExt cx="5371951" cy="264004"/>
+                </a:xfrm>
+              </p:grpSpPr>
+              <p:sp>
+                <p:nvSpPr>
+                  <p:cNvPr id="165" name="Rectangle 164">
+                    <a:extLst>
+                      <a:ext uri="{FF2B5EF4-FFF2-40B4-BE49-F238E27FC236}">
+                        <a16:creationId xmlns:a16="http://schemas.microsoft.com/office/drawing/2014/main" id="{E1F74072-1207-F67C-F646-AFACB7729255}"/>
+                      </a:ext>
+                    </a:extLst>
+                  </p:cNvPr>
+                  <p:cNvSpPr/>
+                  <p:nvPr/>
+                </p:nvSpPr>
+                <p:spPr>
+                  <a:xfrm>
+                    <a:off x="2305049" y="2802309"/>
+                    <a:ext cx="91440" cy="91440"/>
+                  </a:xfrm>
+                  <a:prstGeom prst="rect">
+                    <a:avLst/>
+                  </a:prstGeom>
+                  <a:noFill/>
+                  <a:ln>
+                    <a:solidFill>
+                      <a:schemeClr val="tx1"/>
+                    </a:solidFill>
+                  </a:ln>
+                </p:spPr>
+                <p:style>
+                  <a:lnRef idx="2">
+                    <a:schemeClr val="accent1">
+                      <a:shade val="15000"/>
+                    </a:schemeClr>
+                  </a:lnRef>
+                  <a:fillRef idx="1">
+                    <a:schemeClr val="accent1"/>
+                  </a:fillRef>
+                  <a:effectRef idx="0">
+                    <a:schemeClr val="accent1"/>
+                  </a:effectRef>
+                  <a:fontRef idx="minor">
+                    <a:schemeClr val="lt1"/>
+                  </a:fontRef>
+                </p:style>
+                <p:txBody>
+                  <a:bodyPr rtlCol="0" anchor="ctr"/>
+                  <a:lstStyle/>
+                  <a:p>
+                    <a:pPr algn="ctr"/>
+                    <a:endParaRPr lang="en-US" dirty="0"/>
+                  </a:p>
+                </p:txBody>
+              </p:sp>
+              <p:sp>
+                <p:nvSpPr>
+                  <p:cNvPr id="166" name="Rectangle 165">
+                    <a:extLst>
+                      <a:ext uri="{FF2B5EF4-FFF2-40B4-BE49-F238E27FC236}">
+                        <a16:creationId xmlns:a16="http://schemas.microsoft.com/office/drawing/2014/main" id="{C98ED084-EDB0-110C-E5D7-F57261290E43}"/>
+                      </a:ext>
+                    </a:extLst>
+                  </p:cNvPr>
+                  <p:cNvSpPr/>
+                  <p:nvPr/>
+                </p:nvSpPr>
+                <p:spPr>
+                  <a:xfrm>
+                    <a:off x="3083926" y="2743029"/>
+                    <a:ext cx="1430923" cy="246001"/>
+                  </a:xfrm>
+                  <a:prstGeom prst="rect">
+                    <a:avLst/>
+                  </a:prstGeom>
+                  <a:noFill/>
+                  <a:ln>
+                    <a:noFill/>
+                  </a:ln>
+                </p:spPr>
+                <p:style>
+                  <a:lnRef idx="2">
+                    <a:schemeClr val="accent1">
+                      <a:shade val="15000"/>
+                    </a:schemeClr>
+                  </a:lnRef>
+                  <a:fillRef idx="1">
+                    <a:schemeClr val="accent1"/>
+                  </a:fillRef>
+                  <a:effectRef idx="0">
+                    <a:schemeClr val="accent1"/>
+                  </a:effectRef>
+                  <a:fontRef idx="minor">
+                    <a:schemeClr val="lt1"/>
+                  </a:fontRef>
+                </p:style>
+                <p:txBody>
+                  <a:bodyPr rtlCol="0" anchor="ctr"/>
+                  <a:lstStyle/>
+                  <a:p>
+                    <a:pPr algn="ctr"/>
+                    <a:r>
+                      <a:rPr lang="vi-VN" sz="800" dirty="0">
+                        <a:solidFill>
+                          <a:schemeClr val="tx1"/>
+                        </a:solidFill>
+                      </a:rPr>
+                      <a:t>Giày ABC model XYZ</a:t>
+                    </a:r>
+                    <a:endParaRPr lang="en-US" sz="800" dirty="0">
+                      <a:solidFill>
+                        <a:schemeClr val="tx1"/>
+                      </a:solidFill>
+                    </a:endParaRPr>
+                  </a:p>
+                </p:txBody>
+              </p:sp>
+              <p:sp>
+                <p:nvSpPr>
+                  <p:cNvPr id="167" name="Rectangle 166">
+                    <a:extLst>
+                      <a:ext uri="{FF2B5EF4-FFF2-40B4-BE49-F238E27FC236}">
+                        <a16:creationId xmlns:a16="http://schemas.microsoft.com/office/drawing/2014/main" id="{8BBDBE05-825D-20D9-E0B7-6B7C56C02727}"/>
+                      </a:ext>
+                    </a:extLst>
+                  </p:cNvPr>
+                  <p:cNvSpPr/>
+                  <p:nvPr/>
+                </p:nvSpPr>
+                <p:spPr>
+                  <a:xfrm>
+                    <a:off x="4494808" y="2725028"/>
+                    <a:ext cx="397482" cy="246001"/>
+                  </a:xfrm>
+                  <a:prstGeom prst="rect">
+                    <a:avLst/>
+                  </a:prstGeom>
+                  <a:noFill/>
+                  <a:ln>
+                    <a:solidFill>
+                      <a:schemeClr val="tx1"/>
+                    </a:solidFill>
+                  </a:ln>
+                </p:spPr>
+                <p:style>
+                  <a:lnRef idx="2">
+                    <a:schemeClr val="accent1">
+                      <a:shade val="15000"/>
+                    </a:schemeClr>
+                  </a:lnRef>
+                  <a:fillRef idx="1">
+                    <a:schemeClr val="accent1"/>
+                  </a:fillRef>
+                  <a:effectRef idx="0">
+                    <a:schemeClr val="accent1"/>
+                  </a:effectRef>
+                  <a:fontRef idx="minor">
+                    <a:schemeClr val="lt1"/>
+                  </a:fontRef>
+                </p:style>
+                <p:txBody>
+                  <a:bodyPr rtlCol="0" anchor="ctr"/>
+                  <a:lstStyle/>
+                  <a:p>
+                    <a:r>
+                      <a:rPr lang="vi-VN" sz="800" dirty="0">
+                        <a:solidFill>
+                          <a:schemeClr val="tx1"/>
+                        </a:solidFill>
+                      </a:rPr>
+                      <a:t>37 </a:t>
+                    </a:r>
+                    <a:r>
+                      <a:rPr lang="vi-VN" sz="700" dirty="0">
+                        <a:solidFill>
+                          <a:schemeClr val="tx1"/>
+                        </a:solidFill>
+                      </a:rPr>
+                      <a:t>v</a:t>
+                    </a:r>
+                    <a:endParaRPr lang="en-US" sz="800" dirty="0">
+                      <a:solidFill>
+                        <a:schemeClr val="tx1"/>
+                      </a:solidFill>
+                    </a:endParaRPr>
+                  </a:p>
+                </p:txBody>
+              </p:sp>
+              <p:sp>
+                <p:nvSpPr>
+                  <p:cNvPr id="168" name="Rectangle 167">
+                    <a:extLst>
+                      <a:ext uri="{FF2B5EF4-FFF2-40B4-BE49-F238E27FC236}">
+                        <a16:creationId xmlns:a16="http://schemas.microsoft.com/office/drawing/2014/main" id="{00537A61-8F98-FFEC-3356-8A0FD8764054}"/>
+                      </a:ext>
+                    </a:extLst>
+                  </p:cNvPr>
+                  <p:cNvSpPr/>
+                  <p:nvPr/>
+                </p:nvSpPr>
+                <p:spPr>
+                  <a:xfrm>
+                    <a:off x="4917752" y="2743029"/>
+                    <a:ext cx="917163" cy="246001"/>
+                  </a:xfrm>
+                  <a:prstGeom prst="rect">
+                    <a:avLst/>
+                  </a:prstGeom>
+                  <a:noFill/>
+                  <a:ln>
+                    <a:noFill/>
+                  </a:ln>
+                </p:spPr>
+                <p:style>
+                  <a:lnRef idx="2">
+                    <a:schemeClr val="accent1">
+                      <a:shade val="15000"/>
+                    </a:schemeClr>
+                  </a:lnRef>
+                  <a:fillRef idx="1">
+                    <a:schemeClr val="accent1"/>
+                  </a:fillRef>
+                  <a:effectRef idx="0">
+                    <a:schemeClr val="accent1"/>
+                  </a:effectRef>
+                  <a:fontRef idx="minor">
+                    <a:schemeClr val="lt1"/>
+                  </a:fontRef>
+                </p:style>
+                <p:txBody>
+                  <a:bodyPr rtlCol="0" anchor="ctr"/>
+                  <a:lstStyle/>
+                  <a:p>
+                    <a:pPr algn="ctr"/>
+                    <a:r>
+                      <a:rPr lang="vi-VN" sz="800" dirty="0">
+                        <a:solidFill>
+                          <a:schemeClr val="tx1"/>
+                        </a:solidFill>
+                      </a:rPr>
+                      <a:t>1.350.000 VND</a:t>
+                    </a:r>
+                    <a:endParaRPr lang="en-US" sz="800" dirty="0">
+                      <a:solidFill>
+                        <a:schemeClr val="tx1"/>
+                      </a:solidFill>
+                    </a:endParaRPr>
+                  </a:p>
+                </p:txBody>
+              </p:sp>
+              <p:sp>
+                <p:nvSpPr>
+                  <p:cNvPr id="169" name="Rectangle 168">
+                    <a:extLst>
+                      <a:ext uri="{FF2B5EF4-FFF2-40B4-BE49-F238E27FC236}">
+                        <a16:creationId xmlns:a16="http://schemas.microsoft.com/office/drawing/2014/main" id="{3E0CD8C2-4DCF-7AE7-3020-DA9A4C71D09F}"/>
+                      </a:ext>
+                    </a:extLst>
+                  </p:cNvPr>
+                  <p:cNvSpPr/>
+                  <p:nvPr/>
+                </p:nvSpPr>
+                <p:spPr>
+                  <a:xfrm>
+                    <a:off x="5962805" y="2725027"/>
+                    <a:ext cx="246888" cy="246001"/>
+                  </a:xfrm>
+                  <a:prstGeom prst="rect">
+                    <a:avLst/>
+                  </a:prstGeom>
+                  <a:noFill/>
+                  <a:ln>
+                    <a:solidFill>
+                      <a:schemeClr val="tx1"/>
+                    </a:solidFill>
+                  </a:ln>
+                </p:spPr>
+                <p:style>
+                  <a:lnRef idx="2">
+                    <a:schemeClr val="accent1">
+                      <a:shade val="15000"/>
+                    </a:schemeClr>
+                  </a:lnRef>
+                  <a:fillRef idx="1">
+                    <a:schemeClr val="accent1"/>
+                  </a:fillRef>
+                  <a:effectRef idx="0">
+                    <a:schemeClr val="accent1"/>
+                  </a:effectRef>
+                  <a:fontRef idx="minor">
+                    <a:schemeClr val="lt1"/>
+                  </a:fontRef>
+                </p:style>
+                <p:txBody>
+                  <a:bodyPr rtlCol="0" anchor="ctr"/>
+                  <a:lstStyle/>
+                  <a:p>
+                    <a:pPr algn="ctr"/>
+                    <a:r>
+                      <a:rPr lang="vi-VN" sz="800" dirty="0">
+                        <a:solidFill>
+                          <a:schemeClr val="tx1"/>
+                        </a:solidFill>
+                      </a:rPr>
+                      <a:t>1</a:t>
+                    </a:r>
+                    <a:endParaRPr lang="en-US" sz="800" dirty="0">
+                      <a:solidFill>
+                        <a:schemeClr val="tx1"/>
+                      </a:solidFill>
+                    </a:endParaRPr>
+                  </a:p>
+                </p:txBody>
+              </p:sp>
+              <p:sp>
+                <p:nvSpPr>
+                  <p:cNvPr id="170" name="Rectangle 169">
+                    <a:extLst>
+                      <a:ext uri="{FF2B5EF4-FFF2-40B4-BE49-F238E27FC236}">
+                        <a16:creationId xmlns:a16="http://schemas.microsoft.com/office/drawing/2014/main" id="{A70A2B75-BEB6-53FE-386B-2D648B9D8D98}"/>
+                      </a:ext>
+                    </a:extLst>
+                  </p:cNvPr>
+                  <p:cNvSpPr/>
+                  <p:nvPr/>
+                </p:nvSpPr>
+                <p:spPr>
+                  <a:xfrm>
+                    <a:off x="6532582" y="2725026"/>
+                    <a:ext cx="917163" cy="246001"/>
+                  </a:xfrm>
+                  <a:prstGeom prst="rect">
+                    <a:avLst/>
+                  </a:prstGeom>
+                  <a:noFill/>
+                  <a:ln>
+                    <a:noFill/>
+                  </a:ln>
+                </p:spPr>
+                <p:style>
+                  <a:lnRef idx="2">
+                    <a:schemeClr val="accent1">
+                      <a:shade val="15000"/>
+                    </a:schemeClr>
+                  </a:lnRef>
+                  <a:fillRef idx="1">
+                    <a:schemeClr val="accent1"/>
+                  </a:fillRef>
+                  <a:effectRef idx="0">
+                    <a:schemeClr val="accent1"/>
+                  </a:effectRef>
+                  <a:fontRef idx="minor">
+                    <a:schemeClr val="lt1"/>
+                  </a:fontRef>
+                </p:style>
+                <p:txBody>
+                  <a:bodyPr rtlCol="0" anchor="ctr"/>
+                  <a:lstStyle/>
+                  <a:p>
+                    <a:pPr algn="ctr"/>
+                    <a:r>
+                      <a:rPr lang="vi-VN" sz="800" dirty="0">
+                        <a:solidFill>
+                          <a:schemeClr val="tx1"/>
+                        </a:solidFill>
+                      </a:rPr>
+                      <a:t>1.350.000 VND</a:t>
+                    </a:r>
+                    <a:endParaRPr lang="en-US" sz="800" dirty="0">
+                      <a:solidFill>
+                        <a:schemeClr val="tx1"/>
+                      </a:solidFill>
+                    </a:endParaRPr>
+                  </a:p>
+                </p:txBody>
+              </p:sp>
+              <p:sp>
+                <p:nvSpPr>
+                  <p:cNvPr id="171" name="Rectangle 170">
+                    <a:extLst>
+                      <a:ext uri="{FF2B5EF4-FFF2-40B4-BE49-F238E27FC236}">
+                        <a16:creationId xmlns:a16="http://schemas.microsoft.com/office/drawing/2014/main" id="{12EE67A1-7B54-7D26-8D10-CFF5BA8C8955}"/>
+                      </a:ext>
+                    </a:extLst>
+                  </p:cNvPr>
+                  <p:cNvSpPr/>
+                  <p:nvPr/>
+                </p:nvSpPr>
+                <p:spPr>
+                  <a:xfrm>
+                    <a:off x="7430112" y="2728133"/>
+                    <a:ext cx="246888" cy="246001"/>
+                  </a:xfrm>
+                  <a:prstGeom prst="rect">
+                    <a:avLst/>
+                  </a:prstGeom>
+                  <a:noFill/>
+                  <a:ln>
+                    <a:noFill/>
+                  </a:ln>
+                </p:spPr>
+                <p:style>
+                  <a:lnRef idx="2">
+                    <a:schemeClr val="accent1">
+                      <a:shade val="15000"/>
+                    </a:schemeClr>
+                  </a:lnRef>
+                  <a:fillRef idx="1">
+                    <a:schemeClr val="accent1"/>
+                  </a:fillRef>
+                  <a:effectRef idx="0">
+                    <a:schemeClr val="accent1"/>
+                  </a:effectRef>
+                  <a:fontRef idx="minor">
+                    <a:schemeClr val="lt1"/>
+                  </a:fontRef>
+                </p:style>
+                <p:txBody>
+                  <a:bodyPr rtlCol="0" anchor="t" anchorCtr="0"/>
+                  <a:lstStyle/>
+                  <a:p>
+                    <a:pPr algn="ctr"/>
+                    <a:r>
+                      <a:rPr lang="vi-VN" sz="800" dirty="0">
+                        <a:solidFill>
+                          <a:schemeClr val="tx1"/>
+                        </a:solidFill>
+                      </a:rPr>
+                      <a:t>X</a:t>
+                    </a:r>
+                    <a:endParaRPr lang="en-US" sz="800" dirty="0">
+                      <a:solidFill>
+                        <a:schemeClr val="tx1"/>
+                      </a:solidFill>
+                    </a:endParaRPr>
+                  </a:p>
+                </p:txBody>
+              </p:sp>
+            </p:grpSp>
+            <p:cxnSp>
+              <p:nvCxnSpPr>
+                <p:cNvPr id="164" name="Straight Connector 163">
+                  <a:extLst>
+                    <a:ext uri="{FF2B5EF4-FFF2-40B4-BE49-F238E27FC236}">
+                      <a16:creationId xmlns:a16="http://schemas.microsoft.com/office/drawing/2014/main" id="{815E8DB3-8E2A-041F-01F5-64E7BC6387F9}"/>
+                    </a:ext>
+                  </a:extLst>
+                </p:cNvPr>
+                <p:cNvCxnSpPr/>
+                <p:nvPr/>
+              </p:nvCxnSpPr>
+              <p:spPr>
+                <a:xfrm>
+                  <a:off x="2305049" y="3048747"/>
+                  <a:ext cx="5371043" cy="0"/>
+                </a:xfrm>
+                <a:prstGeom prst="line">
+                  <a:avLst/>
+                </a:prstGeom>
+                <a:ln w="9525"/>
+              </p:spPr>
+              <p:style>
+                <a:lnRef idx="1">
+                  <a:schemeClr val="dk1"/>
+                </a:lnRef>
+                <a:fillRef idx="0">
+                  <a:schemeClr val="dk1"/>
+                </a:fillRef>
+                <a:effectRef idx="0">
+                  <a:schemeClr val="dk1"/>
+                </a:effectRef>
+                <a:fontRef idx="minor">
+                  <a:schemeClr val="tx1"/>
+                </a:fontRef>
+              </p:style>
+            </p:cxnSp>
+          </p:grpSp>
+        </p:grpSp>
+        <p:grpSp>
+          <p:nvGrpSpPr>
+            <p:cNvPr id="174" name="Group 173">
+              <a:extLst>
+                <a:ext uri="{FF2B5EF4-FFF2-40B4-BE49-F238E27FC236}">
+                  <a16:creationId xmlns:a16="http://schemas.microsoft.com/office/drawing/2014/main" id="{07DAFED0-1DF1-9431-8593-E9B326C3E5DF}"/>
+                </a:ext>
+              </a:extLst>
+            </p:cNvPr>
+            <p:cNvGrpSpPr/>
+            <p:nvPr/>
+          </p:nvGrpSpPr>
+          <p:grpSpPr>
+            <a:xfrm>
+              <a:off x="2305049" y="4133783"/>
+              <a:ext cx="5371951" cy="401436"/>
+              <a:chOff x="2305049" y="2647311"/>
+              <a:chExt cx="5371951" cy="401436"/>
+            </a:xfrm>
+          </p:grpSpPr>
+          <p:grpSp>
+            <p:nvGrpSpPr>
+              <p:cNvPr id="175" name="Group 174">
+                <a:extLst>
+                  <a:ext uri="{FF2B5EF4-FFF2-40B4-BE49-F238E27FC236}">
+                    <a16:creationId xmlns:a16="http://schemas.microsoft.com/office/drawing/2014/main" id="{4A8B1C39-A115-A97C-EBE1-712EE05E7DAB}"/>
+                  </a:ext>
+                </a:extLst>
+              </p:cNvPr>
+              <p:cNvGrpSpPr>
+                <a:grpSpLocks noChangeAspect="1"/>
+              </p:cNvGrpSpPr>
+              <p:nvPr/>
+            </p:nvGrpSpPr>
+            <p:grpSpPr>
+              <a:xfrm>
+                <a:off x="2663581" y="2647311"/>
+                <a:ext cx="423134" cy="401436"/>
+                <a:chOff x="439337" y="1795464"/>
+                <a:chExt cx="963824" cy="914400"/>
+              </a:xfrm>
+            </p:grpSpPr>
             <p:sp>
               <p:nvSpPr>
-                <p:cNvPr id="194" name="Rectangle 193">
+                <p:cNvPr id="186" name="Rectangle 185">
                   <a:extLst>
                     <a:ext uri="{FF2B5EF4-FFF2-40B4-BE49-F238E27FC236}">
-                      <a16:creationId xmlns:a16="http://schemas.microsoft.com/office/drawing/2014/main" id="{D34C63CC-2C53-6D8D-1689-77E43F8E8372}"/>
+                      <a16:creationId xmlns:a16="http://schemas.microsoft.com/office/drawing/2014/main" id="{F0C49647-EEDD-2D2F-8F1E-D88C0927B0C4}"/>
                     </a:ext>
                   </a:extLst>
                 </p:cNvPr>
@@ -32511,16 +31708,13 @@
               </p:nvSpPr>
               <p:spPr>
                 <a:xfrm>
-                  <a:off x="3083926" y="2743029"/>
-                  <a:ext cx="1430923" cy="246001"/>
+                  <a:off x="439337" y="1882951"/>
+                  <a:ext cx="957473" cy="739426"/>
                 </a:xfrm>
                 <a:prstGeom prst="rect">
                   <a:avLst/>
                 </a:prstGeom>
                 <a:noFill/>
-                <a:ln>
-                  <a:noFill/>
-                </a:ln>
               </p:spPr>
               <p:style>
                 <a:lnRef idx="2">
@@ -32543,28 +31737,613 @@
                 <a:lstStyle/>
                 <a:p>
                   <a:pPr algn="ctr"/>
-                  <a:r>
-                    <a:rPr lang="vi-VN" sz="800" dirty="0">
+                  <a:endParaRPr lang="en-US"/>
+                </a:p>
+              </p:txBody>
+            </p:sp>
+            <p:pic>
+              <p:nvPicPr>
+                <p:cNvPr id="187" name="Graphic 186" descr="Boot outline">
+                  <a:extLst>
+                    <a:ext uri="{FF2B5EF4-FFF2-40B4-BE49-F238E27FC236}">
+                      <a16:creationId xmlns:a16="http://schemas.microsoft.com/office/drawing/2014/main" id="{54FC251B-348F-7921-468C-0C86F606846B}"/>
+                    </a:ext>
+                  </a:extLst>
+                </p:cNvPr>
+                <p:cNvPicPr>
+                  <a:picLocks noChangeAspect="1"/>
+                </p:cNvPicPr>
+                <p:nvPr/>
+              </p:nvPicPr>
+              <p:blipFill>
+                <a:blip r:embed="rId8">
+                  <a:extLst>
+                    <a:ext uri="{28A0092B-C50C-407E-A947-70E740481C1C}">
+                      <a14:useLocalDpi xmlns:a14="http://schemas.microsoft.com/office/drawing/2010/main" val="0"/>
+                    </a:ext>
+                    <a:ext uri="{96DAC541-7B7A-43D3-8B79-37D633B846F1}">
+                      <asvg:svgBlip xmlns:asvg="http://schemas.microsoft.com/office/drawing/2016/SVG/main" r:embed="rId9"/>
+                    </a:ext>
+                  </a:extLst>
+                </a:blip>
+                <a:stretch>
+                  <a:fillRect/>
+                </a:stretch>
+              </p:blipFill>
+              <p:spPr>
+                <a:xfrm>
+                  <a:off x="488761" y="1795464"/>
+                  <a:ext cx="914400" cy="914400"/>
+                </a:xfrm>
+                <a:prstGeom prst="rect">
+                  <a:avLst/>
+                </a:prstGeom>
+              </p:spPr>
+            </p:pic>
+          </p:grpSp>
+          <p:grpSp>
+            <p:nvGrpSpPr>
+              <p:cNvPr id="176" name="Group 175">
+                <a:extLst>
+                  <a:ext uri="{FF2B5EF4-FFF2-40B4-BE49-F238E27FC236}">
+                    <a16:creationId xmlns:a16="http://schemas.microsoft.com/office/drawing/2014/main" id="{57854769-53E3-D193-A42E-A82F2D6F8028}"/>
+                  </a:ext>
+                </a:extLst>
+              </p:cNvPr>
+              <p:cNvGrpSpPr/>
+              <p:nvPr/>
+            </p:nvGrpSpPr>
+            <p:grpSpPr>
+              <a:xfrm>
+                <a:off x="2305049" y="2725026"/>
+                <a:ext cx="5371951" cy="323721"/>
+                <a:chOff x="2305049" y="2725026"/>
+                <a:chExt cx="5371951" cy="323721"/>
+              </a:xfrm>
+            </p:grpSpPr>
+            <p:grpSp>
+              <p:nvGrpSpPr>
+                <p:cNvPr id="177" name="Group 176">
+                  <a:extLst>
+                    <a:ext uri="{FF2B5EF4-FFF2-40B4-BE49-F238E27FC236}">
+                      <a16:creationId xmlns:a16="http://schemas.microsoft.com/office/drawing/2014/main" id="{8235BFB7-D3BD-C0AA-B098-53836C61AECB}"/>
+                    </a:ext>
+                  </a:extLst>
+                </p:cNvPr>
+                <p:cNvGrpSpPr/>
+                <p:nvPr/>
+              </p:nvGrpSpPr>
+              <p:grpSpPr>
+                <a:xfrm>
+                  <a:off x="2305049" y="2725026"/>
+                  <a:ext cx="5371951" cy="264004"/>
+                  <a:chOff x="2305049" y="2725026"/>
+                  <a:chExt cx="5371951" cy="264004"/>
+                </a:xfrm>
+              </p:grpSpPr>
+              <p:sp>
+                <p:nvSpPr>
+                  <p:cNvPr id="179" name="Rectangle 178">
+                    <a:extLst>
+                      <a:ext uri="{FF2B5EF4-FFF2-40B4-BE49-F238E27FC236}">
+                        <a16:creationId xmlns:a16="http://schemas.microsoft.com/office/drawing/2014/main" id="{E95CE2D7-D5C4-FEC4-F52C-E04A32DE727C}"/>
+                      </a:ext>
+                    </a:extLst>
+                  </p:cNvPr>
+                  <p:cNvSpPr/>
+                  <p:nvPr/>
+                </p:nvSpPr>
+                <p:spPr>
+                  <a:xfrm>
+                    <a:off x="2305049" y="2802309"/>
+                    <a:ext cx="91440" cy="91440"/>
+                  </a:xfrm>
+                  <a:prstGeom prst="rect">
+                    <a:avLst/>
+                  </a:prstGeom>
+                  <a:noFill/>
+                  <a:ln>
+                    <a:solidFill>
+                      <a:schemeClr val="tx1"/>
+                    </a:solidFill>
+                  </a:ln>
+                </p:spPr>
+                <p:style>
+                  <a:lnRef idx="2">
+                    <a:schemeClr val="accent1">
+                      <a:shade val="15000"/>
+                    </a:schemeClr>
+                  </a:lnRef>
+                  <a:fillRef idx="1">
+                    <a:schemeClr val="accent1"/>
+                  </a:fillRef>
+                  <a:effectRef idx="0">
+                    <a:schemeClr val="accent1"/>
+                  </a:effectRef>
+                  <a:fontRef idx="minor">
+                    <a:schemeClr val="lt1"/>
+                  </a:fontRef>
+                </p:style>
+                <p:txBody>
+                  <a:bodyPr rtlCol="0" anchor="ctr"/>
+                  <a:lstStyle/>
+                  <a:p>
+                    <a:pPr algn="ctr"/>
+                    <a:endParaRPr lang="en-US"/>
+                  </a:p>
+                </p:txBody>
+              </p:sp>
+              <p:sp>
+                <p:nvSpPr>
+                  <p:cNvPr id="180" name="Rectangle 179">
+                    <a:extLst>
+                      <a:ext uri="{FF2B5EF4-FFF2-40B4-BE49-F238E27FC236}">
+                        <a16:creationId xmlns:a16="http://schemas.microsoft.com/office/drawing/2014/main" id="{449D544E-0430-3CCE-D7DE-0184A3EDE8BB}"/>
+                      </a:ext>
+                    </a:extLst>
+                  </p:cNvPr>
+                  <p:cNvSpPr/>
+                  <p:nvPr/>
+                </p:nvSpPr>
+                <p:spPr>
+                  <a:xfrm>
+                    <a:off x="3083926" y="2743029"/>
+                    <a:ext cx="1430923" cy="246001"/>
+                  </a:xfrm>
+                  <a:prstGeom prst="rect">
+                    <a:avLst/>
+                  </a:prstGeom>
+                  <a:noFill/>
+                  <a:ln>
+                    <a:noFill/>
+                  </a:ln>
+                </p:spPr>
+                <p:style>
+                  <a:lnRef idx="2">
+                    <a:schemeClr val="accent1">
+                      <a:shade val="15000"/>
+                    </a:schemeClr>
+                  </a:lnRef>
+                  <a:fillRef idx="1">
+                    <a:schemeClr val="accent1"/>
+                  </a:fillRef>
+                  <a:effectRef idx="0">
+                    <a:schemeClr val="accent1"/>
+                  </a:effectRef>
+                  <a:fontRef idx="minor">
+                    <a:schemeClr val="lt1"/>
+                  </a:fontRef>
+                </p:style>
+                <p:txBody>
+                  <a:bodyPr rtlCol="0" anchor="ctr"/>
+                  <a:lstStyle/>
+                  <a:p>
+                    <a:pPr algn="ctr"/>
+                    <a:r>
+                      <a:rPr lang="vi-VN" sz="800" dirty="0">
+                        <a:solidFill>
+                          <a:schemeClr val="tx1"/>
+                        </a:solidFill>
+                      </a:rPr>
+                      <a:t>Giày ABC model XYZ</a:t>
+                    </a:r>
+                    <a:endParaRPr lang="en-US" sz="800" dirty="0">
                       <a:solidFill>
                         <a:schemeClr val="tx1"/>
                       </a:solidFill>
-                    </a:rPr>
-                    <a:t>Giày ABC model XYZ</a:t>
-                  </a:r>
-                  <a:endParaRPr lang="en-US" sz="800" dirty="0">
+                    </a:endParaRPr>
+                  </a:p>
+                </p:txBody>
+              </p:sp>
+              <p:sp>
+                <p:nvSpPr>
+                  <p:cNvPr id="181" name="Rectangle 180">
+                    <a:extLst>
+                      <a:ext uri="{FF2B5EF4-FFF2-40B4-BE49-F238E27FC236}">
+                        <a16:creationId xmlns:a16="http://schemas.microsoft.com/office/drawing/2014/main" id="{02F573C5-1C42-C120-735D-61C457438AC9}"/>
+                      </a:ext>
+                    </a:extLst>
+                  </p:cNvPr>
+                  <p:cNvSpPr/>
+                  <p:nvPr/>
+                </p:nvSpPr>
+                <p:spPr>
+                  <a:xfrm>
+                    <a:off x="4494808" y="2725028"/>
+                    <a:ext cx="397482" cy="246001"/>
+                  </a:xfrm>
+                  <a:prstGeom prst="rect">
+                    <a:avLst/>
+                  </a:prstGeom>
+                  <a:noFill/>
+                  <a:ln>
                     <a:solidFill>
                       <a:schemeClr val="tx1"/>
                     </a:solidFill>
-                  </a:endParaRPr>
-                </a:p>
-              </p:txBody>
-            </p:sp>
+                  </a:ln>
+                </p:spPr>
+                <p:style>
+                  <a:lnRef idx="2">
+                    <a:schemeClr val="accent1">
+                      <a:shade val="15000"/>
+                    </a:schemeClr>
+                  </a:lnRef>
+                  <a:fillRef idx="1">
+                    <a:schemeClr val="accent1"/>
+                  </a:fillRef>
+                  <a:effectRef idx="0">
+                    <a:schemeClr val="accent1"/>
+                  </a:effectRef>
+                  <a:fontRef idx="minor">
+                    <a:schemeClr val="lt1"/>
+                  </a:fontRef>
+                </p:style>
+                <p:txBody>
+                  <a:bodyPr rtlCol="0" anchor="ctr"/>
+                  <a:lstStyle/>
+                  <a:p>
+                    <a:r>
+                      <a:rPr lang="vi-VN" sz="800" dirty="0">
+                        <a:solidFill>
+                          <a:schemeClr val="tx1"/>
+                        </a:solidFill>
+                      </a:rPr>
+                      <a:t>37 </a:t>
+                    </a:r>
+                    <a:r>
+                      <a:rPr lang="vi-VN" sz="700" dirty="0">
+                        <a:solidFill>
+                          <a:schemeClr val="tx1"/>
+                        </a:solidFill>
+                      </a:rPr>
+                      <a:t>v</a:t>
+                    </a:r>
+                    <a:endParaRPr lang="en-US" sz="800" dirty="0">
+                      <a:solidFill>
+                        <a:schemeClr val="tx1"/>
+                      </a:solidFill>
+                    </a:endParaRPr>
+                  </a:p>
+                </p:txBody>
+              </p:sp>
+              <p:sp>
+                <p:nvSpPr>
+                  <p:cNvPr id="182" name="Rectangle 181">
+                    <a:extLst>
+                      <a:ext uri="{FF2B5EF4-FFF2-40B4-BE49-F238E27FC236}">
+                        <a16:creationId xmlns:a16="http://schemas.microsoft.com/office/drawing/2014/main" id="{9A7C8151-704B-66D2-C1E4-1789B5F173AF}"/>
+                      </a:ext>
+                    </a:extLst>
+                  </p:cNvPr>
+                  <p:cNvSpPr/>
+                  <p:nvPr/>
+                </p:nvSpPr>
+                <p:spPr>
+                  <a:xfrm>
+                    <a:off x="4917752" y="2743029"/>
+                    <a:ext cx="917163" cy="246001"/>
+                  </a:xfrm>
+                  <a:prstGeom prst="rect">
+                    <a:avLst/>
+                  </a:prstGeom>
+                  <a:noFill/>
+                  <a:ln>
+                    <a:noFill/>
+                  </a:ln>
+                </p:spPr>
+                <p:style>
+                  <a:lnRef idx="2">
+                    <a:schemeClr val="accent1">
+                      <a:shade val="15000"/>
+                    </a:schemeClr>
+                  </a:lnRef>
+                  <a:fillRef idx="1">
+                    <a:schemeClr val="accent1"/>
+                  </a:fillRef>
+                  <a:effectRef idx="0">
+                    <a:schemeClr val="accent1"/>
+                  </a:effectRef>
+                  <a:fontRef idx="minor">
+                    <a:schemeClr val="lt1"/>
+                  </a:fontRef>
+                </p:style>
+                <p:txBody>
+                  <a:bodyPr rtlCol="0" anchor="ctr"/>
+                  <a:lstStyle/>
+                  <a:p>
+                    <a:pPr algn="ctr"/>
+                    <a:r>
+                      <a:rPr lang="vi-VN" sz="800" dirty="0">
+                        <a:solidFill>
+                          <a:schemeClr val="tx1"/>
+                        </a:solidFill>
+                      </a:rPr>
+                      <a:t>1.350.000 VND</a:t>
+                    </a:r>
+                    <a:endParaRPr lang="en-US" sz="800" dirty="0">
+                      <a:solidFill>
+                        <a:schemeClr val="tx1"/>
+                      </a:solidFill>
+                    </a:endParaRPr>
+                  </a:p>
+                </p:txBody>
+              </p:sp>
+              <p:sp>
+                <p:nvSpPr>
+                  <p:cNvPr id="183" name="Rectangle 182">
+                    <a:extLst>
+                      <a:ext uri="{FF2B5EF4-FFF2-40B4-BE49-F238E27FC236}">
+                        <a16:creationId xmlns:a16="http://schemas.microsoft.com/office/drawing/2014/main" id="{6E89818A-6F41-FBD4-BD6B-50A348C3374D}"/>
+                      </a:ext>
+                    </a:extLst>
+                  </p:cNvPr>
+                  <p:cNvSpPr/>
+                  <p:nvPr/>
+                </p:nvSpPr>
+                <p:spPr>
+                  <a:xfrm>
+                    <a:off x="5962805" y="2725027"/>
+                    <a:ext cx="246888" cy="246001"/>
+                  </a:xfrm>
+                  <a:prstGeom prst="rect">
+                    <a:avLst/>
+                  </a:prstGeom>
+                  <a:noFill/>
+                  <a:ln>
+                    <a:solidFill>
+                      <a:schemeClr val="tx1"/>
+                    </a:solidFill>
+                  </a:ln>
+                </p:spPr>
+                <p:style>
+                  <a:lnRef idx="2">
+                    <a:schemeClr val="accent1">
+                      <a:shade val="15000"/>
+                    </a:schemeClr>
+                  </a:lnRef>
+                  <a:fillRef idx="1">
+                    <a:schemeClr val="accent1"/>
+                  </a:fillRef>
+                  <a:effectRef idx="0">
+                    <a:schemeClr val="accent1"/>
+                  </a:effectRef>
+                  <a:fontRef idx="minor">
+                    <a:schemeClr val="lt1"/>
+                  </a:fontRef>
+                </p:style>
+                <p:txBody>
+                  <a:bodyPr rtlCol="0" anchor="ctr"/>
+                  <a:lstStyle/>
+                  <a:p>
+                    <a:pPr algn="ctr"/>
+                    <a:r>
+                      <a:rPr lang="vi-VN" sz="800" dirty="0">
+                        <a:solidFill>
+                          <a:schemeClr val="tx1"/>
+                        </a:solidFill>
+                      </a:rPr>
+                      <a:t>1</a:t>
+                    </a:r>
+                    <a:endParaRPr lang="en-US" sz="800" dirty="0">
+                      <a:solidFill>
+                        <a:schemeClr val="tx1"/>
+                      </a:solidFill>
+                    </a:endParaRPr>
+                  </a:p>
+                </p:txBody>
+              </p:sp>
+              <p:sp>
+                <p:nvSpPr>
+                  <p:cNvPr id="184" name="Rectangle 183">
+                    <a:extLst>
+                      <a:ext uri="{FF2B5EF4-FFF2-40B4-BE49-F238E27FC236}">
+                        <a16:creationId xmlns:a16="http://schemas.microsoft.com/office/drawing/2014/main" id="{6336B4F5-C024-618A-C4D6-446F0DBAE43A}"/>
+                      </a:ext>
+                    </a:extLst>
+                  </p:cNvPr>
+                  <p:cNvSpPr/>
+                  <p:nvPr/>
+                </p:nvSpPr>
+                <p:spPr>
+                  <a:xfrm>
+                    <a:off x="6532582" y="2725026"/>
+                    <a:ext cx="917163" cy="246001"/>
+                  </a:xfrm>
+                  <a:prstGeom prst="rect">
+                    <a:avLst/>
+                  </a:prstGeom>
+                  <a:noFill/>
+                  <a:ln>
+                    <a:noFill/>
+                  </a:ln>
+                </p:spPr>
+                <p:style>
+                  <a:lnRef idx="2">
+                    <a:schemeClr val="accent1">
+                      <a:shade val="15000"/>
+                    </a:schemeClr>
+                  </a:lnRef>
+                  <a:fillRef idx="1">
+                    <a:schemeClr val="accent1"/>
+                  </a:fillRef>
+                  <a:effectRef idx="0">
+                    <a:schemeClr val="accent1"/>
+                  </a:effectRef>
+                  <a:fontRef idx="minor">
+                    <a:schemeClr val="lt1"/>
+                  </a:fontRef>
+                </p:style>
+                <p:txBody>
+                  <a:bodyPr rtlCol="0" anchor="ctr"/>
+                  <a:lstStyle/>
+                  <a:p>
+                    <a:pPr algn="ctr"/>
+                    <a:r>
+                      <a:rPr lang="vi-VN" sz="800" dirty="0">
+                        <a:solidFill>
+                          <a:schemeClr val="tx1"/>
+                        </a:solidFill>
+                      </a:rPr>
+                      <a:t>1.350.000 VND</a:t>
+                    </a:r>
+                    <a:endParaRPr lang="en-US" sz="800" dirty="0">
+                      <a:solidFill>
+                        <a:schemeClr val="tx1"/>
+                      </a:solidFill>
+                    </a:endParaRPr>
+                  </a:p>
+                </p:txBody>
+              </p:sp>
+              <p:sp>
+                <p:nvSpPr>
+                  <p:cNvPr id="185" name="Rectangle 184">
+                    <a:extLst>
+                      <a:ext uri="{FF2B5EF4-FFF2-40B4-BE49-F238E27FC236}">
+                        <a16:creationId xmlns:a16="http://schemas.microsoft.com/office/drawing/2014/main" id="{F2102ED9-9887-0172-8E8C-77A1ED99CFE2}"/>
+                      </a:ext>
+                    </a:extLst>
+                  </p:cNvPr>
+                  <p:cNvSpPr/>
+                  <p:nvPr/>
+                </p:nvSpPr>
+                <p:spPr>
+                  <a:xfrm>
+                    <a:off x="7430112" y="2728133"/>
+                    <a:ext cx="246888" cy="246001"/>
+                  </a:xfrm>
+                  <a:prstGeom prst="rect">
+                    <a:avLst/>
+                  </a:prstGeom>
+                  <a:noFill/>
+                  <a:ln>
+                    <a:noFill/>
+                  </a:ln>
+                </p:spPr>
+                <p:style>
+                  <a:lnRef idx="2">
+                    <a:schemeClr val="accent1">
+                      <a:shade val="15000"/>
+                    </a:schemeClr>
+                  </a:lnRef>
+                  <a:fillRef idx="1">
+                    <a:schemeClr val="accent1"/>
+                  </a:fillRef>
+                  <a:effectRef idx="0">
+                    <a:schemeClr val="accent1"/>
+                  </a:effectRef>
+                  <a:fontRef idx="minor">
+                    <a:schemeClr val="lt1"/>
+                  </a:fontRef>
+                </p:style>
+                <p:txBody>
+                  <a:bodyPr rtlCol="0" anchor="t" anchorCtr="0"/>
+                  <a:lstStyle/>
+                  <a:p>
+                    <a:pPr algn="ctr"/>
+                    <a:r>
+                      <a:rPr lang="vi-VN" sz="800" dirty="0">
+                        <a:solidFill>
+                          <a:schemeClr val="tx1"/>
+                        </a:solidFill>
+                      </a:rPr>
+                      <a:t>X</a:t>
+                    </a:r>
+                    <a:endParaRPr lang="en-US" sz="800" dirty="0">
+                      <a:solidFill>
+                        <a:schemeClr val="tx1"/>
+                      </a:solidFill>
+                    </a:endParaRPr>
+                  </a:p>
+                </p:txBody>
+              </p:sp>
+            </p:grpSp>
+            <p:cxnSp>
+              <p:nvCxnSpPr>
+                <p:cNvPr id="178" name="Straight Connector 177">
+                  <a:extLst>
+                    <a:ext uri="{FF2B5EF4-FFF2-40B4-BE49-F238E27FC236}">
+                      <a16:creationId xmlns:a16="http://schemas.microsoft.com/office/drawing/2014/main" id="{08E25A7D-E10D-18EA-07BF-CF1831BB895F}"/>
+                    </a:ext>
+                  </a:extLst>
+                </p:cNvPr>
+                <p:cNvCxnSpPr/>
+                <p:nvPr/>
+              </p:nvCxnSpPr>
+              <p:spPr>
+                <a:xfrm>
+                  <a:off x="2305049" y="3048747"/>
+                  <a:ext cx="5371043" cy="0"/>
+                </a:xfrm>
+                <a:prstGeom prst="line">
+                  <a:avLst/>
+                </a:prstGeom>
+                <a:ln w="9525"/>
+              </p:spPr>
+              <p:style>
+                <a:lnRef idx="1">
+                  <a:schemeClr val="dk1"/>
+                </a:lnRef>
+                <a:fillRef idx="0">
+                  <a:schemeClr val="dk1"/>
+                </a:fillRef>
+                <a:effectRef idx="0">
+                  <a:schemeClr val="dk1"/>
+                </a:effectRef>
+                <a:fontRef idx="minor">
+                  <a:schemeClr val="tx1"/>
+                </a:fontRef>
+              </p:style>
+            </p:cxnSp>
+          </p:grpSp>
+        </p:grpSp>
+        <p:grpSp>
+          <p:nvGrpSpPr>
+            <p:cNvPr id="188" name="Group 187">
+              <a:extLst>
+                <a:ext uri="{FF2B5EF4-FFF2-40B4-BE49-F238E27FC236}">
+                  <a16:creationId xmlns:a16="http://schemas.microsoft.com/office/drawing/2014/main" id="{1F5322D4-F626-00E2-2280-8587EAD2C92B}"/>
+                </a:ext>
+              </a:extLst>
+            </p:cNvPr>
+            <p:cNvGrpSpPr/>
+            <p:nvPr/>
+          </p:nvGrpSpPr>
+          <p:grpSpPr>
+            <a:xfrm>
+              <a:off x="2305049" y="4629742"/>
+              <a:ext cx="5371951" cy="401436"/>
+              <a:chOff x="2305049" y="2647311"/>
+              <a:chExt cx="5371951" cy="401436"/>
+            </a:xfrm>
+          </p:grpSpPr>
+          <p:grpSp>
+            <p:nvGrpSpPr>
+              <p:cNvPr id="189" name="Group 188">
+                <a:extLst>
+                  <a:ext uri="{FF2B5EF4-FFF2-40B4-BE49-F238E27FC236}">
+                    <a16:creationId xmlns:a16="http://schemas.microsoft.com/office/drawing/2014/main" id="{5C8F2DB7-1770-999D-97BD-4154CD5CD060}"/>
+                  </a:ext>
+                </a:extLst>
+              </p:cNvPr>
+              <p:cNvGrpSpPr>
+                <a:grpSpLocks noChangeAspect="1"/>
+              </p:cNvGrpSpPr>
+              <p:nvPr/>
+            </p:nvGrpSpPr>
+            <p:grpSpPr>
+              <a:xfrm>
+                <a:off x="2663581" y="2647311"/>
+                <a:ext cx="423134" cy="401436"/>
+                <a:chOff x="439337" y="1795464"/>
+                <a:chExt cx="963824" cy="914400"/>
+              </a:xfrm>
+            </p:grpSpPr>
             <p:sp>
               <p:nvSpPr>
-                <p:cNvPr id="195" name="Rectangle 194">
+                <p:cNvPr id="200" name="Rectangle 199">
                   <a:extLst>
                     <a:ext uri="{FF2B5EF4-FFF2-40B4-BE49-F238E27FC236}">
-                      <a16:creationId xmlns:a16="http://schemas.microsoft.com/office/drawing/2014/main" id="{D14F7846-03D5-6C70-F9B9-D6346A4594C5}"/>
+                      <a16:creationId xmlns:a16="http://schemas.microsoft.com/office/drawing/2014/main" id="{B743BD0D-57AB-A552-A0A0-C06C34BB9F2A}"/>
                     </a:ext>
                   </a:extLst>
                 </p:cNvPr>
@@ -32573,87 +32352,13 @@
               </p:nvSpPr>
               <p:spPr>
                 <a:xfrm>
-                  <a:off x="4494808" y="2725028"/>
-                  <a:ext cx="397482" cy="246001"/>
+                  <a:off x="439337" y="1882951"/>
+                  <a:ext cx="957473" cy="739426"/>
                 </a:xfrm>
                 <a:prstGeom prst="rect">
                   <a:avLst/>
                 </a:prstGeom>
                 <a:noFill/>
-                <a:ln>
-                  <a:solidFill>
-                    <a:schemeClr val="tx1"/>
-                  </a:solidFill>
-                </a:ln>
-              </p:spPr>
-              <p:style>
-                <a:lnRef idx="2">
-                  <a:schemeClr val="accent1">
-                    <a:shade val="15000"/>
-                  </a:schemeClr>
-                </a:lnRef>
-                <a:fillRef idx="1">
-                  <a:schemeClr val="accent1"/>
-                </a:fillRef>
-                <a:effectRef idx="0">
-                  <a:schemeClr val="accent1"/>
-                </a:effectRef>
-                <a:fontRef idx="minor">
-                  <a:schemeClr val="lt1"/>
-                </a:fontRef>
-              </p:style>
-              <p:txBody>
-                <a:bodyPr rtlCol="0" anchor="ctr"/>
-                <a:lstStyle/>
-                <a:p>
-                  <a:r>
-                    <a:rPr lang="vi-VN" sz="800" dirty="0">
-                      <a:solidFill>
-                        <a:schemeClr val="tx1"/>
-                      </a:solidFill>
-                    </a:rPr>
-                    <a:t>37 </a:t>
-                  </a:r>
-                  <a:r>
-                    <a:rPr lang="vi-VN" sz="700" dirty="0">
-                      <a:solidFill>
-                        <a:schemeClr val="tx1"/>
-                      </a:solidFill>
-                    </a:rPr>
-                    <a:t>v</a:t>
-                  </a:r>
-                  <a:endParaRPr lang="en-US" sz="800" dirty="0">
-                    <a:solidFill>
-                      <a:schemeClr val="tx1"/>
-                    </a:solidFill>
-                  </a:endParaRPr>
-                </a:p>
-              </p:txBody>
-            </p:sp>
-            <p:sp>
-              <p:nvSpPr>
-                <p:cNvPr id="196" name="Rectangle 195">
-                  <a:extLst>
-                    <a:ext uri="{FF2B5EF4-FFF2-40B4-BE49-F238E27FC236}">
-                      <a16:creationId xmlns:a16="http://schemas.microsoft.com/office/drawing/2014/main" id="{007AE505-61C3-9DEF-E241-A8D14E1ED674}"/>
-                    </a:ext>
-                  </a:extLst>
-                </p:cNvPr>
-                <p:cNvSpPr/>
-                <p:nvPr/>
-              </p:nvSpPr>
-              <p:spPr>
-                <a:xfrm>
-                  <a:off x="4917752" y="2743029"/>
-                  <a:ext cx="917163" cy="246001"/>
-                </a:xfrm>
-                <a:prstGeom prst="rect">
-                  <a:avLst/>
-                </a:prstGeom>
-                <a:noFill/>
-                <a:ln>
-                  <a:noFill/>
-                </a:ln>
               </p:spPr>
               <p:style>
                 <a:lnRef idx="2">
@@ -32676,370 +32381,833 @@
                 <a:lstStyle/>
                 <a:p>
                   <a:pPr algn="ctr"/>
-                  <a:r>
-                    <a:rPr lang="vi-VN" sz="800" dirty="0">
-                      <a:solidFill>
-                        <a:schemeClr val="tx1"/>
-                      </a:solidFill>
-                    </a:rPr>
-                    <a:t>1.350.000 VND</a:t>
-                  </a:r>
-                  <a:endParaRPr lang="en-US" sz="800" dirty="0">
-                    <a:solidFill>
-                      <a:schemeClr val="tx1"/>
-                    </a:solidFill>
-                  </a:endParaRPr>
+                  <a:endParaRPr lang="en-US"/>
                 </a:p>
               </p:txBody>
             </p:sp>
-            <p:sp>
-              <p:nvSpPr>
-                <p:cNvPr id="197" name="Rectangle 196">
+            <p:pic>
+              <p:nvPicPr>
+                <p:cNvPr id="201" name="Graphic 200" descr="Boot outline">
                   <a:extLst>
                     <a:ext uri="{FF2B5EF4-FFF2-40B4-BE49-F238E27FC236}">
-                      <a16:creationId xmlns:a16="http://schemas.microsoft.com/office/drawing/2014/main" id="{854DC3D0-3FB9-D835-981C-7375CF44C323}"/>
+                      <a16:creationId xmlns:a16="http://schemas.microsoft.com/office/drawing/2014/main" id="{FFBEE041-A9A6-B9E5-5717-24465BE4DA9A}"/>
                     </a:ext>
                   </a:extLst>
                 </p:cNvPr>
-                <p:cNvSpPr/>
+                <p:cNvPicPr>
+                  <a:picLocks noChangeAspect="1"/>
+                </p:cNvPicPr>
                 <p:nvPr/>
-              </p:nvSpPr>
+              </p:nvPicPr>
+              <p:blipFill>
+                <a:blip r:embed="rId8">
+                  <a:extLst>
+                    <a:ext uri="{28A0092B-C50C-407E-A947-70E740481C1C}">
+                      <a14:useLocalDpi xmlns:a14="http://schemas.microsoft.com/office/drawing/2010/main" val="0"/>
+                    </a:ext>
+                    <a:ext uri="{96DAC541-7B7A-43D3-8B79-37D633B846F1}">
+                      <asvg:svgBlip xmlns:asvg="http://schemas.microsoft.com/office/drawing/2016/SVG/main" r:embed="rId9"/>
+                    </a:ext>
+                  </a:extLst>
+                </a:blip>
+                <a:stretch>
+                  <a:fillRect/>
+                </a:stretch>
+              </p:blipFill>
               <p:spPr>
                 <a:xfrm>
-                  <a:off x="5962805" y="2725027"/>
-                  <a:ext cx="246888" cy="246001"/>
+                  <a:off x="488761" y="1795464"/>
+                  <a:ext cx="914400" cy="914400"/>
                 </a:xfrm>
                 <a:prstGeom prst="rect">
                   <a:avLst/>
                 </a:prstGeom>
-                <a:noFill/>
-                <a:ln>
-                  <a:solidFill>
-                    <a:schemeClr val="tx1"/>
-                  </a:solidFill>
-                </a:ln>
               </p:spPr>
-              <p:style>
-                <a:lnRef idx="2">
-                  <a:schemeClr val="accent1">
-                    <a:shade val="15000"/>
-                  </a:schemeClr>
-                </a:lnRef>
-                <a:fillRef idx="1">
-                  <a:schemeClr val="accent1"/>
-                </a:fillRef>
-                <a:effectRef idx="0">
-                  <a:schemeClr val="accent1"/>
-                </a:effectRef>
-                <a:fontRef idx="minor">
-                  <a:schemeClr val="lt1"/>
-                </a:fontRef>
-              </p:style>
-              <p:txBody>
-                <a:bodyPr rtlCol="0" anchor="ctr"/>
-                <a:lstStyle/>
-                <a:p>
-                  <a:pPr algn="ctr"/>
-                  <a:r>
-                    <a:rPr lang="vi-VN" sz="800" dirty="0">
+            </p:pic>
+          </p:grpSp>
+          <p:grpSp>
+            <p:nvGrpSpPr>
+              <p:cNvPr id="190" name="Group 189">
+                <a:extLst>
+                  <a:ext uri="{FF2B5EF4-FFF2-40B4-BE49-F238E27FC236}">
+                    <a16:creationId xmlns:a16="http://schemas.microsoft.com/office/drawing/2014/main" id="{0382C413-66B5-DF76-7C1C-43185B297BD1}"/>
+                  </a:ext>
+                </a:extLst>
+              </p:cNvPr>
+              <p:cNvGrpSpPr/>
+              <p:nvPr/>
+            </p:nvGrpSpPr>
+            <p:grpSpPr>
+              <a:xfrm>
+                <a:off x="2305049" y="2725026"/>
+                <a:ext cx="5371951" cy="323721"/>
+                <a:chOff x="2305049" y="2725026"/>
+                <a:chExt cx="5371951" cy="323721"/>
+              </a:xfrm>
+            </p:grpSpPr>
+            <p:grpSp>
+              <p:nvGrpSpPr>
+                <p:cNvPr id="191" name="Group 190">
+                  <a:extLst>
+                    <a:ext uri="{FF2B5EF4-FFF2-40B4-BE49-F238E27FC236}">
+                      <a16:creationId xmlns:a16="http://schemas.microsoft.com/office/drawing/2014/main" id="{593C1742-972F-8ACA-AD64-950103F6E986}"/>
+                    </a:ext>
+                  </a:extLst>
+                </p:cNvPr>
+                <p:cNvGrpSpPr/>
+                <p:nvPr/>
+              </p:nvGrpSpPr>
+              <p:grpSpPr>
+                <a:xfrm>
+                  <a:off x="2305049" y="2725026"/>
+                  <a:ext cx="5371951" cy="264004"/>
+                  <a:chOff x="2305049" y="2725026"/>
+                  <a:chExt cx="5371951" cy="264004"/>
+                </a:xfrm>
+              </p:grpSpPr>
+              <p:sp>
+                <p:nvSpPr>
+                  <p:cNvPr id="193" name="Rectangle 192">
+                    <a:extLst>
+                      <a:ext uri="{FF2B5EF4-FFF2-40B4-BE49-F238E27FC236}">
+                        <a16:creationId xmlns:a16="http://schemas.microsoft.com/office/drawing/2014/main" id="{A8B6FA16-BA36-B38B-D259-902A81380B06}"/>
+                      </a:ext>
+                    </a:extLst>
+                  </p:cNvPr>
+                  <p:cNvSpPr/>
+                  <p:nvPr/>
+                </p:nvSpPr>
+                <p:spPr>
+                  <a:xfrm>
+                    <a:off x="2305049" y="2802309"/>
+                    <a:ext cx="91440" cy="91440"/>
+                  </a:xfrm>
+                  <a:prstGeom prst="rect">
+                    <a:avLst/>
+                  </a:prstGeom>
+                  <a:noFill/>
+                  <a:ln>
+                    <a:solidFill>
+                      <a:schemeClr val="tx1"/>
+                    </a:solidFill>
+                  </a:ln>
+                </p:spPr>
+                <p:style>
+                  <a:lnRef idx="2">
+                    <a:schemeClr val="accent1">
+                      <a:shade val="15000"/>
+                    </a:schemeClr>
+                  </a:lnRef>
+                  <a:fillRef idx="1">
+                    <a:schemeClr val="accent1"/>
+                  </a:fillRef>
+                  <a:effectRef idx="0">
+                    <a:schemeClr val="accent1"/>
+                  </a:effectRef>
+                  <a:fontRef idx="minor">
+                    <a:schemeClr val="lt1"/>
+                  </a:fontRef>
+                </p:style>
+                <p:txBody>
+                  <a:bodyPr rtlCol="0" anchor="ctr"/>
+                  <a:lstStyle/>
+                  <a:p>
+                    <a:pPr algn="ctr"/>
+                    <a:endParaRPr lang="en-US"/>
+                  </a:p>
+                </p:txBody>
+              </p:sp>
+              <p:sp>
+                <p:nvSpPr>
+                  <p:cNvPr id="194" name="Rectangle 193">
+                    <a:extLst>
+                      <a:ext uri="{FF2B5EF4-FFF2-40B4-BE49-F238E27FC236}">
+                        <a16:creationId xmlns:a16="http://schemas.microsoft.com/office/drawing/2014/main" id="{D34C63CC-2C53-6D8D-1689-77E43F8E8372}"/>
+                      </a:ext>
+                    </a:extLst>
+                  </p:cNvPr>
+                  <p:cNvSpPr/>
+                  <p:nvPr/>
+                </p:nvSpPr>
+                <p:spPr>
+                  <a:xfrm>
+                    <a:off x="3083926" y="2743029"/>
+                    <a:ext cx="1430923" cy="246001"/>
+                  </a:xfrm>
+                  <a:prstGeom prst="rect">
+                    <a:avLst/>
+                  </a:prstGeom>
+                  <a:noFill/>
+                  <a:ln>
+                    <a:noFill/>
+                  </a:ln>
+                </p:spPr>
+                <p:style>
+                  <a:lnRef idx="2">
+                    <a:schemeClr val="accent1">
+                      <a:shade val="15000"/>
+                    </a:schemeClr>
+                  </a:lnRef>
+                  <a:fillRef idx="1">
+                    <a:schemeClr val="accent1"/>
+                  </a:fillRef>
+                  <a:effectRef idx="0">
+                    <a:schemeClr val="accent1"/>
+                  </a:effectRef>
+                  <a:fontRef idx="minor">
+                    <a:schemeClr val="lt1"/>
+                  </a:fontRef>
+                </p:style>
+                <p:txBody>
+                  <a:bodyPr rtlCol="0" anchor="ctr"/>
+                  <a:lstStyle/>
+                  <a:p>
+                    <a:pPr algn="ctr"/>
+                    <a:r>
+                      <a:rPr lang="vi-VN" sz="800" dirty="0">
+                        <a:solidFill>
+                          <a:schemeClr val="tx1"/>
+                        </a:solidFill>
+                      </a:rPr>
+                      <a:t>Giày ABC model XYZ</a:t>
+                    </a:r>
+                    <a:endParaRPr lang="en-US" sz="800" dirty="0">
                       <a:solidFill>
                         <a:schemeClr val="tx1"/>
                       </a:solidFill>
-                    </a:rPr>
-                    <a:t>1</a:t>
-                  </a:r>
-                  <a:endParaRPr lang="en-US" sz="800" dirty="0">
+                    </a:endParaRPr>
+                  </a:p>
+                </p:txBody>
+              </p:sp>
+              <p:sp>
+                <p:nvSpPr>
+                  <p:cNvPr id="195" name="Rectangle 194">
+                    <a:extLst>
+                      <a:ext uri="{FF2B5EF4-FFF2-40B4-BE49-F238E27FC236}">
+                        <a16:creationId xmlns:a16="http://schemas.microsoft.com/office/drawing/2014/main" id="{D14F7846-03D5-6C70-F9B9-D6346A4594C5}"/>
+                      </a:ext>
+                    </a:extLst>
+                  </p:cNvPr>
+                  <p:cNvSpPr/>
+                  <p:nvPr/>
+                </p:nvSpPr>
+                <p:spPr>
+                  <a:xfrm>
+                    <a:off x="4494808" y="2725028"/>
+                    <a:ext cx="397482" cy="246001"/>
+                  </a:xfrm>
+                  <a:prstGeom prst="rect">
+                    <a:avLst/>
+                  </a:prstGeom>
+                  <a:noFill/>
+                  <a:ln>
                     <a:solidFill>
                       <a:schemeClr val="tx1"/>
                     </a:solidFill>
-                  </a:endParaRPr>
-                </a:p>
-              </p:txBody>
-            </p:sp>
-            <p:sp>
-              <p:nvSpPr>
-                <p:cNvPr id="198" name="Rectangle 197">
+                  </a:ln>
+                </p:spPr>
+                <p:style>
+                  <a:lnRef idx="2">
+                    <a:schemeClr val="accent1">
+                      <a:shade val="15000"/>
+                    </a:schemeClr>
+                  </a:lnRef>
+                  <a:fillRef idx="1">
+                    <a:schemeClr val="accent1"/>
+                  </a:fillRef>
+                  <a:effectRef idx="0">
+                    <a:schemeClr val="accent1"/>
+                  </a:effectRef>
+                  <a:fontRef idx="minor">
+                    <a:schemeClr val="lt1"/>
+                  </a:fontRef>
+                </p:style>
+                <p:txBody>
+                  <a:bodyPr rtlCol="0" anchor="ctr"/>
+                  <a:lstStyle/>
+                  <a:p>
+                    <a:r>
+                      <a:rPr lang="vi-VN" sz="800" dirty="0">
+                        <a:solidFill>
+                          <a:schemeClr val="tx1"/>
+                        </a:solidFill>
+                      </a:rPr>
+                      <a:t>37 </a:t>
+                    </a:r>
+                    <a:r>
+                      <a:rPr lang="vi-VN" sz="700" dirty="0">
+                        <a:solidFill>
+                          <a:schemeClr val="tx1"/>
+                        </a:solidFill>
+                      </a:rPr>
+                      <a:t>v</a:t>
+                    </a:r>
+                    <a:endParaRPr lang="en-US" sz="800" dirty="0">
+                      <a:solidFill>
+                        <a:schemeClr val="tx1"/>
+                      </a:solidFill>
+                    </a:endParaRPr>
+                  </a:p>
+                </p:txBody>
+              </p:sp>
+              <p:sp>
+                <p:nvSpPr>
+                  <p:cNvPr id="196" name="Rectangle 195">
+                    <a:extLst>
+                      <a:ext uri="{FF2B5EF4-FFF2-40B4-BE49-F238E27FC236}">
+                        <a16:creationId xmlns:a16="http://schemas.microsoft.com/office/drawing/2014/main" id="{007AE505-61C3-9DEF-E241-A8D14E1ED674}"/>
+                      </a:ext>
+                    </a:extLst>
+                  </p:cNvPr>
+                  <p:cNvSpPr/>
+                  <p:nvPr/>
+                </p:nvSpPr>
+                <p:spPr>
+                  <a:xfrm>
+                    <a:off x="4917752" y="2743029"/>
+                    <a:ext cx="917163" cy="246001"/>
+                  </a:xfrm>
+                  <a:prstGeom prst="rect">
+                    <a:avLst/>
+                  </a:prstGeom>
+                  <a:noFill/>
+                  <a:ln>
+                    <a:noFill/>
+                  </a:ln>
+                </p:spPr>
+                <p:style>
+                  <a:lnRef idx="2">
+                    <a:schemeClr val="accent1">
+                      <a:shade val="15000"/>
+                    </a:schemeClr>
+                  </a:lnRef>
+                  <a:fillRef idx="1">
+                    <a:schemeClr val="accent1"/>
+                  </a:fillRef>
+                  <a:effectRef idx="0">
+                    <a:schemeClr val="accent1"/>
+                  </a:effectRef>
+                  <a:fontRef idx="minor">
+                    <a:schemeClr val="lt1"/>
+                  </a:fontRef>
+                </p:style>
+                <p:txBody>
+                  <a:bodyPr rtlCol="0" anchor="ctr"/>
+                  <a:lstStyle/>
+                  <a:p>
+                    <a:pPr algn="ctr"/>
+                    <a:r>
+                      <a:rPr lang="vi-VN" sz="800" dirty="0">
+                        <a:solidFill>
+                          <a:schemeClr val="tx1"/>
+                        </a:solidFill>
+                      </a:rPr>
+                      <a:t>1.350.000 VND</a:t>
+                    </a:r>
+                    <a:endParaRPr lang="en-US" sz="800" dirty="0">
+                      <a:solidFill>
+                        <a:schemeClr val="tx1"/>
+                      </a:solidFill>
+                    </a:endParaRPr>
+                  </a:p>
+                </p:txBody>
+              </p:sp>
+              <p:sp>
+                <p:nvSpPr>
+                  <p:cNvPr id="197" name="Rectangle 196">
+                    <a:extLst>
+                      <a:ext uri="{FF2B5EF4-FFF2-40B4-BE49-F238E27FC236}">
+                        <a16:creationId xmlns:a16="http://schemas.microsoft.com/office/drawing/2014/main" id="{854DC3D0-3FB9-D835-981C-7375CF44C323}"/>
+                      </a:ext>
+                    </a:extLst>
+                  </p:cNvPr>
+                  <p:cNvSpPr/>
+                  <p:nvPr/>
+                </p:nvSpPr>
+                <p:spPr>
+                  <a:xfrm>
+                    <a:off x="5962805" y="2725027"/>
+                    <a:ext cx="246888" cy="246001"/>
+                  </a:xfrm>
+                  <a:prstGeom prst="rect">
+                    <a:avLst/>
+                  </a:prstGeom>
+                  <a:noFill/>
+                  <a:ln>
+                    <a:solidFill>
+                      <a:schemeClr val="tx1"/>
+                    </a:solidFill>
+                  </a:ln>
+                </p:spPr>
+                <p:style>
+                  <a:lnRef idx="2">
+                    <a:schemeClr val="accent1">
+                      <a:shade val="15000"/>
+                    </a:schemeClr>
+                  </a:lnRef>
+                  <a:fillRef idx="1">
+                    <a:schemeClr val="accent1"/>
+                  </a:fillRef>
+                  <a:effectRef idx="0">
+                    <a:schemeClr val="accent1"/>
+                  </a:effectRef>
+                  <a:fontRef idx="minor">
+                    <a:schemeClr val="lt1"/>
+                  </a:fontRef>
+                </p:style>
+                <p:txBody>
+                  <a:bodyPr rtlCol="0" anchor="ctr"/>
+                  <a:lstStyle/>
+                  <a:p>
+                    <a:pPr algn="ctr"/>
+                    <a:r>
+                      <a:rPr lang="vi-VN" sz="800" dirty="0">
+                        <a:solidFill>
+                          <a:schemeClr val="tx1"/>
+                        </a:solidFill>
+                      </a:rPr>
+                      <a:t>1</a:t>
+                    </a:r>
+                    <a:endParaRPr lang="en-US" sz="800" dirty="0">
+                      <a:solidFill>
+                        <a:schemeClr val="tx1"/>
+                      </a:solidFill>
+                    </a:endParaRPr>
+                  </a:p>
+                </p:txBody>
+              </p:sp>
+              <p:sp>
+                <p:nvSpPr>
+                  <p:cNvPr id="198" name="Rectangle 197">
+                    <a:extLst>
+                      <a:ext uri="{FF2B5EF4-FFF2-40B4-BE49-F238E27FC236}">
+                        <a16:creationId xmlns:a16="http://schemas.microsoft.com/office/drawing/2014/main" id="{4B65B90E-A38C-38A2-BA2E-8E501C8DB25C}"/>
+                      </a:ext>
+                    </a:extLst>
+                  </p:cNvPr>
+                  <p:cNvSpPr/>
+                  <p:nvPr/>
+                </p:nvSpPr>
+                <p:spPr>
+                  <a:xfrm>
+                    <a:off x="6532582" y="2725026"/>
+                    <a:ext cx="917163" cy="246001"/>
+                  </a:xfrm>
+                  <a:prstGeom prst="rect">
+                    <a:avLst/>
+                  </a:prstGeom>
+                  <a:noFill/>
+                  <a:ln>
+                    <a:noFill/>
+                  </a:ln>
+                </p:spPr>
+                <p:style>
+                  <a:lnRef idx="2">
+                    <a:schemeClr val="accent1">
+                      <a:shade val="15000"/>
+                    </a:schemeClr>
+                  </a:lnRef>
+                  <a:fillRef idx="1">
+                    <a:schemeClr val="accent1"/>
+                  </a:fillRef>
+                  <a:effectRef idx="0">
+                    <a:schemeClr val="accent1"/>
+                  </a:effectRef>
+                  <a:fontRef idx="minor">
+                    <a:schemeClr val="lt1"/>
+                  </a:fontRef>
+                </p:style>
+                <p:txBody>
+                  <a:bodyPr rtlCol="0" anchor="ctr"/>
+                  <a:lstStyle/>
+                  <a:p>
+                    <a:pPr algn="ctr"/>
+                    <a:r>
+                      <a:rPr lang="vi-VN" sz="800" dirty="0">
+                        <a:solidFill>
+                          <a:schemeClr val="tx1"/>
+                        </a:solidFill>
+                      </a:rPr>
+                      <a:t>1.350.000 VND</a:t>
+                    </a:r>
+                    <a:endParaRPr lang="en-US" sz="800" dirty="0">
+                      <a:solidFill>
+                        <a:schemeClr val="tx1"/>
+                      </a:solidFill>
+                    </a:endParaRPr>
+                  </a:p>
+                </p:txBody>
+              </p:sp>
+              <p:sp>
+                <p:nvSpPr>
+                  <p:cNvPr id="199" name="Rectangle 198">
+                    <a:extLst>
+                      <a:ext uri="{FF2B5EF4-FFF2-40B4-BE49-F238E27FC236}">
+                        <a16:creationId xmlns:a16="http://schemas.microsoft.com/office/drawing/2014/main" id="{DC84BCAA-F1D9-AA73-4587-92B0B7B46200}"/>
+                      </a:ext>
+                    </a:extLst>
+                  </p:cNvPr>
+                  <p:cNvSpPr/>
+                  <p:nvPr/>
+                </p:nvSpPr>
+                <p:spPr>
+                  <a:xfrm>
+                    <a:off x="7430112" y="2728133"/>
+                    <a:ext cx="246888" cy="246001"/>
+                  </a:xfrm>
+                  <a:prstGeom prst="rect">
+                    <a:avLst/>
+                  </a:prstGeom>
+                  <a:noFill/>
+                  <a:ln>
+                    <a:noFill/>
+                  </a:ln>
+                </p:spPr>
+                <p:style>
+                  <a:lnRef idx="2">
+                    <a:schemeClr val="accent1">
+                      <a:shade val="15000"/>
+                    </a:schemeClr>
+                  </a:lnRef>
+                  <a:fillRef idx="1">
+                    <a:schemeClr val="accent1"/>
+                  </a:fillRef>
+                  <a:effectRef idx="0">
+                    <a:schemeClr val="accent1"/>
+                  </a:effectRef>
+                  <a:fontRef idx="minor">
+                    <a:schemeClr val="lt1"/>
+                  </a:fontRef>
+                </p:style>
+                <p:txBody>
+                  <a:bodyPr rtlCol="0" anchor="t" anchorCtr="0"/>
+                  <a:lstStyle/>
+                  <a:p>
+                    <a:pPr algn="ctr"/>
+                    <a:r>
+                      <a:rPr lang="vi-VN" sz="800" dirty="0">
+                        <a:solidFill>
+                          <a:schemeClr val="tx1"/>
+                        </a:solidFill>
+                      </a:rPr>
+                      <a:t>X</a:t>
+                    </a:r>
+                    <a:endParaRPr lang="en-US" sz="800" dirty="0">
+                      <a:solidFill>
+                        <a:schemeClr val="tx1"/>
+                      </a:solidFill>
+                    </a:endParaRPr>
+                  </a:p>
+                </p:txBody>
+              </p:sp>
+            </p:grpSp>
+            <p:cxnSp>
+              <p:nvCxnSpPr>
+                <p:cNvPr id="192" name="Straight Connector 191">
                   <a:extLst>
                     <a:ext uri="{FF2B5EF4-FFF2-40B4-BE49-F238E27FC236}">
-                      <a16:creationId xmlns:a16="http://schemas.microsoft.com/office/drawing/2014/main" id="{4B65B90E-A38C-38A2-BA2E-8E501C8DB25C}"/>
+                      <a16:creationId xmlns:a16="http://schemas.microsoft.com/office/drawing/2014/main" id="{419644F6-B7E3-24D6-F922-82CF6BD0F8A7}"/>
                     </a:ext>
                   </a:extLst>
                 </p:cNvPr>
-                <p:cNvSpPr/>
+                <p:cNvCxnSpPr/>
                 <p:nvPr/>
-              </p:nvSpPr>
+              </p:nvCxnSpPr>
               <p:spPr>
                 <a:xfrm>
-                  <a:off x="6532582" y="2725026"/>
-                  <a:ext cx="917163" cy="246001"/>
+                  <a:off x="2305049" y="3048747"/>
+                  <a:ext cx="5371043" cy="0"/>
                 </a:xfrm>
-                <a:prstGeom prst="rect">
+                <a:prstGeom prst="line">
                   <a:avLst/>
                 </a:prstGeom>
-                <a:noFill/>
-                <a:ln>
-                  <a:noFill/>
-                </a:ln>
+                <a:ln w="9525"/>
               </p:spPr>
               <p:style>
-                <a:lnRef idx="2">
-                  <a:schemeClr val="accent1">
-                    <a:shade val="15000"/>
-                  </a:schemeClr>
+                <a:lnRef idx="1">
+                  <a:schemeClr val="dk1"/>
                 </a:lnRef>
-                <a:fillRef idx="1">
-                  <a:schemeClr val="accent1"/>
+                <a:fillRef idx="0">
+                  <a:schemeClr val="dk1"/>
                 </a:fillRef>
                 <a:effectRef idx="0">
-                  <a:schemeClr val="accent1"/>
+                  <a:schemeClr val="dk1"/>
                 </a:effectRef>
                 <a:fontRef idx="minor">
-                  <a:schemeClr val="lt1"/>
+                  <a:schemeClr val="tx1"/>
                 </a:fontRef>
               </p:style>
-              <p:txBody>
-                <a:bodyPr rtlCol="0" anchor="ctr"/>
-                <a:lstStyle/>
-                <a:p>
-                  <a:pPr algn="ctr"/>
-                  <a:r>
-                    <a:rPr lang="vi-VN" sz="800" dirty="0">
-                      <a:solidFill>
-                        <a:schemeClr val="tx1"/>
-                      </a:solidFill>
-                    </a:rPr>
-                    <a:t>1.350.000 VND</a:t>
-                  </a:r>
-                  <a:endParaRPr lang="en-US" sz="800" dirty="0">
-                    <a:solidFill>
-                      <a:schemeClr val="tx1"/>
-                    </a:solidFill>
-                  </a:endParaRPr>
-                </a:p>
-              </p:txBody>
-            </p:sp>
-            <p:sp>
-              <p:nvSpPr>
-                <p:cNvPr id="199" name="Rectangle 198">
-                  <a:extLst>
-                    <a:ext uri="{FF2B5EF4-FFF2-40B4-BE49-F238E27FC236}">
-                      <a16:creationId xmlns:a16="http://schemas.microsoft.com/office/drawing/2014/main" id="{DC84BCAA-F1D9-AA73-4587-92B0B7B46200}"/>
-                    </a:ext>
-                  </a:extLst>
-                </p:cNvPr>
-                <p:cNvSpPr/>
-                <p:nvPr/>
-              </p:nvSpPr>
-              <p:spPr>
-                <a:xfrm>
-                  <a:off x="7430112" y="2728133"/>
-                  <a:ext cx="246888" cy="246001"/>
-                </a:xfrm>
-                <a:prstGeom prst="rect">
-                  <a:avLst/>
-                </a:prstGeom>
-                <a:noFill/>
-                <a:ln>
-                  <a:noFill/>
-                </a:ln>
-              </p:spPr>
-              <p:style>
-                <a:lnRef idx="2">
-                  <a:schemeClr val="accent1">
-                    <a:shade val="15000"/>
-                  </a:schemeClr>
-                </a:lnRef>
-                <a:fillRef idx="1">
-                  <a:schemeClr val="accent1"/>
-                </a:fillRef>
-                <a:effectRef idx="0">
-                  <a:schemeClr val="accent1"/>
-                </a:effectRef>
-                <a:fontRef idx="minor">
-                  <a:schemeClr val="lt1"/>
-                </a:fontRef>
-              </p:style>
-              <p:txBody>
-                <a:bodyPr rtlCol="0" anchor="t" anchorCtr="0"/>
-                <a:lstStyle/>
-                <a:p>
-                  <a:pPr algn="ctr"/>
-                  <a:r>
-                    <a:rPr lang="vi-VN" sz="800" dirty="0">
-                      <a:solidFill>
-                        <a:schemeClr val="tx1"/>
-                      </a:solidFill>
-                    </a:rPr>
-                    <a:t>X</a:t>
-                  </a:r>
-                  <a:endParaRPr lang="en-US" sz="800" dirty="0">
-                    <a:solidFill>
-                      <a:schemeClr val="tx1"/>
-                    </a:solidFill>
-                  </a:endParaRPr>
-                </a:p>
-              </p:txBody>
-            </p:sp>
+            </p:cxnSp>
           </p:grpSp>
-          <p:cxnSp>
-            <p:nvCxnSpPr>
-              <p:cNvPr id="192" name="Straight Connector 191">
-                <a:extLst>
-                  <a:ext uri="{FF2B5EF4-FFF2-40B4-BE49-F238E27FC236}">
-                    <a16:creationId xmlns:a16="http://schemas.microsoft.com/office/drawing/2014/main" id="{419644F6-B7E3-24D6-F922-82CF6BD0F8A7}"/>
-                  </a:ext>
-                </a:extLst>
-              </p:cNvPr>
-              <p:cNvCxnSpPr/>
-              <p:nvPr/>
-            </p:nvCxnSpPr>
-            <p:spPr>
-              <a:xfrm>
-                <a:off x="2305049" y="3048747"/>
-                <a:ext cx="5371043" cy="0"/>
-              </a:xfrm>
-              <a:prstGeom prst="line">
-                <a:avLst/>
-              </a:prstGeom>
-              <a:ln w="9525"/>
-            </p:spPr>
-            <p:style>
-              <a:lnRef idx="1">
-                <a:schemeClr val="dk1"/>
-              </a:lnRef>
-              <a:fillRef idx="0">
-                <a:schemeClr val="dk1"/>
-              </a:fillRef>
-              <a:effectRef idx="0">
-                <a:schemeClr val="dk1"/>
-              </a:effectRef>
-              <a:fontRef idx="minor">
-                <a:schemeClr val="tx1"/>
-              </a:fontRef>
-            </p:style>
-          </p:cxnSp>
         </p:grpSp>
+        <p:cxnSp>
+          <p:nvCxnSpPr>
+            <p:cNvPr id="206" name="Straight Connector 205">
+              <a:extLst>
+                <a:ext uri="{FF2B5EF4-FFF2-40B4-BE49-F238E27FC236}">
+                  <a16:creationId xmlns:a16="http://schemas.microsoft.com/office/drawing/2014/main" id="{53B7DEFD-AE1D-B41C-9189-06AD495C7271}"/>
+                </a:ext>
+              </a:extLst>
+            </p:cNvPr>
+            <p:cNvCxnSpPr/>
+            <p:nvPr/>
+          </p:nvCxnSpPr>
+          <p:spPr>
+            <a:xfrm>
+              <a:off x="7912184" y="2866029"/>
+              <a:ext cx="1803316" cy="0"/>
+            </a:xfrm>
+            <a:prstGeom prst="line">
+              <a:avLst/>
+            </a:prstGeom>
+          </p:spPr>
+          <p:style>
+            <a:lnRef idx="1">
+              <a:schemeClr val="dk1"/>
+            </a:lnRef>
+            <a:fillRef idx="0">
+              <a:schemeClr val="dk1"/>
+            </a:fillRef>
+            <a:effectRef idx="0">
+              <a:schemeClr val="dk1"/>
+            </a:effectRef>
+            <a:fontRef idx="minor">
+              <a:schemeClr val="tx1"/>
+            </a:fontRef>
+          </p:style>
+        </p:cxnSp>
+        <p:pic>
+          <p:nvPicPr>
+            <p:cNvPr id="208" name="Graphic 207" descr="Badge Tick1 with solid fill">
+              <a:extLst>
+                <a:ext uri="{FF2B5EF4-FFF2-40B4-BE49-F238E27FC236}">
+                  <a16:creationId xmlns:a16="http://schemas.microsoft.com/office/drawing/2014/main" id="{C11211DD-CA39-55FD-3B7A-E300730EDA8B}"/>
+                </a:ext>
+              </a:extLst>
+            </p:cNvPr>
+            <p:cNvPicPr>
+              <a:picLocks noChangeAspect="1"/>
+            </p:cNvPicPr>
+            <p:nvPr/>
+          </p:nvPicPr>
+          <p:blipFill>
+            <a:blip r:embed="rId10">
+              <a:extLst>
+                <a:ext uri="{28A0092B-C50C-407E-A947-70E740481C1C}">
+                  <a14:useLocalDpi xmlns:a14="http://schemas.microsoft.com/office/drawing/2010/main" val="0"/>
+                </a:ext>
+                <a:ext uri="{96DAC541-7B7A-43D3-8B79-37D633B846F1}">
+                  <asvg:svgBlip xmlns:asvg="http://schemas.microsoft.com/office/drawing/2016/SVG/main" r:embed="rId11"/>
+                </a:ext>
+              </a:extLst>
+            </a:blip>
+            <a:stretch>
+              <a:fillRect/>
+            </a:stretch>
+          </p:blipFill>
+          <p:spPr>
+            <a:xfrm>
+              <a:off x="2316670" y="2809965"/>
+              <a:ext cx="91440" cy="91440"/>
+            </a:xfrm>
+            <a:prstGeom prst="rect">
+              <a:avLst/>
+            </a:prstGeom>
+          </p:spPr>
+        </p:pic>
+        <p:pic>
+          <p:nvPicPr>
+            <p:cNvPr id="209" name="Graphic 208" descr="Badge Tick1 with solid fill">
+              <a:extLst>
+                <a:ext uri="{FF2B5EF4-FFF2-40B4-BE49-F238E27FC236}">
+                  <a16:creationId xmlns:a16="http://schemas.microsoft.com/office/drawing/2014/main" id="{E18591C5-74F2-C150-0B7D-1C8C25AA8093}"/>
+                </a:ext>
+              </a:extLst>
+            </p:cNvPr>
+            <p:cNvPicPr>
+              <a:picLocks noChangeAspect="1"/>
+            </p:cNvPicPr>
+            <p:nvPr/>
+          </p:nvPicPr>
+          <p:blipFill>
+            <a:blip r:embed="rId10">
+              <a:extLst>
+                <a:ext uri="{28A0092B-C50C-407E-A947-70E740481C1C}">
+                  <a14:useLocalDpi xmlns:a14="http://schemas.microsoft.com/office/drawing/2010/main" val="0"/>
+                </a:ext>
+                <a:ext uri="{96DAC541-7B7A-43D3-8B79-37D633B846F1}">
+                  <asvg:svgBlip xmlns:asvg="http://schemas.microsoft.com/office/drawing/2016/SVG/main" r:embed="rId11"/>
+                </a:ext>
+              </a:extLst>
+            </a:blip>
+            <a:stretch>
+              <a:fillRect/>
+            </a:stretch>
+          </p:blipFill>
+          <p:spPr>
+            <a:xfrm>
+              <a:off x="2316670" y="3295091"/>
+              <a:ext cx="91440" cy="91440"/>
+            </a:xfrm>
+            <a:prstGeom prst="rect">
+              <a:avLst/>
+            </a:prstGeom>
+          </p:spPr>
+        </p:pic>
+        <p:sp>
+          <p:nvSpPr>
+            <p:cNvPr id="210" name="Rectangle 209">
+              <a:extLst>
+                <a:ext uri="{FF2B5EF4-FFF2-40B4-BE49-F238E27FC236}">
+                  <a16:creationId xmlns:a16="http://schemas.microsoft.com/office/drawing/2014/main" id="{002671AD-8A2C-D7DF-6DEA-F8B66FD3459B}"/>
+                </a:ext>
+              </a:extLst>
+            </p:cNvPr>
+            <p:cNvSpPr/>
+            <p:nvPr/>
+          </p:nvSpPr>
+          <p:spPr>
+            <a:xfrm>
+              <a:off x="7990458" y="4692996"/>
+              <a:ext cx="1670728" cy="273700"/>
+            </a:xfrm>
+            <a:prstGeom prst="rect">
+              <a:avLst/>
+            </a:prstGeom>
+          </p:spPr>
+          <p:style>
+            <a:lnRef idx="1">
+              <a:schemeClr val="accent2"/>
+            </a:lnRef>
+            <a:fillRef idx="2">
+              <a:schemeClr val="accent2"/>
+            </a:fillRef>
+            <a:effectRef idx="1">
+              <a:schemeClr val="accent2"/>
+            </a:effectRef>
+            <a:fontRef idx="minor">
+              <a:schemeClr val="dk1"/>
+            </a:fontRef>
+          </p:style>
+          <p:txBody>
+            <a:bodyPr wrap="square" rtlCol="0" anchor="ctr"/>
+            <a:lstStyle>
+              <a:lvl1pPr marL="0" indent="0">
+                <a:defRPr sz="1100">
+                  <a:solidFill>
+                    <a:schemeClr val="dk1"/>
+                  </a:solidFill>
+                  <a:latin typeface="+mn-lt"/>
+                  <a:ea typeface="+mn-ea"/>
+                  <a:cs typeface="+mn-cs"/>
+                </a:defRPr>
+              </a:lvl1pPr>
+              <a:lvl2pPr marL="457200" indent="0">
+                <a:defRPr sz="1100">
+                  <a:solidFill>
+                    <a:schemeClr val="dk1"/>
+                  </a:solidFill>
+                  <a:latin typeface="+mn-lt"/>
+                  <a:ea typeface="+mn-ea"/>
+                  <a:cs typeface="+mn-cs"/>
+                </a:defRPr>
+              </a:lvl2pPr>
+              <a:lvl3pPr marL="914400" indent="0">
+                <a:defRPr sz="1100">
+                  <a:solidFill>
+                    <a:schemeClr val="dk1"/>
+                  </a:solidFill>
+                  <a:latin typeface="+mn-lt"/>
+                  <a:ea typeface="+mn-ea"/>
+                  <a:cs typeface="+mn-cs"/>
+                </a:defRPr>
+              </a:lvl3pPr>
+              <a:lvl4pPr marL="1371600" indent="0">
+                <a:defRPr sz="1100">
+                  <a:solidFill>
+                    <a:schemeClr val="dk1"/>
+                  </a:solidFill>
+                  <a:latin typeface="+mn-lt"/>
+                  <a:ea typeface="+mn-ea"/>
+                  <a:cs typeface="+mn-cs"/>
+                </a:defRPr>
+              </a:lvl4pPr>
+              <a:lvl5pPr marL="1828800" indent="0">
+                <a:defRPr sz="1100">
+                  <a:solidFill>
+                    <a:schemeClr val="dk1"/>
+                  </a:solidFill>
+                  <a:latin typeface="+mn-lt"/>
+                  <a:ea typeface="+mn-ea"/>
+                  <a:cs typeface="+mn-cs"/>
+                </a:defRPr>
+              </a:lvl5pPr>
+              <a:lvl6pPr marL="2286000" indent="0">
+                <a:defRPr sz="1100">
+                  <a:solidFill>
+                    <a:schemeClr val="dk1"/>
+                  </a:solidFill>
+                  <a:latin typeface="+mn-lt"/>
+                  <a:ea typeface="+mn-ea"/>
+                  <a:cs typeface="+mn-cs"/>
+                </a:defRPr>
+              </a:lvl6pPr>
+              <a:lvl7pPr marL="2743200" indent="0">
+                <a:defRPr sz="1100">
+                  <a:solidFill>
+                    <a:schemeClr val="dk1"/>
+                  </a:solidFill>
+                  <a:latin typeface="+mn-lt"/>
+                  <a:ea typeface="+mn-ea"/>
+                  <a:cs typeface="+mn-cs"/>
+                </a:defRPr>
+              </a:lvl7pPr>
+              <a:lvl8pPr marL="3200400" indent="0">
+                <a:defRPr sz="1100">
+                  <a:solidFill>
+                    <a:schemeClr val="dk1"/>
+                  </a:solidFill>
+                  <a:latin typeface="+mn-lt"/>
+                  <a:ea typeface="+mn-ea"/>
+                  <a:cs typeface="+mn-cs"/>
+                </a:defRPr>
+              </a:lvl8pPr>
+              <a:lvl9pPr marL="3657600" indent="0">
+                <a:defRPr sz="1100">
+                  <a:solidFill>
+                    <a:schemeClr val="dk1"/>
+                  </a:solidFill>
+                  <a:latin typeface="+mn-lt"/>
+                  <a:ea typeface="+mn-ea"/>
+                  <a:cs typeface="+mn-cs"/>
+                </a:defRPr>
+              </a:lvl9pPr>
+            </a:lstStyle>
+            <a:p>
+              <a:pPr algn="ctr"/>
+              <a:r>
+                <a:rPr lang="vi-VN" sz="1100" kern="1200" dirty="0">
+                  <a:solidFill>
+                    <a:schemeClr val="dk1"/>
+                  </a:solidFill>
+                  <a:effectLst/>
+                  <a:latin typeface="+mn-lt"/>
+                  <a:ea typeface="+mn-ea"/>
+                  <a:cs typeface="+mn-cs"/>
+                </a:rPr>
+                <a:t>Tiến hành đặt hàng</a:t>
+              </a:r>
+              <a:endParaRPr lang="en-US" sz="900" dirty="0"/>
+            </a:p>
+          </p:txBody>
+        </p:sp>
       </p:grpSp>
-      <p:cxnSp>
-        <p:nvCxnSpPr>
-          <p:cNvPr id="206" name="Straight Connector 205">
+      <p:sp>
+        <p:nvSpPr>
+          <p:cNvPr id="7" name="Rectangle 6">
             <a:extLst>
               <a:ext uri="{FF2B5EF4-FFF2-40B4-BE49-F238E27FC236}">
-                <a16:creationId xmlns:a16="http://schemas.microsoft.com/office/drawing/2014/main" id="{53B7DEFD-AE1D-B41C-9189-06AD495C7271}"/>
-              </a:ext>
-            </a:extLst>
-          </p:cNvPr>
-          <p:cNvCxnSpPr/>
-          <p:nvPr/>
-        </p:nvCxnSpPr>
-        <p:spPr>
-          <a:xfrm>
-            <a:off x="7912184" y="2866029"/>
-            <a:ext cx="1803316" cy="0"/>
-          </a:xfrm>
-          <a:prstGeom prst="line">
-            <a:avLst/>
-          </a:prstGeom>
-        </p:spPr>
-        <p:style>
-          <a:lnRef idx="1">
-            <a:schemeClr val="dk1"/>
-          </a:lnRef>
-          <a:fillRef idx="0">
-            <a:schemeClr val="dk1"/>
-          </a:fillRef>
-          <a:effectRef idx="0">
-            <a:schemeClr val="dk1"/>
-          </a:effectRef>
-          <a:fontRef idx="minor">
-            <a:schemeClr val="tx1"/>
-          </a:fontRef>
-        </p:style>
-      </p:cxnSp>
-      <p:pic>
-        <p:nvPicPr>
-          <p:cNvPr id="208" name="Graphic 207" descr="Badge Tick1 with solid fill">
-            <a:extLst>
-              <a:ext uri="{FF2B5EF4-FFF2-40B4-BE49-F238E27FC236}">
-                <a16:creationId xmlns:a16="http://schemas.microsoft.com/office/drawing/2014/main" id="{C11211DD-CA39-55FD-3B7A-E300730EDA8B}"/>
-              </a:ext>
-            </a:extLst>
-          </p:cNvPr>
-          <p:cNvPicPr>
-            <a:picLocks noChangeAspect="1"/>
-          </p:cNvPicPr>
-          <p:nvPr/>
-        </p:nvPicPr>
-        <p:blipFill>
-          <a:blip r:embed="rId10">
-            <a:extLst>
-              <a:ext uri="{28A0092B-C50C-407E-A947-70E740481C1C}">
-                <a14:useLocalDpi xmlns:a14="http://schemas.microsoft.com/office/drawing/2010/main" val="0"/>
-              </a:ext>
-              <a:ext uri="{96DAC541-7B7A-43D3-8B79-37D633B846F1}">
-                <asvg:svgBlip xmlns:asvg="http://schemas.microsoft.com/office/drawing/2016/SVG/main" r:embed="rId11"/>
-              </a:ext>
-            </a:extLst>
-          </a:blip>
-          <a:stretch>
-            <a:fillRect/>
-          </a:stretch>
-        </p:blipFill>
-        <p:spPr>
-          <a:xfrm>
-            <a:off x="2316670" y="2809965"/>
-            <a:ext cx="91440" cy="91440"/>
-          </a:xfrm>
-          <a:prstGeom prst="rect">
-            <a:avLst/>
-          </a:prstGeom>
-        </p:spPr>
-      </p:pic>
-      <p:pic>
-        <p:nvPicPr>
-          <p:cNvPr id="209" name="Graphic 208" descr="Badge Tick1 with solid fill">
-            <a:extLst>
-              <a:ext uri="{FF2B5EF4-FFF2-40B4-BE49-F238E27FC236}">
-                <a16:creationId xmlns:a16="http://schemas.microsoft.com/office/drawing/2014/main" id="{E18591C5-74F2-C150-0B7D-1C8C25AA8093}"/>
-              </a:ext>
-            </a:extLst>
-          </p:cNvPr>
-          <p:cNvPicPr>
-            <a:picLocks noChangeAspect="1"/>
-          </p:cNvPicPr>
-          <p:nvPr/>
-        </p:nvPicPr>
-        <p:blipFill>
-          <a:blip r:embed="rId10">
-            <a:extLst>
-              <a:ext uri="{28A0092B-C50C-407E-A947-70E740481C1C}">
-                <a14:useLocalDpi xmlns:a14="http://schemas.microsoft.com/office/drawing/2010/main" val="0"/>
-              </a:ext>
-              <a:ext uri="{96DAC541-7B7A-43D3-8B79-37D633B846F1}">
-                <asvg:svgBlip xmlns:asvg="http://schemas.microsoft.com/office/drawing/2016/SVG/main" r:embed="rId11"/>
-              </a:ext>
-            </a:extLst>
-          </a:blip>
-          <a:stretch>
-            <a:fillRect/>
-          </a:stretch>
-        </p:blipFill>
-        <p:spPr>
-          <a:xfrm>
-            <a:off x="2316670" y="3295091"/>
-            <a:ext cx="91440" cy="91440"/>
-          </a:xfrm>
-          <a:prstGeom prst="rect">
-            <a:avLst/>
-          </a:prstGeom>
-        </p:spPr>
-      </p:pic>
-      <p:sp>
-        <p:nvSpPr>
-          <p:cNvPr id="210" name="Rectangle 209">
-            <a:extLst>
-              <a:ext uri="{FF2B5EF4-FFF2-40B4-BE49-F238E27FC236}">
-                <a16:creationId xmlns:a16="http://schemas.microsoft.com/office/drawing/2014/main" id="{002671AD-8A2C-D7DF-6DEA-F8B66FD3459B}"/>
+                <a16:creationId xmlns:a16="http://schemas.microsoft.com/office/drawing/2014/main" id="{C7CC2CFE-9E6F-7335-BB1F-26546C025356}"/>
               </a:ext>
             </a:extLst>
           </p:cNvPr>
@@ -33048,136 +33216,101 @@
         </p:nvSpPr>
         <p:spPr>
           <a:xfrm>
-            <a:off x="7990458" y="4692996"/>
-            <a:ext cx="1670728" cy="273700"/>
+            <a:off x="921647" y="2402047"/>
+            <a:ext cx="643811" cy="1598804"/>
           </a:xfrm>
           <a:prstGeom prst="rect">
             <a:avLst/>
           </a:prstGeom>
+          <a:solidFill>
+            <a:schemeClr val="bg1">
+              <a:lumMod val="95000"/>
+            </a:schemeClr>
+          </a:solidFill>
         </p:spPr>
         <p:style>
-          <a:lnRef idx="1">
-            <a:schemeClr val="accent2"/>
+          <a:lnRef idx="2">
+            <a:schemeClr val="accent1">
+              <a:shade val="15000"/>
+            </a:schemeClr>
           </a:lnRef>
-          <a:fillRef idx="2">
-            <a:schemeClr val="accent2"/>
+          <a:fillRef idx="1">
+            <a:schemeClr val="accent1"/>
           </a:fillRef>
-          <a:effectRef idx="1">
-            <a:schemeClr val="accent2"/>
+          <a:effectRef idx="0">
+            <a:schemeClr val="accent1"/>
           </a:effectRef>
           <a:fontRef idx="minor">
-            <a:schemeClr val="dk1"/>
+            <a:schemeClr val="lt1"/>
           </a:fontRef>
         </p:style>
         <p:txBody>
-          <a:bodyPr wrap="square" rtlCol="0" anchor="ctr"/>
-          <a:lstStyle>
-            <a:lvl1pPr marL="0" indent="0">
-              <a:defRPr sz="1100">
+          <a:bodyPr rtlCol="0" anchor="ctr"/>
+          <a:lstStyle/>
+          <a:p>
+            <a:r>
+              <a:rPr lang="vi-VN" dirty="0">
                 <a:solidFill>
-                  <a:schemeClr val="dk1"/>
+                  <a:schemeClr val="tx1"/>
                 </a:solidFill>
-                <a:latin typeface="+mn-lt"/>
-                <a:ea typeface="+mn-ea"/>
-                <a:cs typeface="+mn-cs"/>
-              </a:defRPr>
-            </a:lvl1pPr>
-            <a:lvl2pPr marL="457200" indent="0">
-              <a:defRPr sz="1100">
+              </a:rPr>
+              <a:t>37</a:t>
+            </a:r>
+          </a:p>
+          <a:p>
+            <a:r>
+              <a:rPr lang="vi-VN" dirty="0">
                 <a:solidFill>
-                  <a:schemeClr val="dk1"/>
+                  <a:schemeClr val="tx1"/>
                 </a:solidFill>
-                <a:latin typeface="+mn-lt"/>
-                <a:ea typeface="+mn-ea"/>
-                <a:cs typeface="+mn-cs"/>
-              </a:defRPr>
-            </a:lvl2pPr>
-            <a:lvl3pPr marL="914400" indent="0">
-              <a:defRPr sz="1100">
+              </a:rPr>
+              <a:t>38</a:t>
+            </a:r>
+          </a:p>
+          <a:p>
+            <a:r>
+              <a:rPr lang="vi-VN" dirty="0">
                 <a:solidFill>
-                  <a:schemeClr val="dk1"/>
+                  <a:schemeClr val="tx1"/>
                 </a:solidFill>
-                <a:latin typeface="+mn-lt"/>
-                <a:ea typeface="+mn-ea"/>
-                <a:cs typeface="+mn-cs"/>
-              </a:defRPr>
-            </a:lvl3pPr>
-            <a:lvl4pPr marL="1371600" indent="0">
-              <a:defRPr sz="1100">
+              </a:rPr>
+              <a:t>39</a:t>
+            </a:r>
+          </a:p>
+          <a:p>
+            <a:r>
+              <a:rPr lang="vi-VN" dirty="0">
                 <a:solidFill>
-                  <a:schemeClr val="dk1"/>
+                  <a:schemeClr val="tx1"/>
                 </a:solidFill>
-                <a:latin typeface="+mn-lt"/>
-                <a:ea typeface="+mn-ea"/>
-                <a:cs typeface="+mn-cs"/>
-              </a:defRPr>
-            </a:lvl4pPr>
-            <a:lvl5pPr marL="1828800" indent="0">
-              <a:defRPr sz="1100">
+              </a:rPr>
+              <a:t>41</a:t>
+            </a:r>
+          </a:p>
+          <a:p>
+            <a:r>
+              <a:rPr lang="vi-VN" dirty="0">
                 <a:solidFill>
-                  <a:schemeClr val="dk1"/>
+                  <a:schemeClr val="tx1"/>
                 </a:solidFill>
-                <a:latin typeface="+mn-lt"/>
-                <a:ea typeface="+mn-ea"/>
-                <a:cs typeface="+mn-cs"/>
-              </a:defRPr>
-            </a:lvl5pPr>
-            <a:lvl6pPr marL="2286000" indent="0">
-              <a:defRPr sz="1100">
+              </a:rPr>
+              <a:t>43</a:t>
+            </a:r>
+          </a:p>
+          <a:p>
+            <a:r>
+              <a:rPr lang="vi-VN" dirty="0">
                 <a:solidFill>
-                  <a:schemeClr val="dk1"/>
+                  <a:schemeClr val="tx1"/>
                 </a:solidFill>
-                <a:latin typeface="+mn-lt"/>
-                <a:ea typeface="+mn-ea"/>
-                <a:cs typeface="+mn-cs"/>
-              </a:defRPr>
-            </a:lvl6pPr>
-            <a:lvl7pPr marL="2743200" indent="0">
-              <a:defRPr sz="1100">
-                <a:solidFill>
-                  <a:schemeClr val="dk1"/>
-                </a:solidFill>
-                <a:latin typeface="+mn-lt"/>
-                <a:ea typeface="+mn-ea"/>
-                <a:cs typeface="+mn-cs"/>
-              </a:defRPr>
-            </a:lvl7pPr>
-            <a:lvl8pPr marL="3200400" indent="0">
-              <a:defRPr sz="1100">
-                <a:solidFill>
-                  <a:schemeClr val="dk1"/>
-                </a:solidFill>
-                <a:latin typeface="+mn-lt"/>
-                <a:ea typeface="+mn-ea"/>
-                <a:cs typeface="+mn-cs"/>
-              </a:defRPr>
-            </a:lvl8pPr>
-            <a:lvl9pPr marL="3657600" indent="0">
-              <a:defRPr sz="1100">
-                <a:solidFill>
-                  <a:schemeClr val="dk1"/>
-                </a:solidFill>
-                <a:latin typeface="+mn-lt"/>
-                <a:ea typeface="+mn-ea"/>
-                <a:cs typeface="+mn-cs"/>
-              </a:defRPr>
-            </a:lvl9pPr>
-          </a:lstStyle>
-          <a:p>
-            <a:pPr algn="ctr"/>
-            <a:r>
-              <a:rPr lang="vi-VN" sz="1100" kern="1200" dirty="0">
-                <a:solidFill>
-                  <a:schemeClr val="dk1"/>
-                </a:solidFill>
-                <a:effectLst/>
-                <a:latin typeface="+mn-lt"/>
-                <a:ea typeface="+mn-ea"/>
-                <a:cs typeface="+mn-cs"/>
               </a:rPr>
-              <a:t>Tiến hành đặt hàng</a:t>
+              <a:t>44</a:t>
             </a:r>
-            <a:endParaRPr lang="en-US" sz="900" dirty="0"/>
+            <a:endParaRPr lang="en-US" dirty="0">
+              <a:solidFill>
+                <a:schemeClr val="tx1"/>
+              </a:solidFill>
+            </a:endParaRPr>
           </a:p>
         </p:txBody>
       </p:sp>

--- a/BaoCao/2.Thiết kế hệ thống/GiaoDien.pptx
+++ b/BaoCao/2.Thiết kế hệ thống/GiaoDien.pptx
@@ -18,6 +18,8 @@
     <p:sldId id="267" r:id="rId12"/>
     <p:sldId id="268" r:id="rId13"/>
     <p:sldId id="269" r:id="rId14"/>
+    <p:sldId id="270" r:id="rId15"/>
+    <p:sldId id="271" r:id="rId16"/>
   </p:sldIdLst>
   <p:sldSz cx="12192000" cy="6858000"/>
   <p:notesSz cx="6858000" cy="9144000"/>
@@ -1122,7 +1124,7 @@
           <a:p>
             <a:fld id="{67A7A6C0-62BD-48B3-A38A-BFC3C65E18C6}" type="datetimeFigureOut">
               <a:rPr lang="en-US" smtClean="0"/>
-              <a:t>10/12/2023</a:t>
+              <a:t>10/25/2023</a:t>
             </a:fld>
             <a:endParaRPr lang="en-US"/>
           </a:p>
@@ -1320,7 +1322,7 @@
           <a:p>
             <a:fld id="{67A7A6C0-62BD-48B3-A38A-BFC3C65E18C6}" type="datetimeFigureOut">
               <a:rPr lang="en-US" smtClean="0"/>
-              <a:t>10/12/2023</a:t>
+              <a:t>10/25/2023</a:t>
             </a:fld>
             <a:endParaRPr lang="en-US"/>
           </a:p>
@@ -1528,7 +1530,7 @@
           <a:p>
             <a:fld id="{67A7A6C0-62BD-48B3-A38A-BFC3C65E18C6}" type="datetimeFigureOut">
               <a:rPr lang="en-US" smtClean="0"/>
-              <a:t>10/12/2023</a:t>
+              <a:t>10/25/2023</a:t>
             </a:fld>
             <a:endParaRPr lang="en-US"/>
           </a:p>
@@ -1726,7 +1728,7 @@
           <a:p>
             <a:fld id="{67A7A6C0-62BD-48B3-A38A-BFC3C65E18C6}" type="datetimeFigureOut">
               <a:rPr lang="en-US" smtClean="0"/>
-              <a:t>10/12/2023</a:t>
+              <a:t>10/25/2023</a:t>
             </a:fld>
             <a:endParaRPr lang="en-US"/>
           </a:p>
@@ -2001,7 +2003,7 @@
           <a:p>
             <a:fld id="{67A7A6C0-62BD-48B3-A38A-BFC3C65E18C6}" type="datetimeFigureOut">
               <a:rPr lang="en-US" smtClean="0"/>
-              <a:t>10/12/2023</a:t>
+              <a:t>10/25/2023</a:t>
             </a:fld>
             <a:endParaRPr lang="en-US"/>
           </a:p>
@@ -2266,7 +2268,7 @@
           <a:p>
             <a:fld id="{67A7A6C0-62BD-48B3-A38A-BFC3C65E18C6}" type="datetimeFigureOut">
               <a:rPr lang="en-US" smtClean="0"/>
-              <a:t>10/12/2023</a:t>
+              <a:t>10/25/2023</a:t>
             </a:fld>
             <a:endParaRPr lang="en-US"/>
           </a:p>
@@ -2678,7 +2680,7 @@
           <a:p>
             <a:fld id="{67A7A6C0-62BD-48B3-A38A-BFC3C65E18C6}" type="datetimeFigureOut">
               <a:rPr lang="en-US" smtClean="0"/>
-              <a:t>10/12/2023</a:t>
+              <a:t>10/25/2023</a:t>
             </a:fld>
             <a:endParaRPr lang="en-US"/>
           </a:p>
@@ -2819,7 +2821,7 @@
           <a:p>
             <a:fld id="{67A7A6C0-62BD-48B3-A38A-BFC3C65E18C6}" type="datetimeFigureOut">
               <a:rPr lang="en-US" smtClean="0"/>
-              <a:t>10/12/2023</a:t>
+              <a:t>10/25/2023</a:t>
             </a:fld>
             <a:endParaRPr lang="en-US"/>
           </a:p>
@@ -2932,7 +2934,7 @@
           <a:p>
             <a:fld id="{67A7A6C0-62BD-48B3-A38A-BFC3C65E18C6}" type="datetimeFigureOut">
               <a:rPr lang="en-US" smtClean="0"/>
-              <a:t>10/12/2023</a:t>
+              <a:t>10/25/2023</a:t>
             </a:fld>
             <a:endParaRPr lang="en-US"/>
           </a:p>
@@ -3243,7 +3245,7 @@
           <a:p>
             <a:fld id="{67A7A6C0-62BD-48B3-A38A-BFC3C65E18C6}" type="datetimeFigureOut">
               <a:rPr lang="en-US" smtClean="0"/>
-              <a:t>10/12/2023</a:t>
+              <a:t>10/25/2023</a:t>
             </a:fld>
             <a:endParaRPr lang="en-US"/>
           </a:p>
@@ -3531,7 +3533,7 @@
           <a:p>
             <a:fld id="{67A7A6C0-62BD-48B3-A38A-BFC3C65E18C6}" type="datetimeFigureOut">
               <a:rPr lang="en-US" smtClean="0"/>
-              <a:t>10/12/2023</a:t>
+              <a:t>10/25/2023</a:t>
             </a:fld>
             <a:endParaRPr lang="en-US"/>
           </a:p>
@@ -3772,7 +3774,7 @@
           <a:p>
             <a:fld id="{67A7A6C0-62BD-48B3-A38A-BFC3C65E18C6}" type="datetimeFigureOut">
               <a:rPr lang="en-US" smtClean="0"/>
-              <a:t>10/12/2023</a:t>
+              <a:t>10/25/2023</a:t>
             </a:fld>
             <a:endParaRPr lang="en-US"/>
           </a:p>
@@ -11865,10 +11867,10 @@
       </p:grpSpPr>
       <p:grpSp>
         <p:nvGrpSpPr>
-          <p:cNvPr id="40" name="Group 39">
+          <p:cNvPr id="39" name="Group 38">
             <a:extLst>
               <a:ext uri="{FF2B5EF4-FFF2-40B4-BE49-F238E27FC236}">
-                <a16:creationId xmlns:a16="http://schemas.microsoft.com/office/drawing/2014/main" id="{594D594E-47A4-FA96-B290-8A7A74CC1F93}"/>
+                <a16:creationId xmlns:a16="http://schemas.microsoft.com/office/drawing/2014/main" id="{2B2B6D2E-8FB3-450C-F2E8-2B9151B71BA9}"/>
               </a:ext>
             </a:extLst>
           </p:cNvPr>
@@ -11885,10 +11887,10 @@
         </p:grpSpPr>
         <p:grpSp>
           <p:nvGrpSpPr>
-            <p:cNvPr id="39" name="Group 38">
+            <p:cNvPr id="37" name="Group 36">
               <a:extLst>
                 <a:ext uri="{FF2B5EF4-FFF2-40B4-BE49-F238E27FC236}">
-                  <a16:creationId xmlns:a16="http://schemas.microsoft.com/office/drawing/2014/main" id="{2B2B6D2E-8FB3-450C-F2E8-2B9151B71BA9}"/>
+                  <a16:creationId xmlns:a16="http://schemas.microsoft.com/office/drawing/2014/main" id="{1367594E-0863-B18E-791E-36086959CE42}"/>
                 </a:ext>
               </a:extLst>
             </p:cNvPr>
@@ -11903,241 +11905,2491 @@
               <a:chExt cx="7918704" cy="4470415"/>
             </a:xfrm>
           </p:grpSpPr>
-          <p:grpSp>
-            <p:nvGrpSpPr>
-              <p:cNvPr id="37" name="Group 36">
+          <p:pic>
+            <p:nvPicPr>
+              <p:cNvPr id="4" name="Picture 3">
                 <a:extLst>
                   <a:ext uri="{FF2B5EF4-FFF2-40B4-BE49-F238E27FC236}">
-                    <a16:creationId xmlns:a16="http://schemas.microsoft.com/office/drawing/2014/main" id="{1367594E-0863-B18E-791E-36086959CE42}"/>
-                  </a:ext>
-                </a:extLst>
-              </p:cNvPr>
-              <p:cNvGrpSpPr/>
-              <p:nvPr/>
-            </p:nvGrpSpPr>
-            <p:grpSpPr>
-              <a:xfrm>
-                <a:off x="2142066" y="1121520"/>
-                <a:ext cx="7918704" cy="4470415"/>
-                <a:chOff x="2142066" y="1121520"/>
-                <a:chExt cx="7918704" cy="4470415"/>
-              </a:xfrm>
-            </p:grpSpPr>
-            <p:pic>
-              <p:nvPicPr>
-                <p:cNvPr id="4" name="Picture 3">
-                  <a:extLst>
-                    <a:ext uri="{FF2B5EF4-FFF2-40B4-BE49-F238E27FC236}">
-                      <a16:creationId xmlns:a16="http://schemas.microsoft.com/office/drawing/2014/main" id="{5216B80B-678E-FE0F-B506-262B021127A7}"/>
-                    </a:ext>
-                  </a:extLst>
-                </p:cNvPr>
-                <p:cNvPicPr>
-                  <a:picLocks/>
-                </p:cNvPicPr>
-                <p:nvPr/>
-              </p:nvPicPr>
-              <p:blipFill>
-                <a:blip r:embed="rId2"/>
-                <a:stretch>
-                  <a:fillRect/>
-                </a:stretch>
-              </p:blipFill>
-              <p:spPr>
-                <a:xfrm>
-                  <a:off x="2142066" y="1130462"/>
-                  <a:ext cx="7918704" cy="4461473"/>
-                </a:xfrm>
-                <a:prstGeom prst="rect">
-                  <a:avLst/>
-                </a:prstGeom>
-              </p:spPr>
-            </p:pic>
-            <p:sp>
-              <p:nvSpPr>
-                <p:cNvPr id="5" name="Rectangle 4">
-                  <a:extLst>
-                    <a:ext uri="{FF2B5EF4-FFF2-40B4-BE49-F238E27FC236}">
-                      <a16:creationId xmlns:a16="http://schemas.microsoft.com/office/drawing/2014/main" id="{4D5144B3-C6B1-AB36-0FE5-3240C45D0B8C}"/>
-                    </a:ext>
-                  </a:extLst>
-                </p:cNvPr>
-                <p:cNvSpPr/>
-                <p:nvPr/>
-              </p:nvSpPr>
-              <p:spPr>
-                <a:xfrm>
-                  <a:off x="3304478" y="1121520"/>
-                  <a:ext cx="6745455" cy="4453128"/>
-                </a:xfrm>
-                <a:prstGeom prst="rect">
-                  <a:avLst/>
-                </a:prstGeom>
-                <a:solidFill>
-                  <a:schemeClr val="bg1">
-                    <a:lumMod val="95000"/>
-                  </a:schemeClr>
-                </a:solidFill>
-              </p:spPr>
-              <p:style>
-                <a:lnRef idx="2">
-                  <a:schemeClr val="accent1">
-                    <a:shade val="15000"/>
-                  </a:schemeClr>
-                </a:lnRef>
-                <a:fillRef idx="1">
-                  <a:schemeClr val="accent1"/>
-                </a:fillRef>
-                <a:effectRef idx="0">
-                  <a:schemeClr val="accent1"/>
-                </a:effectRef>
-                <a:fontRef idx="minor">
-                  <a:schemeClr val="lt1"/>
-                </a:fontRef>
-              </p:style>
-              <p:txBody>
-                <a:bodyPr rot="0" spcFirstLastPara="0" vert="horz" wrap="square" lIns="91440" tIns="45720" rIns="91440" bIns="45720" numCol="1" spcCol="0" rtlCol="0" fromWordArt="0" anchor="t" anchorCtr="0" forceAA="0" compatLnSpc="1">
-                  <a:prstTxWarp prst="textNoShape">
-                    <a:avLst/>
-                  </a:prstTxWarp>
-                  <a:noAutofit/>
-                </a:bodyPr>
-                <a:lstStyle>
-                  <a:lvl1pPr marL="0" indent="0">
-                    <a:defRPr sz="1100">
-                      <a:solidFill>
-                        <a:schemeClr val="lt1"/>
-                      </a:solidFill>
-                      <a:latin typeface="+mn-lt"/>
-                      <a:ea typeface="+mn-ea"/>
-                      <a:cs typeface="+mn-cs"/>
-                    </a:defRPr>
-                  </a:lvl1pPr>
-                  <a:lvl2pPr marL="457200" indent="0">
-                    <a:defRPr sz="1100">
-                      <a:solidFill>
-                        <a:schemeClr val="lt1"/>
-                      </a:solidFill>
-                      <a:latin typeface="+mn-lt"/>
-                      <a:ea typeface="+mn-ea"/>
-                      <a:cs typeface="+mn-cs"/>
-                    </a:defRPr>
-                  </a:lvl2pPr>
-                  <a:lvl3pPr marL="914400" indent="0">
-                    <a:defRPr sz="1100">
-                      <a:solidFill>
-                        <a:schemeClr val="lt1"/>
-                      </a:solidFill>
-                      <a:latin typeface="+mn-lt"/>
-                      <a:ea typeface="+mn-ea"/>
-                      <a:cs typeface="+mn-cs"/>
-                    </a:defRPr>
-                  </a:lvl3pPr>
-                  <a:lvl4pPr marL="1371600" indent="0">
-                    <a:defRPr sz="1100">
-                      <a:solidFill>
-                        <a:schemeClr val="lt1"/>
-                      </a:solidFill>
-                      <a:latin typeface="+mn-lt"/>
-                      <a:ea typeface="+mn-ea"/>
-                      <a:cs typeface="+mn-cs"/>
-                    </a:defRPr>
-                  </a:lvl4pPr>
-                  <a:lvl5pPr marL="1828800" indent="0">
-                    <a:defRPr sz="1100">
-                      <a:solidFill>
-                        <a:schemeClr val="lt1"/>
-                      </a:solidFill>
-                      <a:latin typeface="+mn-lt"/>
-                      <a:ea typeface="+mn-ea"/>
-                      <a:cs typeface="+mn-cs"/>
-                    </a:defRPr>
-                  </a:lvl5pPr>
-                  <a:lvl6pPr marL="2286000" indent="0">
-                    <a:defRPr sz="1100">
-                      <a:solidFill>
-                        <a:schemeClr val="lt1"/>
-                      </a:solidFill>
-                      <a:latin typeface="+mn-lt"/>
-                      <a:ea typeface="+mn-ea"/>
-                      <a:cs typeface="+mn-cs"/>
-                    </a:defRPr>
-                  </a:lvl6pPr>
-                  <a:lvl7pPr marL="2743200" indent="0">
-                    <a:defRPr sz="1100">
-                      <a:solidFill>
-                        <a:schemeClr val="lt1"/>
-                      </a:solidFill>
-                      <a:latin typeface="+mn-lt"/>
-                      <a:ea typeface="+mn-ea"/>
-                      <a:cs typeface="+mn-cs"/>
-                    </a:defRPr>
-                  </a:lvl7pPr>
-                  <a:lvl8pPr marL="3200400" indent="0">
-                    <a:defRPr sz="1100">
-                      <a:solidFill>
-                        <a:schemeClr val="lt1"/>
-                      </a:solidFill>
-                      <a:latin typeface="+mn-lt"/>
-                      <a:ea typeface="+mn-ea"/>
-                      <a:cs typeface="+mn-cs"/>
-                    </a:defRPr>
-                  </a:lvl8pPr>
-                  <a:lvl9pPr marL="3657600" indent="0">
-                    <a:defRPr sz="1100">
-                      <a:solidFill>
-                        <a:schemeClr val="lt1"/>
-                      </a:solidFill>
-                      <a:latin typeface="+mn-lt"/>
-                      <a:ea typeface="+mn-ea"/>
-                      <a:cs typeface="+mn-cs"/>
-                    </a:defRPr>
-                  </a:lvl9pPr>
-                </a:lstStyle>
-                <a:p>
-                  <a:pPr algn="l"/>
-                  <a:endParaRPr lang="en-US" sz="1100" dirty="0"/>
-                </a:p>
-              </p:txBody>
-            </p:sp>
-          </p:grpSp>
-          <p:pic>
-            <p:nvPicPr>
-              <p:cNvPr id="38" name="Picture 37">
-                <a:extLst>
-                  <a:ext uri="{FF2B5EF4-FFF2-40B4-BE49-F238E27FC236}">
-                    <a16:creationId xmlns:a16="http://schemas.microsoft.com/office/drawing/2014/main" id="{433066DB-95F0-01B9-0EB1-208BB9F2AAD1}"/>
+                    <a16:creationId xmlns:a16="http://schemas.microsoft.com/office/drawing/2014/main" id="{5216B80B-678E-FE0F-B506-262B021127A7}"/>
                   </a:ext>
                 </a:extLst>
               </p:cNvPr>
               <p:cNvPicPr>
-                <a:picLocks noChangeAspect="1"/>
+                <a:picLocks/>
               </p:cNvPicPr>
               <p:nvPr/>
             </p:nvPicPr>
             <p:blipFill>
-              <a:blip r:embed="rId3"/>
+              <a:blip r:embed="rId2"/>
               <a:stretch>
                 <a:fillRect/>
               </a:stretch>
             </p:blipFill>
             <p:spPr>
               <a:xfrm>
-                <a:off x="3535836" y="2660733"/>
-                <a:ext cx="6230652" cy="2499577"/>
+                <a:off x="2142066" y="1130462"/>
+                <a:ext cx="7918704" cy="4461473"/>
               </a:xfrm>
               <a:prstGeom prst="rect">
                 <a:avLst/>
               </a:prstGeom>
             </p:spPr>
           </p:pic>
+          <p:sp>
+            <p:nvSpPr>
+              <p:cNvPr id="5" name="Rectangle 4">
+                <a:extLst>
+                  <a:ext uri="{FF2B5EF4-FFF2-40B4-BE49-F238E27FC236}">
+                    <a16:creationId xmlns:a16="http://schemas.microsoft.com/office/drawing/2014/main" id="{4D5144B3-C6B1-AB36-0FE5-3240C45D0B8C}"/>
+                  </a:ext>
+                </a:extLst>
+              </p:cNvPr>
+              <p:cNvSpPr/>
+              <p:nvPr/>
+            </p:nvSpPr>
+            <p:spPr>
+              <a:xfrm>
+                <a:off x="3304478" y="1121520"/>
+                <a:ext cx="6745455" cy="4453128"/>
+              </a:xfrm>
+              <a:prstGeom prst="rect">
+                <a:avLst/>
+              </a:prstGeom>
+              <a:solidFill>
+                <a:schemeClr val="bg1">
+                  <a:lumMod val="95000"/>
+                </a:schemeClr>
+              </a:solidFill>
+            </p:spPr>
+            <p:style>
+              <a:lnRef idx="2">
+                <a:schemeClr val="accent1">
+                  <a:shade val="15000"/>
+                </a:schemeClr>
+              </a:lnRef>
+              <a:fillRef idx="1">
+                <a:schemeClr val="accent1"/>
+              </a:fillRef>
+              <a:effectRef idx="0">
+                <a:schemeClr val="accent1"/>
+              </a:effectRef>
+              <a:fontRef idx="minor">
+                <a:schemeClr val="lt1"/>
+              </a:fontRef>
+            </p:style>
+            <p:txBody>
+              <a:bodyPr rot="0" spcFirstLastPara="0" vert="horz" wrap="square" lIns="91440" tIns="45720" rIns="91440" bIns="45720" numCol="1" spcCol="0" rtlCol="0" fromWordArt="0" anchor="t" anchorCtr="0" forceAA="0" compatLnSpc="1">
+                <a:prstTxWarp prst="textNoShape">
+                  <a:avLst/>
+                </a:prstTxWarp>
+                <a:noAutofit/>
+              </a:bodyPr>
+              <a:lstStyle>
+                <a:lvl1pPr marL="0" indent="0">
+                  <a:defRPr sz="1100">
+                    <a:solidFill>
+                      <a:schemeClr val="lt1"/>
+                    </a:solidFill>
+                    <a:latin typeface="+mn-lt"/>
+                    <a:ea typeface="+mn-ea"/>
+                    <a:cs typeface="+mn-cs"/>
+                  </a:defRPr>
+                </a:lvl1pPr>
+                <a:lvl2pPr marL="457200" indent="0">
+                  <a:defRPr sz="1100">
+                    <a:solidFill>
+                      <a:schemeClr val="lt1"/>
+                    </a:solidFill>
+                    <a:latin typeface="+mn-lt"/>
+                    <a:ea typeface="+mn-ea"/>
+                    <a:cs typeface="+mn-cs"/>
+                  </a:defRPr>
+                </a:lvl2pPr>
+                <a:lvl3pPr marL="914400" indent="0">
+                  <a:defRPr sz="1100">
+                    <a:solidFill>
+                      <a:schemeClr val="lt1"/>
+                    </a:solidFill>
+                    <a:latin typeface="+mn-lt"/>
+                    <a:ea typeface="+mn-ea"/>
+                    <a:cs typeface="+mn-cs"/>
+                  </a:defRPr>
+                </a:lvl3pPr>
+                <a:lvl4pPr marL="1371600" indent="0">
+                  <a:defRPr sz="1100">
+                    <a:solidFill>
+                      <a:schemeClr val="lt1"/>
+                    </a:solidFill>
+                    <a:latin typeface="+mn-lt"/>
+                    <a:ea typeface="+mn-ea"/>
+                    <a:cs typeface="+mn-cs"/>
+                  </a:defRPr>
+                </a:lvl4pPr>
+                <a:lvl5pPr marL="1828800" indent="0">
+                  <a:defRPr sz="1100">
+                    <a:solidFill>
+                      <a:schemeClr val="lt1"/>
+                    </a:solidFill>
+                    <a:latin typeface="+mn-lt"/>
+                    <a:ea typeface="+mn-ea"/>
+                    <a:cs typeface="+mn-cs"/>
+                  </a:defRPr>
+                </a:lvl5pPr>
+                <a:lvl6pPr marL="2286000" indent="0">
+                  <a:defRPr sz="1100">
+                    <a:solidFill>
+                      <a:schemeClr val="lt1"/>
+                    </a:solidFill>
+                    <a:latin typeface="+mn-lt"/>
+                    <a:ea typeface="+mn-ea"/>
+                    <a:cs typeface="+mn-cs"/>
+                  </a:defRPr>
+                </a:lvl6pPr>
+                <a:lvl7pPr marL="2743200" indent="0">
+                  <a:defRPr sz="1100">
+                    <a:solidFill>
+                      <a:schemeClr val="lt1"/>
+                    </a:solidFill>
+                    <a:latin typeface="+mn-lt"/>
+                    <a:ea typeface="+mn-ea"/>
+                    <a:cs typeface="+mn-cs"/>
+                  </a:defRPr>
+                </a:lvl7pPr>
+                <a:lvl8pPr marL="3200400" indent="0">
+                  <a:defRPr sz="1100">
+                    <a:solidFill>
+                      <a:schemeClr val="lt1"/>
+                    </a:solidFill>
+                    <a:latin typeface="+mn-lt"/>
+                    <a:ea typeface="+mn-ea"/>
+                    <a:cs typeface="+mn-cs"/>
+                  </a:defRPr>
+                </a:lvl8pPr>
+                <a:lvl9pPr marL="3657600" indent="0">
+                  <a:defRPr sz="1100">
+                    <a:solidFill>
+                      <a:schemeClr val="lt1"/>
+                    </a:solidFill>
+                    <a:latin typeface="+mn-lt"/>
+                    <a:ea typeface="+mn-ea"/>
+                    <a:cs typeface="+mn-cs"/>
+                  </a:defRPr>
+                </a:lvl9pPr>
+              </a:lstStyle>
+              <a:p>
+                <a:pPr algn="l"/>
+                <a:endParaRPr lang="en-US" sz="1100" dirty="0"/>
+              </a:p>
+            </p:txBody>
+          </p:sp>
         </p:grpSp>
+        <p:pic>
+          <p:nvPicPr>
+            <p:cNvPr id="38" name="Picture 37">
+              <a:extLst>
+                <a:ext uri="{FF2B5EF4-FFF2-40B4-BE49-F238E27FC236}">
+                  <a16:creationId xmlns:a16="http://schemas.microsoft.com/office/drawing/2014/main" id="{433066DB-95F0-01B9-0EB1-208BB9F2AAD1}"/>
+                </a:ext>
+              </a:extLst>
+            </p:cNvPr>
+            <p:cNvPicPr>
+              <a:picLocks noChangeAspect="1"/>
+            </p:cNvPicPr>
+            <p:nvPr/>
+          </p:nvPicPr>
+          <p:blipFill>
+            <a:blip r:embed="rId3"/>
+            <a:stretch>
+              <a:fillRect/>
+            </a:stretch>
+          </p:blipFill>
+          <p:spPr>
+            <a:xfrm>
+              <a:off x="3535836" y="2660733"/>
+              <a:ext cx="6230652" cy="2499577"/>
+            </a:xfrm>
+            <a:prstGeom prst="rect">
+              <a:avLst/>
+            </a:prstGeom>
+          </p:spPr>
+        </p:pic>
+      </p:grpSp>
+      <p:sp>
+        <p:nvSpPr>
+          <p:cNvPr id="2" name="Rectangle 1">
+            <a:extLst>
+              <a:ext uri="{FF2B5EF4-FFF2-40B4-BE49-F238E27FC236}">
+                <a16:creationId xmlns:a16="http://schemas.microsoft.com/office/drawing/2014/main" id="{5AF59ED7-693F-177E-8757-E97E14EF3B9D}"/>
+              </a:ext>
+            </a:extLst>
+          </p:cNvPr>
+          <p:cNvSpPr/>
+          <p:nvPr/>
+        </p:nvSpPr>
+        <p:spPr>
+          <a:xfrm>
+            <a:off x="3454144" y="1283352"/>
+            <a:ext cx="1136709" cy="228505"/>
+          </a:xfrm>
+          <a:prstGeom prst="rect">
+            <a:avLst/>
+          </a:prstGeom>
+        </p:spPr>
+        <p:style>
+          <a:lnRef idx="1">
+            <a:schemeClr val="accent2"/>
+          </a:lnRef>
+          <a:fillRef idx="2">
+            <a:schemeClr val="accent2"/>
+          </a:fillRef>
+          <a:effectRef idx="1">
+            <a:schemeClr val="accent2"/>
+          </a:effectRef>
+          <a:fontRef idx="minor">
+            <a:schemeClr val="dk1"/>
+          </a:fontRef>
+        </p:style>
+        <p:txBody>
+          <a:bodyPr wrap="square" rtlCol="0" anchor="ctr"/>
+          <a:lstStyle>
+            <a:lvl1pPr marL="0" indent="0">
+              <a:defRPr sz="1100">
+                <a:solidFill>
+                  <a:schemeClr val="dk1"/>
+                </a:solidFill>
+                <a:latin typeface="+mn-lt"/>
+                <a:ea typeface="+mn-ea"/>
+                <a:cs typeface="+mn-cs"/>
+              </a:defRPr>
+            </a:lvl1pPr>
+            <a:lvl2pPr marL="457200" indent="0">
+              <a:defRPr sz="1100">
+                <a:solidFill>
+                  <a:schemeClr val="dk1"/>
+                </a:solidFill>
+                <a:latin typeface="+mn-lt"/>
+                <a:ea typeface="+mn-ea"/>
+                <a:cs typeface="+mn-cs"/>
+              </a:defRPr>
+            </a:lvl2pPr>
+            <a:lvl3pPr marL="914400" indent="0">
+              <a:defRPr sz="1100">
+                <a:solidFill>
+                  <a:schemeClr val="dk1"/>
+                </a:solidFill>
+                <a:latin typeface="+mn-lt"/>
+                <a:ea typeface="+mn-ea"/>
+                <a:cs typeface="+mn-cs"/>
+              </a:defRPr>
+            </a:lvl3pPr>
+            <a:lvl4pPr marL="1371600" indent="0">
+              <a:defRPr sz="1100">
+                <a:solidFill>
+                  <a:schemeClr val="dk1"/>
+                </a:solidFill>
+                <a:latin typeface="+mn-lt"/>
+                <a:ea typeface="+mn-ea"/>
+                <a:cs typeface="+mn-cs"/>
+              </a:defRPr>
+            </a:lvl4pPr>
+            <a:lvl5pPr marL="1828800" indent="0">
+              <a:defRPr sz="1100">
+                <a:solidFill>
+                  <a:schemeClr val="dk1"/>
+                </a:solidFill>
+                <a:latin typeface="+mn-lt"/>
+                <a:ea typeface="+mn-ea"/>
+                <a:cs typeface="+mn-cs"/>
+              </a:defRPr>
+            </a:lvl5pPr>
+            <a:lvl6pPr marL="2286000" indent="0">
+              <a:defRPr sz="1100">
+                <a:solidFill>
+                  <a:schemeClr val="dk1"/>
+                </a:solidFill>
+                <a:latin typeface="+mn-lt"/>
+                <a:ea typeface="+mn-ea"/>
+                <a:cs typeface="+mn-cs"/>
+              </a:defRPr>
+            </a:lvl6pPr>
+            <a:lvl7pPr marL="2743200" indent="0">
+              <a:defRPr sz="1100">
+                <a:solidFill>
+                  <a:schemeClr val="dk1"/>
+                </a:solidFill>
+                <a:latin typeface="+mn-lt"/>
+                <a:ea typeface="+mn-ea"/>
+                <a:cs typeface="+mn-cs"/>
+              </a:defRPr>
+            </a:lvl7pPr>
+            <a:lvl8pPr marL="3200400" indent="0">
+              <a:defRPr sz="1100">
+                <a:solidFill>
+                  <a:schemeClr val="dk1"/>
+                </a:solidFill>
+                <a:latin typeface="+mn-lt"/>
+                <a:ea typeface="+mn-ea"/>
+                <a:cs typeface="+mn-cs"/>
+              </a:defRPr>
+            </a:lvl8pPr>
+            <a:lvl9pPr marL="3657600" indent="0">
+              <a:defRPr sz="1100">
+                <a:solidFill>
+                  <a:schemeClr val="dk1"/>
+                </a:solidFill>
+                <a:latin typeface="+mn-lt"/>
+                <a:ea typeface="+mn-ea"/>
+                <a:cs typeface="+mn-cs"/>
+              </a:defRPr>
+            </a:lvl9pPr>
+          </a:lstStyle>
+          <a:p>
+            <a:pPr algn="ctr"/>
+            <a:r>
+              <a:rPr lang="vi-VN" sz="1000" kern="1200">
+                <a:solidFill>
+                  <a:schemeClr val="dk1"/>
+                </a:solidFill>
+                <a:effectLst/>
+                <a:latin typeface="+mn-lt"/>
+                <a:ea typeface="+mn-ea"/>
+                <a:cs typeface="+mn-cs"/>
+              </a:rPr>
+              <a:t>Thêm sản phẩm</a:t>
+            </a:r>
+            <a:endParaRPr lang="en-US" sz="700" dirty="0"/>
+          </a:p>
+        </p:txBody>
+      </p:sp>
+      <p:sp>
+        <p:nvSpPr>
+          <p:cNvPr id="3" name="Rectangle 2">
+            <a:extLst>
+              <a:ext uri="{FF2B5EF4-FFF2-40B4-BE49-F238E27FC236}">
+                <a16:creationId xmlns:a16="http://schemas.microsoft.com/office/drawing/2014/main" id="{F5A446C0-2289-C8DA-AA11-303140577A9E}"/>
+              </a:ext>
+            </a:extLst>
+          </p:cNvPr>
+          <p:cNvSpPr/>
+          <p:nvPr/>
+        </p:nvSpPr>
+        <p:spPr>
+          <a:xfrm>
+            <a:off x="8744154" y="1793971"/>
+            <a:ext cx="1174416" cy="228505"/>
+          </a:xfrm>
+          <a:prstGeom prst="rect">
+            <a:avLst/>
+          </a:prstGeom>
+        </p:spPr>
+        <p:style>
+          <a:lnRef idx="1">
+            <a:schemeClr val="accent2"/>
+          </a:lnRef>
+          <a:fillRef idx="2">
+            <a:schemeClr val="accent2"/>
+          </a:fillRef>
+          <a:effectRef idx="1">
+            <a:schemeClr val="accent2"/>
+          </a:effectRef>
+          <a:fontRef idx="minor">
+            <a:schemeClr val="dk1"/>
+          </a:fontRef>
+        </p:style>
+        <p:txBody>
+          <a:bodyPr wrap="square" rtlCol="0" anchor="ctr"/>
+          <a:lstStyle>
+            <a:lvl1pPr marL="0" indent="0">
+              <a:defRPr sz="1100">
+                <a:solidFill>
+                  <a:schemeClr val="dk1"/>
+                </a:solidFill>
+                <a:latin typeface="+mn-lt"/>
+                <a:ea typeface="+mn-ea"/>
+                <a:cs typeface="+mn-cs"/>
+              </a:defRPr>
+            </a:lvl1pPr>
+            <a:lvl2pPr marL="457200" indent="0">
+              <a:defRPr sz="1100">
+                <a:solidFill>
+                  <a:schemeClr val="dk1"/>
+                </a:solidFill>
+                <a:latin typeface="+mn-lt"/>
+                <a:ea typeface="+mn-ea"/>
+                <a:cs typeface="+mn-cs"/>
+              </a:defRPr>
+            </a:lvl2pPr>
+            <a:lvl3pPr marL="914400" indent="0">
+              <a:defRPr sz="1100">
+                <a:solidFill>
+                  <a:schemeClr val="dk1"/>
+                </a:solidFill>
+                <a:latin typeface="+mn-lt"/>
+                <a:ea typeface="+mn-ea"/>
+                <a:cs typeface="+mn-cs"/>
+              </a:defRPr>
+            </a:lvl3pPr>
+            <a:lvl4pPr marL="1371600" indent="0">
+              <a:defRPr sz="1100">
+                <a:solidFill>
+                  <a:schemeClr val="dk1"/>
+                </a:solidFill>
+                <a:latin typeface="+mn-lt"/>
+                <a:ea typeface="+mn-ea"/>
+                <a:cs typeface="+mn-cs"/>
+              </a:defRPr>
+            </a:lvl4pPr>
+            <a:lvl5pPr marL="1828800" indent="0">
+              <a:defRPr sz="1100">
+                <a:solidFill>
+                  <a:schemeClr val="dk1"/>
+                </a:solidFill>
+                <a:latin typeface="+mn-lt"/>
+                <a:ea typeface="+mn-ea"/>
+                <a:cs typeface="+mn-cs"/>
+              </a:defRPr>
+            </a:lvl5pPr>
+            <a:lvl6pPr marL="2286000" indent="0">
+              <a:defRPr sz="1100">
+                <a:solidFill>
+                  <a:schemeClr val="dk1"/>
+                </a:solidFill>
+                <a:latin typeface="+mn-lt"/>
+                <a:ea typeface="+mn-ea"/>
+                <a:cs typeface="+mn-cs"/>
+              </a:defRPr>
+            </a:lvl6pPr>
+            <a:lvl7pPr marL="2743200" indent="0">
+              <a:defRPr sz="1100">
+                <a:solidFill>
+                  <a:schemeClr val="dk1"/>
+                </a:solidFill>
+                <a:latin typeface="+mn-lt"/>
+                <a:ea typeface="+mn-ea"/>
+                <a:cs typeface="+mn-cs"/>
+              </a:defRPr>
+            </a:lvl7pPr>
+            <a:lvl8pPr marL="3200400" indent="0">
+              <a:defRPr sz="1100">
+                <a:solidFill>
+                  <a:schemeClr val="dk1"/>
+                </a:solidFill>
+                <a:latin typeface="+mn-lt"/>
+                <a:ea typeface="+mn-ea"/>
+                <a:cs typeface="+mn-cs"/>
+              </a:defRPr>
+            </a:lvl8pPr>
+            <a:lvl9pPr marL="3657600" indent="0">
+              <a:defRPr sz="1100">
+                <a:solidFill>
+                  <a:schemeClr val="dk1"/>
+                </a:solidFill>
+                <a:latin typeface="+mn-lt"/>
+                <a:ea typeface="+mn-ea"/>
+                <a:cs typeface="+mn-cs"/>
+              </a:defRPr>
+            </a:lvl9pPr>
+          </a:lstStyle>
+          <a:p>
+            <a:pPr algn="ctr"/>
+            <a:r>
+              <a:rPr lang="vi-VN" sz="1000" kern="1200" dirty="0">
+                <a:solidFill>
+                  <a:srgbClr val="FF0000"/>
+                </a:solidFill>
+                <a:effectLst/>
+                <a:latin typeface="+mn-lt"/>
+                <a:ea typeface="+mn-ea"/>
+                <a:cs typeface="+mn-cs"/>
+              </a:rPr>
+              <a:t>Chưa hoạt động</a:t>
+            </a:r>
+            <a:endParaRPr lang="en-US" sz="700" dirty="0">
+              <a:solidFill>
+                <a:srgbClr val="FF0000"/>
+              </a:solidFill>
+            </a:endParaRPr>
+          </a:p>
+        </p:txBody>
+      </p:sp>
+      <p:sp>
+        <p:nvSpPr>
+          <p:cNvPr id="6" name="Rectangle 5">
+            <a:extLst>
+              <a:ext uri="{FF2B5EF4-FFF2-40B4-BE49-F238E27FC236}">
+                <a16:creationId xmlns:a16="http://schemas.microsoft.com/office/drawing/2014/main" id="{C597E012-94E2-027A-13E3-E2A67B74AEFF}"/>
+              </a:ext>
+            </a:extLst>
+          </p:cNvPr>
+          <p:cNvSpPr/>
+          <p:nvPr/>
+        </p:nvSpPr>
+        <p:spPr>
+          <a:xfrm>
+            <a:off x="7503734" y="1793971"/>
+            <a:ext cx="1174416" cy="228505"/>
+          </a:xfrm>
+          <a:prstGeom prst="rect">
+            <a:avLst/>
+          </a:prstGeom>
+        </p:spPr>
+        <p:style>
+          <a:lnRef idx="1">
+            <a:schemeClr val="accent2"/>
+          </a:lnRef>
+          <a:fillRef idx="2">
+            <a:schemeClr val="accent2"/>
+          </a:fillRef>
+          <a:effectRef idx="1">
+            <a:schemeClr val="accent2"/>
+          </a:effectRef>
+          <a:fontRef idx="minor">
+            <a:schemeClr val="dk1"/>
+          </a:fontRef>
+        </p:style>
+        <p:txBody>
+          <a:bodyPr wrap="square" rtlCol="0" anchor="ctr"/>
+          <a:lstStyle>
+            <a:lvl1pPr marL="0" indent="0">
+              <a:defRPr sz="1100">
+                <a:solidFill>
+                  <a:schemeClr val="dk1"/>
+                </a:solidFill>
+                <a:latin typeface="+mn-lt"/>
+                <a:ea typeface="+mn-ea"/>
+                <a:cs typeface="+mn-cs"/>
+              </a:defRPr>
+            </a:lvl1pPr>
+            <a:lvl2pPr marL="457200" indent="0">
+              <a:defRPr sz="1100">
+                <a:solidFill>
+                  <a:schemeClr val="dk1"/>
+                </a:solidFill>
+                <a:latin typeface="+mn-lt"/>
+                <a:ea typeface="+mn-ea"/>
+                <a:cs typeface="+mn-cs"/>
+              </a:defRPr>
+            </a:lvl2pPr>
+            <a:lvl3pPr marL="914400" indent="0">
+              <a:defRPr sz="1100">
+                <a:solidFill>
+                  <a:schemeClr val="dk1"/>
+                </a:solidFill>
+                <a:latin typeface="+mn-lt"/>
+                <a:ea typeface="+mn-ea"/>
+                <a:cs typeface="+mn-cs"/>
+              </a:defRPr>
+            </a:lvl3pPr>
+            <a:lvl4pPr marL="1371600" indent="0">
+              <a:defRPr sz="1100">
+                <a:solidFill>
+                  <a:schemeClr val="dk1"/>
+                </a:solidFill>
+                <a:latin typeface="+mn-lt"/>
+                <a:ea typeface="+mn-ea"/>
+                <a:cs typeface="+mn-cs"/>
+              </a:defRPr>
+            </a:lvl4pPr>
+            <a:lvl5pPr marL="1828800" indent="0">
+              <a:defRPr sz="1100">
+                <a:solidFill>
+                  <a:schemeClr val="dk1"/>
+                </a:solidFill>
+                <a:latin typeface="+mn-lt"/>
+                <a:ea typeface="+mn-ea"/>
+                <a:cs typeface="+mn-cs"/>
+              </a:defRPr>
+            </a:lvl5pPr>
+            <a:lvl6pPr marL="2286000" indent="0">
+              <a:defRPr sz="1100">
+                <a:solidFill>
+                  <a:schemeClr val="dk1"/>
+                </a:solidFill>
+                <a:latin typeface="+mn-lt"/>
+                <a:ea typeface="+mn-ea"/>
+                <a:cs typeface="+mn-cs"/>
+              </a:defRPr>
+            </a:lvl6pPr>
+            <a:lvl7pPr marL="2743200" indent="0">
+              <a:defRPr sz="1100">
+                <a:solidFill>
+                  <a:schemeClr val="dk1"/>
+                </a:solidFill>
+                <a:latin typeface="+mn-lt"/>
+                <a:ea typeface="+mn-ea"/>
+                <a:cs typeface="+mn-cs"/>
+              </a:defRPr>
+            </a:lvl7pPr>
+            <a:lvl8pPr marL="3200400" indent="0">
+              <a:defRPr sz="1100">
+                <a:solidFill>
+                  <a:schemeClr val="dk1"/>
+                </a:solidFill>
+                <a:latin typeface="+mn-lt"/>
+                <a:ea typeface="+mn-ea"/>
+                <a:cs typeface="+mn-cs"/>
+              </a:defRPr>
+            </a:lvl8pPr>
+            <a:lvl9pPr marL="3657600" indent="0">
+              <a:defRPr sz="1100">
+                <a:solidFill>
+                  <a:schemeClr val="dk1"/>
+                </a:solidFill>
+                <a:latin typeface="+mn-lt"/>
+                <a:ea typeface="+mn-ea"/>
+                <a:cs typeface="+mn-cs"/>
+              </a:defRPr>
+            </a:lvl9pPr>
+          </a:lstStyle>
+          <a:p>
+            <a:pPr algn="ctr"/>
+            <a:r>
+              <a:rPr lang="vi-VN" sz="1000" kern="1200" dirty="0">
+                <a:solidFill>
+                  <a:srgbClr val="00B0F0"/>
+                </a:solidFill>
+                <a:effectLst/>
+                <a:latin typeface="+mn-lt"/>
+                <a:ea typeface="+mn-ea"/>
+                <a:cs typeface="+mn-cs"/>
+              </a:rPr>
+              <a:t>Hoạt động</a:t>
+            </a:r>
+            <a:endParaRPr lang="en-US" sz="700" dirty="0">
+              <a:solidFill>
+                <a:srgbClr val="00B0F0"/>
+              </a:solidFill>
+            </a:endParaRPr>
+          </a:p>
+        </p:txBody>
+      </p:sp>
+      <p:sp>
+        <p:nvSpPr>
+          <p:cNvPr id="7" name="Rectangle 6">
+            <a:extLst>
+              <a:ext uri="{FF2B5EF4-FFF2-40B4-BE49-F238E27FC236}">
+                <a16:creationId xmlns:a16="http://schemas.microsoft.com/office/drawing/2014/main" id="{0709562C-7155-0D8F-E9CC-D4FCD8E08DC4}"/>
+              </a:ext>
+            </a:extLst>
+          </p:cNvPr>
+          <p:cNvSpPr/>
+          <p:nvPr/>
+        </p:nvSpPr>
+        <p:spPr>
+          <a:xfrm>
+            <a:off x="3454144" y="2168868"/>
+            <a:ext cx="1068386" cy="159551"/>
+          </a:xfrm>
+          <a:prstGeom prst="rect">
+            <a:avLst/>
+          </a:prstGeom>
+          <a:noFill/>
+          <a:ln>
+            <a:noFill/>
+          </a:ln>
+        </p:spPr>
+        <p:style>
+          <a:lnRef idx="2">
+            <a:schemeClr val="accent1">
+              <a:shade val="15000"/>
+            </a:schemeClr>
+          </a:lnRef>
+          <a:fillRef idx="1">
+            <a:schemeClr val="accent1"/>
+          </a:fillRef>
+          <a:effectRef idx="0">
+            <a:schemeClr val="accent1"/>
+          </a:effectRef>
+          <a:fontRef idx="minor">
+            <a:schemeClr val="lt1"/>
+          </a:fontRef>
+        </p:style>
+        <p:txBody>
+          <a:bodyPr wrap="square" rtlCol="0" anchor="ctr"/>
+          <a:lstStyle>
+            <a:lvl1pPr marL="0" indent="0">
+              <a:defRPr sz="1100">
+                <a:solidFill>
+                  <a:schemeClr val="lt1"/>
+                </a:solidFill>
+                <a:latin typeface="+mn-lt"/>
+                <a:ea typeface="+mn-ea"/>
+                <a:cs typeface="+mn-cs"/>
+              </a:defRPr>
+            </a:lvl1pPr>
+            <a:lvl2pPr marL="457200" indent="0">
+              <a:defRPr sz="1100">
+                <a:solidFill>
+                  <a:schemeClr val="lt1"/>
+                </a:solidFill>
+                <a:latin typeface="+mn-lt"/>
+                <a:ea typeface="+mn-ea"/>
+                <a:cs typeface="+mn-cs"/>
+              </a:defRPr>
+            </a:lvl2pPr>
+            <a:lvl3pPr marL="914400" indent="0">
+              <a:defRPr sz="1100">
+                <a:solidFill>
+                  <a:schemeClr val="lt1"/>
+                </a:solidFill>
+                <a:latin typeface="+mn-lt"/>
+                <a:ea typeface="+mn-ea"/>
+                <a:cs typeface="+mn-cs"/>
+              </a:defRPr>
+            </a:lvl3pPr>
+            <a:lvl4pPr marL="1371600" indent="0">
+              <a:defRPr sz="1100">
+                <a:solidFill>
+                  <a:schemeClr val="lt1"/>
+                </a:solidFill>
+                <a:latin typeface="+mn-lt"/>
+                <a:ea typeface="+mn-ea"/>
+                <a:cs typeface="+mn-cs"/>
+              </a:defRPr>
+            </a:lvl4pPr>
+            <a:lvl5pPr marL="1828800" indent="0">
+              <a:defRPr sz="1100">
+                <a:solidFill>
+                  <a:schemeClr val="lt1"/>
+                </a:solidFill>
+                <a:latin typeface="+mn-lt"/>
+                <a:ea typeface="+mn-ea"/>
+                <a:cs typeface="+mn-cs"/>
+              </a:defRPr>
+            </a:lvl5pPr>
+            <a:lvl6pPr marL="2286000" indent="0">
+              <a:defRPr sz="1100">
+                <a:solidFill>
+                  <a:schemeClr val="lt1"/>
+                </a:solidFill>
+                <a:latin typeface="+mn-lt"/>
+                <a:ea typeface="+mn-ea"/>
+                <a:cs typeface="+mn-cs"/>
+              </a:defRPr>
+            </a:lvl6pPr>
+            <a:lvl7pPr marL="2743200" indent="0">
+              <a:defRPr sz="1100">
+                <a:solidFill>
+                  <a:schemeClr val="lt1"/>
+                </a:solidFill>
+                <a:latin typeface="+mn-lt"/>
+                <a:ea typeface="+mn-ea"/>
+                <a:cs typeface="+mn-cs"/>
+              </a:defRPr>
+            </a:lvl7pPr>
+            <a:lvl8pPr marL="3200400" indent="0">
+              <a:defRPr sz="1100">
+                <a:solidFill>
+                  <a:schemeClr val="lt1"/>
+                </a:solidFill>
+                <a:latin typeface="+mn-lt"/>
+                <a:ea typeface="+mn-ea"/>
+                <a:cs typeface="+mn-cs"/>
+              </a:defRPr>
+            </a:lvl8pPr>
+            <a:lvl9pPr marL="3657600" indent="0">
+              <a:defRPr sz="1100">
+                <a:solidFill>
+                  <a:schemeClr val="lt1"/>
+                </a:solidFill>
+                <a:latin typeface="+mn-lt"/>
+                <a:ea typeface="+mn-ea"/>
+                <a:cs typeface="+mn-cs"/>
+              </a:defRPr>
+            </a:lvl9pPr>
+          </a:lstStyle>
+          <a:p>
+            <a:r>
+              <a:rPr lang="vi-VN" sz="1000" dirty="0">
+                <a:solidFill>
+                  <a:schemeClr val="tx1"/>
+                </a:solidFill>
+              </a:rPr>
+              <a:t>Sản phẩm</a:t>
+            </a:r>
+            <a:endParaRPr lang="en-US" sz="1000" dirty="0">
+              <a:solidFill>
+                <a:schemeClr val="tx1"/>
+              </a:solidFill>
+            </a:endParaRPr>
+          </a:p>
+        </p:txBody>
+      </p:sp>
+      <p:sp>
+        <p:nvSpPr>
+          <p:cNvPr id="8" name="Rectangle 7">
+            <a:extLst>
+              <a:ext uri="{FF2B5EF4-FFF2-40B4-BE49-F238E27FC236}">
+                <a16:creationId xmlns:a16="http://schemas.microsoft.com/office/drawing/2014/main" id="{E7B1361C-93FB-3E15-D86A-75A66706A3B1}"/>
+              </a:ext>
+            </a:extLst>
+          </p:cNvPr>
+          <p:cNvSpPr/>
+          <p:nvPr/>
+        </p:nvSpPr>
+        <p:spPr>
+          <a:xfrm>
+            <a:off x="3535836" y="2406192"/>
+            <a:ext cx="1695450" cy="195264"/>
+          </a:xfrm>
+          <a:prstGeom prst="rect">
+            <a:avLst/>
+          </a:prstGeom>
+        </p:spPr>
+        <p:style>
+          <a:lnRef idx="2">
+            <a:schemeClr val="dk1"/>
+          </a:lnRef>
+          <a:fillRef idx="1">
+            <a:schemeClr val="lt1"/>
+          </a:fillRef>
+          <a:effectRef idx="0">
+            <a:schemeClr val="dk1"/>
+          </a:effectRef>
+          <a:fontRef idx="minor">
+            <a:schemeClr val="dk1"/>
+          </a:fontRef>
+        </p:style>
+        <p:txBody>
+          <a:bodyPr rtlCol="0" anchor="ctr"/>
+          <a:lstStyle/>
+          <a:p>
+            <a:pPr algn="ctr"/>
+            <a:endParaRPr lang="en-US"/>
+          </a:p>
+        </p:txBody>
+      </p:sp>
+      <p:pic>
+        <p:nvPicPr>
+          <p:cNvPr id="10" name="Graphic 9" descr="Magnifying glass outline">
+            <a:extLst>
+              <a:ext uri="{FF2B5EF4-FFF2-40B4-BE49-F238E27FC236}">
+                <a16:creationId xmlns:a16="http://schemas.microsoft.com/office/drawing/2014/main" id="{B6B27438-BEFC-4C9D-F26B-6B21A775043D}"/>
+              </a:ext>
+            </a:extLst>
+          </p:cNvPr>
+          <p:cNvPicPr>
+            <a:picLocks/>
+          </p:cNvPicPr>
+          <p:nvPr/>
+        </p:nvPicPr>
+        <p:blipFill>
+          <a:blip r:embed="rId4">
+            <a:extLst>
+              <a:ext uri="{28A0092B-C50C-407E-A947-70E740481C1C}">
+                <a14:useLocalDpi xmlns:a14="http://schemas.microsoft.com/office/drawing/2010/main" val="0"/>
+              </a:ext>
+              <a:ext uri="{96DAC541-7B7A-43D3-8B79-37D633B846F1}">
+                <asvg:svgBlip xmlns:asvg="http://schemas.microsoft.com/office/drawing/2016/SVG/main" r:embed="rId5"/>
+              </a:ext>
+            </a:extLst>
+          </a:blip>
+          <a:stretch>
+            <a:fillRect/>
+          </a:stretch>
+        </p:blipFill>
+        <p:spPr>
+          <a:xfrm flipH="1">
+            <a:off x="3611250" y="2412384"/>
+            <a:ext cx="182880" cy="182880"/>
+          </a:xfrm>
+          <a:prstGeom prst="rect">
+            <a:avLst/>
+          </a:prstGeom>
+        </p:spPr>
+      </p:pic>
+      <p:pic>
+        <p:nvPicPr>
+          <p:cNvPr id="15" name="Graphic 14" descr="Filter with solid fill">
+            <a:extLst>
+              <a:ext uri="{FF2B5EF4-FFF2-40B4-BE49-F238E27FC236}">
+                <a16:creationId xmlns:a16="http://schemas.microsoft.com/office/drawing/2014/main" id="{20964EBB-7F40-6E56-9CC1-046BE43CEB46}"/>
+              </a:ext>
+            </a:extLst>
+          </p:cNvPr>
+          <p:cNvPicPr>
+            <a:picLocks noChangeAspect="1"/>
+          </p:cNvPicPr>
+          <p:nvPr/>
+        </p:nvPicPr>
+        <p:blipFill>
+          <a:blip r:embed="rId6">
+            <a:extLst>
+              <a:ext uri="{28A0092B-C50C-407E-A947-70E740481C1C}">
+                <a14:useLocalDpi xmlns:a14="http://schemas.microsoft.com/office/drawing/2010/main" val="0"/>
+              </a:ext>
+              <a:ext uri="{96DAC541-7B7A-43D3-8B79-37D633B846F1}">
+                <asvg:svgBlip xmlns:asvg="http://schemas.microsoft.com/office/drawing/2016/SVG/main" r:embed="rId7"/>
+              </a:ext>
+            </a:extLst>
+          </a:blip>
+          <a:stretch>
+            <a:fillRect/>
+          </a:stretch>
+        </p:blipFill>
+        <p:spPr>
+          <a:xfrm>
+            <a:off x="5606964" y="2406192"/>
+            <a:ext cx="228600" cy="228600"/>
+          </a:xfrm>
+          <a:prstGeom prst="rect">
+            <a:avLst/>
+          </a:prstGeom>
+        </p:spPr>
+      </p:pic>
+      <p:pic>
+        <p:nvPicPr>
+          <p:cNvPr id="19" name="Graphic 18" descr="Boot outline">
+            <a:extLst>
+              <a:ext uri="{FF2B5EF4-FFF2-40B4-BE49-F238E27FC236}">
+                <a16:creationId xmlns:a16="http://schemas.microsoft.com/office/drawing/2014/main" id="{B0545FA2-CC25-1F10-9448-3F293DCBECFD}"/>
+              </a:ext>
+            </a:extLst>
+          </p:cNvPr>
+          <p:cNvPicPr>
+            <a:picLocks noChangeAspect="1"/>
+          </p:cNvPicPr>
+          <p:nvPr/>
+        </p:nvPicPr>
+        <p:blipFill>
+          <a:blip r:embed="rId8">
+            <a:extLst>
+              <a:ext uri="{28A0092B-C50C-407E-A947-70E740481C1C}">
+                <a14:useLocalDpi xmlns:a14="http://schemas.microsoft.com/office/drawing/2010/main" val="0"/>
+              </a:ext>
+              <a:ext uri="{96DAC541-7B7A-43D3-8B79-37D633B846F1}">
+                <asvg:svgBlip xmlns:asvg="http://schemas.microsoft.com/office/drawing/2016/SVG/main" r:embed="rId9"/>
+              </a:ext>
+            </a:extLst>
+          </a:blip>
+          <a:stretch>
+            <a:fillRect/>
+          </a:stretch>
+        </p:blipFill>
+        <p:spPr>
+          <a:xfrm>
+            <a:off x="4121094" y="2837815"/>
+            <a:ext cx="401436" cy="401436"/>
+          </a:xfrm>
+          <a:prstGeom prst="rect">
+            <a:avLst/>
+          </a:prstGeom>
+        </p:spPr>
+      </p:pic>
+      <p:pic>
+        <p:nvPicPr>
+          <p:cNvPr id="20" name="Graphic 19" descr="Boot outline">
+            <a:extLst>
+              <a:ext uri="{FF2B5EF4-FFF2-40B4-BE49-F238E27FC236}">
+                <a16:creationId xmlns:a16="http://schemas.microsoft.com/office/drawing/2014/main" id="{66A9B69B-4FBD-22A0-7C84-A8D942AB1F82}"/>
+              </a:ext>
+            </a:extLst>
+          </p:cNvPr>
+          <p:cNvPicPr>
+            <a:picLocks noChangeAspect="1"/>
+          </p:cNvPicPr>
+          <p:nvPr/>
+        </p:nvPicPr>
+        <p:blipFill>
+          <a:blip r:embed="rId8">
+            <a:extLst>
+              <a:ext uri="{28A0092B-C50C-407E-A947-70E740481C1C}">
+                <a14:useLocalDpi xmlns:a14="http://schemas.microsoft.com/office/drawing/2010/main" val="0"/>
+              </a:ext>
+              <a:ext uri="{96DAC541-7B7A-43D3-8B79-37D633B846F1}">
+                <asvg:svgBlip xmlns:asvg="http://schemas.microsoft.com/office/drawing/2016/SVG/main" r:embed="rId9"/>
+              </a:ext>
+            </a:extLst>
+          </a:blip>
+          <a:stretch>
+            <a:fillRect/>
+          </a:stretch>
+        </p:blipFill>
+        <p:spPr>
+          <a:xfrm>
+            <a:off x="4121094" y="3147366"/>
+            <a:ext cx="401436" cy="401436"/>
+          </a:xfrm>
+          <a:prstGeom prst="rect">
+            <a:avLst/>
+          </a:prstGeom>
+        </p:spPr>
+      </p:pic>
+      <p:pic>
+        <p:nvPicPr>
+          <p:cNvPr id="21" name="Graphic 20" descr="Boot outline">
+            <a:extLst>
+              <a:ext uri="{FF2B5EF4-FFF2-40B4-BE49-F238E27FC236}">
+                <a16:creationId xmlns:a16="http://schemas.microsoft.com/office/drawing/2014/main" id="{1695A8AA-6A1B-1D42-4D72-8E331F47D68F}"/>
+              </a:ext>
+            </a:extLst>
+          </p:cNvPr>
+          <p:cNvPicPr>
+            <a:picLocks noChangeAspect="1"/>
+          </p:cNvPicPr>
+          <p:nvPr/>
+        </p:nvPicPr>
+        <p:blipFill>
+          <a:blip r:embed="rId8">
+            <a:extLst>
+              <a:ext uri="{28A0092B-C50C-407E-A947-70E740481C1C}">
+                <a14:useLocalDpi xmlns:a14="http://schemas.microsoft.com/office/drawing/2010/main" val="0"/>
+              </a:ext>
+              <a:ext uri="{96DAC541-7B7A-43D3-8B79-37D633B846F1}">
+                <asvg:svgBlip xmlns:asvg="http://schemas.microsoft.com/office/drawing/2016/SVG/main" r:embed="rId9"/>
+              </a:ext>
+            </a:extLst>
+          </a:blip>
+          <a:stretch>
+            <a:fillRect/>
+          </a:stretch>
+        </p:blipFill>
+        <p:spPr>
+          <a:xfrm>
+            <a:off x="4121094" y="3456917"/>
+            <a:ext cx="401436" cy="401436"/>
+          </a:xfrm>
+          <a:prstGeom prst="rect">
+            <a:avLst/>
+          </a:prstGeom>
+        </p:spPr>
+      </p:pic>
+      <p:pic>
+        <p:nvPicPr>
+          <p:cNvPr id="22" name="Graphic 21" descr="Boot outline">
+            <a:extLst>
+              <a:ext uri="{FF2B5EF4-FFF2-40B4-BE49-F238E27FC236}">
+                <a16:creationId xmlns:a16="http://schemas.microsoft.com/office/drawing/2014/main" id="{DD10EF8A-CC5A-A0BF-2C0D-490566A5C401}"/>
+              </a:ext>
+            </a:extLst>
+          </p:cNvPr>
+          <p:cNvPicPr>
+            <a:picLocks noChangeAspect="1"/>
+          </p:cNvPicPr>
+          <p:nvPr/>
+        </p:nvPicPr>
+        <p:blipFill>
+          <a:blip r:embed="rId8">
+            <a:extLst>
+              <a:ext uri="{28A0092B-C50C-407E-A947-70E740481C1C}">
+                <a14:useLocalDpi xmlns:a14="http://schemas.microsoft.com/office/drawing/2010/main" val="0"/>
+              </a:ext>
+              <a:ext uri="{96DAC541-7B7A-43D3-8B79-37D633B846F1}">
+                <asvg:svgBlip xmlns:asvg="http://schemas.microsoft.com/office/drawing/2016/SVG/main" r:embed="rId9"/>
+              </a:ext>
+            </a:extLst>
+          </a:blip>
+          <a:stretch>
+            <a:fillRect/>
+          </a:stretch>
+        </p:blipFill>
+        <p:spPr>
+          <a:xfrm>
+            <a:off x="4121094" y="3766468"/>
+            <a:ext cx="401436" cy="401436"/>
+          </a:xfrm>
+          <a:prstGeom prst="rect">
+            <a:avLst/>
+          </a:prstGeom>
+        </p:spPr>
+      </p:pic>
+      <p:pic>
+        <p:nvPicPr>
+          <p:cNvPr id="23" name="Graphic 22" descr="Boot outline">
+            <a:extLst>
+              <a:ext uri="{FF2B5EF4-FFF2-40B4-BE49-F238E27FC236}">
+                <a16:creationId xmlns:a16="http://schemas.microsoft.com/office/drawing/2014/main" id="{6565439C-00B5-16E1-8DC8-DDBE8DDE7D0D}"/>
+              </a:ext>
+            </a:extLst>
+          </p:cNvPr>
+          <p:cNvPicPr>
+            <a:picLocks noChangeAspect="1"/>
+          </p:cNvPicPr>
+          <p:nvPr/>
+        </p:nvPicPr>
+        <p:blipFill>
+          <a:blip r:embed="rId8">
+            <a:extLst>
+              <a:ext uri="{28A0092B-C50C-407E-A947-70E740481C1C}">
+                <a14:useLocalDpi xmlns:a14="http://schemas.microsoft.com/office/drawing/2010/main" val="0"/>
+              </a:ext>
+              <a:ext uri="{96DAC541-7B7A-43D3-8B79-37D633B846F1}">
+                <asvg:svgBlip xmlns:asvg="http://schemas.microsoft.com/office/drawing/2016/SVG/main" r:embed="rId9"/>
+              </a:ext>
+            </a:extLst>
+          </a:blip>
+          <a:stretch>
+            <a:fillRect/>
+          </a:stretch>
+        </p:blipFill>
+        <p:spPr>
+          <a:xfrm>
+            <a:off x="4121094" y="4076019"/>
+            <a:ext cx="401436" cy="401436"/>
+          </a:xfrm>
+          <a:prstGeom prst="rect">
+            <a:avLst/>
+          </a:prstGeom>
+        </p:spPr>
+      </p:pic>
+      <p:pic>
+        <p:nvPicPr>
+          <p:cNvPr id="24" name="Graphic 23" descr="Boot outline">
+            <a:extLst>
+              <a:ext uri="{FF2B5EF4-FFF2-40B4-BE49-F238E27FC236}">
+                <a16:creationId xmlns:a16="http://schemas.microsoft.com/office/drawing/2014/main" id="{1E86B791-D292-E5F9-1545-067F7560C501}"/>
+              </a:ext>
+            </a:extLst>
+          </p:cNvPr>
+          <p:cNvPicPr>
+            <a:picLocks noChangeAspect="1"/>
+          </p:cNvPicPr>
+          <p:nvPr/>
+        </p:nvPicPr>
+        <p:blipFill>
+          <a:blip r:embed="rId8">
+            <a:extLst>
+              <a:ext uri="{28A0092B-C50C-407E-A947-70E740481C1C}">
+                <a14:useLocalDpi xmlns:a14="http://schemas.microsoft.com/office/drawing/2010/main" val="0"/>
+              </a:ext>
+              <a:ext uri="{96DAC541-7B7A-43D3-8B79-37D633B846F1}">
+                <asvg:svgBlip xmlns:asvg="http://schemas.microsoft.com/office/drawing/2016/SVG/main" r:embed="rId9"/>
+              </a:ext>
+            </a:extLst>
+          </a:blip>
+          <a:stretch>
+            <a:fillRect/>
+          </a:stretch>
+        </p:blipFill>
+        <p:spPr>
+          <a:xfrm>
+            <a:off x="4121094" y="4385570"/>
+            <a:ext cx="401436" cy="401436"/>
+          </a:xfrm>
+          <a:prstGeom prst="rect">
+            <a:avLst/>
+          </a:prstGeom>
+        </p:spPr>
+      </p:pic>
+      <p:pic>
+        <p:nvPicPr>
+          <p:cNvPr id="25" name="Graphic 24" descr="Boot outline">
+            <a:extLst>
+              <a:ext uri="{FF2B5EF4-FFF2-40B4-BE49-F238E27FC236}">
+                <a16:creationId xmlns:a16="http://schemas.microsoft.com/office/drawing/2014/main" id="{93632B4F-3E86-F505-5F1A-35E72925760D}"/>
+              </a:ext>
+            </a:extLst>
+          </p:cNvPr>
+          <p:cNvPicPr>
+            <a:picLocks noChangeAspect="1"/>
+          </p:cNvPicPr>
+          <p:nvPr/>
+        </p:nvPicPr>
+        <p:blipFill>
+          <a:blip r:embed="rId8">
+            <a:extLst>
+              <a:ext uri="{28A0092B-C50C-407E-A947-70E740481C1C}">
+                <a14:useLocalDpi xmlns:a14="http://schemas.microsoft.com/office/drawing/2010/main" val="0"/>
+              </a:ext>
+              <a:ext uri="{96DAC541-7B7A-43D3-8B79-37D633B846F1}">
+                <asvg:svgBlip xmlns:asvg="http://schemas.microsoft.com/office/drawing/2016/SVG/main" r:embed="rId9"/>
+              </a:ext>
+            </a:extLst>
+          </a:blip>
+          <a:stretch>
+            <a:fillRect/>
+          </a:stretch>
+        </p:blipFill>
+        <p:spPr>
+          <a:xfrm>
+            <a:off x="4121094" y="4695121"/>
+            <a:ext cx="401436" cy="401436"/>
+          </a:xfrm>
+          <a:prstGeom prst="rect">
+            <a:avLst/>
+          </a:prstGeom>
+        </p:spPr>
+      </p:pic>
+      <p:sp>
+        <p:nvSpPr>
+          <p:cNvPr id="26" name="Rectangle 25">
+            <a:extLst>
+              <a:ext uri="{FF2B5EF4-FFF2-40B4-BE49-F238E27FC236}">
+                <a16:creationId xmlns:a16="http://schemas.microsoft.com/office/drawing/2014/main" id="{F6B23F9F-0638-7DD7-3290-8802B4727EB6}"/>
+              </a:ext>
+            </a:extLst>
+          </p:cNvPr>
+          <p:cNvSpPr/>
+          <p:nvPr/>
+        </p:nvSpPr>
+        <p:spPr>
+          <a:xfrm>
+            <a:off x="5563443" y="5238550"/>
+            <a:ext cx="377073" cy="228505"/>
+          </a:xfrm>
+          <a:prstGeom prst="rect">
+            <a:avLst/>
+          </a:prstGeom>
+          <a:noFill/>
+          <a:ln>
+            <a:solidFill>
+              <a:schemeClr val="tx1"/>
+            </a:solidFill>
+          </a:ln>
+        </p:spPr>
+        <p:style>
+          <a:lnRef idx="1">
+            <a:schemeClr val="accent2"/>
+          </a:lnRef>
+          <a:fillRef idx="2">
+            <a:schemeClr val="accent2"/>
+          </a:fillRef>
+          <a:effectRef idx="1">
+            <a:schemeClr val="accent2"/>
+          </a:effectRef>
+          <a:fontRef idx="minor">
+            <a:schemeClr val="dk1"/>
+          </a:fontRef>
+        </p:style>
+        <p:txBody>
+          <a:bodyPr wrap="square" rtlCol="0" anchor="ctr"/>
+          <a:lstStyle>
+            <a:lvl1pPr marL="0" indent="0">
+              <a:defRPr sz="1100">
+                <a:solidFill>
+                  <a:schemeClr val="dk1"/>
+                </a:solidFill>
+                <a:latin typeface="+mn-lt"/>
+                <a:ea typeface="+mn-ea"/>
+                <a:cs typeface="+mn-cs"/>
+              </a:defRPr>
+            </a:lvl1pPr>
+            <a:lvl2pPr marL="457200" indent="0">
+              <a:defRPr sz="1100">
+                <a:solidFill>
+                  <a:schemeClr val="dk1"/>
+                </a:solidFill>
+                <a:latin typeface="+mn-lt"/>
+                <a:ea typeface="+mn-ea"/>
+                <a:cs typeface="+mn-cs"/>
+              </a:defRPr>
+            </a:lvl2pPr>
+            <a:lvl3pPr marL="914400" indent="0">
+              <a:defRPr sz="1100">
+                <a:solidFill>
+                  <a:schemeClr val="dk1"/>
+                </a:solidFill>
+                <a:latin typeface="+mn-lt"/>
+                <a:ea typeface="+mn-ea"/>
+                <a:cs typeface="+mn-cs"/>
+              </a:defRPr>
+            </a:lvl3pPr>
+            <a:lvl4pPr marL="1371600" indent="0">
+              <a:defRPr sz="1100">
+                <a:solidFill>
+                  <a:schemeClr val="dk1"/>
+                </a:solidFill>
+                <a:latin typeface="+mn-lt"/>
+                <a:ea typeface="+mn-ea"/>
+                <a:cs typeface="+mn-cs"/>
+              </a:defRPr>
+            </a:lvl4pPr>
+            <a:lvl5pPr marL="1828800" indent="0">
+              <a:defRPr sz="1100">
+                <a:solidFill>
+                  <a:schemeClr val="dk1"/>
+                </a:solidFill>
+                <a:latin typeface="+mn-lt"/>
+                <a:ea typeface="+mn-ea"/>
+                <a:cs typeface="+mn-cs"/>
+              </a:defRPr>
+            </a:lvl5pPr>
+            <a:lvl6pPr marL="2286000" indent="0">
+              <a:defRPr sz="1100">
+                <a:solidFill>
+                  <a:schemeClr val="dk1"/>
+                </a:solidFill>
+                <a:latin typeface="+mn-lt"/>
+                <a:ea typeface="+mn-ea"/>
+                <a:cs typeface="+mn-cs"/>
+              </a:defRPr>
+            </a:lvl6pPr>
+            <a:lvl7pPr marL="2743200" indent="0">
+              <a:defRPr sz="1100">
+                <a:solidFill>
+                  <a:schemeClr val="dk1"/>
+                </a:solidFill>
+                <a:latin typeface="+mn-lt"/>
+                <a:ea typeface="+mn-ea"/>
+                <a:cs typeface="+mn-cs"/>
+              </a:defRPr>
+            </a:lvl7pPr>
+            <a:lvl8pPr marL="3200400" indent="0">
+              <a:defRPr sz="1100">
+                <a:solidFill>
+                  <a:schemeClr val="dk1"/>
+                </a:solidFill>
+                <a:latin typeface="+mn-lt"/>
+                <a:ea typeface="+mn-ea"/>
+                <a:cs typeface="+mn-cs"/>
+              </a:defRPr>
+            </a:lvl8pPr>
+            <a:lvl9pPr marL="3657600" indent="0">
+              <a:defRPr sz="1100">
+                <a:solidFill>
+                  <a:schemeClr val="dk1"/>
+                </a:solidFill>
+                <a:latin typeface="+mn-lt"/>
+                <a:ea typeface="+mn-ea"/>
+                <a:cs typeface="+mn-cs"/>
+              </a:defRPr>
+            </a:lvl9pPr>
+          </a:lstStyle>
+          <a:p>
+            <a:pPr algn="ctr"/>
+            <a:r>
+              <a:rPr lang="en-US" sz="1100" b="0" i="0" dirty="0">
+                <a:effectLst/>
+                <a:latin typeface="Arial" panose="020B0604020202020204" pitchFamily="34" charset="0"/>
+              </a:rPr>
+              <a:t>←</a:t>
+            </a:r>
+            <a:endParaRPr lang="en-US" sz="700" dirty="0">
+              <a:solidFill>
+                <a:srgbClr val="00B0F0"/>
+              </a:solidFill>
+            </a:endParaRPr>
+          </a:p>
+        </p:txBody>
+      </p:sp>
+      <p:sp>
+        <p:nvSpPr>
+          <p:cNvPr id="27" name="Rectangle 26">
+            <a:extLst>
+              <a:ext uri="{FF2B5EF4-FFF2-40B4-BE49-F238E27FC236}">
+                <a16:creationId xmlns:a16="http://schemas.microsoft.com/office/drawing/2014/main" id="{57012CD1-FCEA-D39F-C064-53447BD51557}"/>
+              </a:ext>
+            </a:extLst>
+          </p:cNvPr>
+          <p:cNvSpPr/>
+          <p:nvPr/>
+        </p:nvSpPr>
+        <p:spPr>
+          <a:xfrm>
+            <a:off x="7342635" y="5238550"/>
+            <a:ext cx="377073" cy="228505"/>
+          </a:xfrm>
+          <a:prstGeom prst="rect">
+            <a:avLst/>
+          </a:prstGeom>
+          <a:noFill/>
+          <a:ln>
+            <a:solidFill>
+              <a:schemeClr val="tx1"/>
+            </a:solidFill>
+          </a:ln>
+        </p:spPr>
+        <p:style>
+          <a:lnRef idx="1">
+            <a:schemeClr val="accent2"/>
+          </a:lnRef>
+          <a:fillRef idx="2">
+            <a:schemeClr val="accent2"/>
+          </a:fillRef>
+          <a:effectRef idx="1">
+            <a:schemeClr val="accent2"/>
+          </a:effectRef>
+          <a:fontRef idx="minor">
+            <a:schemeClr val="dk1"/>
+          </a:fontRef>
+        </p:style>
+        <p:txBody>
+          <a:bodyPr wrap="square" rtlCol="0" anchor="ctr"/>
+          <a:lstStyle>
+            <a:lvl1pPr marL="0" indent="0">
+              <a:defRPr sz="1100">
+                <a:solidFill>
+                  <a:schemeClr val="dk1"/>
+                </a:solidFill>
+                <a:latin typeface="+mn-lt"/>
+                <a:ea typeface="+mn-ea"/>
+                <a:cs typeface="+mn-cs"/>
+              </a:defRPr>
+            </a:lvl1pPr>
+            <a:lvl2pPr marL="457200" indent="0">
+              <a:defRPr sz="1100">
+                <a:solidFill>
+                  <a:schemeClr val="dk1"/>
+                </a:solidFill>
+                <a:latin typeface="+mn-lt"/>
+                <a:ea typeface="+mn-ea"/>
+                <a:cs typeface="+mn-cs"/>
+              </a:defRPr>
+            </a:lvl2pPr>
+            <a:lvl3pPr marL="914400" indent="0">
+              <a:defRPr sz="1100">
+                <a:solidFill>
+                  <a:schemeClr val="dk1"/>
+                </a:solidFill>
+                <a:latin typeface="+mn-lt"/>
+                <a:ea typeface="+mn-ea"/>
+                <a:cs typeface="+mn-cs"/>
+              </a:defRPr>
+            </a:lvl3pPr>
+            <a:lvl4pPr marL="1371600" indent="0">
+              <a:defRPr sz="1100">
+                <a:solidFill>
+                  <a:schemeClr val="dk1"/>
+                </a:solidFill>
+                <a:latin typeface="+mn-lt"/>
+                <a:ea typeface="+mn-ea"/>
+                <a:cs typeface="+mn-cs"/>
+              </a:defRPr>
+            </a:lvl4pPr>
+            <a:lvl5pPr marL="1828800" indent="0">
+              <a:defRPr sz="1100">
+                <a:solidFill>
+                  <a:schemeClr val="dk1"/>
+                </a:solidFill>
+                <a:latin typeface="+mn-lt"/>
+                <a:ea typeface="+mn-ea"/>
+                <a:cs typeface="+mn-cs"/>
+              </a:defRPr>
+            </a:lvl5pPr>
+            <a:lvl6pPr marL="2286000" indent="0">
+              <a:defRPr sz="1100">
+                <a:solidFill>
+                  <a:schemeClr val="dk1"/>
+                </a:solidFill>
+                <a:latin typeface="+mn-lt"/>
+                <a:ea typeface="+mn-ea"/>
+                <a:cs typeface="+mn-cs"/>
+              </a:defRPr>
+            </a:lvl6pPr>
+            <a:lvl7pPr marL="2743200" indent="0">
+              <a:defRPr sz="1100">
+                <a:solidFill>
+                  <a:schemeClr val="dk1"/>
+                </a:solidFill>
+                <a:latin typeface="+mn-lt"/>
+                <a:ea typeface="+mn-ea"/>
+                <a:cs typeface="+mn-cs"/>
+              </a:defRPr>
+            </a:lvl7pPr>
+            <a:lvl8pPr marL="3200400" indent="0">
+              <a:defRPr sz="1100">
+                <a:solidFill>
+                  <a:schemeClr val="dk1"/>
+                </a:solidFill>
+                <a:latin typeface="+mn-lt"/>
+                <a:ea typeface="+mn-ea"/>
+                <a:cs typeface="+mn-cs"/>
+              </a:defRPr>
+            </a:lvl8pPr>
+            <a:lvl9pPr marL="3657600" indent="0">
+              <a:defRPr sz="1100">
+                <a:solidFill>
+                  <a:schemeClr val="dk1"/>
+                </a:solidFill>
+                <a:latin typeface="+mn-lt"/>
+                <a:ea typeface="+mn-ea"/>
+                <a:cs typeface="+mn-cs"/>
+              </a:defRPr>
+            </a:lvl9pPr>
+          </a:lstStyle>
+          <a:p>
+            <a:pPr algn="ctr"/>
+            <a:r>
+              <a:rPr lang="en-US" b="0" i="0" dirty="0">
+                <a:effectLst/>
+                <a:latin typeface="Arial" panose="020B0604020202020204" pitchFamily="34" charset="0"/>
+              </a:rPr>
+              <a:t>→</a:t>
+            </a:r>
+            <a:endParaRPr lang="en-US" sz="700" dirty="0">
+              <a:solidFill>
+                <a:srgbClr val="00B0F0"/>
+              </a:solidFill>
+            </a:endParaRPr>
+          </a:p>
+        </p:txBody>
+      </p:sp>
+      <p:sp>
+        <p:nvSpPr>
+          <p:cNvPr id="28" name="Rectangle 27">
+            <a:extLst>
+              <a:ext uri="{FF2B5EF4-FFF2-40B4-BE49-F238E27FC236}">
+                <a16:creationId xmlns:a16="http://schemas.microsoft.com/office/drawing/2014/main" id="{8D40BC04-4E17-2548-3853-A3DE23C5014B}"/>
+              </a:ext>
+            </a:extLst>
+          </p:cNvPr>
+          <p:cNvSpPr/>
+          <p:nvPr/>
+        </p:nvSpPr>
+        <p:spPr>
+          <a:xfrm>
+            <a:off x="6031530" y="5238555"/>
+            <a:ext cx="220164" cy="228505"/>
+          </a:xfrm>
+          <a:prstGeom prst="rect">
+            <a:avLst/>
+          </a:prstGeom>
+          <a:solidFill>
+            <a:schemeClr val="accent5">
+              <a:lumMod val="40000"/>
+              <a:lumOff val="60000"/>
+            </a:schemeClr>
+          </a:solidFill>
+          <a:ln>
+            <a:solidFill>
+              <a:schemeClr val="tx1"/>
+            </a:solidFill>
+          </a:ln>
+        </p:spPr>
+        <p:style>
+          <a:lnRef idx="1">
+            <a:schemeClr val="accent2"/>
+          </a:lnRef>
+          <a:fillRef idx="2">
+            <a:schemeClr val="accent2"/>
+          </a:fillRef>
+          <a:effectRef idx="1">
+            <a:schemeClr val="accent2"/>
+          </a:effectRef>
+          <a:fontRef idx="minor">
+            <a:schemeClr val="dk1"/>
+          </a:fontRef>
+        </p:style>
+        <p:txBody>
+          <a:bodyPr wrap="square" rtlCol="0" anchor="ctr"/>
+          <a:lstStyle>
+            <a:lvl1pPr marL="0" indent="0">
+              <a:defRPr sz="1100">
+                <a:solidFill>
+                  <a:schemeClr val="dk1"/>
+                </a:solidFill>
+                <a:latin typeface="+mn-lt"/>
+                <a:ea typeface="+mn-ea"/>
+                <a:cs typeface="+mn-cs"/>
+              </a:defRPr>
+            </a:lvl1pPr>
+            <a:lvl2pPr marL="457200" indent="0">
+              <a:defRPr sz="1100">
+                <a:solidFill>
+                  <a:schemeClr val="dk1"/>
+                </a:solidFill>
+                <a:latin typeface="+mn-lt"/>
+                <a:ea typeface="+mn-ea"/>
+                <a:cs typeface="+mn-cs"/>
+              </a:defRPr>
+            </a:lvl2pPr>
+            <a:lvl3pPr marL="914400" indent="0">
+              <a:defRPr sz="1100">
+                <a:solidFill>
+                  <a:schemeClr val="dk1"/>
+                </a:solidFill>
+                <a:latin typeface="+mn-lt"/>
+                <a:ea typeface="+mn-ea"/>
+                <a:cs typeface="+mn-cs"/>
+              </a:defRPr>
+            </a:lvl3pPr>
+            <a:lvl4pPr marL="1371600" indent="0">
+              <a:defRPr sz="1100">
+                <a:solidFill>
+                  <a:schemeClr val="dk1"/>
+                </a:solidFill>
+                <a:latin typeface="+mn-lt"/>
+                <a:ea typeface="+mn-ea"/>
+                <a:cs typeface="+mn-cs"/>
+              </a:defRPr>
+            </a:lvl4pPr>
+            <a:lvl5pPr marL="1828800" indent="0">
+              <a:defRPr sz="1100">
+                <a:solidFill>
+                  <a:schemeClr val="dk1"/>
+                </a:solidFill>
+                <a:latin typeface="+mn-lt"/>
+                <a:ea typeface="+mn-ea"/>
+                <a:cs typeface="+mn-cs"/>
+              </a:defRPr>
+            </a:lvl5pPr>
+            <a:lvl6pPr marL="2286000" indent="0">
+              <a:defRPr sz="1100">
+                <a:solidFill>
+                  <a:schemeClr val="dk1"/>
+                </a:solidFill>
+                <a:latin typeface="+mn-lt"/>
+                <a:ea typeface="+mn-ea"/>
+                <a:cs typeface="+mn-cs"/>
+              </a:defRPr>
+            </a:lvl6pPr>
+            <a:lvl7pPr marL="2743200" indent="0">
+              <a:defRPr sz="1100">
+                <a:solidFill>
+                  <a:schemeClr val="dk1"/>
+                </a:solidFill>
+                <a:latin typeface="+mn-lt"/>
+                <a:ea typeface="+mn-ea"/>
+                <a:cs typeface="+mn-cs"/>
+              </a:defRPr>
+            </a:lvl7pPr>
+            <a:lvl8pPr marL="3200400" indent="0">
+              <a:defRPr sz="1100">
+                <a:solidFill>
+                  <a:schemeClr val="dk1"/>
+                </a:solidFill>
+                <a:latin typeface="+mn-lt"/>
+                <a:ea typeface="+mn-ea"/>
+                <a:cs typeface="+mn-cs"/>
+              </a:defRPr>
+            </a:lvl8pPr>
+            <a:lvl9pPr marL="3657600" indent="0">
+              <a:defRPr sz="1100">
+                <a:solidFill>
+                  <a:schemeClr val="dk1"/>
+                </a:solidFill>
+                <a:latin typeface="+mn-lt"/>
+                <a:ea typeface="+mn-ea"/>
+                <a:cs typeface="+mn-cs"/>
+              </a:defRPr>
+            </a:lvl9pPr>
+          </a:lstStyle>
+          <a:p>
+            <a:pPr algn="ctr"/>
+            <a:r>
+              <a:rPr lang="vi-VN" sz="1100" b="0" i="0" dirty="0">
+                <a:effectLst/>
+                <a:latin typeface="Arial" panose="020B0604020202020204" pitchFamily="34" charset="0"/>
+              </a:rPr>
+              <a:t>1</a:t>
+            </a:r>
+            <a:endParaRPr lang="en-US" sz="700" dirty="0">
+              <a:solidFill>
+                <a:srgbClr val="00B0F0"/>
+              </a:solidFill>
+            </a:endParaRPr>
+          </a:p>
+        </p:txBody>
+      </p:sp>
+      <p:sp>
+        <p:nvSpPr>
+          <p:cNvPr id="32" name="Rectangle 31">
+            <a:extLst>
+              <a:ext uri="{FF2B5EF4-FFF2-40B4-BE49-F238E27FC236}">
+                <a16:creationId xmlns:a16="http://schemas.microsoft.com/office/drawing/2014/main" id="{ECB0F9E2-7B42-AA9A-6201-1B9D1E873DA3}"/>
+              </a:ext>
+            </a:extLst>
+          </p:cNvPr>
+          <p:cNvSpPr/>
+          <p:nvPr/>
+        </p:nvSpPr>
+        <p:spPr>
+          <a:xfrm>
+            <a:off x="6276626" y="5238554"/>
+            <a:ext cx="220164" cy="228505"/>
+          </a:xfrm>
+          <a:prstGeom prst="rect">
+            <a:avLst/>
+          </a:prstGeom>
+          <a:noFill/>
+          <a:ln>
+            <a:solidFill>
+              <a:schemeClr val="tx1"/>
+            </a:solidFill>
+          </a:ln>
+        </p:spPr>
+        <p:style>
+          <a:lnRef idx="1">
+            <a:schemeClr val="accent2"/>
+          </a:lnRef>
+          <a:fillRef idx="2">
+            <a:schemeClr val="accent2"/>
+          </a:fillRef>
+          <a:effectRef idx="1">
+            <a:schemeClr val="accent2"/>
+          </a:effectRef>
+          <a:fontRef idx="minor">
+            <a:schemeClr val="dk1"/>
+          </a:fontRef>
+        </p:style>
+        <p:txBody>
+          <a:bodyPr wrap="square" rtlCol="0" anchor="ctr"/>
+          <a:lstStyle>
+            <a:lvl1pPr marL="0" indent="0">
+              <a:defRPr sz="1100">
+                <a:solidFill>
+                  <a:schemeClr val="dk1"/>
+                </a:solidFill>
+                <a:latin typeface="+mn-lt"/>
+                <a:ea typeface="+mn-ea"/>
+                <a:cs typeface="+mn-cs"/>
+              </a:defRPr>
+            </a:lvl1pPr>
+            <a:lvl2pPr marL="457200" indent="0">
+              <a:defRPr sz="1100">
+                <a:solidFill>
+                  <a:schemeClr val="dk1"/>
+                </a:solidFill>
+                <a:latin typeface="+mn-lt"/>
+                <a:ea typeface="+mn-ea"/>
+                <a:cs typeface="+mn-cs"/>
+              </a:defRPr>
+            </a:lvl2pPr>
+            <a:lvl3pPr marL="914400" indent="0">
+              <a:defRPr sz="1100">
+                <a:solidFill>
+                  <a:schemeClr val="dk1"/>
+                </a:solidFill>
+                <a:latin typeface="+mn-lt"/>
+                <a:ea typeface="+mn-ea"/>
+                <a:cs typeface="+mn-cs"/>
+              </a:defRPr>
+            </a:lvl3pPr>
+            <a:lvl4pPr marL="1371600" indent="0">
+              <a:defRPr sz="1100">
+                <a:solidFill>
+                  <a:schemeClr val="dk1"/>
+                </a:solidFill>
+                <a:latin typeface="+mn-lt"/>
+                <a:ea typeface="+mn-ea"/>
+                <a:cs typeface="+mn-cs"/>
+              </a:defRPr>
+            </a:lvl4pPr>
+            <a:lvl5pPr marL="1828800" indent="0">
+              <a:defRPr sz="1100">
+                <a:solidFill>
+                  <a:schemeClr val="dk1"/>
+                </a:solidFill>
+                <a:latin typeface="+mn-lt"/>
+                <a:ea typeface="+mn-ea"/>
+                <a:cs typeface="+mn-cs"/>
+              </a:defRPr>
+            </a:lvl5pPr>
+            <a:lvl6pPr marL="2286000" indent="0">
+              <a:defRPr sz="1100">
+                <a:solidFill>
+                  <a:schemeClr val="dk1"/>
+                </a:solidFill>
+                <a:latin typeface="+mn-lt"/>
+                <a:ea typeface="+mn-ea"/>
+                <a:cs typeface="+mn-cs"/>
+              </a:defRPr>
+            </a:lvl6pPr>
+            <a:lvl7pPr marL="2743200" indent="0">
+              <a:defRPr sz="1100">
+                <a:solidFill>
+                  <a:schemeClr val="dk1"/>
+                </a:solidFill>
+                <a:latin typeface="+mn-lt"/>
+                <a:ea typeface="+mn-ea"/>
+                <a:cs typeface="+mn-cs"/>
+              </a:defRPr>
+            </a:lvl7pPr>
+            <a:lvl8pPr marL="3200400" indent="0">
+              <a:defRPr sz="1100">
+                <a:solidFill>
+                  <a:schemeClr val="dk1"/>
+                </a:solidFill>
+                <a:latin typeface="+mn-lt"/>
+                <a:ea typeface="+mn-ea"/>
+                <a:cs typeface="+mn-cs"/>
+              </a:defRPr>
+            </a:lvl8pPr>
+            <a:lvl9pPr marL="3657600" indent="0">
+              <a:defRPr sz="1100">
+                <a:solidFill>
+                  <a:schemeClr val="dk1"/>
+                </a:solidFill>
+                <a:latin typeface="+mn-lt"/>
+                <a:ea typeface="+mn-ea"/>
+                <a:cs typeface="+mn-cs"/>
+              </a:defRPr>
+            </a:lvl9pPr>
+          </a:lstStyle>
+          <a:p>
+            <a:pPr algn="ctr"/>
+            <a:r>
+              <a:rPr lang="vi-VN" sz="1100" b="0" i="0" dirty="0">
+                <a:effectLst/>
+                <a:latin typeface="Arial" panose="020B0604020202020204" pitchFamily="34" charset="0"/>
+              </a:rPr>
+              <a:t>2</a:t>
+            </a:r>
+            <a:endParaRPr lang="en-US" sz="700" dirty="0">
+              <a:solidFill>
+                <a:srgbClr val="00B0F0"/>
+              </a:solidFill>
+            </a:endParaRPr>
+          </a:p>
+        </p:txBody>
+      </p:sp>
+      <p:sp>
+        <p:nvSpPr>
+          <p:cNvPr id="33" name="Rectangle 32">
+            <a:extLst>
+              <a:ext uri="{FF2B5EF4-FFF2-40B4-BE49-F238E27FC236}">
+                <a16:creationId xmlns:a16="http://schemas.microsoft.com/office/drawing/2014/main" id="{37DB2C6B-DF14-1E58-19D1-8AFF5A5D9847}"/>
+              </a:ext>
+            </a:extLst>
+          </p:cNvPr>
+          <p:cNvSpPr/>
+          <p:nvPr/>
+        </p:nvSpPr>
+        <p:spPr>
+          <a:xfrm>
+            <a:off x="6521722" y="5238553"/>
+            <a:ext cx="220164" cy="228505"/>
+          </a:xfrm>
+          <a:prstGeom prst="rect">
+            <a:avLst/>
+          </a:prstGeom>
+          <a:noFill/>
+          <a:ln>
+            <a:solidFill>
+              <a:schemeClr val="tx1"/>
+            </a:solidFill>
+          </a:ln>
+        </p:spPr>
+        <p:style>
+          <a:lnRef idx="1">
+            <a:schemeClr val="accent2"/>
+          </a:lnRef>
+          <a:fillRef idx="2">
+            <a:schemeClr val="accent2"/>
+          </a:fillRef>
+          <a:effectRef idx="1">
+            <a:schemeClr val="accent2"/>
+          </a:effectRef>
+          <a:fontRef idx="minor">
+            <a:schemeClr val="dk1"/>
+          </a:fontRef>
+        </p:style>
+        <p:txBody>
+          <a:bodyPr wrap="square" rtlCol="0" anchor="ctr"/>
+          <a:lstStyle>
+            <a:lvl1pPr marL="0" indent="0">
+              <a:defRPr sz="1100">
+                <a:solidFill>
+                  <a:schemeClr val="dk1"/>
+                </a:solidFill>
+                <a:latin typeface="+mn-lt"/>
+                <a:ea typeface="+mn-ea"/>
+                <a:cs typeface="+mn-cs"/>
+              </a:defRPr>
+            </a:lvl1pPr>
+            <a:lvl2pPr marL="457200" indent="0">
+              <a:defRPr sz="1100">
+                <a:solidFill>
+                  <a:schemeClr val="dk1"/>
+                </a:solidFill>
+                <a:latin typeface="+mn-lt"/>
+                <a:ea typeface="+mn-ea"/>
+                <a:cs typeface="+mn-cs"/>
+              </a:defRPr>
+            </a:lvl2pPr>
+            <a:lvl3pPr marL="914400" indent="0">
+              <a:defRPr sz="1100">
+                <a:solidFill>
+                  <a:schemeClr val="dk1"/>
+                </a:solidFill>
+                <a:latin typeface="+mn-lt"/>
+                <a:ea typeface="+mn-ea"/>
+                <a:cs typeface="+mn-cs"/>
+              </a:defRPr>
+            </a:lvl3pPr>
+            <a:lvl4pPr marL="1371600" indent="0">
+              <a:defRPr sz="1100">
+                <a:solidFill>
+                  <a:schemeClr val="dk1"/>
+                </a:solidFill>
+                <a:latin typeface="+mn-lt"/>
+                <a:ea typeface="+mn-ea"/>
+                <a:cs typeface="+mn-cs"/>
+              </a:defRPr>
+            </a:lvl4pPr>
+            <a:lvl5pPr marL="1828800" indent="0">
+              <a:defRPr sz="1100">
+                <a:solidFill>
+                  <a:schemeClr val="dk1"/>
+                </a:solidFill>
+                <a:latin typeface="+mn-lt"/>
+                <a:ea typeface="+mn-ea"/>
+                <a:cs typeface="+mn-cs"/>
+              </a:defRPr>
+            </a:lvl5pPr>
+            <a:lvl6pPr marL="2286000" indent="0">
+              <a:defRPr sz="1100">
+                <a:solidFill>
+                  <a:schemeClr val="dk1"/>
+                </a:solidFill>
+                <a:latin typeface="+mn-lt"/>
+                <a:ea typeface="+mn-ea"/>
+                <a:cs typeface="+mn-cs"/>
+              </a:defRPr>
+            </a:lvl6pPr>
+            <a:lvl7pPr marL="2743200" indent="0">
+              <a:defRPr sz="1100">
+                <a:solidFill>
+                  <a:schemeClr val="dk1"/>
+                </a:solidFill>
+                <a:latin typeface="+mn-lt"/>
+                <a:ea typeface="+mn-ea"/>
+                <a:cs typeface="+mn-cs"/>
+              </a:defRPr>
+            </a:lvl7pPr>
+            <a:lvl8pPr marL="3200400" indent="0">
+              <a:defRPr sz="1100">
+                <a:solidFill>
+                  <a:schemeClr val="dk1"/>
+                </a:solidFill>
+                <a:latin typeface="+mn-lt"/>
+                <a:ea typeface="+mn-ea"/>
+                <a:cs typeface="+mn-cs"/>
+              </a:defRPr>
+            </a:lvl8pPr>
+            <a:lvl9pPr marL="3657600" indent="0">
+              <a:defRPr sz="1100">
+                <a:solidFill>
+                  <a:schemeClr val="dk1"/>
+                </a:solidFill>
+                <a:latin typeface="+mn-lt"/>
+                <a:ea typeface="+mn-ea"/>
+                <a:cs typeface="+mn-cs"/>
+              </a:defRPr>
+            </a:lvl9pPr>
+          </a:lstStyle>
+          <a:p>
+            <a:pPr algn="ctr"/>
+            <a:r>
+              <a:rPr lang="vi-VN" sz="1100" b="0" i="0" dirty="0">
+                <a:effectLst/>
+                <a:latin typeface="Arial" panose="020B0604020202020204" pitchFamily="34" charset="0"/>
+              </a:rPr>
+              <a:t>3</a:t>
+            </a:r>
+            <a:endParaRPr lang="en-US" sz="700" dirty="0">
+              <a:solidFill>
+                <a:srgbClr val="00B0F0"/>
+              </a:solidFill>
+            </a:endParaRPr>
+          </a:p>
+        </p:txBody>
+      </p:sp>
+      <p:sp>
+        <p:nvSpPr>
+          <p:cNvPr id="34" name="Rectangle 33">
+            <a:extLst>
+              <a:ext uri="{FF2B5EF4-FFF2-40B4-BE49-F238E27FC236}">
+                <a16:creationId xmlns:a16="http://schemas.microsoft.com/office/drawing/2014/main" id="{486CFC2A-C87F-DFA3-83DF-0EFADAD0D317}"/>
+              </a:ext>
+            </a:extLst>
+          </p:cNvPr>
+          <p:cNvSpPr/>
+          <p:nvPr/>
+        </p:nvSpPr>
+        <p:spPr>
+          <a:xfrm>
+            <a:off x="6766818" y="5238552"/>
+            <a:ext cx="220164" cy="228505"/>
+          </a:xfrm>
+          <a:prstGeom prst="rect">
+            <a:avLst/>
+          </a:prstGeom>
+          <a:noFill/>
+          <a:ln>
+            <a:solidFill>
+              <a:schemeClr val="tx1"/>
+            </a:solidFill>
+          </a:ln>
+        </p:spPr>
+        <p:style>
+          <a:lnRef idx="1">
+            <a:schemeClr val="accent2"/>
+          </a:lnRef>
+          <a:fillRef idx="2">
+            <a:schemeClr val="accent2"/>
+          </a:fillRef>
+          <a:effectRef idx="1">
+            <a:schemeClr val="accent2"/>
+          </a:effectRef>
+          <a:fontRef idx="minor">
+            <a:schemeClr val="dk1"/>
+          </a:fontRef>
+        </p:style>
+        <p:txBody>
+          <a:bodyPr wrap="square" rtlCol="0" anchor="ctr"/>
+          <a:lstStyle>
+            <a:lvl1pPr marL="0" indent="0">
+              <a:defRPr sz="1100">
+                <a:solidFill>
+                  <a:schemeClr val="dk1"/>
+                </a:solidFill>
+                <a:latin typeface="+mn-lt"/>
+                <a:ea typeface="+mn-ea"/>
+                <a:cs typeface="+mn-cs"/>
+              </a:defRPr>
+            </a:lvl1pPr>
+            <a:lvl2pPr marL="457200" indent="0">
+              <a:defRPr sz="1100">
+                <a:solidFill>
+                  <a:schemeClr val="dk1"/>
+                </a:solidFill>
+                <a:latin typeface="+mn-lt"/>
+                <a:ea typeface="+mn-ea"/>
+                <a:cs typeface="+mn-cs"/>
+              </a:defRPr>
+            </a:lvl2pPr>
+            <a:lvl3pPr marL="914400" indent="0">
+              <a:defRPr sz="1100">
+                <a:solidFill>
+                  <a:schemeClr val="dk1"/>
+                </a:solidFill>
+                <a:latin typeface="+mn-lt"/>
+                <a:ea typeface="+mn-ea"/>
+                <a:cs typeface="+mn-cs"/>
+              </a:defRPr>
+            </a:lvl3pPr>
+            <a:lvl4pPr marL="1371600" indent="0">
+              <a:defRPr sz="1100">
+                <a:solidFill>
+                  <a:schemeClr val="dk1"/>
+                </a:solidFill>
+                <a:latin typeface="+mn-lt"/>
+                <a:ea typeface="+mn-ea"/>
+                <a:cs typeface="+mn-cs"/>
+              </a:defRPr>
+            </a:lvl4pPr>
+            <a:lvl5pPr marL="1828800" indent="0">
+              <a:defRPr sz="1100">
+                <a:solidFill>
+                  <a:schemeClr val="dk1"/>
+                </a:solidFill>
+                <a:latin typeface="+mn-lt"/>
+                <a:ea typeface="+mn-ea"/>
+                <a:cs typeface="+mn-cs"/>
+              </a:defRPr>
+            </a:lvl5pPr>
+            <a:lvl6pPr marL="2286000" indent="0">
+              <a:defRPr sz="1100">
+                <a:solidFill>
+                  <a:schemeClr val="dk1"/>
+                </a:solidFill>
+                <a:latin typeface="+mn-lt"/>
+                <a:ea typeface="+mn-ea"/>
+                <a:cs typeface="+mn-cs"/>
+              </a:defRPr>
+            </a:lvl6pPr>
+            <a:lvl7pPr marL="2743200" indent="0">
+              <a:defRPr sz="1100">
+                <a:solidFill>
+                  <a:schemeClr val="dk1"/>
+                </a:solidFill>
+                <a:latin typeface="+mn-lt"/>
+                <a:ea typeface="+mn-ea"/>
+                <a:cs typeface="+mn-cs"/>
+              </a:defRPr>
+            </a:lvl7pPr>
+            <a:lvl8pPr marL="3200400" indent="0">
+              <a:defRPr sz="1100">
+                <a:solidFill>
+                  <a:schemeClr val="dk1"/>
+                </a:solidFill>
+                <a:latin typeface="+mn-lt"/>
+                <a:ea typeface="+mn-ea"/>
+                <a:cs typeface="+mn-cs"/>
+              </a:defRPr>
+            </a:lvl8pPr>
+            <a:lvl9pPr marL="3657600" indent="0">
+              <a:defRPr sz="1100">
+                <a:solidFill>
+                  <a:schemeClr val="dk1"/>
+                </a:solidFill>
+                <a:latin typeface="+mn-lt"/>
+                <a:ea typeface="+mn-ea"/>
+                <a:cs typeface="+mn-cs"/>
+              </a:defRPr>
+            </a:lvl9pPr>
+          </a:lstStyle>
+          <a:p>
+            <a:pPr algn="ctr"/>
+            <a:r>
+              <a:rPr lang="vi-VN" sz="1100" b="0" i="0" dirty="0">
+                <a:effectLst/>
+                <a:latin typeface="Arial" panose="020B0604020202020204" pitchFamily="34" charset="0"/>
+              </a:rPr>
+              <a:t>4</a:t>
+            </a:r>
+            <a:endParaRPr lang="en-US" sz="700" dirty="0">
+              <a:solidFill>
+                <a:srgbClr val="00B0F0"/>
+              </a:solidFill>
+            </a:endParaRPr>
+          </a:p>
+        </p:txBody>
+      </p:sp>
+      <p:sp>
+        <p:nvSpPr>
+          <p:cNvPr id="35" name="Rectangle 34">
+            <a:extLst>
+              <a:ext uri="{FF2B5EF4-FFF2-40B4-BE49-F238E27FC236}">
+                <a16:creationId xmlns:a16="http://schemas.microsoft.com/office/drawing/2014/main" id="{EFD640CB-6DEA-0BB8-7931-E01D24330080}"/>
+              </a:ext>
+            </a:extLst>
+          </p:cNvPr>
+          <p:cNvSpPr/>
+          <p:nvPr/>
+        </p:nvSpPr>
+        <p:spPr>
+          <a:xfrm>
+            <a:off x="7011914" y="5238551"/>
+            <a:ext cx="220164" cy="228505"/>
+          </a:xfrm>
+          <a:prstGeom prst="rect">
+            <a:avLst/>
+          </a:prstGeom>
+          <a:noFill/>
+          <a:ln>
+            <a:solidFill>
+              <a:schemeClr val="tx1"/>
+            </a:solidFill>
+          </a:ln>
+        </p:spPr>
+        <p:style>
+          <a:lnRef idx="1">
+            <a:schemeClr val="accent2"/>
+          </a:lnRef>
+          <a:fillRef idx="2">
+            <a:schemeClr val="accent2"/>
+          </a:fillRef>
+          <a:effectRef idx="1">
+            <a:schemeClr val="accent2"/>
+          </a:effectRef>
+          <a:fontRef idx="minor">
+            <a:schemeClr val="dk1"/>
+          </a:fontRef>
+        </p:style>
+        <p:txBody>
+          <a:bodyPr wrap="square" rtlCol="0" anchor="ctr"/>
+          <a:lstStyle>
+            <a:lvl1pPr marL="0" indent="0">
+              <a:defRPr sz="1100">
+                <a:solidFill>
+                  <a:schemeClr val="dk1"/>
+                </a:solidFill>
+                <a:latin typeface="+mn-lt"/>
+                <a:ea typeface="+mn-ea"/>
+                <a:cs typeface="+mn-cs"/>
+              </a:defRPr>
+            </a:lvl1pPr>
+            <a:lvl2pPr marL="457200" indent="0">
+              <a:defRPr sz="1100">
+                <a:solidFill>
+                  <a:schemeClr val="dk1"/>
+                </a:solidFill>
+                <a:latin typeface="+mn-lt"/>
+                <a:ea typeface="+mn-ea"/>
+                <a:cs typeface="+mn-cs"/>
+              </a:defRPr>
+            </a:lvl2pPr>
+            <a:lvl3pPr marL="914400" indent="0">
+              <a:defRPr sz="1100">
+                <a:solidFill>
+                  <a:schemeClr val="dk1"/>
+                </a:solidFill>
+                <a:latin typeface="+mn-lt"/>
+                <a:ea typeface="+mn-ea"/>
+                <a:cs typeface="+mn-cs"/>
+              </a:defRPr>
+            </a:lvl3pPr>
+            <a:lvl4pPr marL="1371600" indent="0">
+              <a:defRPr sz="1100">
+                <a:solidFill>
+                  <a:schemeClr val="dk1"/>
+                </a:solidFill>
+                <a:latin typeface="+mn-lt"/>
+                <a:ea typeface="+mn-ea"/>
+                <a:cs typeface="+mn-cs"/>
+              </a:defRPr>
+            </a:lvl4pPr>
+            <a:lvl5pPr marL="1828800" indent="0">
+              <a:defRPr sz="1100">
+                <a:solidFill>
+                  <a:schemeClr val="dk1"/>
+                </a:solidFill>
+                <a:latin typeface="+mn-lt"/>
+                <a:ea typeface="+mn-ea"/>
+                <a:cs typeface="+mn-cs"/>
+              </a:defRPr>
+            </a:lvl5pPr>
+            <a:lvl6pPr marL="2286000" indent="0">
+              <a:defRPr sz="1100">
+                <a:solidFill>
+                  <a:schemeClr val="dk1"/>
+                </a:solidFill>
+                <a:latin typeface="+mn-lt"/>
+                <a:ea typeface="+mn-ea"/>
+                <a:cs typeface="+mn-cs"/>
+              </a:defRPr>
+            </a:lvl6pPr>
+            <a:lvl7pPr marL="2743200" indent="0">
+              <a:defRPr sz="1100">
+                <a:solidFill>
+                  <a:schemeClr val="dk1"/>
+                </a:solidFill>
+                <a:latin typeface="+mn-lt"/>
+                <a:ea typeface="+mn-ea"/>
+                <a:cs typeface="+mn-cs"/>
+              </a:defRPr>
+            </a:lvl7pPr>
+            <a:lvl8pPr marL="3200400" indent="0">
+              <a:defRPr sz="1100">
+                <a:solidFill>
+                  <a:schemeClr val="dk1"/>
+                </a:solidFill>
+                <a:latin typeface="+mn-lt"/>
+                <a:ea typeface="+mn-ea"/>
+                <a:cs typeface="+mn-cs"/>
+              </a:defRPr>
+            </a:lvl8pPr>
+            <a:lvl9pPr marL="3657600" indent="0">
+              <a:defRPr sz="1100">
+                <a:solidFill>
+                  <a:schemeClr val="dk1"/>
+                </a:solidFill>
+                <a:latin typeface="+mn-lt"/>
+                <a:ea typeface="+mn-ea"/>
+                <a:cs typeface="+mn-cs"/>
+              </a:defRPr>
+            </a:lvl9pPr>
+          </a:lstStyle>
+          <a:p>
+            <a:pPr algn="ctr"/>
+            <a:r>
+              <a:rPr lang="vi-VN" sz="1100" b="0" i="0" dirty="0">
+                <a:effectLst/>
+                <a:latin typeface="Arial" panose="020B0604020202020204" pitchFamily="34" charset="0"/>
+              </a:rPr>
+              <a:t>5</a:t>
+            </a:r>
+            <a:endParaRPr lang="en-US" sz="700" dirty="0">
+              <a:solidFill>
+                <a:srgbClr val="00B0F0"/>
+              </a:solidFill>
+            </a:endParaRPr>
+          </a:p>
+        </p:txBody>
+      </p:sp>
+    </p:spTree>
+    <p:extLst>
+      <p:ext uri="{BB962C8B-B14F-4D97-AF65-F5344CB8AC3E}">
+        <p14:creationId xmlns:p14="http://schemas.microsoft.com/office/powerpoint/2010/main" val="447585470"/>
+      </p:ext>
+    </p:extLst>
+  </p:cSld>
+  <p:clrMapOvr>
+    <a:masterClrMapping/>
+  </p:clrMapOvr>
+</p:sld>
+</file>
+
+<file path=ppt/slides/slide14.xml><?xml version="1.0" encoding="utf-8"?>
+<p:sld xmlns:a="http://schemas.openxmlformats.org/drawingml/2006/main" xmlns:r="http://schemas.openxmlformats.org/officeDocument/2006/relationships" xmlns:p="http://schemas.openxmlformats.org/presentationml/2006/main">
+  <p:cSld>
+    <p:spTree>
+      <p:nvGrpSpPr>
+        <p:cNvPr id="1" name=""/>
+        <p:cNvGrpSpPr/>
+        <p:nvPr/>
+      </p:nvGrpSpPr>
+      <p:grpSpPr>
+        <a:xfrm>
+          <a:off x="0" y="0"/>
+          <a:ext cx="0" cy="0"/>
+          <a:chOff x="0" y="0"/>
+          <a:chExt cx="0" cy="0"/>
+        </a:xfrm>
+      </p:grpSpPr>
+      <p:grpSp>
+        <p:nvGrpSpPr>
+          <p:cNvPr id="50" name="Group 49">
+            <a:extLst>
+              <a:ext uri="{FF2B5EF4-FFF2-40B4-BE49-F238E27FC236}">
+                <a16:creationId xmlns:a16="http://schemas.microsoft.com/office/drawing/2014/main" id="{06D5D764-1644-2AD6-94D8-CEFBB5C8E4C3}"/>
+              </a:ext>
+            </a:extLst>
+          </p:cNvPr>
+          <p:cNvGrpSpPr/>
+          <p:nvPr/>
+        </p:nvGrpSpPr>
+        <p:grpSpPr>
+          <a:xfrm>
+            <a:off x="2123731" y="1204912"/>
+            <a:ext cx="7099097" cy="4743943"/>
+            <a:chOff x="2123731" y="1204912"/>
+            <a:chExt cx="7099097" cy="4743943"/>
+          </a:xfrm>
+        </p:grpSpPr>
         <p:sp>
           <p:nvSpPr>
-            <p:cNvPr id="2" name="Rectangle 1">
+            <p:cNvPr id="6" name="Rectangle 5">
               <a:extLst>
                 <a:ext uri="{FF2B5EF4-FFF2-40B4-BE49-F238E27FC236}">
-                  <a16:creationId xmlns:a16="http://schemas.microsoft.com/office/drawing/2014/main" id="{5AF59ED7-693F-177E-8757-E97E14EF3B9D}"/>
+                  <a16:creationId xmlns:a16="http://schemas.microsoft.com/office/drawing/2014/main" id="{8BFFF1BD-B177-352C-DA81-B84CCEF3563B}"/>
+                </a:ext>
+              </a:extLst>
+            </p:cNvPr>
+            <p:cNvSpPr>
+              <a:spLocks noChangeAspect="1"/>
+            </p:cNvSpPr>
+            <p:nvPr/>
+          </p:nvSpPr>
+          <p:spPr>
+            <a:xfrm>
+              <a:off x="2123731" y="1204912"/>
+              <a:ext cx="7099097" cy="4743943"/>
+            </a:xfrm>
+            <a:prstGeom prst="rect">
+              <a:avLst/>
+            </a:prstGeom>
+            <a:solidFill>
+              <a:schemeClr val="accent2">
+                <a:lumMod val="20000"/>
+                <a:lumOff val="80000"/>
+              </a:schemeClr>
+            </a:solidFill>
+            <a:ln w="3175">
+              <a:solidFill>
+                <a:schemeClr val="tx1"/>
+              </a:solidFill>
+            </a:ln>
+          </p:spPr>
+          <p:style>
+            <a:lnRef idx="2">
+              <a:schemeClr val="accent1">
+                <a:shade val="15000"/>
+              </a:schemeClr>
+            </a:lnRef>
+            <a:fillRef idx="1">
+              <a:schemeClr val="accent1"/>
+            </a:fillRef>
+            <a:effectRef idx="0">
+              <a:schemeClr val="accent1"/>
+            </a:effectRef>
+            <a:fontRef idx="minor">
+              <a:schemeClr val="lt1"/>
+            </a:fontRef>
+          </p:style>
+          <p:txBody>
+            <a:bodyPr rot="0" spcFirstLastPara="0" vert="horz" wrap="square" lIns="91440" tIns="45720" rIns="91440" bIns="45720" numCol="1" spcCol="0" rtlCol="0" fromWordArt="0" anchor="t" anchorCtr="0" forceAA="0" compatLnSpc="1">
+              <a:prstTxWarp prst="textNoShape">
+                <a:avLst/>
+              </a:prstTxWarp>
+              <a:noAutofit/>
+            </a:bodyPr>
+            <a:lstStyle>
+              <a:lvl1pPr marL="0" indent="0">
+                <a:defRPr sz="1100">
+                  <a:solidFill>
+                    <a:schemeClr val="lt1"/>
+                  </a:solidFill>
+                  <a:latin typeface="+mn-lt"/>
+                  <a:ea typeface="+mn-ea"/>
+                  <a:cs typeface="+mn-cs"/>
+                </a:defRPr>
+              </a:lvl1pPr>
+              <a:lvl2pPr marL="457200" indent="0">
+                <a:defRPr sz="1100">
+                  <a:solidFill>
+                    <a:schemeClr val="lt1"/>
+                  </a:solidFill>
+                  <a:latin typeface="+mn-lt"/>
+                  <a:ea typeface="+mn-ea"/>
+                  <a:cs typeface="+mn-cs"/>
+                </a:defRPr>
+              </a:lvl2pPr>
+              <a:lvl3pPr marL="914400" indent="0">
+                <a:defRPr sz="1100">
+                  <a:solidFill>
+                    <a:schemeClr val="lt1"/>
+                  </a:solidFill>
+                  <a:latin typeface="+mn-lt"/>
+                  <a:ea typeface="+mn-ea"/>
+                  <a:cs typeface="+mn-cs"/>
+                </a:defRPr>
+              </a:lvl3pPr>
+              <a:lvl4pPr marL="1371600" indent="0">
+                <a:defRPr sz="1100">
+                  <a:solidFill>
+                    <a:schemeClr val="lt1"/>
+                  </a:solidFill>
+                  <a:latin typeface="+mn-lt"/>
+                  <a:ea typeface="+mn-ea"/>
+                  <a:cs typeface="+mn-cs"/>
+                </a:defRPr>
+              </a:lvl4pPr>
+              <a:lvl5pPr marL="1828800" indent="0">
+                <a:defRPr sz="1100">
+                  <a:solidFill>
+                    <a:schemeClr val="lt1"/>
+                  </a:solidFill>
+                  <a:latin typeface="+mn-lt"/>
+                  <a:ea typeface="+mn-ea"/>
+                  <a:cs typeface="+mn-cs"/>
+                </a:defRPr>
+              </a:lvl5pPr>
+              <a:lvl6pPr marL="2286000" indent="0">
+                <a:defRPr sz="1100">
+                  <a:solidFill>
+                    <a:schemeClr val="lt1"/>
+                  </a:solidFill>
+                  <a:latin typeface="+mn-lt"/>
+                  <a:ea typeface="+mn-ea"/>
+                  <a:cs typeface="+mn-cs"/>
+                </a:defRPr>
+              </a:lvl6pPr>
+              <a:lvl7pPr marL="2743200" indent="0">
+                <a:defRPr sz="1100">
+                  <a:solidFill>
+                    <a:schemeClr val="lt1"/>
+                  </a:solidFill>
+                  <a:latin typeface="+mn-lt"/>
+                  <a:ea typeface="+mn-ea"/>
+                  <a:cs typeface="+mn-cs"/>
+                </a:defRPr>
+              </a:lvl7pPr>
+              <a:lvl8pPr marL="3200400" indent="0">
+                <a:defRPr sz="1100">
+                  <a:solidFill>
+                    <a:schemeClr val="lt1"/>
+                  </a:solidFill>
+                  <a:latin typeface="+mn-lt"/>
+                  <a:ea typeface="+mn-ea"/>
+                  <a:cs typeface="+mn-cs"/>
+                </a:defRPr>
+              </a:lvl8pPr>
+              <a:lvl9pPr marL="3657600" indent="0">
+                <a:defRPr sz="1100">
+                  <a:solidFill>
+                    <a:schemeClr val="lt1"/>
+                  </a:solidFill>
+                  <a:latin typeface="+mn-lt"/>
+                  <a:ea typeface="+mn-ea"/>
+                  <a:cs typeface="+mn-cs"/>
+                </a:defRPr>
+              </a:lvl9pPr>
+            </a:lstStyle>
+            <a:p>
+              <a:pPr algn="l"/>
+              <a:endParaRPr lang="en-US" sz="1100" dirty="0"/>
+            </a:p>
+          </p:txBody>
+        </p:sp>
+        <p:sp>
+          <p:nvSpPr>
+            <p:cNvPr id="4" name="Shape 27">
+              <a:extLst>
+                <a:ext uri="{FF2B5EF4-FFF2-40B4-BE49-F238E27FC236}">
+                  <a16:creationId xmlns:a16="http://schemas.microsoft.com/office/drawing/2014/main" id="{00000000-0008-0000-0300-00001B000000}"/>
                 </a:ext>
               </a:extLst>
             </p:cNvPr>
@@ -12146,35 +14398,24 @@
           </p:nvSpPr>
           <p:spPr>
             <a:xfrm>
-              <a:off x="3454144" y="1283352"/>
-              <a:ext cx="1136709" cy="228505"/>
+              <a:off x="3227917" y="1519238"/>
+              <a:ext cx="4448175" cy="419100"/>
             </a:xfrm>
             <a:prstGeom prst="rect">
               <a:avLst/>
             </a:prstGeom>
+            <a:noFill/>
+            <a:ln>
+              <a:noFill/>
+            </a:ln>
           </p:spPr>
-          <p:style>
-            <a:lnRef idx="1">
-              <a:schemeClr val="accent2"/>
-            </a:lnRef>
-            <a:fillRef idx="2">
-              <a:schemeClr val="accent2"/>
-            </a:fillRef>
-            <a:effectRef idx="1">
-              <a:schemeClr val="accent2"/>
-            </a:effectRef>
-            <a:fontRef idx="minor">
-              <a:schemeClr val="dk1"/>
-            </a:fontRef>
-          </p:style>
           <p:txBody>
-            <a:bodyPr wrap="square" rtlCol="0" anchor="ctr"/>
+            <a:bodyPr spcFirstLastPara="1" wrap="square" lIns="91425" tIns="45700" rIns="91425" bIns="45700" anchor="t" anchorCtr="0">
+              <a:noAutofit/>
+            </a:bodyPr>
             <a:lstStyle>
               <a:lvl1pPr marL="0" indent="0">
                 <a:defRPr sz="1100">
-                  <a:solidFill>
-                    <a:schemeClr val="dk1"/>
-                  </a:solidFill>
                   <a:latin typeface="+mn-lt"/>
                   <a:ea typeface="+mn-ea"/>
                   <a:cs typeface="+mn-cs"/>
@@ -12182,9 +14423,6 @@
               </a:lvl1pPr>
               <a:lvl2pPr marL="457200" indent="0">
                 <a:defRPr sz="1100">
-                  <a:solidFill>
-                    <a:schemeClr val="dk1"/>
-                  </a:solidFill>
                   <a:latin typeface="+mn-lt"/>
                   <a:ea typeface="+mn-ea"/>
                   <a:cs typeface="+mn-cs"/>
@@ -12192,9 +14430,6 @@
               </a:lvl2pPr>
               <a:lvl3pPr marL="914400" indent="0">
                 <a:defRPr sz="1100">
-                  <a:solidFill>
-                    <a:schemeClr val="dk1"/>
-                  </a:solidFill>
                   <a:latin typeface="+mn-lt"/>
                   <a:ea typeface="+mn-ea"/>
                   <a:cs typeface="+mn-cs"/>
@@ -12202,9 +14437,6 @@
               </a:lvl3pPr>
               <a:lvl4pPr marL="1371600" indent="0">
                 <a:defRPr sz="1100">
-                  <a:solidFill>
-                    <a:schemeClr val="dk1"/>
-                  </a:solidFill>
                   <a:latin typeface="+mn-lt"/>
                   <a:ea typeface="+mn-ea"/>
                   <a:cs typeface="+mn-cs"/>
@@ -12212,9 +14444,6 @@
               </a:lvl4pPr>
               <a:lvl5pPr marL="1828800" indent="0">
                 <a:defRPr sz="1100">
-                  <a:solidFill>
-                    <a:schemeClr val="dk1"/>
-                  </a:solidFill>
                   <a:latin typeface="+mn-lt"/>
                   <a:ea typeface="+mn-ea"/>
                   <a:cs typeface="+mn-cs"/>
@@ -12222,9 +14451,6 @@
               </a:lvl5pPr>
               <a:lvl6pPr marL="2286000" indent="0">
                 <a:defRPr sz="1100">
-                  <a:solidFill>
-                    <a:schemeClr val="dk1"/>
-                  </a:solidFill>
                   <a:latin typeface="+mn-lt"/>
                   <a:ea typeface="+mn-ea"/>
                   <a:cs typeface="+mn-cs"/>
@@ -12232,9 +14458,6 @@
               </a:lvl6pPr>
               <a:lvl7pPr marL="2743200" indent="0">
                 <a:defRPr sz="1100">
-                  <a:solidFill>
-                    <a:schemeClr val="dk1"/>
-                  </a:solidFill>
                   <a:latin typeface="+mn-lt"/>
                   <a:ea typeface="+mn-ea"/>
                   <a:cs typeface="+mn-cs"/>
@@ -12242,9 +14465,6 @@
               </a:lvl7pPr>
               <a:lvl8pPr marL="3200400" indent="0">
                 <a:defRPr sz="1100">
-                  <a:solidFill>
-                    <a:schemeClr val="dk1"/>
-                  </a:solidFill>
                   <a:latin typeface="+mn-lt"/>
                   <a:ea typeface="+mn-ea"/>
                   <a:cs typeface="+mn-cs"/>
@@ -12252,9 +14472,6 @@
               </a:lvl8pPr>
               <a:lvl9pPr marL="3657600" indent="0">
                 <a:defRPr sz="1100">
-                  <a:solidFill>
-                    <a:schemeClr val="dk1"/>
-                  </a:solidFill>
                   <a:latin typeface="+mn-lt"/>
                   <a:ea typeface="+mn-ea"/>
                   <a:cs typeface="+mn-cs"/>
@@ -12262,20 +14479,124 @@
               </a:lvl9pPr>
             </a:lstStyle>
             <a:p>
-              <a:pPr algn="ctr"/>
-              <a:r>
-                <a:rPr lang="vi-VN" sz="1000" kern="1200">
-                  <a:solidFill>
-                    <a:schemeClr val="dk1"/>
-                  </a:solidFill>
-                  <a:effectLst/>
-                  <a:latin typeface="+mn-lt"/>
-                  <a:ea typeface="+mn-ea"/>
-                  <a:cs typeface="+mn-cs"/>
-                </a:rPr>
-                <a:t>Thêm sản phẩm</a:t>
-              </a:r>
-              <a:endParaRPr lang="en-US" sz="700" dirty="0"/>
+              <a:pPr marL="0" lvl="0" indent="0" algn="l">
+                <a:spcBef>
+                  <a:spcPts val="0"/>
+                </a:spcBef>
+                <a:spcAft>
+                  <a:spcPts val="0"/>
+                </a:spcAft>
+                <a:buNone/>
+              </a:pPr>
+              <a:endParaRPr sz="1100"/>
+            </a:p>
+          </p:txBody>
+        </p:sp>
+        <p:sp>
+          <p:nvSpPr>
+            <p:cNvPr id="5" name="Shape 54">
+              <a:extLst>
+                <a:ext uri="{FF2B5EF4-FFF2-40B4-BE49-F238E27FC236}">
+                  <a16:creationId xmlns:a16="http://schemas.microsoft.com/office/drawing/2014/main" id="{00000000-0008-0000-0300-000036000000}"/>
+                </a:ext>
+              </a:extLst>
+            </p:cNvPr>
+            <p:cNvSpPr/>
+            <p:nvPr/>
+          </p:nvSpPr>
+          <p:spPr>
+            <a:xfrm>
+              <a:off x="6783639" y="5502479"/>
+              <a:ext cx="781050" cy="295275"/>
+            </a:xfrm>
+            <a:prstGeom prst="rect">
+              <a:avLst/>
+            </a:prstGeom>
+            <a:noFill/>
+            <a:ln>
+              <a:noFill/>
+            </a:ln>
+          </p:spPr>
+          <p:txBody>
+            <a:bodyPr spcFirstLastPara="1" wrap="square" lIns="91425" tIns="45700" rIns="91425" bIns="45700" anchor="t" anchorCtr="0">
+              <a:noAutofit/>
+            </a:bodyPr>
+            <a:lstStyle>
+              <a:lvl1pPr marL="0" indent="0">
+                <a:defRPr sz="1100">
+                  <a:latin typeface="+mn-lt"/>
+                  <a:ea typeface="+mn-ea"/>
+                  <a:cs typeface="+mn-cs"/>
+                </a:defRPr>
+              </a:lvl1pPr>
+              <a:lvl2pPr marL="457200" indent="0">
+                <a:defRPr sz="1100">
+                  <a:latin typeface="+mn-lt"/>
+                  <a:ea typeface="+mn-ea"/>
+                  <a:cs typeface="+mn-cs"/>
+                </a:defRPr>
+              </a:lvl2pPr>
+              <a:lvl3pPr marL="914400" indent="0">
+                <a:defRPr sz="1100">
+                  <a:latin typeface="+mn-lt"/>
+                  <a:ea typeface="+mn-ea"/>
+                  <a:cs typeface="+mn-cs"/>
+                </a:defRPr>
+              </a:lvl3pPr>
+              <a:lvl4pPr marL="1371600" indent="0">
+                <a:defRPr sz="1100">
+                  <a:latin typeface="+mn-lt"/>
+                  <a:ea typeface="+mn-ea"/>
+                  <a:cs typeface="+mn-cs"/>
+                </a:defRPr>
+              </a:lvl4pPr>
+              <a:lvl5pPr marL="1828800" indent="0">
+                <a:defRPr sz="1100">
+                  <a:latin typeface="+mn-lt"/>
+                  <a:ea typeface="+mn-ea"/>
+                  <a:cs typeface="+mn-cs"/>
+                </a:defRPr>
+              </a:lvl5pPr>
+              <a:lvl6pPr marL="2286000" indent="0">
+                <a:defRPr sz="1100">
+                  <a:latin typeface="+mn-lt"/>
+                  <a:ea typeface="+mn-ea"/>
+                  <a:cs typeface="+mn-cs"/>
+                </a:defRPr>
+              </a:lvl6pPr>
+              <a:lvl7pPr marL="2743200" indent="0">
+                <a:defRPr sz="1100">
+                  <a:latin typeface="+mn-lt"/>
+                  <a:ea typeface="+mn-ea"/>
+                  <a:cs typeface="+mn-cs"/>
+                </a:defRPr>
+              </a:lvl7pPr>
+              <a:lvl8pPr marL="3200400" indent="0">
+                <a:defRPr sz="1100">
+                  <a:latin typeface="+mn-lt"/>
+                  <a:ea typeface="+mn-ea"/>
+                  <a:cs typeface="+mn-cs"/>
+                </a:defRPr>
+              </a:lvl8pPr>
+              <a:lvl9pPr marL="3657600" indent="0">
+                <a:defRPr sz="1100">
+                  <a:latin typeface="+mn-lt"/>
+                  <a:ea typeface="+mn-ea"/>
+                  <a:cs typeface="+mn-cs"/>
+                </a:defRPr>
+              </a:lvl9pPr>
+            </a:lstStyle>
+            <a:p>
+              <a:pPr marL="0" lvl="0" indent="0" algn="l">
+                <a:spcBef>
+                  <a:spcPts val="0"/>
+                </a:spcBef>
+                <a:spcAft>
+                  <a:spcPts val="0"/>
+                </a:spcAft>
+                <a:buNone/>
+              </a:pPr>
+              <a:endParaRPr sz="1400"/>
             </a:p>
           </p:txBody>
         </p:sp>
@@ -12284,7 +14605,7 @@
             <p:cNvPr id="3" name="Rectangle 2">
               <a:extLst>
                 <a:ext uri="{FF2B5EF4-FFF2-40B4-BE49-F238E27FC236}">
-                  <a16:creationId xmlns:a16="http://schemas.microsoft.com/office/drawing/2014/main" id="{F5A446C0-2289-C8DA-AA11-303140577A9E}"/>
+                  <a16:creationId xmlns:a16="http://schemas.microsoft.com/office/drawing/2014/main" id="{E12FFB72-7BB6-F213-6457-77D397C63449}"/>
                 </a:ext>
               </a:extLst>
             </p:cNvPr>
@@ -12293,310 +14614,8 @@
           </p:nvSpPr>
           <p:spPr>
             <a:xfrm>
-              <a:off x="8744154" y="1793971"/>
-              <a:ext cx="1174416" cy="228505"/>
-            </a:xfrm>
-            <a:prstGeom prst="rect">
-              <a:avLst/>
-            </a:prstGeom>
-          </p:spPr>
-          <p:style>
-            <a:lnRef idx="1">
-              <a:schemeClr val="accent2"/>
-            </a:lnRef>
-            <a:fillRef idx="2">
-              <a:schemeClr val="accent2"/>
-            </a:fillRef>
-            <a:effectRef idx="1">
-              <a:schemeClr val="accent2"/>
-            </a:effectRef>
-            <a:fontRef idx="minor">
-              <a:schemeClr val="dk1"/>
-            </a:fontRef>
-          </p:style>
-          <p:txBody>
-            <a:bodyPr wrap="square" rtlCol="0" anchor="ctr"/>
-            <a:lstStyle>
-              <a:lvl1pPr marL="0" indent="0">
-                <a:defRPr sz="1100">
-                  <a:solidFill>
-                    <a:schemeClr val="dk1"/>
-                  </a:solidFill>
-                  <a:latin typeface="+mn-lt"/>
-                  <a:ea typeface="+mn-ea"/>
-                  <a:cs typeface="+mn-cs"/>
-                </a:defRPr>
-              </a:lvl1pPr>
-              <a:lvl2pPr marL="457200" indent="0">
-                <a:defRPr sz="1100">
-                  <a:solidFill>
-                    <a:schemeClr val="dk1"/>
-                  </a:solidFill>
-                  <a:latin typeface="+mn-lt"/>
-                  <a:ea typeface="+mn-ea"/>
-                  <a:cs typeface="+mn-cs"/>
-                </a:defRPr>
-              </a:lvl2pPr>
-              <a:lvl3pPr marL="914400" indent="0">
-                <a:defRPr sz="1100">
-                  <a:solidFill>
-                    <a:schemeClr val="dk1"/>
-                  </a:solidFill>
-                  <a:latin typeface="+mn-lt"/>
-                  <a:ea typeface="+mn-ea"/>
-                  <a:cs typeface="+mn-cs"/>
-                </a:defRPr>
-              </a:lvl3pPr>
-              <a:lvl4pPr marL="1371600" indent="0">
-                <a:defRPr sz="1100">
-                  <a:solidFill>
-                    <a:schemeClr val="dk1"/>
-                  </a:solidFill>
-                  <a:latin typeface="+mn-lt"/>
-                  <a:ea typeface="+mn-ea"/>
-                  <a:cs typeface="+mn-cs"/>
-                </a:defRPr>
-              </a:lvl4pPr>
-              <a:lvl5pPr marL="1828800" indent="0">
-                <a:defRPr sz="1100">
-                  <a:solidFill>
-                    <a:schemeClr val="dk1"/>
-                  </a:solidFill>
-                  <a:latin typeface="+mn-lt"/>
-                  <a:ea typeface="+mn-ea"/>
-                  <a:cs typeface="+mn-cs"/>
-                </a:defRPr>
-              </a:lvl5pPr>
-              <a:lvl6pPr marL="2286000" indent="0">
-                <a:defRPr sz="1100">
-                  <a:solidFill>
-                    <a:schemeClr val="dk1"/>
-                  </a:solidFill>
-                  <a:latin typeface="+mn-lt"/>
-                  <a:ea typeface="+mn-ea"/>
-                  <a:cs typeface="+mn-cs"/>
-                </a:defRPr>
-              </a:lvl6pPr>
-              <a:lvl7pPr marL="2743200" indent="0">
-                <a:defRPr sz="1100">
-                  <a:solidFill>
-                    <a:schemeClr val="dk1"/>
-                  </a:solidFill>
-                  <a:latin typeface="+mn-lt"/>
-                  <a:ea typeface="+mn-ea"/>
-                  <a:cs typeface="+mn-cs"/>
-                </a:defRPr>
-              </a:lvl7pPr>
-              <a:lvl8pPr marL="3200400" indent="0">
-                <a:defRPr sz="1100">
-                  <a:solidFill>
-                    <a:schemeClr val="dk1"/>
-                  </a:solidFill>
-                  <a:latin typeface="+mn-lt"/>
-                  <a:ea typeface="+mn-ea"/>
-                  <a:cs typeface="+mn-cs"/>
-                </a:defRPr>
-              </a:lvl8pPr>
-              <a:lvl9pPr marL="3657600" indent="0">
-                <a:defRPr sz="1100">
-                  <a:solidFill>
-                    <a:schemeClr val="dk1"/>
-                  </a:solidFill>
-                  <a:latin typeface="+mn-lt"/>
-                  <a:ea typeface="+mn-ea"/>
-                  <a:cs typeface="+mn-cs"/>
-                </a:defRPr>
-              </a:lvl9pPr>
-            </a:lstStyle>
-            <a:p>
-              <a:pPr algn="ctr"/>
-              <a:r>
-                <a:rPr lang="vi-VN" sz="1000" kern="1200" dirty="0">
-                  <a:solidFill>
-                    <a:srgbClr val="FF0000"/>
-                  </a:solidFill>
-                  <a:effectLst/>
-                  <a:latin typeface="+mn-lt"/>
-                  <a:ea typeface="+mn-ea"/>
-                  <a:cs typeface="+mn-cs"/>
-                </a:rPr>
-                <a:t>Chưa hoạt động</a:t>
-              </a:r>
-              <a:endParaRPr lang="en-US" sz="700" dirty="0">
-                <a:solidFill>
-                  <a:srgbClr val="FF0000"/>
-                </a:solidFill>
-              </a:endParaRPr>
-            </a:p>
-          </p:txBody>
-        </p:sp>
-        <p:sp>
-          <p:nvSpPr>
-            <p:cNvPr id="6" name="Rectangle 5">
-              <a:extLst>
-                <a:ext uri="{FF2B5EF4-FFF2-40B4-BE49-F238E27FC236}">
-                  <a16:creationId xmlns:a16="http://schemas.microsoft.com/office/drawing/2014/main" id="{C597E012-94E2-027A-13E3-E2A67B74AEFF}"/>
-                </a:ext>
-              </a:extLst>
-            </p:cNvPr>
-            <p:cNvSpPr/>
-            <p:nvPr/>
-          </p:nvSpPr>
-          <p:spPr>
-            <a:xfrm>
-              <a:off x="7503734" y="1793971"/>
-              <a:ext cx="1174416" cy="228505"/>
-            </a:xfrm>
-            <a:prstGeom prst="rect">
-              <a:avLst/>
-            </a:prstGeom>
-          </p:spPr>
-          <p:style>
-            <a:lnRef idx="1">
-              <a:schemeClr val="accent2"/>
-            </a:lnRef>
-            <a:fillRef idx="2">
-              <a:schemeClr val="accent2"/>
-            </a:fillRef>
-            <a:effectRef idx="1">
-              <a:schemeClr val="accent2"/>
-            </a:effectRef>
-            <a:fontRef idx="minor">
-              <a:schemeClr val="dk1"/>
-            </a:fontRef>
-          </p:style>
-          <p:txBody>
-            <a:bodyPr wrap="square" rtlCol="0" anchor="ctr"/>
-            <a:lstStyle>
-              <a:lvl1pPr marL="0" indent="0">
-                <a:defRPr sz="1100">
-                  <a:solidFill>
-                    <a:schemeClr val="dk1"/>
-                  </a:solidFill>
-                  <a:latin typeface="+mn-lt"/>
-                  <a:ea typeface="+mn-ea"/>
-                  <a:cs typeface="+mn-cs"/>
-                </a:defRPr>
-              </a:lvl1pPr>
-              <a:lvl2pPr marL="457200" indent="0">
-                <a:defRPr sz="1100">
-                  <a:solidFill>
-                    <a:schemeClr val="dk1"/>
-                  </a:solidFill>
-                  <a:latin typeface="+mn-lt"/>
-                  <a:ea typeface="+mn-ea"/>
-                  <a:cs typeface="+mn-cs"/>
-                </a:defRPr>
-              </a:lvl2pPr>
-              <a:lvl3pPr marL="914400" indent="0">
-                <a:defRPr sz="1100">
-                  <a:solidFill>
-                    <a:schemeClr val="dk1"/>
-                  </a:solidFill>
-                  <a:latin typeface="+mn-lt"/>
-                  <a:ea typeface="+mn-ea"/>
-                  <a:cs typeface="+mn-cs"/>
-                </a:defRPr>
-              </a:lvl3pPr>
-              <a:lvl4pPr marL="1371600" indent="0">
-                <a:defRPr sz="1100">
-                  <a:solidFill>
-                    <a:schemeClr val="dk1"/>
-                  </a:solidFill>
-                  <a:latin typeface="+mn-lt"/>
-                  <a:ea typeface="+mn-ea"/>
-                  <a:cs typeface="+mn-cs"/>
-                </a:defRPr>
-              </a:lvl4pPr>
-              <a:lvl5pPr marL="1828800" indent="0">
-                <a:defRPr sz="1100">
-                  <a:solidFill>
-                    <a:schemeClr val="dk1"/>
-                  </a:solidFill>
-                  <a:latin typeface="+mn-lt"/>
-                  <a:ea typeface="+mn-ea"/>
-                  <a:cs typeface="+mn-cs"/>
-                </a:defRPr>
-              </a:lvl5pPr>
-              <a:lvl6pPr marL="2286000" indent="0">
-                <a:defRPr sz="1100">
-                  <a:solidFill>
-                    <a:schemeClr val="dk1"/>
-                  </a:solidFill>
-                  <a:latin typeface="+mn-lt"/>
-                  <a:ea typeface="+mn-ea"/>
-                  <a:cs typeface="+mn-cs"/>
-                </a:defRPr>
-              </a:lvl6pPr>
-              <a:lvl7pPr marL="2743200" indent="0">
-                <a:defRPr sz="1100">
-                  <a:solidFill>
-                    <a:schemeClr val="dk1"/>
-                  </a:solidFill>
-                  <a:latin typeface="+mn-lt"/>
-                  <a:ea typeface="+mn-ea"/>
-                  <a:cs typeface="+mn-cs"/>
-                </a:defRPr>
-              </a:lvl7pPr>
-              <a:lvl8pPr marL="3200400" indent="0">
-                <a:defRPr sz="1100">
-                  <a:solidFill>
-                    <a:schemeClr val="dk1"/>
-                  </a:solidFill>
-                  <a:latin typeface="+mn-lt"/>
-                  <a:ea typeface="+mn-ea"/>
-                  <a:cs typeface="+mn-cs"/>
-                </a:defRPr>
-              </a:lvl8pPr>
-              <a:lvl9pPr marL="3657600" indent="0">
-                <a:defRPr sz="1100">
-                  <a:solidFill>
-                    <a:schemeClr val="dk1"/>
-                  </a:solidFill>
-                  <a:latin typeface="+mn-lt"/>
-                  <a:ea typeface="+mn-ea"/>
-                  <a:cs typeface="+mn-cs"/>
-                </a:defRPr>
-              </a:lvl9pPr>
-            </a:lstStyle>
-            <a:p>
-              <a:pPr algn="ctr"/>
-              <a:r>
-                <a:rPr lang="vi-VN" sz="1000" kern="1200" dirty="0">
-                  <a:solidFill>
-                    <a:srgbClr val="00B0F0"/>
-                  </a:solidFill>
-                  <a:effectLst/>
-                  <a:latin typeface="+mn-lt"/>
-                  <a:ea typeface="+mn-ea"/>
-                  <a:cs typeface="+mn-cs"/>
-                </a:rPr>
-                <a:t>Hoạt động</a:t>
-              </a:r>
-              <a:endParaRPr lang="en-US" sz="700" dirty="0">
-                <a:solidFill>
-                  <a:srgbClr val="00B0F0"/>
-                </a:solidFill>
-              </a:endParaRPr>
-            </a:p>
-          </p:txBody>
-        </p:sp>
-        <p:sp>
-          <p:nvSpPr>
-            <p:cNvPr id="7" name="Rectangle 6">
-              <a:extLst>
-                <a:ext uri="{FF2B5EF4-FFF2-40B4-BE49-F238E27FC236}">
-                  <a16:creationId xmlns:a16="http://schemas.microsoft.com/office/drawing/2014/main" id="{0709562C-7155-0D8F-E9CC-D4FCD8E08DC4}"/>
-                </a:ext>
-              </a:extLst>
-            </p:cNvPr>
-            <p:cNvSpPr/>
-            <p:nvPr/>
-          </p:nvSpPr>
-          <p:spPr>
-            <a:xfrm>
-              <a:off x="3454144" y="2168868"/>
-              <a:ext cx="1068386" cy="159551"/>
+              <a:off x="2305049" y="1310157"/>
+              <a:ext cx="2113501" cy="408903"/>
             </a:xfrm>
             <a:prstGeom prst="rect">
               <a:avLst/>
@@ -12623,109 +14642,19 @@
             </a:fontRef>
           </p:style>
           <p:txBody>
-            <a:bodyPr wrap="square" rtlCol="0" anchor="ctr"/>
-            <a:lstStyle>
-              <a:lvl1pPr marL="0" indent="0">
-                <a:defRPr sz="1100">
-                  <a:solidFill>
-                    <a:schemeClr val="lt1"/>
-                  </a:solidFill>
-                  <a:latin typeface="+mn-lt"/>
-                  <a:ea typeface="+mn-ea"/>
-                  <a:cs typeface="+mn-cs"/>
-                </a:defRPr>
-              </a:lvl1pPr>
-              <a:lvl2pPr marL="457200" indent="0">
-                <a:defRPr sz="1100">
-                  <a:solidFill>
-                    <a:schemeClr val="lt1"/>
-                  </a:solidFill>
-                  <a:latin typeface="+mn-lt"/>
-                  <a:ea typeface="+mn-ea"/>
-                  <a:cs typeface="+mn-cs"/>
-                </a:defRPr>
-              </a:lvl2pPr>
-              <a:lvl3pPr marL="914400" indent="0">
-                <a:defRPr sz="1100">
-                  <a:solidFill>
-                    <a:schemeClr val="lt1"/>
-                  </a:solidFill>
-                  <a:latin typeface="+mn-lt"/>
-                  <a:ea typeface="+mn-ea"/>
-                  <a:cs typeface="+mn-cs"/>
-                </a:defRPr>
-              </a:lvl3pPr>
-              <a:lvl4pPr marL="1371600" indent="0">
-                <a:defRPr sz="1100">
-                  <a:solidFill>
-                    <a:schemeClr val="lt1"/>
-                  </a:solidFill>
-                  <a:latin typeface="+mn-lt"/>
-                  <a:ea typeface="+mn-ea"/>
-                  <a:cs typeface="+mn-cs"/>
-                </a:defRPr>
-              </a:lvl4pPr>
-              <a:lvl5pPr marL="1828800" indent="0">
-                <a:defRPr sz="1100">
-                  <a:solidFill>
-                    <a:schemeClr val="lt1"/>
-                  </a:solidFill>
-                  <a:latin typeface="+mn-lt"/>
-                  <a:ea typeface="+mn-ea"/>
-                  <a:cs typeface="+mn-cs"/>
-                </a:defRPr>
-              </a:lvl5pPr>
-              <a:lvl6pPr marL="2286000" indent="0">
-                <a:defRPr sz="1100">
-                  <a:solidFill>
-                    <a:schemeClr val="lt1"/>
-                  </a:solidFill>
-                  <a:latin typeface="+mn-lt"/>
-                  <a:ea typeface="+mn-ea"/>
-                  <a:cs typeface="+mn-cs"/>
-                </a:defRPr>
-              </a:lvl6pPr>
-              <a:lvl7pPr marL="2743200" indent="0">
-                <a:defRPr sz="1100">
-                  <a:solidFill>
-                    <a:schemeClr val="lt1"/>
-                  </a:solidFill>
-                  <a:latin typeface="+mn-lt"/>
-                  <a:ea typeface="+mn-ea"/>
-                  <a:cs typeface="+mn-cs"/>
-                </a:defRPr>
-              </a:lvl7pPr>
-              <a:lvl8pPr marL="3200400" indent="0">
-                <a:defRPr sz="1100">
-                  <a:solidFill>
-                    <a:schemeClr val="lt1"/>
-                  </a:solidFill>
-                  <a:latin typeface="+mn-lt"/>
-                  <a:ea typeface="+mn-ea"/>
-                  <a:cs typeface="+mn-cs"/>
-                </a:defRPr>
-              </a:lvl8pPr>
-              <a:lvl9pPr marL="3657600" indent="0">
-                <a:defRPr sz="1100">
-                  <a:solidFill>
-                    <a:schemeClr val="lt1"/>
-                  </a:solidFill>
-                  <a:latin typeface="+mn-lt"/>
-                  <a:ea typeface="+mn-ea"/>
-                  <a:cs typeface="+mn-cs"/>
-                </a:defRPr>
-              </a:lvl9pPr>
-            </a:lstStyle>
+            <a:bodyPr rtlCol="0" anchor="ctr"/>
+            <a:lstStyle/>
             <a:p>
+              <a:pPr algn="ctr"/>
               <a:r>
-                <a:rPr lang="vi-VN" sz="1000" dirty="0">
+                <a:rPr lang="vi-VN" sz="2000">
                   <a:solidFill>
                     <a:schemeClr val="tx1"/>
                   </a:solidFill>
                 </a:rPr>
-                <a:t>Sản phẩm</a:t>
+                <a:t>Thêm sản phẩm</a:t>
               </a:r>
-              <a:endParaRPr lang="en-US" sz="1000" dirty="0">
+              <a:endParaRPr lang="en-US" sz="2000" dirty="0">
                 <a:solidFill>
                   <a:schemeClr val="tx1"/>
                 </a:solidFill>
@@ -12733,12 +14662,58 @@
             </a:p>
           </p:txBody>
         </p:sp>
+        <p:cxnSp>
+          <p:nvCxnSpPr>
+            <p:cNvPr id="75" name="Straight Connector 74">
+              <a:extLst>
+                <a:ext uri="{FF2B5EF4-FFF2-40B4-BE49-F238E27FC236}">
+                  <a16:creationId xmlns:a16="http://schemas.microsoft.com/office/drawing/2014/main" id="{0EB19281-758E-33E2-0D1C-5D785E0BF6D5}"/>
+                </a:ext>
+              </a:extLst>
+            </p:cNvPr>
+            <p:cNvCxnSpPr>
+              <a:cxnSpLocks/>
+            </p:cNvCxnSpPr>
+            <p:nvPr/>
+          </p:nvCxnSpPr>
+          <p:spPr>
+            <a:xfrm>
+              <a:off x="2496616" y="1861644"/>
+              <a:ext cx="6337329" cy="0"/>
+            </a:xfrm>
+            <a:prstGeom prst="line">
+              <a:avLst/>
+            </a:prstGeom>
+            <a:ln w="9525">
+              <a:solidFill>
+                <a:schemeClr val="accent2">
+                  <a:lumMod val="60000"/>
+                  <a:lumOff val="40000"/>
+                </a:schemeClr>
+              </a:solidFill>
+            </a:ln>
+          </p:spPr>
+          <p:style>
+            <a:lnRef idx="1">
+              <a:schemeClr val="dk1"/>
+            </a:lnRef>
+            <a:fillRef idx="0">
+              <a:schemeClr val="dk1"/>
+            </a:fillRef>
+            <a:effectRef idx="0">
+              <a:schemeClr val="dk1"/>
+            </a:effectRef>
+            <a:fontRef idx="minor">
+              <a:schemeClr val="tx1"/>
+            </a:fontRef>
+          </p:style>
+        </p:cxnSp>
         <p:sp>
           <p:nvSpPr>
-            <p:cNvPr id="8" name="Rectangle 7">
+            <p:cNvPr id="210" name="Rectangle 209">
               <a:extLst>
                 <a:ext uri="{FF2B5EF4-FFF2-40B4-BE49-F238E27FC236}">
-                  <a16:creationId xmlns:a16="http://schemas.microsoft.com/office/drawing/2014/main" id="{E7B1361C-93FB-3E15-D86A-75A66706A3B1}"/>
+                  <a16:creationId xmlns:a16="http://schemas.microsoft.com/office/drawing/2014/main" id="{002671AD-8A2C-D7DF-6DEA-F8B66FD3459B}"/>
                 </a:ext>
               </a:extLst>
             </p:cNvPr>
@@ -12747,413 +14722,12 @@
           </p:nvSpPr>
           <p:spPr>
             <a:xfrm>
-              <a:off x="3535836" y="2406192"/>
-              <a:ext cx="1695450" cy="195264"/>
+              <a:off x="7903720" y="5489546"/>
+              <a:ext cx="881990" cy="273700"/>
             </a:xfrm>
             <a:prstGeom prst="rect">
               <a:avLst/>
             </a:prstGeom>
-          </p:spPr>
-          <p:style>
-            <a:lnRef idx="2">
-              <a:schemeClr val="dk1"/>
-            </a:lnRef>
-            <a:fillRef idx="1">
-              <a:schemeClr val="lt1"/>
-            </a:fillRef>
-            <a:effectRef idx="0">
-              <a:schemeClr val="dk1"/>
-            </a:effectRef>
-            <a:fontRef idx="minor">
-              <a:schemeClr val="dk1"/>
-            </a:fontRef>
-          </p:style>
-          <p:txBody>
-            <a:bodyPr rtlCol="0" anchor="ctr"/>
-            <a:lstStyle/>
-            <a:p>
-              <a:pPr algn="ctr"/>
-              <a:endParaRPr lang="en-US"/>
-            </a:p>
-          </p:txBody>
-        </p:sp>
-        <p:pic>
-          <p:nvPicPr>
-            <p:cNvPr id="10" name="Graphic 9" descr="Magnifying glass outline">
-              <a:extLst>
-                <a:ext uri="{FF2B5EF4-FFF2-40B4-BE49-F238E27FC236}">
-                  <a16:creationId xmlns:a16="http://schemas.microsoft.com/office/drawing/2014/main" id="{B6B27438-BEFC-4C9D-F26B-6B21A775043D}"/>
-                </a:ext>
-              </a:extLst>
-            </p:cNvPr>
-            <p:cNvPicPr>
-              <a:picLocks/>
-            </p:cNvPicPr>
-            <p:nvPr/>
-          </p:nvPicPr>
-          <p:blipFill>
-            <a:blip r:embed="rId4">
-              <a:extLst>
-                <a:ext uri="{28A0092B-C50C-407E-A947-70E740481C1C}">
-                  <a14:useLocalDpi xmlns:a14="http://schemas.microsoft.com/office/drawing/2010/main" val="0"/>
-                </a:ext>
-                <a:ext uri="{96DAC541-7B7A-43D3-8B79-37D633B846F1}">
-                  <asvg:svgBlip xmlns:asvg="http://schemas.microsoft.com/office/drawing/2016/SVG/main" r:embed="rId5"/>
-                </a:ext>
-              </a:extLst>
-            </a:blip>
-            <a:stretch>
-              <a:fillRect/>
-            </a:stretch>
-          </p:blipFill>
-          <p:spPr>
-            <a:xfrm flipH="1">
-              <a:off x="3611250" y="2412384"/>
-              <a:ext cx="182880" cy="182880"/>
-            </a:xfrm>
-            <a:prstGeom prst="rect">
-              <a:avLst/>
-            </a:prstGeom>
-          </p:spPr>
-        </p:pic>
-        <p:pic>
-          <p:nvPicPr>
-            <p:cNvPr id="15" name="Graphic 14" descr="Filter with solid fill">
-              <a:extLst>
-                <a:ext uri="{FF2B5EF4-FFF2-40B4-BE49-F238E27FC236}">
-                  <a16:creationId xmlns:a16="http://schemas.microsoft.com/office/drawing/2014/main" id="{20964EBB-7F40-6E56-9CC1-046BE43CEB46}"/>
-                </a:ext>
-              </a:extLst>
-            </p:cNvPr>
-            <p:cNvPicPr>
-              <a:picLocks noChangeAspect="1"/>
-            </p:cNvPicPr>
-            <p:nvPr/>
-          </p:nvPicPr>
-          <p:blipFill>
-            <a:blip r:embed="rId6">
-              <a:extLst>
-                <a:ext uri="{28A0092B-C50C-407E-A947-70E740481C1C}">
-                  <a14:useLocalDpi xmlns:a14="http://schemas.microsoft.com/office/drawing/2010/main" val="0"/>
-                </a:ext>
-                <a:ext uri="{96DAC541-7B7A-43D3-8B79-37D633B846F1}">
-                  <asvg:svgBlip xmlns:asvg="http://schemas.microsoft.com/office/drawing/2016/SVG/main" r:embed="rId7"/>
-                </a:ext>
-              </a:extLst>
-            </a:blip>
-            <a:stretch>
-              <a:fillRect/>
-            </a:stretch>
-          </p:blipFill>
-          <p:spPr>
-            <a:xfrm>
-              <a:off x="5606964" y="2406192"/>
-              <a:ext cx="228600" cy="228600"/>
-            </a:xfrm>
-            <a:prstGeom prst="rect">
-              <a:avLst/>
-            </a:prstGeom>
-          </p:spPr>
-        </p:pic>
-        <p:pic>
-          <p:nvPicPr>
-            <p:cNvPr id="19" name="Graphic 18" descr="Boot outline">
-              <a:extLst>
-                <a:ext uri="{FF2B5EF4-FFF2-40B4-BE49-F238E27FC236}">
-                  <a16:creationId xmlns:a16="http://schemas.microsoft.com/office/drawing/2014/main" id="{B0545FA2-CC25-1F10-9448-3F293DCBECFD}"/>
-                </a:ext>
-              </a:extLst>
-            </p:cNvPr>
-            <p:cNvPicPr>
-              <a:picLocks noChangeAspect="1"/>
-            </p:cNvPicPr>
-            <p:nvPr/>
-          </p:nvPicPr>
-          <p:blipFill>
-            <a:blip r:embed="rId8">
-              <a:extLst>
-                <a:ext uri="{28A0092B-C50C-407E-A947-70E740481C1C}">
-                  <a14:useLocalDpi xmlns:a14="http://schemas.microsoft.com/office/drawing/2010/main" val="0"/>
-                </a:ext>
-                <a:ext uri="{96DAC541-7B7A-43D3-8B79-37D633B846F1}">
-                  <asvg:svgBlip xmlns:asvg="http://schemas.microsoft.com/office/drawing/2016/SVG/main" r:embed="rId9"/>
-                </a:ext>
-              </a:extLst>
-            </a:blip>
-            <a:stretch>
-              <a:fillRect/>
-            </a:stretch>
-          </p:blipFill>
-          <p:spPr>
-            <a:xfrm>
-              <a:off x="4121094" y="2837815"/>
-              <a:ext cx="401436" cy="401436"/>
-            </a:xfrm>
-            <a:prstGeom prst="rect">
-              <a:avLst/>
-            </a:prstGeom>
-          </p:spPr>
-        </p:pic>
-        <p:pic>
-          <p:nvPicPr>
-            <p:cNvPr id="20" name="Graphic 19" descr="Boot outline">
-              <a:extLst>
-                <a:ext uri="{FF2B5EF4-FFF2-40B4-BE49-F238E27FC236}">
-                  <a16:creationId xmlns:a16="http://schemas.microsoft.com/office/drawing/2014/main" id="{66A9B69B-4FBD-22A0-7C84-A8D942AB1F82}"/>
-                </a:ext>
-              </a:extLst>
-            </p:cNvPr>
-            <p:cNvPicPr>
-              <a:picLocks noChangeAspect="1"/>
-            </p:cNvPicPr>
-            <p:nvPr/>
-          </p:nvPicPr>
-          <p:blipFill>
-            <a:blip r:embed="rId8">
-              <a:extLst>
-                <a:ext uri="{28A0092B-C50C-407E-A947-70E740481C1C}">
-                  <a14:useLocalDpi xmlns:a14="http://schemas.microsoft.com/office/drawing/2010/main" val="0"/>
-                </a:ext>
-                <a:ext uri="{96DAC541-7B7A-43D3-8B79-37D633B846F1}">
-                  <asvg:svgBlip xmlns:asvg="http://schemas.microsoft.com/office/drawing/2016/SVG/main" r:embed="rId9"/>
-                </a:ext>
-              </a:extLst>
-            </a:blip>
-            <a:stretch>
-              <a:fillRect/>
-            </a:stretch>
-          </p:blipFill>
-          <p:spPr>
-            <a:xfrm>
-              <a:off x="4121094" y="3147366"/>
-              <a:ext cx="401436" cy="401436"/>
-            </a:xfrm>
-            <a:prstGeom prst="rect">
-              <a:avLst/>
-            </a:prstGeom>
-          </p:spPr>
-        </p:pic>
-        <p:pic>
-          <p:nvPicPr>
-            <p:cNvPr id="21" name="Graphic 20" descr="Boot outline">
-              <a:extLst>
-                <a:ext uri="{FF2B5EF4-FFF2-40B4-BE49-F238E27FC236}">
-                  <a16:creationId xmlns:a16="http://schemas.microsoft.com/office/drawing/2014/main" id="{1695A8AA-6A1B-1D42-4D72-8E331F47D68F}"/>
-                </a:ext>
-              </a:extLst>
-            </p:cNvPr>
-            <p:cNvPicPr>
-              <a:picLocks noChangeAspect="1"/>
-            </p:cNvPicPr>
-            <p:nvPr/>
-          </p:nvPicPr>
-          <p:blipFill>
-            <a:blip r:embed="rId8">
-              <a:extLst>
-                <a:ext uri="{28A0092B-C50C-407E-A947-70E740481C1C}">
-                  <a14:useLocalDpi xmlns:a14="http://schemas.microsoft.com/office/drawing/2010/main" val="0"/>
-                </a:ext>
-                <a:ext uri="{96DAC541-7B7A-43D3-8B79-37D633B846F1}">
-                  <asvg:svgBlip xmlns:asvg="http://schemas.microsoft.com/office/drawing/2016/SVG/main" r:embed="rId9"/>
-                </a:ext>
-              </a:extLst>
-            </a:blip>
-            <a:stretch>
-              <a:fillRect/>
-            </a:stretch>
-          </p:blipFill>
-          <p:spPr>
-            <a:xfrm>
-              <a:off x="4121094" y="3456917"/>
-              <a:ext cx="401436" cy="401436"/>
-            </a:xfrm>
-            <a:prstGeom prst="rect">
-              <a:avLst/>
-            </a:prstGeom>
-          </p:spPr>
-        </p:pic>
-        <p:pic>
-          <p:nvPicPr>
-            <p:cNvPr id="22" name="Graphic 21" descr="Boot outline">
-              <a:extLst>
-                <a:ext uri="{FF2B5EF4-FFF2-40B4-BE49-F238E27FC236}">
-                  <a16:creationId xmlns:a16="http://schemas.microsoft.com/office/drawing/2014/main" id="{DD10EF8A-CC5A-A0BF-2C0D-490566A5C401}"/>
-                </a:ext>
-              </a:extLst>
-            </p:cNvPr>
-            <p:cNvPicPr>
-              <a:picLocks noChangeAspect="1"/>
-            </p:cNvPicPr>
-            <p:nvPr/>
-          </p:nvPicPr>
-          <p:blipFill>
-            <a:blip r:embed="rId8">
-              <a:extLst>
-                <a:ext uri="{28A0092B-C50C-407E-A947-70E740481C1C}">
-                  <a14:useLocalDpi xmlns:a14="http://schemas.microsoft.com/office/drawing/2010/main" val="0"/>
-                </a:ext>
-                <a:ext uri="{96DAC541-7B7A-43D3-8B79-37D633B846F1}">
-                  <asvg:svgBlip xmlns:asvg="http://schemas.microsoft.com/office/drawing/2016/SVG/main" r:embed="rId9"/>
-                </a:ext>
-              </a:extLst>
-            </a:blip>
-            <a:stretch>
-              <a:fillRect/>
-            </a:stretch>
-          </p:blipFill>
-          <p:spPr>
-            <a:xfrm>
-              <a:off x="4121094" y="3766468"/>
-              <a:ext cx="401436" cy="401436"/>
-            </a:xfrm>
-            <a:prstGeom prst="rect">
-              <a:avLst/>
-            </a:prstGeom>
-          </p:spPr>
-        </p:pic>
-        <p:pic>
-          <p:nvPicPr>
-            <p:cNvPr id="23" name="Graphic 22" descr="Boot outline">
-              <a:extLst>
-                <a:ext uri="{FF2B5EF4-FFF2-40B4-BE49-F238E27FC236}">
-                  <a16:creationId xmlns:a16="http://schemas.microsoft.com/office/drawing/2014/main" id="{6565439C-00B5-16E1-8DC8-DDBE8DDE7D0D}"/>
-                </a:ext>
-              </a:extLst>
-            </p:cNvPr>
-            <p:cNvPicPr>
-              <a:picLocks noChangeAspect="1"/>
-            </p:cNvPicPr>
-            <p:nvPr/>
-          </p:nvPicPr>
-          <p:blipFill>
-            <a:blip r:embed="rId8">
-              <a:extLst>
-                <a:ext uri="{28A0092B-C50C-407E-A947-70E740481C1C}">
-                  <a14:useLocalDpi xmlns:a14="http://schemas.microsoft.com/office/drawing/2010/main" val="0"/>
-                </a:ext>
-                <a:ext uri="{96DAC541-7B7A-43D3-8B79-37D633B846F1}">
-                  <asvg:svgBlip xmlns:asvg="http://schemas.microsoft.com/office/drawing/2016/SVG/main" r:embed="rId9"/>
-                </a:ext>
-              </a:extLst>
-            </a:blip>
-            <a:stretch>
-              <a:fillRect/>
-            </a:stretch>
-          </p:blipFill>
-          <p:spPr>
-            <a:xfrm>
-              <a:off x="4121094" y="4076019"/>
-              <a:ext cx="401436" cy="401436"/>
-            </a:xfrm>
-            <a:prstGeom prst="rect">
-              <a:avLst/>
-            </a:prstGeom>
-          </p:spPr>
-        </p:pic>
-        <p:pic>
-          <p:nvPicPr>
-            <p:cNvPr id="24" name="Graphic 23" descr="Boot outline">
-              <a:extLst>
-                <a:ext uri="{FF2B5EF4-FFF2-40B4-BE49-F238E27FC236}">
-                  <a16:creationId xmlns:a16="http://schemas.microsoft.com/office/drawing/2014/main" id="{1E86B791-D292-E5F9-1545-067F7560C501}"/>
-                </a:ext>
-              </a:extLst>
-            </p:cNvPr>
-            <p:cNvPicPr>
-              <a:picLocks noChangeAspect="1"/>
-            </p:cNvPicPr>
-            <p:nvPr/>
-          </p:nvPicPr>
-          <p:blipFill>
-            <a:blip r:embed="rId8">
-              <a:extLst>
-                <a:ext uri="{28A0092B-C50C-407E-A947-70E740481C1C}">
-                  <a14:useLocalDpi xmlns:a14="http://schemas.microsoft.com/office/drawing/2010/main" val="0"/>
-                </a:ext>
-                <a:ext uri="{96DAC541-7B7A-43D3-8B79-37D633B846F1}">
-                  <asvg:svgBlip xmlns:asvg="http://schemas.microsoft.com/office/drawing/2016/SVG/main" r:embed="rId9"/>
-                </a:ext>
-              </a:extLst>
-            </a:blip>
-            <a:stretch>
-              <a:fillRect/>
-            </a:stretch>
-          </p:blipFill>
-          <p:spPr>
-            <a:xfrm>
-              <a:off x="4121094" y="4385570"/>
-              <a:ext cx="401436" cy="401436"/>
-            </a:xfrm>
-            <a:prstGeom prst="rect">
-              <a:avLst/>
-            </a:prstGeom>
-          </p:spPr>
-        </p:pic>
-        <p:pic>
-          <p:nvPicPr>
-            <p:cNvPr id="25" name="Graphic 24" descr="Boot outline">
-              <a:extLst>
-                <a:ext uri="{FF2B5EF4-FFF2-40B4-BE49-F238E27FC236}">
-                  <a16:creationId xmlns:a16="http://schemas.microsoft.com/office/drawing/2014/main" id="{93632B4F-3E86-F505-5F1A-35E72925760D}"/>
-                </a:ext>
-              </a:extLst>
-            </p:cNvPr>
-            <p:cNvPicPr>
-              <a:picLocks noChangeAspect="1"/>
-            </p:cNvPicPr>
-            <p:nvPr/>
-          </p:nvPicPr>
-          <p:blipFill>
-            <a:blip r:embed="rId8">
-              <a:extLst>
-                <a:ext uri="{28A0092B-C50C-407E-A947-70E740481C1C}">
-                  <a14:useLocalDpi xmlns:a14="http://schemas.microsoft.com/office/drawing/2010/main" val="0"/>
-                </a:ext>
-                <a:ext uri="{96DAC541-7B7A-43D3-8B79-37D633B846F1}">
-                  <asvg:svgBlip xmlns:asvg="http://schemas.microsoft.com/office/drawing/2016/SVG/main" r:embed="rId9"/>
-                </a:ext>
-              </a:extLst>
-            </a:blip>
-            <a:stretch>
-              <a:fillRect/>
-            </a:stretch>
-          </p:blipFill>
-          <p:spPr>
-            <a:xfrm>
-              <a:off x="4121094" y="4695121"/>
-              <a:ext cx="401436" cy="401436"/>
-            </a:xfrm>
-            <a:prstGeom prst="rect">
-              <a:avLst/>
-            </a:prstGeom>
-          </p:spPr>
-        </p:pic>
-        <p:sp>
-          <p:nvSpPr>
-            <p:cNvPr id="26" name="Rectangle 25">
-              <a:extLst>
-                <a:ext uri="{FF2B5EF4-FFF2-40B4-BE49-F238E27FC236}">
-                  <a16:creationId xmlns:a16="http://schemas.microsoft.com/office/drawing/2014/main" id="{F6B23F9F-0638-7DD7-3290-8802B4727EB6}"/>
-                </a:ext>
-              </a:extLst>
-            </p:cNvPr>
-            <p:cNvSpPr/>
-            <p:nvPr/>
-          </p:nvSpPr>
-          <p:spPr>
-            <a:xfrm>
-              <a:off x="5563443" y="5238550"/>
-              <a:ext cx="377073" cy="228505"/>
-            </a:xfrm>
-            <a:prstGeom prst="rect">
-              <a:avLst/>
-            </a:prstGeom>
-            <a:noFill/>
-            <a:ln>
-              <a:solidFill>
-                <a:schemeClr val="tx1"/>
-              </a:solidFill>
-            </a:ln>
           </p:spPr>
           <p:style>
             <a:lnRef idx="1">
@@ -13266,26 +14840,27 @@
             <a:p>
               <a:pPr algn="ctr"/>
               <a:r>
-                <a:rPr lang="en-US" sz="1100" b="0" i="0" dirty="0">
+                <a:rPr lang="vi-VN" sz="1100" kern="1200" dirty="0">
+                  <a:solidFill>
+                    <a:schemeClr val="dk1"/>
+                  </a:solidFill>
                   <a:effectLst/>
-                  <a:latin typeface="Arial" panose="020B0604020202020204" pitchFamily="34" charset="0"/>
+                  <a:latin typeface="+mn-lt"/>
+                  <a:ea typeface="+mn-ea"/>
+                  <a:cs typeface="+mn-cs"/>
                 </a:rPr>
-                <a:t>←</a:t>
+                <a:t>Hủy</a:t>
               </a:r>
-              <a:endParaRPr lang="en-US" sz="700" dirty="0">
-                <a:solidFill>
-                  <a:srgbClr val="00B0F0"/>
-                </a:solidFill>
-              </a:endParaRPr>
+              <a:endParaRPr lang="en-US" sz="900" dirty="0"/>
             </a:p>
           </p:txBody>
         </p:sp>
         <p:sp>
           <p:nvSpPr>
-            <p:cNvPr id="27" name="Rectangle 26">
+            <p:cNvPr id="10" name="Rectangle 9">
               <a:extLst>
                 <a:ext uri="{FF2B5EF4-FFF2-40B4-BE49-F238E27FC236}">
-                  <a16:creationId xmlns:a16="http://schemas.microsoft.com/office/drawing/2014/main" id="{57012CD1-FCEA-D39F-C064-53447BD51557}"/>
+                  <a16:creationId xmlns:a16="http://schemas.microsoft.com/office/drawing/2014/main" id="{6D49CB63-C5AB-4FF9-E2B0-E9115E30D6E9}"/>
                 </a:ext>
               </a:extLst>
             </p:cNvPr>
@@ -13294,18 +14869,12 @@
           </p:nvSpPr>
           <p:spPr>
             <a:xfrm>
-              <a:off x="7342635" y="5238550"/>
-              <a:ext cx="377073" cy="228505"/>
+              <a:off x="6905237" y="5489546"/>
+              <a:ext cx="881990" cy="273700"/>
             </a:xfrm>
             <a:prstGeom prst="rect">
               <a:avLst/>
             </a:prstGeom>
-            <a:noFill/>
-            <a:ln>
-              <a:solidFill>
-                <a:schemeClr val="tx1"/>
-              </a:solidFill>
-            </a:ln>
           </p:spPr>
           <p:style>
             <a:lnRef idx="1">
@@ -13418,26 +14987,27 @@
             <a:p>
               <a:pPr algn="ctr"/>
               <a:r>
-                <a:rPr lang="en-US" b="0" i="0" dirty="0">
+                <a:rPr lang="vi-VN" sz="1100" kern="1200">
+                  <a:solidFill>
+                    <a:schemeClr val="dk1"/>
+                  </a:solidFill>
                   <a:effectLst/>
-                  <a:latin typeface="Arial" panose="020B0604020202020204" pitchFamily="34" charset="0"/>
+                  <a:latin typeface="+mn-lt"/>
+                  <a:ea typeface="+mn-ea"/>
+                  <a:cs typeface="+mn-cs"/>
                 </a:rPr>
-                <a:t>→</a:t>
+                <a:t>Thêm</a:t>
               </a:r>
-              <a:endParaRPr lang="en-US" sz="700" dirty="0">
-                <a:solidFill>
-                  <a:srgbClr val="00B0F0"/>
-                </a:solidFill>
-              </a:endParaRPr>
+              <a:endParaRPr lang="en-US" sz="900" dirty="0"/>
             </a:p>
           </p:txBody>
         </p:sp>
         <p:sp>
           <p:nvSpPr>
-            <p:cNvPr id="28" name="Rectangle 27">
+            <p:cNvPr id="16" name="Rectangle 15">
               <a:extLst>
                 <a:ext uri="{FF2B5EF4-FFF2-40B4-BE49-F238E27FC236}">
-                  <a16:creationId xmlns:a16="http://schemas.microsoft.com/office/drawing/2014/main" id="{8D40BC04-4E17-2548-3853-A3DE23C5014B}"/>
+                  <a16:creationId xmlns:a16="http://schemas.microsoft.com/office/drawing/2014/main" id="{8C2200C9-44C2-A403-2932-A608F32BDF20}"/>
                 </a:ext>
               </a:extLst>
             </p:cNvPr>
@@ -13446,23 +15016,2468 @@
           </p:nvSpPr>
           <p:spPr>
             <a:xfrm>
-              <a:off x="6031530" y="5238555"/>
-              <a:ext cx="220164" cy="228505"/>
+              <a:off x="2495678" y="2050509"/>
+              <a:ext cx="1208281" cy="254031"/>
+            </a:xfrm>
+            <a:prstGeom prst="rect">
+              <a:avLst/>
+            </a:prstGeom>
+            <a:noFill/>
+            <a:ln>
+              <a:noFill/>
+            </a:ln>
+          </p:spPr>
+          <p:style>
+            <a:lnRef idx="2">
+              <a:schemeClr val="accent1">
+                <a:shade val="15000"/>
+              </a:schemeClr>
+            </a:lnRef>
+            <a:fillRef idx="1">
+              <a:schemeClr val="accent1"/>
+            </a:fillRef>
+            <a:effectRef idx="0">
+              <a:schemeClr val="accent1"/>
+            </a:effectRef>
+            <a:fontRef idx="minor">
+              <a:schemeClr val="lt1"/>
+            </a:fontRef>
+          </p:style>
+          <p:txBody>
+            <a:bodyPr rtlCol="0" anchor="ctr"/>
+            <a:lstStyle/>
+            <a:p>
+              <a:r>
+                <a:rPr lang="vi-VN" sz="1000" dirty="0">
+                  <a:solidFill>
+                    <a:schemeClr val="tx1"/>
+                  </a:solidFill>
+                </a:rPr>
+                <a:t>Tên sản phẩm</a:t>
+              </a:r>
+              <a:endParaRPr lang="en-US" sz="1000" dirty="0">
+                <a:solidFill>
+                  <a:schemeClr val="tx1"/>
+                </a:solidFill>
+              </a:endParaRPr>
+            </a:p>
+          </p:txBody>
+        </p:sp>
+        <p:sp>
+          <p:nvSpPr>
+            <p:cNvPr id="17" name="Rectangle 16">
+              <a:extLst>
+                <a:ext uri="{FF2B5EF4-FFF2-40B4-BE49-F238E27FC236}">
+                  <a16:creationId xmlns:a16="http://schemas.microsoft.com/office/drawing/2014/main" id="{77B3240B-F284-BF4D-11CE-187C795548D0}"/>
+                </a:ext>
+              </a:extLst>
+            </p:cNvPr>
+            <p:cNvSpPr/>
+            <p:nvPr/>
+          </p:nvSpPr>
+          <p:spPr>
+            <a:xfrm>
+              <a:off x="2495677" y="2412903"/>
+              <a:ext cx="1208281" cy="254031"/>
+            </a:xfrm>
+            <a:prstGeom prst="rect">
+              <a:avLst/>
+            </a:prstGeom>
+            <a:noFill/>
+            <a:ln>
+              <a:noFill/>
+            </a:ln>
+          </p:spPr>
+          <p:style>
+            <a:lnRef idx="2">
+              <a:schemeClr val="accent1">
+                <a:shade val="15000"/>
+              </a:schemeClr>
+            </a:lnRef>
+            <a:fillRef idx="1">
+              <a:schemeClr val="accent1"/>
+            </a:fillRef>
+            <a:effectRef idx="0">
+              <a:schemeClr val="accent1"/>
+            </a:effectRef>
+            <a:fontRef idx="minor">
+              <a:schemeClr val="lt1"/>
+            </a:fontRef>
+          </p:style>
+          <p:txBody>
+            <a:bodyPr rtlCol="0" anchor="ctr"/>
+            <a:lstStyle/>
+            <a:p>
+              <a:r>
+                <a:rPr lang="vi-VN" sz="1000" dirty="0">
+                  <a:solidFill>
+                    <a:schemeClr val="tx1"/>
+                  </a:solidFill>
+                </a:rPr>
+                <a:t>Mô tả</a:t>
+              </a:r>
+              <a:endParaRPr lang="en-US" sz="1000" dirty="0">
+                <a:solidFill>
+                  <a:schemeClr val="tx1"/>
+                </a:solidFill>
+              </a:endParaRPr>
+            </a:p>
+          </p:txBody>
+        </p:sp>
+        <p:sp>
+          <p:nvSpPr>
+            <p:cNvPr id="20" name="Rectangle 19">
+              <a:extLst>
+                <a:ext uri="{FF2B5EF4-FFF2-40B4-BE49-F238E27FC236}">
+                  <a16:creationId xmlns:a16="http://schemas.microsoft.com/office/drawing/2014/main" id="{B4C94937-CE20-41CA-699B-019A81834F15}"/>
+                </a:ext>
+              </a:extLst>
+            </p:cNvPr>
+            <p:cNvSpPr/>
+            <p:nvPr/>
+          </p:nvSpPr>
+          <p:spPr>
+            <a:xfrm>
+              <a:off x="2502142" y="4665727"/>
+              <a:ext cx="1208281" cy="254031"/>
+            </a:xfrm>
+            <a:prstGeom prst="rect">
+              <a:avLst/>
+            </a:prstGeom>
+            <a:noFill/>
+            <a:ln>
+              <a:noFill/>
+            </a:ln>
+          </p:spPr>
+          <p:style>
+            <a:lnRef idx="2">
+              <a:schemeClr val="accent1">
+                <a:shade val="15000"/>
+              </a:schemeClr>
+            </a:lnRef>
+            <a:fillRef idx="1">
+              <a:schemeClr val="accent1"/>
+            </a:fillRef>
+            <a:effectRef idx="0">
+              <a:schemeClr val="accent1"/>
+            </a:effectRef>
+            <a:fontRef idx="minor">
+              <a:schemeClr val="lt1"/>
+            </a:fontRef>
+          </p:style>
+          <p:txBody>
+            <a:bodyPr rtlCol="0" anchor="ctr"/>
+            <a:lstStyle/>
+            <a:p>
+              <a:r>
+                <a:rPr lang="vi-VN" sz="1000" dirty="0">
+                  <a:solidFill>
+                    <a:schemeClr val="tx1"/>
+                  </a:solidFill>
+                </a:rPr>
+                <a:t>Giá</a:t>
+              </a:r>
+              <a:endParaRPr lang="en-US" sz="1000" dirty="0">
+                <a:solidFill>
+                  <a:schemeClr val="tx1"/>
+                </a:solidFill>
+              </a:endParaRPr>
+            </a:p>
+          </p:txBody>
+        </p:sp>
+        <p:sp>
+          <p:nvSpPr>
+            <p:cNvPr id="21" name="Rectangle 20">
+              <a:extLst>
+                <a:ext uri="{FF2B5EF4-FFF2-40B4-BE49-F238E27FC236}">
+                  <a16:creationId xmlns:a16="http://schemas.microsoft.com/office/drawing/2014/main" id="{8B109D92-0A0E-DBB0-4189-877A3419A4F8}"/>
+                </a:ext>
+              </a:extLst>
+            </p:cNvPr>
+            <p:cNvSpPr/>
+            <p:nvPr/>
+          </p:nvSpPr>
+          <p:spPr>
+            <a:xfrm>
+              <a:off x="6308266" y="4706329"/>
+              <a:ext cx="1179418" cy="254031"/>
+            </a:xfrm>
+            <a:prstGeom prst="rect">
+              <a:avLst/>
+            </a:prstGeom>
+            <a:noFill/>
+            <a:ln>
+              <a:noFill/>
+            </a:ln>
+          </p:spPr>
+          <p:style>
+            <a:lnRef idx="2">
+              <a:schemeClr val="accent1">
+                <a:shade val="15000"/>
+              </a:schemeClr>
+            </a:lnRef>
+            <a:fillRef idx="1">
+              <a:schemeClr val="accent1"/>
+            </a:fillRef>
+            <a:effectRef idx="0">
+              <a:schemeClr val="accent1"/>
+            </a:effectRef>
+            <a:fontRef idx="minor">
+              <a:schemeClr val="lt1"/>
+            </a:fontRef>
+          </p:style>
+          <p:txBody>
+            <a:bodyPr rtlCol="0" anchor="ctr"/>
+            <a:lstStyle/>
+            <a:p>
+              <a:r>
+                <a:rPr lang="vi-VN" sz="1000" dirty="0">
+                  <a:solidFill>
+                    <a:schemeClr val="tx1"/>
+                  </a:solidFill>
+                </a:rPr>
+                <a:t>Màu</a:t>
+              </a:r>
+              <a:endParaRPr lang="en-US" sz="1000" dirty="0">
+                <a:solidFill>
+                  <a:schemeClr val="tx1"/>
+                </a:solidFill>
+              </a:endParaRPr>
+            </a:p>
+          </p:txBody>
+        </p:sp>
+        <p:sp>
+          <p:nvSpPr>
+            <p:cNvPr id="22" name="Rectangle 21">
+              <a:extLst>
+                <a:ext uri="{FF2B5EF4-FFF2-40B4-BE49-F238E27FC236}">
+                  <a16:creationId xmlns:a16="http://schemas.microsoft.com/office/drawing/2014/main" id="{EF7AD3A4-4B12-19C4-A20E-D2151A101F31}"/>
+                </a:ext>
+              </a:extLst>
+            </p:cNvPr>
+            <p:cNvSpPr/>
+            <p:nvPr/>
+          </p:nvSpPr>
+          <p:spPr>
+            <a:xfrm>
+              <a:off x="2501901" y="4285418"/>
+              <a:ext cx="1208281" cy="254031"/>
+            </a:xfrm>
+            <a:prstGeom prst="rect">
+              <a:avLst/>
+            </a:prstGeom>
+            <a:noFill/>
+            <a:ln>
+              <a:noFill/>
+            </a:ln>
+          </p:spPr>
+          <p:style>
+            <a:lnRef idx="2">
+              <a:schemeClr val="accent1">
+                <a:shade val="15000"/>
+              </a:schemeClr>
+            </a:lnRef>
+            <a:fillRef idx="1">
+              <a:schemeClr val="accent1"/>
+            </a:fillRef>
+            <a:effectRef idx="0">
+              <a:schemeClr val="accent1"/>
+            </a:effectRef>
+            <a:fontRef idx="minor">
+              <a:schemeClr val="lt1"/>
+            </a:fontRef>
+          </p:style>
+          <p:txBody>
+            <a:bodyPr rtlCol="0" anchor="ctr"/>
+            <a:lstStyle/>
+            <a:p>
+              <a:r>
+                <a:rPr lang="vi-VN" sz="1000" dirty="0">
+                  <a:solidFill>
+                    <a:schemeClr val="tx1"/>
+                  </a:solidFill>
+                </a:rPr>
+                <a:t>Thương hiệu</a:t>
+              </a:r>
+              <a:endParaRPr lang="en-US" sz="1000" dirty="0">
+                <a:solidFill>
+                  <a:schemeClr val="tx1"/>
+                </a:solidFill>
+              </a:endParaRPr>
+            </a:p>
+          </p:txBody>
+        </p:sp>
+        <p:sp>
+          <p:nvSpPr>
+            <p:cNvPr id="23" name="Rectangle 22">
+              <a:extLst>
+                <a:ext uri="{FF2B5EF4-FFF2-40B4-BE49-F238E27FC236}">
+                  <a16:creationId xmlns:a16="http://schemas.microsoft.com/office/drawing/2014/main" id="{4945A0BF-B9FA-560D-0763-B52606A0A9E0}"/>
+                </a:ext>
+              </a:extLst>
+            </p:cNvPr>
+            <p:cNvSpPr/>
+            <p:nvPr/>
+          </p:nvSpPr>
+          <p:spPr>
+            <a:xfrm>
+              <a:off x="2496151" y="3187003"/>
+              <a:ext cx="1208281" cy="254031"/>
+            </a:xfrm>
+            <a:prstGeom prst="rect">
+              <a:avLst/>
+            </a:prstGeom>
+            <a:noFill/>
+            <a:ln>
+              <a:noFill/>
+            </a:ln>
+          </p:spPr>
+          <p:style>
+            <a:lnRef idx="2">
+              <a:schemeClr val="accent1">
+                <a:shade val="15000"/>
+              </a:schemeClr>
+            </a:lnRef>
+            <a:fillRef idx="1">
+              <a:schemeClr val="accent1"/>
+            </a:fillRef>
+            <a:effectRef idx="0">
+              <a:schemeClr val="accent1"/>
+            </a:effectRef>
+            <a:fontRef idx="minor">
+              <a:schemeClr val="lt1"/>
+            </a:fontRef>
+          </p:style>
+          <p:txBody>
+            <a:bodyPr rtlCol="0" anchor="ctr"/>
+            <a:lstStyle/>
+            <a:p>
+              <a:r>
+                <a:rPr lang="vi-VN" sz="1000" dirty="0">
+                  <a:solidFill>
+                    <a:schemeClr val="tx1"/>
+                  </a:solidFill>
+                </a:rPr>
+                <a:t>Ảnh</a:t>
+              </a:r>
+              <a:endParaRPr lang="en-US" sz="1000" dirty="0">
+                <a:solidFill>
+                  <a:schemeClr val="tx1"/>
+                </a:solidFill>
+              </a:endParaRPr>
+            </a:p>
+          </p:txBody>
+        </p:sp>
+        <p:sp>
+          <p:nvSpPr>
+            <p:cNvPr id="37" name="Rectangle 36">
+              <a:extLst>
+                <a:ext uri="{FF2B5EF4-FFF2-40B4-BE49-F238E27FC236}">
+                  <a16:creationId xmlns:a16="http://schemas.microsoft.com/office/drawing/2014/main" id="{56262808-8088-E558-11B8-DCB55C19AFBE}"/>
+                </a:ext>
+              </a:extLst>
+            </p:cNvPr>
+            <p:cNvSpPr/>
+            <p:nvPr/>
+          </p:nvSpPr>
+          <p:spPr>
+            <a:xfrm>
+              <a:off x="2529595" y="3940718"/>
+              <a:ext cx="1208281" cy="254031"/>
+            </a:xfrm>
+            <a:prstGeom prst="rect">
+              <a:avLst/>
+            </a:prstGeom>
+            <a:noFill/>
+            <a:ln>
+              <a:noFill/>
+            </a:ln>
+          </p:spPr>
+          <p:style>
+            <a:lnRef idx="2">
+              <a:schemeClr val="accent1">
+                <a:shade val="15000"/>
+              </a:schemeClr>
+            </a:lnRef>
+            <a:fillRef idx="1">
+              <a:schemeClr val="accent1"/>
+            </a:fillRef>
+            <a:effectRef idx="0">
+              <a:schemeClr val="accent1"/>
+            </a:effectRef>
+            <a:fontRef idx="minor">
+              <a:schemeClr val="lt1"/>
+            </a:fontRef>
+          </p:style>
+          <p:txBody>
+            <a:bodyPr rtlCol="0" anchor="ctr"/>
+            <a:lstStyle/>
+            <a:p>
+              <a:r>
+                <a:rPr lang="vi-VN" sz="1000" dirty="0">
+                  <a:solidFill>
+                    <a:schemeClr val="tx1"/>
+                  </a:solidFill>
+                </a:rPr>
+                <a:t>Size</a:t>
+              </a:r>
+              <a:endParaRPr lang="en-US" sz="1000" dirty="0">
+                <a:solidFill>
+                  <a:schemeClr val="tx1"/>
+                </a:solidFill>
+              </a:endParaRPr>
+            </a:p>
+          </p:txBody>
+        </p:sp>
+        <p:sp>
+          <p:nvSpPr>
+            <p:cNvPr id="38" name="Rectangle 37">
+              <a:extLst>
+                <a:ext uri="{FF2B5EF4-FFF2-40B4-BE49-F238E27FC236}">
+                  <a16:creationId xmlns:a16="http://schemas.microsoft.com/office/drawing/2014/main" id="{69DE6DE4-51F4-99D4-D7DA-B62D719BC23F}"/>
+                </a:ext>
+              </a:extLst>
+            </p:cNvPr>
+            <p:cNvSpPr/>
+            <p:nvPr/>
+          </p:nvSpPr>
+          <p:spPr>
+            <a:xfrm>
+              <a:off x="6308267" y="3910567"/>
+              <a:ext cx="1208281" cy="254031"/>
+            </a:xfrm>
+            <a:prstGeom prst="rect">
+              <a:avLst/>
+            </a:prstGeom>
+            <a:noFill/>
+            <a:ln>
+              <a:noFill/>
+            </a:ln>
+          </p:spPr>
+          <p:style>
+            <a:lnRef idx="2">
+              <a:schemeClr val="accent1">
+                <a:shade val="15000"/>
+              </a:schemeClr>
+            </a:lnRef>
+            <a:fillRef idx="1">
+              <a:schemeClr val="accent1"/>
+            </a:fillRef>
+            <a:effectRef idx="0">
+              <a:schemeClr val="accent1"/>
+            </a:effectRef>
+            <a:fontRef idx="minor">
+              <a:schemeClr val="lt1"/>
+            </a:fontRef>
+          </p:style>
+          <p:txBody>
+            <a:bodyPr rtlCol="0" anchor="ctr"/>
+            <a:lstStyle/>
+            <a:p>
+              <a:r>
+                <a:rPr lang="vi-VN" sz="1000" dirty="0">
+                  <a:solidFill>
+                    <a:schemeClr val="tx1"/>
+                  </a:solidFill>
+                </a:rPr>
+                <a:t>Loại sản phẩm</a:t>
+              </a:r>
+              <a:endParaRPr lang="en-US" sz="1000" dirty="0">
+                <a:solidFill>
+                  <a:schemeClr val="tx1"/>
+                </a:solidFill>
+              </a:endParaRPr>
+            </a:p>
+          </p:txBody>
+        </p:sp>
+        <p:sp>
+          <p:nvSpPr>
+            <p:cNvPr id="45" name="Rectangle 44">
+              <a:extLst>
+                <a:ext uri="{FF2B5EF4-FFF2-40B4-BE49-F238E27FC236}">
+                  <a16:creationId xmlns:a16="http://schemas.microsoft.com/office/drawing/2014/main" id="{7941AAEC-731A-7CA8-01A6-F070C65D91C8}"/>
+                </a:ext>
+              </a:extLst>
+            </p:cNvPr>
+            <p:cNvSpPr/>
+            <p:nvPr/>
+          </p:nvSpPr>
+          <p:spPr>
+            <a:xfrm>
+              <a:off x="3730471" y="2041901"/>
+              <a:ext cx="5055239" cy="277534"/>
             </a:xfrm>
             <a:prstGeom prst="rect">
               <a:avLst/>
             </a:prstGeom>
             <a:solidFill>
-              <a:schemeClr val="accent5">
-                <a:lumMod val="40000"/>
-                <a:lumOff val="60000"/>
+              <a:schemeClr val="bg1"/>
+            </a:solidFill>
+          </p:spPr>
+          <p:style>
+            <a:lnRef idx="2">
+              <a:schemeClr val="accent1">
+                <a:shade val="15000"/>
               </a:schemeClr>
+            </a:lnRef>
+            <a:fillRef idx="1">
+              <a:schemeClr val="accent1"/>
+            </a:fillRef>
+            <a:effectRef idx="0">
+              <a:schemeClr val="accent1"/>
+            </a:effectRef>
+            <a:fontRef idx="minor">
+              <a:schemeClr val="lt1"/>
+            </a:fontRef>
+          </p:style>
+          <p:txBody>
+            <a:bodyPr rtlCol="0" anchor="ctr"/>
+            <a:lstStyle/>
+            <a:p>
+              <a:r>
+                <a:rPr lang="vi-VN" sz="1000" dirty="0">
+                  <a:solidFill>
+                    <a:schemeClr val="tx1"/>
+                  </a:solidFill>
+                </a:rPr>
+                <a:t>Giày F</a:t>
+              </a:r>
+              <a:endParaRPr lang="en-US" sz="1000" dirty="0">
+                <a:solidFill>
+                  <a:schemeClr val="tx1"/>
+                </a:solidFill>
+              </a:endParaRPr>
+            </a:p>
+          </p:txBody>
+        </p:sp>
+        <p:sp>
+          <p:nvSpPr>
+            <p:cNvPr id="46" name="Rectangle 45">
+              <a:extLst>
+                <a:ext uri="{FF2B5EF4-FFF2-40B4-BE49-F238E27FC236}">
+                  <a16:creationId xmlns:a16="http://schemas.microsoft.com/office/drawing/2014/main" id="{03FB4A70-9F9D-46D1-A78B-F2801B84899D}"/>
+                </a:ext>
+              </a:extLst>
+            </p:cNvPr>
+            <p:cNvSpPr/>
+            <p:nvPr/>
+          </p:nvSpPr>
+          <p:spPr>
+            <a:xfrm>
+              <a:off x="3730236" y="2407438"/>
+              <a:ext cx="5055239" cy="686037"/>
+            </a:xfrm>
+            <a:prstGeom prst="rect">
+              <a:avLst/>
+            </a:prstGeom>
+            <a:solidFill>
+              <a:schemeClr val="bg1"/>
+            </a:solidFill>
+          </p:spPr>
+          <p:style>
+            <a:lnRef idx="2">
+              <a:schemeClr val="accent1">
+                <a:shade val="15000"/>
+              </a:schemeClr>
+            </a:lnRef>
+            <a:fillRef idx="1">
+              <a:schemeClr val="accent1"/>
+            </a:fillRef>
+            <a:effectRef idx="0">
+              <a:schemeClr val="accent1"/>
+            </a:effectRef>
+            <a:fontRef idx="minor">
+              <a:schemeClr val="lt1"/>
+            </a:fontRef>
+          </p:style>
+          <p:txBody>
+            <a:bodyPr rtlCol="0" anchor="ctr"/>
+            <a:lstStyle/>
+            <a:p>
+              <a:r>
+                <a:rPr lang="vi-VN" sz="1000" dirty="0">
+                  <a:solidFill>
+                    <a:schemeClr val="tx1"/>
+                  </a:solidFill>
+                </a:rPr>
+                <a:t>Đây là mô tả của sản phẩm</a:t>
+              </a:r>
+              <a:endParaRPr lang="en-US" sz="1000" dirty="0">
+                <a:solidFill>
+                  <a:schemeClr val="tx1"/>
+                </a:solidFill>
+              </a:endParaRPr>
+            </a:p>
+          </p:txBody>
+        </p:sp>
+        <p:sp>
+          <p:nvSpPr>
+            <p:cNvPr id="59" name="Rectangle 58">
+              <a:extLst>
+                <a:ext uri="{FF2B5EF4-FFF2-40B4-BE49-F238E27FC236}">
+                  <a16:creationId xmlns:a16="http://schemas.microsoft.com/office/drawing/2014/main" id="{730D2138-C594-CD23-2BDF-71A0356712C4}"/>
+                </a:ext>
+              </a:extLst>
+            </p:cNvPr>
+            <p:cNvSpPr/>
+            <p:nvPr/>
+          </p:nvSpPr>
+          <p:spPr>
+            <a:xfrm>
+              <a:off x="3736467" y="4663407"/>
+              <a:ext cx="1271279" cy="277534"/>
+            </a:xfrm>
+            <a:prstGeom prst="rect">
+              <a:avLst/>
+            </a:prstGeom>
+            <a:solidFill>
+              <a:schemeClr val="bg1"/>
+            </a:solidFill>
+          </p:spPr>
+          <p:style>
+            <a:lnRef idx="2">
+              <a:schemeClr val="accent1">
+                <a:shade val="15000"/>
+              </a:schemeClr>
+            </a:lnRef>
+            <a:fillRef idx="1">
+              <a:schemeClr val="accent1"/>
+            </a:fillRef>
+            <a:effectRef idx="0">
+              <a:schemeClr val="accent1"/>
+            </a:effectRef>
+            <a:fontRef idx="minor">
+              <a:schemeClr val="lt1"/>
+            </a:fontRef>
+          </p:style>
+          <p:txBody>
+            <a:bodyPr rtlCol="0" anchor="ctr"/>
+            <a:lstStyle/>
+            <a:p>
+              <a:r>
+                <a:rPr lang="vi-VN" sz="1000" dirty="0">
+                  <a:solidFill>
+                    <a:schemeClr val="tx1"/>
+                  </a:solidFill>
+                </a:rPr>
+                <a:t>1.700.000</a:t>
+              </a:r>
+              <a:endParaRPr lang="en-US" sz="1000" dirty="0">
+                <a:solidFill>
+                  <a:schemeClr val="tx1"/>
+                </a:solidFill>
+              </a:endParaRPr>
+            </a:p>
+          </p:txBody>
+        </p:sp>
+        <p:sp>
+          <p:nvSpPr>
+            <p:cNvPr id="60" name="Rectangle 59">
+              <a:extLst>
+                <a:ext uri="{FF2B5EF4-FFF2-40B4-BE49-F238E27FC236}">
+                  <a16:creationId xmlns:a16="http://schemas.microsoft.com/office/drawing/2014/main" id="{6E826CEA-8875-C16A-F485-8C3338BFADF2}"/>
+                </a:ext>
+              </a:extLst>
+            </p:cNvPr>
+            <p:cNvSpPr/>
+            <p:nvPr/>
+          </p:nvSpPr>
+          <p:spPr>
+            <a:xfrm>
+              <a:off x="7513494" y="4661536"/>
+              <a:ext cx="1271279" cy="277534"/>
+            </a:xfrm>
+            <a:prstGeom prst="rect">
+              <a:avLst/>
+            </a:prstGeom>
+            <a:solidFill>
+              <a:schemeClr val="bg1"/>
+            </a:solidFill>
+          </p:spPr>
+          <p:style>
+            <a:lnRef idx="2">
+              <a:schemeClr val="accent1">
+                <a:shade val="15000"/>
+              </a:schemeClr>
+            </a:lnRef>
+            <a:fillRef idx="1">
+              <a:schemeClr val="accent1"/>
+            </a:fillRef>
+            <a:effectRef idx="0">
+              <a:schemeClr val="accent1"/>
+            </a:effectRef>
+            <a:fontRef idx="minor">
+              <a:schemeClr val="lt1"/>
+            </a:fontRef>
+          </p:style>
+          <p:txBody>
+            <a:bodyPr rtlCol="0" anchor="ctr"/>
+            <a:lstStyle/>
+            <a:p>
+              <a:r>
+                <a:rPr lang="vi-VN" sz="1000" dirty="0">
+                  <a:solidFill>
+                    <a:schemeClr val="tx1"/>
+                  </a:solidFill>
+                </a:rPr>
+                <a:t>Trắng</a:t>
+              </a:r>
+              <a:endParaRPr lang="en-US" sz="1000" dirty="0">
+                <a:solidFill>
+                  <a:schemeClr val="tx1"/>
+                </a:solidFill>
+              </a:endParaRPr>
+            </a:p>
+          </p:txBody>
+        </p:sp>
+        <p:sp>
+          <p:nvSpPr>
+            <p:cNvPr id="61" name="Rectangle 60">
+              <a:extLst>
+                <a:ext uri="{FF2B5EF4-FFF2-40B4-BE49-F238E27FC236}">
+                  <a16:creationId xmlns:a16="http://schemas.microsoft.com/office/drawing/2014/main" id="{813C7A27-DBEA-07D0-4D1A-E6B8EE1D2E0E}"/>
+                </a:ext>
+              </a:extLst>
+            </p:cNvPr>
+            <p:cNvSpPr/>
+            <p:nvPr/>
+          </p:nvSpPr>
+          <p:spPr>
+            <a:xfrm>
+              <a:off x="3735759" y="4289386"/>
+              <a:ext cx="1271278" cy="277534"/>
+            </a:xfrm>
+            <a:prstGeom prst="rect">
+              <a:avLst/>
+            </a:prstGeom>
+            <a:solidFill>
+              <a:schemeClr val="bg1"/>
+            </a:solidFill>
+          </p:spPr>
+          <p:style>
+            <a:lnRef idx="2">
+              <a:schemeClr val="accent1">
+                <a:shade val="15000"/>
+              </a:schemeClr>
+            </a:lnRef>
+            <a:fillRef idx="1">
+              <a:schemeClr val="accent1"/>
+            </a:fillRef>
+            <a:effectRef idx="0">
+              <a:schemeClr val="accent1"/>
+            </a:effectRef>
+            <a:fontRef idx="minor">
+              <a:schemeClr val="lt1"/>
+            </a:fontRef>
+          </p:style>
+          <p:txBody>
+            <a:bodyPr rtlCol="0" anchor="ctr"/>
+            <a:lstStyle/>
+            <a:p>
+              <a:r>
+                <a:rPr lang="en-US" sz="1000" dirty="0">
+                  <a:solidFill>
+                    <a:schemeClr val="tx1"/>
+                  </a:solidFill>
+                </a:rPr>
+                <a:t>Nike</a:t>
+              </a:r>
+            </a:p>
+          </p:txBody>
+        </p:sp>
+        <p:sp>
+          <p:nvSpPr>
+            <p:cNvPr id="63" name="Rectangle 62">
+              <a:extLst>
+                <a:ext uri="{FF2B5EF4-FFF2-40B4-BE49-F238E27FC236}">
+                  <a16:creationId xmlns:a16="http://schemas.microsoft.com/office/drawing/2014/main" id="{0DE40FE5-28BC-5913-330B-9533440D950C}"/>
+                </a:ext>
+              </a:extLst>
+            </p:cNvPr>
+            <p:cNvSpPr/>
+            <p:nvPr/>
+          </p:nvSpPr>
+          <p:spPr>
+            <a:xfrm>
+              <a:off x="3736232" y="3928967"/>
+              <a:ext cx="1270571" cy="277534"/>
+            </a:xfrm>
+            <a:prstGeom prst="rect">
+              <a:avLst/>
+            </a:prstGeom>
+            <a:solidFill>
+              <a:schemeClr val="bg1"/>
+            </a:solidFill>
+          </p:spPr>
+          <p:style>
+            <a:lnRef idx="2">
+              <a:schemeClr val="accent1">
+                <a:shade val="15000"/>
+              </a:schemeClr>
+            </a:lnRef>
+            <a:fillRef idx="1">
+              <a:schemeClr val="accent1"/>
+            </a:fillRef>
+            <a:effectRef idx="0">
+              <a:schemeClr val="accent1"/>
+            </a:effectRef>
+            <a:fontRef idx="minor">
+              <a:schemeClr val="lt1"/>
+            </a:fontRef>
+          </p:style>
+          <p:txBody>
+            <a:bodyPr rtlCol="0" anchor="ctr"/>
+            <a:lstStyle/>
+            <a:p>
+              <a:r>
+                <a:rPr lang="en-US" sz="1000" dirty="0">
+                  <a:solidFill>
+                    <a:schemeClr val="tx1"/>
+                  </a:solidFill>
+                </a:rPr>
+                <a:t>35</a:t>
+              </a:r>
+            </a:p>
+          </p:txBody>
+        </p:sp>
+        <p:sp>
+          <p:nvSpPr>
+            <p:cNvPr id="64" name="Rectangle 63">
+              <a:extLst>
+                <a:ext uri="{FF2B5EF4-FFF2-40B4-BE49-F238E27FC236}">
+                  <a16:creationId xmlns:a16="http://schemas.microsoft.com/office/drawing/2014/main" id="{55D59D89-59DB-E1D6-5A46-AF6198EB13C3}"/>
+                </a:ext>
+              </a:extLst>
+            </p:cNvPr>
+            <p:cNvSpPr/>
+            <p:nvPr/>
+          </p:nvSpPr>
+          <p:spPr>
+            <a:xfrm>
+              <a:off x="7514668" y="3928441"/>
+              <a:ext cx="1270805" cy="277534"/>
+            </a:xfrm>
+            <a:prstGeom prst="rect">
+              <a:avLst/>
+            </a:prstGeom>
+            <a:solidFill>
+              <a:schemeClr val="bg1"/>
+            </a:solidFill>
+          </p:spPr>
+          <p:style>
+            <a:lnRef idx="2">
+              <a:schemeClr val="accent1">
+                <a:shade val="15000"/>
+              </a:schemeClr>
+            </a:lnRef>
+            <a:fillRef idx="1">
+              <a:schemeClr val="accent1"/>
+            </a:fillRef>
+            <a:effectRef idx="0">
+              <a:schemeClr val="accent1"/>
+            </a:effectRef>
+            <a:fontRef idx="minor">
+              <a:schemeClr val="lt1"/>
+            </a:fontRef>
+          </p:style>
+          <p:txBody>
+            <a:bodyPr rtlCol="0" anchor="ctr"/>
+            <a:lstStyle/>
+            <a:p>
+              <a:r>
+                <a:rPr lang="vi-VN" sz="1000" dirty="0">
+                  <a:solidFill>
+                    <a:schemeClr val="tx1"/>
+                  </a:solidFill>
+                </a:rPr>
+                <a:t>Giày cổ thấp</a:t>
+              </a:r>
+              <a:endParaRPr lang="en-US" sz="1000" dirty="0">
+                <a:solidFill>
+                  <a:schemeClr val="tx1"/>
+                </a:solidFill>
+              </a:endParaRPr>
+            </a:p>
+          </p:txBody>
+        </p:sp>
+        <p:sp>
+          <p:nvSpPr>
+            <p:cNvPr id="66" name="Rectangle 65">
+              <a:extLst>
+                <a:ext uri="{FF2B5EF4-FFF2-40B4-BE49-F238E27FC236}">
+                  <a16:creationId xmlns:a16="http://schemas.microsoft.com/office/drawing/2014/main" id="{21E213E1-6C5C-D952-F76A-C1F19D33D118}"/>
+                </a:ext>
+              </a:extLst>
+            </p:cNvPr>
+            <p:cNvSpPr/>
+            <p:nvPr/>
+          </p:nvSpPr>
+          <p:spPr>
+            <a:xfrm>
+              <a:off x="5106447" y="4665727"/>
+              <a:ext cx="632471" cy="254031"/>
+            </a:xfrm>
+            <a:prstGeom prst="rect">
+              <a:avLst/>
+            </a:prstGeom>
+            <a:noFill/>
+            <a:ln>
+              <a:noFill/>
+            </a:ln>
+          </p:spPr>
+          <p:style>
+            <a:lnRef idx="2">
+              <a:schemeClr val="accent1">
+                <a:shade val="15000"/>
+              </a:schemeClr>
+            </a:lnRef>
+            <a:fillRef idx="1">
+              <a:schemeClr val="accent1"/>
+            </a:fillRef>
+            <a:effectRef idx="0">
+              <a:schemeClr val="accent1"/>
+            </a:effectRef>
+            <a:fontRef idx="minor">
+              <a:schemeClr val="lt1"/>
+            </a:fontRef>
+          </p:style>
+          <p:txBody>
+            <a:bodyPr rtlCol="0" anchor="ctr"/>
+            <a:lstStyle/>
+            <a:p>
+              <a:r>
+                <a:rPr lang="vi-VN" sz="1000" dirty="0">
+                  <a:solidFill>
+                    <a:schemeClr val="tx1"/>
+                  </a:solidFill>
+                </a:rPr>
+                <a:t>VND</a:t>
+              </a:r>
+              <a:endParaRPr lang="en-US" sz="1000" dirty="0">
+                <a:solidFill>
+                  <a:schemeClr val="tx1"/>
+                </a:solidFill>
+              </a:endParaRPr>
+            </a:p>
+          </p:txBody>
+        </p:sp>
+        <p:sp>
+          <p:nvSpPr>
+            <p:cNvPr id="67" name="Isosceles Triangle 66">
+              <a:extLst>
+                <a:ext uri="{FF2B5EF4-FFF2-40B4-BE49-F238E27FC236}">
+                  <a16:creationId xmlns:a16="http://schemas.microsoft.com/office/drawing/2014/main" id="{983D1BA1-C283-92A2-5FE6-A843BA402586}"/>
+                </a:ext>
+              </a:extLst>
+            </p:cNvPr>
+            <p:cNvSpPr/>
+            <p:nvPr/>
+          </p:nvSpPr>
+          <p:spPr>
+            <a:xfrm rot="10800000">
+              <a:off x="8520782" y="4767262"/>
+              <a:ext cx="102019" cy="66082"/>
+            </a:xfrm>
+            <a:prstGeom prst="triangle">
+              <a:avLst/>
+            </a:prstGeom>
+            <a:solidFill>
+              <a:schemeClr val="tx1"/>
             </a:solidFill>
             <a:ln>
               <a:solidFill>
                 <a:schemeClr val="tx1"/>
               </a:solidFill>
             </a:ln>
+          </p:spPr>
+          <p:style>
+            <a:lnRef idx="2">
+              <a:schemeClr val="accent1">
+                <a:shade val="15000"/>
+              </a:schemeClr>
+            </a:lnRef>
+            <a:fillRef idx="1">
+              <a:schemeClr val="accent1"/>
+            </a:fillRef>
+            <a:effectRef idx="0">
+              <a:schemeClr val="accent1"/>
+            </a:effectRef>
+            <a:fontRef idx="minor">
+              <a:schemeClr val="lt1"/>
+            </a:fontRef>
+          </p:style>
+          <p:txBody>
+            <a:bodyPr rtlCol="0" anchor="ctr"/>
+            <a:lstStyle/>
+            <a:p>
+              <a:pPr algn="ctr"/>
+              <a:endParaRPr lang="en-US"/>
+            </a:p>
+          </p:txBody>
+        </p:sp>
+        <p:sp>
+          <p:nvSpPr>
+            <p:cNvPr id="69" name="Isosceles Triangle 68">
+              <a:extLst>
+                <a:ext uri="{FF2B5EF4-FFF2-40B4-BE49-F238E27FC236}">
+                  <a16:creationId xmlns:a16="http://schemas.microsoft.com/office/drawing/2014/main" id="{45878BF5-B748-C8A4-7ACF-8EE686B892E9}"/>
+                </a:ext>
+              </a:extLst>
+            </p:cNvPr>
+            <p:cNvSpPr/>
+            <p:nvPr/>
+          </p:nvSpPr>
+          <p:spPr>
+            <a:xfrm rot="10800000">
+              <a:off x="4747131" y="4045329"/>
+              <a:ext cx="102019" cy="66082"/>
+            </a:xfrm>
+            <a:prstGeom prst="triangle">
+              <a:avLst/>
+            </a:prstGeom>
+            <a:solidFill>
+              <a:schemeClr val="tx1"/>
+            </a:solidFill>
+            <a:ln>
+              <a:solidFill>
+                <a:schemeClr val="tx1"/>
+              </a:solidFill>
+            </a:ln>
+          </p:spPr>
+          <p:style>
+            <a:lnRef idx="2">
+              <a:schemeClr val="accent1">
+                <a:shade val="15000"/>
+              </a:schemeClr>
+            </a:lnRef>
+            <a:fillRef idx="1">
+              <a:schemeClr val="accent1"/>
+            </a:fillRef>
+            <a:effectRef idx="0">
+              <a:schemeClr val="accent1"/>
+            </a:effectRef>
+            <a:fontRef idx="minor">
+              <a:schemeClr val="lt1"/>
+            </a:fontRef>
+          </p:style>
+          <p:txBody>
+            <a:bodyPr rtlCol="0" anchor="ctr"/>
+            <a:lstStyle/>
+            <a:p>
+              <a:pPr algn="ctr"/>
+              <a:endParaRPr lang="en-US"/>
+            </a:p>
+          </p:txBody>
+        </p:sp>
+        <p:sp>
+          <p:nvSpPr>
+            <p:cNvPr id="70" name="Isosceles Triangle 69">
+              <a:extLst>
+                <a:ext uri="{FF2B5EF4-FFF2-40B4-BE49-F238E27FC236}">
+                  <a16:creationId xmlns:a16="http://schemas.microsoft.com/office/drawing/2014/main" id="{F5E28FB7-8821-89D1-A4DA-04DA5A856329}"/>
+                </a:ext>
+              </a:extLst>
+            </p:cNvPr>
+            <p:cNvSpPr/>
+            <p:nvPr/>
+          </p:nvSpPr>
+          <p:spPr>
+            <a:xfrm rot="10800000">
+              <a:off x="8525802" y="4046266"/>
+              <a:ext cx="102019" cy="66082"/>
+            </a:xfrm>
+            <a:prstGeom prst="triangle">
+              <a:avLst/>
+            </a:prstGeom>
+            <a:solidFill>
+              <a:schemeClr val="tx1"/>
+            </a:solidFill>
+            <a:ln>
+              <a:solidFill>
+                <a:schemeClr val="tx1"/>
+              </a:solidFill>
+            </a:ln>
+          </p:spPr>
+          <p:style>
+            <a:lnRef idx="2">
+              <a:schemeClr val="accent1">
+                <a:shade val="15000"/>
+              </a:schemeClr>
+            </a:lnRef>
+            <a:fillRef idx="1">
+              <a:schemeClr val="accent1"/>
+            </a:fillRef>
+            <a:effectRef idx="0">
+              <a:schemeClr val="accent1"/>
+            </a:effectRef>
+            <a:fontRef idx="minor">
+              <a:schemeClr val="lt1"/>
+            </a:fontRef>
+          </p:style>
+          <p:txBody>
+            <a:bodyPr rtlCol="0" anchor="ctr"/>
+            <a:lstStyle/>
+            <a:p>
+              <a:pPr algn="ctr"/>
+              <a:endParaRPr lang="en-US"/>
+            </a:p>
+          </p:txBody>
+        </p:sp>
+        <p:grpSp>
+          <p:nvGrpSpPr>
+            <p:cNvPr id="8" name="Group 7">
+              <a:extLst>
+                <a:ext uri="{FF2B5EF4-FFF2-40B4-BE49-F238E27FC236}">
+                  <a16:creationId xmlns:a16="http://schemas.microsoft.com/office/drawing/2014/main" id="{C813A644-3B91-AF27-FE77-1CA3E0B70996}"/>
+                </a:ext>
+              </a:extLst>
+            </p:cNvPr>
+            <p:cNvGrpSpPr/>
+            <p:nvPr/>
+          </p:nvGrpSpPr>
+          <p:grpSpPr>
+            <a:xfrm>
+              <a:off x="3729774" y="3194114"/>
+              <a:ext cx="825523" cy="634205"/>
+              <a:chOff x="3730711" y="3544093"/>
+              <a:chExt cx="825523" cy="634205"/>
+            </a:xfrm>
+          </p:grpSpPr>
+          <p:sp>
+            <p:nvSpPr>
+              <p:cNvPr id="62" name="Rectangle 61">
+                <a:extLst>
+                  <a:ext uri="{FF2B5EF4-FFF2-40B4-BE49-F238E27FC236}">
+                    <a16:creationId xmlns:a16="http://schemas.microsoft.com/office/drawing/2014/main" id="{2ED1F393-251C-9D6D-05A3-503C0E69D4E0}"/>
+                  </a:ext>
+                </a:extLst>
+              </p:cNvPr>
+              <p:cNvSpPr/>
+              <p:nvPr/>
+            </p:nvSpPr>
+            <p:spPr>
+              <a:xfrm>
+                <a:off x="3730711" y="3544093"/>
+                <a:ext cx="825523" cy="634205"/>
+              </a:xfrm>
+              <a:prstGeom prst="rect">
+                <a:avLst/>
+              </a:prstGeom>
+              <a:solidFill>
+                <a:schemeClr val="bg1"/>
+              </a:solidFill>
+            </p:spPr>
+            <p:style>
+              <a:lnRef idx="2">
+                <a:schemeClr val="accent1">
+                  <a:shade val="15000"/>
+                </a:schemeClr>
+              </a:lnRef>
+              <a:fillRef idx="1">
+                <a:schemeClr val="accent1"/>
+              </a:fillRef>
+              <a:effectRef idx="0">
+                <a:schemeClr val="accent1"/>
+              </a:effectRef>
+              <a:fontRef idx="minor">
+                <a:schemeClr val="lt1"/>
+              </a:fontRef>
+            </p:style>
+            <p:txBody>
+              <a:bodyPr rtlCol="0" anchor="ctr"/>
+              <a:lstStyle/>
+              <a:p>
+                <a:endParaRPr lang="en-US" sz="1000" dirty="0">
+                  <a:solidFill>
+                    <a:schemeClr val="tx1"/>
+                  </a:solidFill>
+                </a:endParaRPr>
+              </a:p>
+            </p:txBody>
+          </p:sp>
+          <p:pic>
+            <p:nvPicPr>
+              <p:cNvPr id="7" name="Graphic 6" descr="Boot outline">
+                <a:extLst>
+                  <a:ext uri="{FF2B5EF4-FFF2-40B4-BE49-F238E27FC236}">
+                    <a16:creationId xmlns:a16="http://schemas.microsoft.com/office/drawing/2014/main" id="{1B9E10B6-7844-3F5B-388C-32A56C71DB8A}"/>
+                  </a:ext>
+                </a:extLst>
+              </p:cNvPr>
+              <p:cNvPicPr>
+                <a:picLocks noChangeAspect="1"/>
+              </p:cNvPicPr>
+              <p:nvPr/>
+            </p:nvPicPr>
+            <p:blipFill>
+              <a:blip r:embed="rId2">
+                <a:extLst>
+                  <a:ext uri="{28A0092B-C50C-407E-A947-70E740481C1C}">
+                    <a14:useLocalDpi xmlns:a14="http://schemas.microsoft.com/office/drawing/2010/main" val="0"/>
+                  </a:ext>
+                  <a:ext uri="{96DAC541-7B7A-43D3-8B79-37D633B846F1}">
+                    <asvg:svgBlip xmlns:asvg="http://schemas.microsoft.com/office/drawing/2016/SVG/main" r:embed="rId3"/>
+                  </a:ext>
+                </a:extLst>
+              </a:blip>
+              <a:stretch>
+                <a:fillRect/>
+              </a:stretch>
+            </p:blipFill>
+            <p:spPr>
+              <a:xfrm>
+                <a:off x="3852254" y="3569977"/>
+                <a:ext cx="582436" cy="582436"/>
+              </a:xfrm>
+              <a:prstGeom prst="rect">
+                <a:avLst/>
+              </a:prstGeom>
+            </p:spPr>
+          </p:pic>
+        </p:grpSp>
+        <p:grpSp>
+          <p:nvGrpSpPr>
+            <p:cNvPr id="9" name="Group 8">
+              <a:extLst>
+                <a:ext uri="{FF2B5EF4-FFF2-40B4-BE49-F238E27FC236}">
+                  <a16:creationId xmlns:a16="http://schemas.microsoft.com/office/drawing/2014/main" id="{2681002D-C35A-EA13-96D0-ACF70C00CD20}"/>
+                </a:ext>
+              </a:extLst>
+            </p:cNvPr>
+            <p:cNvGrpSpPr/>
+            <p:nvPr/>
+          </p:nvGrpSpPr>
+          <p:grpSpPr>
+            <a:xfrm>
+              <a:off x="4798140" y="3199489"/>
+              <a:ext cx="825523" cy="634205"/>
+              <a:chOff x="3730711" y="3544093"/>
+              <a:chExt cx="825523" cy="634205"/>
+            </a:xfrm>
+          </p:grpSpPr>
+          <p:sp>
+            <p:nvSpPr>
+              <p:cNvPr id="11" name="Rectangle 10">
+                <a:extLst>
+                  <a:ext uri="{FF2B5EF4-FFF2-40B4-BE49-F238E27FC236}">
+                    <a16:creationId xmlns:a16="http://schemas.microsoft.com/office/drawing/2014/main" id="{F337BA69-39D5-4C96-78DB-530B92BE8F97}"/>
+                  </a:ext>
+                </a:extLst>
+              </p:cNvPr>
+              <p:cNvSpPr/>
+              <p:nvPr/>
+            </p:nvSpPr>
+            <p:spPr>
+              <a:xfrm>
+                <a:off x="3730711" y="3544093"/>
+                <a:ext cx="825523" cy="634205"/>
+              </a:xfrm>
+              <a:prstGeom prst="rect">
+                <a:avLst/>
+              </a:prstGeom>
+              <a:solidFill>
+                <a:schemeClr val="bg1"/>
+              </a:solidFill>
+            </p:spPr>
+            <p:style>
+              <a:lnRef idx="2">
+                <a:schemeClr val="accent1">
+                  <a:shade val="15000"/>
+                </a:schemeClr>
+              </a:lnRef>
+              <a:fillRef idx="1">
+                <a:schemeClr val="accent1"/>
+              </a:fillRef>
+              <a:effectRef idx="0">
+                <a:schemeClr val="accent1"/>
+              </a:effectRef>
+              <a:fontRef idx="minor">
+                <a:schemeClr val="lt1"/>
+              </a:fontRef>
+            </p:style>
+            <p:txBody>
+              <a:bodyPr rtlCol="0" anchor="ctr"/>
+              <a:lstStyle/>
+              <a:p>
+                <a:endParaRPr lang="en-US" sz="1000" dirty="0">
+                  <a:solidFill>
+                    <a:schemeClr val="tx1"/>
+                  </a:solidFill>
+                </a:endParaRPr>
+              </a:p>
+            </p:txBody>
+          </p:sp>
+          <p:pic>
+            <p:nvPicPr>
+              <p:cNvPr id="12" name="Graphic 11" descr="Boot outline">
+                <a:extLst>
+                  <a:ext uri="{FF2B5EF4-FFF2-40B4-BE49-F238E27FC236}">
+                    <a16:creationId xmlns:a16="http://schemas.microsoft.com/office/drawing/2014/main" id="{6CB5B96D-3576-4355-512D-336A6DEE672F}"/>
+                  </a:ext>
+                </a:extLst>
+              </p:cNvPr>
+              <p:cNvPicPr>
+                <a:picLocks noChangeAspect="1"/>
+              </p:cNvPicPr>
+              <p:nvPr/>
+            </p:nvPicPr>
+            <p:blipFill>
+              <a:blip r:embed="rId2">
+                <a:extLst>
+                  <a:ext uri="{28A0092B-C50C-407E-A947-70E740481C1C}">
+                    <a14:useLocalDpi xmlns:a14="http://schemas.microsoft.com/office/drawing/2010/main" val="0"/>
+                  </a:ext>
+                  <a:ext uri="{96DAC541-7B7A-43D3-8B79-37D633B846F1}">
+                    <asvg:svgBlip xmlns:asvg="http://schemas.microsoft.com/office/drawing/2016/SVG/main" r:embed="rId3"/>
+                  </a:ext>
+                </a:extLst>
+              </a:blip>
+              <a:stretch>
+                <a:fillRect/>
+              </a:stretch>
+            </p:blipFill>
+            <p:spPr>
+              <a:xfrm>
+                <a:off x="3852254" y="3569977"/>
+                <a:ext cx="582436" cy="582436"/>
+              </a:xfrm>
+              <a:prstGeom prst="rect">
+                <a:avLst/>
+              </a:prstGeom>
+            </p:spPr>
+          </p:pic>
+        </p:grpSp>
+        <p:grpSp>
+          <p:nvGrpSpPr>
+            <p:cNvPr id="13" name="Group 12">
+              <a:extLst>
+                <a:ext uri="{FF2B5EF4-FFF2-40B4-BE49-F238E27FC236}">
+                  <a16:creationId xmlns:a16="http://schemas.microsoft.com/office/drawing/2014/main" id="{77C16E14-BF1C-60C2-3AB8-02B4B8E0E9DE}"/>
+                </a:ext>
+              </a:extLst>
+            </p:cNvPr>
+            <p:cNvGrpSpPr/>
+            <p:nvPr/>
+          </p:nvGrpSpPr>
+          <p:grpSpPr>
+            <a:xfrm>
+              <a:off x="5866506" y="3204864"/>
+              <a:ext cx="825523" cy="634205"/>
+              <a:chOff x="3730711" y="3544093"/>
+              <a:chExt cx="825523" cy="634205"/>
+            </a:xfrm>
+          </p:grpSpPr>
+          <p:sp>
+            <p:nvSpPr>
+              <p:cNvPr id="14" name="Rectangle 13">
+                <a:extLst>
+                  <a:ext uri="{FF2B5EF4-FFF2-40B4-BE49-F238E27FC236}">
+                    <a16:creationId xmlns:a16="http://schemas.microsoft.com/office/drawing/2014/main" id="{25D04501-F603-7EA3-EF50-639BF2220A49}"/>
+                  </a:ext>
+                </a:extLst>
+              </p:cNvPr>
+              <p:cNvSpPr/>
+              <p:nvPr/>
+            </p:nvSpPr>
+            <p:spPr>
+              <a:xfrm>
+                <a:off x="3730711" y="3544093"/>
+                <a:ext cx="825523" cy="634205"/>
+              </a:xfrm>
+              <a:prstGeom prst="rect">
+                <a:avLst/>
+              </a:prstGeom>
+              <a:solidFill>
+                <a:schemeClr val="bg1"/>
+              </a:solidFill>
+            </p:spPr>
+            <p:style>
+              <a:lnRef idx="2">
+                <a:schemeClr val="accent1">
+                  <a:shade val="15000"/>
+                </a:schemeClr>
+              </a:lnRef>
+              <a:fillRef idx="1">
+                <a:schemeClr val="accent1"/>
+              </a:fillRef>
+              <a:effectRef idx="0">
+                <a:schemeClr val="accent1"/>
+              </a:effectRef>
+              <a:fontRef idx="minor">
+                <a:schemeClr val="lt1"/>
+              </a:fontRef>
+            </p:style>
+            <p:txBody>
+              <a:bodyPr rtlCol="0" anchor="ctr"/>
+              <a:lstStyle/>
+              <a:p>
+                <a:endParaRPr lang="en-US" sz="1000" dirty="0">
+                  <a:solidFill>
+                    <a:schemeClr val="tx1"/>
+                  </a:solidFill>
+                </a:endParaRPr>
+              </a:p>
+            </p:txBody>
+          </p:sp>
+          <p:pic>
+            <p:nvPicPr>
+              <p:cNvPr id="15" name="Graphic 14" descr="Boot outline">
+                <a:extLst>
+                  <a:ext uri="{FF2B5EF4-FFF2-40B4-BE49-F238E27FC236}">
+                    <a16:creationId xmlns:a16="http://schemas.microsoft.com/office/drawing/2014/main" id="{52416A27-DD8C-9518-61CB-97D5D13E1977}"/>
+                  </a:ext>
+                </a:extLst>
+              </p:cNvPr>
+              <p:cNvPicPr>
+                <a:picLocks noChangeAspect="1"/>
+              </p:cNvPicPr>
+              <p:nvPr/>
+            </p:nvPicPr>
+            <p:blipFill>
+              <a:blip r:embed="rId2">
+                <a:extLst>
+                  <a:ext uri="{28A0092B-C50C-407E-A947-70E740481C1C}">
+                    <a14:useLocalDpi xmlns:a14="http://schemas.microsoft.com/office/drawing/2010/main" val="0"/>
+                  </a:ext>
+                  <a:ext uri="{96DAC541-7B7A-43D3-8B79-37D633B846F1}">
+                    <asvg:svgBlip xmlns:asvg="http://schemas.microsoft.com/office/drawing/2016/SVG/main" r:embed="rId3"/>
+                  </a:ext>
+                </a:extLst>
+              </a:blip>
+              <a:stretch>
+                <a:fillRect/>
+              </a:stretch>
+            </p:blipFill>
+            <p:spPr>
+              <a:xfrm>
+                <a:off x="3852254" y="3569977"/>
+                <a:ext cx="582436" cy="582436"/>
+              </a:xfrm>
+              <a:prstGeom prst="rect">
+                <a:avLst/>
+              </a:prstGeom>
+            </p:spPr>
+          </p:pic>
+        </p:grpSp>
+        <p:grpSp>
+          <p:nvGrpSpPr>
+            <p:cNvPr id="18" name="Group 17">
+              <a:extLst>
+                <a:ext uri="{FF2B5EF4-FFF2-40B4-BE49-F238E27FC236}">
+                  <a16:creationId xmlns:a16="http://schemas.microsoft.com/office/drawing/2014/main" id="{D2B733A0-4862-4BD0-4A9B-9085F93A2CD0}"/>
+                </a:ext>
+              </a:extLst>
+            </p:cNvPr>
+            <p:cNvGrpSpPr/>
+            <p:nvPr/>
+          </p:nvGrpSpPr>
+          <p:grpSpPr>
+            <a:xfrm>
+              <a:off x="6934872" y="3210239"/>
+              <a:ext cx="825523" cy="634205"/>
+              <a:chOff x="3730711" y="3544093"/>
+              <a:chExt cx="825523" cy="634205"/>
+            </a:xfrm>
+          </p:grpSpPr>
+          <p:sp>
+            <p:nvSpPr>
+              <p:cNvPr id="19" name="Rectangle 18">
+                <a:extLst>
+                  <a:ext uri="{FF2B5EF4-FFF2-40B4-BE49-F238E27FC236}">
+                    <a16:creationId xmlns:a16="http://schemas.microsoft.com/office/drawing/2014/main" id="{715C8E0E-21D4-48C8-960A-B121143429CE}"/>
+                  </a:ext>
+                </a:extLst>
+              </p:cNvPr>
+              <p:cNvSpPr/>
+              <p:nvPr/>
+            </p:nvSpPr>
+            <p:spPr>
+              <a:xfrm>
+                <a:off x="3730711" y="3544093"/>
+                <a:ext cx="825523" cy="634205"/>
+              </a:xfrm>
+              <a:prstGeom prst="rect">
+                <a:avLst/>
+              </a:prstGeom>
+              <a:solidFill>
+                <a:schemeClr val="bg1"/>
+              </a:solidFill>
+            </p:spPr>
+            <p:style>
+              <a:lnRef idx="2">
+                <a:schemeClr val="accent1">
+                  <a:shade val="15000"/>
+                </a:schemeClr>
+              </a:lnRef>
+              <a:fillRef idx="1">
+                <a:schemeClr val="accent1"/>
+              </a:fillRef>
+              <a:effectRef idx="0">
+                <a:schemeClr val="accent1"/>
+              </a:effectRef>
+              <a:fontRef idx="minor">
+                <a:schemeClr val="lt1"/>
+              </a:fontRef>
+            </p:style>
+            <p:txBody>
+              <a:bodyPr rtlCol="0" anchor="ctr"/>
+              <a:lstStyle/>
+              <a:p>
+                <a:endParaRPr lang="en-US" sz="1000" dirty="0">
+                  <a:solidFill>
+                    <a:schemeClr val="tx1"/>
+                  </a:solidFill>
+                </a:endParaRPr>
+              </a:p>
+            </p:txBody>
+          </p:sp>
+          <p:pic>
+            <p:nvPicPr>
+              <p:cNvPr id="24" name="Graphic 23" descr="Boot outline">
+                <a:extLst>
+                  <a:ext uri="{FF2B5EF4-FFF2-40B4-BE49-F238E27FC236}">
+                    <a16:creationId xmlns:a16="http://schemas.microsoft.com/office/drawing/2014/main" id="{4C273BDF-A74B-A84E-D3A3-4DE1EC1E99ED}"/>
+                  </a:ext>
+                </a:extLst>
+              </p:cNvPr>
+              <p:cNvPicPr>
+                <a:picLocks noChangeAspect="1"/>
+              </p:cNvPicPr>
+              <p:nvPr/>
+            </p:nvPicPr>
+            <p:blipFill>
+              <a:blip r:embed="rId2">
+                <a:extLst>
+                  <a:ext uri="{28A0092B-C50C-407E-A947-70E740481C1C}">
+                    <a14:useLocalDpi xmlns:a14="http://schemas.microsoft.com/office/drawing/2010/main" val="0"/>
+                  </a:ext>
+                  <a:ext uri="{96DAC541-7B7A-43D3-8B79-37D633B846F1}">
+                    <asvg:svgBlip xmlns:asvg="http://schemas.microsoft.com/office/drawing/2016/SVG/main" r:embed="rId3"/>
+                  </a:ext>
+                </a:extLst>
+              </a:blip>
+              <a:stretch>
+                <a:fillRect/>
+              </a:stretch>
+            </p:blipFill>
+            <p:spPr>
+              <a:xfrm>
+                <a:off x="3852254" y="3569977"/>
+                <a:ext cx="582436" cy="582436"/>
+              </a:xfrm>
+              <a:prstGeom prst="rect">
+                <a:avLst/>
+              </a:prstGeom>
+            </p:spPr>
+          </p:pic>
+        </p:grpSp>
+        <p:grpSp>
+          <p:nvGrpSpPr>
+            <p:cNvPr id="25" name="Group 24">
+              <a:extLst>
+                <a:ext uri="{FF2B5EF4-FFF2-40B4-BE49-F238E27FC236}">
+                  <a16:creationId xmlns:a16="http://schemas.microsoft.com/office/drawing/2014/main" id="{34CD3ECA-0C6A-5801-D30F-D0C1906B300D}"/>
+                </a:ext>
+              </a:extLst>
+            </p:cNvPr>
+            <p:cNvGrpSpPr/>
+            <p:nvPr/>
+          </p:nvGrpSpPr>
+          <p:grpSpPr>
+            <a:xfrm>
+              <a:off x="7959250" y="3211300"/>
+              <a:ext cx="825523" cy="634205"/>
+              <a:chOff x="3730711" y="3544093"/>
+              <a:chExt cx="825523" cy="634205"/>
+            </a:xfrm>
+          </p:grpSpPr>
+          <p:sp>
+            <p:nvSpPr>
+              <p:cNvPr id="26" name="Rectangle 25">
+                <a:extLst>
+                  <a:ext uri="{FF2B5EF4-FFF2-40B4-BE49-F238E27FC236}">
+                    <a16:creationId xmlns:a16="http://schemas.microsoft.com/office/drawing/2014/main" id="{537C4239-3179-4729-A240-1CF853AE2917}"/>
+                  </a:ext>
+                </a:extLst>
+              </p:cNvPr>
+              <p:cNvSpPr/>
+              <p:nvPr/>
+            </p:nvSpPr>
+            <p:spPr>
+              <a:xfrm>
+                <a:off x="3730711" y="3544093"/>
+                <a:ext cx="825523" cy="634205"/>
+              </a:xfrm>
+              <a:prstGeom prst="rect">
+                <a:avLst/>
+              </a:prstGeom>
+              <a:solidFill>
+                <a:schemeClr val="bg1"/>
+              </a:solidFill>
+            </p:spPr>
+            <p:style>
+              <a:lnRef idx="2">
+                <a:schemeClr val="accent1">
+                  <a:shade val="15000"/>
+                </a:schemeClr>
+              </a:lnRef>
+              <a:fillRef idx="1">
+                <a:schemeClr val="accent1"/>
+              </a:fillRef>
+              <a:effectRef idx="0">
+                <a:schemeClr val="accent1"/>
+              </a:effectRef>
+              <a:fontRef idx="minor">
+                <a:schemeClr val="lt1"/>
+              </a:fontRef>
+            </p:style>
+            <p:txBody>
+              <a:bodyPr rtlCol="0" anchor="ctr"/>
+              <a:lstStyle/>
+              <a:p>
+                <a:endParaRPr lang="en-US" sz="1000" dirty="0">
+                  <a:solidFill>
+                    <a:schemeClr val="tx1"/>
+                  </a:solidFill>
+                </a:endParaRPr>
+              </a:p>
+            </p:txBody>
+          </p:sp>
+          <p:pic>
+            <p:nvPicPr>
+              <p:cNvPr id="27" name="Graphic 26" descr="Boot outline">
+                <a:extLst>
+                  <a:ext uri="{FF2B5EF4-FFF2-40B4-BE49-F238E27FC236}">
+                    <a16:creationId xmlns:a16="http://schemas.microsoft.com/office/drawing/2014/main" id="{7789D41B-C286-2F74-27C5-9ED0EC484505}"/>
+                  </a:ext>
+                </a:extLst>
+              </p:cNvPr>
+              <p:cNvPicPr>
+                <a:picLocks noChangeAspect="1"/>
+              </p:cNvPicPr>
+              <p:nvPr/>
+            </p:nvPicPr>
+            <p:blipFill>
+              <a:blip r:embed="rId2">
+                <a:extLst>
+                  <a:ext uri="{28A0092B-C50C-407E-A947-70E740481C1C}">
+                    <a14:useLocalDpi xmlns:a14="http://schemas.microsoft.com/office/drawing/2010/main" val="0"/>
+                  </a:ext>
+                  <a:ext uri="{96DAC541-7B7A-43D3-8B79-37D633B846F1}">
+                    <asvg:svgBlip xmlns:asvg="http://schemas.microsoft.com/office/drawing/2016/SVG/main" r:embed="rId3"/>
+                  </a:ext>
+                </a:extLst>
+              </a:blip>
+              <a:stretch>
+                <a:fillRect/>
+              </a:stretch>
+            </p:blipFill>
+            <p:spPr>
+              <a:xfrm>
+                <a:off x="3852254" y="3569977"/>
+                <a:ext cx="582436" cy="582436"/>
+              </a:xfrm>
+              <a:prstGeom prst="rect">
+                <a:avLst/>
+              </a:prstGeom>
+            </p:spPr>
+          </p:pic>
+        </p:grpSp>
+        <p:sp>
+          <p:nvSpPr>
+            <p:cNvPr id="30" name="Multiplication Sign 29">
+              <a:extLst>
+                <a:ext uri="{FF2B5EF4-FFF2-40B4-BE49-F238E27FC236}">
+                  <a16:creationId xmlns:a16="http://schemas.microsoft.com/office/drawing/2014/main" id="{20B24010-127F-26A5-DC5A-34212367778D}"/>
+                </a:ext>
+              </a:extLst>
+            </p:cNvPr>
+            <p:cNvSpPr/>
+            <p:nvPr/>
+          </p:nvSpPr>
+          <p:spPr>
+            <a:xfrm>
+              <a:off x="4321602" y="3211300"/>
+              <a:ext cx="204951" cy="185621"/>
+            </a:xfrm>
+            <a:prstGeom prst="mathMultiply">
+              <a:avLst/>
+            </a:prstGeom>
+            <a:solidFill>
+              <a:srgbClr val="FF0000"/>
+            </a:solidFill>
+          </p:spPr>
+          <p:style>
+            <a:lnRef idx="2">
+              <a:schemeClr val="accent1">
+                <a:shade val="15000"/>
+              </a:schemeClr>
+            </a:lnRef>
+            <a:fillRef idx="1">
+              <a:schemeClr val="accent1"/>
+            </a:fillRef>
+            <a:effectRef idx="0">
+              <a:schemeClr val="accent1"/>
+            </a:effectRef>
+            <a:fontRef idx="minor">
+              <a:schemeClr val="lt1"/>
+            </a:fontRef>
+          </p:style>
+          <p:txBody>
+            <a:bodyPr rtlCol="0" anchor="ctr"/>
+            <a:lstStyle/>
+            <a:p>
+              <a:pPr algn="ctr"/>
+              <a:endParaRPr lang="en-US"/>
+            </a:p>
+          </p:txBody>
+        </p:sp>
+        <p:sp>
+          <p:nvSpPr>
+            <p:cNvPr id="31" name="Multiplication Sign 30">
+              <a:extLst>
+                <a:ext uri="{FF2B5EF4-FFF2-40B4-BE49-F238E27FC236}">
+                  <a16:creationId xmlns:a16="http://schemas.microsoft.com/office/drawing/2014/main" id="{E54879B6-4C9A-1175-AB37-B36A72557683}"/>
+                </a:ext>
+              </a:extLst>
+            </p:cNvPr>
+            <p:cNvSpPr/>
+            <p:nvPr/>
+          </p:nvSpPr>
+          <p:spPr>
+            <a:xfrm>
+              <a:off x="5386920" y="3233115"/>
+              <a:ext cx="204951" cy="185621"/>
+            </a:xfrm>
+            <a:prstGeom prst="mathMultiply">
+              <a:avLst/>
+            </a:prstGeom>
+            <a:solidFill>
+              <a:srgbClr val="FF0000"/>
+            </a:solidFill>
+          </p:spPr>
+          <p:style>
+            <a:lnRef idx="2">
+              <a:schemeClr val="accent1">
+                <a:shade val="15000"/>
+              </a:schemeClr>
+            </a:lnRef>
+            <a:fillRef idx="1">
+              <a:schemeClr val="accent1"/>
+            </a:fillRef>
+            <a:effectRef idx="0">
+              <a:schemeClr val="accent1"/>
+            </a:effectRef>
+            <a:fontRef idx="minor">
+              <a:schemeClr val="lt1"/>
+            </a:fontRef>
+          </p:style>
+          <p:txBody>
+            <a:bodyPr rtlCol="0" anchor="ctr"/>
+            <a:lstStyle/>
+            <a:p>
+              <a:pPr algn="ctr"/>
+              <a:endParaRPr lang="en-US"/>
+            </a:p>
+          </p:txBody>
+        </p:sp>
+        <p:sp>
+          <p:nvSpPr>
+            <p:cNvPr id="35" name="Multiplication Sign 34">
+              <a:extLst>
+                <a:ext uri="{FF2B5EF4-FFF2-40B4-BE49-F238E27FC236}">
+                  <a16:creationId xmlns:a16="http://schemas.microsoft.com/office/drawing/2014/main" id="{6BDD226F-2FE3-4577-E583-5043091A8421}"/>
+                </a:ext>
+              </a:extLst>
+            </p:cNvPr>
+            <p:cNvSpPr/>
+            <p:nvPr/>
+          </p:nvSpPr>
+          <p:spPr>
+            <a:xfrm>
+              <a:off x="6459623" y="3238107"/>
+              <a:ext cx="204951" cy="185621"/>
+            </a:xfrm>
+            <a:prstGeom prst="mathMultiply">
+              <a:avLst/>
+            </a:prstGeom>
+            <a:solidFill>
+              <a:srgbClr val="FF0000"/>
+            </a:solidFill>
+          </p:spPr>
+          <p:style>
+            <a:lnRef idx="2">
+              <a:schemeClr val="accent1">
+                <a:shade val="15000"/>
+              </a:schemeClr>
+            </a:lnRef>
+            <a:fillRef idx="1">
+              <a:schemeClr val="accent1"/>
+            </a:fillRef>
+            <a:effectRef idx="0">
+              <a:schemeClr val="accent1"/>
+            </a:effectRef>
+            <a:fontRef idx="minor">
+              <a:schemeClr val="lt1"/>
+            </a:fontRef>
+          </p:style>
+          <p:txBody>
+            <a:bodyPr rtlCol="0" anchor="ctr"/>
+            <a:lstStyle/>
+            <a:p>
+              <a:pPr algn="ctr"/>
+              <a:endParaRPr lang="en-US"/>
+            </a:p>
+          </p:txBody>
+        </p:sp>
+        <p:sp>
+          <p:nvSpPr>
+            <p:cNvPr id="36" name="Multiplication Sign 35">
+              <a:extLst>
+                <a:ext uri="{FF2B5EF4-FFF2-40B4-BE49-F238E27FC236}">
+                  <a16:creationId xmlns:a16="http://schemas.microsoft.com/office/drawing/2014/main" id="{41E9FBF2-B3C0-14F3-3430-073FD7F80EEE}"/>
+                </a:ext>
+              </a:extLst>
+            </p:cNvPr>
+            <p:cNvSpPr/>
+            <p:nvPr/>
+          </p:nvSpPr>
+          <p:spPr>
+            <a:xfrm>
+              <a:off x="7532326" y="3243099"/>
+              <a:ext cx="204951" cy="185621"/>
+            </a:xfrm>
+            <a:prstGeom prst="mathMultiply">
+              <a:avLst/>
+            </a:prstGeom>
+            <a:solidFill>
+              <a:srgbClr val="FF0000"/>
+            </a:solidFill>
+          </p:spPr>
+          <p:style>
+            <a:lnRef idx="2">
+              <a:schemeClr val="accent1">
+                <a:shade val="15000"/>
+              </a:schemeClr>
+            </a:lnRef>
+            <a:fillRef idx="1">
+              <a:schemeClr val="accent1"/>
+            </a:fillRef>
+            <a:effectRef idx="0">
+              <a:schemeClr val="accent1"/>
+            </a:effectRef>
+            <a:fontRef idx="minor">
+              <a:schemeClr val="lt1"/>
+            </a:fontRef>
+          </p:style>
+          <p:txBody>
+            <a:bodyPr rtlCol="0" anchor="ctr"/>
+            <a:lstStyle/>
+            <a:p>
+              <a:pPr algn="ctr"/>
+              <a:endParaRPr lang="en-US"/>
+            </a:p>
+          </p:txBody>
+        </p:sp>
+        <p:sp>
+          <p:nvSpPr>
+            <p:cNvPr id="40" name="Multiplication Sign 39">
+              <a:extLst>
+                <a:ext uri="{FF2B5EF4-FFF2-40B4-BE49-F238E27FC236}">
+                  <a16:creationId xmlns:a16="http://schemas.microsoft.com/office/drawing/2014/main" id="{904AF515-6150-2011-05B0-FFCE977F19E6}"/>
+                </a:ext>
+              </a:extLst>
+            </p:cNvPr>
+            <p:cNvSpPr/>
+            <p:nvPr/>
+          </p:nvSpPr>
+          <p:spPr>
+            <a:xfrm>
+              <a:off x="8560341" y="3243098"/>
+              <a:ext cx="204951" cy="185621"/>
+            </a:xfrm>
+            <a:prstGeom prst="mathMultiply">
+              <a:avLst/>
+            </a:prstGeom>
+            <a:solidFill>
+              <a:srgbClr val="FF0000"/>
+            </a:solidFill>
+          </p:spPr>
+          <p:style>
+            <a:lnRef idx="2">
+              <a:schemeClr val="accent1">
+                <a:shade val="15000"/>
+              </a:schemeClr>
+            </a:lnRef>
+            <a:fillRef idx="1">
+              <a:schemeClr val="accent1"/>
+            </a:fillRef>
+            <a:effectRef idx="0">
+              <a:schemeClr val="accent1"/>
+            </a:effectRef>
+            <a:fontRef idx="minor">
+              <a:schemeClr val="lt1"/>
+            </a:fontRef>
+          </p:style>
+          <p:txBody>
+            <a:bodyPr rtlCol="0" anchor="ctr"/>
+            <a:lstStyle/>
+            <a:p>
+              <a:pPr algn="ctr"/>
+              <a:endParaRPr lang="en-US"/>
+            </a:p>
+          </p:txBody>
+        </p:sp>
+      </p:grpSp>
+    </p:spTree>
+    <p:extLst>
+      <p:ext uri="{BB962C8B-B14F-4D97-AF65-F5344CB8AC3E}">
+        <p14:creationId xmlns:p14="http://schemas.microsoft.com/office/powerpoint/2010/main" val="2012566429"/>
+      </p:ext>
+    </p:extLst>
+  </p:cSld>
+  <p:clrMapOvr>
+    <a:masterClrMapping/>
+  </p:clrMapOvr>
+</p:sld>
+</file>
+
+<file path=ppt/slides/slide15.xml><?xml version="1.0" encoding="utf-8"?>
+<p:sld xmlns:a="http://schemas.openxmlformats.org/drawingml/2006/main" xmlns:r="http://schemas.openxmlformats.org/officeDocument/2006/relationships" xmlns:p="http://schemas.openxmlformats.org/presentationml/2006/main">
+  <p:cSld>
+    <p:spTree>
+      <p:nvGrpSpPr>
+        <p:cNvPr id="1" name=""/>
+        <p:cNvGrpSpPr/>
+        <p:nvPr/>
+      </p:nvGrpSpPr>
+      <p:grpSpPr>
+        <a:xfrm>
+          <a:off x="0" y="0"/>
+          <a:ext cx="0" cy="0"/>
+          <a:chOff x="0" y="0"/>
+          <a:chExt cx="0" cy="0"/>
+        </a:xfrm>
+      </p:grpSpPr>
+      <p:grpSp>
+        <p:nvGrpSpPr>
+          <p:cNvPr id="47" name="Group 46">
+            <a:extLst>
+              <a:ext uri="{FF2B5EF4-FFF2-40B4-BE49-F238E27FC236}">
+                <a16:creationId xmlns:a16="http://schemas.microsoft.com/office/drawing/2014/main" id="{65CBE665-095F-1501-0109-F038FD00D6A5}"/>
+              </a:ext>
+            </a:extLst>
+          </p:cNvPr>
+          <p:cNvGrpSpPr/>
+          <p:nvPr/>
+        </p:nvGrpSpPr>
+        <p:grpSpPr>
+          <a:xfrm>
+            <a:off x="2123731" y="1204912"/>
+            <a:ext cx="7099097" cy="4743943"/>
+            <a:chOff x="2123731" y="1204912"/>
+            <a:chExt cx="7099097" cy="4743943"/>
+          </a:xfrm>
+        </p:grpSpPr>
+        <p:sp>
+          <p:nvSpPr>
+            <p:cNvPr id="6" name="Rectangle 5">
+              <a:extLst>
+                <a:ext uri="{FF2B5EF4-FFF2-40B4-BE49-F238E27FC236}">
+                  <a16:creationId xmlns:a16="http://schemas.microsoft.com/office/drawing/2014/main" id="{8BFFF1BD-B177-352C-DA81-B84CCEF3563B}"/>
+                </a:ext>
+              </a:extLst>
+            </p:cNvPr>
+            <p:cNvSpPr>
+              <a:spLocks noChangeAspect="1"/>
+            </p:cNvSpPr>
+            <p:nvPr/>
+          </p:nvSpPr>
+          <p:spPr>
+            <a:xfrm>
+              <a:off x="2123731" y="1204912"/>
+              <a:ext cx="7099097" cy="4743943"/>
+            </a:xfrm>
+            <a:prstGeom prst="rect">
+              <a:avLst/>
+            </a:prstGeom>
+            <a:solidFill>
+              <a:schemeClr val="accent2">
+                <a:lumMod val="20000"/>
+                <a:lumOff val="80000"/>
+              </a:schemeClr>
+            </a:solidFill>
+            <a:ln w="3175">
+              <a:solidFill>
+                <a:schemeClr val="tx1"/>
+              </a:solidFill>
+            </a:ln>
+          </p:spPr>
+          <p:style>
+            <a:lnRef idx="2">
+              <a:schemeClr val="accent1">
+                <a:shade val="15000"/>
+              </a:schemeClr>
+            </a:lnRef>
+            <a:fillRef idx="1">
+              <a:schemeClr val="accent1"/>
+            </a:fillRef>
+            <a:effectRef idx="0">
+              <a:schemeClr val="accent1"/>
+            </a:effectRef>
+            <a:fontRef idx="minor">
+              <a:schemeClr val="lt1"/>
+            </a:fontRef>
+          </p:style>
+          <p:txBody>
+            <a:bodyPr rot="0" spcFirstLastPara="0" vert="horz" wrap="square" lIns="91440" tIns="45720" rIns="91440" bIns="45720" numCol="1" spcCol="0" rtlCol="0" fromWordArt="0" anchor="t" anchorCtr="0" forceAA="0" compatLnSpc="1">
+              <a:prstTxWarp prst="textNoShape">
+                <a:avLst/>
+              </a:prstTxWarp>
+              <a:noAutofit/>
+            </a:bodyPr>
+            <a:lstStyle>
+              <a:lvl1pPr marL="0" indent="0">
+                <a:defRPr sz="1100">
+                  <a:solidFill>
+                    <a:schemeClr val="lt1"/>
+                  </a:solidFill>
+                  <a:latin typeface="+mn-lt"/>
+                  <a:ea typeface="+mn-ea"/>
+                  <a:cs typeface="+mn-cs"/>
+                </a:defRPr>
+              </a:lvl1pPr>
+              <a:lvl2pPr marL="457200" indent="0">
+                <a:defRPr sz="1100">
+                  <a:solidFill>
+                    <a:schemeClr val="lt1"/>
+                  </a:solidFill>
+                  <a:latin typeface="+mn-lt"/>
+                  <a:ea typeface="+mn-ea"/>
+                  <a:cs typeface="+mn-cs"/>
+                </a:defRPr>
+              </a:lvl2pPr>
+              <a:lvl3pPr marL="914400" indent="0">
+                <a:defRPr sz="1100">
+                  <a:solidFill>
+                    <a:schemeClr val="lt1"/>
+                  </a:solidFill>
+                  <a:latin typeface="+mn-lt"/>
+                  <a:ea typeface="+mn-ea"/>
+                  <a:cs typeface="+mn-cs"/>
+                </a:defRPr>
+              </a:lvl3pPr>
+              <a:lvl4pPr marL="1371600" indent="0">
+                <a:defRPr sz="1100">
+                  <a:solidFill>
+                    <a:schemeClr val="lt1"/>
+                  </a:solidFill>
+                  <a:latin typeface="+mn-lt"/>
+                  <a:ea typeface="+mn-ea"/>
+                  <a:cs typeface="+mn-cs"/>
+                </a:defRPr>
+              </a:lvl4pPr>
+              <a:lvl5pPr marL="1828800" indent="0">
+                <a:defRPr sz="1100">
+                  <a:solidFill>
+                    <a:schemeClr val="lt1"/>
+                  </a:solidFill>
+                  <a:latin typeface="+mn-lt"/>
+                  <a:ea typeface="+mn-ea"/>
+                  <a:cs typeface="+mn-cs"/>
+                </a:defRPr>
+              </a:lvl5pPr>
+              <a:lvl6pPr marL="2286000" indent="0">
+                <a:defRPr sz="1100">
+                  <a:solidFill>
+                    <a:schemeClr val="lt1"/>
+                  </a:solidFill>
+                  <a:latin typeface="+mn-lt"/>
+                  <a:ea typeface="+mn-ea"/>
+                  <a:cs typeface="+mn-cs"/>
+                </a:defRPr>
+              </a:lvl6pPr>
+              <a:lvl7pPr marL="2743200" indent="0">
+                <a:defRPr sz="1100">
+                  <a:solidFill>
+                    <a:schemeClr val="lt1"/>
+                  </a:solidFill>
+                  <a:latin typeface="+mn-lt"/>
+                  <a:ea typeface="+mn-ea"/>
+                  <a:cs typeface="+mn-cs"/>
+                </a:defRPr>
+              </a:lvl7pPr>
+              <a:lvl8pPr marL="3200400" indent="0">
+                <a:defRPr sz="1100">
+                  <a:solidFill>
+                    <a:schemeClr val="lt1"/>
+                  </a:solidFill>
+                  <a:latin typeface="+mn-lt"/>
+                  <a:ea typeface="+mn-ea"/>
+                  <a:cs typeface="+mn-cs"/>
+                </a:defRPr>
+              </a:lvl8pPr>
+              <a:lvl9pPr marL="3657600" indent="0">
+                <a:defRPr sz="1100">
+                  <a:solidFill>
+                    <a:schemeClr val="lt1"/>
+                  </a:solidFill>
+                  <a:latin typeface="+mn-lt"/>
+                  <a:ea typeface="+mn-ea"/>
+                  <a:cs typeface="+mn-cs"/>
+                </a:defRPr>
+              </a:lvl9pPr>
+            </a:lstStyle>
+            <a:p>
+              <a:pPr algn="l"/>
+              <a:endParaRPr lang="en-US" sz="1100" dirty="0"/>
+            </a:p>
+          </p:txBody>
+        </p:sp>
+        <p:sp>
+          <p:nvSpPr>
+            <p:cNvPr id="4" name="Shape 27">
+              <a:extLst>
+                <a:ext uri="{FF2B5EF4-FFF2-40B4-BE49-F238E27FC236}">
+                  <a16:creationId xmlns:a16="http://schemas.microsoft.com/office/drawing/2014/main" id="{00000000-0008-0000-0300-00001B000000}"/>
+                </a:ext>
+              </a:extLst>
+            </p:cNvPr>
+            <p:cNvSpPr/>
+            <p:nvPr/>
+          </p:nvSpPr>
+          <p:spPr>
+            <a:xfrm>
+              <a:off x="3227917" y="1519238"/>
+              <a:ext cx="4448175" cy="419100"/>
+            </a:xfrm>
+            <a:prstGeom prst="rect">
+              <a:avLst/>
+            </a:prstGeom>
+            <a:noFill/>
+            <a:ln>
+              <a:noFill/>
+            </a:ln>
+          </p:spPr>
+          <p:txBody>
+            <a:bodyPr spcFirstLastPara="1" wrap="square" lIns="91425" tIns="45700" rIns="91425" bIns="45700" anchor="t" anchorCtr="0">
+              <a:noAutofit/>
+            </a:bodyPr>
+            <a:lstStyle>
+              <a:lvl1pPr marL="0" indent="0">
+                <a:defRPr sz="1100">
+                  <a:latin typeface="+mn-lt"/>
+                  <a:ea typeface="+mn-ea"/>
+                  <a:cs typeface="+mn-cs"/>
+                </a:defRPr>
+              </a:lvl1pPr>
+              <a:lvl2pPr marL="457200" indent="0">
+                <a:defRPr sz="1100">
+                  <a:latin typeface="+mn-lt"/>
+                  <a:ea typeface="+mn-ea"/>
+                  <a:cs typeface="+mn-cs"/>
+                </a:defRPr>
+              </a:lvl2pPr>
+              <a:lvl3pPr marL="914400" indent="0">
+                <a:defRPr sz="1100">
+                  <a:latin typeface="+mn-lt"/>
+                  <a:ea typeface="+mn-ea"/>
+                  <a:cs typeface="+mn-cs"/>
+                </a:defRPr>
+              </a:lvl3pPr>
+              <a:lvl4pPr marL="1371600" indent="0">
+                <a:defRPr sz="1100">
+                  <a:latin typeface="+mn-lt"/>
+                  <a:ea typeface="+mn-ea"/>
+                  <a:cs typeface="+mn-cs"/>
+                </a:defRPr>
+              </a:lvl4pPr>
+              <a:lvl5pPr marL="1828800" indent="0">
+                <a:defRPr sz="1100">
+                  <a:latin typeface="+mn-lt"/>
+                  <a:ea typeface="+mn-ea"/>
+                  <a:cs typeface="+mn-cs"/>
+                </a:defRPr>
+              </a:lvl5pPr>
+              <a:lvl6pPr marL="2286000" indent="0">
+                <a:defRPr sz="1100">
+                  <a:latin typeface="+mn-lt"/>
+                  <a:ea typeface="+mn-ea"/>
+                  <a:cs typeface="+mn-cs"/>
+                </a:defRPr>
+              </a:lvl6pPr>
+              <a:lvl7pPr marL="2743200" indent="0">
+                <a:defRPr sz="1100">
+                  <a:latin typeface="+mn-lt"/>
+                  <a:ea typeface="+mn-ea"/>
+                  <a:cs typeface="+mn-cs"/>
+                </a:defRPr>
+              </a:lvl7pPr>
+              <a:lvl8pPr marL="3200400" indent="0">
+                <a:defRPr sz="1100">
+                  <a:latin typeface="+mn-lt"/>
+                  <a:ea typeface="+mn-ea"/>
+                  <a:cs typeface="+mn-cs"/>
+                </a:defRPr>
+              </a:lvl8pPr>
+              <a:lvl9pPr marL="3657600" indent="0">
+                <a:defRPr sz="1100">
+                  <a:latin typeface="+mn-lt"/>
+                  <a:ea typeface="+mn-ea"/>
+                  <a:cs typeface="+mn-cs"/>
+                </a:defRPr>
+              </a:lvl9pPr>
+            </a:lstStyle>
+            <a:p>
+              <a:pPr marL="0" lvl="0" indent="0" algn="l">
+                <a:spcBef>
+                  <a:spcPts val="0"/>
+                </a:spcBef>
+                <a:spcAft>
+                  <a:spcPts val="0"/>
+                </a:spcAft>
+                <a:buNone/>
+              </a:pPr>
+              <a:endParaRPr sz="1100"/>
+            </a:p>
+          </p:txBody>
+        </p:sp>
+        <p:sp>
+          <p:nvSpPr>
+            <p:cNvPr id="5" name="Shape 54">
+              <a:extLst>
+                <a:ext uri="{FF2B5EF4-FFF2-40B4-BE49-F238E27FC236}">
+                  <a16:creationId xmlns:a16="http://schemas.microsoft.com/office/drawing/2014/main" id="{00000000-0008-0000-0300-000036000000}"/>
+                </a:ext>
+              </a:extLst>
+            </p:cNvPr>
+            <p:cNvSpPr/>
+            <p:nvPr/>
+          </p:nvSpPr>
+          <p:spPr>
+            <a:xfrm>
+              <a:off x="6783639" y="5502479"/>
+              <a:ext cx="781050" cy="295275"/>
+            </a:xfrm>
+            <a:prstGeom prst="rect">
+              <a:avLst/>
+            </a:prstGeom>
+            <a:noFill/>
+            <a:ln>
+              <a:noFill/>
+            </a:ln>
+          </p:spPr>
+          <p:txBody>
+            <a:bodyPr spcFirstLastPara="1" wrap="square" lIns="91425" tIns="45700" rIns="91425" bIns="45700" anchor="t" anchorCtr="0">
+              <a:noAutofit/>
+            </a:bodyPr>
+            <a:lstStyle>
+              <a:lvl1pPr marL="0" indent="0">
+                <a:defRPr sz="1100">
+                  <a:latin typeface="+mn-lt"/>
+                  <a:ea typeface="+mn-ea"/>
+                  <a:cs typeface="+mn-cs"/>
+                </a:defRPr>
+              </a:lvl1pPr>
+              <a:lvl2pPr marL="457200" indent="0">
+                <a:defRPr sz="1100">
+                  <a:latin typeface="+mn-lt"/>
+                  <a:ea typeface="+mn-ea"/>
+                  <a:cs typeface="+mn-cs"/>
+                </a:defRPr>
+              </a:lvl2pPr>
+              <a:lvl3pPr marL="914400" indent="0">
+                <a:defRPr sz="1100">
+                  <a:latin typeface="+mn-lt"/>
+                  <a:ea typeface="+mn-ea"/>
+                  <a:cs typeface="+mn-cs"/>
+                </a:defRPr>
+              </a:lvl3pPr>
+              <a:lvl4pPr marL="1371600" indent="0">
+                <a:defRPr sz="1100">
+                  <a:latin typeface="+mn-lt"/>
+                  <a:ea typeface="+mn-ea"/>
+                  <a:cs typeface="+mn-cs"/>
+                </a:defRPr>
+              </a:lvl4pPr>
+              <a:lvl5pPr marL="1828800" indent="0">
+                <a:defRPr sz="1100">
+                  <a:latin typeface="+mn-lt"/>
+                  <a:ea typeface="+mn-ea"/>
+                  <a:cs typeface="+mn-cs"/>
+                </a:defRPr>
+              </a:lvl5pPr>
+              <a:lvl6pPr marL="2286000" indent="0">
+                <a:defRPr sz="1100">
+                  <a:latin typeface="+mn-lt"/>
+                  <a:ea typeface="+mn-ea"/>
+                  <a:cs typeface="+mn-cs"/>
+                </a:defRPr>
+              </a:lvl6pPr>
+              <a:lvl7pPr marL="2743200" indent="0">
+                <a:defRPr sz="1100">
+                  <a:latin typeface="+mn-lt"/>
+                  <a:ea typeface="+mn-ea"/>
+                  <a:cs typeface="+mn-cs"/>
+                </a:defRPr>
+              </a:lvl7pPr>
+              <a:lvl8pPr marL="3200400" indent="0">
+                <a:defRPr sz="1100">
+                  <a:latin typeface="+mn-lt"/>
+                  <a:ea typeface="+mn-ea"/>
+                  <a:cs typeface="+mn-cs"/>
+                </a:defRPr>
+              </a:lvl8pPr>
+              <a:lvl9pPr marL="3657600" indent="0">
+                <a:defRPr sz="1100">
+                  <a:latin typeface="+mn-lt"/>
+                  <a:ea typeface="+mn-ea"/>
+                  <a:cs typeface="+mn-cs"/>
+                </a:defRPr>
+              </a:lvl9pPr>
+            </a:lstStyle>
+            <a:p>
+              <a:pPr marL="0" lvl="0" indent="0" algn="l">
+                <a:spcBef>
+                  <a:spcPts val="0"/>
+                </a:spcBef>
+                <a:spcAft>
+                  <a:spcPts val="0"/>
+                </a:spcAft>
+                <a:buNone/>
+              </a:pPr>
+              <a:endParaRPr sz="1400"/>
+            </a:p>
+          </p:txBody>
+        </p:sp>
+        <p:sp>
+          <p:nvSpPr>
+            <p:cNvPr id="3" name="Rectangle 2">
+              <a:extLst>
+                <a:ext uri="{FF2B5EF4-FFF2-40B4-BE49-F238E27FC236}">
+                  <a16:creationId xmlns:a16="http://schemas.microsoft.com/office/drawing/2014/main" id="{E12FFB72-7BB6-F213-6457-77D397C63449}"/>
+                </a:ext>
+              </a:extLst>
+            </p:cNvPr>
+            <p:cNvSpPr/>
+            <p:nvPr/>
+          </p:nvSpPr>
+          <p:spPr>
+            <a:xfrm>
+              <a:off x="2305049" y="1310157"/>
+              <a:ext cx="2113501" cy="408903"/>
+            </a:xfrm>
+            <a:prstGeom prst="rect">
+              <a:avLst/>
+            </a:prstGeom>
+            <a:noFill/>
+            <a:ln>
+              <a:noFill/>
+            </a:ln>
+          </p:spPr>
+          <p:style>
+            <a:lnRef idx="2">
+              <a:schemeClr val="accent1">
+                <a:shade val="15000"/>
+              </a:schemeClr>
+            </a:lnRef>
+            <a:fillRef idx="1">
+              <a:schemeClr val="accent1"/>
+            </a:fillRef>
+            <a:effectRef idx="0">
+              <a:schemeClr val="accent1"/>
+            </a:effectRef>
+            <a:fontRef idx="minor">
+              <a:schemeClr val="lt1"/>
+            </a:fontRef>
+          </p:style>
+          <p:txBody>
+            <a:bodyPr rtlCol="0" anchor="ctr"/>
+            <a:lstStyle/>
+            <a:p>
+              <a:pPr algn="ctr"/>
+              <a:r>
+                <a:rPr lang="vi-VN" sz="2000">
+                  <a:solidFill>
+                    <a:schemeClr val="tx1"/>
+                  </a:solidFill>
+                </a:rPr>
+                <a:t>Thêm sản phẩm</a:t>
+              </a:r>
+              <a:endParaRPr lang="en-US" sz="2000" dirty="0">
+                <a:solidFill>
+                  <a:schemeClr val="tx1"/>
+                </a:solidFill>
+              </a:endParaRPr>
+            </a:p>
+          </p:txBody>
+        </p:sp>
+        <p:cxnSp>
+          <p:nvCxnSpPr>
+            <p:cNvPr id="75" name="Straight Connector 74">
+              <a:extLst>
+                <a:ext uri="{FF2B5EF4-FFF2-40B4-BE49-F238E27FC236}">
+                  <a16:creationId xmlns:a16="http://schemas.microsoft.com/office/drawing/2014/main" id="{0EB19281-758E-33E2-0D1C-5D785E0BF6D5}"/>
+                </a:ext>
+              </a:extLst>
+            </p:cNvPr>
+            <p:cNvCxnSpPr>
+              <a:cxnSpLocks/>
+            </p:cNvCxnSpPr>
+            <p:nvPr/>
+          </p:nvCxnSpPr>
+          <p:spPr>
+            <a:xfrm>
+              <a:off x="2496616" y="1861644"/>
+              <a:ext cx="6337329" cy="0"/>
+            </a:xfrm>
+            <a:prstGeom prst="line">
+              <a:avLst/>
+            </a:prstGeom>
+            <a:ln w="9525">
+              <a:solidFill>
+                <a:schemeClr val="accent2">
+                  <a:lumMod val="60000"/>
+                  <a:lumOff val="40000"/>
+                </a:schemeClr>
+              </a:solidFill>
+            </a:ln>
+          </p:spPr>
+          <p:style>
+            <a:lnRef idx="1">
+              <a:schemeClr val="dk1"/>
+            </a:lnRef>
+            <a:fillRef idx="0">
+              <a:schemeClr val="dk1"/>
+            </a:fillRef>
+            <a:effectRef idx="0">
+              <a:schemeClr val="dk1"/>
+            </a:effectRef>
+            <a:fontRef idx="minor">
+              <a:schemeClr val="tx1"/>
+            </a:fontRef>
+          </p:style>
+        </p:cxnSp>
+        <p:sp>
+          <p:nvSpPr>
+            <p:cNvPr id="210" name="Rectangle 209">
+              <a:extLst>
+                <a:ext uri="{FF2B5EF4-FFF2-40B4-BE49-F238E27FC236}">
+                  <a16:creationId xmlns:a16="http://schemas.microsoft.com/office/drawing/2014/main" id="{002671AD-8A2C-D7DF-6DEA-F8B66FD3459B}"/>
+                </a:ext>
+              </a:extLst>
+            </p:cNvPr>
+            <p:cNvSpPr/>
+            <p:nvPr/>
+          </p:nvSpPr>
+          <p:spPr>
+            <a:xfrm>
+              <a:off x="7903720" y="5489546"/>
+              <a:ext cx="881990" cy="273700"/>
+            </a:xfrm>
+            <a:prstGeom prst="rect">
+              <a:avLst/>
+            </a:prstGeom>
           </p:spPr>
           <p:style>
             <a:lnRef idx="1">
@@ -13575,26 +17590,27 @@
             <a:p>
               <a:pPr algn="ctr"/>
               <a:r>
-                <a:rPr lang="vi-VN" sz="1100" b="0" i="0" dirty="0">
+                <a:rPr lang="vi-VN" sz="1100" kern="1200" dirty="0">
+                  <a:solidFill>
+                    <a:schemeClr val="dk1"/>
+                  </a:solidFill>
                   <a:effectLst/>
-                  <a:latin typeface="Arial" panose="020B0604020202020204" pitchFamily="34" charset="0"/>
+                  <a:latin typeface="+mn-lt"/>
+                  <a:ea typeface="+mn-ea"/>
+                  <a:cs typeface="+mn-cs"/>
                 </a:rPr>
-                <a:t>1</a:t>
+                <a:t>Hủy</a:t>
               </a:r>
-              <a:endParaRPr lang="en-US" sz="700" dirty="0">
-                <a:solidFill>
-                  <a:srgbClr val="00B0F0"/>
-                </a:solidFill>
-              </a:endParaRPr>
+              <a:endParaRPr lang="en-US" sz="900" dirty="0"/>
             </a:p>
           </p:txBody>
         </p:sp>
         <p:sp>
           <p:nvSpPr>
-            <p:cNvPr id="32" name="Rectangle 31">
+            <p:cNvPr id="28" name="Rectangle 27">
               <a:extLst>
                 <a:ext uri="{FF2B5EF4-FFF2-40B4-BE49-F238E27FC236}">
-                  <a16:creationId xmlns:a16="http://schemas.microsoft.com/office/drawing/2014/main" id="{ECB0F9E2-7B42-AA9A-6201-1B9D1E873DA3}"/>
+                  <a16:creationId xmlns:a16="http://schemas.microsoft.com/office/drawing/2014/main" id="{66965F54-C01D-7DE9-6AA1-0DA6E268B436}"/>
                 </a:ext>
               </a:extLst>
             </p:cNvPr>
@@ -13603,18 +17619,135 @@
           </p:nvSpPr>
           <p:spPr>
             <a:xfrm>
-              <a:off x="6276626" y="5238554"/>
-              <a:ext cx="220164" cy="228505"/>
+              <a:off x="2496616" y="2038094"/>
+              <a:ext cx="1208281" cy="254031"/>
             </a:xfrm>
             <a:prstGeom prst="rect">
               <a:avLst/>
             </a:prstGeom>
             <a:noFill/>
             <a:ln>
-              <a:solidFill>
-                <a:schemeClr val="tx1"/>
-              </a:solidFill>
+              <a:noFill/>
             </a:ln>
+          </p:spPr>
+          <p:style>
+            <a:lnRef idx="2">
+              <a:schemeClr val="accent1">
+                <a:shade val="15000"/>
+              </a:schemeClr>
+            </a:lnRef>
+            <a:fillRef idx="1">
+              <a:schemeClr val="accent1"/>
+            </a:fillRef>
+            <a:effectRef idx="0">
+              <a:schemeClr val="accent1"/>
+            </a:effectRef>
+            <a:fontRef idx="minor">
+              <a:schemeClr val="lt1"/>
+            </a:fontRef>
+          </p:style>
+          <p:txBody>
+            <a:bodyPr rtlCol="0" anchor="ctr"/>
+            <a:lstStyle/>
+            <a:p>
+              <a:r>
+                <a:rPr lang="vi-VN" sz="1000" dirty="0">
+                  <a:solidFill>
+                    <a:schemeClr val="tx1"/>
+                  </a:solidFill>
+                </a:rPr>
+                <a:t>Mã sản phẩm</a:t>
+              </a:r>
+              <a:endParaRPr lang="en-US" sz="1000" dirty="0">
+                <a:solidFill>
+                  <a:schemeClr val="tx1"/>
+                </a:solidFill>
+              </a:endParaRPr>
+            </a:p>
+          </p:txBody>
+        </p:sp>
+        <p:sp>
+          <p:nvSpPr>
+            <p:cNvPr id="29" name="Rectangle 28">
+              <a:extLst>
+                <a:ext uri="{FF2B5EF4-FFF2-40B4-BE49-F238E27FC236}">
+                  <a16:creationId xmlns:a16="http://schemas.microsoft.com/office/drawing/2014/main" id="{A5B815D8-2FA5-98A3-6216-B5B666E0AA7E}"/>
+                </a:ext>
+              </a:extLst>
+            </p:cNvPr>
+            <p:cNvSpPr/>
+            <p:nvPr/>
+          </p:nvSpPr>
+          <p:spPr>
+            <a:xfrm>
+              <a:off x="3731644" y="2026342"/>
+              <a:ext cx="1271280" cy="277534"/>
+            </a:xfrm>
+            <a:prstGeom prst="rect">
+              <a:avLst/>
+            </a:prstGeom>
+            <a:solidFill>
+              <a:schemeClr val="bg1">
+                <a:lumMod val="85000"/>
+              </a:schemeClr>
+            </a:solidFill>
+          </p:spPr>
+          <p:style>
+            <a:lnRef idx="2">
+              <a:schemeClr val="accent1">
+                <a:shade val="15000"/>
+              </a:schemeClr>
+            </a:lnRef>
+            <a:fillRef idx="1">
+              <a:schemeClr val="accent1"/>
+            </a:fillRef>
+            <a:effectRef idx="0">
+              <a:schemeClr val="accent1"/>
+            </a:effectRef>
+            <a:fontRef idx="minor">
+              <a:schemeClr val="lt1"/>
+            </a:fontRef>
+          </p:style>
+          <p:txBody>
+            <a:bodyPr rtlCol="0" anchor="ctr"/>
+            <a:lstStyle/>
+            <a:p>
+              <a:r>
+                <a:rPr lang="vi-VN" sz="1000">
+                  <a:solidFill>
+                    <a:schemeClr val="tx1"/>
+                  </a:solidFill>
+                </a:rPr>
+                <a:t>080</a:t>
+              </a:r>
+              <a:endParaRPr lang="en-US" sz="1000" dirty="0">
+                <a:solidFill>
+                  <a:schemeClr val="tx1"/>
+                </a:solidFill>
+              </a:endParaRPr>
+            </a:p>
+          </p:txBody>
+        </p:sp>
+        <p:sp>
+          <p:nvSpPr>
+            <p:cNvPr id="10" name="Rectangle 9">
+              <a:extLst>
+                <a:ext uri="{FF2B5EF4-FFF2-40B4-BE49-F238E27FC236}">
+                  <a16:creationId xmlns:a16="http://schemas.microsoft.com/office/drawing/2014/main" id="{6D49CB63-C5AB-4FF9-E2B0-E9115E30D6E9}"/>
+                </a:ext>
+              </a:extLst>
+            </p:cNvPr>
+            <p:cNvSpPr/>
+            <p:nvPr/>
+          </p:nvSpPr>
+          <p:spPr>
+            <a:xfrm>
+              <a:off x="6905237" y="5489546"/>
+              <a:ext cx="881990" cy="273700"/>
+            </a:xfrm>
+            <a:prstGeom prst="rect">
+              <a:avLst/>
+            </a:prstGeom>
           </p:spPr>
           <p:style>
             <a:lnRef idx="1">
@@ -13727,13 +17860,684 @@
             <a:p>
               <a:pPr algn="ctr"/>
               <a:r>
-                <a:rPr lang="vi-VN" sz="1100" b="0" i="0" dirty="0">
+                <a:rPr lang="vi-VN" sz="1100" kern="1200">
+                  <a:solidFill>
+                    <a:schemeClr val="dk1"/>
+                  </a:solidFill>
                   <a:effectLst/>
-                  <a:latin typeface="Arial" panose="020B0604020202020204" pitchFamily="34" charset="0"/>
+                  <a:latin typeface="+mn-lt"/>
+                  <a:ea typeface="+mn-ea"/>
+                  <a:cs typeface="+mn-cs"/>
                 </a:rPr>
-                <a:t>2</a:t>
+                <a:t>Thêm</a:t>
               </a:r>
-              <a:endParaRPr lang="en-US" sz="700" dirty="0">
+              <a:endParaRPr lang="en-US" sz="900" dirty="0"/>
+            </a:p>
+          </p:txBody>
+        </p:sp>
+        <p:sp>
+          <p:nvSpPr>
+            <p:cNvPr id="16" name="Rectangle 15">
+              <a:extLst>
+                <a:ext uri="{FF2B5EF4-FFF2-40B4-BE49-F238E27FC236}">
+                  <a16:creationId xmlns:a16="http://schemas.microsoft.com/office/drawing/2014/main" id="{8C2200C9-44C2-A403-2932-A608F32BDF20}"/>
+                </a:ext>
+              </a:extLst>
+            </p:cNvPr>
+            <p:cNvSpPr/>
+            <p:nvPr/>
+          </p:nvSpPr>
+          <p:spPr>
+            <a:xfrm>
+              <a:off x="2496615" y="2400488"/>
+              <a:ext cx="1208281" cy="254031"/>
+            </a:xfrm>
+            <a:prstGeom prst="rect">
+              <a:avLst/>
+            </a:prstGeom>
+            <a:noFill/>
+            <a:ln>
+              <a:noFill/>
+            </a:ln>
+          </p:spPr>
+          <p:style>
+            <a:lnRef idx="2">
+              <a:schemeClr val="accent1">
+                <a:shade val="15000"/>
+              </a:schemeClr>
+            </a:lnRef>
+            <a:fillRef idx="1">
+              <a:schemeClr val="accent1"/>
+            </a:fillRef>
+            <a:effectRef idx="0">
+              <a:schemeClr val="accent1"/>
+            </a:effectRef>
+            <a:fontRef idx="minor">
+              <a:schemeClr val="lt1"/>
+            </a:fontRef>
+          </p:style>
+          <p:txBody>
+            <a:bodyPr rtlCol="0" anchor="ctr"/>
+            <a:lstStyle/>
+            <a:p>
+              <a:r>
+                <a:rPr lang="vi-VN" sz="1000" dirty="0">
+                  <a:solidFill>
+                    <a:schemeClr val="tx1"/>
+                  </a:solidFill>
+                </a:rPr>
+                <a:t>Tên sản phẩm</a:t>
+              </a:r>
+              <a:endParaRPr lang="en-US" sz="1000" dirty="0">
+                <a:solidFill>
+                  <a:schemeClr val="tx1"/>
+                </a:solidFill>
+              </a:endParaRPr>
+            </a:p>
+          </p:txBody>
+        </p:sp>
+        <p:sp>
+          <p:nvSpPr>
+            <p:cNvPr id="17" name="Rectangle 16">
+              <a:extLst>
+                <a:ext uri="{FF2B5EF4-FFF2-40B4-BE49-F238E27FC236}">
+                  <a16:creationId xmlns:a16="http://schemas.microsoft.com/office/drawing/2014/main" id="{77B3240B-F284-BF4D-11CE-187C795548D0}"/>
+                </a:ext>
+              </a:extLst>
+            </p:cNvPr>
+            <p:cNvSpPr/>
+            <p:nvPr/>
+          </p:nvSpPr>
+          <p:spPr>
+            <a:xfrm>
+              <a:off x="2496614" y="2762882"/>
+              <a:ext cx="1208281" cy="254031"/>
+            </a:xfrm>
+            <a:prstGeom prst="rect">
+              <a:avLst/>
+            </a:prstGeom>
+            <a:noFill/>
+            <a:ln>
+              <a:noFill/>
+            </a:ln>
+          </p:spPr>
+          <p:style>
+            <a:lnRef idx="2">
+              <a:schemeClr val="accent1">
+                <a:shade val="15000"/>
+              </a:schemeClr>
+            </a:lnRef>
+            <a:fillRef idx="1">
+              <a:schemeClr val="accent1"/>
+            </a:fillRef>
+            <a:effectRef idx="0">
+              <a:schemeClr val="accent1"/>
+            </a:effectRef>
+            <a:fontRef idx="minor">
+              <a:schemeClr val="lt1"/>
+            </a:fontRef>
+          </p:style>
+          <p:txBody>
+            <a:bodyPr rtlCol="0" anchor="ctr"/>
+            <a:lstStyle/>
+            <a:p>
+              <a:r>
+                <a:rPr lang="vi-VN" sz="1000" dirty="0">
+                  <a:solidFill>
+                    <a:schemeClr val="tx1"/>
+                  </a:solidFill>
+                </a:rPr>
+                <a:t>Mô tả</a:t>
+              </a:r>
+              <a:endParaRPr lang="en-US" sz="1000" dirty="0">
+                <a:solidFill>
+                  <a:schemeClr val="tx1"/>
+                </a:solidFill>
+              </a:endParaRPr>
+            </a:p>
+          </p:txBody>
+        </p:sp>
+        <p:sp>
+          <p:nvSpPr>
+            <p:cNvPr id="20" name="Rectangle 19">
+              <a:extLst>
+                <a:ext uri="{FF2B5EF4-FFF2-40B4-BE49-F238E27FC236}">
+                  <a16:creationId xmlns:a16="http://schemas.microsoft.com/office/drawing/2014/main" id="{B4C94937-CE20-41CA-699B-019A81834F15}"/>
+                </a:ext>
+              </a:extLst>
+            </p:cNvPr>
+            <p:cNvSpPr/>
+            <p:nvPr/>
+          </p:nvSpPr>
+          <p:spPr>
+            <a:xfrm>
+              <a:off x="2503079" y="5015706"/>
+              <a:ext cx="1208281" cy="254031"/>
+            </a:xfrm>
+            <a:prstGeom prst="rect">
+              <a:avLst/>
+            </a:prstGeom>
+            <a:noFill/>
+            <a:ln>
+              <a:noFill/>
+            </a:ln>
+          </p:spPr>
+          <p:style>
+            <a:lnRef idx="2">
+              <a:schemeClr val="accent1">
+                <a:shade val="15000"/>
+              </a:schemeClr>
+            </a:lnRef>
+            <a:fillRef idx="1">
+              <a:schemeClr val="accent1"/>
+            </a:fillRef>
+            <a:effectRef idx="0">
+              <a:schemeClr val="accent1"/>
+            </a:effectRef>
+            <a:fontRef idx="minor">
+              <a:schemeClr val="lt1"/>
+            </a:fontRef>
+          </p:style>
+          <p:txBody>
+            <a:bodyPr rtlCol="0" anchor="ctr"/>
+            <a:lstStyle/>
+            <a:p>
+              <a:r>
+                <a:rPr lang="vi-VN" sz="1000" dirty="0">
+                  <a:solidFill>
+                    <a:schemeClr val="tx1"/>
+                  </a:solidFill>
+                </a:rPr>
+                <a:t>Giá</a:t>
+              </a:r>
+              <a:endParaRPr lang="en-US" sz="1000" dirty="0">
+                <a:solidFill>
+                  <a:schemeClr val="tx1"/>
+                </a:solidFill>
+              </a:endParaRPr>
+            </a:p>
+          </p:txBody>
+        </p:sp>
+        <p:sp>
+          <p:nvSpPr>
+            <p:cNvPr id="21" name="Rectangle 20">
+              <a:extLst>
+                <a:ext uri="{FF2B5EF4-FFF2-40B4-BE49-F238E27FC236}">
+                  <a16:creationId xmlns:a16="http://schemas.microsoft.com/office/drawing/2014/main" id="{8B109D92-0A0E-DBB0-4189-877A3419A4F8}"/>
+                </a:ext>
+              </a:extLst>
+            </p:cNvPr>
+            <p:cNvSpPr/>
+            <p:nvPr/>
+          </p:nvSpPr>
+          <p:spPr>
+            <a:xfrm>
+              <a:off x="6309203" y="5056308"/>
+              <a:ext cx="1179418" cy="254031"/>
+            </a:xfrm>
+            <a:prstGeom prst="rect">
+              <a:avLst/>
+            </a:prstGeom>
+            <a:noFill/>
+            <a:ln>
+              <a:noFill/>
+            </a:ln>
+          </p:spPr>
+          <p:style>
+            <a:lnRef idx="2">
+              <a:schemeClr val="accent1">
+                <a:shade val="15000"/>
+              </a:schemeClr>
+            </a:lnRef>
+            <a:fillRef idx="1">
+              <a:schemeClr val="accent1"/>
+            </a:fillRef>
+            <a:effectRef idx="0">
+              <a:schemeClr val="accent1"/>
+            </a:effectRef>
+            <a:fontRef idx="minor">
+              <a:schemeClr val="lt1"/>
+            </a:fontRef>
+          </p:style>
+          <p:txBody>
+            <a:bodyPr rtlCol="0" anchor="ctr"/>
+            <a:lstStyle/>
+            <a:p>
+              <a:r>
+                <a:rPr lang="vi-VN" sz="1000" dirty="0">
+                  <a:solidFill>
+                    <a:schemeClr val="tx1"/>
+                  </a:solidFill>
+                </a:rPr>
+                <a:t>Màu</a:t>
+              </a:r>
+              <a:endParaRPr lang="en-US" sz="1000" dirty="0">
+                <a:solidFill>
+                  <a:schemeClr val="tx1"/>
+                </a:solidFill>
+              </a:endParaRPr>
+            </a:p>
+          </p:txBody>
+        </p:sp>
+        <p:sp>
+          <p:nvSpPr>
+            <p:cNvPr id="22" name="Rectangle 21">
+              <a:extLst>
+                <a:ext uri="{FF2B5EF4-FFF2-40B4-BE49-F238E27FC236}">
+                  <a16:creationId xmlns:a16="http://schemas.microsoft.com/office/drawing/2014/main" id="{EF7AD3A4-4B12-19C4-A20E-D2151A101F31}"/>
+                </a:ext>
+              </a:extLst>
+            </p:cNvPr>
+            <p:cNvSpPr/>
+            <p:nvPr/>
+          </p:nvSpPr>
+          <p:spPr>
+            <a:xfrm>
+              <a:off x="2502838" y="4635397"/>
+              <a:ext cx="1208281" cy="254031"/>
+            </a:xfrm>
+            <a:prstGeom prst="rect">
+              <a:avLst/>
+            </a:prstGeom>
+            <a:noFill/>
+            <a:ln>
+              <a:noFill/>
+            </a:ln>
+          </p:spPr>
+          <p:style>
+            <a:lnRef idx="2">
+              <a:schemeClr val="accent1">
+                <a:shade val="15000"/>
+              </a:schemeClr>
+            </a:lnRef>
+            <a:fillRef idx="1">
+              <a:schemeClr val="accent1"/>
+            </a:fillRef>
+            <a:effectRef idx="0">
+              <a:schemeClr val="accent1"/>
+            </a:effectRef>
+            <a:fontRef idx="minor">
+              <a:schemeClr val="lt1"/>
+            </a:fontRef>
+          </p:style>
+          <p:txBody>
+            <a:bodyPr rtlCol="0" anchor="ctr"/>
+            <a:lstStyle/>
+            <a:p>
+              <a:r>
+                <a:rPr lang="vi-VN" sz="1000" dirty="0">
+                  <a:solidFill>
+                    <a:schemeClr val="tx1"/>
+                  </a:solidFill>
+                </a:rPr>
+                <a:t>Thương hiệu</a:t>
+              </a:r>
+              <a:endParaRPr lang="en-US" sz="1000" dirty="0">
+                <a:solidFill>
+                  <a:schemeClr val="tx1"/>
+                </a:solidFill>
+              </a:endParaRPr>
+            </a:p>
+          </p:txBody>
+        </p:sp>
+        <p:sp>
+          <p:nvSpPr>
+            <p:cNvPr id="23" name="Rectangle 22">
+              <a:extLst>
+                <a:ext uri="{FF2B5EF4-FFF2-40B4-BE49-F238E27FC236}">
+                  <a16:creationId xmlns:a16="http://schemas.microsoft.com/office/drawing/2014/main" id="{4945A0BF-B9FA-560D-0763-B52606A0A9E0}"/>
+                </a:ext>
+              </a:extLst>
+            </p:cNvPr>
+            <p:cNvSpPr/>
+            <p:nvPr/>
+          </p:nvSpPr>
+          <p:spPr>
+            <a:xfrm>
+              <a:off x="2497088" y="3536982"/>
+              <a:ext cx="1208281" cy="254031"/>
+            </a:xfrm>
+            <a:prstGeom prst="rect">
+              <a:avLst/>
+            </a:prstGeom>
+            <a:noFill/>
+            <a:ln>
+              <a:noFill/>
+            </a:ln>
+          </p:spPr>
+          <p:style>
+            <a:lnRef idx="2">
+              <a:schemeClr val="accent1">
+                <a:shade val="15000"/>
+              </a:schemeClr>
+            </a:lnRef>
+            <a:fillRef idx="1">
+              <a:schemeClr val="accent1"/>
+            </a:fillRef>
+            <a:effectRef idx="0">
+              <a:schemeClr val="accent1"/>
+            </a:effectRef>
+            <a:fontRef idx="minor">
+              <a:schemeClr val="lt1"/>
+            </a:fontRef>
+          </p:style>
+          <p:txBody>
+            <a:bodyPr rtlCol="0" anchor="ctr"/>
+            <a:lstStyle/>
+            <a:p>
+              <a:r>
+                <a:rPr lang="vi-VN" sz="1000" dirty="0">
+                  <a:solidFill>
+                    <a:schemeClr val="tx1"/>
+                  </a:solidFill>
+                </a:rPr>
+                <a:t>Ảnh</a:t>
+              </a:r>
+              <a:endParaRPr lang="en-US" sz="1000" dirty="0">
+                <a:solidFill>
+                  <a:schemeClr val="tx1"/>
+                </a:solidFill>
+              </a:endParaRPr>
+            </a:p>
+          </p:txBody>
+        </p:sp>
+        <p:sp>
+          <p:nvSpPr>
+            <p:cNvPr id="37" name="Rectangle 36">
+              <a:extLst>
+                <a:ext uri="{FF2B5EF4-FFF2-40B4-BE49-F238E27FC236}">
+                  <a16:creationId xmlns:a16="http://schemas.microsoft.com/office/drawing/2014/main" id="{56262808-8088-E558-11B8-DCB55C19AFBE}"/>
+                </a:ext>
+              </a:extLst>
+            </p:cNvPr>
+            <p:cNvSpPr/>
+            <p:nvPr/>
+          </p:nvSpPr>
+          <p:spPr>
+            <a:xfrm>
+              <a:off x="2530532" y="4290697"/>
+              <a:ext cx="1208281" cy="254031"/>
+            </a:xfrm>
+            <a:prstGeom prst="rect">
+              <a:avLst/>
+            </a:prstGeom>
+            <a:noFill/>
+            <a:ln>
+              <a:noFill/>
+            </a:ln>
+          </p:spPr>
+          <p:style>
+            <a:lnRef idx="2">
+              <a:schemeClr val="accent1">
+                <a:shade val="15000"/>
+              </a:schemeClr>
+            </a:lnRef>
+            <a:fillRef idx="1">
+              <a:schemeClr val="accent1"/>
+            </a:fillRef>
+            <a:effectRef idx="0">
+              <a:schemeClr val="accent1"/>
+            </a:effectRef>
+            <a:fontRef idx="minor">
+              <a:schemeClr val="lt1"/>
+            </a:fontRef>
+          </p:style>
+          <p:txBody>
+            <a:bodyPr rtlCol="0" anchor="ctr"/>
+            <a:lstStyle/>
+            <a:p>
+              <a:r>
+                <a:rPr lang="vi-VN" sz="1000" dirty="0">
+                  <a:solidFill>
+                    <a:schemeClr val="tx1"/>
+                  </a:solidFill>
+                </a:rPr>
+                <a:t>Size</a:t>
+              </a:r>
+              <a:endParaRPr lang="en-US" sz="1000" dirty="0">
+                <a:solidFill>
+                  <a:schemeClr val="tx1"/>
+                </a:solidFill>
+              </a:endParaRPr>
+            </a:p>
+          </p:txBody>
+        </p:sp>
+        <p:sp>
+          <p:nvSpPr>
+            <p:cNvPr id="38" name="Rectangle 37">
+              <a:extLst>
+                <a:ext uri="{FF2B5EF4-FFF2-40B4-BE49-F238E27FC236}">
+                  <a16:creationId xmlns:a16="http://schemas.microsoft.com/office/drawing/2014/main" id="{69DE6DE4-51F4-99D4-D7DA-B62D719BC23F}"/>
+                </a:ext>
+              </a:extLst>
+            </p:cNvPr>
+            <p:cNvSpPr/>
+            <p:nvPr/>
+          </p:nvSpPr>
+          <p:spPr>
+            <a:xfrm>
+              <a:off x="6309204" y="4260546"/>
+              <a:ext cx="1208281" cy="254031"/>
+            </a:xfrm>
+            <a:prstGeom prst="rect">
+              <a:avLst/>
+            </a:prstGeom>
+            <a:noFill/>
+            <a:ln>
+              <a:noFill/>
+            </a:ln>
+          </p:spPr>
+          <p:style>
+            <a:lnRef idx="2">
+              <a:schemeClr val="accent1">
+                <a:shade val="15000"/>
+              </a:schemeClr>
+            </a:lnRef>
+            <a:fillRef idx="1">
+              <a:schemeClr val="accent1"/>
+            </a:fillRef>
+            <a:effectRef idx="0">
+              <a:schemeClr val="accent1"/>
+            </a:effectRef>
+            <a:fontRef idx="minor">
+              <a:schemeClr val="lt1"/>
+            </a:fontRef>
+          </p:style>
+          <p:txBody>
+            <a:bodyPr rtlCol="0" anchor="ctr"/>
+            <a:lstStyle/>
+            <a:p>
+              <a:r>
+                <a:rPr lang="vi-VN" sz="1000" dirty="0">
+                  <a:solidFill>
+                    <a:schemeClr val="tx1"/>
+                  </a:solidFill>
+                </a:rPr>
+                <a:t>Loại sản phẩm</a:t>
+              </a:r>
+              <a:endParaRPr lang="en-US" sz="1000" dirty="0">
+                <a:solidFill>
+                  <a:schemeClr val="tx1"/>
+                </a:solidFill>
+              </a:endParaRPr>
+            </a:p>
+          </p:txBody>
+        </p:sp>
+        <p:sp>
+          <p:nvSpPr>
+            <p:cNvPr id="39" name="Rectangle 38">
+              <a:extLst>
+                <a:ext uri="{FF2B5EF4-FFF2-40B4-BE49-F238E27FC236}">
+                  <a16:creationId xmlns:a16="http://schemas.microsoft.com/office/drawing/2014/main" id="{910F64CF-755D-3065-BA18-416E0AA9EDC4}"/>
+                </a:ext>
+              </a:extLst>
+            </p:cNvPr>
+            <p:cNvSpPr/>
+            <p:nvPr/>
+          </p:nvSpPr>
+          <p:spPr>
+            <a:xfrm>
+              <a:off x="6309203" y="4650746"/>
+              <a:ext cx="1208281" cy="254031"/>
+            </a:xfrm>
+            <a:prstGeom prst="rect">
+              <a:avLst/>
+            </a:prstGeom>
+            <a:noFill/>
+            <a:ln>
+              <a:noFill/>
+            </a:ln>
+          </p:spPr>
+          <p:style>
+            <a:lnRef idx="2">
+              <a:schemeClr val="accent1">
+                <a:shade val="15000"/>
+              </a:schemeClr>
+            </a:lnRef>
+            <a:fillRef idx="1">
+              <a:schemeClr val="accent1"/>
+            </a:fillRef>
+            <a:effectRef idx="0">
+              <a:schemeClr val="accent1"/>
+            </a:effectRef>
+            <a:fontRef idx="minor">
+              <a:schemeClr val="lt1"/>
+            </a:fontRef>
+          </p:style>
+          <p:txBody>
+            <a:bodyPr rtlCol="0" anchor="ctr"/>
+            <a:lstStyle/>
+            <a:p>
+              <a:r>
+                <a:rPr lang="vi-VN" sz="1000" dirty="0">
+                  <a:solidFill>
+                    <a:schemeClr val="tx1"/>
+                  </a:solidFill>
+                </a:rPr>
+                <a:t>Mã khuyến mãi</a:t>
+              </a:r>
+              <a:endParaRPr lang="en-US" sz="1000" dirty="0">
+                <a:solidFill>
+                  <a:schemeClr val="tx1"/>
+                </a:solidFill>
+              </a:endParaRPr>
+            </a:p>
+          </p:txBody>
+        </p:sp>
+        <p:sp>
+          <p:nvSpPr>
+            <p:cNvPr id="43" name="Rectangle 42">
+              <a:extLst>
+                <a:ext uri="{FF2B5EF4-FFF2-40B4-BE49-F238E27FC236}">
+                  <a16:creationId xmlns:a16="http://schemas.microsoft.com/office/drawing/2014/main" id="{870D469B-82F7-44F9-2CD7-32494A55D421}"/>
+                </a:ext>
+              </a:extLst>
+            </p:cNvPr>
+            <p:cNvSpPr/>
+            <p:nvPr/>
+          </p:nvSpPr>
+          <p:spPr>
+            <a:xfrm>
+              <a:off x="6280340" y="2038094"/>
+              <a:ext cx="1208281" cy="254031"/>
+            </a:xfrm>
+            <a:prstGeom prst="rect">
+              <a:avLst/>
+            </a:prstGeom>
+            <a:noFill/>
+            <a:ln>
+              <a:noFill/>
+            </a:ln>
+          </p:spPr>
+          <p:style>
+            <a:lnRef idx="2">
+              <a:schemeClr val="accent1">
+                <a:shade val="15000"/>
+              </a:schemeClr>
+            </a:lnRef>
+            <a:fillRef idx="1">
+              <a:schemeClr val="accent1"/>
+            </a:fillRef>
+            <a:effectRef idx="0">
+              <a:schemeClr val="accent1"/>
+            </a:effectRef>
+            <a:fontRef idx="minor">
+              <a:schemeClr val="lt1"/>
+            </a:fontRef>
+          </p:style>
+          <p:txBody>
+            <a:bodyPr rtlCol="0" anchor="ctr"/>
+            <a:lstStyle/>
+            <a:p>
+              <a:r>
+                <a:rPr lang="vi-VN" sz="1000" dirty="0">
+                  <a:solidFill>
+                    <a:schemeClr val="tx1"/>
+                  </a:solidFill>
+                </a:rPr>
+                <a:t>Tình trạng</a:t>
+              </a:r>
+              <a:endParaRPr lang="en-US" sz="1000" dirty="0">
+                <a:solidFill>
+                  <a:schemeClr val="tx1"/>
+                </a:solidFill>
+              </a:endParaRPr>
+            </a:p>
+          </p:txBody>
+        </p:sp>
+        <p:sp>
+          <p:nvSpPr>
+            <p:cNvPr id="44" name="Rectangle 43">
+              <a:extLst>
+                <a:ext uri="{FF2B5EF4-FFF2-40B4-BE49-F238E27FC236}">
+                  <a16:creationId xmlns:a16="http://schemas.microsoft.com/office/drawing/2014/main" id="{25E67106-9DD5-4D52-07CB-5BD21F585E51}"/>
+                </a:ext>
+              </a:extLst>
+            </p:cNvPr>
+            <p:cNvSpPr/>
+            <p:nvPr/>
+          </p:nvSpPr>
+          <p:spPr>
+            <a:xfrm>
+              <a:off x="7515367" y="2026342"/>
+              <a:ext cx="1271281" cy="277534"/>
+            </a:xfrm>
+            <a:prstGeom prst="rect">
+              <a:avLst/>
+            </a:prstGeom>
+            <a:solidFill>
+              <a:schemeClr val="bg1"/>
+            </a:solidFill>
+          </p:spPr>
+          <p:style>
+            <a:lnRef idx="2">
+              <a:schemeClr val="accent1">
+                <a:shade val="15000"/>
+              </a:schemeClr>
+            </a:lnRef>
+            <a:fillRef idx="1">
+              <a:schemeClr val="accent1"/>
+            </a:fillRef>
+            <a:effectRef idx="0">
+              <a:schemeClr val="accent1"/>
+            </a:effectRef>
+            <a:fontRef idx="minor">
+              <a:schemeClr val="lt1"/>
+            </a:fontRef>
+          </p:style>
+          <p:txBody>
+            <a:bodyPr rtlCol="0" anchor="ctr"/>
+            <a:lstStyle/>
+            <a:p>
+              <a:r>
+                <a:rPr lang="vi-VN" sz="1000" dirty="0">
+                  <a:solidFill>
+                    <a:srgbClr val="00B0F0"/>
+                  </a:solidFill>
+                </a:rPr>
+                <a:t>ACTIVE</a:t>
+              </a:r>
+              <a:endParaRPr lang="en-US" sz="1000" dirty="0">
                 <a:solidFill>
                   <a:srgbClr val="00B0F0"/>
                 </a:solidFill>
@@ -13743,10 +18547,10 @@
         </p:sp>
         <p:sp>
           <p:nvSpPr>
-            <p:cNvPr id="33" name="Rectangle 32">
+            <p:cNvPr id="45" name="Rectangle 44">
               <a:extLst>
                 <a:ext uri="{FF2B5EF4-FFF2-40B4-BE49-F238E27FC236}">
-                  <a16:creationId xmlns:a16="http://schemas.microsoft.com/office/drawing/2014/main" id="{37DB2C6B-DF14-1E58-19D1-8AFF5A5D9847}"/>
+                  <a16:creationId xmlns:a16="http://schemas.microsoft.com/office/drawing/2014/main" id="{7941AAEC-731A-7CA8-01A6-F070C65D91C8}"/>
                 </a:ext>
               </a:extLst>
             </p:cNvPr>
@@ -13755,139 +18559,47 @@
           </p:nvSpPr>
           <p:spPr>
             <a:xfrm>
-              <a:off x="6521722" y="5238553"/>
-              <a:ext cx="220164" cy="228505"/>
+              <a:off x="3731408" y="2391880"/>
+              <a:ext cx="5055239" cy="277534"/>
             </a:xfrm>
             <a:prstGeom prst="rect">
               <a:avLst/>
             </a:prstGeom>
-            <a:noFill/>
-            <a:ln>
-              <a:solidFill>
-                <a:schemeClr val="tx1"/>
-              </a:solidFill>
-            </a:ln>
+            <a:solidFill>
+              <a:schemeClr val="bg1"/>
+            </a:solidFill>
           </p:spPr>
           <p:style>
-            <a:lnRef idx="1">
-              <a:schemeClr val="accent2"/>
+            <a:lnRef idx="2">
+              <a:schemeClr val="accent1">
+                <a:shade val="15000"/>
+              </a:schemeClr>
             </a:lnRef>
-            <a:fillRef idx="2">
-              <a:schemeClr val="accent2"/>
+            <a:fillRef idx="1">
+              <a:schemeClr val="accent1"/>
             </a:fillRef>
-            <a:effectRef idx="1">
-              <a:schemeClr val="accent2"/>
+            <a:effectRef idx="0">
+              <a:schemeClr val="accent1"/>
             </a:effectRef>
             <a:fontRef idx="minor">
-              <a:schemeClr val="dk1"/>
+              <a:schemeClr val="lt1"/>
             </a:fontRef>
           </p:style>
           <p:txBody>
-            <a:bodyPr wrap="square" rtlCol="0" anchor="ctr"/>
-            <a:lstStyle>
-              <a:lvl1pPr marL="0" indent="0">
-                <a:defRPr sz="1100">
-                  <a:solidFill>
-                    <a:schemeClr val="dk1"/>
-                  </a:solidFill>
-                  <a:latin typeface="+mn-lt"/>
-                  <a:ea typeface="+mn-ea"/>
-                  <a:cs typeface="+mn-cs"/>
-                </a:defRPr>
-              </a:lvl1pPr>
-              <a:lvl2pPr marL="457200" indent="0">
-                <a:defRPr sz="1100">
-                  <a:solidFill>
-                    <a:schemeClr val="dk1"/>
-                  </a:solidFill>
-                  <a:latin typeface="+mn-lt"/>
-                  <a:ea typeface="+mn-ea"/>
-                  <a:cs typeface="+mn-cs"/>
-                </a:defRPr>
-              </a:lvl2pPr>
-              <a:lvl3pPr marL="914400" indent="0">
-                <a:defRPr sz="1100">
-                  <a:solidFill>
-                    <a:schemeClr val="dk1"/>
-                  </a:solidFill>
-                  <a:latin typeface="+mn-lt"/>
-                  <a:ea typeface="+mn-ea"/>
-                  <a:cs typeface="+mn-cs"/>
-                </a:defRPr>
-              </a:lvl3pPr>
-              <a:lvl4pPr marL="1371600" indent="0">
-                <a:defRPr sz="1100">
-                  <a:solidFill>
-                    <a:schemeClr val="dk1"/>
-                  </a:solidFill>
-                  <a:latin typeface="+mn-lt"/>
-                  <a:ea typeface="+mn-ea"/>
-                  <a:cs typeface="+mn-cs"/>
-                </a:defRPr>
-              </a:lvl4pPr>
-              <a:lvl5pPr marL="1828800" indent="0">
-                <a:defRPr sz="1100">
-                  <a:solidFill>
-                    <a:schemeClr val="dk1"/>
-                  </a:solidFill>
-                  <a:latin typeface="+mn-lt"/>
-                  <a:ea typeface="+mn-ea"/>
-                  <a:cs typeface="+mn-cs"/>
-                </a:defRPr>
-              </a:lvl5pPr>
-              <a:lvl6pPr marL="2286000" indent="0">
-                <a:defRPr sz="1100">
-                  <a:solidFill>
-                    <a:schemeClr val="dk1"/>
-                  </a:solidFill>
-                  <a:latin typeface="+mn-lt"/>
-                  <a:ea typeface="+mn-ea"/>
-                  <a:cs typeface="+mn-cs"/>
-                </a:defRPr>
-              </a:lvl6pPr>
-              <a:lvl7pPr marL="2743200" indent="0">
-                <a:defRPr sz="1100">
-                  <a:solidFill>
-                    <a:schemeClr val="dk1"/>
-                  </a:solidFill>
-                  <a:latin typeface="+mn-lt"/>
-                  <a:ea typeface="+mn-ea"/>
-                  <a:cs typeface="+mn-cs"/>
-                </a:defRPr>
-              </a:lvl7pPr>
-              <a:lvl8pPr marL="3200400" indent="0">
-                <a:defRPr sz="1100">
-                  <a:solidFill>
-                    <a:schemeClr val="dk1"/>
-                  </a:solidFill>
-                  <a:latin typeface="+mn-lt"/>
-                  <a:ea typeface="+mn-ea"/>
-                  <a:cs typeface="+mn-cs"/>
-                </a:defRPr>
-              </a:lvl8pPr>
-              <a:lvl9pPr marL="3657600" indent="0">
-                <a:defRPr sz="1100">
-                  <a:solidFill>
-                    <a:schemeClr val="dk1"/>
-                  </a:solidFill>
-                  <a:latin typeface="+mn-lt"/>
-                  <a:ea typeface="+mn-ea"/>
-                  <a:cs typeface="+mn-cs"/>
-                </a:defRPr>
-              </a:lvl9pPr>
-            </a:lstStyle>
+            <a:bodyPr rtlCol="0" anchor="ctr"/>
+            <a:lstStyle/>
             <a:p>
-              <a:pPr algn="ctr"/>
               <a:r>
-                <a:rPr lang="vi-VN" sz="1100" b="0" i="0" dirty="0">
-                  <a:effectLst/>
-                  <a:latin typeface="Arial" panose="020B0604020202020204" pitchFamily="34" charset="0"/>
+                <a:rPr lang="vi-VN" sz="1000" dirty="0">
+                  <a:solidFill>
+                    <a:schemeClr val="tx1"/>
+                  </a:solidFill>
                 </a:rPr>
-                <a:t>3</a:t>
+                <a:t>Giày F</a:t>
               </a:r>
-              <a:endParaRPr lang="en-US" sz="700" dirty="0">
+              <a:endParaRPr lang="en-US" sz="1000" dirty="0">
                 <a:solidFill>
-                  <a:srgbClr val="00B0F0"/>
+                  <a:schemeClr val="tx1"/>
                 </a:solidFill>
               </a:endParaRPr>
             </a:p>
@@ -13895,10 +18607,10 @@
         </p:sp>
         <p:sp>
           <p:nvSpPr>
-            <p:cNvPr id="34" name="Rectangle 33">
+            <p:cNvPr id="46" name="Rectangle 45">
               <a:extLst>
                 <a:ext uri="{FF2B5EF4-FFF2-40B4-BE49-F238E27FC236}">
-                  <a16:creationId xmlns:a16="http://schemas.microsoft.com/office/drawing/2014/main" id="{486CFC2A-C87F-DFA3-83DF-0EFADAD0D317}"/>
+                  <a16:creationId xmlns:a16="http://schemas.microsoft.com/office/drawing/2014/main" id="{03FB4A70-9F9D-46D1-A78B-F2801B84899D}"/>
                 </a:ext>
               </a:extLst>
             </p:cNvPr>
@@ -13907,139 +18619,47 @@
           </p:nvSpPr>
           <p:spPr>
             <a:xfrm>
-              <a:off x="6766818" y="5238552"/>
-              <a:ext cx="220164" cy="228505"/>
+              <a:off x="3731173" y="2757417"/>
+              <a:ext cx="5055239" cy="686037"/>
             </a:xfrm>
             <a:prstGeom prst="rect">
               <a:avLst/>
             </a:prstGeom>
-            <a:noFill/>
-            <a:ln>
-              <a:solidFill>
-                <a:schemeClr val="tx1"/>
-              </a:solidFill>
-            </a:ln>
+            <a:solidFill>
+              <a:schemeClr val="bg1"/>
+            </a:solidFill>
           </p:spPr>
           <p:style>
-            <a:lnRef idx="1">
-              <a:schemeClr val="accent2"/>
+            <a:lnRef idx="2">
+              <a:schemeClr val="accent1">
+                <a:shade val="15000"/>
+              </a:schemeClr>
             </a:lnRef>
-            <a:fillRef idx="2">
-              <a:schemeClr val="accent2"/>
+            <a:fillRef idx="1">
+              <a:schemeClr val="accent1"/>
             </a:fillRef>
-            <a:effectRef idx="1">
-              <a:schemeClr val="accent2"/>
+            <a:effectRef idx="0">
+              <a:schemeClr val="accent1"/>
             </a:effectRef>
             <a:fontRef idx="minor">
-              <a:schemeClr val="dk1"/>
+              <a:schemeClr val="lt1"/>
             </a:fontRef>
           </p:style>
           <p:txBody>
-            <a:bodyPr wrap="square" rtlCol="0" anchor="ctr"/>
-            <a:lstStyle>
-              <a:lvl1pPr marL="0" indent="0">
-                <a:defRPr sz="1100">
-                  <a:solidFill>
-                    <a:schemeClr val="dk1"/>
-                  </a:solidFill>
-                  <a:latin typeface="+mn-lt"/>
-                  <a:ea typeface="+mn-ea"/>
-                  <a:cs typeface="+mn-cs"/>
-                </a:defRPr>
-              </a:lvl1pPr>
-              <a:lvl2pPr marL="457200" indent="0">
-                <a:defRPr sz="1100">
-                  <a:solidFill>
-                    <a:schemeClr val="dk1"/>
-                  </a:solidFill>
-                  <a:latin typeface="+mn-lt"/>
-                  <a:ea typeface="+mn-ea"/>
-                  <a:cs typeface="+mn-cs"/>
-                </a:defRPr>
-              </a:lvl2pPr>
-              <a:lvl3pPr marL="914400" indent="0">
-                <a:defRPr sz="1100">
-                  <a:solidFill>
-                    <a:schemeClr val="dk1"/>
-                  </a:solidFill>
-                  <a:latin typeface="+mn-lt"/>
-                  <a:ea typeface="+mn-ea"/>
-                  <a:cs typeface="+mn-cs"/>
-                </a:defRPr>
-              </a:lvl3pPr>
-              <a:lvl4pPr marL="1371600" indent="0">
-                <a:defRPr sz="1100">
-                  <a:solidFill>
-                    <a:schemeClr val="dk1"/>
-                  </a:solidFill>
-                  <a:latin typeface="+mn-lt"/>
-                  <a:ea typeface="+mn-ea"/>
-                  <a:cs typeface="+mn-cs"/>
-                </a:defRPr>
-              </a:lvl4pPr>
-              <a:lvl5pPr marL="1828800" indent="0">
-                <a:defRPr sz="1100">
-                  <a:solidFill>
-                    <a:schemeClr val="dk1"/>
-                  </a:solidFill>
-                  <a:latin typeface="+mn-lt"/>
-                  <a:ea typeface="+mn-ea"/>
-                  <a:cs typeface="+mn-cs"/>
-                </a:defRPr>
-              </a:lvl5pPr>
-              <a:lvl6pPr marL="2286000" indent="0">
-                <a:defRPr sz="1100">
-                  <a:solidFill>
-                    <a:schemeClr val="dk1"/>
-                  </a:solidFill>
-                  <a:latin typeface="+mn-lt"/>
-                  <a:ea typeface="+mn-ea"/>
-                  <a:cs typeface="+mn-cs"/>
-                </a:defRPr>
-              </a:lvl6pPr>
-              <a:lvl7pPr marL="2743200" indent="0">
-                <a:defRPr sz="1100">
-                  <a:solidFill>
-                    <a:schemeClr val="dk1"/>
-                  </a:solidFill>
-                  <a:latin typeface="+mn-lt"/>
-                  <a:ea typeface="+mn-ea"/>
-                  <a:cs typeface="+mn-cs"/>
-                </a:defRPr>
-              </a:lvl7pPr>
-              <a:lvl8pPr marL="3200400" indent="0">
-                <a:defRPr sz="1100">
-                  <a:solidFill>
-                    <a:schemeClr val="dk1"/>
-                  </a:solidFill>
-                  <a:latin typeface="+mn-lt"/>
-                  <a:ea typeface="+mn-ea"/>
-                  <a:cs typeface="+mn-cs"/>
-                </a:defRPr>
-              </a:lvl8pPr>
-              <a:lvl9pPr marL="3657600" indent="0">
-                <a:defRPr sz="1100">
-                  <a:solidFill>
-                    <a:schemeClr val="dk1"/>
-                  </a:solidFill>
-                  <a:latin typeface="+mn-lt"/>
-                  <a:ea typeface="+mn-ea"/>
-                  <a:cs typeface="+mn-cs"/>
-                </a:defRPr>
-              </a:lvl9pPr>
-            </a:lstStyle>
+            <a:bodyPr rtlCol="0" anchor="ctr"/>
+            <a:lstStyle/>
             <a:p>
-              <a:pPr algn="ctr"/>
               <a:r>
-                <a:rPr lang="vi-VN" sz="1100" b="0" i="0" dirty="0">
-                  <a:effectLst/>
-                  <a:latin typeface="Arial" panose="020B0604020202020204" pitchFamily="34" charset="0"/>
+                <a:rPr lang="vi-VN" sz="1000" dirty="0">
+                  <a:solidFill>
+                    <a:schemeClr val="tx1"/>
+                  </a:solidFill>
                 </a:rPr>
-                <a:t>4</a:t>
+                <a:t>Đây là mô tả của sả phẩm</a:t>
               </a:r>
-              <a:endParaRPr lang="en-US" sz="700" dirty="0">
+              <a:endParaRPr lang="en-US" sz="1000" dirty="0">
                 <a:solidFill>
-                  <a:srgbClr val="00B0F0"/>
+                  <a:schemeClr val="tx1"/>
                 </a:solidFill>
               </a:endParaRPr>
             </a:p>
@@ -14047,10 +18667,10 @@
         </p:sp>
         <p:sp>
           <p:nvSpPr>
-            <p:cNvPr id="35" name="Rectangle 34">
+            <p:cNvPr id="59" name="Rectangle 58">
               <a:extLst>
                 <a:ext uri="{FF2B5EF4-FFF2-40B4-BE49-F238E27FC236}">
-                  <a16:creationId xmlns:a16="http://schemas.microsoft.com/office/drawing/2014/main" id="{EFD640CB-6DEA-0BB8-7931-E01D24330080}"/>
+                  <a16:creationId xmlns:a16="http://schemas.microsoft.com/office/drawing/2014/main" id="{730D2138-C594-CD23-2BDF-71A0356712C4}"/>
                 </a:ext>
               </a:extLst>
             </p:cNvPr>
@@ -14059,13 +18679,426 @@
           </p:nvSpPr>
           <p:spPr>
             <a:xfrm>
-              <a:off x="7011914" y="5238551"/>
-              <a:ext cx="220164" cy="228505"/>
+              <a:off x="3737404" y="5013386"/>
+              <a:ext cx="1271279" cy="277534"/>
+            </a:xfrm>
+            <a:prstGeom prst="rect">
+              <a:avLst/>
+            </a:prstGeom>
+            <a:solidFill>
+              <a:schemeClr val="bg1"/>
+            </a:solidFill>
+          </p:spPr>
+          <p:style>
+            <a:lnRef idx="2">
+              <a:schemeClr val="accent1">
+                <a:shade val="15000"/>
+              </a:schemeClr>
+            </a:lnRef>
+            <a:fillRef idx="1">
+              <a:schemeClr val="accent1"/>
+            </a:fillRef>
+            <a:effectRef idx="0">
+              <a:schemeClr val="accent1"/>
+            </a:effectRef>
+            <a:fontRef idx="minor">
+              <a:schemeClr val="lt1"/>
+            </a:fontRef>
+          </p:style>
+          <p:txBody>
+            <a:bodyPr rtlCol="0" anchor="ctr"/>
+            <a:lstStyle/>
+            <a:p>
+              <a:r>
+                <a:rPr lang="vi-VN" sz="1000" dirty="0">
+                  <a:solidFill>
+                    <a:schemeClr val="tx1"/>
+                  </a:solidFill>
+                </a:rPr>
+                <a:t>1.700.000</a:t>
+              </a:r>
+              <a:endParaRPr lang="en-US" sz="1000" dirty="0">
+                <a:solidFill>
+                  <a:schemeClr val="tx1"/>
+                </a:solidFill>
+              </a:endParaRPr>
+            </a:p>
+          </p:txBody>
+        </p:sp>
+        <p:sp>
+          <p:nvSpPr>
+            <p:cNvPr id="60" name="Rectangle 59">
+              <a:extLst>
+                <a:ext uri="{FF2B5EF4-FFF2-40B4-BE49-F238E27FC236}">
+                  <a16:creationId xmlns:a16="http://schemas.microsoft.com/office/drawing/2014/main" id="{6E826CEA-8875-C16A-F485-8C3338BFADF2}"/>
+                </a:ext>
+              </a:extLst>
+            </p:cNvPr>
+            <p:cNvSpPr/>
+            <p:nvPr/>
+          </p:nvSpPr>
+          <p:spPr>
+            <a:xfrm>
+              <a:off x="7514431" y="5011515"/>
+              <a:ext cx="1271279" cy="277534"/>
+            </a:xfrm>
+            <a:prstGeom prst="rect">
+              <a:avLst/>
+            </a:prstGeom>
+            <a:solidFill>
+              <a:schemeClr val="bg1"/>
+            </a:solidFill>
+          </p:spPr>
+          <p:style>
+            <a:lnRef idx="2">
+              <a:schemeClr val="accent1">
+                <a:shade val="15000"/>
+              </a:schemeClr>
+            </a:lnRef>
+            <a:fillRef idx="1">
+              <a:schemeClr val="accent1"/>
+            </a:fillRef>
+            <a:effectRef idx="0">
+              <a:schemeClr val="accent1"/>
+            </a:effectRef>
+            <a:fontRef idx="minor">
+              <a:schemeClr val="lt1"/>
+            </a:fontRef>
+          </p:style>
+          <p:txBody>
+            <a:bodyPr rtlCol="0" anchor="ctr"/>
+            <a:lstStyle/>
+            <a:p>
+              <a:r>
+                <a:rPr lang="vi-VN" sz="1000" dirty="0">
+                  <a:solidFill>
+                    <a:schemeClr val="tx1"/>
+                  </a:solidFill>
+                </a:rPr>
+                <a:t>Trắng</a:t>
+              </a:r>
+              <a:endParaRPr lang="en-US" sz="1000" dirty="0">
+                <a:solidFill>
+                  <a:schemeClr val="tx1"/>
+                </a:solidFill>
+              </a:endParaRPr>
+            </a:p>
+          </p:txBody>
+        </p:sp>
+        <p:sp>
+          <p:nvSpPr>
+            <p:cNvPr id="61" name="Rectangle 60">
+              <a:extLst>
+                <a:ext uri="{FF2B5EF4-FFF2-40B4-BE49-F238E27FC236}">
+                  <a16:creationId xmlns:a16="http://schemas.microsoft.com/office/drawing/2014/main" id="{813C7A27-DBEA-07D0-4D1A-E6B8EE1D2E0E}"/>
+                </a:ext>
+              </a:extLst>
+            </p:cNvPr>
+            <p:cNvSpPr/>
+            <p:nvPr/>
+          </p:nvSpPr>
+          <p:spPr>
+            <a:xfrm>
+              <a:off x="3736696" y="4639365"/>
+              <a:ext cx="1271278" cy="277534"/>
+            </a:xfrm>
+            <a:prstGeom prst="rect">
+              <a:avLst/>
+            </a:prstGeom>
+            <a:solidFill>
+              <a:schemeClr val="bg1"/>
+            </a:solidFill>
+          </p:spPr>
+          <p:style>
+            <a:lnRef idx="2">
+              <a:schemeClr val="accent1">
+                <a:shade val="15000"/>
+              </a:schemeClr>
+            </a:lnRef>
+            <a:fillRef idx="1">
+              <a:schemeClr val="accent1"/>
+            </a:fillRef>
+            <a:effectRef idx="0">
+              <a:schemeClr val="accent1"/>
+            </a:effectRef>
+            <a:fontRef idx="minor">
+              <a:schemeClr val="lt1"/>
+            </a:fontRef>
+          </p:style>
+          <p:txBody>
+            <a:bodyPr rtlCol="0" anchor="ctr"/>
+            <a:lstStyle/>
+            <a:p>
+              <a:r>
+                <a:rPr lang="en-US" sz="1000" dirty="0">
+                  <a:solidFill>
+                    <a:schemeClr val="tx1"/>
+                  </a:solidFill>
+                </a:rPr>
+                <a:t>Nike</a:t>
+              </a:r>
+            </a:p>
+          </p:txBody>
+        </p:sp>
+        <p:sp>
+          <p:nvSpPr>
+            <p:cNvPr id="63" name="Rectangle 62">
+              <a:extLst>
+                <a:ext uri="{FF2B5EF4-FFF2-40B4-BE49-F238E27FC236}">
+                  <a16:creationId xmlns:a16="http://schemas.microsoft.com/office/drawing/2014/main" id="{0DE40FE5-28BC-5913-330B-9533440D950C}"/>
+                </a:ext>
+              </a:extLst>
+            </p:cNvPr>
+            <p:cNvSpPr/>
+            <p:nvPr/>
+          </p:nvSpPr>
+          <p:spPr>
+            <a:xfrm>
+              <a:off x="3737169" y="4278946"/>
+              <a:ext cx="1270571" cy="277534"/>
+            </a:xfrm>
+            <a:prstGeom prst="rect">
+              <a:avLst/>
+            </a:prstGeom>
+            <a:solidFill>
+              <a:schemeClr val="bg1"/>
+            </a:solidFill>
+          </p:spPr>
+          <p:style>
+            <a:lnRef idx="2">
+              <a:schemeClr val="accent1">
+                <a:shade val="15000"/>
+              </a:schemeClr>
+            </a:lnRef>
+            <a:fillRef idx="1">
+              <a:schemeClr val="accent1"/>
+            </a:fillRef>
+            <a:effectRef idx="0">
+              <a:schemeClr val="accent1"/>
+            </a:effectRef>
+            <a:fontRef idx="minor">
+              <a:schemeClr val="lt1"/>
+            </a:fontRef>
+          </p:style>
+          <p:txBody>
+            <a:bodyPr rtlCol="0" anchor="ctr"/>
+            <a:lstStyle/>
+            <a:p>
+              <a:r>
+                <a:rPr lang="en-US" sz="1000" dirty="0">
+                  <a:solidFill>
+                    <a:schemeClr val="tx1"/>
+                  </a:solidFill>
+                </a:rPr>
+                <a:t>35</a:t>
+              </a:r>
+            </a:p>
+          </p:txBody>
+        </p:sp>
+        <p:sp>
+          <p:nvSpPr>
+            <p:cNvPr id="64" name="Rectangle 63">
+              <a:extLst>
+                <a:ext uri="{FF2B5EF4-FFF2-40B4-BE49-F238E27FC236}">
+                  <a16:creationId xmlns:a16="http://schemas.microsoft.com/office/drawing/2014/main" id="{55D59D89-59DB-E1D6-5A46-AF6198EB13C3}"/>
+                </a:ext>
+              </a:extLst>
+            </p:cNvPr>
+            <p:cNvSpPr/>
+            <p:nvPr/>
+          </p:nvSpPr>
+          <p:spPr>
+            <a:xfrm>
+              <a:off x="7515605" y="4278420"/>
+              <a:ext cx="1270805" cy="277534"/>
+            </a:xfrm>
+            <a:prstGeom prst="rect">
+              <a:avLst/>
+            </a:prstGeom>
+            <a:solidFill>
+              <a:schemeClr val="bg1"/>
+            </a:solidFill>
+          </p:spPr>
+          <p:style>
+            <a:lnRef idx="2">
+              <a:schemeClr val="accent1">
+                <a:shade val="15000"/>
+              </a:schemeClr>
+            </a:lnRef>
+            <a:fillRef idx="1">
+              <a:schemeClr val="accent1"/>
+            </a:fillRef>
+            <a:effectRef idx="0">
+              <a:schemeClr val="accent1"/>
+            </a:effectRef>
+            <a:fontRef idx="minor">
+              <a:schemeClr val="lt1"/>
+            </a:fontRef>
+          </p:style>
+          <p:txBody>
+            <a:bodyPr rtlCol="0" anchor="ctr"/>
+            <a:lstStyle/>
+            <a:p>
+              <a:r>
+                <a:rPr lang="vi-VN" sz="1000" dirty="0">
+                  <a:solidFill>
+                    <a:schemeClr val="tx1"/>
+                  </a:solidFill>
+                </a:rPr>
+                <a:t>Giày cổ thấp</a:t>
+              </a:r>
+              <a:endParaRPr lang="en-US" sz="1000" dirty="0">
+                <a:solidFill>
+                  <a:schemeClr val="tx1"/>
+                </a:solidFill>
+              </a:endParaRPr>
+            </a:p>
+          </p:txBody>
+        </p:sp>
+        <p:sp>
+          <p:nvSpPr>
+            <p:cNvPr id="65" name="Rectangle 64">
+              <a:extLst>
+                <a:ext uri="{FF2B5EF4-FFF2-40B4-BE49-F238E27FC236}">
+                  <a16:creationId xmlns:a16="http://schemas.microsoft.com/office/drawing/2014/main" id="{C30DC2A4-0C15-0942-B4A6-F0C9C7C39367}"/>
+                </a:ext>
+              </a:extLst>
+            </p:cNvPr>
+            <p:cNvSpPr/>
+            <p:nvPr/>
+          </p:nvSpPr>
+          <p:spPr>
+            <a:xfrm>
+              <a:off x="7515370" y="4643958"/>
+              <a:ext cx="1270805" cy="277534"/>
+            </a:xfrm>
+            <a:prstGeom prst="rect">
+              <a:avLst/>
+            </a:prstGeom>
+            <a:solidFill>
+              <a:schemeClr val="bg1"/>
+            </a:solidFill>
+          </p:spPr>
+          <p:style>
+            <a:lnRef idx="2">
+              <a:schemeClr val="accent1">
+                <a:shade val="15000"/>
+              </a:schemeClr>
+            </a:lnRef>
+            <a:fillRef idx="1">
+              <a:schemeClr val="accent1"/>
+            </a:fillRef>
+            <a:effectRef idx="0">
+              <a:schemeClr val="accent1"/>
+            </a:effectRef>
+            <a:fontRef idx="minor">
+              <a:schemeClr val="lt1"/>
+            </a:fontRef>
+          </p:style>
+          <p:txBody>
+            <a:bodyPr rtlCol="0" anchor="ctr"/>
+            <a:lstStyle/>
+            <a:p>
+              <a:r>
+                <a:rPr lang="vi-VN" sz="1000" dirty="0">
+                  <a:solidFill>
+                    <a:schemeClr val="tx1"/>
+                  </a:solidFill>
+                </a:rPr>
+                <a:t>GIAM30</a:t>
+              </a:r>
+              <a:endParaRPr lang="en-US" sz="1000" dirty="0">
+                <a:solidFill>
+                  <a:schemeClr val="tx1"/>
+                </a:solidFill>
+              </a:endParaRPr>
+            </a:p>
+          </p:txBody>
+        </p:sp>
+        <p:sp>
+          <p:nvSpPr>
+            <p:cNvPr id="66" name="Rectangle 65">
+              <a:extLst>
+                <a:ext uri="{FF2B5EF4-FFF2-40B4-BE49-F238E27FC236}">
+                  <a16:creationId xmlns:a16="http://schemas.microsoft.com/office/drawing/2014/main" id="{21E213E1-6C5C-D952-F76A-C1F19D33D118}"/>
+                </a:ext>
+              </a:extLst>
+            </p:cNvPr>
+            <p:cNvSpPr/>
+            <p:nvPr/>
+          </p:nvSpPr>
+          <p:spPr>
+            <a:xfrm>
+              <a:off x="5107384" y="5015706"/>
+              <a:ext cx="632471" cy="254031"/>
             </a:xfrm>
             <a:prstGeom prst="rect">
               <a:avLst/>
             </a:prstGeom>
             <a:noFill/>
+            <a:ln>
+              <a:noFill/>
+            </a:ln>
+          </p:spPr>
+          <p:style>
+            <a:lnRef idx="2">
+              <a:schemeClr val="accent1">
+                <a:shade val="15000"/>
+              </a:schemeClr>
+            </a:lnRef>
+            <a:fillRef idx="1">
+              <a:schemeClr val="accent1"/>
+            </a:fillRef>
+            <a:effectRef idx="0">
+              <a:schemeClr val="accent1"/>
+            </a:effectRef>
+            <a:fontRef idx="minor">
+              <a:schemeClr val="lt1"/>
+            </a:fontRef>
+          </p:style>
+          <p:txBody>
+            <a:bodyPr rtlCol="0" anchor="ctr"/>
+            <a:lstStyle/>
+            <a:p>
+              <a:r>
+                <a:rPr lang="vi-VN" sz="1000" dirty="0">
+                  <a:solidFill>
+                    <a:schemeClr val="tx1"/>
+                  </a:solidFill>
+                </a:rPr>
+                <a:t>VND</a:t>
+              </a:r>
+              <a:endParaRPr lang="en-US" sz="1000" dirty="0">
+                <a:solidFill>
+                  <a:schemeClr val="tx1"/>
+                </a:solidFill>
+              </a:endParaRPr>
+            </a:p>
+          </p:txBody>
+        </p:sp>
+        <p:sp>
+          <p:nvSpPr>
+            <p:cNvPr id="67" name="Isosceles Triangle 66">
+              <a:extLst>
+                <a:ext uri="{FF2B5EF4-FFF2-40B4-BE49-F238E27FC236}">
+                  <a16:creationId xmlns:a16="http://schemas.microsoft.com/office/drawing/2014/main" id="{983D1BA1-C283-92A2-5FE6-A843BA402586}"/>
+                </a:ext>
+              </a:extLst>
+            </p:cNvPr>
+            <p:cNvSpPr/>
+            <p:nvPr/>
+          </p:nvSpPr>
+          <p:spPr>
+            <a:xfrm rot="10800000">
+              <a:off x="8521719" y="5117241"/>
+              <a:ext cx="102019" cy="66082"/>
+            </a:xfrm>
+            <a:prstGeom prst="triangle">
+              <a:avLst/>
+            </a:prstGeom>
+            <a:solidFill>
+              <a:schemeClr val="tx1"/>
+            </a:solidFill>
             <a:ln>
               <a:solidFill>
                 <a:schemeClr val="tx1"/>
@@ -14073,127 +19106,1102 @@
             </a:ln>
           </p:spPr>
           <p:style>
-            <a:lnRef idx="1">
-              <a:schemeClr val="accent2"/>
+            <a:lnRef idx="2">
+              <a:schemeClr val="accent1">
+                <a:shade val="15000"/>
+              </a:schemeClr>
             </a:lnRef>
-            <a:fillRef idx="2">
-              <a:schemeClr val="accent2"/>
+            <a:fillRef idx="1">
+              <a:schemeClr val="accent1"/>
             </a:fillRef>
-            <a:effectRef idx="1">
-              <a:schemeClr val="accent2"/>
+            <a:effectRef idx="0">
+              <a:schemeClr val="accent1"/>
             </a:effectRef>
             <a:fontRef idx="minor">
-              <a:schemeClr val="dk1"/>
+              <a:schemeClr val="lt1"/>
             </a:fontRef>
           </p:style>
           <p:txBody>
-            <a:bodyPr wrap="square" rtlCol="0" anchor="ctr"/>
-            <a:lstStyle>
-              <a:lvl1pPr marL="0" indent="0">
-                <a:defRPr sz="1100">
-                  <a:solidFill>
-                    <a:schemeClr val="dk1"/>
-                  </a:solidFill>
-                  <a:latin typeface="+mn-lt"/>
-                  <a:ea typeface="+mn-ea"/>
-                  <a:cs typeface="+mn-cs"/>
-                </a:defRPr>
-              </a:lvl1pPr>
-              <a:lvl2pPr marL="457200" indent="0">
-                <a:defRPr sz="1100">
-                  <a:solidFill>
-                    <a:schemeClr val="dk1"/>
-                  </a:solidFill>
-                  <a:latin typeface="+mn-lt"/>
-                  <a:ea typeface="+mn-ea"/>
-                  <a:cs typeface="+mn-cs"/>
-                </a:defRPr>
-              </a:lvl2pPr>
-              <a:lvl3pPr marL="914400" indent="0">
-                <a:defRPr sz="1100">
-                  <a:solidFill>
-                    <a:schemeClr val="dk1"/>
-                  </a:solidFill>
-                  <a:latin typeface="+mn-lt"/>
-                  <a:ea typeface="+mn-ea"/>
-                  <a:cs typeface="+mn-cs"/>
-                </a:defRPr>
-              </a:lvl3pPr>
-              <a:lvl4pPr marL="1371600" indent="0">
-                <a:defRPr sz="1100">
-                  <a:solidFill>
-                    <a:schemeClr val="dk1"/>
-                  </a:solidFill>
-                  <a:latin typeface="+mn-lt"/>
-                  <a:ea typeface="+mn-ea"/>
-                  <a:cs typeface="+mn-cs"/>
-                </a:defRPr>
-              </a:lvl4pPr>
-              <a:lvl5pPr marL="1828800" indent="0">
-                <a:defRPr sz="1100">
-                  <a:solidFill>
-                    <a:schemeClr val="dk1"/>
-                  </a:solidFill>
-                  <a:latin typeface="+mn-lt"/>
-                  <a:ea typeface="+mn-ea"/>
-                  <a:cs typeface="+mn-cs"/>
-                </a:defRPr>
-              </a:lvl5pPr>
-              <a:lvl6pPr marL="2286000" indent="0">
-                <a:defRPr sz="1100">
-                  <a:solidFill>
-                    <a:schemeClr val="dk1"/>
-                  </a:solidFill>
-                  <a:latin typeface="+mn-lt"/>
-                  <a:ea typeface="+mn-ea"/>
-                  <a:cs typeface="+mn-cs"/>
-                </a:defRPr>
-              </a:lvl6pPr>
-              <a:lvl7pPr marL="2743200" indent="0">
-                <a:defRPr sz="1100">
-                  <a:solidFill>
-                    <a:schemeClr val="dk1"/>
-                  </a:solidFill>
-                  <a:latin typeface="+mn-lt"/>
-                  <a:ea typeface="+mn-ea"/>
-                  <a:cs typeface="+mn-cs"/>
-                </a:defRPr>
-              </a:lvl7pPr>
-              <a:lvl8pPr marL="3200400" indent="0">
-                <a:defRPr sz="1100">
-                  <a:solidFill>
-                    <a:schemeClr val="dk1"/>
-                  </a:solidFill>
-                  <a:latin typeface="+mn-lt"/>
-                  <a:ea typeface="+mn-ea"/>
-                  <a:cs typeface="+mn-cs"/>
-                </a:defRPr>
-              </a:lvl8pPr>
-              <a:lvl9pPr marL="3657600" indent="0">
-                <a:defRPr sz="1100">
-                  <a:solidFill>
-                    <a:schemeClr val="dk1"/>
-                  </a:solidFill>
-                  <a:latin typeface="+mn-lt"/>
-                  <a:ea typeface="+mn-ea"/>
-                  <a:cs typeface="+mn-cs"/>
-                </a:defRPr>
-              </a:lvl9pPr>
-            </a:lstStyle>
+            <a:bodyPr rtlCol="0" anchor="ctr"/>
+            <a:lstStyle/>
             <a:p>
               <a:pPr algn="ctr"/>
-              <a:r>
-                <a:rPr lang="vi-VN" sz="1100" b="0" i="0" dirty="0">
-                  <a:effectLst/>
-                  <a:latin typeface="Arial" panose="020B0604020202020204" pitchFamily="34" charset="0"/>
-                </a:rPr>
-                <a:t>5</a:t>
-              </a:r>
-              <a:endParaRPr lang="en-US" sz="700" dirty="0">
-                <a:solidFill>
-                  <a:srgbClr val="00B0F0"/>
-                </a:solidFill>
-              </a:endParaRPr>
+              <a:endParaRPr lang="en-US"/>
+            </a:p>
+          </p:txBody>
+        </p:sp>
+        <p:sp>
+          <p:nvSpPr>
+            <p:cNvPr id="68" name="Isosceles Triangle 67">
+              <a:extLst>
+                <a:ext uri="{FF2B5EF4-FFF2-40B4-BE49-F238E27FC236}">
+                  <a16:creationId xmlns:a16="http://schemas.microsoft.com/office/drawing/2014/main" id="{582DD6CA-2358-802B-5D98-AD8C442DDADC}"/>
+                </a:ext>
+              </a:extLst>
+            </p:cNvPr>
+            <p:cNvSpPr/>
+            <p:nvPr/>
+          </p:nvSpPr>
+          <p:spPr>
+            <a:xfrm rot="10800000">
+              <a:off x="4748069" y="4760363"/>
+              <a:ext cx="102019" cy="66082"/>
+            </a:xfrm>
+            <a:prstGeom prst="triangle">
+              <a:avLst/>
+            </a:prstGeom>
+            <a:solidFill>
+              <a:schemeClr val="tx1"/>
+            </a:solidFill>
+            <a:ln>
+              <a:solidFill>
+                <a:schemeClr val="tx1"/>
+              </a:solidFill>
+            </a:ln>
+          </p:spPr>
+          <p:style>
+            <a:lnRef idx="2">
+              <a:schemeClr val="accent1">
+                <a:shade val="15000"/>
+              </a:schemeClr>
+            </a:lnRef>
+            <a:fillRef idx="1">
+              <a:schemeClr val="accent1"/>
+            </a:fillRef>
+            <a:effectRef idx="0">
+              <a:schemeClr val="accent1"/>
+            </a:effectRef>
+            <a:fontRef idx="minor">
+              <a:schemeClr val="lt1"/>
+            </a:fontRef>
+          </p:style>
+          <p:txBody>
+            <a:bodyPr rtlCol="0" anchor="ctr"/>
+            <a:lstStyle/>
+            <a:p>
+              <a:pPr algn="ctr"/>
+              <a:endParaRPr lang="en-US"/>
+            </a:p>
+          </p:txBody>
+        </p:sp>
+        <p:sp>
+          <p:nvSpPr>
+            <p:cNvPr id="69" name="Isosceles Triangle 68">
+              <a:extLst>
+                <a:ext uri="{FF2B5EF4-FFF2-40B4-BE49-F238E27FC236}">
+                  <a16:creationId xmlns:a16="http://schemas.microsoft.com/office/drawing/2014/main" id="{45878BF5-B748-C8A4-7ACF-8EE686B892E9}"/>
+                </a:ext>
+              </a:extLst>
+            </p:cNvPr>
+            <p:cNvSpPr/>
+            <p:nvPr/>
+          </p:nvSpPr>
+          <p:spPr>
+            <a:xfrm rot="10800000">
+              <a:off x="4748068" y="4395308"/>
+              <a:ext cx="102019" cy="66082"/>
+            </a:xfrm>
+            <a:prstGeom prst="triangle">
+              <a:avLst/>
+            </a:prstGeom>
+            <a:solidFill>
+              <a:schemeClr val="tx1"/>
+            </a:solidFill>
+            <a:ln>
+              <a:solidFill>
+                <a:schemeClr val="tx1"/>
+              </a:solidFill>
+            </a:ln>
+          </p:spPr>
+          <p:style>
+            <a:lnRef idx="2">
+              <a:schemeClr val="accent1">
+                <a:shade val="15000"/>
+              </a:schemeClr>
+            </a:lnRef>
+            <a:fillRef idx="1">
+              <a:schemeClr val="accent1"/>
+            </a:fillRef>
+            <a:effectRef idx="0">
+              <a:schemeClr val="accent1"/>
+            </a:effectRef>
+            <a:fontRef idx="minor">
+              <a:schemeClr val="lt1"/>
+            </a:fontRef>
+          </p:style>
+          <p:txBody>
+            <a:bodyPr rtlCol="0" anchor="ctr"/>
+            <a:lstStyle/>
+            <a:p>
+              <a:pPr algn="ctr"/>
+              <a:endParaRPr lang="en-US"/>
+            </a:p>
+          </p:txBody>
+        </p:sp>
+        <p:sp>
+          <p:nvSpPr>
+            <p:cNvPr id="70" name="Isosceles Triangle 69">
+              <a:extLst>
+                <a:ext uri="{FF2B5EF4-FFF2-40B4-BE49-F238E27FC236}">
+                  <a16:creationId xmlns:a16="http://schemas.microsoft.com/office/drawing/2014/main" id="{F5E28FB7-8821-89D1-A4DA-04DA5A856329}"/>
+                </a:ext>
+              </a:extLst>
+            </p:cNvPr>
+            <p:cNvSpPr/>
+            <p:nvPr/>
+          </p:nvSpPr>
+          <p:spPr>
+            <a:xfrm rot="10800000">
+              <a:off x="8526739" y="4396245"/>
+              <a:ext cx="102019" cy="66082"/>
+            </a:xfrm>
+            <a:prstGeom prst="triangle">
+              <a:avLst/>
+            </a:prstGeom>
+            <a:solidFill>
+              <a:schemeClr val="tx1"/>
+            </a:solidFill>
+            <a:ln>
+              <a:solidFill>
+                <a:schemeClr val="tx1"/>
+              </a:solidFill>
+            </a:ln>
+          </p:spPr>
+          <p:style>
+            <a:lnRef idx="2">
+              <a:schemeClr val="accent1">
+                <a:shade val="15000"/>
+              </a:schemeClr>
+            </a:lnRef>
+            <a:fillRef idx="1">
+              <a:schemeClr val="accent1"/>
+            </a:fillRef>
+            <a:effectRef idx="0">
+              <a:schemeClr val="accent1"/>
+            </a:effectRef>
+            <a:fontRef idx="minor">
+              <a:schemeClr val="lt1"/>
+            </a:fontRef>
+          </p:style>
+          <p:txBody>
+            <a:bodyPr rtlCol="0" anchor="ctr"/>
+            <a:lstStyle/>
+            <a:p>
+              <a:pPr algn="ctr"/>
+              <a:endParaRPr lang="en-US"/>
+            </a:p>
+          </p:txBody>
+        </p:sp>
+        <p:sp>
+          <p:nvSpPr>
+            <p:cNvPr id="72" name="Isosceles Triangle 71">
+              <a:extLst>
+                <a:ext uri="{FF2B5EF4-FFF2-40B4-BE49-F238E27FC236}">
+                  <a16:creationId xmlns:a16="http://schemas.microsoft.com/office/drawing/2014/main" id="{5CD9F6C1-A713-B124-0484-3EDBE8BEFBFB}"/>
+                </a:ext>
+              </a:extLst>
+            </p:cNvPr>
+            <p:cNvSpPr/>
+            <p:nvPr/>
+          </p:nvSpPr>
+          <p:spPr>
+            <a:xfrm rot="10800000">
+              <a:off x="8526738" y="4767683"/>
+              <a:ext cx="102019" cy="66082"/>
+            </a:xfrm>
+            <a:prstGeom prst="triangle">
+              <a:avLst/>
+            </a:prstGeom>
+            <a:solidFill>
+              <a:schemeClr val="tx1"/>
+            </a:solidFill>
+            <a:ln>
+              <a:solidFill>
+                <a:schemeClr val="tx1"/>
+              </a:solidFill>
+            </a:ln>
+          </p:spPr>
+          <p:style>
+            <a:lnRef idx="2">
+              <a:schemeClr val="accent1">
+                <a:shade val="15000"/>
+              </a:schemeClr>
+            </a:lnRef>
+            <a:fillRef idx="1">
+              <a:schemeClr val="accent1"/>
+            </a:fillRef>
+            <a:effectRef idx="0">
+              <a:schemeClr val="accent1"/>
+            </a:effectRef>
+            <a:fontRef idx="minor">
+              <a:schemeClr val="lt1"/>
+            </a:fontRef>
+          </p:style>
+          <p:txBody>
+            <a:bodyPr rtlCol="0" anchor="ctr"/>
+            <a:lstStyle/>
+            <a:p>
+              <a:pPr algn="ctr"/>
+              <a:endParaRPr lang="en-US"/>
+            </a:p>
+          </p:txBody>
+        </p:sp>
+        <p:grpSp>
+          <p:nvGrpSpPr>
+            <p:cNvPr id="8" name="Group 7">
+              <a:extLst>
+                <a:ext uri="{FF2B5EF4-FFF2-40B4-BE49-F238E27FC236}">
+                  <a16:creationId xmlns:a16="http://schemas.microsoft.com/office/drawing/2014/main" id="{C813A644-3B91-AF27-FE77-1CA3E0B70996}"/>
+                </a:ext>
+              </a:extLst>
+            </p:cNvPr>
+            <p:cNvGrpSpPr/>
+            <p:nvPr/>
+          </p:nvGrpSpPr>
+          <p:grpSpPr>
+            <a:xfrm>
+              <a:off x="3730711" y="3544093"/>
+              <a:ext cx="825523" cy="634205"/>
+              <a:chOff x="3730711" y="3544093"/>
+              <a:chExt cx="825523" cy="634205"/>
+            </a:xfrm>
+          </p:grpSpPr>
+          <p:sp>
+            <p:nvSpPr>
+              <p:cNvPr id="62" name="Rectangle 61">
+                <a:extLst>
+                  <a:ext uri="{FF2B5EF4-FFF2-40B4-BE49-F238E27FC236}">
+                    <a16:creationId xmlns:a16="http://schemas.microsoft.com/office/drawing/2014/main" id="{2ED1F393-251C-9D6D-05A3-503C0E69D4E0}"/>
+                  </a:ext>
+                </a:extLst>
+              </p:cNvPr>
+              <p:cNvSpPr/>
+              <p:nvPr/>
+            </p:nvSpPr>
+            <p:spPr>
+              <a:xfrm>
+                <a:off x="3730711" y="3544093"/>
+                <a:ext cx="825523" cy="634205"/>
+              </a:xfrm>
+              <a:prstGeom prst="rect">
+                <a:avLst/>
+              </a:prstGeom>
+              <a:solidFill>
+                <a:schemeClr val="bg1"/>
+              </a:solidFill>
+            </p:spPr>
+            <p:style>
+              <a:lnRef idx="2">
+                <a:schemeClr val="accent1">
+                  <a:shade val="15000"/>
+                </a:schemeClr>
+              </a:lnRef>
+              <a:fillRef idx="1">
+                <a:schemeClr val="accent1"/>
+              </a:fillRef>
+              <a:effectRef idx="0">
+                <a:schemeClr val="accent1"/>
+              </a:effectRef>
+              <a:fontRef idx="minor">
+                <a:schemeClr val="lt1"/>
+              </a:fontRef>
+            </p:style>
+            <p:txBody>
+              <a:bodyPr rtlCol="0" anchor="ctr"/>
+              <a:lstStyle/>
+              <a:p>
+                <a:endParaRPr lang="en-US" sz="1000" dirty="0">
+                  <a:solidFill>
+                    <a:schemeClr val="tx1"/>
+                  </a:solidFill>
+                </a:endParaRPr>
+              </a:p>
+            </p:txBody>
+          </p:sp>
+          <p:pic>
+            <p:nvPicPr>
+              <p:cNvPr id="7" name="Graphic 6" descr="Boot outline">
+                <a:extLst>
+                  <a:ext uri="{FF2B5EF4-FFF2-40B4-BE49-F238E27FC236}">
+                    <a16:creationId xmlns:a16="http://schemas.microsoft.com/office/drawing/2014/main" id="{1B9E10B6-7844-3F5B-388C-32A56C71DB8A}"/>
+                  </a:ext>
+                </a:extLst>
+              </p:cNvPr>
+              <p:cNvPicPr>
+                <a:picLocks noChangeAspect="1"/>
+              </p:cNvPicPr>
+              <p:nvPr/>
+            </p:nvPicPr>
+            <p:blipFill>
+              <a:blip r:embed="rId2">
+                <a:extLst>
+                  <a:ext uri="{28A0092B-C50C-407E-A947-70E740481C1C}">
+                    <a14:useLocalDpi xmlns:a14="http://schemas.microsoft.com/office/drawing/2010/main" val="0"/>
+                  </a:ext>
+                  <a:ext uri="{96DAC541-7B7A-43D3-8B79-37D633B846F1}">
+                    <asvg:svgBlip xmlns:asvg="http://schemas.microsoft.com/office/drawing/2016/SVG/main" r:embed="rId3"/>
+                  </a:ext>
+                </a:extLst>
+              </a:blip>
+              <a:stretch>
+                <a:fillRect/>
+              </a:stretch>
+            </p:blipFill>
+            <p:spPr>
+              <a:xfrm>
+                <a:off x="3852254" y="3569977"/>
+                <a:ext cx="582436" cy="582436"/>
+              </a:xfrm>
+              <a:prstGeom prst="rect">
+                <a:avLst/>
+              </a:prstGeom>
+            </p:spPr>
+          </p:pic>
+        </p:grpSp>
+        <p:grpSp>
+          <p:nvGrpSpPr>
+            <p:cNvPr id="9" name="Group 8">
+              <a:extLst>
+                <a:ext uri="{FF2B5EF4-FFF2-40B4-BE49-F238E27FC236}">
+                  <a16:creationId xmlns:a16="http://schemas.microsoft.com/office/drawing/2014/main" id="{2681002D-C35A-EA13-96D0-ACF70C00CD20}"/>
+                </a:ext>
+              </a:extLst>
+            </p:cNvPr>
+            <p:cNvGrpSpPr/>
+            <p:nvPr/>
+          </p:nvGrpSpPr>
+          <p:grpSpPr>
+            <a:xfrm>
+              <a:off x="4799077" y="3549468"/>
+              <a:ext cx="825523" cy="634205"/>
+              <a:chOff x="3730711" y="3544093"/>
+              <a:chExt cx="825523" cy="634205"/>
+            </a:xfrm>
+          </p:grpSpPr>
+          <p:sp>
+            <p:nvSpPr>
+              <p:cNvPr id="11" name="Rectangle 10">
+                <a:extLst>
+                  <a:ext uri="{FF2B5EF4-FFF2-40B4-BE49-F238E27FC236}">
+                    <a16:creationId xmlns:a16="http://schemas.microsoft.com/office/drawing/2014/main" id="{F337BA69-39D5-4C96-78DB-530B92BE8F97}"/>
+                  </a:ext>
+                </a:extLst>
+              </p:cNvPr>
+              <p:cNvSpPr/>
+              <p:nvPr/>
+            </p:nvSpPr>
+            <p:spPr>
+              <a:xfrm>
+                <a:off x="3730711" y="3544093"/>
+                <a:ext cx="825523" cy="634205"/>
+              </a:xfrm>
+              <a:prstGeom prst="rect">
+                <a:avLst/>
+              </a:prstGeom>
+              <a:solidFill>
+                <a:schemeClr val="bg1"/>
+              </a:solidFill>
+            </p:spPr>
+            <p:style>
+              <a:lnRef idx="2">
+                <a:schemeClr val="accent1">
+                  <a:shade val="15000"/>
+                </a:schemeClr>
+              </a:lnRef>
+              <a:fillRef idx="1">
+                <a:schemeClr val="accent1"/>
+              </a:fillRef>
+              <a:effectRef idx="0">
+                <a:schemeClr val="accent1"/>
+              </a:effectRef>
+              <a:fontRef idx="minor">
+                <a:schemeClr val="lt1"/>
+              </a:fontRef>
+            </p:style>
+            <p:txBody>
+              <a:bodyPr rtlCol="0" anchor="ctr"/>
+              <a:lstStyle/>
+              <a:p>
+                <a:endParaRPr lang="en-US" sz="1000" dirty="0">
+                  <a:solidFill>
+                    <a:schemeClr val="tx1"/>
+                  </a:solidFill>
+                </a:endParaRPr>
+              </a:p>
+            </p:txBody>
+          </p:sp>
+          <p:pic>
+            <p:nvPicPr>
+              <p:cNvPr id="12" name="Graphic 11" descr="Boot outline">
+                <a:extLst>
+                  <a:ext uri="{FF2B5EF4-FFF2-40B4-BE49-F238E27FC236}">
+                    <a16:creationId xmlns:a16="http://schemas.microsoft.com/office/drawing/2014/main" id="{6CB5B96D-3576-4355-512D-336A6DEE672F}"/>
+                  </a:ext>
+                </a:extLst>
+              </p:cNvPr>
+              <p:cNvPicPr>
+                <a:picLocks noChangeAspect="1"/>
+              </p:cNvPicPr>
+              <p:nvPr/>
+            </p:nvPicPr>
+            <p:blipFill>
+              <a:blip r:embed="rId2">
+                <a:extLst>
+                  <a:ext uri="{28A0092B-C50C-407E-A947-70E740481C1C}">
+                    <a14:useLocalDpi xmlns:a14="http://schemas.microsoft.com/office/drawing/2010/main" val="0"/>
+                  </a:ext>
+                  <a:ext uri="{96DAC541-7B7A-43D3-8B79-37D633B846F1}">
+                    <asvg:svgBlip xmlns:asvg="http://schemas.microsoft.com/office/drawing/2016/SVG/main" r:embed="rId3"/>
+                  </a:ext>
+                </a:extLst>
+              </a:blip>
+              <a:stretch>
+                <a:fillRect/>
+              </a:stretch>
+            </p:blipFill>
+            <p:spPr>
+              <a:xfrm>
+                <a:off x="3852254" y="3569977"/>
+                <a:ext cx="582436" cy="582436"/>
+              </a:xfrm>
+              <a:prstGeom prst="rect">
+                <a:avLst/>
+              </a:prstGeom>
+            </p:spPr>
+          </p:pic>
+        </p:grpSp>
+        <p:grpSp>
+          <p:nvGrpSpPr>
+            <p:cNvPr id="13" name="Group 12">
+              <a:extLst>
+                <a:ext uri="{FF2B5EF4-FFF2-40B4-BE49-F238E27FC236}">
+                  <a16:creationId xmlns:a16="http://schemas.microsoft.com/office/drawing/2014/main" id="{77C16E14-BF1C-60C2-3AB8-02B4B8E0E9DE}"/>
+                </a:ext>
+              </a:extLst>
+            </p:cNvPr>
+            <p:cNvGrpSpPr/>
+            <p:nvPr/>
+          </p:nvGrpSpPr>
+          <p:grpSpPr>
+            <a:xfrm>
+              <a:off x="5867443" y="3554843"/>
+              <a:ext cx="825523" cy="634205"/>
+              <a:chOff x="3730711" y="3544093"/>
+              <a:chExt cx="825523" cy="634205"/>
+            </a:xfrm>
+          </p:grpSpPr>
+          <p:sp>
+            <p:nvSpPr>
+              <p:cNvPr id="14" name="Rectangle 13">
+                <a:extLst>
+                  <a:ext uri="{FF2B5EF4-FFF2-40B4-BE49-F238E27FC236}">
+                    <a16:creationId xmlns:a16="http://schemas.microsoft.com/office/drawing/2014/main" id="{25D04501-F603-7EA3-EF50-639BF2220A49}"/>
+                  </a:ext>
+                </a:extLst>
+              </p:cNvPr>
+              <p:cNvSpPr/>
+              <p:nvPr/>
+            </p:nvSpPr>
+            <p:spPr>
+              <a:xfrm>
+                <a:off x="3730711" y="3544093"/>
+                <a:ext cx="825523" cy="634205"/>
+              </a:xfrm>
+              <a:prstGeom prst="rect">
+                <a:avLst/>
+              </a:prstGeom>
+              <a:solidFill>
+                <a:schemeClr val="bg1"/>
+              </a:solidFill>
+            </p:spPr>
+            <p:style>
+              <a:lnRef idx="2">
+                <a:schemeClr val="accent1">
+                  <a:shade val="15000"/>
+                </a:schemeClr>
+              </a:lnRef>
+              <a:fillRef idx="1">
+                <a:schemeClr val="accent1"/>
+              </a:fillRef>
+              <a:effectRef idx="0">
+                <a:schemeClr val="accent1"/>
+              </a:effectRef>
+              <a:fontRef idx="minor">
+                <a:schemeClr val="lt1"/>
+              </a:fontRef>
+            </p:style>
+            <p:txBody>
+              <a:bodyPr rtlCol="0" anchor="ctr"/>
+              <a:lstStyle/>
+              <a:p>
+                <a:endParaRPr lang="en-US" sz="1000" dirty="0">
+                  <a:solidFill>
+                    <a:schemeClr val="tx1"/>
+                  </a:solidFill>
+                </a:endParaRPr>
+              </a:p>
+            </p:txBody>
+          </p:sp>
+          <p:pic>
+            <p:nvPicPr>
+              <p:cNvPr id="15" name="Graphic 14" descr="Boot outline">
+                <a:extLst>
+                  <a:ext uri="{FF2B5EF4-FFF2-40B4-BE49-F238E27FC236}">
+                    <a16:creationId xmlns:a16="http://schemas.microsoft.com/office/drawing/2014/main" id="{52416A27-DD8C-9518-61CB-97D5D13E1977}"/>
+                  </a:ext>
+                </a:extLst>
+              </p:cNvPr>
+              <p:cNvPicPr>
+                <a:picLocks noChangeAspect="1"/>
+              </p:cNvPicPr>
+              <p:nvPr/>
+            </p:nvPicPr>
+            <p:blipFill>
+              <a:blip r:embed="rId2">
+                <a:extLst>
+                  <a:ext uri="{28A0092B-C50C-407E-A947-70E740481C1C}">
+                    <a14:useLocalDpi xmlns:a14="http://schemas.microsoft.com/office/drawing/2010/main" val="0"/>
+                  </a:ext>
+                  <a:ext uri="{96DAC541-7B7A-43D3-8B79-37D633B846F1}">
+                    <asvg:svgBlip xmlns:asvg="http://schemas.microsoft.com/office/drawing/2016/SVG/main" r:embed="rId3"/>
+                  </a:ext>
+                </a:extLst>
+              </a:blip>
+              <a:stretch>
+                <a:fillRect/>
+              </a:stretch>
+            </p:blipFill>
+            <p:spPr>
+              <a:xfrm>
+                <a:off x="3852254" y="3569977"/>
+                <a:ext cx="582436" cy="582436"/>
+              </a:xfrm>
+              <a:prstGeom prst="rect">
+                <a:avLst/>
+              </a:prstGeom>
+            </p:spPr>
+          </p:pic>
+        </p:grpSp>
+        <p:grpSp>
+          <p:nvGrpSpPr>
+            <p:cNvPr id="18" name="Group 17">
+              <a:extLst>
+                <a:ext uri="{FF2B5EF4-FFF2-40B4-BE49-F238E27FC236}">
+                  <a16:creationId xmlns:a16="http://schemas.microsoft.com/office/drawing/2014/main" id="{D2B733A0-4862-4BD0-4A9B-9085F93A2CD0}"/>
+                </a:ext>
+              </a:extLst>
+            </p:cNvPr>
+            <p:cNvGrpSpPr/>
+            <p:nvPr/>
+          </p:nvGrpSpPr>
+          <p:grpSpPr>
+            <a:xfrm>
+              <a:off x="6935809" y="3560218"/>
+              <a:ext cx="825523" cy="634205"/>
+              <a:chOff x="3730711" y="3544093"/>
+              <a:chExt cx="825523" cy="634205"/>
+            </a:xfrm>
+          </p:grpSpPr>
+          <p:sp>
+            <p:nvSpPr>
+              <p:cNvPr id="19" name="Rectangle 18">
+                <a:extLst>
+                  <a:ext uri="{FF2B5EF4-FFF2-40B4-BE49-F238E27FC236}">
+                    <a16:creationId xmlns:a16="http://schemas.microsoft.com/office/drawing/2014/main" id="{715C8E0E-21D4-48C8-960A-B121143429CE}"/>
+                  </a:ext>
+                </a:extLst>
+              </p:cNvPr>
+              <p:cNvSpPr/>
+              <p:nvPr/>
+            </p:nvSpPr>
+            <p:spPr>
+              <a:xfrm>
+                <a:off x="3730711" y="3544093"/>
+                <a:ext cx="825523" cy="634205"/>
+              </a:xfrm>
+              <a:prstGeom prst="rect">
+                <a:avLst/>
+              </a:prstGeom>
+              <a:solidFill>
+                <a:schemeClr val="bg1"/>
+              </a:solidFill>
+            </p:spPr>
+            <p:style>
+              <a:lnRef idx="2">
+                <a:schemeClr val="accent1">
+                  <a:shade val="15000"/>
+                </a:schemeClr>
+              </a:lnRef>
+              <a:fillRef idx="1">
+                <a:schemeClr val="accent1"/>
+              </a:fillRef>
+              <a:effectRef idx="0">
+                <a:schemeClr val="accent1"/>
+              </a:effectRef>
+              <a:fontRef idx="minor">
+                <a:schemeClr val="lt1"/>
+              </a:fontRef>
+            </p:style>
+            <p:txBody>
+              <a:bodyPr rtlCol="0" anchor="ctr"/>
+              <a:lstStyle/>
+              <a:p>
+                <a:endParaRPr lang="en-US" sz="1000" dirty="0">
+                  <a:solidFill>
+                    <a:schemeClr val="tx1"/>
+                  </a:solidFill>
+                </a:endParaRPr>
+              </a:p>
+            </p:txBody>
+          </p:sp>
+          <p:pic>
+            <p:nvPicPr>
+              <p:cNvPr id="24" name="Graphic 23" descr="Boot outline">
+                <a:extLst>
+                  <a:ext uri="{FF2B5EF4-FFF2-40B4-BE49-F238E27FC236}">
+                    <a16:creationId xmlns:a16="http://schemas.microsoft.com/office/drawing/2014/main" id="{4C273BDF-A74B-A84E-D3A3-4DE1EC1E99ED}"/>
+                  </a:ext>
+                </a:extLst>
+              </p:cNvPr>
+              <p:cNvPicPr>
+                <a:picLocks noChangeAspect="1"/>
+              </p:cNvPicPr>
+              <p:nvPr/>
+            </p:nvPicPr>
+            <p:blipFill>
+              <a:blip r:embed="rId2">
+                <a:extLst>
+                  <a:ext uri="{28A0092B-C50C-407E-A947-70E740481C1C}">
+                    <a14:useLocalDpi xmlns:a14="http://schemas.microsoft.com/office/drawing/2010/main" val="0"/>
+                  </a:ext>
+                  <a:ext uri="{96DAC541-7B7A-43D3-8B79-37D633B846F1}">
+                    <asvg:svgBlip xmlns:asvg="http://schemas.microsoft.com/office/drawing/2016/SVG/main" r:embed="rId3"/>
+                  </a:ext>
+                </a:extLst>
+              </a:blip>
+              <a:stretch>
+                <a:fillRect/>
+              </a:stretch>
+            </p:blipFill>
+            <p:spPr>
+              <a:xfrm>
+                <a:off x="3852254" y="3569977"/>
+                <a:ext cx="582436" cy="582436"/>
+              </a:xfrm>
+              <a:prstGeom prst="rect">
+                <a:avLst/>
+              </a:prstGeom>
+            </p:spPr>
+          </p:pic>
+        </p:grpSp>
+        <p:grpSp>
+          <p:nvGrpSpPr>
+            <p:cNvPr id="25" name="Group 24">
+              <a:extLst>
+                <a:ext uri="{FF2B5EF4-FFF2-40B4-BE49-F238E27FC236}">
+                  <a16:creationId xmlns:a16="http://schemas.microsoft.com/office/drawing/2014/main" id="{34CD3ECA-0C6A-5801-D30F-D0C1906B300D}"/>
+                </a:ext>
+              </a:extLst>
+            </p:cNvPr>
+            <p:cNvGrpSpPr/>
+            <p:nvPr/>
+          </p:nvGrpSpPr>
+          <p:grpSpPr>
+            <a:xfrm>
+              <a:off x="7960187" y="3561279"/>
+              <a:ext cx="825523" cy="634205"/>
+              <a:chOff x="3730711" y="3544093"/>
+              <a:chExt cx="825523" cy="634205"/>
+            </a:xfrm>
+          </p:grpSpPr>
+          <p:sp>
+            <p:nvSpPr>
+              <p:cNvPr id="26" name="Rectangle 25">
+                <a:extLst>
+                  <a:ext uri="{FF2B5EF4-FFF2-40B4-BE49-F238E27FC236}">
+                    <a16:creationId xmlns:a16="http://schemas.microsoft.com/office/drawing/2014/main" id="{537C4239-3179-4729-A240-1CF853AE2917}"/>
+                  </a:ext>
+                </a:extLst>
+              </p:cNvPr>
+              <p:cNvSpPr/>
+              <p:nvPr/>
+            </p:nvSpPr>
+            <p:spPr>
+              <a:xfrm>
+                <a:off x="3730711" y="3544093"/>
+                <a:ext cx="825523" cy="634205"/>
+              </a:xfrm>
+              <a:prstGeom prst="rect">
+                <a:avLst/>
+              </a:prstGeom>
+              <a:solidFill>
+                <a:schemeClr val="bg1"/>
+              </a:solidFill>
+            </p:spPr>
+            <p:style>
+              <a:lnRef idx="2">
+                <a:schemeClr val="accent1">
+                  <a:shade val="15000"/>
+                </a:schemeClr>
+              </a:lnRef>
+              <a:fillRef idx="1">
+                <a:schemeClr val="accent1"/>
+              </a:fillRef>
+              <a:effectRef idx="0">
+                <a:schemeClr val="accent1"/>
+              </a:effectRef>
+              <a:fontRef idx="minor">
+                <a:schemeClr val="lt1"/>
+              </a:fontRef>
+            </p:style>
+            <p:txBody>
+              <a:bodyPr rtlCol="0" anchor="ctr"/>
+              <a:lstStyle/>
+              <a:p>
+                <a:endParaRPr lang="en-US" sz="1000" dirty="0">
+                  <a:solidFill>
+                    <a:schemeClr val="tx1"/>
+                  </a:solidFill>
+                </a:endParaRPr>
+              </a:p>
+            </p:txBody>
+          </p:sp>
+          <p:pic>
+            <p:nvPicPr>
+              <p:cNvPr id="27" name="Graphic 26" descr="Boot outline">
+                <a:extLst>
+                  <a:ext uri="{FF2B5EF4-FFF2-40B4-BE49-F238E27FC236}">
+                    <a16:creationId xmlns:a16="http://schemas.microsoft.com/office/drawing/2014/main" id="{7789D41B-C286-2F74-27C5-9ED0EC484505}"/>
+                  </a:ext>
+                </a:extLst>
+              </p:cNvPr>
+              <p:cNvPicPr>
+                <a:picLocks noChangeAspect="1"/>
+              </p:cNvPicPr>
+              <p:nvPr/>
+            </p:nvPicPr>
+            <p:blipFill>
+              <a:blip r:embed="rId2">
+                <a:extLst>
+                  <a:ext uri="{28A0092B-C50C-407E-A947-70E740481C1C}">
+                    <a14:useLocalDpi xmlns:a14="http://schemas.microsoft.com/office/drawing/2010/main" val="0"/>
+                  </a:ext>
+                  <a:ext uri="{96DAC541-7B7A-43D3-8B79-37D633B846F1}">
+                    <asvg:svgBlip xmlns:asvg="http://schemas.microsoft.com/office/drawing/2016/SVG/main" r:embed="rId3"/>
+                  </a:ext>
+                </a:extLst>
+              </a:blip>
+              <a:stretch>
+                <a:fillRect/>
+              </a:stretch>
+            </p:blipFill>
+            <p:spPr>
+              <a:xfrm>
+                <a:off x="3852254" y="3569977"/>
+                <a:ext cx="582436" cy="582436"/>
+              </a:xfrm>
+              <a:prstGeom prst="rect">
+                <a:avLst/>
+              </a:prstGeom>
+            </p:spPr>
+          </p:pic>
+        </p:grpSp>
+        <p:sp>
+          <p:nvSpPr>
+            <p:cNvPr id="30" name="Multiplication Sign 29">
+              <a:extLst>
+                <a:ext uri="{FF2B5EF4-FFF2-40B4-BE49-F238E27FC236}">
+                  <a16:creationId xmlns:a16="http://schemas.microsoft.com/office/drawing/2014/main" id="{20B24010-127F-26A5-DC5A-34212367778D}"/>
+                </a:ext>
+              </a:extLst>
+            </p:cNvPr>
+            <p:cNvSpPr/>
+            <p:nvPr/>
+          </p:nvSpPr>
+          <p:spPr>
+            <a:xfrm>
+              <a:off x="4322539" y="3561279"/>
+              <a:ext cx="204951" cy="185621"/>
+            </a:xfrm>
+            <a:prstGeom prst="mathMultiply">
+              <a:avLst/>
+            </a:prstGeom>
+            <a:solidFill>
+              <a:srgbClr val="FF0000"/>
+            </a:solidFill>
+          </p:spPr>
+          <p:style>
+            <a:lnRef idx="2">
+              <a:schemeClr val="accent1">
+                <a:shade val="15000"/>
+              </a:schemeClr>
+            </a:lnRef>
+            <a:fillRef idx="1">
+              <a:schemeClr val="accent1"/>
+            </a:fillRef>
+            <a:effectRef idx="0">
+              <a:schemeClr val="accent1"/>
+            </a:effectRef>
+            <a:fontRef idx="minor">
+              <a:schemeClr val="lt1"/>
+            </a:fontRef>
+          </p:style>
+          <p:txBody>
+            <a:bodyPr rtlCol="0" anchor="ctr"/>
+            <a:lstStyle/>
+            <a:p>
+              <a:pPr algn="ctr"/>
+              <a:endParaRPr lang="en-US"/>
+            </a:p>
+          </p:txBody>
+        </p:sp>
+        <p:sp>
+          <p:nvSpPr>
+            <p:cNvPr id="31" name="Multiplication Sign 30">
+              <a:extLst>
+                <a:ext uri="{FF2B5EF4-FFF2-40B4-BE49-F238E27FC236}">
+                  <a16:creationId xmlns:a16="http://schemas.microsoft.com/office/drawing/2014/main" id="{E54879B6-4C9A-1175-AB37-B36A72557683}"/>
+                </a:ext>
+              </a:extLst>
+            </p:cNvPr>
+            <p:cNvSpPr/>
+            <p:nvPr/>
+          </p:nvSpPr>
+          <p:spPr>
+            <a:xfrm>
+              <a:off x="5387857" y="3583094"/>
+              <a:ext cx="204951" cy="185621"/>
+            </a:xfrm>
+            <a:prstGeom prst="mathMultiply">
+              <a:avLst/>
+            </a:prstGeom>
+            <a:solidFill>
+              <a:srgbClr val="FF0000"/>
+            </a:solidFill>
+          </p:spPr>
+          <p:style>
+            <a:lnRef idx="2">
+              <a:schemeClr val="accent1">
+                <a:shade val="15000"/>
+              </a:schemeClr>
+            </a:lnRef>
+            <a:fillRef idx="1">
+              <a:schemeClr val="accent1"/>
+            </a:fillRef>
+            <a:effectRef idx="0">
+              <a:schemeClr val="accent1"/>
+            </a:effectRef>
+            <a:fontRef idx="minor">
+              <a:schemeClr val="lt1"/>
+            </a:fontRef>
+          </p:style>
+          <p:txBody>
+            <a:bodyPr rtlCol="0" anchor="ctr"/>
+            <a:lstStyle/>
+            <a:p>
+              <a:pPr algn="ctr"/>
+              <a:endParaRPr lang="en-US"/>
+            </a:p>
+          </p:txBody>
+        </p:sp>
+        <p:sp>
+          <p:nvSpPr>
+            <p:cNvPr id="35" name="Multiplication Sign 34">
+              <a:extLst>
+                <a:ext uri="{FF2B5EF4-FFF2-40B4-BE49-F238E27FC236}">
+                  <a16:creationId xmlns:a16="http://schemas.microsoft.com/office/drawing/2014/main" id="{6BDD226F-2FE3-4577-E583-5043091A8421}"/>
+                </a:ext>
+              </a:extLst>
+            </p:cNvPr>
+            <p:cNvSpPr/>
+            <p:nvPr/>
+          </p:nvSpPr>
+          <p:spPr>
+            <a:xfrm>
+              <a:off x="6460560" y="3588086"/>
+              <a:ext cx="204951" cy="185621"/>
+            </a:xfrm>
+            <a:prstGeom prst="mathMultiply">
+              <a:avLst/>
+            </a:prstGeom>
+            <a:solidFill>
+              <a:srgbClr val="FF0000"/>
+            </a:solidFill>
+          </p:spPr>
+          <p:style>
+            <a:lnRef idx="2">
+              <a:schemeClr val="accent1">
+                <a:shade val="15000"/>
+              </a:schemeClr>
+            </a:lnRef>
+            <a:fillRef idx="1">
+              <a:schemeClr val="accent1"/>
+            </a:fillRef>
+            <a:effectRef idx="0">
+              <a:schemeClr val="accent1"/>
+            </a:effectRef>
+            <a:fontRef idx="minor">
+              <a:schemeClr val="lt1"/>
+            </a:fontRef>
+          </p:style>
+          <p:txBody>
+            <a:bodyPr rtlCol="0" anchor="ctr"/>
+            <a:lstStyle/>
+            <a:p>
+              <a:pPr algn="ctr"/>
+              <a:endParaRPr lang="en-US"/>
+            </a:p>
+          </p:txBody>
+        </p:sp>
+        <p:sp>
+          <p:nvSpPr>
+            <p:cNvPr id="36" name="Multiplication Sign 35">
+              <a:extLst>
+                <a:ext uri="{FF2B5EF4-FFF2-40B4-BE49-F238E27FC236}">
+                  <a16:creationId xmlns:a16="http://schemas.microsoft.com/office/drawing/2014/main" id="{41E9FBF2-B3C0-14F3-3430-073FD7F80EEE}"/>
+                </a:ext>
+              </a:extLst>
+            </p:cNvPr>
+            <p:cNvSpPr/>
+            <p:nvPr/>
+          </p:nvSpPr>
+          <p:spPr>
+            <a:xfrm>
+              <a:off x="7533263" y="3593078"/>
+              <a:ext cx="204951" cy="185621"/>
+            </a:xfrm>
+            <a:prstGeom prst="mathMultiply">
+              <a:avLst/>
+            </a:prstGeom>
+            <a:solidFill>
+              <a:srgbClr val="FF0000"/>
+            </a:solidFill>
+          </p:spPr>
+          <p:style>
+            <a:lnRef idx="2">
+              <a:schemeClr val="accent1">
+                <a:shade val="15000"/>
+              </a:schemeClr>
+            </a:lnRef>
+            <a:fillRef idx="1">
+              <a:schemeClr val="accent1"/>
+            </a:fillRef>
+            <a:effectRef idx="0">
+              <a:schemeClr val="accent1"/>
+            </a:effectRef>
+            <a:fontRef idx="minor">
+              <a:schemeClr val="lt1"/>
+            </a:fontRef>
+          </p:style>
+          <p:txBody>
+            <a:bodyPr rtlCol="0" anchor="ctr"/>
+            <a:lstStyle/>
+            <a:p>
+              <a:pPr algn="ctr"/>
+              <a:endParaRPr lang="en-US"/>
+            </a:p>
+          </p:txBody>
+        </p:sp>
+        <p:sp>
+          <p:nvSpPr>
+            <p:cNvPr id="40" name="Multiplication Sign 39">
+              <a:extLst>
+                <a:ext uri="{FF2B5EF4-FFF2-40B4-BE49-F238E27FC236}">
+                  <a16:creationId xmlns:a16="http://schemas.microsoft.com/office/drawing/2014/main" id="{904AF515-6150-2011-05B0-FFCE977F19E6}"/>
+                </a:ext>
+              </a:extLst>
+            </p:cNvPr>
+            <p:cNvSpPr/>
+            <p:nvPr/>
+          </p:nvSpPr>
+          <p:spPr>
+            <a:xfrm>
+              <a:off x="8561278" y="3593077"/>
+              <a:ext cx="204951" cy="185621"/>
+            </a:xfrm>
+            <a:prstGeom prst="mathMultiply">
+              <a:avLst/>
+            </a:prstGeom>
+            <a:solidFill>
+              <a:srgbClr val="FF0000"/>
+            </a:solidFill>
+          </p:spPr>
+          <p:style>
+            <a:lnRef idx="2">
+              <a:schemeClr val="accent1">
+                <a:shade val="15000"/>
+              </a:schemeClr>
+            </a:lnRef>
+            <a:fillRef idx="1">
+              <a:schemeClr val="accent1"/>
+            </a:fillRef>
+            <a:effectRef idx="0">
+              <a:schemeClr val="accent1"/>
+            </a:effectRef>
+            <a:fontRef idx="minor">
+              <a:schemeClr val="lt1"/>
+            </a:fontRef>
+          </p:style>
+          <p:txBody>
+            <a:bodyPr rtlCol="0" anchor="ctr"/>
+            <a:lstStyle/>
+            <a:p>
+              <a:pPr algn="ctr"/>
+              <a:endParaRPr lang="en-US"/>
+            </a:p>
+          </p:txBody>
+        </p:sp>
+        <p:sp>
+          <p:nvSpPr>
+            <p:cNvPr id="42" name="Isosceles Triangle 41">
+              <a:extLst>
+                <a:ext uri="{FF2B5EF4-FFF2-40B4-BE49-F238E27FC236}">
+                  <a16:creationId xmlns:a16="http://schemas.microsoft.com/office/drawing/2014/main" id="{16A9DD0D-FBF0-066A-75D5-E00F9B9D9798}"/>
+                </a:ext>
+              </a:extLst>
+            </p:cNvPr>
+            <p:cNvSpPr/>
+            <p:nvPr/>
+          </p:nvSpPr>
+          <p:spPr>
+            <a:xfrm rot="10800000">
+              <a:off x="8521718" y="2141217"/>
+              <a:ext cx="102019" cy="66082"/>
+            </a:xfrm>
+            <a:prstGeom prst="triangle">
+              <a:avLst/>
+            </a:prstGeom>
+            <a:solidFill>
+              <a:schemeClr val="tx1"/>
+            </a:solidFill>
+            <a:ln>
+              <a:solidFill>
+                <a:schemeClr val="tx1"/>
+              </a:solidFill>
+            </a:ln>
+          </p:spPr>
+          <p:style>
+            <a:lnRef idx="2">
+              <a:schemeClr val="accent1">
+                <a:shade val="15000"/>
+              </a:schemeClr>
+            </a:lnRef>
+            <a:fillRef idx="1">
+              <a:schemeClr val="accent1"/>
+            </a:fillRef>
+            <a:effectRef idx="0">
+              <a:schemeClr val="accent1"/>
+            </a:effectRef>
+            <a:fontRef idx="minor">
+              <a:schemeClr val="lt1"/>
+            </a:fontRef>
+          </p:style>
+          <p:txBody>
+            <a:bodyPr rtlCol="0" anchor="ctr"/>
+            <a:lstStyle/>
+            <a:p>
+              <a:pPr algn="ctr"/>
+              <a:endParaRPr lang="en-US"/>
             </a:p>
           </p:txBody>
         </p:sp>
@@ -14201,7 +20209,7 @@
     </p:spTree>
     <p:extLst>
       <p:ext uri="{BB962C8B-B14F-4D97-AF65-F5344CB8AC3E}">
-        <p14:creationId xmlns:p14="http://schemas.microsoft.com/office/powerpoint/2010/main" val="447585470"/>
+        <p14:creationId xmlns:p14="http://schemas.microsoft.com/office/powerpoint/2010/main" val="1592373362"/>
       </p:ext>
     </p:extLst>
   </p:cSld>

--- a/BaoCao/2.Thiết kế hệ thống/GiaoDien.pptx
+++ b/BaoCao/2.Thiết kế hệ thống/GiaoDien.pptx
@@ -1124,7 +1124,7 @@
           <a:p>
             <a:fld id="{67A7A6C0-62BD-48B3-A38A-BFC3C65E18C6}" type="datetimeFigureOut">
               <a:rPr lang="en-US" smtClean="0"/>
-              <a:t>10/25/2023</a:t>
+              <a:t>11/13/2023</a:t>
             </a:fld>
             <a:endParaRPr lang="en-US"/>
           </a:p>
@@ -1322,7 +1322,7 @@
           <a:p>
             <a:fld id="{67A7A6C0-62BD-48B3-A38A-BFC3C65E18C6}" type="datetimeFigureOut">
               <a:rPr lang="en-US" smtClean="0"/>
-              <a:t>10/25/2023</a:t>
+              <a:t>11/13/2023</a:t>
             </a:fld>
             <a:endParaRPr lang="en-US"/>
           </a:p>
@@ -1530,7 +1530,7 @@
           <a:p>
             <a:fld id="{67A7A6C0-62BD-48B3-A38A-BFC3C65E18C6}" type="datetimeFigureOut">
               <a:rPr lang="en-US" smtClean="0"/>
-              <a:t>10/25/2023</a:t>
+              <a:t>11/13/2023</a:t>
             </a:fld>
             <a:endParaRPr lang="en-US"/>
           </a:p>
@@ -1728,7 +1728,7 @@
           <a:p>
             <a:fld id="{67A7A6C0-62BD-48B3-A38A-BFC3C65E18C6}" type="datetimeFigureOut">
               <a:rPr lang="en-US" smtClean="0"/>
-              <a:t>10/25/2023</a:t>
+              <a:t>11/13/2023</a:t>
             </a:fld>
             <a:endParaRPr lang="en-US"/>
           </a:p>
@@ -2003,7 +2003,7 @@
           <a:p>
             <a:fld id="{67A7A6C0-62BD-48B3-A38A-BFC3C65E18C6}" type="datetimeFigureOut">
               <a:rPr lang="en-US" smtClean="0"/>
-              <a:t>10/25/2023</a:t>
+              <a:t>11/13/2023</a:t>
             </a:fld>
             <a:endParaRPr lang="en-US"/>
           </a:p>
@@ -2268,7 +2268,7 @@
           <a:p>
             <a:fld id="{67A7A6C0-62BD-48B3-A38A-BFC3C65E18C6}" type="datetimeFigureOut">
               <a:rPr lang="en-US" smtClean="0"/>
-              <a:t>10/25/2023</a:t>
+              <a:t>11/13/2023</a:t>
             </a:fld>
             <a:endParaRPr lang="en-US"/>
           </a:p>
@@ -2680,7 +2680,7 @@
           <a:p>
             <a:fld id="{67A7A6C0-62BD-48B3-A38A-BFC3C65E18C6}" type="datetimeFigureOut">
               <a:rPr lang="en-US" smtClean="0"/>
-              <a:t>10/25/2023</a:t>
+              <a:t>11/13/2023</a:t>
             </a:fld>
             <a:endParaRPr lang="en-US"/>
           </a:p>
@@ -2821,7 +2821,7 @@
           <a:p>
             <a:fld id="{67A7A6C0-62BD-48B3-A38A-BFC3C65E18C6}" type="datetimeFigureOut">
               <a:rPr lang="en-US" smtClean="0"/>
-              <a:t>10/25/2023</a:t>
+              <a:t>11/13/2023</a:t>
             </a:fld>
             <a:endParaRPr lang="en-US"/>
           </a:p>
@@ -2934,7 +2934,7 @@
           <a:p>
             <a:fld id="{67A7A6C0-62BD-48B3-A38A-BFC3C65E18C6}" type="datetimeFigureOut">
               <a:rPr lang="en-US" smtClean="0"/>
-              <a:t>10/25/2023</a:t>
+              <a:t>11/13/2023</a:t>
             </a:fld>
             <a:endParaRPr lang="en-US"/>
           </a:p>
@@ -3245,7 +3245,7 @@
           <a:p>
             <a:fld id="{67A7A6C0-62BD-48B3-A38A-BFC3C65E18C6}" type="datetimeFigureOut">
               <a:rPr lang="en-US" smtClean="0"/>
-              <a:t>10/25/2023</a:t>
+              <a:t>11/13/2023</a:t>
             </a:fld>
             <a:endParaRPr lang="en-US"/>
           </a:p>
@@ -3533,7 +3533,7 @@
           <a:p>
             <a:fld id="{67A7A6C0-62BD-48B3-A38A-BFC3C65E18C6}" type="datetimeFigureOut">
               <a:rPr lang="en-US" smtClean="0"/>
-              <a:t>10/25/2023</a:t>
+              <a:t>11/13/2023</a:t>
             </a:fld>
             <a:endParaRPr lang="en-US"/>
           </a:p>
@@ -3774,7 +3774,7 @@
           <a:p>
             <a:fld id="{67A7A6C0-62BD-48B3-A38A-BFC3C65E18C6}" type="datetimeFigureOut">
               <a:rPr lang="en-US" smtClean="0"/>
-              <a:t>10/25/2023</a:t>
+              <a:t>11/13/2023</a:t>
             </a:fld>
             <a:endParaRPr lang="en-US"/>
           </a:p>
@@ -16961,10 +16961,10 @@
       </p:grpSpPr>
       <p:grpSp>
         <p:nvGrpSpPr>
-          <p:cNvPr id="47" name="Group 46">
+          <p:cNvPr id="32" name="Group 31">
             <a:extLst>
               <a:ext uri="{FF2B5EF4-FFF2-40B4-BE49-F238E27FC236}">
-                <a16:creationId xmlns:a16="http://schemas.microsoft.com/office/drawing/2014/main" id="{65CBE665-095F-1501-0109-F038FD00D6A5}"/>
+                <a16:creationId xmlns:a16="http://schemas.microsoft.com/office/drawing/2014/main" id="{CB67D1B7-F2C1-A625-8686-375064AF0219}"/>
               </a:ext>
             </a:extLst>
           </p:cNvPr>
@@ -16979,167 +16979,3259 @@
             <a:chExt cx="7099097" cy="4743943"/>
           </a:xfrm>
         </p:grpSpPr>
-        <p:sp>
-          <p:nvSpPr>
-            <p:cNvPr id="6" name="Rectangle 5">
+        <p:grpSp>
+          <p:nvGrpSpPr>
+            <p:cNvPr id="47" name="Group 46">
               <a:extLst>
                 <a:ext uri="{FF2B5EF4-FFF2-40B4-BE49-F238E27FC236}">
-                  <a16:creationId xmlns:a16="http://schemas.microsoft.com/office/drawing/2014/main" id="{8BFFF1BD-B177-352C-DA81-B84CCEF3563B}"/>
+                  <a16:creationId xmlns:a16="http://schemas.microsoft.com/office/drawing/2014/main" id="{65CBE665-095F-1501-0109-F038FD00D6A5}"/>
                 </a:ext>
               </a:extLst>
             </p:cNvPr>
-            <p:cNvSpPr>
-              <a:spLocks noChangeAspect="1"/>
-            </p:cNvSpPr>
+            <p:cNvGrpSpPr/>
             <p:nvPr/>
-          </p:nvSpPr>
-          <p:spPr>
+          </p:nvGrpSpPr>
+          <p:grpSpPr>
             <a:xfrm>
               <a:off x="2123731" y="1204912"/>
               <a:ext cx="7099097" cy="4743943"/>
+              <a:chOff x="2123731" y="1204912"/>
+              <a:chExt cx="7099097" cy="4743943"/>
             </a:xfrm>
-            <a:prstGeom prst="rect">
-              <a:avLst/>
-            </a:prstGeom>
-            <a:solidFill>
-              <a:schemeClr val="accent2">
-                <a:lumMod val="20000"/>
-                <a:lumOff val="80000"/>
-              </a:schemeClr>
-            </a:solidFill>
-            <a:ln w="3175">
+          </p:grpSpPr>
+          <p:sp>
+            <p:nvSpPr>
+              <p:cNvPr id="6" name="Rectangle 5">
+                <a:extLst>
+                  <a:ext uri="{FF2B5EF4-FFF2-40B4-BE49-F238E27FC236}">
+                    <a16:creationId xmlns:a16="http://schemas.microsoft.com/office/drawing/2014/main" id="{8BFFF1BD-B177-352C-DA81-B84CCEF3563B}"/>
+                  </a:ext>
+                </a:extLst>
+              </p:cNvPr>
+              <p:cNvSpPr>
+                <a:spLocks noChangeAspect="1"/>
+              </p:cNvSpPr>
+              <p:nvPr/>
+            </p:nvSpPr>
+            <p:spPr>
+              <a:xfrm>
+                <a:off x="2123731" y="1204912"/>
+                <a:ext cx="7099097" cy="4743943"/>
+              </a:xfrm>
+              <a:prstGeom prst="rect">
+                <a:avLst/>
+              </a:prstGeom>
+              <a:solidFill>
+                <a:schemeClr val="accent2">
+                  <a:lumMod val="20000"/>
+                  <a:lumOff val="80000"/>
+                </a:schemeClr>
+              </a:solidFill>
+              <a:ln w="3175">
+                <a:solidFill>
+                  <a:schemeClr val="tx1"/>
+                </a:solidFill>
+              </a:ln>
+            </p:spPr>
+            <p:style>
+              <a:lnRef idx="2">
+                <a:schemeClr val="accent1">
+                  <a:shade val="15000"/>
+                </a:schemeClr>
+              </a:lnRef>
+              <a:fillRef idx="1">
+                <a:schemeClr val="accent1"/>
+              </a:fillRef>
+              <a:effectRef idx="0">
+                <a:schemeClr val="accent1"/>
+              </a:effectRef>
+              <a:fontRef idx="minor">
+                <a:schemeClr val="lt1"/>
+              </a:fontRef>
+            </p:style>
+            <p:txBody>
+              <a:bodyPr rot="0" spcFirstLastPara="0" vert="horz" wrap="square" lIns="91440" tIns="45720" rIns="91440" bIns="45720" numCol="1" spcCol="0" rtlCol="0" fromWordArt="0" anchor="t" anchorCtr="0" forceAA="0" compatLnSpc="1">
+                <a:prstTxWarp prst="textNoShape">
+                  <a:avLst/>
+                </a:prstTxWarp>
+                <a:noAutofit/>
+              </a:bodyPr>
+              <a:lstStyle>
+                <a:lvl1pPr marL="0" indent="0">
+                  <a:defRPr sz="1100">
+                    <a:solidFill>
+                      <a:schemeClr val="lt1"/>
+                    </a:solidFill>
+                    <a:latin typeface="+mn-lt"/>
+                    <a:ea typeface="+mn-ea"/>
+                    <a:cs typeface="+mn-cs"/>
+                  </a:defRPr>
+                </a:lvl1pPr>
+                <a:lvl2pPr marL="457200" indent="0">
+                  <a:defRPr sz="1100">
+                    <a:solidFill>
+                      <a:schemeClr val="lt1"/>
+                    </a:solidFill>
+                    <a:latin typeface="+mn-lt"/>
+                    <a:ea typeface="+mn-ea"/>
+                    <a:cs typeface="+mn-cs"/>
+                  </a:defRPr>
+                </a:lvl2pPr>
+                <a:lvl3pPr marL="914400" indent="0">
+                  <a:defRPr sz="1100">
+                    <a:solidFill>
+                      <a:schemeClr val="lt1"/>
+                    </a:solidFill>
+                    <a:latin typeface="+mn-lt"/>
+                    <a:ea typeface="+mn-ea"/>
+                    <a:cs typeface="+mn-cs"/>
+                  </a:defRPr>
+                </a:lvl3pPr>
+                <a:lvl4pPr marL="1371600" indent="0">
+                  <a:defRPr sz="1100">
+                    <a:solidFill>
+                      <a:schemeClr val="lt1"/>
+                    </a:solidFill>
+                    <a:latin typeface="+mn-lt"/>
+                    <a:ea typeface="+mn-ea"/>
+                    <a:cs typeface="+mn-cs"/>
+                  </a:defRPr>
+                </a:lvl4pPr>
+                <a:lvl5pPr marL="1828800" indent="0">
+                  <a:defRPr sz="1100">
+                    <a:solidFill>
+                      <a:schemeClr val="lt1"/>
+                    </a:solidFill>
+                    <a:latin typeface="+mn-lt"/>
+                    <a:ea typeface="+mn-ea"/>
+                    <a:cs typeface="+mn-cs"/>
+                  </a:defRPr>
+                </a:lvl5pPr>
+                <a:lvl6pPr marL="2286000" indent="0">
+                  <a:defRPr sz="1100">
+                    <a:solidFill>
+                      <a:schemeClr val="lt1"/>
+                    </a:solidFill>
+                    <a:latin typeface="+mn-lt"/>
+                    <a:ea typeface="+mn-ea"/>
+                    <a:cs typeface="+mn-cs"/>
+                  </a:defRPr>
+                </a:lvl6pPr>
+                <a:lvl7pPr marL="2743200" indent="0">
+                  <a:defRPr sz="1100">
+                    <a:solidFill>
+                      <a:schemeClr val="lt1"/>
+                    </a:solidFill>
+                    <a:latin typeface="+mn-lt"/>
+                    <a:ea typeface="+mn-ea"/>
+                    <a:cs typeface="+mn-cs"/>
+                  </a:defRPr>
+                </a:lvl7pPr>
+                <a:lvl8pPr marL="3200400" indent="0">
+                  <a:defRPr sz="1100">
+                    <a:solidFill>
+                      <a:schemeClr val="lt1"/>
+                    </a:solidFill>
+                    <a:latin typeface="+mn-lt"/>
+                    <a:ea typeface="+mn-ea"/>
+                    <a:cs typeface="+mn-cs"/>
+                  </a:defRPr>
+                </a:lvl8pPr>
+                <a:lvl9pPr marL="3657600" indent="0">
+                  <a:defRPr sz="1100">
+                    <a:solidFill>
+                      <a:schemeClr val="lt1"/>
+                    </a:solidFill>
+                    <a:latin typeface="+mn-lt"/>
+                    <a:ea typeface="+mn-ea"/>
+                    <a:cs typeface="+mn-cs"/>
+                  </a:defRPr>
+                </a:lvl9pPr>
+              </a:lstStyle>
+              <a:p>
+                <a:pPr algn="l"/>
+                <a:endParaRPr lang="en-US" sz="1100" dirty="0"/>
+              </a:p>
+            </p:txBody>
+          </p:sp>
+          <p:sp>
+            <p:nvSpPr>
+              <p:cNvPr id="4" name="Shape 27">
+                <a:extLst>
+                  <a:ext uri="{FF2B5EF4-FFF2-40B4-BE49-F238E27FC236}">
+                    <a16:creationId xmlns:a16="http://schemas.microsoft.com/office/drawing/2014/main" id="{00000000-0008-0000-0300-00001B000000}"/>
+                  </a:ext>
+                </a:extLst>
+              </p:cNvPr>
+              <p:cNvSpPr/>
+              <p:nvPr/>
+            </p:nvSpPr>
+            <p:spPr>
+              <a:xfrm>
+                <a:off x="3227917" y="1519238"/>
+                <a:ext cx="4448175" cy="419100"/>
+              </a:xfrm>
+              <a:prstGeom prst="rect">
+                <a:avLst/>
+              </a:prstGeom>
+              <a:noFill/>
+              <a:ln>
+                <a:noFill/>
+              </a:ln>
+            </p:spPr>
+            <p:txBody>
+              <a:bodyPr spcFirstLastPara="1" wrap="square" lIns="91425" tIns="45700" rIns="91425" bIns="45700" anchor="t" anchorCtr="0">
+                <a:noAutofit/>
+              </a:bodyPr>
+              <a:lstStyle>
+                <a:lvl1pPr marL="0" indent="0">
+                  <a:defRPr sz="1100">
+                    <a:latin typeface="+mn-lt"/>
+                    <a:ea typeface="+mn-ea"/>
+                    <a:cs typeface="+mn-cs"/>
+                  </a:defRPr>
+                </a:lvl1pPr>
+                <a:lvl2pPr marL="457200" indent="0">
+                  <a:defRPr sz="1100">
+                    <a:latin typeface="+mn-lt"/>
+                    <a:ea typeface="+mn-ea"/>
+                    <a:cs typeface="+mn-cs"/>
+                  </a:defRPr>
+                </a:lvl2pPr>
+                <a:lvl3pPr marL="914400" indent="0">
+                  <a:defRPr sz="1100">
+                    <a:latin typeface="+mn-lt"/>
+                    <a:ea typeface="+mn-ea"/>
+                    <a:cs typeface="+mn-cs"/>
+                  </a:defRPr>
+                </a:lvl3pPr>
+                <a:lvl4pPr marL="1371600" indent="0">
+                  <a:defRPr sz="1100">
+                    <a:latin typeface="+mn-lt"/>
+                    <a:ea typeface="+mn-ea"/>
+                    <a:cs typeface="+mn-cs"/>
+                  </a:defRPr>
+                </a:lvl4pPr>
+                <a:lvl5pPr marL="1828800" indent="0">
+                  <a:defRPr sz="1100">
+                    <a:latin typeface="+mn-lt"/>
+                    <a:ea typeface="+mn-ea"/>
+                    <a:cs typeface="+mn-cs"/>
+                  </a:defRPr>
+                </a:lvl5pPr>
+                <a:lvl6pPr marL="2286000" indent="0">
+                  <a:defRPr sz="1100">
+                    <a:latin typeface="+mn-lt"/>
+                    <a:ea typeface="+mn-ea"/>
+                    <a:cs typeface="+mn-cs"/>
+                  </a:defRPr>
+                </a:lvl6pPr>
+                <a:lvl7pPr marL="2743200" indent="0">
+                  <a:defRPr sz="1100">
+                    <a:latin typeface="+mn-lt"/>
+                    <a:ea typeface="+mn-ea"/>
+                    <a:cs typeface="+mn-cs"/>
+                  </a:defRPr>
+                </a:lvl7pPr>
+                <a:lvl8pPr marL="3200400" indent="0">
+                  <a:defRPr sz="1100">
+                    <a:latin typeface="+mn-lt"/>
+                    <a:ea typeface="+mn-ea"/>
+                    <a:cs typeface="+mn-cs"/>
+                  </a:defRPr>
+                </a:lvl8pPr>
+                <a:lvl9pPr marL="3657600" indent="0">
+                  <a:defRPr sz="1100">
+                    <a:latin typeface="+mn-lt"/>
+                    <a:ea typeface="+mn-ea"/>
+                    <a:cs typeface="+mn-cs"/>
+                  </a:defRPr>
+                </a:lvl9pPr>
+              </a:lstStyle>
+              <a:p>
+                <a:pPr marL="0" lvl="0" indent="0" algn="l">
+                  <a:spcBef>
+                    <a:spcPts val="0"/>
+                  </a:spcBef>
+                  <a:spcAft>
+                    <a:spcPts val="0"/>
+                  </a:spcAft>
+                  <a:buNone/>
+                </a:pPr>
+                <a:endParaRPr sz="1100"/>
+              </a:p>
+            </p:txBody>
+          </p:sp>
+          <p:sp>
+            <p:nvSpPr>
+              <p:cNvPr id="5" name="Shape 54">
+                <a:extLst>
+                  <a:ext uri="{FF2B5EF4-FFF2-40B4-BE49-F238E27FC236}">
+                    <a16:creationId xmlns:a16="http://schemas.microsoft.com/office/drawing/2014/main" id="{00000000-0008-0000-0300-000036000000}"/>
+                  </a:ext>
+                </a:extLst>
+              </p:cNvPr>
+              <p:cNvSpPr/>
+              <p:nvPr/>
+            </p:nvSpPr>
+            <p:spPr>
+              <a:xfrm>
+                <a:off x="6783639" y="5502479"/>
+                <a:ext cx="781050" cy="295275"/>
+              </a:xfrm>
+              <a:prstGeom prst="rect">
+                <a:avLst/>
+              </a:prstGeom>
+              <a:noFill/>
+              <a:ln>
+                <a:noFill/>
+              </a:ln>
+            </p:spPr>
+            <p:txBody>
+              <a:bodyPr spcFirstLastPara="1" wrap="square" lIns="91425" tIns="45700" rIns="91425" bIns="45700" anchor="t" anchorCtr="0">
+                <a:noAutofit/>
+              </a:bodyPr>
+              <a:lstStyle>
+                <a:lvl1pPr marL="0" indent="0">
+                  <a:defRPr sz="1100">
+                    <a:latin typeface="+mn-lt"/>
+                    <a:ea typeface="+mn-ea"/>
+                    <a:cs typeface="+mn-cs"/>
+                  </a:defRPr>
+                </a:lvl1pPr>
+                <a:lvl2pPr marL="457200" indent="0">
+                  <a:defRPr sz="1100">
+                    <a:latin typeface="+mn-lt"/>
+                    <a:ea typeface="+mn-ea"/>
+                    <a:cs typeface="+mn-cs"/>
+                  </a:defRPr>
+                </a:lvl2pPr>
+                <a:lvl3pPr marL="914400" indent="0">
+                  <a:defRPr sz="1100">
+                    <a:latin typeface="+mn-lt"/>
+                    <a:ea typeface="+mn-ea"/>
+                    <a:cs typeface="+mn-cs"/>
+                  </a:defRPr>
+                </a:lvl3pPr>
+                <a:lvl4pPr marL="1371600" indent="0">
+                  <a:defRPr sz="1100">
+                    <a:latin typeface="+mn-lt"/>
+                    <a:ea typeface="+mn-ea"/>
+                    <a:cs typeface="+mn-cs"/>
+                  </a:defRPr>
+                </a:lvl4pPr>
+                <a:lvl5pPr marL="1828800" indent="0">
+                  <a:defRPr sz="1100">
+                    <a:latin typeface="+mn-lt"/>
+                    <a:ea typeface="+mn-ea"/>
+                    <a:cs typeface="+mn-cs"/>
+                  </a:defRPr>
+                </a:lvl5pPr>
+                <a:lvl6pPr marL="2286000" indent="0">
+                  <a:defRPr sz="1100">
+                    <a:latin typeface="+mn-lt"/>
+                    <a:ea typeface="+mn-ea"/>
+                    <a:cs typeface="+mn-cs"/>
+                  </a:defRPr>
+                </a:lvl6pPr>
+                <a:lvl7pPr marL="2743200" indent="0">
+                  <a:defRPr sz="1100">
+                    <a:latin typeface="+mn-lt"/>
+                    <a:ea typeface="+mn-ea"/>
+                    <a:cs typeface="+mn-cs"/>
+                  </a:defRPr>
+                </a:lvl7pPr>
+                <a:lvl8pPr marL="3200400" indent="0">
+                  <a:defRPr sz="1100">
+                    <a:latin typeface="+mn-lt"/>
+                    <a:ea typeface="+mn-ea"/>
+                    <a:cs typeface="+mn-cs"/>
+                  </a:defRPr>
+                </a:lvl8pPr>
+                <a:lvl9pPr marL="3657600" indent="0">
+                  <a:defRPr sz="1100">
+                    <a:latin typeface="+mn-lt"/>
+                    <a:ea typeface="+mn-ea"/>
+                    <a:cs typeface="+mn-cs"/>
+                  </a:defRPr>
+                </a:lvl9pPr>
+              </a:lstStyle>
+              <a:p>
+                <a:pPr marL="0" lvl="0" indent="0" algn="l">
+                  <a:spcBef>
+                    <a:spcPts val="0"/>
+                  </a:spcBef>
+                  <a:spcAft>
+                    <a:spcPts val="0"/>
+                  </a:spcAft>
+                  <a:buNone/>
+                </a:pPr>
+                <a:endParaRPr sz="1400"/>
+              </a:p>
+            </p:txBody>
+          </p:sp>
+          <p:sp>
+            <p:nvSpPr>
+              <p:cNvPr id="3" name="Rectangle 2">
+                <a:extLst>
+                  <a:ext uri="{FF2B5EF4-FFF2-40B4-BE49-F238E27FC236}">
+                    <a16:creationId xmlns:a16="http://schemas.microsoft.com/office/drawing/2014/main" id="{E12FFB72-7BB6-F213-6457-77D397C63449}"/>
+                  </a:ext>
+                </a:extLst>
+              </p:cNvPr>
+              <p:cNvSpPr/>
+              <p:nvPr/>
+            </p:nvSpPr>
+            <p:spPr>
+              <a:xfrm>
+                <a:off x="2305049" y="1310157"/>
+                <a:ext cx="2371240" cy="408903"/>
+              </a:xfrm>
+              <a:prstGeom prst="rect">
+                <a:avLst/>
+              </a:prstGeom>
+              <a:noFill/>
+              <a:ln>
+                <a:noFill/>
+              </a:ln>
+            </p:spPr>
+            <p:style>
+              <a:lnRef idx="2">
+                <a:schemeClr val="accent1">
+                  <a:shade val="15000"/>
+                </a:schemeClr>
+              </a:lnRef>
+              <a:fillRef idx="1">
+                <a:schemeClr val="accent1"/>
+              </a:fillRef>
+              <a:effectRef idx="0">
+                <a:schemeClr val="accent1"/>
+              </a:effectRef>
+              <a:fontRef idx="minor">
+                <a:schemeClr val="lt1"/>
+              </a:fontRef>
+            </p:style>
+            <p:txBody>
+              <a:bodyPr rtlCol="0" anchor="ctr"/>
+              <a:lstStyle/>
+              <a:p>
+                <a:pPr algn="ctr"/>
+                <a:r>
+                  <a:rPr lang="vi-VN" sz="2000">
+                    <a:solidFill>
+                      <a:schemeClr val="tx1"/>
+                    </a:solidFill>
+                  </a:rPr>
+                  <a:t>Chi tiết sản phẩm</a:t>
+                </a:r>
+                <a:endParaRPr lang="en-US" sz="2000" dirty="0">
+                  <a:solidFill>
+                    <a:schemeClr val="tx1"/>
+                  </a:solidFill>
+                </a:endParaRPr>
+              </a:p>
+            </p:txBody>
+          </p:sp>
+          <p:cxnSp>
+            <p:nvCxnSpPr>
+              <p:cNvPr id="75" name="Straight Connector 74">
+                <a:extLst>
+                  <a:ext uri="{FF2B5EF4-FFF2-40B4-BE49-F238E27FC236}">
+                    <a16:creationId xmlns:a16="http://schemas.microsoft.com/office/drawing/2014/main" id="{0EB19281-758E-33E2-0D1C-5D785E0BF6D5}"/>
+                  </a:ext>
+                </a:extLst>
+              </p:cNvPr>
+              <p:cNvCxnSpPr>
+                <a:cxnSpLocks/>
+              </p:cNvCxnSpPr>
+              <p:nvPr/>
+            </p:nvCxnSpPr>
+            <p:spPr>
+              <a:xfrm>
+                <a:off x="2496616" y="1861644"/>
+                <a:ext cx="6337329" cy="0"/>
+              </a:xfrm>
+              <a:prstGeom prst="line">
+                <a:avLst/>
+              </a:prstGeom>
+              <a:ln w="9525">
+                <a:solidFill>
+                  <a:schemeClr val="accent2">
+                    <a:lumMod val="60000"/>
+                    <a:lumOff val="40000"/>
+                  </a:schemeClr>
+                </a:solidFill>
+              </a:ln>
+            </p:spPr>
+            <p:style>
+              <a:lnRef idx="1">
+                <a:schemeClr val="dk1"/>
+              </a:lnRef>
+              <a:fillRef idx="0">
+                <a:schemeClr val="dk1"/>
+              </a:fillRef>
+              <a:effectRef idx="0">
+                <a:schemeClr val="dk1"/>
+              </a:effectRef>
+              <a:fontRef idx="minor">
+                <a:schemeClr val="tx1"/>
+              </a:fontRef>
+            </p:style>
+          </p:cxnSp>
+          <p:sp>
+            <p:nvSpPr>
+              <p:cNvPr id="210" name="Rectangle 209">
+                <a:extLst>
+                  <a:ext uri="{FF2B5EF4-FFF2-40B4-BE49-F238E27FC236}">
+                    <a16:creationId xmlns:a16="http://schemas.microsoft.com/office/drawing/2014/main" id="{002671AD-8A2C-D7DF-6DEA-F8B66FD3459B}"/>
+                  </a:ext>
+                </a:extLst>
+              </p:cNvPr>
+              <p:cNvSpPr/>
+              <p:nvPr/>
+            </p:nvSpPr>
+            <p:spPr>
+              <a:xfrm>
+                <a:off x="7903720" y="5489546"/>
+                <a:ext cx="881990" cy="273700"/>
+              </a:xfrm>
+              <a:prstGeom prst="rect">
+                <a:avLst/>
+              </a:prstGeom>
+            </p:spPr>
+            <p:style>
+              <a:lnRef idx="1">
+                <a:schemeClr val="accent2"/>
+              </a:lnRef>
+              <a:fillRef idx="2">
+                <a:schemeClr val="accent2"/>
+              </a:fillRef>
+              <a:effectRef idx="1">
+                <a:schemeClr val="accent2"/>
+              </a:effectRef>
+              <a:fontRef idx="minor">
+                <a:schemeClr val="dk1"/>
+              </a:fontRef>
+            </p:style>
+            <p:txBody>
+              <a:bodyPr wrap="square" rtlCol="0" anchor="ctr"/>
+              <a:lstStyle>
+                <a:lvl1pPr marL="0" indent="0">
+                  <a:defRPr sz="1100">
+                    <a:solidFill>
+                      <a:schemeClr val="dk1"/>
+                    </a:solidFill>
+                    <a:latin typeface="+mn-lt"/>
+                    <a:ea typeface="+mn-ea"/>
+                    <a:cs typeface="+mn-cs"/>
+                  </a:defRPr>
+                </a:lvl1pPr>
+                <a:lvl2pPr marL="457200" indent="0">
+                  <a:defRPr sz="1100">
+                    <a:solidFill>
+                      <a:schemeClr val="dk1"/>
+                    </a:solidFill>
+                    <a:latin typeface="+mn-lt"/>
+                    <a:ea typeface="+mn-ea"/>
+                    <a:cs typeface="+mn-cs"/>
+                  </a:defRPr>
+                </a:lvl2pPr>
+                <a:lvl3pPr marL="914400" indent="0">
+                  <a:defRPr sz="1100">
+                    <a:solidFill>
+                      <a:schemeClr val="dk1"/>
+                    </a:solidFill>
+                    <a:latin typeface="+mn-lt"/>
+                    <a:ea typeface="+mn-ea"/>
+                    <a:cs typeface="+mn-cs"/>
+                  </a:defRPr>
+                </a:lvl3pPr>
+                <a:lvl4pPr marL="1371600" indent="0">
+                  <a:defRPr sz="1100">
+                    <a:solidFill>
+                      <a:schemeClr val="dk1"/>
+                    </a:solidFill>
+                    <a:latin typeface="+mn-lt"/>
+                    <a:ea typeface="+mn-ea"/>
+                    <a:cs typeface="+mn-cs"/>
+                  </a:defRPr>
+                </a:lvl4pPr>
+                <a:lvl5pPr marL="1828800" indent="0">
+                  <a:defRPr sz="1100">
+                    <a:solidFill>
+                      <a:schemeClr val="dk1"/>
+                    </a:solidFill>
+                    <a:latin typeface="+mn-lt"/>
+                    <a:ea typeface="+mn-ea"/>
+                    <a:cs typeface="+mn-cs"/>
+                  </a:defRPr>
+                </a:lvl5pPr>
+                <a:lvl6pPr marL="2286000" indent="0">
+                  <a:defRPr sz="1100">
+                    <a:solidFill>
+                      <a:schemeClr val="dk1"/>
+                    </a:solidFill>
+                    <a:latin typeface="+mn-lt"/>
+                    <a:ea typeface="+mn-ea"/>
+                    <a:cs typeface="+mn-cs"/>
+                  </a:defRPr>
+                </a:lvl6pPr>
+                <a:lvl7pPr marL="2743200" indent="0">
+                  <a:defRPr sz="1100">
+                    <a:solidFill>
+                      <a:schemeClr val="dk1"/>
+                    </a:solidFill>
+                    <a:latin typeface="+mn-lt"/>
+                    <a:ea typeface="+mn-ea"/>
+                    <a:cs typeface="+mn-cs"/>
+                  </a:defRPr>
+                </a:lvl7pPr>
+                <a:lvl8pPr marL="3200400" indent="0">
+                  <a:defRPr sz="1100">
+                    <a:solidFill>
+                      <a:schemeClr val="dk1"/>
+                    </a:solidFill>
+                    <a:latin typeface="+mn-lt"/>
+                    <a:ea typeface="+mn-ea"/>
+                    <a:cs typeface="+mn-cs"/>
+                  </a:defRPr>
+                </a:lvl8pPr>
+                <a:lvl9pPr marL="3657600" indent="0">
+                  <a:defRPr sz="1100">
+                    <a:solidFill>
+                      <a:schemeClr val="dk1"/>
+                    </a:solidFill>
+                    <a:latin typeface="+mn-lt"/>
+                    <a:ea typeface="+mn-ea"/>
+                    <a:cs typeface="+mn-cs"/>
+                  </a:defRPr>
+                </a:lvl9pPr>
+              </a:lstStyle>
+              <a:p>
+                <a:pPr algn="ctr"/>
+                <a:r>
+                  <a:rPr lang="vi-VN" sz="1100" kern="1200" dirty="0">
+                    <a:solidFill>
+                      <a:schemeClr val="dk1"/>
+                    </a:solidFill>
+                    <a:effectLst/>
+                    <a:latin typeface="+mn-lt"/>
+                    <a:ea typeface="+mn-ea"/>
+                    <a:cs typeface="+mn-cs"/>
+                  </a:rPr>
+                  <a:t>Hủy</a:t>
+                </a:r>
+                <a:endParaRPr lang="en-US" sz="900" dirty="0"/>
+              </a:p>
+            </p:txBody>
+          </p:sp>
+          <p:sp>
+            <p:nvSpPr>
+              <p:cNvPr id="28" name="Rectangle 27">
+                <a:extLst>
+                  <a:ext uri="{FF2B5EF4-FFF2-40B4-BE49-F238E27FC236}">
+                    <a16:creationId xmlns:a16="http://schemas.microsoft.com/office/drawing/2014/main" id="{66965F54-C01D-7DE9-6AA1-0DA6E268B436}"/>
+                  </a:ext>
+                </a:extLst>
+              </p:cNvPr>
+              <p:cNvSpPr/>
+              <p:nvPr/>
+            </p:nvSpPr>
+            <p:spPr>
+              <a:xfrm>
+                <a:off x="2496616" y="2038094"/>
+                <a:ext cx="1208281" cy="254031"/>
+              </a:xfrm>
+              <a:prstGeom prst="rect">
+                <a:avLst/>
+              </a:prstGeom>
+              <a:noFill/>
+              <a:ln>
+                <a:noFill/>
+              </a:ln>
+            </p:spPr>
+            <p:style>
+              <a:lnRef idx="2">
+                <a:schemeClr val="accent1">
+                  <a:shade val="15000"/>
+                </a:schemeClr>
+              </a:lnRef>
+              <a:fillRef idx="1">
+                <a:schemeClr val="accent1"/>
+              </a:fillRef>
+              <a:effectRef idx="0">
+                <a:schemeClr val="accent1"/>
+              </a:effectRef>
+              <a:fontRef idx="minor">
+                <a:schemeClr val="lt1"/>
+              </a:fontRef>
+            </p:style>
+            <p:txBody>
+              <a:bodyPr rtlCol="0" anchor="ctr"/>
+              <a:lstStyle/>
+              <a:p>
+                <a:r>
+                  <a:rPr lang="vi-VN" sz="1000" dirty="0">
+                    <a:solidFill>
+                      <a:schemeClr val="tx1"/>
+                    </a:solidFill>
+                  </a:rPr>
+                  <a:t>Mã sản phẩm</a:t>
+                </a:r>
+                <a:endParaRPr lang="en-US" sz="1000" dirty="0">
+                  <a:solidFill>
+                    <a:schemeClr val="tx1"/>
+                  </a:solidFill>
+                </a:endParaRPr>
+              </a:p>
+            </p:txBody>
+          </p:sp>
+          <p:sp>
+            <p:nvSpPr>
+              <p:cNvPr id="29" name="Rectangle 28">
+                <a:extLst>
+                  <a:ext uri="{FF2B5EF4-FFF2-40B4-BE49-F238E27FC236}">
+                    <a16:creationId xmlns:a16="http://schemas.microsoft.com/office/drawing/2014/main" id="{A5B815D8-2FA5-98A3-6216-B5B666E0AA7E}"/>
+                  </a:ext>
+                </a:extLst>
+              </p:cNvPr>
+              <p:cNvSpPr/>
+              <p:nvPr/>
+            </p:nvSpPr>
+            <p:spPr>
+              <a:xfrm>
+                <a:off x="3731644" y="2026342"/>
+                <a:ext cx="1271280" cy="277534"/>
+              </a:xfrm>
+              <a:prstGeom prst="rect">
+                <a:avLst/>
+              </a:prstGeom>
+              <a:solidFill>
+                <a:schemeClr val="bg1">
+                  <a:lumMod val="85000"/>
+                </a:schemeClr>
+              </a:solidFill>
+            </p:spPr>
+            <p:style>
+              <a:lnRef idx="2">
+                <a:schemeClr val="accent1">
+                  <a:shade val="15000"/>
+                </a:schemeClr>
+              </a:lnRef>
+              <a:fillRef idx="1">
+                <a:schemeClr val="accent1"/>
+              </a:fillRef>
+              <a:effectRef idx="0">
+                <a:schemeClr val="accent1"/>
+              </a:effectRef>
+              <a:fontRef idx="minor">
+                <a:schemeClr val="lt1"/>
+              </a:fontRef>
+            </p:style>
+            <p:txBody>
+              <a:bodyPr rtlCol="0" anchor="ctr"/>
+              <a:lstStyle/>
+              <a:p>
+                <a:r>
+                  <a:rPr lang="vi-VN" sz="1000">
+                    <a:solidFill>
+                      <a:schemeClr val="tx1"/>
+                    </a:solidFill>
+                  </a:rPr>
+                  <a:t>080</a:t>
+                </a:r>
+                <a:endParaRPr lang="en-US" sz="1000" dirty="0">
+                  <a:solidFill>
+                    <a:schemeClr val="tx1"/>
+                  </a:solidFill>
+                </a:endParaRPr>
+              </a:p>
+            </p:txBody>
+          </p:sp>
+          <p:sp>
+            <p:nvSpPr>
+              <p:cNvPr id="10" name="Rectangle 9">
+                <a:extLst>
+                  <a:ext uri="{FF2B5EF4-FFF2-40B4-BE49-F238E27FC236}">
+                    <a16:creationId xmlns:a16="http://schemas.microsoft.com/office/drawing/2014/main" id="{6D49CB63-C5AB-4FF9-E2B0-E9115E30D6E9}"/>
+                  </a:ext>
+                </a:extLst>
+              </p:cNvPr>
+              <p:cNvSpPr/>
+              <p:nvPr/>
+            </p:nvSpPr>
+            <p:spPr>
+              <a:xfrm>
+                <a:off x="6905237" y="5489546"/>
+                <a:ext cx="881990" cy="273700"/>
+              </a:xfrm>
+              <a:prstGeom prst="rect">
+                <a:avLst/>
+              </a:prstGeom>
+            </p:spPr>
+            <p:style>
+              <a:lnRef idx="1">
+                <a:schemeClr val="accent2"/>
+              </a:lnRef>
+              <a:fillRef idx="2">
+                <a:schemeClr val="accent2"/>
+              </a:fillRef>
+              <a:effectRef idx="1">
+                <a:schemeClr val="accent2"/>
+              </a:effectRef>
+              <a:fontRef idx="minor">
+                <a:schemeClr val="dk1"/>
+              </a:fontRef>
+            </p:style>
+            <p:txBody>
+              <a:bodyPr wrap="square" rtlCol="0" anchor="ctr"/>
+              <a:lstStyle>
+                <a:lvl1pPr marL="0" indent="0">
+                  <a:defRPr sz="1100">
+                    <a:solidFill>
+                      <a:schemeClr val="dk1"/>
+                    </a:solidFill>
+                    <a:latin typeface="+mn-lt"/>
+                    <a:ea typeface="+mn-ea"/>
+                    <a:cs typeface="+mn-cs"/>
+                  </a:defRPr>
+                </a:lvl1pPr>
+                <a:lvl2pPr marL="457200" indent="0">
+                  <a:defRPr sz="1100">
+                    <a:solidFill>
+                      <a:schemeClr val="dk1"/>
+                    </a:solidFill>
+                    <a:latin typeface="+mn-lt"/>
+                    <a:ea typeface="+mn-ea"/>
+                    <a:cs typeface="+mn-cs"/>
+                  </a:defRPr>
+                </a:lvl2pPr>
+                <a:lvl3pPr marL="914400" indent="0">
+                  <a:defRPr sz="1100">
+                    <a:solidFill>
+                      <a:schemeClr val="dk1"/>
+                    </a:solidFill>
+                    <a:latin typeface="+mn-lt"/>
+                    <a:ea typeface="+mn-ea"/>
+                    <a:cs typeface="+mn-cs"/>
+                  </a:defRPr>
+                </a:lvl3pPr>
+                <a:lvl4pPr marL="1371600" indent="0">
+                  <a:defRPr sz="1100">
+                    <a:solidFill>
+                      <a:schemeClr val="dk1"/>
+                    </a:solidFill>
+                    <a:latin typeface="+mn-lt"/>
+                    <a:ea typeface="+mn-ea"/>
+                    <a:cs typeface="+mn-cs"/>
+                  </a:defRPr>
+                </a:lvl4pPr>
+                <a:lvl5pPr marL="1828800" indent="0">
+                  <a:defRPr sz="1100">
+                    <a:solidFill>
+                      <a:schemeClr val="dk1"/>
+                    </a:solidFill>
+                    <a:latin typeface="+mn-lt"/>
+                    <a:ea typeface="+mn-ea"/>
+                    <a:cs typeface="+mn-cs"/>
+                  </a:defRPr>
+                </a:lvl5pPr>
+                <a:lvl6pPr marL="2286000" indent="0">
+                  <a:defRPr sz="1100">
+                    <a:solidFill>
+                      <a:schemeClr val="dk1"/>
+                    </a:solidFill>
+                    <a:latin typeface="+mn-lt"/>
+                    <a:ea typeface="+mn-ea"/>
+                    <a:cs typeface="+mn-cs"/>
+                  </a:defRPr>
+                </a:lvl6pPr>
+                <a:lvl7pPr marL="2743200" indent="0">
+                  <a:defRPr sz="1100">
+                    <a:solidFill>
+                      <a:schemeClr val="dk1"/>
+                    </a:solidFill>
+                    <a:latin typeface="+mn-lt"/>
+                    <a:ea typeface="+mn-ea"/>
+                    <a:cs typeface="+mn-cs"/>
+                  </a:defRPr>
+                </a:lvl7pPr>
+                <a:lvl8pPr marL="3200400" indent="0">
+                  <a:defRPr sz="1100">
+                    <a:solidFill>
+                      <a:schemeClr val="dk1"/>
+                    </a:solidFill>
+                    <a:latin typeface="+mn-lt"/>
+                    <a:ea typeface="+mn-ea"/>
+                    <a:cs typeface="+mn-cs"/>
+                  </a:defRPr>
+                </a:lvl8pPr>
+                <a:lvl9pPr marL="3657600" indent="0">
+                  <a:defRPr sz="1100">
+                    <a:solidFill>
+                      <a:schemeClr val="dk1"/>
+                    </a:solidFill>
+                    <a:latin typeface="+mn-lt"/>
+                    <a:ea typeface="+mn-ea"/>
+                    <a:cs typeface="+mn-cs"/>
+                  </a:defRPr>
+                </a:lvl9pPr>
+              </a:lstStyle>
+              <a:p>
+                <a:pPr algn="ctr"/>
+                <a:r>
+                  <a:rPr lang="vi-VN" sz="1100" kern="1200" dirty="0">
+                    <a:solidFill>
+                      <a:schemeClr val="dk1"/>
+                    </a:solidFill>
+                    <a:effectLst/>
+                    <a:latin typeface="+mn-lt"/>
+                    <a:ea typeface="+mn-ea"/>
+                    <a:cs typeface="+mn-cs"/>
+                  </a:rPr>
+                  <a:t>Xác nhận</a:t>
+                </a:r>
+                <a:endParaRPr lang="en-US" sz="900" dirty="0"/>
+              </a:p>
+            </p:txBody>
+          </p:sp>
+          <p:sp>
+            <p:nvSpPr>
+              <p:cNvPr id="16" name="Rectangle 15">
+                <a:extLst>
+                  <a:ext uri="{FF2B5EF4-FFF2-40B4-BE49-F238E27FC236}">
+                    <a16:creationId xmlns:a16="http://schemas.microsoft.com/office/drawing/2014/main" id="{8C2200C9-44C2-A403-2932-A608F32BDF20}"/>
+                  </a:ext>
+                </a:extLst>
+              </p:cNvPr>
+              <p:cNvSpPr/>
+              <p:nvPr/>
+            </p:nvSpPr>
+            <p:spPr>
+              <a:xfrm>
+                <a:off x="2496615" y="2400488"/>
+                <a:ext cx="1208281" cy="254031"/>
+              </a:xfrm>
+              <a:prstGeom prst="rect">
+                <a:avLst/>
+              </a:prstGeom>
+              <a:noFill/>
+              <a:ln>
+                <a:noFill/>
+              </a:ln>
+            </p:spPr>
+            <p:style>
+              <a:lnRef idx="2">
+                <a:schemeClr val="accent1">
+                  <a:shade val="15000"/>
+                </a:schemeClr>
+              </a:lnRef>
+              <a:fillRef idx="1">
+                <a:schemeClr val="accent1"/>
+              </a:fillRef>
+              <a:effectRef idx="0">
+                <a:schemeClr val="accent1"/>
+              </a:effectRef>
+              <a:fontRef idx="minor">
+                <a:schemeClr val="lt1"/>
+              </a:fontRef>
+            </p:style>
+            <p:txBody>
+              <a:bodyPr rtlCol="0" anchor="ctr"/>
+              <a:lstStyle/>
+              <a:p>
+                <a:r>
+                  <a:rPr lang="vi-VN" sz="1000" dirty="0">
+                    <a:solidFill>
+                      <a:schemeClr val="tx1"/>
+                    </a:solidFill>
+                  </a:rPr>
+                  <a:t>Tên sản phẩm</a:t>
+                </a:r>
+                <a:endParaRPr lang="en-US" sz="1000" dirty="0">
+                  <a:solidFill>
+                    <a:schemeClr val="tx1"/>
+                  </a:solidFill>
+                </a:endParaRPr>
+              </a:p>
+            </p:txBody>
+          </p:sp>
+          <p:sp>
+            <p:nvSpPr>
+              <p:cNvPr id="17" name="Rectangle 16">
+                <a:extLst>
+                  <a:ext uri="{FF2B5EF4-FFF2-40B4-BE49-F238E27FC236}">
+                    <a16:creationId xmlns:a16="http://schemas.microsoft.com/office/drawing/2014/main" id="{77B3240B-F284-BF4D-11CE-187C795548D0}"/>
+                  </a:ext>
+                </a:extLst>
+              </p:cNvPr>
+              <p:cNvSpPr/>
+              <p:nvPr/>
+            </p:nvSpPr>
+            <p:spPr>
+              <a:xfrm>
+                <a:off x="2496614" y="2762882"/>
+                <a:ext cx="1208281" cy="254031"/>
+              </a:xfrm>
+              <a:prstGeom prst="rect">
+                <a:avLst/>
+              </a:prstGeom>
+              <a:noFill/>
+              <a:ln>
+                <a:noFill/>
+              </a:ln>
+            </p:spPr>
+            <p:style>
+              <a:lnRef idx="2">
+                <a:schemeClr val="accent1">
+                  <a:shade val="15000"/>
+                </a:schemeClr>
+              </a:lnRef>
+              <a:fillRef idx="1">
+                <a:schemeClr val="accent1"/>
+              </a:fillRef>
+              <a:effectRef idx="0">
+                <a:schemeClr val="accent1"/>
+              </a:effectRef>
+              <a:fontRef idx="minor">
+                <a:schemeClr val="lt1"/>
+              </a:fontRef>
+            </p:style>
+            <p:txBody>
+              <a:bodyPr rtlCol="0" anchor="ctr"/>
+              <a:lstStyle/>
+              <a:p>
+                <a:r>
+                  <a:rPr lang="vi-VN" sz="1000" dirty="0">
+                    <a:solidFill>
+                      <a:schemeClr val="tx1"/>
+                    </a:solidFill>
+                  </a:rPr>
+                  <a:t>Mô tả</a:t>
+                </a:r>
+                <a:endParaRPr lang="en-US" sz="1000" dirty="0">
+                  <a:solidFill>
+                    <a:schemeClr val="tx1"/>
+                  </a:solidFill>
+                </a:endParaRPr>
+              </a:p>
+            </p:txBody>
+          </p:sp>
+          <p:sp>
+            <p:nvSpPr>
+              <p:cNvPr id="20" name="Rectangle 19">
+                <a:extLst>
+                  <a:ext uri="{FF2B5EF4-FFF2-40B4-BE49-F238E27FC236}">
+                    <a16:creationId xmlns:a16="http://schemas.microsoft.com/office/drawing/2014/main" id="{B4C94937-CE20-41CA-699B-019A81834F15}"/>
+                  </a:ext>
+                </a:extLst>
+              </p:cNvPr>
+              <p:cNvSpPr/>
+              <p:nvPr/>
+            </p:nvSpPr>
+            <p:spPr>
+              <a:xfrm>
+                <a:off x="2503079" y="5015706"/>
+                <a:ext cx="1208281" cy="254031"/>
+              </a:xfrm>
+              <a:prstGeom prst="rect">
+                <a:avLst/>
+              </a:prstGeom>
+              <a:noFill/>
+              <a:ln>
+                <a:noFill/>
+              </a:ln>
+            </p:spPr>
+            <p:style>
+              <a:lnRef idx="2">
+                <a:schemeClr val="accent1">
+                  <a:shade val="15000"/>
+                </a:schemeClr>
+              </a:lnRef>
+              <a:fillRef idx="1">
+                <a:schemeClr val="accent1"/>
+              </a:fillRef>
+              <a:effectRef idx="0">
+                <a:schemeClr val="accent1"/>
+              </a:effectRef>
+              <a:fontRef idx="minor">
+                <a:schemeClr val="lt1"/>
+              </a:fontRef>
+            </p:style>
+            <p:txBody>
+              <a:bodyPr rtlCol="0" anchor="ctr"/>
+              <a:lstStyle/>
+              <a:p>
+                <a:r>
+                  <a:rPr lang="vi-VN" sz="1000" dirty="0">
+                    <a:solidFill>
+                      <a:schemeClr val="tx1"/>
+                    </a:solidFill>
+                  </a:rPr>
+                  <a:t>Giá</a:t>
+                </a:r>
+                <a:endParaRPr lang="en-US" sz="1000" dirty="0">
+                  <a:solidFill>
+                    <a:schemeClr val="tx1"/>
+                  </a:solidFill>
+                </a:endParaRPr>
+              </a:p>
+            </p:txBody>
+          </p:sp>
+          <p:sp>
+            <p:nvSpPr>
+              <p:cNvPr id="21" name="Rectangle 20">
+                <a:extLst>
+                  <a:ext uri="{FF2B5EF4-FFF2-40B4-BE49-F238E27FC236}">
+                    <a16:creationId xmlns:a16="http://schemas.microsoft.com/office/drawing/2014/main" id="{8B109D92-0A0E-DBB0-4189-877A3419A4F8}"/>
+                  </a:ext>
+                </a:extLst>
+              </p:cNvPr>
+              <p:cNvSpPr/>
+              <p:nvPr/>
+            </p:nvSpPr>
+            <p:spPr>
+              <a:xfrm>
+                <a:off x="6309203" y="5056308"/>
+                <a:ext cx="1179418" cy="254031"/>
+              </a:xfrm>
+              <a:prstGeom prst="rect">
+                <a:avLst/>
+              </a:prstGeom>
+              <a:noFill/>
+              <a:ln>
+                <a:noFill/>
+              </a:ln>
+            </p:spPr>
+            <p:style>
+              <a:lnRef idx="2">
+                <a:schemeClr val="accent1">
+                  <a:shade val="15000"/>
+                </a:schemeClr>
+              </a:lnRef>
+              <a:fillRef idx="1">
+                <a:schemeClr val="accent1"/>
+              </a:fillRef>
+              <a:effectRef idx="0">
+                <a:schemeClr val="accent1"/>
+              </a:effectRef>
+              <a:fontRef idx="minor">
+                <a:schemeClr val="lt1"/>
+              </a:fontRef>
+            </p:style>
+            <p:txBody>
+              <a:bodyPr rtlCol="0" anchor="ctr"/>
+              <a:lstStyle/>
+              <a:p>
+                <a:r>
+                  <a:rPr lang="vi-VN" sz="1000" dirty="0">
+                    <a:solidFill>
+                      <a:schemeClr val="tx1"/>
+                    </a:solidFill>
+                  </a:rPr>
+                  <a:t>Màu</a:t>
+                </a:r>
+                <a:endParaRPr lang="en-US" sz="1000" dirty="0">
+                  <a:solidFill>
+                    <a:schemeClr val="tx1"/>
+                  </a:solidFill>
+                </a:endParaRPr>
+              </a:p>
+            </p:txBody>
+          </p:sp>
+          <p:sp>
+            <p:nvSpPr>
+              <p:cNvPr id="22" name="Rectangle 21">
+                <a:extLst>
+                  <a:ext uri="{FF2B5EF4-FFF2-40B4-BE49-F238E27FC236}">
+                    <a16:creationId xmlns:a16="http://schemas.microsoft.com/office/drawing/2014/main" id="{EF7AD3A4-4B12-19C4-A20E-D2151A101F31}"/>
+                  </a:ext>
+                </a:extLst>
+              </p:cNvPr>
+              <p:cNvSpPr/>
+              <p:nvPr/>
+            </p:nvSpPr>
+            <p:spPr>
+              <a:xfrm>
+                <a:off x="2502838" y="4635397"/>
+                <a:ext cx="1208281" cy="254031"/>
+              </a:xfrm>
+              <a:prstGeom prst="rect">
+                <a:avLst/>
+              </a:prstGeom>
+              <a:noFill/>
+              <a:ln>
+                <a:noFill/>
+              </a:ln>
+            </p:spPr>
+            <p:style>
+              <a:lnRef idx="2">
+                <a:schemeClr val="accent1">
+                  <a:shade val="15000"/>
+                </a:schemeClr>
+              </a:lnRef>
+              <a:fillRef idx="1">
+                <a:schemeClr val="accent1"/>
+              </a:fillRef>
+              <a:effectRef idx="0">
+                <a:schemeClr val="accent1"/>
+              </a:effectRef>
+              <a:fontRef idx="minor">
+                <a:schemeClr val="lt1"/>
+              </a:fontRef>
+            </p:style>
+            <p:txBody>
+              <a:bodyPr rtlCol="0" anchor="ctr"/>
+              <a:lstStyle/>
+              <a:p>
+                <a:r>
+                  <a:rPr lang="vi-VN" sz="1000" dirty="0">
+                    <a:solidFill>
+                      <a:schemeClr val="tx1"/>
+                    </a:solidFill>
+                  </a:rPr>
+                  <a:t>Thương hiệu</a:t>
+                </a:r>
+                <a:endParaRPr lang="en-US" sz="1000" dirty="0">
+                  <a:solidFill>
+                    <a:schemeClr val="tx1"/>
+                  </a:solidFill>
+                </a:endParaRPr>
+              </a:p>
+            </p:txBody>
+          </p:sp>
+          <p:sp>
+            <p:nvSpPr>
+              <p:cNvPr id="23" name="Rectangle 22">
+                <a:extLst>
+                  <a:ext uri="{FF2B5EF4-FFF2-40B4-BE49-F238E27FC236}">
+                    <a16:creationId xmlns:a16="http://schemas.microsoft.com/office/drawing/2014/main" id="{4945A0BF-B9FA-560D-0763-B52606A0A9E0}"/>
+                  </a:ext>
+                </a:extLst>
+              </p:cNvPr>
+              <p:cNvSpPr/>
+              <p:nvPr/>
+            </p:nvSpPr>
+            <p:spPr>
+              <a:xfrm>
+                <a:off x="2497088" y="3536982"/>
+                <a:ext cx="1208281" cy="254031"/>
+              </a:xfrm>
+              <a:prstGeom prst="rect">
+                <a:avLst/>
+              </a:prstGeom>
+              <a:noFill/>
+              <a:ln>
+                <a:noFill/>
+              </a:ln>
+            </p:spPr>
+            <p:style>
+              <a:lnRef idx="2">
+                <a:schemeClr val="accent1">
+                  <a:shade val="15000"/>
+                </a:schemeClr>
+              </a:lnRef>
+              <a:fillRef idx="1">
+                <a:schemeClr val="accent1"/>
+              </a:fillRef>
+              <a:effectRef idx="0">
+                <a:schemeClr val="accent1"/>
+              </a:effectRef>
+              <a:fontRef idx="minor">
+                <a:schemeClr val="lt1"/>
+              </a:fontRef>
+            </p:style>
+            <p:txBody>
+              <a:bodyPr rtlCol="0" anchor="ctr"/>
+              <a:lstStyle/>
+              <a:p>
+                <a:r>
+                  <a:rPr lang="vi-VN" sz="1000" dirty="0">
+                    <a:solidFill>
+                      <a:schemeClr val="tx1"/>
+                    </a:solidFill>
+                  </a:rPr>
+                  <a:t>Ảnh</a:t>
+                </a:r>
+                <a:endParaRPr lang="en-US" sz="1000" dirty="0">
+                  <a:solidFill>
+                    <a:schemeClr val="tx1"/>
+                  </a:solidFill>
+                </a:endParaRPr>
+              </a:p>
+            </p:txBody>
+          </p:sp>
+          <p:sp>
+            <p:nvSpPr>
+              <p:cNvPr id="37" name="Rectangle 36">
+                <a:extLst>
+                  <a:ext uri="{FF2B5EF4-FFF2-40B4-BE49-F238E27FC236}">
+                    <a16:creationId xmlns:a16="http://schemas.microsoft.com/office/drawing/2014/main" id="{56262808-8088-E558-11B8-DCB55C19AFBE}"/>
+                  </a:ext>
+                </a:extLst>
+              </p:cNvPr>
+              <p:cNvSpPr/>
+              <p:nvPr/>
+            </p:nvSpPr>
+            <p:spPr>
+              <a:xfrm>
+                <a:off x="2530532" y="4290697"/>
+                <a:ext cx="1208281" cy="254031"/>
+              </a:xfrm>
+              <a:prstGeom prst="rect">
+                <a:avLst/>
+              </a:prstGeom>
+              <a:noFill/>
+              <a:ln>
+                <a:noFill/>
+              </a:ln>
+            </p:spPr>
+            <p:style>
+              <a:lnRef idx="2">
+                <a:schemeClr val="accent1">
+                  <a:shade val="15000"/>
+                </a:schemeClr>
+              </a:lnRef>
+              <a:fillRef idx="1">
+                <a:schemeClr val="accent1"/>
+              </a:fillRef>
+              <a:effectRef idx="0">
+                <a:schemeClr val="accent1"/>
+              </a:effectRef>
+              <a:fontRef idx="minor">
+                <a:schemeClr val="lt1"/>
+              </a:fontRef>
+            </p:style>
+            <p:txBody>
+              <a:bodyPr rtlCol="0" anchor="ctr"/>
+              <a:lstStyle/>
+              <a:p>
+                <a:r>
+                  <a:rPr lang="vi-VN" sz="1000" dirty="0">
+                    <a:solidFill>
+                      <a:schemeClr val="tx1"/>
+                    </a:solidFill>
+                  </a:rPr>
+                  <a:t>Size</a:t>
+                </a:r>
+                <a:endParaRPr lang="en-US" sz="1000" dirty="0">
+                  <a:solidFill>
+                    <a:schemeClr val="tx1"/>
+                  </a:solidFill>
+                </a:endParaRPr>
+              </a:p>
+            </p:txBody>
+          </p:sp>
+          <p:sp>
+            <p:nvSpPr>
+              <p:cNvPr id="38" name="Rectangle 37">
+                <a:extLst>
+                  <a:ext uri="{FF2B5EF4-FFF2-40B4-BE49-F238E27FC236}">
+                    <a16:creationId xmlns:a16="http://schemas.microsoft.com/office/drawing/2014/main" id="{69DE6DE4-51F4-99D4-D7DA-B62D719BC23F}"/>
+                  </a:ext>
+                </a:extLst>
+              </p:cNvPr>
+              <p:cNvSpPr/>
+              <p:nvPr/>
+            </p:nvSpPr>
+            <p:spPr>
+              <a:xfrm>
+                <a:off x="6309204" y="4260546"/>
+                <a:ext cx="1208281" cy="254031"/>
+              </a:xfrm>
+              <a:prstGeom prst="rect">
+                <a:avLst/>
+              </a:prstGeom>
+              <a:noFill/>
+              <a:ln>
+                <a:noFill/>
+              </a:ln>
+            </p:spPr>
+            <p:style>
+              <a:lnRef idx="2">
+                <a:schemeClr val="accent1">
+                  <a:shade val="15000"/>
+                </a:schemeClr>
+              </a:lnRef>
+              <a:fillRef idx="1">
+                <a:schemeClr val="accent1"/>
+              </a:fillRef>
+              <a:effectRef idx="0">
+                <a:schemeClr val="accent1"/>
+              </a:effectRef>
+              <a:fontRef idx="minor">
+                <a:schemeClr val="lt1"/>
+              </a:fontRef>
+            </p:style>
+            <p:txBody>
+              <a:bodyPr rtlCol="0" anchor="ctr"/>
+              <a:lstStyle/>
+              <a:p>
+                <a:r>
+                  <a:rPr lang="vi-VN" sz="1000" dirty="0">
+                    <a:solidFill>
+                      <a:schemeClr val="tx1"/>
+                    </a:solidFill>
+                  </a:rPr>
+                  <a:t>Loại sản phẩm</a:t>
+                </a:r>
+                <a:endParaRPr lang="en-US" sz="1000" dirty="0">
+                  <a:solidFill>
+                    <a:schemeClr val="tx1"/>
+                  </a:solidFill>
+                </a:endParaRPr>
+              </a:p>
+            </p:txBody>
+          </p:sp>
+          <p:sp>
+            <p:nvSpPr>
+              <p:cNvPr id="39" name="Rectangle 38">
+                <a:extLst>
+                  <a:ext uri="{FF2B5EF4-FFF2-40B4-BE49-F238E27FC236}">
+                    <a16:creationId xmlns:a16="http://schemas.microsoft.com/office/drawing/2014/main" id="{910F64CF-755D-3065-BA18-416E0AA9EDC4}"/>
+                  </a:ext>
+                </a:extLst>
+              </p:cNvPr>
+              <p:cNvSpPr/>
+              <p:nvPr/>
+            </p:nvSpPr>
+            <p:spPr>
+              <a:xfrm>
+                <a:off x="6309203" y="4650746"/>
+                <a:ext cx="1208281" cy="254031"/>
+              </a:xfrm>
+              <a:prstGeom prst="rect">
+                <a:avLst/>
+              </a:prstGeom>
+              <a:noFill/>
+              <a:ln>
+                <a:noFill/>
+              </a:ln>
+            </p:spPr>
+            <p:style>
+              <a:lnRef idx="2">
+                <a:schemeClr val="accent1">
+                  <a:shade val="15000"/>
+                </a:schemeClr>
+              </a:lnRef>
+              <a:fillRef idx="1">
+                <a:schemeClr val="accent1"/>
+              </a:fillRef>
+              <a:effectRef idx="0">
+                <a:schemeClr val="accent1"/>
+              </a:effectRef>
+              <a:fontRef idx="minor">
+                <a:schemeClr val="lt1"/>
+              </a:fontRef>
+            </p:style>
+            <p:txBody>
+              <a:bodyPr rtlCol="0" anchor="ctr"/>
+              <a:lstStyle/>
+              <a:p>
+                <a:r>
+                  <a:rPr lang="vi-VN" sz="1000" dirty="0">
+                    <a:solidFill>
+                      <a:schemeClr val="tx1"/>
+                    </a:solidFill>
+                  </a:rPr>
+                  <a:t>Mã khuyến mãi</a:t>
+                </a:r>
+                <a:endParaRPr lang="en-US" sz="1000" dirty="0">
+                  <a:solidFill>
+                    <a:schemeClr val="tx1"/>
+                  </a:solidFill>
+                </a:endParaRPr>
+              </a:p>
+            </p:txBody>
+          </p:sp>
+          <p:sp>
+            <p:nvSpPr>
+              <p:cNvPr id="43" name="Rectangle 42">
+                <a:extLst>
+                  <a:ext uri="{FF2B5EF4-FFF2-40B4-BE49-F238E27FC236}">
+                    <a16:creationId xmlns:a16="http://schemas.microsoft.com/office/drawing/2014/main" id="{870D469B-82F7-44F9-2CD7-32494A55D421}"/>
+                  </a:ext>
+                </a:extLst>
+              </p:cNvPr>
+              <p:cNvSpPr/>
+              <p:nvPr/>
+            </p:nvSpPr>
+            <p:spPr>
+              <a:xfrm>
+                <a:off x="6280340" y="2038094"/>
+                <a:ext cx="1208281" cy="254031"/>
+              </a:xfrm>
+              <a:prstGeom prst="rect">
+                <a:avLst/>
+              </a:prstGeom>
+              <a:noFill/>
+              <a:ln>
+                <a:noFill/>
+              </a:ln>
+            </p:spPr>
+            <p:style>
+              <a:lnRef idx="2">
+                <a:schemeClr val="accent1">
+                  <a:shade val="15000"/>
+                </a:schemeClr>
+              </a:lnRef>
+              <a:fillRef idx="1">
+                <a:schemeClr val="accent1"/>
+              </a:fillRef>
+              <a:effectRef idx="0">
+                <a:schemeClr val="accent1"/>
+              </a:effectRef>
+              <a:fontRef idx="minor">
+                <a:schemeClr val="lt1"/>
+              </a:fontRef>
+            </p:style>
+            <p:txBody>
+              <a:bodyPr rtlCol="0" anchor="ctr"/>
+              <a:lstStyle/>
+              <a:p>
+                <a:r>
+                  <a:rPr lang="vi-VN" sz="1000" dirty="0">
+                    <a:solidFill>
+                      <a:schemeClr val="tx1"/>
+                    </a:solidFill>
+                  </a:rPr>
+                  <a:t>Tình trạng</a:t>
+                </a:r>
+                <a:endParaRPr lang="en-US" sz="1000" dirty="0">
+                  <a:solidFill>
+                    <a:schemeClr val="tx1"/>
+                  </a:solidFill>
+                </a:endParaRPr>
+              </a:p>
+            </p:txBody>
+          </p:sp>
+          <p:sp>
+            <p:nvSpPr>
+              <p:cNvPr id="44" name="Rectangle 43">
+                <a:extLst>
+                  <a:ext uri="{FF2B5EF4-FFF2-40B4-BE49-F238E27FC236}">
+                    <a16:creationId xmlns:a16="http://schemas.microsoft.com/office/drawing/2014/main" id="{25E67106-9DD5-4D52-07CB-5BD21F585E51}"/>
+                  </a:ext>
+                </a:extLst>
+              </p:cNvPr>
+              <p:cNvSpPr/>
+              <p:nvPr/>
+            </p:nvSpPr>
+            <p:spPr>
+              <a:xfrm>
+                <a:off x="7515367" y="2026342"/>
+                <a:ext cx="1271281" cy="277534"/>
+              </a:xfrm>
+              <a:prstGeom prst="rect">
+                <a:avLst/>
+              </a:prstGeom>
+              <a:solidFill>
+                <a:schemeClr val="bg1"/>
+              </a:solidFill>
+            </p:spPr>
+            <p:style>
+              <a:lnRef idx="2">
+                <a:schemeClr val="accent1">
+                  <a:shade val="15000"/>
+                </a:schemeClr>
+              </a:lnRef>
+              <a:fillRef idx="1">
+                <a:schemeClr val="accent1"/>
+              </a:fillRef>
+              <a:effectRef idx="0">
+                <a:schemeClr val="accent1"/>
+              </a:effectRef>
+              <a:fontRef idx="minor">
+                <a:schemeClr val="lt1"/>
+              </a:fontRef>
+            </p:style>
+            <p:txBody>
+              <a:bodyPr rtlCol="0" anchor="ctr"/>
+              <a:lstStyle/>
+              <a:p>
+                <a:r>
+                  <a:rPr lang="vi-VN" sz="1000" dirty="0">
+                    <a:solidFill>
+                      <a:srgbClr val="00B0F0"/>
+                    </a:solidFill>
+                  </a:rPr>
+                  <a:t>ACTIVE</a:t>
+                </a:r>
+                <a:endParaRPr lang="en-US" sz="1000" dirty="0">
+                  <a:solidFill>
+                    <a:srgbClr val="00B0F0"/>
+                  </a:solidFill>
+                </a:endParaRPr>
+              </a:p>
+            </p:txBody>
+          </p:sp>
+          <p:sp>
+            <p:nvSpPr>
+              <p:cNvPr id="45" name="Rectangle 44">
+                <a:extLst>
+                  <a:ext uri="{FF2B5EF4-FFF2-40B4-BE49-F238E27FC236}">
+                    <a16:creationId xmlns:a16="http://schemas.microsoft.com/office/drawing/2014/main" id="{7941AAEC-731A-7CA8-01A6-F070C65D91C8}"/>
+                  </a:ext>
+                </a:extLst>
+              </p:cNvPr>
+              <p:cNvSpPr/>
+              <p:nvPr/>
+            </p:nvSpPr>
+            <p:spPr>
+              <a:xfrm>
+                <a:off x="3731408" y="2391880"/>
+                <a:ext cx="5055239" cy="277534"/>
+              </a:xfrm>
+              <a:prstGeom prst="rect">
+                <a:avLst/>
+              </a:prstGeom>
+              <a:solidFill>
+                <a:schemeClr val="bg1"/>
+              </a:solidFill>
+            </p:spPr>
+            <p:style>
+              <a:lnRef idx="2">
+                <a:schemeClr val="accent1">
+                  <a:shade val="15000"/>
+                </a:schemeClr>
+              </a:lnRef>
+              <a:fillRef idx="1">
+                <a:schemeClr val="accent1"/>
+              </a:fillRef>
+              <a:effectRef idx="0">
+                <a:schemeClr val="accent1"/>
+              </a:effectRef>
+              <a:fontRef idx="minor">
+                <a:schemeClr val="lt1"/>
+              </a:fontRef>
+            </p:style>
+            <p:txBody>
+              <a:bodyPr rtlCol="0" anchor="ctr"/>
+              <a:lstStyle/>
+              <a:p>
+                <a:r>
+                  <a:rPr lang="vi-VN" sz="1000" dirty="0">
+                    <a:solidFill>
+                      <a:schemeClr val="tx1"/>
+                    </a:solidFill>
+                  </a:rPr>
+                  <a:t>Giày F</a:t>
+                </a:r>
+                <a:endParaRPr lang="en-US" sz="1000" dirty="0">
+                  <a:solidFill>
+                    <a:schemeClr val="tx1"/>
+                  </a:solidFill>
+                </a:endParaRPr>
+              </a:p>
+            </p:txBody>
+          </p:sp>
+          <p:sp>
+            <p:nvSpPr>
+              <p:cNvPr id="46" name="Rectangle 45">
+                <a:extLst>
+                  <a:ext uri="{FF2B5EF4-FFF2-40B4-BE49-F238E27FC236}">
+                    <a16:creationId xmlns:a16="http://schemas.microsoft.com/office/drawing/2014/main" id="{03FB4A70-9F9D-46D1-A78B-F2801B84899D}"/>
+                  </a:ext>
+                </a:extLst>
+              </p:cNvPr>
+              <p:cNvSpPr/>
+              <p:nvPr/>
+            </p:nvSpPr>
+            <p:spPr>
+              <a:xfrm>
+                <a:off x="3731173" y="2757417"/>
+                <a:ext cx="5055239" cy="686037"/>
+              </a:xfrm>
+              <a:prstGeom prst="rect">
+                <a:avLst/>
+              </a:prstGeom>
+              <a:solidFill>
+                <a:schemeClr val="bg1"/>
+              </a:solidFill>
+            </p:spPr>
+            <p:style>
+              <a:lnRef idx="2">
+                <a:schemeClr val="accent1">
+                  <a:shade val="15000"/>
+                </a:schemeClr>
+              </a:lnRef>
+              <a:fillRef idx="1">
+                <a:schemeClr val="accent1"/>
+              </a:fillRef>
+              <a:effectRef idx="0">
+                <a:schemeClr val="accent1"/>
+              </a:effectRef>
+              <a:fontRef idx="minor">
+                <a:schemeClr val="lt1"/>
+              </a:fontRef>
+            </p:style>
+            <p:txBody>
+              <a:bodyPr rtlCol="0" anchor="ctr"/>
+              <a:lstStyle/>
+              <a:p>
+                <a:r>
+                  <a:rPr lang="vi-VN" sz="1000" dirty="0">
+                    <a:solidFill>
+                      <a:schemeClr val="tx1"/>
+                    </a:solidFill>
+                  </a:rPr>
+                  <a:t>Đây là mô tả của sả phẩm</a:t>
+                </a:r>
+                <a:endParaRPr lang="en-US" sz="1000" dirty="0">
+                  <a:solidFill>
+                    <a:schemeClr val="tx1"/>
+                  </a:solidFill>
+                </a:endParaRPr>
+              </a:p>
+            </p:txBody>
+          </p:sp>
+          <p:sp>
+            <p:nvSpPr>
+              <p:cNvPr id="59" name="Rectangle 58">
+                <a:extLst>
+                  <a:ext uri="{FF2B5EF4-FFF2-40B4-BE49-F238E27FC236}">
+                    <a16:creationId xmlns:a16="http://schemas.microsoft.com/office/drawing/2014/main" id="{730D2138-C594-CD23-2BDF-71A0356712C4}"/>
+                  </a:ext>
+                </a:extLst>
+              </p:cNvPr>
+              <p:cNvSpPr/>
+              <p:nvPr/>
+            </p:nvSpPr>
+            <p:spPr>
+              <a:xfrm>
+                <a:off x="3737404" y="5013386"/>
+                <a:ext cx="1271279" cy="277534"/>
+              </a:xfrm>
+              <a:prstGeom prst="rect">
+                <a:avLst/>
+              </a:prstGeom>
+              <a:solidFill>
+                <a:schemeClr val="bg1"/>
+              </a:solidFill>
+            </p:spPr>
+            <p:style>
+              <a:lnRef idx="2">
+                <a:schemeClr val="accent1">
+                  <a:shade val="15000"/>
+                </a:schemeClr>
+              </a:lnRef>
+              <a:fillRef idx="1">
+                <a:schemeClr val="accent1"/>
+              </a:fillRef>
+              <a:effectRef idx="0">
+                <a:schemeClr val="accent1"/>
+              </a:effectRef>
+              <a:fontRef idx="minor">
+                <a:schemeClr val="lt1"/>
+              </a:fontRef>
+            </p:style>
+            <p:txBody>
+              <a:bodyPr rtlCol="0" anchor="ctr"/>
+              <a:lstStyle/>
+              <a:p>
+                <a:r>
+                  <a:rPr lang="vi-VN" sz="1000" dirty="0">
+                    <a:solidFill>
+                      <a:schemeClr val="tx1"/>
+                    </a:solidFill>
+                  </a:rPr>
+                  <a:t>1.700.000</a:t>
+                </a:r>
+                <a:endParaRPr lang="en-US" sz="1000" dirty="0">
+                  <a:solidFill>
+                    <a:schemeClr val="tx1"/>
+                  </a:solidFill>
+                </a:endParaRPr>
+              </a:p>
+            </p:txBody>
+          </p:sp>
+          <p:sp>
+            <p:nvSpPr>
+              <p:cNvPr id="60" name="Rectangle 59">
+                <a:extLst>
+                  <a:ext uri="{FF2B5EF4-FFF2-40B4-BE49-F238E27FC236}">
+                    <a16:creationId xmlns:a16="http://schemas.microsoft.com/office/drawing/2014/main" id="{6E826CEA-8875-C16A-F485-8C3338BFADF2}"/>
+                  </a:ext>
+                </a:extLst>
+              </p:cNvPr>
+              <p:cNvSpPr/>
+              <p:nvPr/>
+            </p:nvSpPr>
+            <p:spPr>
+              <a:xfrm>
+                <a:off x="7514431" y="5011515"/>
+                <a:ext cx="1271279" cy="277534"/>
+              </a:xfrm>
+              <a:prstGeom prst="rect">
+                <a:avLst/>
+              </a:prstGeom>
+              <a:solidFill>
+                <a:schemeClr val="bg1"/>
+              </a:solidFill>
+            </p:spPr>
+            <p:style>
+              <a:lnRef idx="2">
+                <a:schemeClr val="accent1">
+                  <a:shade val="15000"/>
+                </a:schemeClr>
+              </a:lnRef>
+              <a:fillRef idx="1">
+                <a:schemeClr val="accent1"/>
+              </a:fillRef>
+              <a:effectRef idx="0">
+                <a:schemeClr val="accent1"/>
+              </a:effectRef>
+              <a:fontRef idx="minor">
+                <a:schemeClr val="lt1"/>
+              </a:fontRef>
+            </p:style>
+            <p:txBody>
+              <a:bodyPr rtlCol="0" anchor="ctr"/>
+              <a:lstStyle/>
+              <a:p>
+                <a:r>
+                  <a:rPr lang="vi-VN" sz="1000" dirty="0">
+                    <a:solidFill>
+                      <a:schemeClr val="tx1"/>
+                    </a:solidFill>
+                  </a:rPr>
+                  <a:t>Trắng</a:t>
+                </a:r>
+                <a:endParaRPr lang="en-US" sz="1000" dirty="0">
+                  <a:solidFill>
+                    <a:schemeClr val="tx1"/>
+                  </a:solidFill>
+                </a:endParaRPr>
+              </a:p>
+            </p:txBody>
+          </p:sp>
+          <p:sp>
+            <p:nvSpPr>
+              <p:cNvPr id="61" name="Rectangle 60">
+                <a:extLst>
+                  <a:ext uri="{FF2B5EF4-FFF2-40B4-BE49-F238E27FC236}">
+                    <a16:creationId xmlns:a16="http://schemas.microsoft.com/office/drawing/2014/main" id="{813C7A27-DBEA-07D0-4D1A-E6B8EE1D2E0E}"/>
+                  </a:ext>
+                </a:extLst>
+              </p:cNvPr>
+              <p:cNvSpPr/>
+              <p:nvPr/>
+            </p:nvSpPr>
+            <p:spPr>
+              <a:xfrm>
+                <a:off x="3736696" y="4639365"/>
+                <a:ext cx="1271278" cy="277534"/>
+              </a:xfrm>
+              <a:prstGeom prst="rect">
+                <a:avLst/>
+              </a:prstGeom>
+              <a:solidFill>
+                <a:schemeClr val="bg1"/>
+              </a:solidFill>
+            </p:spPr>
+            <p:style>
+              <a:lnRef idx="2">
+                <a:schemeClr val="accent1">
+                  <a:shade val="15000"/>
+                </a:schemeClr>
+              </a:lnRef>
+              <a:fillRef idx="1">
+                <a:schemeClr val="accent1"/>
+              </a:fillRef>
+              <a:effectRef idx="0">
+                <a:schemeClr val="accent1"/>
+              </a:effectRef>
+              <a:fontRef idx="minor">
+                <a:schemeClr val="lt1"/>
+              </a:fontRef>
+            </p:style>
+            <p:txBody>
+              <a:bodyPr rtlCol="0" anchor="ctr"/>
+              <a:lstStyle/>
+              <a:p>
+                <a:r>
+                  <a:rPr lang="en-US" sz="1000" dirty="0">
+                    <a:solidFill>
+                      <a:schemeClr val="tx1"/>
+                    </a:solidFill>
+                  </a:rPr>
+                  <a:t>Nike</a:t>
+                </a:r>
+              </a:p>
+            </p:txBody>
+          </p:sp>
+          <p:sp>
+            <p:nvSpPr>
+              <p:cNvPr id="63" name="Rectangle 62">
+                <a:extLst>
+                  <a:ext uri="{FF2B5EF4-FFF2-40B4-BE49-F238E27FC236}">
+                    <a16:creationId xmlns:a16="http://schemas.microsoft.com/office/drawing/2014/main" id="{0DE40FE5-28BC-5913-330B-9533440D950C}"/>
+                  </a:ext>
+                </a:extLst>
+              </p:cNvPr>
+              <p:cNvSpPr/>
+              <p:nvPr/>
+            </p:nvSpPr>
+            <p:spPr>
+              <a:xfrm>
+                <a:off x="3737169" y="4278946"/>
+                <a:ext cx="1270571" cy="277534"/>
+              </a:xfrm>
+              <a:prstGeom prst="rect">
+                <a:avLst/>
+              </a:prstGeom>
+              <a:solidFill>
+                <a:schemeClr val="bg1"/>
+              </a:solidFill>
+            </p:spPr>
+            <p:style>
+              <a:lnRef idx="2">
+                <a:schemeClr val="accent1">
+                  <a:shade val="15000"/>
+                </a:schemeClr>
+              </a:lnRef>
+              <a:fillRef idx="1">
+                <a:schemeClr val="accent1"/>
+              </a:fillRef>
+              <a:effectRef idx="0">
+                <a:schemeClr val="accent1"/>
+              </a:effectRef>
+              <a:fontRef idx="minor">
+                <a:schemeClr val="lt1"/>
+              </a:fontRef>
+            </p:style>
+            <p:txBody>
+              <a:bodyPr rtlCol="0" anchor="ctr"/>
+              <a:lstStyle/>
+              <a:p>
+                <a:r>
+                  <a:rPr lang="en-US" sz="1000" dirty="0">
+                    <a:solidFill>
+                      <a:schemeClr val="tx1"/>
+                    </a:solidFill>
+                  </a:rPr>
+                  <a:t>35</a:t>
+                </a:r>
+              </a:p>
+            </p:txBody>
+          </p:sp>
+          <p:sp>
+            <p:nvSpPr>
+              <p:cNvPr id="64" name="Rectangle 63">
+                <a:extLst>
+                  <a:ext uri="{FF2B5EF4-FFF2-40B4-BE49-F238E27FC236}">
+                    <a16:creationId xmlns:a16="http://schemas.microsoft.com/office/drawing/2014/main" id="{55D59D89-59DB-E1D6-5A46-AF6198EB13C3}"/>
+                  </a:ext>
+                </a:extLst>
+              </p:cNvPr>
+              <p:cNvSpPr/>
+              <p:nvPr/>
+            </p:nvSpPr>
+            <p:spPr>
+              <a:xfrm>
+                <a:off x="7515605" y="4278420"/>
+                <a:ext cx="1270805" cy="277534"/>
+              </a:xfrm>
+              <a:prstGeom prst="rect">
+                <a:avLst/>
+              </a:prstGeom>
+              <a:solidFill>
+                <a:schemeClr val="bg1"/>
+              </a:solidFill>
+            </p:spPr>
+            <p:style>
+              <a:lnRef idx="2">
+                <a:schemeClr val="accent1">
+                  <a:shade val="15000"/>
+                </a:schemeClr>
+              </a:lnRef>
+              <a:fillRef idx="1">
+                <a:schemeClr val="accent1"/>
+              </a:fillRef>
+              <a:effectRef idx="0">
+                <a:schemeClr val="accent1"/>
+              </a:effectRef>
+              <a:fontRef idx="minor">
+                <a:schemeClr val="lt1"/>
+              </a:fontRef>
+            </p:style>
+            <p:txBody>
+              <a:bodyPr rtlCol="0" anchor="ctr"/>
+              <a:lstStyle/>
+              <a:p>
+                <a:r>
+                  <a:rPr lang="vi-VN" sz="1000" dirty="0">
+                    <a:solidFill>
+                      <a:schemeClr val="tx1"/>
+                    </a:solidFill>
+                  </a:rPr>
+                  <a:t>Giày cổ thấp</a:t>
+                </a:r>
+                <a:endParaRPr lang="en-US" sz="1000" dirty="0">
+                  <a:solidFill>
+                    <a:schemeClr val="tx1"/>
+                  </a:solidFill>
+                </a:endParaRPr>
+              </a:p>
+            </p:txBody>
+          </p:sp>
+          <p:sp>
+            <p:nvSpPr>
+              <p:cNvPr id="65" name="Rectangle 64">
+                <a:extLst>
+                  <a:ext uri="{FF2B5EF4-FFF2-40B4-BE49-F238E27FC236}">
+                    <a16:creationId xmlns:a16="http://schemas.microsoft.com/office/drawing/2014/main" id="{C30DC2A4-0C15-0942-B4A6-F0C9C7C39367}"/>
+                  </a:ext>
+                </a:extLst>
+              </p:cNvPr>
+              <p:cNvSpPr/>
+              <p:nvPr/>
+            </p:nvSpPr>
+            <p:spPr>
+              <a:xfrm>
+                <a:off x="7515370" y="4643958"/>
+                <a:ext cx="1270805" cy="277534"/>
+              </a:xfrm>
+              <a:prstGeom prst="rect">
+                <a:avLst/>
+              </a:prstGeom>
+              <a:solidFill>
+                <a:schemeClr val="bg1"/>
+              </a:solidFill>
+            </p:spPr>
+            <p:style>
+              <a:lnRef idx="2">
+                <a:schemeClr val="accent1">
+                  <a:shade val="15000"/>
+                </a:schemeClr>
+              </a:lnRef>
+              <a:fillRef idx="1">
+                <a:schemeClr val="accent1"/>
+              </a:fillRef>
+              <a:effectRef idx="0">
+                <a:schemeClr val="accent1"/>
+              </a:effectRef>
+              <a:fontRef idx="minor">
+                <a:schemeClr val="lt1"/>
+              </a:fontRef>
+            </p:style>
+            <p:txBody>
+              <a:bodyPr rtlCol="0" anchor="ctr"/>
+              <a:lstStyle/>
+              <a:p>
+                <a:r>
+                  <a:rPr lang="vi-VN" sz="1000" dirty="0">
+                    <a:solidFill>
+                      <a:schemeClr val="tx1"/>
+                    </a:solidFill>
+                  </a:rPr>
+                  <a:t>GIAM30</a:t>
+                </a:r>
+                <a:endParaRPr lang="en-US" sz="1000" dirty="0">
+                  <a:solidFill>
+                    <a:schemeClr val="tx1"/>
+                  </a:solidFill>
+                </a:endParaRPr>
+              </a:p>
+            </p:txBody>
+          </p:sp>
+          <p:sp>
+            <p:nvSpPr>
+              <p:cNvPr id="66" name="Rectangle 65">
+                <a:extLst>
+                  <a:ext uri="{FF2B5EF4-FFF2-40B4-BE49-F238E27FC236}">
+                    <a16:creationId xmlns:a16="http://schemas.microsoft.com/office/drawing/2014/main" id="{21E213E1-6C5C-D952-F76A-C1F19D33D118}"/>
+                  </a:ext>
+                </a:extLst>
+              </p:cNvPr>
+              <p:cNvSpPr/>
+              <p:nvPr/>
+            </p:nvSpPr>
+            <p:spPr>
+              <a:xfrm>
+                <a:off x="5107384" y="5015706"/>
+                <a:ext cx="632471" cy="254031"/>
+              </a:xfrm>
+              <a:prstGeom prst="rect">
+                <a:avLst/>
+              </a:prstGeom>
+              <a:noFill/>
+              <a:ln>
+                <a:noFill/>
+              </a:ln>
+            </p:spPr>
+            <p:style>
+              <a:lnRef idx="2">
+                <a:schemeClr val="accent1">
+                  <a:shade val="15000"/>
+                </a:schemeClr>
+              </a:lnRef>
+              <a:fillRef idx="1">
+                <a:schemeClr val="accent1"/>
+              </a:fillRef>
+              <a:effectRef idx="0">
+                <a:schemeClr val="accent1"/>
+              </a:effectRef>
+              <a:fontRef idx="minor">
+                <a:schemeClr val="lt1"/>
+              </a:fontRef>
+            </p:style>
+            <p:txBody>
+              <a:bodyPr rtlCol="0" anchor="ctr"/>
+              <a:lstStyle/>
+              <a:p>
+                <a:r>
+                  <a:rPr lang="vi-VN" sz="1000" dirty="0">
+                    <a:solidFill>
+                      <a:schemeClr val="tx1"/>
+                    </a:solidFill>
+                  </a:rPr>
+                  <a:t>VND</a:t>
+                </a:r>
+                <a:endParaRPr lang="en-US" sz="1000" dirty="0">
+                  <a:solidFill>
+                    <a:schemeClr val="tx1"/>
+                  </a:solidFill>
+                </a:endParaRPr>
+              </a:p>
+            </p:txBody>
+          </p:sp>
+          <p:sp>
+            <p:nvSpPr>
+              <p:cNvPr id="67" name="Isosceles Triangle 66">
+                <a:extLst>
+                  <a:ext uri="{FF2B5EF4-FFF2-40B4-BE49-F238E27FC236}">
+                    <a16:creationId xmlns:a16="http://schemas.microsoft.com/office/drawing/2014/main" id="{983D1BA1-C283-92A2-5FE6-A843BA402586}"/>
+                  </a:ext>
+                </a:extLst>
+              </p:cNvPr>
+              <p:cNvSpPr/>
+              <p:nvPr/>
+            </p:nvSpPr>
+            <p:spPr>
+              <a:xfrm rot="10800000">
+                <a:off x="8521719" y="5117241"/>
+                <a:ext cx="102019" cy="66082"/>
+              </a:xfrm>
+              <a:prstGeom prst="triangle">
+                <a:avLst/>
+              </a:prstGeom>
               <a:solidFill>
                 <a:schemeClr val="tx1"/>
               </a:solidFill>
-            </a:ln>
-          </p:spPr>
-          <p:style>
-            <a:lnRef idx="2">
-              <a:schemeClr val="accent1">
-                <a:shade val="15000"/>
-              </a:schemeClr>
-            </a:lnRef>
-            <a:fillRef idx="1">
-              <a:schemeClr val="accent1"/>
-            </a:fillRef>
-            <a:effectRef idx="0">
-              <a:schemeClr val="accent1"/>
-            </a:effectRef>
-            <a:fontRef idx="minor">
-              <a:schemeClr val="lt1"/>
-            </a:fontRef>
-          </p:style>
-          <p:txBody>
-            <a:bodyPr rot="0" spcFirstLastPara="0" vert="horz" wrap="square" lIns="91440" tIns="45720" rIns="91440" bIns="45720" numCol="1" spcCol="0" rtlCol="0" fromWordArt="0" anchor="t" anchorCtr="0" forceAA="0" compatLnSpc="1">
-              <a:prstTxWarp prst="textNoShape">
+              <a:ln>
+                <a:solidFill>
+                  <a:schemeClr val="tx1"/>
+                </a:solidFill>
+              </a:ln>
+            </p:spPr>
+            <p:style>
+              <a:lnRef idx="2">
+                <a:schemeClr val="accent1">
+                  <a:shade val="15000"/>
+                </a:schemeClr>
+              </a:lnRef>
+              <a:fillRef idx="1">
+                <a:schemeClr val="accent1"/>
+              </a:fillRef>
+              <a:effectRef idx="0">
+                <a:schemeClr val="accent1"/>
+              </a:effectRef>
+              <a:fontRef idx="minor">
+                <a:schemeClr val="lt1"/>
+              </a:fontRef>
+            </p:style>
+            <p:txBody>
+              <a:bodyPr rtlCol="0" anchor="ctr"/>
+              <a:lstStyle/>
+              <a:p>
+                <a:pPr algn="ctr"/>
+                <a:endParaRPr lang="en-US"/>
+              </a:p>
+            </p:txBody>
+          </p:sp>
+          <p:sp>
+            <p:nvSpPr>
+              <p:cNvPr id="68" name="Isosceles Triangle 67">
+                <a:extLst>
+                  <a:ext uri="{FF2B5EF4-FFF2-40B4-BE49-F238E27FC236}">
+                    <a16:creationId xmlns:a16="http://schemas.microsoft.com/office/drawing/2014/main" id="{582DD6CA-2358-802B-5D98-AD8C442DDADC}"/>
+                  </a:ext>
+                </a:extLst>
+              </p:cNvPr>
+              <p:cNvSpPr/>
+              <p:nvPr/>
+            </p:nvSpPr>
+            <p:spPr>
+              <a:xfrm rot="10800000">
+                <a:off x="4748069" y="4760363"/>
+                <a:ext cx="102019" cy="66082"/>
+              </a:xfrm>
+              <a:prstGeom prst="triangle">
                 <a:avLst/>
-              </a:prstTxWarp>
-              <a:noAutofit/>
-            </a:bodyPr>
-            <a:lstStyle>
-              <a:lvl1pPr marL="0" indent="0">
-                <a:defRPr sz="1100">
-                  <a:solidFill>
-                    <a:schemeClr val="lt1"/>
-                  </a:solidFill>
-                  <a:latin typeface="+mn-lt"/>
-                  <a:ea typeface="+mn-ea"/>
-                  <a:cs typeface="+mn-cs"/>
-                </a:defRPr>
-              </a:lvl1pPr>
-              <a:lvl2pPr marL="457200" indent="0">
-                <a:defRPr sz="1100">
-                  <a:solidFill>
-                    <a:schemeClr val="lt1"/>
-                  </a:solidFill>
-                  <a:latin typeface="+mn-lt"/>
-                  <a:ea typeface="+mn-ea"/>
-                  <a:cs typeface="+mn-cs"/>
-                </a:defRPr>
-              </a:lvl2pPr>
-              <a:lvl3pPr marL="914400" indent="0">
-                <a:defRPr sz="1100">
-                  <a:solidFill>
-                    <a:schemeClr val="lt1"/>
-                  </a:solidFill>
-                  <a:latin typeface="+mn-lt"/>
-                  <a:ea typeface="+mn-ea"/>
-                  <a:cs typeface="+mn-cs"/>
-                </a:defRPr>
-              </a:lvl3pPr>
-              <a:lvl4pPr marL="1371600" indent="0">
-                <a:defRPr sz="1100">
-                  <a:solidFill>
-                    <a:schemeClr val="lt1"/>
-                  </a:solidFill>
-                  <a:latin typeface="+mn-lt"/>
-                  <a:ea typeface="+mn-ea"/>
-                  <a:cs typeface="+mn-cs"/>
-                </a:defRPr>
-              </a:lvl4pPr>
-              <a:lvl5pPr marL="1828800" indent="0">
-                <a:defRPr sz="1100">
-                  <a:solidFill>
-                    <a:schemeClr val="lt1"/>
-                  </a:solidFill>
-                  <a:latin typeface="+mn-lt"/>
-                  <a:ea typeface="+mn-ea"/>
-                  <a:cs typeface="+mn-cs"/>
-                </a:defRPr>
-              </a:lvl5pPr>
-              <a:lvl6pPr marL="2286000" indent="0">
-                <a:defRPr sz="1100">
-                  <a:solidFill>
-                    <a:schemeClr val="lt1"/>
-                  </a:solidFill>
-                  <a:latin typeface="+mn-lt"/>
-                  <a:ea typeface="+mn-ea"/>
-                  <a:cs typeface="+mn-cs"/>
-                </a:defRPr>
-              </a:lvl6pPr>
-              <a:lvl7pPr marL="2743200" indent="0">
-                <a:defRPr sz="1100">
-                  <a:solidFill>
-                    <a:schemeClr val="lt1"/>
-                  </a:solidFill>
-                  <a:latin typeface="+mn-lt"/>
-                  <a:ea typeface="+mn-ea"/>
-                  <a:cs typeface="+mn-cs"/>
-                </a:defRPr>
-              </a:lvl7pPr>
-              <a:lvl8pPr marL="3200400" indent="0">
-                <a:defRPr sz="1100">
-                  <a:solidFill>
-                    <a:schemeClr val="lt1"/>
-                  </a:solidFill>
-                  <a:latin typeface="+mn-lt"/>
-                  <a:ea typeface="+mn-ea"/>
-                  <a:cs typeface="+mn-cs"/>
-                </a:defRPr>
-              </a:lvl8pPr>
-              <a:lvl9pPr marL="3657600" indent="0">
-                <a:defRPr sz="1100">
-                  <a:solidFill>
-                    <a:schemeClr val="lt1"/>
-                  </a:solidFill>
-                  <a:latin typeface="+mn-lt"/>
-                  <a:ea typeface="+mn-ea"/>
-                  <a:cs typeface="+mn-cs"/>
-                </a:defRPr>
-              </a:lvl9pPr>
-            </a:lstStyle>
-            <a:p>
-              <a:pPr algn="l"/>
-              <a:endParaRPr lang="en-US" sz="1100" dirty="0"/>
-            </a:p>
-          </p:txBody>
-        </p:sp>
+              </a:prstGeom>
+              <a:solidFill>
+                <a:schemeClr val="tx1"/>
+              </a:solidFill>
+              <a:ln>
+                <a:solidFill>
+                  <a:schemeClr val="tx1"/>
+                </a:solidFill>
+              </a:ln>
+            </p:spPr>
+            <p:style>
+              <a:lnRef idx="2">
+                <a:schemeClr val="accent1">
+                  <a:shade val="15000"/>
+                </a:schemeClr>
+              </a:lnRef>
+              <a:fillRef idx="1">
+                <a:schemeClr val="accent1"/>
+              </a:fillRef>
+              <a:effectRef idx="0">
+                <a:schemeClr val="accent1"/>
+              </a:effectRef>
+              <a:fontRef idx="minor">
+                <a:schemeClr val="lt1"/>
+              </a:fontRef>
+            </p:style>
+            <p:txBody>
+              <a:bodyPr rtlCol="0" anchor="ctr"/>
+              <a:lstStyle/>
+              <a:p>
+                <a:pPr algn="ctr"/>
+                <a:endParaRPr lang="en-US"/>
+              </a:p>
+            </p:txBody>
+          </p:sp>
+          <p:sp>
+            <p:nvSpPr>
+              <p:cNvPr id="69" name="Isosceles Triangle 68">
+                <a:extLst>
+                  <a:ext uri="{FF2B5EF4-FFF2-40B4-BE49-F238E27FC236}">
+                    <a16:creationId xmlns:a16="http://schemas.microsoft.com/office/drawing/2014/main" id="{45878BF5-B748-C8A4-7ACF-8EE686B892E9}"/>
+                  </a:ext>
+                </a:extLst>
+              </p:cNvPr>
+              <p:cNvSpPr/>
+              <p:nvPr/>
+            </p:nvSpPr>
+            <p:spPr>
+              <a:xfrm rot="10800000">
+                <a:off x="4748068" y="4395308"/>
+                <a:ext cx="102019" cy="66082"/>
+              </a:xfrm>
+              <a:prstGeom prst="triangle">
+                <a:avLst/>
+              </a:prstGeom>
+              <a:solidFill>
+                <a:schemeClr val="tx1"/>
+              </a:solidFill>
+              <a:ln>
+                <a:solidFill>
+                  <a:schemeClr val="tx1"/>
+                </a:solidFill>
+              </a:ln>
+            </p:spPr>
+            <p:style>
+              <a:lnRef idx="2">
+                <a:schemeClr val="accent1">
+                  <a:shade val="15000"/>
+                </a:schemeClr>
+              </a:lnRef>
+              <a:fillRef idx="1">
+                <a:schemeClr val="accent1"/>
+              </a:fillRef>
+              <a:effectRef idx="0">
+                <a:schemeClr val="accent1"/>
+              </a:effectRef>
+              <a:fontRef idx="minor">
+                <a:schemeClr val="lt1"/>
+              </a:fontRef>
+            </p:style>
+            <p:txBody>
+              <a:bodyPr rtlCol="0" anchor="ctr"/>
+              <a:lstStyle/>
+              <a:p>
+                <a:pPr algn="ctr"/>
+                <a:endParaRPr lang="en-US"/>
+              </a:p>
+            </p:txBody>
+          </p:sp>
+          <p:sp>
+            <p:nvSpPr>
+              <p:cNvPr id="70" name="Isosceles Triangle 69">
+                <a:extLst>
+                  <a:ext uri="{FF2B5EF4-FFF2-40B4-BE49-F238E27FC236}">
+                    <a16:creationId xmlns:a16="http://schemas.microsoft.com/office/drawing/2014/main" id="{F5E28FB7-8821-89D1-A4DA-04DA5A856329}"/>
+                  </a:ext>
+                </a:extLst>
+              </p:cNvPr>
+              <p:cNvSpPr/>
+              <p:nvPr/>
+            </p:nvSpPr>
+            <p:spPr>
+              <a:xfrm rot="10800000">
+                <a:off x="8526739" y="4396245"/>
+                <a:ext cx="102019" cy="66082"/>
+              </a:xfrm>
+              <a:prstGeom prst="triangle">
+                <a:avLst/>
+              </a:prstGeom>
+              <a:solidFill>
+                <a:schemeClr val="tx1"/>
+              </a:solidFill>
+              <a:ln>
+                <a:solidFill>
+                  <a:schemeClr val="tx1"/>
+                </a:solidFill>
+              </a:ln>
+            </p:spPr>
+            <p:style>
+              <a:lnRef idx="2">
+                <a:schemeClr val="accent1">
+                  <a:shade val="15000"/>
+                </a:schemeClr>
+              </a:lnRef>
+              <a:fillRef idx="1">
+                <a:schemeClr val="accent1"/>
+              </a:fillRef>
+              <a:effectRef idx="0">
+                <a:schemeClr val="accent1"/>
+              </a:effectRef>
+              <a:fontRef idx="minor">
+                <a:schemeClr val="lt1"/>
+              </a:fontRef>
+            </p:style>
+            <p:txBody>
+              <a:bodyPr rtlCol="0" anchor="ctr"/>
+              <a:lstStyle/>
+              <a:p>
+                <a:pPr algn="ctr"/>
+                <a:endParaRPr lang="en-US"/>
+              </a:p>
+            </p:txBody>
+          </p:sp>
+          <p:sp>
+            <p:nvSpPr>
+              <p:cNvPr id="72" name="Isosceles Triangle 71">
+                <a:extLst>
+                  <a:ext uri="{FF2B5EF4-FFF2-40B4-BE49-F238E27FC236}">
+                    <a16:creationId xmlns:a16="http://schemas.microsoft.com/office/drawing/2014/main" id="{5CD9F6C1-A713-B124-0484-3EDBE8BEFBFB}"/>
+                  </a:ext>
+                </a:extLst>
+              </p:cNvPr>
+              <p:cNvSpPr/>
+              <p:nvPr/>
+            </p:nvSpPr>
+            <p:spPr>
+              <a:xfrm rot="10800000">
+                <a:off x="8526738" y="4767683"/>
+                <a:ext cx="102019" cy="66082"/>
+              </a:xfrm>
+              <a:prstGeom prst="triangle">
+                <a:avLst/>
+              </a:prstGeom>
+              <a:solidFill>
+                <a:schemeClr val="tx1"/>
+              </a:solidFill>
+              <a:ln>
+                <a:solidFill>
+                  <a:schemeClr val="tx1"/>
+                </a:solidFill>
+              </a:ln>
+            </p:spPr>
+            <p:style>
+              <a:lnRef idx="2">
+                <a:schemeClr val="accent1">
+                  <a:shade val="15000"/>
+                </a:schemeClr>
+              </a:lnRef>
+              <a:fillRef idx="1">
+                <a:schemeClr val="accent1"/>
+              </a:fillRef>
+              <a:effectRef idx="0">
+                <a:schemeClr val="accent1"/>
+              </a:effectRef>
+              <a:fontRef idx="minor">
+                <a:schemeClr val="lt1"/>
+              </a:fontRef>
+            </p:style>
+            <p:txBody>
+              <a:bodyPr rtlCol="0" anchor="ctr"/>
+              <a:lstStyle/>
+              <a:p>
+                <a:pPr algn="ctr"/>
+                <a:endParaRPr lang="en-US"/>
+              </a:p>
+            </p:txBody>
+          </p:sp>
+          <p:grpSp>
+            <p:nvGrpSpPr>
+              <p:cNvPr id="8" name="Group 7">
+                <a:extLst>
+                  <a:ext uri="{FF2B5EF4-FFF2-40B4-BE49-F238E27FC236}">
+                    <a16:creationId xmlns:a16="http://schemas.microsoft.com/office/drawing/2014/main" id="{C813A644-3B91-AF27-FE77-1CA3E0B70996}"/>
+                  </a:ext>
+                </a:extLst>
+              </p:cNvPr>
+              <p:cNvGrpSpPr/>
+              <p:nvPr/>
+            </p:nvGrpSpPr>
+            <p:grpSpPr>
+              <a:xfrm>
+                <a:off x="3730711" y="3544093"/>
+                <a:ext cx="825523" cy="634205"/>
+                <a:chOff x="3730711" y="3544093"/>
+                <a:chExt cx="825523" cy="634205"/>
+              </a:xfrm>
+            </p:grpSpPr>
+            <p:sp>
+              <p:nvSpPr>
+                <p:cNvPr id="62" name="Rectangle 61">
+                  <a:extLst>
+                    <a:ext uri="{FF2B5EF4-FFF2-40B4-BE49-F238E27FC236}">
+                      <a16:creationId xmlns:a16="http://schemas.microsoft.com/office/drawing/2014/main" id="{2ED1F393-251C-9D6D-05A3-503C0E69D4E0}"/>
+                    </a:ext>
+                  </a:extLst>
+                </p:cNvPr>
+                <p:cNvSpPr/>
+                <p:nvPr/>
+              </p:nvSpPr>
+              <p:spPr>
+                <a:xfrm>
+                  <a:off x="3730711" y="3544093"/>
+                  <a:ext cx="825523" cy="634205"/>
+                </a:xfrm>
+                <a:prstGeom prst="rect">
+                  <a:avLst/>
+                </a:prstGeom>
+                <a:solidFill>
+                  <a:schemeClr val="bg1"/>
+                </a:solidFill>
+              </p:spPr>
+              <p:style>
+                <a:lnRef idx="2">
+                  <a:schemeClr val="accent1">
+                    <a:shade val="15000"/>
+                  </a:schemeClr>
+                </a:lnRef>
+                <a:fillRef idx="1">
+                  <a:schemeClr val="accent1"/>
+                </a:fillRef>
+                <a:effectRef idx="0">
+                  <a:schemeClr val="accent1"/>
+                </a:effectRef>
+                <a:fontRef idx="minor">
+                  <a:schemeClr val="lt1"/>
+                </a:fontRef>
+              </p:style>
+              <p:txBody>
+                <a:bodyPr rtlCol="0" anchor="ctr"/>
+                <a:lstStyle/>
+                <a:p>
+                  <a:endParaRPr lang="en-US" sz="1000" dirty="0">
+                    <a:solidFill>
+                      <a:schemeClr val="tx1"/>
+                    </a:solidFill>
+                  </a:endParaRPr>
+                </a:p>
+              </p:txBody>
+            </p:sp>
+            <p:pic>
+              <p:nvPicPr>
+                <p:cNvPr id="7" name="Graphic 6" descr="Boot outline">
+                  <a:extLst>
+                    <a:ext uri="{FF2B5EF4-FFF2-40B4-BE49-F238E27FC236}">
+                      <a16:creationId xmlns:a16="http://schemas.microsoft.com/office/drawing/2014/main" id="{1B9E10B6-7844-3F5B-388C-32A56C71DB8A}"/>
+                    </a:ext>
+                  </a:extLst>
+                </p:cNvPr>
+                <p:cNvPicPr>
+                  <a:picLocks noChangeAspect="1"/>
+                </p:cNvPicPr>
+                <p:nvPr/>
+              </p:nvPicPr>
+              <p:blipFill>
+                <a:blip r:embed="rId2">
+                  <a:extLst>
+                    <a:ext uri="{28A0092B-C50C-407E-A947-70E740481C1C}">
+                      <a14:useLocalDpi xmlns:a14="http://schemas.microsoft.com/office/drawing/2010/main" val="0"/>
+                    </a:ext>
+                    <a:ext uri="{96DAC541-7B7A-43D3-8B79-37D633B846F1}">
+                      <asvg:svgBlip xmlns:asvg="http://schemas.microsoft.com/office/drawing/2016/SVG/main" r:embed="rId3"/>
+                    </a:ext>
+                  </a:extLst>
+                </a:blip>
+                <a:stretch>
+                  <a:fillRect/>
+                </a:stretch>
+              </p:blipFill>
+              <p:spPr>
+                <a:xfrm>
+                  <a:off x="3852254" y="3569977"/>
+                  <a:ext cx="582436" cy="582436"/>
+                </a:xfrm>
+                <a:prstGeom prst="rect">
+                  <a:avLst/>
+                </a:prstGeom>
+              </p:spPr>
+            </p:pic>
+          </p:grpSp>
+          <p:grpSp>
+            <p:nvGrpSpPr>
+              <p:cNvPr id="9" name="Group 8">
+                <a:extLst>
+                  <a:ext uri="{FF2B5EF4-FFF2-40B4-BE49-F238E27FC236}">
+                    <a16:creationId xmlns:a16="http://schemas.microsoft.com/office/drawing/2014/main" id="{2681002D-C35A-EA13-96D0-ACF70C00CD20}"/>
+                  </a:ext>
+                </a:extLst>
+              </p:cNvPr>
+              <p:cNvGrpSpPr/>
+              <p:nvPr/>
+            </p:nvGrpSpPr>
+            <p:grpSpPr>
+              <a:xfrm>
+                <a:off x="4799077" y="3549468"/>
+                <a:ext cx="825523" cy="634205"/>
+                <a:chOff x="3730711" y="3544093"/>
+                <a:chExt cx="825523" cy="634205"/>
+              </a:xfrm>
+            </p:grpSpPr>
+            <p:sp>
+              <p:nvSpPr>
+                <p:cNvPr id="11" name="Rectangle 10">
+                  <a:extLst>
+                    <a:ext uri="{FF2B5EF4-FFF2-40B4-BE49-F238E27FC236}">
+                      <a16:creationId xmlns:a16="http://schemas.microsoft.com/office/drawing/2014/main" id="{F337BA69-39D5-4C96-78DB-530B92BE8F97}"/>
+                    </a:ext>
+                  </a:extLst>
+                </p:cNvPr>
+                <p:cNvSpPr/>
+                <p:nvPr/>
+              </p:nvSpPr>
+              <p:spPr>
+                <a:xfrm>
+                  <a:off x="3730711" y="3544093"/>
+                  <a:ext cx="825523" cy="634205"/>
+                </a:xfrm>
+                <a:prstGeom prst="rect">
+                  <a:avLst/>
+                </a:prstGeom>
+                <a:solidFill>
+                  <a:schemeClr val="bg1"/>
+                </a:solidFill>
+              </p:spPr>
+              <p:style>
+                <a:lnRef idx="2">
+                  <a:schemeClr val="accent1">
+                    <a:shade val="15000"/>
+                  </a:schemeClr>
+                </a:lnRef>
+                <a:fillRef idx="1">
+                  <a:schemeClr val="accent1"/>
+                </a:fillRef>
+                <a:effectRef idx="0">
+                  <a:schemeClr val="accent1"/>
+                </a:effectRef>
+                <a:fontRef idx="minor">
+                  <a:schemeClr val="lt1"/>
+                </a:fontRef>
+              </p:style>
+              <p:txBody>
+                <a:bodyPr rtlCol="0" anchor="ctr"/>
+                <a:lstStyle/>
+                <a:p>
+                  <a:endParaRPr lang="en-US" sz="1000" dirty="0">
+                    <a:solidFill>
+                      <a:schemeClr val="tx1"/>
+                    </a:solidFill>
+                  </a:endParaRPr>
+                </a:p>
+              </p:txBody>
+            </p:sp>
+            <p:pic>
+              <p:nvPicPr>
+                <p:cNvPr id="12" name="Graphic 11" descr="Boot outline">
+                  <a:extLst>
+                    <a:ext uri="{FF2B5EF4-FFF2-40B4-BE49-F238E27FC236}">
+                      <a16:creationId xmlns:a16="http://schemas.microsoft.com/office/drawing/2014/main" id="{6CB5B96D-3576-4355-512D-336A6DEE672F}"/>
+                    </a:ext>
+                  </a:extLst>
+                </p:cNvPr>
+                <p:cNvPicPr>
+                  <a:picLocks noChangeAspect="1"/>
+                </p:cNvPicPr>
+                <p:nvPr/>
+              </p:nvPicPr>
+              <p:blipFill>
+                <a:blip r:embed="rId2">
+                  <a:extLst>
+                    <a:ext uri="{28A0092B-C50C-407E-A947-70E740481C1C}">
+                      <a14:useLocalDpi xmlns:a14="http://schemas.microsoft.com/office/drawing/2010/main" val="0"/>
+                    </a:ext>
+                    <a:ext uri="{96DAC541-7B7A-43D3-8B79-37D633B846F1}">
+                      <asvg:svgBlip xmlns:asvg="http://schemas.microsoft.com/office/drawing/2016/SVG/main" r:embed="rId3"/>
+                    </a:ext>
+                  </a:extLst>
+                </a:blip>
+                <a:stretch>
+                  <a:fillRect/>
+                </a:stretch>
+              </p:blipFill>
+              <p:spPr>
+                <a:xfrm>
+                  <a:off x="3852254" y="3569977"/>
+                  <a:ext cx="582436" cy="582436"/>
+                </a:xfrm>
+                <a:prstGeom prst="rect">
+                  <a:avLst/>
+                </a:prstGeom>
+              </p:spPr>
+            </p:pic>
+          </p:grpSp>
+          <p:grpSp>
+            <p:nvGrpSpPr>
+              <p:cNvPr id="13" name="Group 12">
+                <a:extLst>
+                  <a:ext uri="{FF2B5EF4-FFF2-40B4-BE49-F238E27FC236}">
+                    <a16:creationId xmlns:a16="http://schemas.microsoft.com/office/drawing/2014/main" id="{77C16E14-BF1C-60C2-3AB8-02B4B8E0E9DE}"/>
+                  </a:ext>
+                </a:extLst>
+              </p:cNvPr>
+              <p:cNvGrpSpPr/>
+              <p:nvPr/>
+            </p:nvGrpSpPr>
+            <p:grpSpPr>
+              <a:xfrm>
+                <a:off x="5867443" y="3554843"/>
+                <a:ext cx="825523" cy="634205"/>
+                <a:chOff x="3730711" y="3544093"/>
+                <a:chExt cx="825523" cy="634205"/>
+              </a:xfrm>
+            </p:grpSpPr>
+            <p:sp>
+              <p:nvSpPr>
+                <p:cNvPr id="14" name="Rectangle 13">
+                  <a:extLst>
+                    <a:ext uri="{FF2B5EF4-FFF2-40B4-BE49-F238E27FC236}">
+                      <a16:creationId xmlns:a16="http://schemas.microsoft.com/office/drawing/2014/main" id="{25D04501-F603-7EA3-EF50-639BF2220A49}"/>
+                    </a:ext>
+                  </a:extLst>
+                </p:cNvPr>
+                <p:cNvSpPr/>
+                <p:nvPr/>
+              </p:nvSpPr>
+              <p:spPr>
+                <a:xfrm>
+                  <a:off x="3730711" y="3544093"/>
+                  <a:ext cx="825523" cy="634205"/>
+                </a:xfrm>
+                <a:prstGeom prst="rect">
+                  <a:avLst/>
+                </a:prstGeom>
+                <a:solidFill>
+                  <a:schemeClr val="bg1"/>
+                </a:solidFill>
+              </p:spPr>
+              <p:style>
+                <a:lnRef idx="2">
+                  <a:schemeClr val="accent1">
+                    <a:shade val="15000"/>
+                  </a:schemeClr>
+                </a:lnRef>
+                <a:fillRef idx="1">
+                  <a:schemeClr val="accent1"/>
+                </a:fillRef>
+                <a:effectRef idx="0">
+                  <a:schemeClr val="accent1"/>
+                </a:effectRef>
+                <a:fontRef idx="minor">
+                  <a:schemeClr val="lt1"/>
+                </a:fontRef>
+              </p:style>
+              <p:txBody>
+                <a:bodyPr rtlCol="0" anchor="ctr"/>
+                <a:lstStyle/>
+                <a:p>
+                  <a:endParaRPr lang="en-US" sz="1000" dirty="0">
+                    <a:solidFill>
+                      <a:schemeClr val="tx1"/>
+                    </a:solidFill>
+                  </a:endParaRPr>
+                </a:p>
+              </p:txBody>
+            </p:sp>
+            <p:pic>
+              <p:nvPicPr>
+                <p:cNvPr id="15" name="Graphic 14" descr="Boot outline">
+                  <a:extLst>
+                    <a:ext uri="{FF2B5EF4-FFF2-40B4-BE49-F238E27FC236}">
+                      <a16:creationId xmlns:a16="http://schemas.microsoft.com/office/drawing/2014/main" id="{52416A27-DD8C-9518-61CB-97D5D13E1977}"/>
+                    </a:ext>
+                  </a:extLst>
+                </p:cNvPr>
+                <p:cNvPicPr>
+                  <a:picLocks noChangeAspect="1"/>
+                </p:cNvPicPr>
+                <p:nvPr/>
+              </p:nvPicPr>
+              <p:blipFill>
+                <a:blip r:embed="rId2">
+                  <a:extLst>
+                    <a:ext uri="{28A0092B-C50C-407E-A947-70E740481C1C}">
+                      <a14:useLocalDpi xmlns:a14="http://schemas.microsoft.com/office/drawing/2010/main" val="0"/>
+                    </a:ext>
+                    <a:ext uri="{96DAC541-7B7A-43D3-8B79-37D633B846F1}">
+                      <asvg:svgBlip xmlns:asvg="http://schemas.microsoft.com/office/drawing/2016/SVG/main" r:embed="rId3"/>
+                    </a:ext>
+                  </a:extLst>
+                </a:blip>
+                <a:stretch>
+                  <a:fillRect/>
+                </a:stretch>
+              </p:blipFill>
+              <p:spPr>
+                <a:xfrm>
+                  <a:off x="3852254" y="3569977"/>
+                  <a:ext cx="582436" cy="582436"/>
+                </a:xfrm>
+                <a:prstGeom prst="rect">
+                  <a:avLst/>
+                </a:prstGeom>
+              </p:spPr>
+            </p:pic>
+          </p:grpSp>
+          <p:grpSp>
+            <p:nvGrpSpPr>
+              <p:cNvPr id="18" name="Group 17">
+                <a:extLst>
+                  <a:ext uri="{FF2B5EF4-FFF2-40B4-BE49-F238E27FC236}">
+                    <a16:creationId xmlns:a16="http://schemas.microsoft.com/office/drawing/2014/main" id="{D2B733A0-4862-4BD0-4A9B-9085F93A2CD0}"/>
+                  </a:ext>
+                </a:extLst>
+              </p:cNvPr>
+              <p:cNvGrpSpPr/>
+              <p:nvPr/>
+            </p:nvGrpSpPr>
+            <p:grpSpPr>
+              <a:xfrm>
+                <a:off x="6935809" y="3560218"/>
+                <a:ext cx="825523" cy="634205"/>
+                <a:chOff x="3730711" y="3544093"/>
+                <a:chExt cx="825523" cy="634205"/>
+              </a:xfrm>
+            </p:grpSpPr>
+            <p:sp>
+              <p:nvSpPr>
+                <p:cNvPr id="19" name="Rectangle 18">
+                  <a:extLst>
+                    <a:ext uri="{FF2B5EF4-FFF2-40B4-BE49-F238E27FC236}">
+                      <a16:creationId xmlns:a16="http://schemas.microsoft.com/office/drawing/2014/main" id="{715C8E0E-21D4-48C8-960A-B121143429CE}"/>
+                    </a:ext>
+                  </a:extLst>
+                </p:cNvPr>
+                <p:cNvSpPr/>
+                <p:nvPr/>
+              </p:nvSpPr>
+              <p:spPr>
+                <a:xfrm>
+                  <a:off x="3730711" y="3544093"/>
+                  <a:ext cx="825523" cy="634205"/>
+                </a:xfrm>
+                <a:prstGeom prst="rect">
+                  <a:avLst/>
+                </a:prstGeom>
+                <a:solidFill>
+                  <a:schemeClr val="bg1"/>
+                </a:solidFill>
+              </p:spPr>
+              <p:style>
+                <a:lnRef idx="2">
+                  <a:schemeClr val="accent1">
+                    <a:shade val="15000"/>
+                  </a:schemeClr>
+                </a:lnRef>
+                <a:fillRef idx="1">
+                  <a:schemeClr val="accent1"/>
+                </a:fillRef>
+                <a:effectRef idx="0">
+                  <a:schemeClr val="accent1"/>
+                </a:effectRef>
+                <a:fontRef idx="minor">
+                  <a:schemeClr val="lt1"/>
+                </a:fontRef>
+              </p:style>
+              <p:txBody>
+                <a:bodyPr rtlCol="0" anchor="ctr"/>
+                <a:lstStyle/>
+                <a:p>
+                  <a:endParaRPr lang="en-US" sz="1000" dirty="0">
+                    <a:solidFill>
+                      <a:schemeClr val="tx1"/>
+                    </a:solidFill>
+                  </a:endParaRPr>
+                </a:p>
+              </p:txBody>
+            </p:sp>
+            <p:pic>
+              <p:nvPicPr>
+                <p:cNvPr id="24" name="Graphic 23" descr="Boot outline">
+                  <a:extLst>
+                    <a:ext uri="{FF2B5EF4-FFF2-40B4-BE49-F238E27FC236}">
+                      <a16:creationId xmlns:a16="http://schemas.microsoft.com/office/drawing/2014/main" id="{4C273BDF-A74B-A84E-D3A3-4DE1EC1E99ED}"/>
+                    </a:ext>
+                  </a:extLst>
+                </p:cNvPr>
+                <p:cNvPicPr>
+                  <a:picLocks noChangeAspect="1"/>
+                </p:cNvPicPr>
+                <p:nvPr/>
+              </p:nvPicPr>
+              <p:blipFill>
+                <a:blip r:embed="rId2">
+                  <a:extLst>
+                    <a:ext uri="{28A0092B-C50C-407E-A947-70E740481C1C}">
+                      <a14:useLocalDpi xmlns:a14="http://schemas.microsoft.com/office/drawing/2010/main" val="0"/>
+                    </a:ext>
+                    <a:ext uri="{96DAC541-7B7A-43D3-8B79-37D633B846F1}">
+                      <asvg:svgBlip xmlns:asvg="http://schemas.microsoft.com/office/drawing/2016/SVG/main" r:embed="rId3"/>
+                    </a:ext>
+                  </a:extLst>
+                </a:blip>
+                <a:stretch>
+                  <a:fillRect/>
+                </a:stretch>
+              </p:blipFill>
+              <p:spPr>
+                <a:xfrm>
+                  <a:off x="3852254" y="3569977"/>
+                  <a:ext cx="582436" cy="582436"/>
+                </a:xfrm>
+                <a:prstGeom prst="rect">
+                  <a:avLst/>
+                </a:prstGeom>
+              </p:spPr>
+            </p:pic>
+          </p:grpSp>
+          <p:grpSp>
+            <p:nvGrpSpPr>
+              <p:cNvPr id="25" name="Group 24">
+                <a:extLst>
+                  <a:ext uri="{FF2B5EF4-FFF2-40B4-BE49-F238E27FC236}">
+                    <a16:creationId xmlns:a16="http://schemas.microsoft.com/office/drawing/2014/main" id="{34CD3ECA-0C6A-5801-D30F-D0C1906B300D}"/>
+                  </a:ext>
+                </a:extLst>
+              </p:cNvPr>
+              <p:cNvGrpSpPr/>
+              <p:nvPr/>
+            </p:nvGrpSpPr>
+            <p:grpSpPr>
+              <a:xfrm>
+                <a:off x="7960187" y="3561279"/>
+                <a:ext cx="825523" cy="634205"/>
+                <a:chOff x="3730711" y="3544093"/>
+                <a:chExt cx="825523" cy="634205"/>
+              </a:xfrm>
+            </p:grpSpPr>
+            <p:sp>
+              <p:nvSpPr>
+                <p:cNvPr id="26" name="Rectangle 25">
+                  <a:extLst>
+                    <a:ext uri="{FF2B5EF4-FFF2-40B4-BE49-F238E27FC236}">
+                      <a16:creationId xmlns:a16="http://schemas.microsoft.com/office/drawing/2014/main" id="{537C4239-3179-4729-A240-1CF853AE2917}"/>
+                    </a:ext>
+                  </a:extLst>
+                </p:cNvPr>
+                <p:cNvSpPr/>
+                <p:nvPr/>
+              </p:nvSpPr>
+              <p:spPr>
+                <a:xfrm>
+                  <a:off x="3730711" y="3544093"/>
+                  <a:ext cx="825523" cy="634205"/>
+                </a:xfrm>
+                <a:prstGeom prst="rect">
+                  <a:avLst/>
+                </a:prstGeom>
+                <a:solidFill>
+                  <a:schemeClr val="bg1"/>
+                </a:solidFill>
+              </p:spPr>
+              <p:style>
+                <a:lnRef idx="2">
+                  <a:schemeClr val="accent1">
+                    <a:shade val="15000"/>
+                  </a:schemeClr>
+                </a:lnRef>
+                <a:fillRef idx="1">
+                  <a:schemeClr val="accent1"/>
+                </a:fillRef>
+                <a:effectRef idx="0">
+                  <a:schemeClr val="accent1"/>
+                </a:effectRef>
+                <a:fontRef idx="minor">
+                  <a:schemeClr val="lt1"/>
+                </a:fontRef>
+              </p:style>
+              <p:txBody>
+                <a:bodyPr rtlCol="0" anchor="ctr"/>
+                <a:lstStyle/>
+                <a:p>
+                  <a:endParaRPr lang="en-US" sz="1000" dirty="0">
+                    <a:solidFill>
+                      <a:schemeClr val="tx1"/>
+                    </a:solidFill>
+                  </a:endParaRPr>
+                </a:p>
+              </p:txBody>
+            </p:sp>
+            <p:pic>
+              <p:nvPicPr>
+                <p:cNvPr id="27" name="Graphic 26" descr="Boot outline">
+                  <a:extLst>
+                    <a:ext uri="{FF2B5EF4-FFF2-40B4-BE49-F238E27FC236}">
+                      <a16:creationId xmlns:a16="http://schemas.microsoft.com/office/drawing/2014/main" id="{7789D41B-C286-2F74-27C5-9ED0EC484505}"/>
+                    </a:ext>
+                  </a:extLst>
+                </p:cNvPr>
+                <p:cNvPicPr>
+                  <a:picLocks noChangeAspect="1"/>
+                </p:cNvPicPr>
+                <p:nvPr/>
+              </p:nvPicPr>
+              <p:blipFill>
+                <a:blip r:embed="rId2">
+                  <a:extLst>
+                    <a:ext uri="{28A0092B-C50C-407E-A947-70E740481C1C}">
+                      <a14:useLocalDpi xmlns:a14="http://schemas.microsoft.com/office/drawing/2010/main" val="0"/>
+                    </a:ext>
+                    <a:ext uri="{96DAC541-7B7A-43D3-8B79-37D633B846F1}">
+                      <asvg:svgBlip xmlns:asvg="http://schemas.microsoft.com/office/drawing/2016/SVG/main" r:embed="rId3"/>
+                    </a:ext>
+                  </a:extLst>
+                </a:blip>
+                <a:stretch>
+                  <a:fillRect/>
+                </a:stretch>
+              </p:blipFill>
+              <p:spPr>
+                <a:xfrm>
+                  <a:off x="3852254" y="3569977"/>
+                  <a:ext cx="582436" cy="582436"/>
+                </a:xfrm>
+                <a:prstGeom prst="rect">
+                  <a:avLst/>
+                </a:prstGeom>
+              </p:spPr>
+            </p:pic>
+          </p:grpSp>
+          <p:sp>
+            <p:nvSpPr>
+              <p:cNvPr id="30" name="Multiplication Sign 29">
+                <a:extLst>
+                  <a:ext uri="{FF2B5EF4-FFF2-40B4-BE49-F238E27FC236}">
+                    <a16:creationId xmlns:a16="http://schemas.microsoft.com/office/drawing/2014/main" id="{20B24010-127F-26A5-DC5A-34212367778D}"/>
+                  </a:ext>
+                </a:extLst>
+              </p:cNvPr>
+              <p:cNvSpPr/>
+              <p:nvPr/>
+            </p:nvSpPr>
+            <p:spPr>
+              <a:xfrm>
+                <a:off x="4322539" y="3561279"/>
+                <a:ext cx="204951" cy="185621"/>
+              </a:xfrm>
+              <a:prstGeom prst="mathMultiply">
+                <a:avLst/>
+              </a:prstGeom>
+              <a:solidFill>
+                <a:srgbClr val="FF0000"/>
+              </a:solidFill>
+            </p:spPr>
+            <p:style>
+              <a:lnRef idx="2">
+                <a:schemeClr val="accent1">
+                  <a:shade val="15000"/>
+                </a:schemeClr>
+              </a:lnRef>
+              <a:fillRef idx="1">
+                <a:schemeClr val="accent1"/>
+              </a:fillRef>
+              <a:effectRef idx="0">
+                <a:schemeClr val="accent1"/>
+              </a:effectRef>
+              <a:fontRef idx="minor">
+                <a:schemeClr val="lt1"/>
+              </a:fontRef>
+            </p:style>
+            <p:txBody>
+              <a:bodyPr rtlCol="0" anchor="ctr"/>
+              <a:lstStyle/>
+              <a:p>
+                <a:pPr algn="ctr"/>
+                <a:endParaRPr lang="en-US"/>
+              </a:p>
+            </p:txBody>
+          </p:sp>
+          <p:sp>
+            <p:nvSpPr>
+              <p:cNvPr id="31" name="Multiplication Sign 30">
+                <a:extLst>
+                  <a:ext uri="{FF2B5EF4-FFF2-40B4-BE49-F238E27FC236}">
+                    <a16:creationId xmlns:a16="http://schemas.microsoft.com/office/drawing/2014/main" id="{E54879B6-4C9A-1175-AB37-B36A72557683}"/>
+                  </a:ext>
+                </a:extLst>
+              </p:cNvPr>
+              <p:cNvSpPr/>
+              <p:nvPr/>
+            </p:nvSpPr>
+            <p:spPr>
+              <a:xfrm>
+                <a:off x="5387857" y="3583094"/>
+                <a:ext cx="204951" cy="185621"/>
+              </a:xfrm>
+              <a:prstGeom prst="mathMultiply">
+                <a:avLst/>
+              </a:prstGeom>
+              <a:solidFill>
+                <a:srgbClr val="FF0000"/>
+              </a:solidFill>
+            </p:spPr>
+            <p:style>
+              <a:lnRef idx="2">
+                <a:schemeClr val="accent1">
+                  <a:shade val="15000"/>
+                </a:schemeClr>
+              </a:lnRef>
+              <a:fillRef idx="1">
+                <a:schemeClr val="accent1"/>
+              </a:fillRef>
+              <a:effectRef idx="0">
+                <a:schemeClr val="accent1"/>
+              </a:effectRef>
+              <a:fontRef idx="minor">
+                <a:schemeClr val="lt1"/>
+              </a:fontRef>
+            </p:style>
+            <p:txBody>
+              <a:bodyPr rtlCol="0" anchor="ctr"/>
+              <a:lstStyle/>
+              <a:p>
+                <a:pPr algn="ctr"/>
+                <a:endParaRPr lang="en-US"/>
+              </a:p>
+            </p:txBody>
+          </p:sp>
+          <p:sp>
+            <p:nvSpPr>
+              <p:cNvPr id="35" name="Multiplication Sign 34">
+                <a:extLst>
+                  <a:ext uri="{FF2B5EF4-FFF2-40B4-BE49-F238E27FC236}">
+                    <a16:creationId xmlns:a16="http://schemas.microsoft.com/office/drawing/2014/main" id="{6BDD226F-2FE3-4577-E583-5043091A8421}"/>
+                  </a:ext>
+                </a:extLst>
+              </p:cNvPr>
+              <p:cNvSpPr/>
+              <p:nvPr/>
+            </p:nvSpPr>
+            <p:spPr>
+              <a:xfrm>
+                <a:off x="6460560" y="3588086"/>
+                <a:ext cx="204951" cy="185621"/>
+              </a:xfrm>
+              <a:prstGeom prst="mathMultiply">
+                <a:avLst/>
+              </a:prstGeom>
+              <a:solidFill>
+                <a:srgbClr val="FF0000"/>
+              </a:solidFill>
+            </p:spPr>
+            <p:style>
+              <a:lnRef idx="2">
+                <a:schemeClr val="accent1">
+                  <a:shade val="15000"/>
+                </a:schemeClr>
+              </a:lnRef>
+              <a:fillRef idx="1">
+                <a:schemeClr val="accent1"/>
+              </a:fillRef>
+              <a:effectRef idx="0">
+                <a:schemeClr val="accent1"/>
+              </a:effectRef>
+              <a:fontRef idx="minor">
+                <a:schemeClr val="lt1"/>
+              </a:fontRef>
+            </p:style>
+            <p:txBody>
+              <a:bodyPr rtlCol="0" anchor="ctr"/>
+              <a:lstStyle/>
+              <a:p>
+                <a:pPr algn="ctr"/>
+                <a:endParaRPr lang="en-US"/>
+              </a:p>
+            </p:txBody>
+          </p:sp>
+          <p:sp>
+            <p:nvSpPr>
+              <p:cNvPr id="36" name="Multiplication Sign 35">
+                <a:extLst>
+                  <a:ext uri="{FF2B5EF4-FFF2-40B4-BE49-F238E27FC236}">
+                    <a16:creationId xmlns:a16="http://schemas.microsoft.com/office/drawing/2014/main" id="{41E9FBF2-B3C0-14F3-3430-073FD7F80EEE}"/>
+                  </a:ext>
+                </a:extLst>
+              </p:cNvPr>
+              <p:cNvSpPr/>
+              <p:nvPr/>
+            </p:nvSpPr>
+            <p:spPr>
+              <a:xfrm>
+                <a:off x="7533263" y="3593078"/>
+                <a:ext cx="204951" cy="185621"/>
+              </a:xfrm>
+              <a:prstGeom prst="mathMultiply">
+                <a:avLst/>
+              </a:prstGeom>
+              <a:solidFill>
+                <a:srgbClr val="FF0000"/>
+              </a:solidFill>
+            </p:spPr>
+            <p:style>
+              <a:lnRef idx="2">
+                <a:schemeClr val="accent1">
+                  <a:shade val="15000"/>
+                </a:schemeClr>
+              </a:lnRef>
+              <a:fillRef idx="1">
+                <a:schemeClr val="accent1"/>
+              </a:fillRef>
+              <a:effectRef idx="0">
+                <a:schemeClr val="accent1"/>
+              </a:effectRef>
+              <a:fontRef idx="minor">
+                <a:schemeClr val="lt1"/>
+              </a:fontRef>
+            </p:style>
+            <p:txBody>
+              <a:bodyPr rtlCol="0" anchor="ctr"/>
+              <a:lstStyle/>
+              <a:p>
+                <a:pPr algn="ctr"/>
+                <a:endParaRPr lang="en-US"/>
+              </a:p>
+            </p:txBody>
+          </p:sp>
+          <p:sp>
+            <p:nvSpPr>
+              <p:cNvPr id="40" name="Multiplication Sign 39">
+                <a:extLst>
+                  <a:ext uri="{FF2B5EF4-FFF2-40B4-BE49-F238E27FC236}">
+                    <a16:creationId xmlns:a16="http://schemas.microsoft.com/office/drawing/2014/main" id="{904AF515-6150-2011-05B0-FFCE977F19E6}"/>
+                  </a:ext>
+                </a:extLst>
+              </p:cNvPr>
+              <p:cNvSpPr/>
+              <p:nvPr/>
+            </p:nvSpPr>
+            <p:spPr>
+              <a:xfrm>
+                <a:off x="8561278" y="3593077"/>
+                <a:ext cx="204951" cy="185621"/>
+              </a:xfrm>
+              <a:prstGeom prst="mathMultiply">
+                <a:avLst/>
+              </a:prstGeom>
+              <a:solidFill>
+                <a:srgbClr val="FF0000"/>
+              </a:solidFill>
+            </p:spPr>
+            <p:style>
+              <a:lnRef idx="2">
+                <a:schemeClr val="accent1">
+                  <a:shade val="15000"/>
+                </a:schemeClr>
+              </a:lnRef>
+              <a:fillRef idx="1">
+                <a:schemeClr val="accent1"/>
+              </a:fillRef>
+              <a:effectRef idx="0">
+                <a:schemeClr val="accent1"/>
+              </a:effectRef>
+              <a:fontRef idx="minor">
+                <a:schemeClr val="lt1"/>
+              </a:fontRef>
+            </p:style>
+            <p:txBody>
+              <a:bodyPr rtlCol="0" anchor="ctr"/>
+              <a:lstStyle/>
+              <a:p>
+                <a:pPr algn="ctr"/>
+                <a:endParaRPr lang="en-US"/>
+              </a:p>
+            </p:txBody>
+          </p:sp>
+          <p:sp>
+            <p:nvSpPr>
+              <p:cNvPr id="42" name="Isosceles Triangle 41">
+                <a:extLst>
+                  <a:ext uri="{FF2B5EF4-FFF2-40B4-BE49-F238E27FC236}">
+                    <a16:creationId xmlns:a16="http://schemas.microsoft.com/office/drawing/2014/main" id="{16A9DD0D-FBF0-066A-75D5-E00F9B9D9798}"/>
+                  </a:ext>
+                </a:extLst>
+              </p:cNvPr>
+              <p:cNvSpPr/>
+              <p:nvPr/>
+            </p:nvSpPr>
+            <p:spPr>
+              <a:xfrm rot="10800000">
+                <a:off x="8521718" y="2141217"/>
+                <a:ext cx="102019" cy="66082"/>
+              </a:xfrm>
+              <a:prstGeom prst="triangle">
+                <a:avLst/>
+              </a:prstGeom>
+              <a:solidFill>
+                <a:schemeClr val="tx1"/>
+              </a:solidFill>
+              <a:ln>
+                <a:solidFill>
+                  <a:schemeClr val="tx1"/>
+                </a:solidFill>
+              </a:ln>
+            </p:spPr>
+            <p:style>
+              <a:lnRef idx="2">
+                <a:schemeClr val="accent1">
+                  <a:shade val="15000"/>
+                </a:schemeClr>
+              </a:lnRef>
+              <a:fillRef idx="1">
+                <a:schemeClr val="accent1"/>
+              </a:fillRef>
+              <a:effectRef idx="0">
+                <a:schemeClr val="accent1"/>
+              </a:effectRef>
+              <a:fontRef idx="minor">
+                <a:schemeClr val="lt1"/>
+              </a:fontRef>
+            </p:style>
+            <p:txBody>
+              <a:bodyPr rtlCol="0" anchor="ctr"/>
+              <a:lstStyle/>
+              <a:p>
+                <a:pPr algn="ctr"/>
+                <a:endParaRPr lang="en-US"/>
+              </a:p>
+            </p:txBody>
+          </p:sp>
+        </p:grpSp>
         <p:sp>
           <p:nvSpPr>
-            <p:cNvPr id="4" name="Shape 27">
+            <p:cNvPr id="2" name="Rectangle 1">
               <a:extLst>
                 <a:ext uri="{FF2B5EF4-FFF2-40B4-BE49-F238E27FC236}">
-                  <a16:creationId xmlns:a16="http://schemas.microsoft.com/office/drawing/2014/main" id="{00000000-0008-0000-0300-00001B000000}"/>
+                  <a16:creationId xmlns:a16="http://schemas.microsoft.com/office/drawing/2014/main" id="{796295C1-E375-AD18-F4C7-16E43D29C0D0}"/>
                 </a:ext>
               </a:extLst>
             </p:cNvPr>
@@ -17148,1358 +20240,7 @@
           </p:nvSpPr>
           <p:spPr>
             <a:xfrm>
-              <a:off x="3227917" y="1519238"/>
-              <a:ext cx="4448175" cy="419100"/>
-            </a:xfrm>
-            <a:prstGeom prst="rect">
-              <a:avLst/>
-            </a:prstGeom>
-            <a:noFill/>
-            <a:ln>
-              <a:noFill/>
-            </a:ln>
-          </p:spPr>
-          <p:txBody>
-            <a:bodyPr spcFirstLastPara="1" wrap="square" lIns="91425" tIns="45700" rIns="91425" bIns="45700" anchor="t" anchorCtr="0">
-              <a:noAutofit/>
-            </a:bodyPr>
-            <a:lstStyle>
-              <a:lvl1pPr marL="0" indent="0">
-                <a:defRPr sz="1100">
-                  <a:latin typeface="+mn-lt"/>
-                  <a:ea typeface="+mn-ea"/>
-                  <a:cs typeface="+mn-cs"/>
-                </a:defRPr>
-              </a:lvl1pPr>
-              <a:lvl2pPr marL="457200" indent="0">
-                <a:defRPr sz="1100">
-                  <a:latin typeface="+mn-lt"/>
-                  <a:ea typeface="+mn-ea"/>
-                  <a:cs typeface="+mn-cs"/>
-                </a:defRPr>
-              </a:lvl2pPr>
-              <a:lvl3pPr marL="914400" indent="0">
-                <a:defRPr sz="1100">
-                  <a:latin typeface="+mn-lt"/>
-                  <a:ea typeface="+mn-ea"/>
-                  <a:cs typeface="+mn-cs"/>
-                </a:defRPr>
-              </a:lvl3pPr>
-              <a:lvl4pPr marL="1371600" indent="0">
-                <a:defRPr sz="1100">
-                  <a:latin typeface="+mn-lt"/>
-                  <a:ea typeface="+mn-ea"/>
-                  <a:cs typeface="+mn-cs"/>
-                </a:defRPr>
-              </a:lvl4pPr>
-              <a:lvl5pPr marL="1828800" indent="0">
-                <a:defRPr sz="1100">
-                  <a:latin typeface="+mn-lt"/>
-                  <a:ea typeface="+mn-ea"/>
-                  <a:cs typeface="+mn-cs"/>
-                </a:defRPr>
-              </a:lvl5pPr>
-              <a:lvl6pPr marL="2286000" indent="0">
-                <a:defRPr sz="1100">
-                  <a:latin typeface="+mn-lt"/>
-                  <a:ea typeface="+mn-ea"/>
-                  <a:cs typeface="+mn-cs"/>
-                </a:defRPr>
-              </a:lvl6pPr>
-              <a:lvl7pPr marL="2743200" indent="0">
-                <a:defRPr sz="1100">
-                  <a:latin typeface="+mn-lt"/>
-                  <a:ea typeface="+mn-ea"/>
-                  <a:cs typeface="+mn-cs"/>
-                </a:defRPr>
-              </a:lvl7pPr>
-              <a:lvl8pPr marL="3200400" indent="0">
-                <a:defRPr sz="1100">
-                  <a:latin typeface="+mn-lt"/>
-                  <a:ea typeface="+mn-ea"/>
-                  <a:cs typeface="+mn-cs"/>
-                </a:defRPr>
-              </a:lvl8pPr>
-              <a:lvl9pPr marL="3657600" indent="0">
-                <a:defRPr sz="1100">
-                  <a:latin typeface="+mn-lt"/>
-                  <a:ea typeface="+mn-ea"/>
-                  <a:cs typeface="+mn-cs"/>
-                </a:defRPr>
-              </a:lvl9pPr>
-            </a:lstStyle>
-            <a:p>
-              <a:pPr marL="0" lvl="0" indent="0" algn="l">
-                <a:spcBef>
-                  <a:spcPts val="0"/>
-                </a:spcBef>
-                <a:spcAft>
-                  <a:spcPts val="0"/>
-                </a:spcAft>
-                <a:buNone/>
-              </a:pPr>
-              <a:endParaRPr sz="1100"/>
-            </a:p>
-          </p:txBody>
-        </p:sp>
-        <p:sp>
-          <p:nvSpPr>
-            <p:cNvPr id="5" name="Shape 54">
-              <a:extLst>
-                <a:ext uri="{FF2B5EF4-FFF2-40B4-BE49-F238E27FC236}">
-                  <a16:creationId xmlns:a16="http://schemas.microsoft.com/office/drawing/2014/main" id="{00000000-0008-0000-0300-000036000000}"/>
-                </a:ext>
-              </a:extLst>
-            </p:cNvPr>
-            <p:cNvSpPr/>
-            <p:nvPr/>
-          </p:nvSpPr>
-          <p:spPr>
-            <a:xfrm>
-              <a:off x="6783639" y="5502479"/>
-              <a:ext cx="781050" cy="295275"/>
-            </a:xfrm>
-            <a:prstGeom prst="rect">
-              <a:avLst/>
-            </a:prstGeom>
-            <a:noFill/>
-            <a:ln>
-              <a:noFill/>
-            </a:ln>
-          </p:spPr>
-          <p:txBody>
-            <a:bodyPr spcFirstLastPara="1" wrap="square" lIns="91425" tIns="45700" rIns="91425" bIns="45700" anchor="t" anchorCtr="0">
-              <a:noAutofit/>
-            </a:bodyPr>
-            <a:lstStyle>
-              <a:lvl1pPr marL="0" indent="0">
-                <a:defRPr sz="1100">
-                  <a:latin typeface="+mn-lt"/>
-                  <a:ea typeface="+mn-ea"/>
-                  <a:cs typeface="+mn-cs"/>
-                </a:defRPr>
-              </a:lvl1pPr>
-              <a:lvl2pPr marL="457200" indent="0">
-                <a:defRPr sz="1100">
-                  <a:latin typeface="+mn-lt"/>
-                  <a:ea typeface="+mn-ea"/>
-                  <a:cs typeface="+mn-cs"/>
-                </a:defRPr>
-              </a:lvl2pPr>
-              <a:lvl3pPr marL="914400" indent="0">
-                <a:defRPr sz="1100">
-                  <a:latin typeface="+mn-lt"/>
-                  <a:ea typeface="+mn-ea"/>
-                  <a:cs typeface="+mn-cs"/>
-                </a:defRPr>
-              </a:lvl3pPr>
-              <a:lvl4pPr marL="1371600" indent="0">
-                <a:defRPr sz="1100">
-                  <a:latin typeface="+mn-lt"/>
-                  <a:ea typeface="+mn-ea"/>
-                  <a:cs typeface="+mn-cs"/>
-                </a:defRPr>
-              </a:lvl4pPr>
-              <a:lvl5pPr marL="1828800" indent="0">
-                <a:defRPr sz="1100">
-                  <a:latin typeface="+mn-lt"/>
-                  <a:ea typeface="+mn-ea"/>
-                  <a:cs typeface="+mn-cs"/>
-                </a:defRPr>
-              </a:lvl5pPr>
-              <a:lvl6pPr marL="2286000" indent="0">
-                <a:defRPr sz="1100">
-                  <a:latin typeface="+mn-lt"/>
-                  <a:ea typeface="+mn-ea"/>
-                  <a:cs typeface="+mn-cs"/>
-                </a:defRPr>
-              </a:lvl6pPr>
-              <a:lvl7pPr marL="2743200" indent="0">
-                <a:defRPr sz="1100">
-                  <a:latin typeface="+mn-lt"/>
-                  <a:ea typeface="+mn-ea"/>
-                  <a:cs typeface="+mn-cs"/>
-                </a:defRPr>
-              </a:lvl7pPr>
-              <a:lvl8pPr marL="3200400" indent="0">
-                <a:defRPr sz="1100">
-                  <a:latin typeface="+mn-lt"/>
-                  <a:ea typeface="+mn-ea"/>
-                  <a:cs typeface="+mn-cs"/>
-                </a:defRPr>
-              </a:lvl8pPr>
-              <a:lvl9pPr marL="3657600" indent="0">
-                <a:defRPr sz="1100">
-                  <a:latin typeface="+mn-lt"/>
-                  <a:ea typeface="+mn-ea"/>
-                  <a:cs typeface="+mn-cs"/>
-                </a:defRPr>
-              </a:lvl9pPr>
-            </a:lstStyle>
-            <a:p>
-              <a:pPr marL="0" lvl="0" indent="0" algn="l">
-                <a:spcBef>
-                  <a:spcPts val="0"/>
-                </a:spcBef>
-                <a:spcAft>
-                  <a:spcPts val="0"/>
-                </a:spcAft>
-                <a:buNone/>
-              </a:pPr>
-              <a:endParaRPr sz="1400"/>
-            </a:p>
-          </p:txBody>
-        </p:sp>
-        <p:sp>
-          <p:nvSpPr>
-            <p:cNvPr id="3" name="Rectangle 2">
-              <a:extLst>
-                <a:ext uri="{FF2B5EF4-FFF2-40B4-BE49-F238E27FC236}">
-                  <a16:creationId xmlns:a16="http://schemas.microsoft.com/office/drawing/2014/main" id="{E12FFB72-7BB6-F213-6457-77D397C63449}"/>
-                </a:ext>
-              </a:extLst>
-            </p:cNvPr>
-            <p:cNvSpPr/>
-            <p:nvPr/>
-          </p:nvSpPr>
-          <p:spPr>
-            <a:xfrm>
-              <a:off x="2305049" y="1310157"/>
-              <a:ext cx="2113501" cy="408903"/>
-            </a:xfrm>
-            <a:prstGeom prst="rect">
-              <a:avLst/>
-            </a:prstGeom>
-            <a:noFill/>
-            <a:ln>
-              <a:noFill/>
-            </a:ln>
-          </p:spPr>
-          <p:style>
-            <a:lnRef idx="2">
-              <a:schemeClr val="accent1">
-                <a:shade val="15000"/>
-              </a:schemeClr>
-            </a:lnRef>
-            <a:fillRef idx="1">
-              <a:schemeClr val="accent1"/>
-            </a:fillRef>
-            <a:effectRef idx="0">
-              <a:schemeClr val="accent1"/>
-            </a:effectRef>
-            <a:fontRef idx="minor">
-              <a:schemeClr val="lt1"/>
-            </a:fontRef>
-          </p:style>
-          <p:txBody>
-            <a:bodyPr rtlCol="0" anchor="ctr"/>
-            <a:lstStyle/>
-            <a:p>
-              <a:pPr algn="ctr"/>
-              <a:r>
-                <a:rPr lang="vi-VN" sz="2000">
-                  <a:solidFill>
-                    <a:schemeClr val="tx1"/>
-                  </a:solidFill>
-                </a:rPr>
-                <a:t>Thêm sản phẩm</a:t>
-              </a:r>
-              <a:endParaRPr lang="en-US" sz="2000" dirty="0">
-                <a:solidFill>
-                  <a:schemeClr val="tx1"/>
-                </a:solidFill>
-              </a:endParaRPr>
-            </a:p>
-          </p:txBody>
-        </p:sp>
-        <p:cxnSp>
-          <p:nvCxnSpPr>
-            <p:cNvPr id="75" name="Straight Connector 74">
-              <a:extLst>
-                <a:ext uri="{FF2B5EF4-FFF2-40B4-BE49-F238E27FC236}">
-                  <a16:creationId xmlns:a16="http://schemas.microsoft.com/office/drawing/2014/main" id="{0EB19281-758E-33E2-0D1C-5D785E0BF6D5}"/>
-                </a:ext>
-              </a:extLst>
-            </p:cNvPr>
-            <p:cNvCxnSpPr>
-              <a:cxnSpLocks/>
-            </p:cNvCxnSpPr>
-            <p:nvPr/>
-          </p:nvCxnSpPr>
-          <p:spPr>
-            <a:xfrm>
-              <a:off x="2496616" y="1861644"/>
-              <a:ext cx="6337329" cy="0"/>
-            </a:xfrm>
-            <a:prstGeom prst="line">
-              <a:avLst/>
-            </a:prstGeom>
-            <a:ln w="9525">
-              <a:solidFill>
-                <a:schemeClr val="accent2">
-                  <a:lumMod val="60000"/>
-                  <a:lumOff val="40000"/>
-                </a:schemeClr>
-              </a:solidFill>
-            </a:ln>
-          </p:spPr>
-          <p:style>
-            <a:lnRef idx="1">
-              <a:schemeClr val="dk1"/>
-            </a:lnRef>
-            <a:fillRef idx="0">
-              <a:schemeClr val="dk1"/>
-            </a:fillRef>
-            <a:effectRef idx="0">
-              <a:schemeClr val="dk1"/>
-            </a:effectRef>
-            <a:fontRef idx="minor">
-              <a:schemeClr val="tx1"/>
-            </a:fontRef>
-          </p:style>
-        </p:cxnSp>
-        <p:sp>
-          <p:nvSpPr>
-            <p:cNvPr id="210" name="Rectangle 209">
-              <a:extLst>
-                <a:ext uri="{FF2B5EF4-FFF2-40B4-BE49-F238E27FC236}">
-                  <a16:creationId xmlns:a16="http://schemas.microsoft.com/office/drawing/2014/main" id="{002671AD-8A2C-D7DF-6DEA-F8B66FD3459B}"/>
-                </a:ext>
-              </a:extLst>
-            </p:cNvPr>
-            <p:cNvSpPr/>
-            <p:nvPr/>
-          </p:nvSpPr>
-          <p:spPr>
-            <a:xfrm>
-              <a:off x="7903720" y="5489546"/>
-              <a:ext cx="881990" cy="273700"/>
-            </a:xfrm>
-            <a:prstGeom prst="rect">
-              <a:avLst/>
-            </a:prstGeom>
-          </p:spPr>
-          <p:style>
-            <a:lnRef idx="1">
-              <a:schemeClr val="accent2"/>
-            </a:lnRef>
-            <a:fillRef idx="2">
-              <a:schemeClr val="accent2"/>
-            </a:fillRef>
-            <a:effectRef idx="1">
-              <a:schemeClr val="accent2"/>
-            </a:effectRef>
-            <a:fontRef idx="minor">
-              <a:schemeClr val="dk1"/>
-            </a:fontRef>
-          </p:style>
-          <p:txBody>
-            <a:bodyPr wrap="square" rtlCol="0" anchor="ctr"/>
-            <a:lstStyle>
-              <a:lvl1pPr marL="0" indent="0">
-                <a:defRPr sz="1100">
-                  <a:solidFill>
-                    <a:schemeClr val="dk1"/>
-                  </a:solidFill>
-                  <a:latin typeface="+mn-lt"/>
-                  <a:ea typeface="+mn-ea"/>
-                  <a:cs typeface="+mn-cs"/>
-                </a:defRPr>
-              </a:lvl1pPr>
-              <a:lvl2pPr marL="457200" indent="0">
-                <a:defRPr sz="1100">
-                  <a:solidFill>
-                    <a:schemeClr val="dk1"/>
-                  </a:solidFill>
-                  <a:latin typeface="+mn-lt"/>
-                  <a:ea typeface="+mn-ea"/>
-                  <a:cs typeface="+mn-cs"/>
-                </a:defRPr>
-              </a:lvl2pPr>
-              <a:lvl3pPr marL="914400" indent="0">
-                <a:defRPr sz="1100">
-                  <a:solidFill>
-                    <a:schemeClr val="dk1"/>
-                  </a:solidFill>
-                  <a:latin typeface="+mn-lt"/>
-                  <a:ea typeface="+mn-ea"/>
-                  <a:cs typeface="+mn-cs"/>
-                </a:defRPr>
-              </a:lvl3pPr>
-              <a:lvl4pPr marL="1371600" indent="0">
-                <a:defRPr sz="1100">
-                  <a:solidFill>
-                    <a:schemeClr val="dk1"/>
-                  </a:solidFill>
-                  <a:latin typeface="+mn-lt"/>
-                  <a:ea typeface="+mn-ea"/>
-                  <a:cs typeface="+mn-cs"/>
-                </a:defRPr>
-              </a:lvl4pPr>
-              <a:lvl5pPr marL="1828800" indent="0">
-                <a:defRPr sz="1100">
-                  <a:solidFill>
-                    <a:schemeClr val="dk1"/>
-                  </a:solidFill>
-                  <a:latin typeface="+mn-lt"/>
-                  <a:ea typeface="+mn-ea"/>
-                  <a:cs typeface="+mn-cs"/>
-                </a:defRPr>
-              </a:lvl5pPr>
-              <a:lvl6pPr marL="2286000" indent="0">
-                <a:defRPr sz="1100">
-                  <a:solidFill>
-                    <a:schemeClr val="dk1"/>
-                  </a:solidFill>
-                  <a:latin typeface="+mn-lt"/>
-                  <a:ea typeface="+mn-ea"/>
-                  <a:cs typeface="+mn-cs"/>
-                </a:defRPr>
-              </a:lvl6pPr>
-              <a:lvl7pPr marL="2743200" indent="0">
-                <a:defRPr sz="1100">
-                  <a:solidFill>
-                    <a:schemeClr val="dk1"/>
-                  </a:solidFill>
-                  <a:latin typeface="+mn-lt"/>
-                  <a:ea typeface="+mn-ea"/>
-                  <a:cs typeface="+mn-cs"/>
-                </a:defRPr>
-              </a:lvl7pPr>
-              <a:lvl8pPr marL="3200400" indent="0">
-                <a:defRPr sz="1100">
-                  <a:solidFill>
-                    <a:schemeClr val="dk1"/>
-                  </a:solidFill>
-                  <a:latin typeface="+mn-lt"/>
-                  <a:ea typeface="+mn-ea"/>
-                  <a:cs typeface="+mn-cs"/>
-                </a:defRPr>
-              </a:lvl8pPr>
-              <a:lvl9pPr marL="3657600" indent="0">
-                <a:defRPr sz="1100">
-                  <a:solidFill>
-                    <a:schemeClr val="dk1"/>
-                  </a:solidFill>
-                  <a:latin typeface="+mn-lt"/>
-                  <a:ea typeface="+mn-ea"/>
-                  <a:cs typeface="+mn-cs"/>
-                </a:defRPr>
-              </a:lvl9pPr>
-            </a:lstStyle>
-            <a:p>
-              <a:pPr algn="ctr"/>
-              <a:r>
-                <a:rPr lang="vi-VN" sz="1100" kern="1200" dirty="0">
-                  <a:solidFill>
-                    <a:schemeClr val="dk1"/>
-                  </a:solidFill>
-                  <a:effectLst/>
-                  <a:latin typeface="+mn-lt"/>
-                  <a:ea typeface="+mn-ea"/>
-                  <a:cs typeface="+mn-cs"/>
-                </a:rPr>
-                <a:t>Hủy</a:t>
-              </a:r>
-              <a:endParaRPr lang="en-US" sz="900" dirty="0"/>
-            </a:p>
-          </p:txBody>
-        </p:sp>
-        <p:sp>
-          <p:nvSpPr>
-            <p:cNvPr id="28" name="Rectangle 27">
-              <a:extLst>
-                <a:ext uri="{FF2B5EF4-FFF2-40B4-BE49-F238E27FC236}">
-                  <a16:creationId xmlns:a16="http://schemas.microsoft.com/office/drawing/2014/main" id="{66965F54-C01D-7DE9-6AA1-0DA6E268B436}"/>
-                </a:ext>
-              </a:extLst>
-            </p:cNvPr>
-            <p:cNvSpPr/>
-            <p:nvPr/>
-          </p:nvSpPr>
-          <p:spPr>
-            <a:xfrm>
-              <a:off x="2496616" y="2038094"/>
-              <a:ext cx="1208281" cy="254031"/>
-            </a:xfrm>
-            <a:prstGeom prst="rect">
-              <a:avLst/>
-            </a:prstGeom>
-            <a:noFill/>
-            <a:ln>
-              <a:noFill/>
-            </a:ln>
-          </p:spPr>
-          <p:style>
-            <a:lnRef idx="2">
-              <a:schemeClr val="accent1">
-                <a:shade val="15000"/>
-              </a:schemeClr>
-            </a:lnRef>
-            <a:fillRef idx="1">
-              <a:schemeClr val="accent1"/>
-            </a:fillRef>
-            <a:effectRef idx="0">
-              <a:schemeClr val="accent1"/>
-            </a:effectRef>
-            <a:fontRef idx="minor">
-              <a:schemeClr val="lt1"/>
-            </a:fontRef>
-          </p:style>
-          <p:txBody>
-            <a:bodyPr rtlCol="0" anchor="ctr"/>
-            <a:lstStyle/>
-            <a:p>
-              <a:r>
-                <a:rPr lang="vi-VN" sz="1000" dirty="0">
-                  <a:solidFill>
-                    <a:schemeClr val="tx1"/>
-                  </a:solidFill>
-                </a:rPr>
-                <a:t>Mã sản phẩm</a:t>
-              </a:r>
-              <a:endParaRPr lang="en-US" sz="1000" dirty="0">
-                <a:solidFill>
-                  <a:schemeClr val="tx1"/>
-                </a:solidFill>
-              </a:endParaRPr>
-            </a:p>
-          </p:txBody>
-        </p:sp>
-        <p:sp>
-          <p:nvSpPr>
-            <p:cNvPr id="29" name="Rectangle 28">
-              <a:extLst>
-                <a:ext uri="{FF2B5EF4-FFF2-40B4-BE49-F238E27FC236}">
-                  <a16:creationId xmlns:a16="http://schemas.microsoft.com/office/drawing/2014/main" id="{A5B815D8-2FA5-98A3-6216-B5B666E0AA7E}"/>
-                </a:ext>
-              </a:extLst>
-            </p:cNvPr>
-            <p:cNvSpPr/>
-            <p:nvPr/>
-          </p:nvSpPr>
-          <p:spPr>
-            <a:xfrm>
-              <a:off x="3731644" y="2026342"/>
-              <a:ext cx="1271280" cy="277534"/>
-            </a:xfrm>
-            <a:prstGeom prst="rect">
-              <a:avLst/>
-            </a:prstGeom>
-            <a:solidFill>
-              <a:schemeClr val="bg1">
-                <a:lumMod val="85000"/>
-              </a:schemeClr>
-            </a:solidFill>
-          </p:spPr>
-          <p:style>
-            <a:lnRef idx="2">
-              <a:schemeClr val="accent1">
-                <a:shade val="15000"/>
-              </a:schemeClr>
-            </a:lnRef>
-            <a:fillRef idx="1">
-              <a:schemeClr val="accent1"/>
-            </a:fillRef>
-            <a:effectRef idx="0">
-              <a:schemeClr val="accent1"/>
-            </a:effectRef>
-            <a:fontRef idx="minor">
-              <a:schemeClr val="lt1"/>
-            </a:fontRef>
-          </p:style>
-          <p:txBody>
-            <a:bodyPr rtlCol="0" anchor="ctr"/>
-            <a:lstStyle/>
-            <a:p>
-              <a:r>
-                <a:rPr lang="vi-VN" sz="1000">
-                  <a:solidFill>
-                    <a:schemeClr val="tx1"/>
-                  </a:solidFill>
-                </a:rPr>
-                <a:t>080</a:t>
-              </a:r>
-              <a:endParaRPr lang="en-US" sz="1000" dirty="0">
-                <a:solidFill>
-                  <a:schemeClr val="tx1"/>
-                </a:solidFill>
-              </a:endParaRPr>
-            </a:p>
-          </p:txBody>
-        </p:sp>
-        <p:sp>
-          <p:nvSpPr>
-            <p:cNvPr id="10" name="Rectangle 9">
-              <a:extLst>
-                <a:ext uri="{FF2B5EF4-FFF2-40B4-BE49-F238E27FC236}">
-                  <a16:creationId xmlns:a16="http://schemas.microsoft.com/office/drawing/2014/main" id="{6D49CB63-C5AB-4FF9-E2B0-E9115E30D6E9}"/>
-                </a:ext>
-              </a:extLst>
-            </p:cNvPr>
-            <p:cNvSpPr/>
-            <p:nvPr/>
-          </p:nvSpPr>
-          <p:spPr>
-            <a:xfrm>
-              <a:off x="6905237" y="5489546"/>
-              <a:ext cx="881990" cy="273700"/>
-            </a:xfrm>
-            <a:prstGeom prst="rect">
-              <a:avLst/>
-            </a:prstGeom>
-          </p:spPr>
-          <p:style>
-            <a:lnRef idx="1">
-              <a:schemeClr val="accent2"/>
-            </a:lnRef>
-            <a:fillRef idx="2">
-              <a:schemeClr val="accent2"/>
-            </a:fillRef>
-            <a:effectRef idx="1">
-              <a:schemeClr val="accent2"/>
-            </a:effectRef>
-            <a:fontRef idx="minor">
-              <a:schemeClr val="dk1"/>
-            </a:fontRef>
-          </p:style>
-          <p:txBody>
-            <a:bodyPr wrap="square" rtlCol="0" anchor="ctr"/>
-            <a:lstStyle>
-              <a:lvl1pPr marL="0" indent="0">
-                <a:defRPr sz="1100">
-                  <a:solidFill>
-                    <a:schemeClr val="dk1"/>
-                  </a:solidFill>
-                  <a:latin typeface="+mn-lt"/>
-                  <a:ea typeface="+mn-ea"/>
-                  <a:cs typeface="+mn-cs"/>
-                </a:defRPr>
-              </a:lvl1pPr>
-              <a:lvl2pPr marL="457200" indent="0">
-                <a:defRPr sz="1100">
-                  <a:solidFill>
-                    <a:schemeClr val="dk1"/>
-                  </a:solidFill>
-                  <a:latin typeface="+mn-lt"/>
-                  <a:ea typeface="+mn-ea"/>
-                  <a:cs typeface="+mn-cs"/>
-                </a:defRPr>
-              </a:lvl2pPr>
-              <a:lvl3pPr marL="914400" indent="0">
-                <a:defRPr sz="1100">
-                  <a:solidFill>
-                    <a:schemeClr val="dk1"/>
-                  </a:solidFill>
-                  <a:latin typeface="+mn-lt"/>
-                  <a:ea typeface="+mn-ea"/>
-                  <a:cs typeface="+mn-cs"/>
-                </a:defRPr>
-              </a:lvl3pPr>
-              <a:lvl4pPr marL="1371600" indent="0">
-                <a:defRPr sz="1100">
-                  <a:solidFill>
-                    <a:schemeClr val="dk1"/>
-                  </a:solidFill>
-                  <a:latin typeface="+mn-lt"/>
-                  <a:ea typeface="+mn-ea"/>
-                  <a:cs typeface="+mn-cs"/>
-                </a:defRPr>
-              </a:lvl4pPr>
-              <a:lvl5pPr marL="1828800" indent="0">
-                <a:defRPr sz="1100">
-                  <a:solidFill>
-                    <a:schemeClr val="dk1"/>
-                  </a:solidFill>
-                  <a:latin typeface="+mn-lt"/>
-                  <a:ea typeface="+mn-ea"/>
-                  <a:cs typeface="+mn-cs"/>
-                </a:defRPr>
-              </a:lvl5pPr>
-              <a:lvl6pPr marL="2286000" indent="0">
-                <a:defRPr sz="1100">
-                  <a:solidFill>
-                    <a:schemeClr val="dk1"/>
-                  </a:solidFill>
-                  <a:latin typeface="+mn-lt"/>
-                  <a:ea typeface="+mn-ea"/>
-                  <a:cs typeface="+mn-cs"/>
-                </a:defRPr>
-              </a:lvl6pPr>
-              <a:lvl7pPr marL="2743200" indent="0">
-                <a:defRPr sz="1100">
-                  <a:solidFill>
-                    <a:schemeClr val="dk1"/>
-                  </a:solidFill>
-                  <a:latin typeface="+mn-lt"/>
-                  <a:ea typeface="+mn-ea"/>
-                  <a:cs typeface="+mn-cs"/>
-                </a:defRPr>
-              </a:lvl7pPr>
-              <a:lvl8pPr marL="3200400" indent="0">
-                <a:defRPr sz="1100">
-                  <a:solidFill>
-                    <a:schemeClr val="dk1"/>
-                  </a:solidFill>
-                  <a:latin typeface="+mn-lt"/>
-                  <a:ea typeface="+mn-ea"/>
-                  <a:cs typeface="+mn-cs"/>
-                </a:defRPr>
-              </a:lvl8pPr>
-              <a:lvl9pPr marL="3657600" indent="0">
-                <a:defRPr sz="1100">
-                  <a:solidFill>
-                    <a:schemeClr val="dk1"/>
-                  </a:solidFill>
-                  <a:latin typeface="+mn-lt"/>
-                  <a:ea typeface="+mn-ea"/>
-                  <a:cs typeface="+mn-cs"/>
-                </a:defRPr>
-              </a:lvl9pPr>
-            </a:lstStyle>
-            <a:p>
-              <a:pPr algn="ctr"/>
-              <a:r>
-                <a:rPr lang="vi-VN" sz="1100" kern="1200">
-                  <a:solidFill>
-                    <a:schemeClr val="dk1"/>
-                  </a:solidFill>
-                  <a:effectLst/>
-                  <a:latin typeface="+mn-lt"/>
-                  <a:ea typeface="+mn-ea"/>
-                  <a:cs typeface="+mn-cs"/>
-                </a:rPr>
-                <a:t>Thêm</a:t>
-              </a:r>
-              <a:endParaRPr lang="en-US" sz="900" dirty="0"/>
-            </a:p>
-          </p:txBody>
-        </p:sp>
-        <p:sp>
-          <p:nvSpPr>
-            <p:cNvPr id="16" name="Rectangle 15">
-              <a:extLst>
-                <a:ext uri="{FF2B5EF4-FFF2-40B4-BE49-F238E27FC236}">
-                  <a16:creationId xmlns:a16="http://schemas.microsoft.com/office/drawing/2014/main" id="{8C2200C9-44C2-A403-2932-A608F32BDF20}"/>
-                </a:ext>
-              </a:extLst>
-            </p:cNvPr>
-            <p:cNvSpPr/>
-            <p:nvPr/>
-          </p:nvSpPr>
-          <p:spPr>
-            <a:xfrm>
-              <a:off x="2496615" y="2400488"/>
-              <a:ext cx="1208281" cy="254031"/>
-            </a:xfrm>
-            <a:prstGeom prst="rect">
-              <a:avLst/>
-            </a:prstGeom>
-            <a:noFill/>
-            <a:ln>
-              <a:noFill/>
-            </a:ln>
-          </p:spPr>
-          <p:style>
-            <a:lnRef idx="2">
-              <a:schemeClr val="accent1">
-                <a:shade val="15000"/>
-              </a:schemeClr>
-            </a:lnRef>
-            <a:fillRef idx="1">
-              <a:schemeClr val="accent1"/>
-            </a:fillRef>
-            <a:effectRef idx="0">
-              <a:schemeClr val="accent1"/>
-            </a:effectRef>
-            <a:fontRef idx="minor">
-              <a:schemeClr val="lt1"/>
-            </a:fontRef>
-          </p:style>
-          <p:txBody>
-            <a:bodyPr rtlCol="0" anchor="ctr"/>
-            <a:lstStyle/>
-            <a:p>
-              <a:r>
-                <a:rPr lang="vi-VN" sz="1000" dirty="0">
-                  <a:solidFill>
-                    <a:schemeClr val="tx1"/>
-                  </a:solidFill>
-                </a:rPr>
-                <a:t>Tên sản phẩm</a:t>
-              </a:r>
-              <a:endParaRPr lang="en-US" sz="1000" dirty="0">
-                <a:solidFill>
-                  <a:schemeClr val="tx1"/>
-                </a:solidFill>
-              </a:endParaRPr>
-            </a:p>
-          </p:txBody>
-        </p:sp>
-        <p:sp>
-          <p:nvSpPr>
-            <p:cNvPr id="17" name="Rectangle 16">
-              <a:extLst>
-                <a:ext uri="{FF2B5EF4-FFF2-40B4-BE49-F238E27FC236}">
-                  <a16:creationId xmlns:a16="http://schemas.microsoft.com/office/drawing/2014/main" id="{77B3240B-F284-BF4D-11CE-187C795548D0}"/>
-                </a:ext>
-              </a:extLst>
-            </p:cNvPr>
-            <p:cNvSpPr/>
-            <p:nvPr/>
-          </p:nvSpPr>
-          <p:spPr>
-            <a:xfrm>
-              <a:off x="2496614" y="2762882"/>
-              <a:ext cx="1208281" cy="254031"/>
-            </a:xfrm>
-            <a:prstGeom prst="rect">
-              <a:avLst/>
-            </a:prstGeom>
-            <a:noFill/>
-            <a:ln>
-              <a:noFill/>
-            </a:ln>
-          </p:spPr>
-          <p:style>
-            <a:lnRef idx="2">
-              <a:schemeClr val="accent1">
-                <a:shade val="15000"/>
-              </a:schemeClr>
-            </a:lnRef>
-            <a:fillRef idx="1">
-              <a:schemeClr val="accent1"/>
-            </a:fillRef>
-            <a:effectRef idx="0">
-              <a:schemeClr val="accent1"/>
-            </a:effectRef>
-            <a:fontRef idx="minor">
-              <a:schemeClr val="lt1"/>
-            </a:fontRef>
-          </p:style>
-          <p:txBody>
-            <a:bodyPr rtlCol="0" anchor="ctr"/>
-            <a:lstStyle/>
-            <a:p>
-              <a:r>
-                <a:rPr lang="vi-VN" sz="1000" dirty="0">
-                  <a:solidFill>
-                    <a:schemeClr val="tx1"/>
-                  </a:solidFill>
-                </a:rPr>
-                <a:t>Mô tả</a:t>
-              </a:r>
-              <a:endParaRPr lang="en-US" sz="1000" dirty="0">
-                <a:solidFill>
-                  <a:schemeClr val="tx1"/>
-                </a:solidFill>
-              </a:endParaRPr>
-            </a:p>
-          </p:txBody>
-        </p:sp>
-        <p:sp>
-          <p:nvSpPr>
-            <p:cNvPr id="20" name="Rectangle 19">
-              <a:extLst>
-                <a:ext uri="{FF2B5EF4-FFF2-40B4-BE49-F238E27FC236}">
-                  <a16:creationId xmlns:a16="http://schemas.microsoft.com/office/drawing/2014/main" id="{B4C94937-CE20-41CA-699B-019A81834F15}"/>
-                </a:ext>
-              </a:extLst>
-            </p:cNvPr>
-            <p:cNvSpPr/>
-            <p:nvPr/>
-          </p:nvSpPr>
-          <p:spPr>
-            <a:xfrm>
-              <a:off x="2503079" y="5015706"/>
-              <a:ext cx="1208281" cy="254031"/>
-            </a:xfrm>
-            <a:prstGeom prst="rect">
-              <a:avLst/>
-            </a:prstGeom>
-            <a:noFill/>
-            <a:ln>
-              <a:noFill/>
-            </a:ln>
-          </p:spPr>
-          <p:style>
-            <a:lnRef idx="2">
-              <a:schemeClr val="accent1">
-                <a:shade val="15000"/>
-              </a:schemeClr>
-            </a:lnRef>
-            <a:fillRef idx="1">
-              <a:schemeClr val="accent1"/>
-            </a:fillRef>
-            <a:effectRef idx="0">
-              <a:schemeClr val="accent1"/>
-            </a:effectRef>
-            <a:fontRef idx="minor">
-              <a:schemeClr val="lt1"/>
-            </a:fontRef>
-          </p:style>
-          <p:txBody>
-            <a:bodyPr rtlCol="0" anchor="ctr"/>
-            <a:lstStyle/>
-            <a:p>
-              <a:r>
-                <a:rPr lang="vi-VN" sz="1000" dirty="0">
-                  <a:solidFill>
-                    <a:schemeClr val="tx1"/>
-                  </a:solidFill>
-                </a:rPr>
-                <a:t>Giá</a:t>
-              </a:r>
-              <a:endParaRPr lang="en-US" sz="1000" dirty="0">
-                <a:solidFill>
-                  <a:schemeClr val="tx1"/>
-                </a:solidFill>
-              </a:endParaRPr>
-            </a:p>
-          </p:txBody>
-        </p:sp>
-        <p:sp>
-          <p:nvSpPr>
-            <p:cNvPr id="21" name="Rectangle 20">
-              <a:extLst>
-                <a:ext uri="{FF2B5EF4-FFF2-40B4-BE49-F238E27FC236}">
-                  <a16:creationId xmlns:a16="http://schemas.microsoft.com/office/drawing/2014/main" id="{8B109D92-0A0E-DBB0-4189-877A3419A4F8}"/>
-                </a:ext>
-              </a:extLst>
-            </p:cNvPr>
-            <p:cNvSpPr/>
-            <p:nvPr/>
-          </p:nvSpPr>
-          <p:spPr>
-            <a:xfrm>
-              <a:off x="6309203" y="5056308"/>
-              <a:ext cx="1179418" cy="254031"/>
-            </a:xfrm>
-            <a:prstGeom prst="rect">
-              <a:avLst/>
-            </a:prstGeom>
-            <a:noFill/>
-            <a:ln>
-              <a:noFill/>
-            </a:ln>
-          </p:spPr>
-          <p:style>
-            <a:lnRef idx="2">
-              <a:schemeClr val="accent1">
-                <a:shade val="15000"/>
-              </a:schemeClr>
-            </a:lnRef>
-            <a:fillRef idx="1">
-              <a:schemeClr val="accent1"/>
-            </a:fillRef>
-            <a:effectRef idx="0">
-              <a:schemeClr val="accent1"/>
-            </a:effectRef>
-            <a:fontRef idx="minor">
-              <a:schemeClr val="lt1"/>
-            </a:fontRef>
-          </p:style>
-          <p:txBody>
-            <a:bodyPr rtlCol="0" anchor="ctr"/>
-            <a:lstStyle/>
-            <a:p>
-              <a:r>
-                <a:rPr lang="vi-VN" sz="1000" dirty="0">
-                  <a:solidFill>
-                    <a:schemeClr val="tx1"/>
-                  </a:solidFill>
-                </a:rPr>
-                <a:t>Màu</a:t>
-              </a:r>
-              <a:endParaRPr lang="en-US" sz="1000" dirty="0">
-                <a:solidFill>
-                  <a:schemeClr val="tx1"/>
-                </a:solidFill>
-              </a:endParaRPr>
-            </a:p>
-          </p:txBody>
-        </p:sp>
-        <p:sp>
-          <p:nvSpPr>
-            <p:cNvPr id="22" name="Rectangle 21">
-              <a:extLst>
-                <a:ext uri="{FF2B5EF4-FFF2-40B4-BE49-F238E27FC236}">
-                  <a16:creationId xmlns:a16="http://schemas.microsoft.com/office/drawing/2014/main" id="{EF7AD3A4-4B12-19C4-A20E-D2151A101F31}"/>
-                </a:ext>
-              </a:extLst>
-            </p:cNvPr>
-            <p:cNvSpPr/>
-            <p:nvPr/>
-          </p:nvSpPr>
-          <p:spPr>
-            <a:xfrm>
-              <a:off x="2502838" y="4635397"/>
-              <a:ext cx="1208281" cy="254031"/>
-            </a:xfrm>
-            <a:prstGeom prst="rect">
-              <a:avLst/>
-            </a:prstGeom>
-            <a:noFill/>
-            <a:ln>
-              <a:noFill/>
-            </a:ln>
-          </p:spPr>
-          <p:style>
-            <a:lnRef idx="2">
-              <a:schemeClr val="accent1">
-                <a:shade val="15000"/>
-              </a:schemeClr>
-            </a:lnRef>
-            <a:fillRef idx="1">
-              <a:schemeClr val="accent1"/>
-            </a:fillRef>
-            <a:effectRef idx="0">
-              <a:schemeClr val="accent1"/>
-            </a:effectRef>
-            <a:fontRef idx="minor">
-              <a:schemeClr val="lt1"/>
-            </a:fontRef>
-          </p:style>
-          <p:txBody>
-            <a:bodyPr rtlCol="0" anchor="ctr"/>
-            <a:lstStyle/>
-            <a:p>
-              <a:r>
-                <a:rPr lang="vi-VN" sz="1000" dirty="0">
-                  <a:solidFill>
-                    <a:schemeClr val="tx1"/>
-                  </a:solidFill>
-                </a:rPr>
-                <a:t>Thương hiệu</a:t>
-              </a:r>
-              <a:endParaRPr lang="en-US" sz="1000" dirty="0">
-                <a:solidFill>
-                  <a:schemeClr val="tx1"/>
-                </a:solidFill>
-              </a:endParaRPr>
-            </a:p>
-          </p:txBody>
-        </p:sp>
-        <p:sp>
-          <p:nvSpPr>
-            <p:cNvPr id="23" name="Rectangle 22">
-              <a:extLst>
-                <a:ext uri="{FF2B5EF4-FFF2-40B4-BE49-F238E27FC236}">
-                  <a16:creationId xmlns:a16="http://schemas.microsoft.com/office/drawing/2014/main" id="{4945A0BF-B9FA-560D-0763-B52606A0A9E0}"/>
-                </a:ext>
-              </a:extLst>
-            </p:cNvPr>
-            <p:cNvSpPr/>
-            <p:nvPr/>
-          </p:nvSpPr>
-          <p:spPr>
-            <a:xfrm>
-              <a:off x="2497088" y="3536982"/>
-              <a:ext cx="1208281" cy="254031"/>
-            </a:xfrm>
-            <a:prstGeom prst="rect">
-              <a:avLst/>
-            </a:prstGeom>
-            <a:noFill/>
-            <a:ln>
-              <a:noFill/>
-            </a:ln>
-          </p:spPr>
-          <p:style>
-            <a:lnRef idx="2">
-              <a:schemeClr val="accent1">
-                <a:shade val="15000"/>
-              </a:schemeClr>
-            </a:lnRef>
-            <a:fillRef idx="1">
-              <a:schemeClr val="accent1"/>
-            </a:fillRef>
-            <a:effectRef idx="0">
-              <a:schemeClr val="accent1"/>
-            </a:effectRef>
-            <a:fontRef idx="minor">
-              <a:schemeClr val="lt1"/>
-            </a:fontRef>
-          </p:style>
-          <p:txBody>
-            <a:bodyPr rtlCol="0" anchor="ctr"/>
-            <a:lstStyle/>
-            <a:p>
-              <a:r>
-                <a:rPr lang="vi-VN" sz="1000" dirty="0">
-                  <a:solidFill>
-                    <a:schemeClr val="tx1"/>
-                  </a:solidFill>
-                </a:rPr>
-                <a:t>Ảnh</a:t>
-              </a:r>
-              <a:endParaRPr lang="en-US" sz="1000" dirty="0">
-                <a:solidFill>
-                  <a:schemeClr val="tx1"/>
-                </a:solidFill>
-              </a:endParaRPr>
-            </a:p>
-          </p:txBody>
-        </p:sp>
-        <p:sp>
-          <p:nvSpPr>
-            <p:cNvPr id="37" name="Rectangle 36">
-              <a:extLst>
-                <a:ext uri="{FF2B5EF4-FFF2-40B4-BE49-F238E27FC236}">
-                  <a16:creationId xmlns:a16="http://schemas.microsoft.com/office/drawing/2014/main" id="{56262808-8088-E558-11B8-DCB55C19AFBE}"/>
-                </a:ext>
-              </a:extLst>
-            </p:cNvPr>
-            <p:cNvSpPr/>
-            <p:nvPr/>
-          </p:nvSpPr>
-          <p:spPr>
-            <a:xfrm>
-              <a:off x="2530532" y="4290697"/>
-              <a:ext cx="1208281" cy="254031"/>
-            </a:xfrm>
-            <a:prstGeom prst="rect">
-              <a:avLst/>
-            </a:prstGeom>
-            <a:noFill/>
-            <a:ln>
-              <a:noFill/>
-            </a:ln>
-          </p:spPr>
-          <p:style>
-            <a:lnRef idx="2">
-              <a:schemeClr val="accent1">
-                <a:shade val="15000"/>
-              </a:schemeClr>
-            </a:lnRef>
-            <a:fillRef idx="1">
-              <a:schemeClr val="accent1"/>
-            </a:fillRef>
-            <a:effectRef idx="0">
-              <a:schemeClr val="accent1"/>
-            </a:effectRef>
-            <a:fontRef idx="minor">
-              <a:schemeClr val="lt1"/>
-            </a:fontRef>
-          </p:style>
-          <p:txBody>
-            <a:bodyPr rtlCol="0" anchor="ctr"/>
-            <a:lstStyle/>
-            <a:p>
-              <a:r>
-                <a:rPr lang="vi-VN" sz="1000" dirty="0">
-                  <a:solidFill>
-                    <a:schemeClr val="tx1"/>
-                  </a:solidFill>
-                </a:rPr>
-                <a:t>Size</a:t>
-              </a:r>
-              <a:endParaRPr lang="en-US" sz="1000" dirty="0">
-                <a:solidFill>
-                  <a:schemeClr val="tx1"/>
-                </a:solidFill>
-              </a:endParaRPr>
-            </a:p>
-          </p:txBody>
-        </p:sp>
-        <p:sp>
-          <p:nvSpPr>
-            <p:cNvPr id="38" name="Rectangle 37">
-              <a:extLst>
-                <a:ext uri="{FF2B5EF4-FFF2-40B4-BE49-F238E27FC236}">
-                  <a16:creationId xmlns:a16="http://schemas.microsoft.com/office/drawing/2014/main" id="{69DE6DE4-51F4-99D4-D7DA-B62D719BC23F}"/>
-                </a:ext>
-              </a:extLst>
-            </p:cNvPr>
-            <p:cNvSpPr/>
-            <p:nvPr/>
-          </p:nvSpPr>
-          <p:spPr>
-            <a:xfrm>
-              <a:off x="6309204" y="4260546"/>
-              <a:ext cx="1208281" cy="254031"/>
-            </a:xfrm>
-            <a:prstGeom prst="rect">
-              <a:avLst/>
-            </a:prstGeom>
-            <a:noFill/>
-            <a:ln>
-              <a:noFill/>
-            </a:ln>
-          </p:spPr>
-          <p:style>
-            <a:lnRef idx="2">
-              <a:schemeClr val="accent1">
-                <a:shade val="15000"/>
-              </a:schemeClr>
-            </a:lnRef>
-            <a:fillRef idx="1">
-              <a:schemeClr val="accent1"/>
-            </a:fillRef>
-            <a:effectRef idx="0">
-              <a:schemeClr val="accent1"/>
-            </a:effectRef>
-            <a:fontRef idx="minor">
-              <a:schemeClr val="lt1"/>
-            </a:fontRef>
-          </p:style>
-          <p:txBody>
-            <a:bodyPr rtlCol="0" anchor="ctr"/>
-            <a:lstStyle/>
-            <a:p>
-              <a:r>
-                <a:rPr lang="vi-VN" sz="1000" dirty="0">
-                  <a:solidFill>
-                    <a:schemeClr val="tx1"/>
-                  </a:solidFill>
-                </a:rPr>
-                <a:t>Loại sản phẩm</a:t>
-              </a:r>
-              <a:endParaRPr lang="en-US" sz="1000" dirty="0">
-                <a:solidFill>
-                  <a:schemeClr val="tx1"/>
-                </a:solidFill>
-              </a:endParaRPr>
-            </a:p>
-          </p:txBody>
-        </p:sp>
-        <p:sp>
-          <p:nvSpPr>
-            <p:cNvPr id="39" name="Rectangle 38">
-              <a:extLst>
-                <a:ext uri="{FF2B5EF4-FFF2-40B4-BE49-F238E27FC236}">
-                  <a16:creationId xmlns:a16="http://schemas.microsoft.com/office/drawing/2014/main" id="{910F64CF-755D-3065-BA18-416E0AA9EDC4}"/>
-                </a:ext>
-              </a:extLst>
-            </p:cNvPr>
-            <p:cNvSpPr/>
-            <p:nvPr/>
-          </p:nvSpPr>
-          <p:spPr>
-            <a:xfrm>
-              <a:off x="6309203" y="4650746"/>
-              <a:ext cx="1208281" cy="254031"/>
-            </a:xfrm>
-            <a:prstGeom prst="rect">
-              <a:avLst/>
-            </a:prstGeom>
-            <a:noFill/>
-            <a:ln>
-              <a:noFill/>
-            </a:ln>
-          </p:spPr>
-          <p:style>
-            <a:lnRef idx="2">
-              <a:schemeClr val="accent1">
-                <a:shade val="15000"/>
-              </a:schemeClr>
-            </a:lnRef>
-            <a:fillRef idx="1">
-              <a:schemeClr val="accent1"/>
-            </a:fillRef>
-            <a:effectRef idx="0">
-              <a:schemeClr val="accent1"/>
-            </a:effectRef>
-            <a:fontRef idx="minor">
-              <a:schemeClr val="lt1"/>
-            </a:fontRef>
-          </p:style>
-          <p:txBody>
-            <a:bodyPr rtlCol="0" anchor="ctr"/>
-            <a:lstStyle/>
-            <a:p>
-              <a:r>
-                <a:rPr lang="vi-VN" sz="1000" dirty="0">
-                  <a:solidFill>
-                    <a:schemeClr val="tx1"/>
-                  </a:solidFill>
-                </a:rPr>
-                <a:t>Mã khuyến mãi</a:t>
-              </a:r>
-              <a:endParaRPr lang="en-US" sz="1000" dirty="0">
-                <a:solidFill>
-                  <a:schemeClr val="tx1"/>
-                </a:solidFill>
-              </a:endParaRPr>
-            </a:p>
-          </p:txBody>
-        </p:sp>
-        <p:sp>
-          <p:nvSpPr>
-            <p:cNvPr id="43" name="Rectangle 42">
-              <a:extLst>
-                <a:ext uri="{FF2B5EF4-FFF2-40B4-BE49-F238E27FC236}">
-                  <a16:creationId xmlns:a16="http://schemas.microsoft.com/office/drawing/2014/main" id="{870D469B-82F7-44F9-2CD7-32494A55D421}"/>
-                </a:ext>
-              </a:extLst>
-            </p:cNvPr>
-            <p:cNvSpPr/>
-            <p:nvPr/>
-          </p:nvSpPr>
-          <p:spPr>
-            <a:xfrm>
-              <a:off x="6280340" y="2038094"/>
-              <a:ext cx="1208281" cy="254031"/>
-            </a:xfrm>
-            <a:prstGeom prst="rect">
-              <a:avLst/>
-            </a:prstGeom>
-            <a:noFill/>
-            <a:ln>
-              <a:noFill/>
-            </a:ln>
-          </p:spPr>
-          <p:style>
-            <a:lnRef idx="2">
-              <a:schemeClr val="accent1">
-                <a:shade val="15000"/>
-              </a:schemeClr>
-            </a:lnRef>
-            <a:fillRef idx="1">
-              <a:schemeClr val="accent1"/>
-            </a:fillRef>
-            <a:effectRef idx="0">
-              <a:schemeClr val="accent1"/>
-            </a:effectRef>
-            <a:fontRef idx="minor">
-              <a:schemeClr val="lt1"/>
-            </a:fontRef>
-          </p:style>
-          <p:txBody>
-            <a:bodyPr rtlCol="0" anchor="ctr"/>
-            <a:lstStyle/>
-            <a:p>
-              <a:r>
-                <a:rPr lang="vi-VN" sz="1000" dirty="0">
-                  <a:solidFill>
-                    <a:schemeClr val="tx1"/>
-                  </a:solidFill>
-                </a:rPr>
-                <a:t>Tình trạng</a:t>
-              </a:r>
-              <a:endParaRPr lang="en-US" sz="1000" dirty="0">
-                <a:solidFill>
-                  <a:schemeClr val="tx1"/>
-                </a:solidFill>
-              </a:endParaRPr>
-            </a:p>
-          </p:txBody>
-        </p:sp>
-        <p:sp>
-          <p:nvSpPr>
-            <p:cNvPr id="44" name="Rectangle 43">
-              <a:extLst>
-                <a:ext uri="{FF2B5EF4-FFF2-40B4-BE49-F238E27FC236}">
-                  <a16:creationId xmlns:a16="http://schemas.microsoft.com/office/drawing/2014/main" id="{25E67106-9DD5-4D52-07CB-5BD21F585E51}"/>
-                </a:ext>
-              </a:extLst>
-            </p:cNvPr>
-            <p:cNvSpPr/>
-            <p:nvPr/>
-          </p:nvSpPr>
-          <p:spPr>
-            <a:xfrm>
-              <a:off x="7515367" y="2026342"/>
+              <a:off x="7515712" y="1515842"/>
               <a:ext cx="1271281" cy="277534"/>
             </a:xfrm>
             <a:prstGeom prst="rect">
@@ -18529,1679 +20270,20 @@
             <a:bodyPr rtlCol="0" anchor="ctr"/>
             <a:lstStyle/>
             <a:p>
+              <a:pPr algn="ctr"/>
               <a:r>
-                <a:rPr lang="vi-VN" sz="1000" dirty="0">
-                  <a:solidFill>
-                    <a:srgbClr val="00B0F0"/>
+                <a:rPr lang="vi-VN" sz="1000" b="1" dirty="0">
+                  <a:solidFill>
+                    <a:schemeClr val="tx1"/>
                   </a:solidFill>
                 </a:rPr>
-                <a:t>ACTIVE</a:t>
+                <a:t>HIỆU CHỈNH</a:t>
               </a:r>
-              <a:endParaRPr lang="en-US" sz="1000" dirty="0">
-                <a:solidFill>
-                  <a:srgbClr val="00B0F0"/>
-                </a:solidFill>
-              </a:endParaRPr>
-            </a:p>
-          </p:txBody>
-        </p:sp>
-        <p:sp>
-          <p:nvSpPr>
-            <p:cNvPr id="45" name="Rectangle 44">
-              <a:extLst>
-                <a:ext uri="{FF2B5EF4-FFF2-40B4-BE49-F238E27FC236}">
-                  <a16:creationId xmlns:a16="http://schemas.microsoft.com/office/drawing/2014/main" id="{7941AAEC-731A-7CA8-01A6-F070C65D91C8}"/>
-                </a:ext>
-              </a:extLst>
-            </p:cNvPr>
-            <p:cNvSpPr/>
-            <p:nvPr/>
-          </p:nvSpPr>
-          <p:spPr>
-            <a:xfrm>
-              <a:off x="3731408" y="2391880"/>
-              <a:ext cx="5055239" cy="277534"/>
-            </a:xfrm>
-            <a:prstGeom prst="rect">
-              <a:avLst/>
-            </a:prstGeom>
-            <a:solidFill>
-              <a:schemeClr val="bg1"/>
-            </a:solidFill>
-          </p:spPr>
-          <p:style>
-            <a:lnRef idx="2">
-              <a:schemeClr val="accent1">
-                <a:shade val="15000"/>
-              </a:schemeClr>
-            </a:lnRef>
-            <a:fillRef idx="1">
-              <a:schemeClr val="accent1"/>
-            </a:fillRef>
-            <a:effectRef idx="0">
-              <a:schemeClr val="accent1"/>
-            </a:effectRef>
-            <a:fontRef idx="minor">
-              <a:schemeClr val="lt1"/>
-            </a:fontRef>
-          </p:style>
-          <p:txBody>
-            <a:bodyPr rtlCol="0" anchor="ctr"/>
-            <a:lstStyle/>
-            <a:p>
-              <a:r>
-                <a:rPr lang="vi-VN" sz="1000" dirty="0">
-                  <a:solidFill>
-                    <a:schemeClr val="tx1"/>
-                  </a:solidFill>
-                </a:rPr>
-                <a:t>Giày F</a:t>
-              </a:r>
-              <a:endParaRPr lang="en-US" sz="1000" dirty="0">
+              <a:endParaRPr lang="en-US" sz="1000" b="1" dirty="0">
                 <a:solidFill>
                   <a:schemeClr val="tx1"/>
                 </a:solidFill>
               </a:endParaRPr>
-            </a:p>
-          </p:txBody>
-        </p:sp>
-        <p:sp>
-          <p:nvSpPr>
-            <p:cNvPr id="46" name="Rectangle 45">
-              <a:extLst>
-                <a:ext uri="{FF2B5EF4-FFF2-40B4-BE49-F238E27FC236}">
-                  <a16:creationId xmlns:a16="http://schemas.microsoft.com/office/drawing/2014/main" id="{03FB4A70-9F9D-46D1-A78B-F2801B84899D}"/>
-                </a:ext>
-              </a:extLst>
-            </p:cNvPr>
-            <p:cNvSpPr/>
-            <p:nvPr/>
-          </p:nvSpPr>
-          <p:spPr>
-            <a:xfrm>
-              <a:off x="3731173" y="2757417"/>
-              <a:ext cx="5055239" cy="686037"/>
-            </a:xfrm>
-            <a:prstGeom prst="rect">
-              <a:avLst/>
-            </a:prstGeom>
-            <a:solidFill>
-              <a:schemeClr val="bg1"/>
-            </a:solidFill>
-          </p:spPr>
-          <p:style>
-            <a:lnRef idx="2">
-              <a:schemeClr val="accent1">
-                <a:shade val="15000"/>
-              </a:schemeClr>
-            </a:lnRef>
-            <a:fillRef idx="1">
-              <a:schemeClr val="accent1"/>
-            </a:fillRef>
-            <a:effectRef idx="0">
-              <a:schemeClr val="accent1"/>
-            </a:effectRef>
-            <a:fontRef idx="minor">
-              <a:schemeClr val="lt1"/>
-            </a:fontRef>
-          </p:style>
-          <p:txBody>
-            <a:bodyPr rtlCol="0" anchor="ctr"/>
-            <a:lstStyle/>
-            <a:p>
-              <a:r>
-                <a:rPr lang="vi-VN" sz="1000" dirty="0">
-                  <a:solidFill>
-                    <a:schemeClr val="tx1"/>
-                  </a:solidFill>
-                </a:rPr>
-                <a:t>Đây là mô tả của sả phẩm</a:t>
-              </a:r>
-              <a:endParaRPr lang="en-US" sz="1000" dirty="0">
-                <a:solidFill>
-                  <a:schemeClr val="tx1"/>
-                </a:solidFill>
-              </a:endParaRPr>
-            </a:p>
-          </p:txBody>
-        </p:sp>
-        <p:sp>
-          <p:nvSpPr>
-            <p:cNvPr id="59" name="Rectangle 58">
-              <a:extLst>
-                <a:ext uri="{FF2B5EF4-FFF2-40B4-BE49-F238E27FC236}">
-                  <a16:creationId xmlns:a16="http://schemas.microsoft.com/office/drawing/2014/main" id="{730D2138-C594-CD23-2BDF-71A0356712C4}"/>
-                </a:ext>
-              </a:extLst>
-            </p:cNvPr>
-            <p:cNvSpPr/>
-            <p:nvPr/>
-          </p:nvSpPr>
-          <p:spPr>
-            <a:xfrm>
-              <a:off x="3737404" y="5013386"/>
-              <a:ext cx="1271279" cy="277534"/>
-            </a:xfrm>
-            <a:prstGeom prst="rect">
-              <a:avLst/>
-            </a:prstGeom>
-            <a:solidFill>
-              <a:schemeClr val="bg1"/>
-            </a:solidFill>
-          </p:spPr>
-          <p:style>
-            <a:lnRef idx="2">
-              <a:schemeClr val="accent1">
-                <a:shade val="15000"/>
-              </a:schemeClr>
-            </a:lnRef>
-            <a:fillRef idx="1">
-              <a:schemeClr val="accent1"/>
-            </a:fillRef>
-            <a:effectRef idx="0">
-              <a:schemeClr val="accent1"/>
-            </a:effectRef>
-            <a:fontRef idx="minor">
-              <a:schemeClr val="lt1"/>
-            </a:fontRef>
-          </p:style>
-          <p:txBody>
-            <a:bodyPr rtlCol="0" anchor="ctr"/>
-            <a:lstStyle/>
-            <a:p>
-              <a:r>
-                <a:rPr lang="vi-VN" sz="1000" dirty="0">
-                  <a:solidFill>
-                    <a:schemeClr val="tx1"/>
-                  </a:solidFill>
-                </a:rPr>
-                <a:t>1.700.000</a:t>
-              </a:r>
-              <a:endParaRPr lang="en-US" sz="1000" dirty="0">
-                <a:solidFill>
-                  <a:schemeClr val="tx1"/>
-                </a:solidFill>
-              </a:endParaRPr>
-            </a:p>
-          </p:txBody>
-        </p:sp>
-        <p:sp>
-          <p:nvSpPr>
-            <p:cNvPr id="60" name="Rectangle 59">
-              <a:extLst>
-                <a:ext uri="{FF2B5EF4-FFF2-40B4-BE49-F238E27FC236}">
-                  <a16:creationId xmlns:a16="http://schemas.microsoft.com/office/drawing/2014/main" id="{6E826CEA-8875-C16A-F485-8C3338BFADF2}"/>
-                </a:ext>
-              </a:extLst>
-            </p:cNvPr>
-            <p:cNvSpPr/>
-            <p:nvPr/>
-          </p:nvSpPr>
-          <p:spPr>
-            <a:xfrm>
-              <a:off x="7514431" y="5011515"/>
-              <a:ext cx="1271279" cy="277534"/>
-            </a:xfrm>
-            <a:prstGeom prst="rect">
-              <a:avLst/>
-            </a:prstGeom>
-            <a:solidFill>
-              <a:schemeClr val="bg1"/>
-            </a:solidFill>
-          </p:spPr>
-          <p:style>
-            <a:lnRef idx="2">
-              <a:schemeClr val="accent1">
-                <a:shade val="15000"/>
-              </a:schemeClr>
-            </a:lnRef>
-            <a:fillRef idx="1">
-              <a:schemeClr val="accent1"/>
-            </a:fillRef>
-            <a:effectRef idx="0">
-              <a:schemeClr val="accent1"/>
-            </a:effectRef>
-            <a:fontRef idx="minor">
-              <a:schemeClr val="lt1"/>
-            </a:fontRef>
-          </p:style>
-          <p:txBody>
-            <a:bodyPr rtlCol="0" anchor="ctr"/>
-            <a:lstStyle/>
-            <a:p>
-              <a:r>
-                <a:rPr lang="vi-VN" sz="1000" dirty="0">
-                  <a:solidFill>
-                    <a:schemeClr val="tx1"/>
-                  </a:solidFill>
-                </a:rPr>
-                <a:t>Trắng</a:t>
-              </a:r>
-              <a:endParaRPr lang="en-US" sz="1000" dirty="0">
-                <a:solidFill>
-                  <a:schemeClr val="tx1"/>
-                </a:solidFill>
-              </a:endParaRPr>
-            </a:p>
-          </p:txBody>
-        </p:sp>
-        <p:sp>
-          <p:nvSpPr>
-            <p:cNvPr id="61" name="Rectangle 60">
-              <a:extLst>
-                <a:ext uri="{FF2B5EF4-FFF2-40B4-BE49-F238E27FC236}">
-                  <a16:creationId xmlns:a16="http://schemas.microsoft.com/office/drawing/2014/main" id="{813C7A27-DBEA-07D0-4D1A-E6B8EE1D2E0E}"/>
-                </a:ext>
-              </a:extLst>
-            </p:cNvPr>
-            <p:cNvSpPr/>
-            <p:nvPr/>
-          </p:nvSpPr>
-          <p:spPr>
-            <a:xfrm>
-              <a:off x="3736696" y="4639365"/>
-              <a:ext cx="1271278" cy="277534"/>
-            </a:xfrm>
-            <a:prstGeom prst="rect">
-              <a:avLst/>
-            </a:prstGeom>
-            <a:solidFill>
-              <a:schemeClr val="bg1"/>
-            </a:solidFill>
-          </p:spPr>
-          <p:style>
-            <a:lnRef idx="2">
-              <a:schemeClr val="accent1">
-                <a:shade val="15000"/>
-              </a:schemeClr>
-            </a:lnRef>
-            <a:fillRef idx="1">
-              <a:schemeClr val="accent1"/>
-            </a:fillRef>
-            <a:effectRef idx="0">
-              <a:schemeClr val="accent1"/>
-            </a:effectRef>
-            <a:fontRef idx="minor">
-              <a:schemeClr val="lt1"/>
-            </a:fontRef>
-          </p:style>
-          <p:txBody>
-            <a:bodyPr rtlCol="0" anchor="ctr"/>
-            <a:lstStyle/>
-            <a:p>
-              <a:r>
-                <a:rPr lang="en-US" sz="1000" dirty="0">
-                  <a:solidFill>
-                    <a:schemeClr val="tx1"/>
-                  </a:solidFill>
-                </a:rPr>
-                <a:t>Nike</a:t>
-              </a:r>
-            </a:p>
-          </p:txBody>
-        </p:sp>
-        <p:sp>
-          <p:nvSpPr>
-            <p:cNvPr id="63" name="Rectangle 62">
-              <a:extLst>
-                <a:ext uri="{FF2B5EF4-FFF2-40B4-BE49-F238E27FC236}">
-                  <a16:creationId xmlns:a16="http://schemas.microsoft.com/office/drawing/2014/main" id="{0DE40FE5-28BC-5913-330B-9533440D950C}"/>
-                </a:ext>
-              </a:extLst>
-            </p:cNvPr>
-            <p:cNvSpPr/>
-            <p:nvPr/>
-          </p:nvSpPr>
-          <p:spPr>
-            <a:xfrm>
-              <a:off x="3737169" y="4278946"/>
-              <a:ext cx="1270571" cy="277534"/>
-            </a:xfrm>
-            <a:prstGeom prst="rect">
-              <a:avLst/>
-            </a:prstGeom>
-            <a:solidFill>
-              <a:schemeClr val="bg1"/>
-            </a:solidFill>
-          </p:spPr>
-          <p:style>
-            <a:lnRef idx="2">
-              <a:schemeClr val="accent1">
-                <a:shade val="15000"/>
-              </a:schemeClr>
-            </a:lnRef>
-            <a:fillRef idx="1">
-              <a:schemeClr val="accent1"/>
-            </a:fillRef>
-            <a:effectRef idx="0">
-              <a:schemeClr val="accent1"/>
-            </a:effectRef>
-            <a:fontRef idx="minor">
-              <a:schemeClr val="lt1"/>
-            </a:fontRef>
-          </p:style>
-          <p:txBody>
-            <a:bodyPr rtlCol="0" anchor="ctr"/>
-            <a:lstStyle/>
-            <a:p>
-              <a:r>
-                <a:rPr lang="en-US" sz="1000" dirty="0">
-                  <a:solidFill>
-                    <a:schemeClr val="tx1"/>
-                  </a:solidFill>
-                </a:rPr>
-                <a:t>35</a:t>
-              </a:r>
-            </a:p>
-          </p:txBody>
-        </p:sp>
-        <p:sp>
-          <p:nvSpPr>
-            <p:cNvPr id="64" name="Rectangle 63">
-              <a:extLst>
-                <a:ext uri="{FF2B5EF4-FFF2-40B4-BE49-F238E27FC236}">
-                  <a16:creationId xmlns:a16="http://schemas.microsoft.com/office/drawing/2014/main" id="{55D59D89-59DB-E1D6-5A46-AF6198EB13C3}"/>
-                </a:ext>
-              </a:extLst>
-            </p:cNvPr>
-            <p:cNvSpPr/>
-            <p:nvPr/>
-          </p:nvSpPr>
-          <p:spPr>
-            <a:xfrm>
-              <a:off x="7515605" y="4278420"/>
-              <a:ext cx="1270805" cy="277534"/>
-            </a:xfrm>
-            <a:prstGeom prst="rect">
-              <a:avLst/>
-            </a:prstGeom>
-            <a:solidFill>
-              <a:schemeClr val="bg1"/>
-            </a:solidFill>
-          </p:spPr>
-          <p:style>
-            <a:lnRef idx="2">
-              <a:schemeClr val="accent1">
-                <a:shade val="15000"/>
-              </a:schemeClr>
-            </a:lnRef>
-            <a:fillRef idx="1">
-              <a:schemeClr val="accent1"/>
-            </a:fillRef>
-            <a:effectRef idx="0">
-              <a:schemeClr val="accent1"/>
-            </a:effectRef>
-            <a:fontRef idx="minor">
-              <a:schemeClr val="lt1"/>
-            </a:fontRef>
-          </p:style>
-          <p:txBody>
-            <a:bodyPr rtlCol="0" anchor="ctr"/>
-            <a:lstStyle/>
-            <a:p>
-              <a:r>
-                <a:rPr lang="vi-VN" sz="1000" dirty="0">
-                  <a:solidFill>
-                    <a:schemeClr val="tx1"/>
-                  </a:solidFill>
-                </a:rPr>
-                <a:t>Giày cổ thấp</a:t>
-              </a:r>
-              <a:endParaRPr lang="en-US" sz="1000" dirty="0">
-                <a:solidFill>
-                  <a:schemeClr val="tx1"/>
-                </a:solidFill>
-              </a:endParaRPr>
-            </a:p>
-          </p:txBody>
-        </p:sp>
-        <p:sp>
-          <p:nvSpPr>
-            <p:cNvPr id="65" name="Rectangle 64">
-              <a:extLst>
-                <a:ext uri="{FF2B5EF4-FFF2-40B4-BE49-F238E27FC236}">
-                  <a16:creationId xmlns:a16="http://schemas.microsoft.com/office/drawing/2014/main" id="{C30DC2A4-0C15-0942-B4A6-F0C9C7C39367}"/>
-                </a:ext>
-              </a:extLst>
-            </p:cNvPr>
-            <p:cNvSpPr/>
-            <p:nvPr/>
-          </p:nvSpPr>
-          <p:spPr>
-            <a:xfrm>
-              <a:off x="7515370" y="4643958"/>
-              <a:ext cx="1270805" cy="277534"/>
-            </a:xfrm>
-            <a:prstGeom prst="rect">
-              <a:avLst/>
-            </a:prstGeom>
-            <a:solidFill>
-              <a:schemeClr val="bg1"/>
-            </a:solidFill>
-          </p:spPr>
-          <p:style>
-            <a:lnRef idx="2">
-              <a:schemeClr val="accent1">
-                <a:shade val="15000"/>
-              </a:schemeClr>
-            </a:lnRef>
-            <a:fillRef idx="1">
-              <a:schemeClr val="accent1"/>
-            </a:fillRef>
-            <a:effectRef idx="0">
-              <a:schemeClr val="accent1"/>
-            </a:effectRef>
-            <a:fontRef idx="minor">
-              <a:schemeClr val="lt1"/>
-            </a:fontRef>
-          </p:style>
-          <p:txBody>
-            <a:bodyPr rtlCol="0" anchor="ctr"/>
-            <a:lstStyle/>
-            <a:p>
-              <a:r>
-                <a:rPr lang="vi-VN" sz="1000" dirty="0">
-                  <a:solidFill>
-                    <a:schemeClr val="tx1"/>
-                  </a:solidFill>
-                </a:rPr>
-                <a:t>GIAM30</a:t>
-              </a:r>
-              <a:endParaRPr lang="en-US" sz="1000" dirty="0">
-                <a:solidFill>
-                  <a:schemeClr val="tx1"/>
-                </a:solidFill>
-              </a:endParaRPr>
-            </a:p>
-          </p:txBody>
-        </p:sp>
-        <p:sp>
-          <p:nvSpPr>
-            <p:cNvPr id="66" name="Rectangle 65">
-              <a:extLst>
-                <a:ext uri="{FF2B5EF4-FFF2-40B4-BE49-F238E27FC236}">
-                  <a16:creationId xmlns:a16="http://schemas.microsoft.com/office/drawing/2014/main" id="{21E213E1-6C5C-D952-F76A-C1F19D33D118}"/>
-                </a:ext>
-              </a:extLst>
-            </p:cNvPr>
-            <p:cNvSpPr/>
-            <p:nvPr/>
-          </p:nvSpPr>
-          <p:spPr>
-            <a:xfrm>
-              <a:off x="5107384" y="5015706"/>
-              <a:ext cx="632471" cy="254031"/>
-            </a:xfrm>
-            <a:prstGeom prst="rect">
-              <a:avLst/>
-            </a:prstGeom>
-            <a:noFill/>
-            <a:ln>
-              <a:noFill/>
-            </a:ln>
-          </p:spPr>
-          <p:style>
-            <a:lnRef idx="2">
-              <a:schemeClr val="accent1">
-                <a:shade val="15000"/>
-              </a:schemeClr>
-            </a:lnRef>
-            <a:fillRef idx="1">
-              <a:schemeClr val="accent1"/>
-            </a:fillRef>
-            <a:effectRef idx="0">
-              <a:schemeClr val="accent1"/>
-            </a:effectRef>
-            <a:fontRef idx="minor">
-              <a:schemeClr val="lt1"/>
-            </a:fontRef>
-          </p:style>
-          <p:txBody>
-            <a:bodyPr rtlCol="0" anchor="ctr"/>
-            <a:lstStyle/>
-            <a:p>
-              <a:r>
-                <a:rPr lang="vi-VN" sz="1000" dirty="0">
-                  <a:solidFill>
-                    <a:schemeClr val="tx1"/>
-                  </a:solidFill>
-                </a:rPr>
-                <a:t>VND</a:t>
-              </a:r>
-              <a:endParaRPr lang="en-US" sz="1000" dirty="0">
-                <a:solidFill>
-                  <a:schemeClr val="tx1"/>
-                </a:solidFill>
-              </a:endParaRPr>
-            </a:p>
-          </p:txBody>
-        </p:sp>
-        <p:sp>
-          <p:nvSpPr>
-            <p:cNvPr id="67" name="Isosceles Triangle 66">
-              <a:extLst>
-                <a:ext uri="{FF2B5EF4-FFF2-40B4-BE49-F238E27FC236}">
-                  <a16:creationId xmlns:a16="http://schemas.microsoft.com/office/drawing/2014/main" id="{983D1BA1-C283-92A2-5FE6-A843BA402586}"/>
-                </a:ext>
-              </a:extLst>
-            </p:cNvPr>
-            <p:cNvSpPr/>
-            <p:nvPr/>
-          </p:nvSpPr>
-          <p:spPr>
-            <a:xfrm rot="10800000">
-              <a:off x="8521719" y="5117241"/>
-              <a:ext cx="102019" cy="66082"/>
-            </a:xfrm>
-            <a:prstGeom prst="triangle">
-              <a:avLst/>
-            </a:prstGeom>
-            <a:solidFill>
-              <a:schemeClr val="tx1"/>
-            </a:solidFill>
-            <a:ln>
-              <a:solidFill>
-                <a:schemeClr val="tx1"/>
-              </a:solidFill>
-            </a:ln>
-          </p:spPr>
-          <p:style>
-            <a:lnRef idx="2">
-              <a:schemeClr val="accent1">
-                <a:shade val="15000"/>
-              </a:schemeClr>
-            </a:lnRef>
-            <a:fillRef idx="1">
-              <a:schemeClr val="accent1"/>
-            </a:fillRef>
-            <a:effectRef idx="0">
-              <a:schemeClr val="accent1"/>
-            </a:effectRef>
-            <a:fontRef idx="minor">
-              <a:schemeClr val="lt1"/>
-            </a:fontRef>
-          </p:style>
-          <p:txBody>
-            <a:bodyPr rtlCol="0" anchor="ctr"/>
-            <a:lstStyle/>
-            <a:p>
-              <a:pPr algn="ctr"/>
-              <a:endParaRPr lang="en-US"/>
-            </a:p>
-          </p:txBody>
-        </p:sp>
-        <p:sp>
-          <p:nvSpPr>
-            <p:cNvPr id="68" name="Isosceles Triangle 67">
-              <a:extLst>
-                <a:ext uri="{FF2B5EF4-FFF2-40B4-BE49-F238E27FC236}">
-                  <a16:creationId xmlns:a16="http://schemas.microsoft.com/office/drawing/2014/main" id="{582DD6CA-2358-802B-5D98-AD8C442DDADC}"/>
-                </a:ext>
-              </a:extLst>
-            </p:cNvPr>
-            <p:cNvSpPr/>
-            <p:nvPr/>
-          </p:nvSpPr>
-          <p:spPr>
-            <a:xfrm rot="10800000">
-              <a:off x="4748069" y="4760363"/>
-              <a:ext cx="102019" cy="66082"/>
-            </a:xfrm>
-            <a:prstGeom prst="triangle">
-              <a:avLst/>
-            </a:prstGeom>
-            <a:solidFill>
-              <a:schemeClr val="tx1"/>
-            </a:solidFill>
-            <a:ln>
-              <a:solidFill>
-                <a:schemeClr val="tx1"/>
-              </a:solidFill>
-            </a:ln>
-          </p:spPr>
-          <p:style>
-            <a:lnRef idx="2">
-              <a:schemeClr val="accent1">
-                <a:shade val="15000"/>
-              </a:schemeClr>
-            </a:lnRef>
-            <a:fillRef idx="1">
-              <a:schemeClr val="accent1"/>
-            </a:fillRef>
-            <a:effectRef idx="0">
-              <a:schemeClr val="accent1"/>
-            </a:effectRef>
-            <a:fontRef idx="minor">
-              <a:schemeClr val="lt1"/>
-            </a:fontRef>
-          </p:style>
-          <p:txBody>
-            <a:bodyPr rtlCol="0" anchor="ctr"/>
-            <a:lstStyle/>
-            <a:p>
-              <a:pPr algn="ctr"/>
-              <a:endParaRPr lang="en-US"/>
-            </a:p>
-          </p:txBody>
-        </p:sp>
-        <p:sp>
-          <p:nvSpPr>
-            <p:cNvPr id="69" name="Isosceles Triangle 68">
-              <a:extLst>
-                <a:ext uri="{FF2B5EF4-FFF2-40B4-BE49-F238E27FC236}">
-                  <a16:creationId xmlns:a16="http://schemas.microsoft.com/office/drawing/2014/main" id="{45878BF5-B748-C8A4-7ACF-8EE686B892E9}"/>
-                </a:ext>
-              </a:extLst>
-            </p:cNvPr>
-            <p:cNvSpPr/>
-            <p:nvPr/>
-          </p:nvSpPr>
-          <p:spPr>
-            <a:xfrm rot="10800000">
-              <a:off x="4748068" y="4395308"/>
-              <a:ext cx="102019" cy="66082"/>
-            </a:xfrm>
-            <a:prstGeom prst="triangle">
-              <a:avLst/>
-            </a:prstGeom>
-            <a:solidFill>
-              <a:schemeClr val="tx1"/>
-            </a:solidFill>
-            <a:ln>
-              <a:solidFill>
-                <a:schemeClr val="tx1"/>
-              </a:solidFill>
-            </a:ln>
-          </p:spPr>
-          <p:style>
-            <a:lnRef idx="2">
-              <a:schemeClr val="accent1">
-                <a:shade val="15000"/>
-              </a:schemeClr>
-            </a:lnRef>
-            <a:fillRef idx="1">
-              <a:schemeClr val="accent1"/>
-            </a:fillRef>
-            <a:effectRef idx="0">
-              <a:schemeClr val="accent1"/>
-            </a:effectRef>
-            <a:fontRef idx="minor">
-              <a:schemeClr val="lt1"/>
-            </a:fontRef>
-          </p:style>
-          <p:txBody>
-            <a:bodyPr rtlCol="0" anchor="ctr"/>
-            <a:lstStyle/>
-            <a:p>
-              <a:pPr algn="ctr"/>
-              <a:endParaRPr lang="en-US"/>
-            </a:p>
-          </p:txBody>
-        </p:sp>
-        <p:sp>
-          <p:nvSpPr>
-            <p:cNvPr id="70" name="Isosceles Triangle 69">
-              <a:extLst>
-                <a:ext uri="{FF2B5EF4-FFF2-40B4-BE49-F238E27FC236}">
-                  <a16:creationId xmlns:a16="http://schemas.microsoft.com/office/drawing/2014/main" id="{F5E28FB7-8821-89D1-A4DA-04DA5A856329}"/>
-                </a:ext>
-              </a:extLst>
-            </p:cNvPr>
-            <p:cNvSpPr/>
-            <p:nvPr/>
-          </p:nvSpPr>
-          <p:spPr>
-            <a:xfrm rot="10800000">
-              <a:off x="8526739" y="4396245"/>
-              <a:ext cx="102019" cy="66082"/>
-            </a:xfrm>
-            <a:prstGeom prst="triangle">
-              <a:avLst/>
-            </a:prstGeom>
-            <a:solidFill>
-              <a:schemeClr val="tx1"/>
-            </a:solidFill>
-            <a:ln>
-              <a:solidFill>
-                <a:schemeClr val="tx1"/>
-              </a:solidFill>
-            </a:ln>
-          </p:spPr>
-          <p:style>
-            <a:lnRef idx="2">
-              <a:schemeClr val="accent1">
-                <a:shade val="15000"/>
-              </a:schemeClr>
-            </a:lnRef>
-            <a:fillRef idx="1">
-              <a:schemeClr val="accent1"/>
-            </a:fillRef>
-            <a:effectRef idx="0">
-              <a:schemeClr val="accent1"/>
-            </a:effectRef>
-            <a:fontRef idx="minor">
-              <a:schemeClr val="lt1"/>
-            </a:fontRef>
-          </p:style>
-          <p:txBody>
-            <a:bodyPr rtlCol="0" anchor="ctr"/>
-            <a:lstStyle/>
-            <a:p>
-              <a:pPr algn="ctr"/>
-              <a:endParaRPr lang="en-US"/>
-            </a:p>
-          </p:txBody>
-        </p:sp>
-        <p:sp>
-          <p:nvSpPr>
-            <p:cNvPr id="72" name="Isosceles Triangle 71">
-              <a:extLst>
-                <a:ext uri="{FF2B5EF4-FFF2-40B4-BE49-F238E27FC236}">
-                  <a16:creationId xmlns:a16="http://schemas.microsoft.com/office/drawing/2014/main" id="{5CD9F6C1-A713-B124-0484-3EDBE8BEFBFB}"/>
-                </a:ext>
-              </a:extLst>
-            </p:cNvPr>
-            <p:cNvSpPr/>
-            <p:nvPr/>
-          </p:nvSpPr>
-          <p:spPr>
-            <a:xfrm rot="10800000">
-              <a:off x="8526738" y="4767683"/>
-              <a:ext cx="102019" cy="66082"/>
-            </a:xfrm>
-            <a:prstGeom prst="triangle">
-              <a:avLst/>
-            </a:prstGeom>
-            <a:solidFill>
-              <a:schemeClr val="tx1"/>
-            </a:solidFill>
-            <a:ln>
-              <a:solidFill>
-                <a:schemeClr val="tx1"/>
-              </a:solidFill>
-            </a:ln>
-          </p:spPr>
-          <p:style>
-            <a:lnRef idx="2">
-              <a:schemeClr val="accent1">
-                <a:shade val="15000"/>
-              </a:schemeClr>
-            </a:lnRef>
-            <a:fillRef idx="1">
-              <a:schemeClr val="accent1"/>
-            </a:fillRef>
-            <a:effectRef idx="0">
-              <a:schemeClr val="accent1"/>
-            </a:effectRef>
-            <a:fontRef idx="minor">
-              <a:schemeClr val="lt1"/>
-            </a:fontRef>
-          </p:style>
-          <p:txBody>
-            <a:bodyPr rtlCol="0" anchor="ctr"/>
-            <a:lstStyle/>
-            <a:p>
-              <a:pPr algn="ctr"/>
-              <a:endParaRPr lang="en-US"/>
-            </a:p>
-          </p:txBody>
-        </p:sp>
-        <p:grpSp>
-          <p:nvGrpSpPr>
-            <p:cNvPr id="8" name="Group 7">
-              <a:extLst>
-                <a:ext uri="{FF2B5EF4-FFF2-40B4-BE49-F238E27FC236}">
-                  <a16:creationId xmlns:a16="http://schemas.microsoft.com/office/drawing/2014/main" id="{C813A644-3B91-AF27-FE77-1CA3E0B70996}"/>
-                </a:ext>
-              </a:extLst>
-            </p:cNvPr>
-            <p:cNvGrpSpPr/>
-            <p:nvPr/>
-          </p:nvGrpSpPr>
-          <p:grpSpPr>
-            <a:xfrm>
-              <a:off x="3730711" y="3544093"/>
-              <a:ext cx="825523" cy="634205"/>
-              <a:chOff x="3730711" y="3544093"/>
-              <a:chExt cx="825523" cy="634205"/>
-            </a:xfrm>
-          </p:grpSpPr>
-          <p:sp>
-            <p:nvSpPr>
-              <p:cNvPr id="62" name="Rectangle 61">
-                <a:extLst>
-                  <a:ext uri="{FF2B5EF4-FFF2-40B4-BE49-F238E27FC236}">
-                    <a16:creationId xmlns:a16="http://schemas.microsoft.com/office/drawing/2014/main" id="{2ED1F393-251C-9D6D-05A3-503C0E69D4E0}"/>
-                  </a:ext>
-                </a:extLst>
-              </p:cNvPr>
-              <p:cNvSpPr/>
-              <p:nvPr/>
-            </p:nvSpPr>
-            <p:spPr>
-              <a:xfrm>
-                <a:off x="3730711" y="3544093"/>
-                <a:ext cx="825523" cy="634205"/>
-              </a:xfrm>
-              <a:prstGeom prst="rect">
-                <a:avLst/>
-              </a:prstGeom>
-              <a:solidFill>
-                <a:schemeClr val="bg1"/>
-              </a:solidFill>
-            </p:spPr>
-            <p:style>
-              <a:lnRef idx="2">
-                <a:schemeClr val="accent1">
-                  <a:shade val="15000"/>
-                </a:schemeClr>
-              </a:lnRef>
-              <a:fillRef idx="1">
-                <a:schemeClr val="accent1"/>
-              </a:fillRef>
-              <a:effectRef idx="0">
-                <a:schemeClr val="accent1"/>
-              </a:effectRef>
-              <a:fontRef idx="minor">
-                <a:schemeClr val="lt1"/>
-              </a:fontRef>
-            </p:style>
-            <p:txBody>
-              <a:bodyPr rtlCol="0" anchor="ctr"/>
-              <a:lstStyle/>
-              <a:p>
-                <a:endParaRPr lang="en-US" sz="1000" dirty="0">
-                  <a:solidFill>
-                    <a:schemeClr val="tx1"/>
-                  </a:solidFill>
-                </a:endParaRPr>
-              </a:p>
-            </p:txBody>
-          </p:sp>
-          <p:pic>
-            <p:nvPicPr>
-              <p:cNvPr id="7" name="Graphic 6" descr="Boot outline">
-                <a:extLst>
-                  <a:ext uri="{FF2B5EF4-FFF2-40B4-BE49-F238E27FC236}">
-                    <a16:creationId xmlns:a16="http://schemas.microsoft.com/office/drawing/2014/main" id="{1B9E10B6-7844-3F5B-388C-32A56C71DB8A}"/>
-                  </a:ext>
-                </a:extLst>
-              </p:cNvPr>
-              <p:cNvPicPr>
-                <a:picLocks noChangeAspect="1"/>
-              </p:cNvPicPr>
-              <p:nvPr/>
-            </p:nvPicPr>
-            <p:blipFill>
-              <a:blip r:embed="rId2">
-                <a:extLst>
-                  <a:ext uri="{28A0092B-C50C-407E-A947-70E740481C1C}">
-                    <a14:useLocalDpi xmlns:a14="http://schemas.microsoft.com/office/drawing/2010/main" val="0"/>
-                  </a:ext>
-                  <a:ext uri="{96DAC541-7B7A-43D3-8B79-37D633B846F1}">
-                    <asvg:svgBlip xmlns:asvg="http://schemas.microsoft.com/office/drawing/2016/SVG/main" r:embed="rId3"/>
-                  </a:ext>
-                </a:extLst>
-              </a:blip>
-              <a:stretch>
-                <a:fillRect/>
-              </a:stretch>
-            </p:blipFill>
-            <p:spPr>
-              <a:xfrm>
-                <a:off x="3852254" y="3569977"/>
-                <a:ext cx="582436" cy="582436"/>
-              </a:xfrm>
-              <a:prstGeom prst="rect">
-                <a:avLst/>
-              </a:prstGeom>
-            </p:spPr>
-          </p:pic>
-        </p:grpSp>
-        <p:grpSp>
-          <p:nvGrpSpPr>
-            <p:cNvPr id="9" name="Group 8">
-              <a:extLst>
-                <a:ext uri="{FF2B5EF4-FFF2-40B4-BE49-F238E27FC236}">
-                  <a16:creationId xmlns:a16="http://schemas.microsoft.com/office/drawing/2014/main" id="{2681002D-C35A-EA13-96D0-ACF70C00CD20}"/>
-                </a:ext>
-              </a:extLst>
-            </p:cNvPr>
-            <p:cNvGrpSpPr/>
-            <p:nvPr/>
-          </p:nvGrpSpPr>
-          <p:grpSpPr>
-            <a:xfrm>
-              <a:off x="4799077" y="3549468"/>
-              <a:ext cx="825523" cy="634205"/>
-              <a:chOff x="3730711" y="3544093"/>
-              <a:chExt cx="825523" cy="634205"/>
-            </a:xfrm>
-          </p:grpSpPr>
-          <p:sp>
-            <p:nvSpPr>
-              <p:cNvPr id="11" name="Rectangle 10">
-                <a:extLst>
-                  <a:ext uri="{FF2B5EF4-FFF2-40B4-BE49-F238E27FC236}">
-                    <a16:creationId xmlns:a16="http://schemas.microsoft.com/office/drawing/2014/main" id="{F337BA69-39D5-4C96-78DB-530B92BE8F97}"/>
-                  </a:ext>
-                </a:extLst>
-              </p:cNvPr>
-              <p:cNvSpPr/>
-              <p:nvPr/>
-            </p:nvSpPr>
-            <p:spPr>
-              <a:xfrm>
-                <a:off x="3730711" y="3544093"/>
-                <a:ext cx="825523" cy="634205"/>
-              </a:xfrm>
-              <a:prstGeom prst="rect">
-                <a:avLst/>
-              </a:prstGeom>
-              <a:solidFill>
-                <a:schemeClr val="bg1"/>
-              </a:solidFill>
-            </p:spPr>
-            <p:style>
-              <a:lnRef idx="2">
-                <a:schemeClr val="accent1">
-                  <a:shade val="15000"/>
-                </a:schemeClr>
-              </a:lnRef>
-              <a:fillRef idx="1">
-                <a:schemeClr val="accent1"/>
-              </a:fillRef>
-              <a:effectRef idx="0">
-                <a:schemeClr val="accent1"/>
-              </a:effectRef>
-              <a:fontRef idx="minor">
-                <a:schemeClr val="lt1"/>
-              </a:fontRef>
-            </p:style>
-            <p:txBody>
-              <a:bodyPr rtlCol="0" anchor="ctr"/>
-              <a:lstStyle/>
-              <a:p>
-                <a:endParaRPr lang="en-US" sz="1000" dirty="0">
-                  <a:solidFill>
-                    <a:schemeClr val="tx1"/>
-                  </a:solidFill>
-                </a:endParaRPr>
-              </a:p>
-            </p:txBody>
-          </p:sp>
-          <p:pic>
-            <p:nvPicPr>
-              <p:cNvPr id="12" name="Graphic 11" descr="Boot outline">
-                <a:extLst>
-                  <a:ext uri="{FF2B5EF4-FFF2-40B4-BE49-F238E27FC236}">
-                    <a16:creationId xmlns:a16="http://schemas.microsoft.com/office/drawing/2014/main" id="{6CB5B96D-3576-4355-512D-336A6DEE672F}"/>
-                  </a:ext>
-                </a:extLst>
-              </p:cNvPr>
-              <p:cNvPicPr>
-                <a:picLocks noChangeAspect="1"/>
-              </p:cNvPicPr>
-              <p:nvPr/>
-            </p:nvPicPr>
-            <p:blipFill>
-              <a:blip r:embed="rId2">
-                <a:extLst>
-                  <a:ext uri="{28A0092B-C50C-407E-A947-70E740481C1C}">
-                    <a14:useLocalDpi xmlns:a14="http://schemas.microsoft.com/office/drawing/2010/main" val="0"/>
-                  </a:ext>
-                  <a:ext uri="{96DAC541-7B7A-43D3-8B79-37D633B846F1}">
-                    <asvg:svgBlip xmlns:asvg="http://schemas.microsoft.com/office/drawing/2016/SVG/main" r:embed="rId3"/>
-                  </a:ext>
-                </a:extLst>
-              </a:blip>
-              <a:stretch>
-                <a:fillRect/>
-              </a:stretch>
-            </p:blipFill>
-            <p:spPr>
-              <a:xfrm>
-                <a:off x="3852254" y="3569977"/>
-                <a:ext cx="582436" cy="582436"/>
-              </a:xfrm>
-              <a:prstGeom prst="rect">
-                <a:avLst/>
-              </a:prstGeom>
-            </p:spPr>
-          </p:pic>
-        </p:grpSp>
-        <p:grpSp>
-          <p:nvGrpSpPr>
-            <p:cNvPr id="13" name="Group 12">
-              <a:extLst>
-                <a:ext uri="{FF2B5EF4-FFF2-40B4-BE49-F238E27FC236}">
-                  <a16:creationId xmlns:a16="http://schemas.microsoft.com/office/drawing/2014/main" id="{77C16E14-BF1C-60C2-3AB8-02B4B8E0E9DE}"/>
-                </a:ext>
-              </a:extLst>
-            </p:cNvPr>
-            <p:cNvGrpSpPr/>
-            <p:nvPr/>
-          </p:nvGrpSpPr>
-          <p:grpSpPr>
-            <a:xfrm>
-              <a:off x="5867443" y="3554843"/>
-              <a:ext cx="825523" cy="634205"/>
-              <a:chOff x="3730711" y="3544093"/>
-              <a:chExt cx="825523" cy="634205"/>
-            </a:xfrm>
-          </p:grpSpPr>
-          <p:sp>
-            <p:nvSpPr>
-              <p:cNvPr id="14" name="Rectangle 13">
-                <a:extLst>
-                  <a:ext uri="{FF2B5EF4-FFF2-40B4-BE49-F238E27FC236}">
-                    <a16:creationId xmlns:a16="http://schemas.microsoft.com/office/drawing/2014/main" id="{25D04501-F603-7EA3-EF50-639BF2220A49}"/>
-                  </a:ext>
-                </a:extLst>
-              </p:cNvPr>
-              <p:cNvSpPr/>
-              <p:nvPr/>
-            </p:nvSpPr>
-            <p:spPr>
-              <a:xfrm>
-                <a:off x="3730711" y="3544093"/>
-                <a:ext cx="825523" cy="634205"/>
-              </a:xfrm>
-              <a:prstGeom prst="rect">
-                <a:avLst/>
-              </a:prstGeom>
-              <a:solidFill>
-                <a:schemeClr val="bg1"/>
-              </a:solidFill>
-            </p:spPr>
-            <p:style>
-              <a:lnRef idx="2">
-                <a:schemeClr val="accent1">
-                  <a:shade val="15000"/>
-                </a:schemeClr>
-              </a:lnRef>
-              <a:fillRef idx="1">
-                <a:schemeClr val="accent1"/>
-              </a:fillRef>
-              <a:effectRef idx="0">
-                <a:schemeClr val="accent1"/>
-              </a:effectRef>
-              <a:fontRef idx="minor">
-                <a:schemeClr val="lt1"/>
-              </a:fontRef>
-            </p:style>
-            <p:txBody>
-              <a:bodyPr rtlCol="0" anchor="ctr"/>
-              <a:lstStyle/>
-              <a:p>
-                <a:endParaRPr lang="en-US" sz="1000" dirty="0">
-                  <a:solidFill>
-                    <a:schemeClr val="tx1"/>
-                  </a:solidFill>
-                </a:endParaRPr>
-              </a:p>
-            </p:txBody>
-          </p:sp>
-          <p:pic>
-            <p:nvPicPr>
-              <p:cNvPr id="15" name="Graphic 14" descr="Boot outline">
-                <a:extLst>
-                  <a:ext uri="{FF2B5EF4-FFF2-40B4-BE49-F238E27FC236}">
-                    <a16:creationId xmlns:a16="http://schemas.microsoft.com/office/drawing/2014/main" id="{52416A27-DD8C-9518-61CB-97D5D13E1977}"/>
-                  </a:ext>
-                </a:extLst>
-              </p:cNvPr>
-              <p:cNvPicPr>
-                <a:picLocks noChangeAspect="1"/>
-              </p:cNvPicPr>
-              <p:nvPr/>
-            </p:nvPicPr>
-            <p:blipFill>
-              <a:blip r:embed="rId2">
-                <a:extLst>
-                  <a:ext uri="{28A0092B-C50C-407E-A947-70E740481C1C}">
-                    <a14:useLocalDpi xmlns:a14="http://schemas.microsoft.com/office/drawing/2010/main" val="0"/>
-                  </a:ext>
-                  <a:ext uri="{96DAC541-7B7A-43D3-8B79-37D633B846F1}">
-                    <asvg:svgBlip xmlns:asvg="http://schemas.microsoft.com/office/drawing/2016/SVG/main" r:embed="rId3"/>
-                  </a:ext>
-                </a:extLst>
-              </a:blip>
-              <a:stretch>
-                <a:fillRect/>
-              </a:stretch>
-            </p:blipFill>
-            <p:spPr>
-              <a:xfrm>
-                <a:off x="3852254" y="3569977"/>
-                <a:ext cx="582436" cy="582436"/>
-              </a:xfrm>
-              <a:prstGeom prst="rect">
-                <a:avLst/>
-              </a:prstGeom>
-            </p:spPr>
-          </p:pic>
-        </p:grpSp>
-        <p:grpSp>
-          <p:nvGrpSpPr>
-            <p:cNvPr id="18" name="Group 17">
-              <a:extLst>
-                <a:ext uri="{FF2B5EF4-FFF2-40B4-BE49-F238E27FC236}">
-                  <a16:creationId xmlns:a16="http://schemas.microsoft.com/office/drawing/2014/main" id="{D2B733A0-4862-4BD0-4A9B-9085F93A2CD0}"/>
-                </a:ext>
-              </a:extLst>
-            </p:cNvPr>
-            <p:cNvGrpSpPr/>
-            <p:nvPr/>
-          </p:nvGrpSpPr>
-          <p:grpSpPr>
-            <a:xfrm>
-              <a:off x="6935809" y="3560218"/>
-              <a:ext cx="825523" cy="634205"/>
-              <a:chOff x="3730711" y="3544093"/>
-              <a:chExt cx="825523" cy="634205"/>
-            </a:xfrm>
-          </p:grpSpPr>
-          <p:sp>
-            <p:nvSpPr>
-              <p:cNvPr id="19" name="Rectangle 18">
-                <a:extLst>
-                  <a:ext uri="{FF2B5EF4-FFF2-40B4-BE49-F238E27FC236}">
-                    <a16:creationId xmlns:a16="http://schemas.microsoft.com/office/drawing/2014/main" id="{715C8E0E-21D4-48C8-960A-B121143429CE}"/>
-                  </a:ext>
-                </a:extLst>
-              </p:cNvPr>
-              <p:cNvSpPr/>
-              <p:nvPr/>
-            </p:nvSpPr>
-            <p:spPr>
-              <a:xfrm>
-                <a:off x="3730711" y="3544093"/>
-                <a:ext cx="825523" cy="634205"/>
-              </a:xfrm>
-              <a:prstGeom prst="rect">
-                <a:avLst/>
-              </a:prstGeom>
-              <a:solidFill>
-                <a:schemeClr val="bg1"/>
-              </a:solidFill>
-            </p:spPr>
-            <p:style>
-              <a:lnRef idx="2">
-                <a:schemeClr val="accent1">
-                  <a:shade val="15000"/>
-                </a:schemeClr>
-              </a:lnRef>
-              <a:fillRef idx="1">
-                <a:schemeClr val="accent1"/>
-              </a:fillRef>
-              <a:effectRef idx="0">
-                <a:schemeClr val="accent1"/>
-              </a:effectRef>
-              <a:fontRef idx="minor">
-                <a:schemeClr val="lt1"/>
-              </a:fontRef>
-            </p:style>
-            <p:txBody>
-              <a:bodyPr rtlCol="0" anchor="ctr"/>
-              <a:lstStyle/>
-              <a:p>
-                <a:endParaRPr lang="en-US" sz="1000" dirty="0">
-                  <a:solidFill>
-                    <a:schemeClr val="tx1"/>
-                  </a:solidFill>
-                </a:endParaRPr>
-              </a:p>
-            </p:txBody>
-          </p:sp>
-          <p:pic>
-            <p:nvPicPr>
-              <p:cNvPr id="24" name="Graphic 23" descr="Boot outline">
-                <a:extLst>
-                  <a:ext uri="{FF2B5EF4-FFF2-40B4-BE49-F238E27FC236}">
-                    <a16:creationId xmlns:a16="http://schemas.microsoft.com/office/drawing/2014/main" id="{4C273BDF-A74B-A84E-D3A3-4DE1EC1E99ED}"/>
-                  </a:ext>
-                </a:extLst>
-              </p:cNvPr>
-              <p:cNvPicPr>
-                <a:picLocks noChangeAspect="1"/>
-              </p:cNvPicPr>
-              <p:nvPr/>
-            </p:nvPicPr>
-            <p:blipFill>
-              <a:blip r:embed="rId2">
-                <a:extLst>
-                  <a:ext uri="{28A0092B-C50C-407E-A947-70E740481C1C}">
-                    <a14:useLocalDpi xmlns:a14="http://schemas.microsoft.com/office/drawing/2010/main" val="0"/>
-                  </a:ext>
-                  <a:ext uri="{96DAC541-7B7A-43D3-8B79-37D633B846F1}">
-                    <asvg:svgBlip xmlns:asvg="http://schemas.microsoft.com/office/drawing/2016/SVG/main" r:embed="rId3"/>
-                  </a:ext>
-                </a:extLst>
-              </a:blip>
-              <a:stretch>
-                <a:fillRect/>
-              </a:stretch>
-            </p:blipFill>
-            <p:spPr>
-              <a:xfrm>
-                <a:off x="3852254" y="3569977"/>
-                <a:ext cx="582436" cy="582436"/>
-              </a:xfrm>
-              <a:prstGeom prst="rect">
-                <a:avLst/>
-              </a:prstGeom>
-            </p:spPr>
-          </p:pic>
-        </p:grpSp>
-        <p:grpSp>
-          <p:nvGrpSpPr>
-            <p:cNvPr id="25" name="Group 24">
-              <a:extLst>
-                <a:ext uri="{FF2B5EF4-FFF2-40B4-BE49-F238E27FC236}">
-                  <a16:creationId xmlns:a16="http://schemas.microsoft.com/office/drawing/2014/main" id="{34CD3ECA-0C6A-5801-D30F-D0C1906B300D}"/>
-                </a:ext>
-              </a:extLst>
-            </p:cNvPr>
-            <p:cNvGrpSpPr/>
-            <p:nvPr/>
-          </p:nvGrpSpPr>
-          <p:grpSpPr>
-            <a:xfrm>
-              <a:off x="7960187" y="3561279"/>
-              <a:ext cx="825523" cy="634205"/>
-              <a:chOff x="3730711" y="3544093"/>
-              <a:chExt cx="825523" cy="634205"/>
-            </a:xfrm>
-          </p:grpSpPr>
-          <p:sp>
-            <p:nvSpPr>
-              <p:cNvPr id="26" name="Rectangle 25">
-                <a:extLst>
-                  <a:ext uri="{FF2B5EF4-FFF2-40B4-BE49-F238E27FC236}">
-                    <a16:creationId xmlns:a16="http://schemas.microsoft.com/office/drawing/2014/main" id="{537C4239-3179-4729-A240-1CF853AE2917}"/>
-                  </a:ext>
-                </a:extLst>
-              </p:cNvPr>
-              <p:cNvSpPr/>
-              <p:nvPr/>
-            </p:nvSpPr>
-            <p:spPr>
-              <a:xfrm>
-                <a:off x="3730711" y="3544093"/>
-                <a:ext cx="825523" cy="634205"/>
-              </a:xfrm>
-              <a:prstGeom prst="rect">
-                <a:avLst/>
-              </a:prstGeom>
-              <a:solidFill>
-                <a:schemeClr val="bg1"/>
-              </a:solidFill>
-            </p:spPr>
-            <p:style>
-              <a:lnRef idx="2">
-                <a:schemeClr val="accent1">
-                  <a:shade val="15000"/>
-                </a:schemeClr>
-              </a:lnRef>
-              <a:fillRef idx="1">
-                <a:schemeClr val="accent1"/>
-              </a:fillRef>
-              <a:effectRef idx="0">
-                <a:schemeClr val="accent1"/>
-              </a:effectRef>
-              <a:fontRef idx="minor">
-                <a:schemeClr val="lt1"/>
-              </a:fontRef>
-            </p:style>
-            <p:txBody>
-              <a:bodyPr rtlCol="0" anchor="ctr"/>
-              <a:lstStyle/>
-              <a:p>
-                <a:endParaRPr lang="en-US" sz="1000" dirty="0">
-                  <a:solidFill>
-                    <a:schemeClr val="tx1"/>
-                  </a:solidFill>
-                </a:endParaRPr>
-              </a:p>
-            </p:txBody>
-          </p:sp>
-          <p:pic>
-            <p:nvPicPr>
-              <p:cNvPr id="27" name="Graphic 26" descr="Boot outline">
-                <a:extLst>
-                  <a:ext uri="{FF2B5EF4-FFF2-40B4-BE49-F238E27FC236}">
-                    <a16:creationId xmlns:a16="http://schemas.microsoft.com/office/drawing/2014/main" id="{7789D41B-C286-2F74-27C5-9ED0EC484505}"/>
-                  </a:ext>
-                </a:extLst>
-              </p:cNvPr>
-              <p:cNvPicPr>
-                <a:picLocks noChangeAspect="1"/>
-              </p:cNvPicPr>
-              <p:nvPr/>
-            </p:nvPicPr>
-            <p:blipFill>
-              <a:blip r:embed="rId2">
-                <a:extLst>
-                  <a:ext uri="{28A0092B-C50C-407E-A947-70E740481C1C}">
-                    <a14:useLocalDpi xmlns:a14="http://schemas.microsoft.com/office/drawing/2010/main" val="0"/>
-                  </a:ext>
-                  <a:ext uri="{96DAC541-7B7A-43D3-8B79-37D633B846F1}">
-                    <asvg:svgBlip xmlns:asvg="http://schemas.microsoft.com/office/drawing/2016/SVG/main" r:embed="rId3"/>
-                  </a:ext>
-                </a:extLst>
-              </a:blip>
-              <a:stretch>
-                <a:fillRect/>
-              </a:stretch>
-            </p:blipFill>
-            <p:spPr>
-              <a:xfrm>
-                <a:off x="3852254" y="3569977"/>
-                <a:ext cx="582436" cy="582436"/>
-              </a:xfrm>
-              <a:prstGeom prst="rect">
-                <a:avLst/>
-              </a:prstGeom>
-            </p:spPr>
-          </p:pic>
-        </p:grpSp>
-        <p:sp>
-          <p:nvSpPr>
-            <p:cNvPr id="30" name="Multiplication Sign 29">
-              <a:extLst>
-                <a:ext uri="{FF2B5EF4-FFF2-40B4-BE49-F238E27FC236}">
-                  <a16:creationId xmlns:a16="http://schemas.microsoft.com/office/drawing/2014/main" id="{20B24010-127F-26A5-DC5A-34212367778D}"/>
-                </a:ext>
-              </a:extLst>
-            </p:cNvPr>
-            <p:cNvSpPr/>
-            <p:nvPr/>
-          </p:nvSpPr>
-          <p:spPr>
-            <a:xfrm>
-              <a:off x="4322539" y="3561279"/>
-              <a:ext cx="204951" cy="185621"/>
-            </a:xfrm>
-            <a:prstGeom prst="mathMultiply">
-              <a:avLst/>
-            </a:prstGeom>
-            <a:solidFill>
-              <a:srgbClr val="FF0000"/>
-            </a:solidFill>
-          </p:spPr>
-          <p:style>
-            <a:lnRef idx="2">
-              <a:schemeClr val="accent1">
-                <a:shade val="15000"/>
-              </a:schemeClr>
-            </a:lnRef>
-            <a:fillRef idx="1">
-              <a:schemeClr val="accent1"/>
-            </a:fillRef>
-            <a:effectRef idx="0">
-              <a:schemeClr val="accent1"/>
-            </a:effectRef>
-            <a:fontRef idx="minor">
-              <a:schemeClr val="lt1"/>
-            </a:fontRef>
-          </p:style>
-          <p:txBody>
-            <a:bodyPr rtlCol="0" anchor="ctr"/>
-            <a:lstStyle/>
-            <a:p>
-              <a:pPr algn="ctr"/>
-              <a:endParaRPr lang="en-US"/>
-            </a:p>
-          </p:txBody>
-        </p:sp>
-        <p:sp>
-          <p:nvSpPr>
-            <p:cNvPr id="31" name="Multiplication Sign 30">
-              <a:extLst>
-                <a:ext uri="{FF2B5EF4-FFF2-40B4-BE49-F238E27FC236}">
-                  <a16:creationId xmlns:a16="http://schemas.microsoft.com/office/drawing/2014/main" id="{E54879B6-4C9A-1175-AB37-B36A72557683}"/>
-                </a:ext>
-              </a:extLst>
-            </p:cNvPr>
-            <p:cNvSpPr/>
-            <p:nvPr/>
-          </p:nvSpPr>
-          <p:spPr>
-            <a:xfrm>
-              <a:off x="5387857" y="3583094"/>
-              <a:ext cx="204951" cy="185621"/>
-            </a:xfrm>
-            <a:prstGeom prst="mathMultiply">
-              <a:avLst/>
-            </a:prstGeom>
-            <a:solidFill>
-              <a:srgbClr val="FF0000"/>
-            </a:solidFill>
-          </p:spPr>
-          <p:style>
-            <a:lnRef idx="2">
-              <a:schemeClr val="accent1">
-                <a:shade val="15000"/>
-              </a:schemeClr>
-            </a:lnRef>
-            <a:fillRef idx="1">
-              <a:schemeClr val="accent1"/>
-            </a:fillRef>
-            <a:effectRef idx="0">
-              <a:schemeClr val="accent1"/>
-            </a:effectRef>
-            <a:fontRef idx="minor">
-              <a:schemeClr val="lt1"/>
-            </a:fontRef>
-          </p:style>
-          <p:txBody>
-            <a:bodyPr rtlCol="0" anchor="ctr"/>
-            <a:lstStyle/>
-            <a:p>
-              <a:pPr algn="ctr"/>
-              <a:endParaRPr lang="en-US"/>
-            </a:p>
-          </p:txBody>
-        </p:sp>
-        <p:sp>
-          <p:nvSpPr>
-            <p:cNvPr id="35" name="Multiplication Sign 34">
-              <a:extLst>
-                <a:ext uri="{FF2B5EF4-FFF2-40B4-BE49-F238E27FC236}">
-                  <a16:creationId xmlns:a16="http://schemas.microsoft.com/office/drawing/2014/main" id="{6BDD226F-2FE3-4577-E583-5043091A8421}"/>
-                </a:ext>
-              </a:extLst>
-            </p:cNvPr>
-            <p:cNvSpPr/>
-            <p:nvPr/>
-          </p:nvSpPr>
-          <p:spPr>
-            <a:xfrm>
-              <a:off x="6460560" y="3588086"/>
-              <a:ext cx="204951" cy="185621"/>
-            </a:xfrm>
-            <a:prstGeom prst="mathMultiply">
-              <a:avLst/>
-            </a:prstGeom>
-            <a:solidFill>
-              <a:srgbClr val="FF0000"/>
-            </a:solidFill>
-          </p:spPr>
-          <p:style>
-            <a:lnRef idx="2">
-              <a:schemeClr val="accent1">
-                <a:shade val="15000"/>
-              </a:schemeClr>
-            </a:lnRef>
-            <a:fillRef idx="1">
-              <a:schemeClr val="accent1"/>
-            </a:fillRef>
-            <a:effectRef idx="0">
-              <a:schemeClr val="accent1"/>
-            </a:effectRef>
-            <a:fontRef idx="minor">
-              <a:schemeClr val="lt1"/>
-            </a:fontRef>
-          </p:style>
-          <p:txBody>
-            <a:bodyPr rtlCol="0" anchor="ctr"/>
-            <a:lstStyle/>
-            <a:p>
-              <a:pPr algn="ctr"/>
-              <a:endParaRPr lang="en-US"/>
-            </a:p>
-          </p:txBody>
-        </p:sp>
-        <p:sp>
-          <p:nvSpPr>
-            <p:cNvPr id="36" name="Multiplication Sign 35">
-              <a:extLst>
-                <a:ext uri="{FF2B5EF4-FFF2-40B4-BE49-F238E27FC236}">
-                  <a16:creationId xmlns:a16="http://schemas.microsoft.com/office/drawing/2014/main" id="{41E9FBF2-B3C0-14F3-3430-073FD7F80EEE}"/>
-                </a:ext>
-              </a:extLst>
-            </p:cNvPr>
-            <p:cNvSpPr/>
-            <p:nvPr/>
-          </p:nvSpPr>
-          <p:spPr>
-            <a:xfrm>
-              <a:off x="7533263" y="3593078"/>
-              <a:ext cx="204951" cy="185621"/>
-            </a:xfrm>
-            <a:prstGeom prst="mathMultiply">
-              <a:avLst/>
-            </a:prstGeom>
-            <a:solidFill>
-              <a:srgbClr val="FF0000"/>
-            </a:solidFill>
-          </p:spPr>
-          <p:style>
-            <a:lnRef idx="2">
-              <a:schemeClr val="accent1">
-                <a:shade val="15000"/>
-              </a:schemeClr>
-            </a:lnRef>
-            <a:fillRef idx="1">
-              <a:schemeClr val="accent1"/>
-            </a:fillRef>
-            <a:effectRef idx="0">
-              <a:schemeClr val="accent1"/>
-            </a:effectRef>
-            <a:fontRef idx="minor">
-              <a:schemeClr val="lt1"/>
-            </a:fontRef>
-          </p:style>
-          <p:txBody>
-            <a:bodyPr rtlCol="0" anchor="ctr"/>
-            <a:lstStyle/>
-            <a:p>
-              <a:pPr algn="ctr"/>
-              <a:endParaRPr lang="en-US"/>
-            </a:p>
-          </p:txBody>
-        </p:sp>
-        <p:sp>
-          <p:nvSpPr>
-            <p:cNvPr id="40" name="Multiplication Sign 39">
-              <a:extLst>
-                <a:ext uri="{FF2B5EF4-FFF2-40B4-BE49-F238E27FC236}">
-                  <a16:creationId xmlns:a16="http://schemas.microsoft.com/office/drawing/2014/main" id="{904AF515-6150-2011-05B0-FFCE977F19E6}"/>
-                </a:ext>
-              </a:extLst>
-            </p:cNvPr>
-            <p:cNvSpPr/>
-            <p:nvPr/>
-          </p:nvSpPr>
-          <p:spPr>
-            <a:xfrm>
-              <a:off x="8561278" y="3593077"/>
-              <a:ext cx="204951" cy="185621"/>
-            </a:xfrm>
-            <a:prstGeom prst="mathMultiply">
-              <a:avLst/>
-            </a:prstGeom>
-            <a:solidFill>
-              <a:srgbClr val="FF0000"/>
-            </a:solidFill>
-          </p:spPr>
-          <p:style>
-            <a:lnRef idx="2">
-              <a:schemeClr val="accent1">
-                <a:shade val="15000"/>
-              </a:schemeClr>
-            </a:lnRef>
-            <a:fillRef idx="1">
-              <a:schemeClr val="accent1"/>
-            </a:fillRef>
-            <a:effectRef idx="0">
-              <a:schemeClr val="accent1"/>
-            </a:effectRef>
-            <a:fontRef idx="minor">
-              <a:schemeClr val="lt1"/>
-            </a:fontRef>
-          </p:style>
-          <p:txBody>
-            <a:bodyPr rtlCol="0" anchor="ctr"/>
-            <a:lstStyle/>
-            <a:p>
-              <a:pPr algn="ctr"/>
-              <a:endParaRPr lang="en-US"/>
-            </a:p>
-          </p:txBody>
-        </p:sp>
-        <p:sp>
-          <p:nvSpPr>
-            <p:cNvPr id="42" name="Isosceles Triangle 41">
-              <a:extLst>
-                <a:ext uri="{FF2B5EF4-FFF2-40B4-BE49-F238E27FC236}">
-                  <a16:creationId xmlns:a16="http://schemas.microsoft.com/office/drawing/2014/main" id="{16A9DD0D-FBF0-066A-75D5-E00F9B9D9798}"/>
-                </a:ext>
-              </a:extLst>
-            </p:cNvPr>
-            <p:cNvSpPr/>
-            <p:nvPr/>
-          </p:nvSpPr>
-          <p:spPr>
-            <a:xfrm rot="10800000">
-              <a:off x="8521718" y="2141217"/>
-              <a:ext cx="102019" cy="66082"/>
-            </a:xfrm>
-            <a:prstGeom prst="triangle">
-              <a:avLst/>
-            </a:prstGeom>
-            <a:solidFill>
-              <a:schemeClr val="tx1"/>
-            </a:solidFill>
-            <a:ln>
-              <a:solidFill>
-                <a:schemeClr val="tx1"/>
-              </a:solidFill>
-            </a:ln>
-          </p:spPr>
-          <p:style>
-            <a:lnRef idx="2">
-              <a:schemeClr val="accent1">
-                <a:shade val="15000"/>
-              </a:schemeClr>
-            </a:lnRef>
-            <a:fillRef idx="1">
-              <a:schemeClr val="accent1"/>
-            </a:fillRef>
-            <a:effectRef idx="0">
-              <a:schemeClr val="accent1"/>
-            </a:effectRef>
-            <a:fontRef idx="minor">
-              <a:schemeClr val="lt1"/>
-            </a:fontRef>
-          </p:style>
-          <p:txBody>
-            <a:bodyPr rtlCol="0" anchor="ctr"/>
-            <a:lstStyle/>
-            <a:p>
-              <a:pPr algn="ctr"/>
-              <a:endParaRPr lang="en-US"/>
             </a:p>
           </p:txBody>
         </p:sp>
